--- a/Blendenpik Presentation.pptx
+++ b/Blendenpik Presentation.pptx
@@ -1,41 +1,46 @@
 
 <file path=ppt/presentation.xml><?xml version="1.0" encoding="utf-8"?>
-<p:presentation xmlns:a="http://schemas.openxmlformats.org/drawingml/2006/main" xmlns:r="http://schemas.openxmlformats.org/officeDocument/2006/relationships" xmlns:mc="http://schemas.openxmlformats.org/markup-compatibility/2006" xmlns:mv="urn:schemas-microsoft-com:mac:vml" xmlns:p="http://schemas.openxmlformats.org/presentationml/2006/main" xmlns:c="http://schemas.openxmlformats.org/drawingml/2006/chart" xmlns:dgm="http://schemas.openxmlformats.org/drawingml/2006/diagram" xmlns:o="urn:schemas-microsoft-com:office:office" xmlns:v="urn:schemas-microsoft-com:vml" xmlns:pvml="urn:schemas-microsoft-com:office:powerpoint" xmlns:com="http://schemas.openxmlformats.org/drawingml/2006/compatibility" xmlns:p14="http://schemas.microsoft.com/office/powerpoint/2010/main" xmlns:p15="http://schemas.microsoft.com/office/powerpoint/2012/main" autoCompressPictures="0" embedTrueTypeFonts="1" strictFirstAndLastChars="0" saveSubsetFonts="1">
+<p:presentation xmlns:a="http://schemas.openxmlformats.org/drawingml/2006/main" xmlns:r="http://schemas.openxmlformats.org/officeDocument/2006/relationships" xmlns:p="http://schemas.openxmlformats.org/presentationml/2006/main" strictFirstAndLastChars="0" embedTrueTypeFonts="1" saveSubsetFonts="1" autoCompressPictures="0">
   <p:sldMasterIdLst>
-    <p:sldMasterId id="2147483659" r:id="rId4"/>
+    <p:sldMasterId id="2147483659" r:id="rId1"/>
   </p:sldMasterIdLst>
   <p:notesMasterIdLst>
-    <p:notesMasterId r:id="rId5"/>
+    <p:notesMasterId r:id="rId18"/>
   </p:notesMasterIdLst>
   <p:sldIdLst>
-    <p:sldId id="256" r:id="rId6"/>
-    <p:sldId id="257" r:id="rId7"/>
-    <p:sldId id="258" r:id="rId8"/>
-    <p:sldId id="259" r:id="rId9"/>
-    <p:sldId id="260" r:id="rId10"/>
-    <p:sldId id="261" r:id="rId11"/>
-    <p:sldId id="262" r:id="rId12"/>
-    <p:sldId id="263" r:id="rId13"/>
-    <p:sldId id="264" r:id="rId14"/>
-    <p:sldId id="265" r:id="rId15"/>
-    <p:sldId id="266" r:id="rId16"/>
-    <p:sldId id="267" r:id="rId17"/>
-    <p:sldId id="268" r:id="rId18"/>
-    <p:sldId id="269" r:id="rId19"/>
-    <p:sldId id="270" r:id="rId20"/>
+    <p:sldId id="256" r:id="rId2"/>
+    <p:sldId id="257" r:id="rId3"/>
+    <p:sldId id="258" r:id="rId4"/>
+    <p:sldId id="271" r:id="rId5"/>
+    <p:sldId id="260" r:id="rId6"/>
+    <p:sldId id="259" r:id="rId7"/>
+    <p:sldId id="261" r:id="rId8"/>
+    <p:sldId id="263" r:id="rId9"/>
+    <p:sldId id="262" r:id="rId10"/>
+    <p:sldId id="264" r:id="rId11"/>
+    <p:sldId id="265" r:id="rId12"/>
+    <p:sldId id="266" r:id="rId13"/>
+    <p:sldId id="267" r:id="rId14"/>
+    <p:sldId id="268" r:id="rId15"/>
+    <p:sldId id="269" r:id="rId16"/>
+    <p:sldId id="270" r:id="rId17"/>
   </p:sldIdLst>
-  <p:sldSz cy="5143500" cx="9144000"/>
+  <p:sldSz cx="9144000" cy="5143500" type="screen16x9"/>
   <p:notesSz cx="6858000" cy="9144000"/>
   <p:embeddedFontLst>
     <p:embeddedFont>
-      <p:font typeface="Old Standard TT"/>
-      <p:regular r:id="rId21"/>
-      <p:bold r:id="rId22"/>
-      <p:italic r:id="rId23"/>
+      <p:font typeface="Cambria Math" panose="02040503050406030204" pitchFamily="18" charset="0"/>
+      <p:regular r:id="rId19"/>
+    </p:embeddedFont>
+    <p:embeddedFont>
+      <p:font typeface="Old Standard TT" panose="020B0604020202020204" charset="0"/>
+      <p:regular r:id="rId20"/>
+      <p:bold r:id="rId21"/>
+      <p:italic r:id="rId22"/>
     </p:embeddedFont>
   </p:embeddedFontLst>
   <p:defaultTextStyle>
-    <a:defPPr lvl="0" marR="0" rtl="0" algn="l">
+    <a:defPPr marR="0" lvl="0" algn="l" rtl="0">
       <a:lnSpc>
         <a:spcPct val="100000"/>
       </a:lnSpc>
@@ -46,7 +51,7 @@
         <a:spcPts val="0"/>
       </a:spcAft>
     </a:defPPr>
-    <a:lvl1pPr lvl="0" marR="0" rtl="0" algn="l">
+    <a:lvl1pPr marR="0" lvl="0" algn="l" rtl="0">
       <a:lnSpc>
         <a:spcPct val="100000"/>
       </a:lnSpc>
@@ -60,7 +65,7 @@
         <a:srgbClr val="000000"/>
       </a:buClr>
       <a:buFont typeface="Arial"/>
-      <a:defRPr b="0" i="0" sz="1400" u="none" cap="none" strike="noStrike">
+      <a:defRPr sz="1400" b="0" i="0" u="none" strike="noStrike" cap="none">
         <a:solidFill>
           <a:srgbClr val="000000"/>
         </a:solidFill>
@@ -70,7 +75,7 @@
         <a:sym typeface="Arial"/>
       </a:defRPr>
     </a:lvl1pPr>
-    <a:lvl2pPr lvl="1" marR="0" rtl="0" algn="l">
+    <a:lvl2pPr marR="0" lvl="1" algn="l" rtl="0">
       <a:lnSpc>
         <a:spcPct val="100000"/>
       </a:lnSpc>
@@ -84,7 +89,7 @@
         <a:srgbClr val="000000"/>
       </a:buClr>
       <a:buFont typeface="Arial"/>
-      <a:defRPr b="0" i="0" sz="1400" u="none" cap="none" strike="noStrike">
+      <a:defRPr sz="1400" b="0" i="0" u="none" strike="noStrike" cap="none">
         <a:solidFill>
           <a:srgbClr val="000000"/>
         </a:solidFill>
@@ -94,7 +99,7 @@
         <a:sym typeface="Arial"/>
       </a:defRPr>
     </a:lvl2pPr>
-    <a:lvl3pPr lvl="2" marR="0" rtl="0" algn="l">
+    <a:lvl3pPr marR="0" lvl="2" algn="l" rtl="0">
       <a:lnSpc>
         <a:spcPct val="100000"/>
       </a:lnSpc>
@@ -108,7 +113,7 @@
         <a:srgbClr val="000000"/>
       </a:buClr>
       <a:buFont typeface="Arial"/>
-      <a:defRPr b="0" i="0" sz="1400" u="none" cap="none" strike="noStrike">
+      <a:defRPr sz="1400" b="0" i="0" u="none" strike="noStrike" cap="none">
         <a:solidFill>
           <a:srgbClr val="000000"/>
         </a:solidFill>
@@ -118,7 +123,7 @@
         <a:sym typeface="Arial"/>
       </a:defRPr>
     </a:lvl3pPr>
-    <a:lvl4pPr lvl="3" marR="0" rtl="0" algn="l">
+    <a:lvl4pPr marR="0" lvl="3" algn="l" rtl="0">
       <a:lnSpc>
         <a:spcPct val="100000"/>
       </a:lnSpc>
@@ -132,7 +137,7 @@
         <a:srgbClr val="000000"/>
       </a:buClr>
       <a:buFont typeface="Arial"/>
-      <a:defRPr b="0" i="0" sz="1400" u="none" cap="none" strike="noStrike">
+      <a:defRPr sz="1400" b="0" i="0" u="none" strike="noStrike" cap="none">
         <a:solidFill>
           <a:srgbClr val="000000"/>
         </a:solidFill>
@@ -142,7 +147,7 @@
         <a:sym typeface="Arial"/>
       </a:defRPr>
     </a:lvl4pPr>
-    <a:lvl5pPr lvl="4" marR="0" rtl="0" algn="l">
+    <a:lvl5pPr marR="0" lvl="4" algn="l" rtl="0">
       <a:lnSpc>
         <a:spcPct val="100000"/>
       </a:lnSpc>
@@ -156,7 +161,7 @@
         <a:srgbClr val="000000"/>
       </a:buClr>
       <a:buFont typeface="Arial"/>
-      <a:defRPr b="0" i="0" sz="1400" u="none" cap="none" strike="noStrike">
+      <a:defRPr sz="1400" b="0" i="0" u="none" strike="noStrike" cap="none">
         <a:solidFill>
           <a:srgbClr val="000000"/>
         </a:solidFill>
@@ -166,7 +171,7 @@
         <a:sym typeface="Arial"/>
       </a:defRPr>
     </a:lvl5pPr>
-    <a:lvl6pPr lvl="5" marR="0" rtl="0" algn="l">
+    <a:lvl6pPr marR="0" lvl="5" algn="l" rtl="0">
       <a:lnSpc>
         <a:spcPct val="100000"/>
       </a:lnSpc>
@@ -180,7 +185,7 @@
         <a:srgbClr val="000000"/>
       </a:buClr>
       <a:buFont typeface="Arial"/>
-      <a:defRPr b="0" i="0" sz="1400" u="none" cap="none" strike="noStrike">
+      <a:defRPr sz="1400" b="0" i="0" u="none" strike="noStrike" cap="none">
         <a:solidFill>
           <a:srgbClr val="000000"/>
         </a:solidFill>
@@ -190,7 +195,7 @@
         <a:sym typeface="Arial"/>
       </a:defRPr>
     </a:lvl6pPr>
-    <a:lvl7pPr lvl="6" marR="0" rtl="0" algn="l">
+    <a:lvl7pPr marR="0" lvl="6" algn="l" rtl="0">
       <a:lnSpc>
         <a:spcPct val="100000"/>
       </a:lnSpc>
@@ -204,7 +209,7 @@
         <a:srgbClr val="000000"/>
       </a:buClr>
       <a:buFont typeface="Arial"/>
-      <a:defRPr b="0" i="0" sz="1400" u="none" cap="none" strike="noStrike">
+      <a:defRPr sz="1400" b="0" i="0" u="none" strike="noStrike" cap="none">
         <a:solidFill>
           <a:srgbClr val="000000"/>
         </a:solidFill>
@@ -214,7 +219,7 @@
         <a:sym typeface="Arial"/>
       </a:defRPr>
     </a:lvl7pPr>
-    <a:lvl8pPr lvl="7" marR="0" rtl="0" algn="l">
+    <a:lvl8pPr marR="0" lvl="7" algn="l" rtl="0">
       <a:lnSpc>
         <a:spcPct val="100000"/>
       </a:lnSpc>
@@ -228,7 +233,7 @@
         <a:srgbClr val="000000"/>
       </a:buClr>
       <a:buFont typeface="Arial"/>
-      <a:defRPr b="0" i="0" sz="1400" u="none" cap="none" strike="noStrike">
+      <a:defRPr sz="1400" b="0" i="0" u="none" strike="noStrike" cap="none">
         <a:solidFill>
           <a:srgbClr val="000000"/>
         </a:solidFill>
@@ -238,7 +243,7 @@
         <a:sym typeface="Arial"/>
       </a:defRPr>
     </a:lvl8pPr>
-    <a:lvl9pPr lvl="8" marR="0" rtl="0" algn="l">
+    <a:lvl9pPr marR="0" lvl="8" algn="l" rtl="0">
       <a:lnSpc>
         <a:spcPct val="100000"/>
       </a:lnSpc>
@@ -252,7 +257,7 @@
         <a:srgbClr val="000000"/>
       </a:buClr>
       <a:buFont typeface="Arial"/>
-      <a:defRPr b="0" i="0" sz="1400" u="none" cap="none" strike="noStrike">
+      <a:defRPr sz="1400" b="0" i="0" u="none" strike="noStrike" cap="none">
         <a:solidFill>
           <a:srgbClr val="000000"/>
         </a:solidFill>
@@ -265,7 +270,7 @@
   </p:defaultTextStyle>
   <p:extLst>
     <p:ext uri="{EFAFB233-063F-42B5-8137-9DF3F51BA10A}">
-      <p15:sldGuideLst>
+      <p15:sldGuideLst xmlns:p15="http://schemas.microsoft.com/office/powerpoint/2012/main">
         <p15:guide id="1" orient="horz" pos="1620">
           <p15:clr>
             <a:srgbClr val="A4A3A4"/>
@@ -283,11 +288,16 @@
 </file>
 
 <file path=ppt/notesMasters/notesMaster1.xml><?xml version="1.0" encoding="utf-8"?>
-<p:notesMaster xmlns:a="http://schemas.openxmlformats.org/drawingml/2006/main" xmlns:r="http://schemas.openxmlformats.org/officeDocument/2006/relationships" xmlns:mc="http://schemas.openxmlformats.org/markup-compatibility/2006" xmlns:mv="urn:schemas-microsoft-com:mac:vml" xmlns:p="http://schemas.openxmlformats.org/presentationml/2006/main" xmlns:c="http://schemas.openxmlformats.org/drawingml/2006/chart" xmlns:dgm="http://schemas.openxmlformats.org/drawingml/2006/diagram" xmlns:o="urn:schemas-microsoft-com:office:office" xmlns:v="urn:schemas-microsoft-com:vml" xmlns:pvml="urn:schemas-microsoft-com:office:powerpoint" xmlns:com="http://schemas.openxmlformats.org/drawingml/2006/compatibility" xmlns:p14="http://schemas.microsoft.com/office/powerpoint/2010/main" xmlns:p15="http://schemas.microsoft.com/office/powerpoint/2012/main">
+<p:notesMaster xmlns:a="http://schemas.openxmlformats.org/drawingml/2006/main" xmlns:r="http://schemas.openxmlformats.org/officeDocument/2006/relationships" xmlns:p="http://schemas.openxmlformats.org/presentationml/2006/main">
   <p:cSld>
+    <p:bg>
+      <p:bgRef idx="1001">
+        <a:schemeClr val="bg1"/>
+      </p:bgRef>
+    </p:bg>
     <p:spTree>
       <p:nvGrpSpPr>
-        <p:cNvPr id="2" name="Shape 2"/>
+        <p:cNvPr id="1" name="Shape 2"/>
         <p:cNvGrpSpPr/>
         <p:nvPr/>
       </p:nvGrpSpPr>
@@ -302,9 +312,11 @@
       <p:sp>
         <p:nvSpPr>
           <p:cNvPr id="3" name="Google Shape;3;n"/>
-          <p:cNvSpPr/>
+          <p:cNvSpPr>
+            <a:spLocks noGrp="1" noRot="1" noChangeAspect="1"/>
+          </p:cNvSpPr>
           <p:nvPr>
-            <p:ph idx="2" type="sldImg"/>
+            <p:ph type="sldImg" idx="2"/>
           </p:nvPr>
         </p:nvSpPr>
         <p:spPr>
@@ -313,9 +325,13 @@
             <a:ext cx="6096075" cy="3429000"/>
           </a:xfrm>
           <a:custGeom>
-            <a:rect b="b" l="l" r="r" t="t"/>
+            <a:avLst/>
+            <a:gdLst/>
+            <a:ahLst/>
+            <a:cxnLst/>
+            <a:rect l="l" t="t" r="r" b="b"/>
             <a:pathLst>
-              <a:path extrusionOk="0" h="120000" w="120000">
+              <a:path w="120000" h="120000" extrusionOk="0">
                 <a:moveTo>
                   <a:pt x="0" y="0"/>
                 </a:moveTo>
@@ -333,23 +349,25 @@
             </a:pathLst>
           </a:custGeom>
           <a:noFill/>
-          <a:ln cap="flat" cmpd="sng" w="9525">
+          <a:ln w="9525" cap="flat" cmpd="sng">
             <a:solidFill>
               <a:srgbClr val="000000"/>
             </a:solidFill>
             <a:prstDash val="solid"/>
             <a:round/>
-            <a:headEnd len="sm" w="sm" type="none"/>
-            <a:tailEnd len="sm" w="sm" type="none"/>
+            <a:headEnd type="none" w="sm" len="sm"/>
+            <a:tailEnd type="none" w="sm" len="sm"/>
           </a:ln>
         </p:spPr>
       </p:sp>
       <p:sp>
         <p:nvSpPr>
           <p:cNvPr id="4" name="Google Shape;4;n"/>
-          <p:cNvSpPr txBox="1"/>
+          <p:cNvSpPr txBox="1">
+            <a:spLocks noGrp="1"/>
+          </p:cNvSpPr>
           <p:nvPr>
-            <p:ph idx="1" type="body"/>
+            <p:ph type="body" idx="1"/>
           </p:nvPr>
         </p:nvSpPr>
         <p:spPr>
@@ -366,11 +384,11 @@
           </a:ln>
         </p:spPr>
         <p:txBody>
-          <a:bodyPr anchorCtr="0" anchor="t" bIns="91425" lIns="91425" spcFirstLastPara="1" rIns="91425" wrap="square" tIns="91425">
+          <a:bodyPr spcFirstLastPara="1" wrap="square" lIns="91425" tIns="91425" rIns="91425" bIns="91425" anchor="t" anchorCtr="0">
             <a:noAutofit/>
           </a:bodyPr>
           <a:lstStyle>
-            <a:lvl1pPr indent="-298450" lvl="0" marL="457200">
+            <a:lvl1pPr marL="457200" lvl="0" indent="-298450">
               <a:spcBef>
                 <a:spcPts val="0"/>
               </a:spcBef>
@@ -381,7 +399,7 @@
               <a:buChar char="●"/>
               <a:defRPr sz="1100"/>
             </a:lvl1pPr>
-            <a:lvl2pPr indent="-298450" lvl="1" marL="914400">
+            <a:lvl2pPr marL="914400" lvl="1" indent="-298450">
               <a:spcBef>
                 <a:spcPts val="0"/>
               </a:spcBef>
@@ -392,7 +410,7 @@
               <a:buChar char="○"/>
               <a:defRPr sz="1100"/>
             </a:lvl2pPr>
-            <a:lvl3pPr indent="-298450" lvl="2" marL="1371600">
+            <a:lvl3pPr marL="1371600" lvl="2" indent="-298450">
               <a:spcBef>
                 <a:spcPts val="0"/>
               </a:spcBef>
@@ -403,7 +421,7 @@
               <a:buChar char="■"/>
               <a:defRPr sz="1100"/>
             </a:lvl3pPr>
-            <a:lvl4pPr indent="-298450" lvl="3" marL="1828800">
+            <a:lvl4pPr marL="1828800" lvl="3" indent="-298450">
               <a:spcBef>
                 <a:spcPts val="0"/>
               </a:spcBef>
@@ -414,7 +432,7 @@
               <a:buChar char="●"/>
               <a:defRPr sz="1100"/>
             </a:lvl4pPr>
-            <a:lvl5pPr indent="-298450" lvl="4" marL="2286000">
+            <a:lvl5pPr marL="2286000" lvl="4" indent="-298450">
               <a:spcBef>
                 <a:spcPts val="0"/>
               </a:spcBef>
@@ -425,7 +443,7 @@
               <a:buChar char="○"/>
               <a:defRPr sz="1100"/>
             </a:lvl5pPr>
-            <a:lvl6pPr indent="-298450" lvl="5" marL="2743200">
+            <a:lvl6pPr marL="2743200" lvl="5" indent="-298450">
               <a:spcBef>
                 <a:spcPts val="0"/>
               </a:spcBef>
@@ -436,7 +454,7 @@
               <a:buChar char="■"/>
               <a:defRPr sz="1100"/>
             </a:lvl6pPr>
-            <a:lvl7pPr indent="-298450" lvl="6" marL="3200400">
+            <a:lvl7pPr marL="3200400" lvl="6" indent="-298450">
               <a:spcBef>
                 <a:spcPts val="0"/>
               </a:spcBef>
@@ -447,7 +465,7 @@
               <a:buChar char="●"/>
               <a:defRPr sz="1100"/>
             </a:lvl7pPr>
-            <a:lvl8pPr indent="-298450" lvl="7" marL="3657600">
+            <a:lvl8pPr marL="3657600" lvl="7" indent="-298450">
               <a:spcBef>
                 <a:spcPts val="0"/>
               </a:spcBef>
@@ -458,7 +476,7 @@
               <a:buChar char="○"/>
               <a:defRPr sz="1100"/>
             </a:lvl8pPr>
-            <a:lvl9pPr indent="-298450" lvl="8" marL="4114800">
+            <a:lvl9pPr marL="4114800" lvl="8" indent="-298450">
               <a:spcBef>
                 <a:spcPts val="0"/>
               </a:spcBef>
@@ -470,14 +488,16 @@
               <a:defRPr sz="1100"/>
             </a:lvl9pPr>
           </a:lstStyle>
-          <a:p/>
+          <a:p>
+            <a:endParaRPr/>
+          </a:p>
         </p:txBody>
       </p:sp>
     </p:spTree>
   </p:cSld>
-  <p:clrMap accent1="accent1" accent2="accent2" accent3="accent3" accent4="accent4" accent5="accent5" accent6="accent6" bg1="lt1" bg2="dk2" tx1="dk1" tx2="lt2" folHlink="folHlink" hlink="hlink"/>
+  <p:clrMap bg1="lt1" tx1="dk1" bg2="dk2" tx2="lt2" accent1="accent1" accent2="accent2" accent3="accent3" accent4="accent4" accent5="accent5" accent6="accent6" hlink="hlink" folHlink="folHlink"/>
   <p:notesStyle>
-    <a:defPPr lvl="0" marR="0" rtl="0" algn="l">
+    <a:defPPr marR="0" lvl="0" algn="l" rtl="0">
       <a:lnSpc>
         <a:spcPct val="100000"/>
       </a:lnSpc>
@@ -488,7 +508,7 @@
         <a:spcPts val="0"/>
       </a:spcAft>
     </a:defPPr>
-    <a:lvl1pPr lvl="0" marR="0" rtl="0" algn="l">
+    <a:lvl1pPr marR="0" lvl="0" algn="l" rtl="0">
       <a:lnSpc>
         <a:spcPct val="100000"/>
       </a:lnSpc>
@@ -502,7 +522,7 @@
         <a:srgbClr val="000000"/>
       </a:buClr>
       <a:buFont typeface="Arial"/>
-      <a:defRPr b="0" i="0" sz="1400" u="none" cap="none" strike="noStrike">
+      <a:defRPr sz="1400" b="0" i="0" u="none" strike="noStrike" cap="none">
         <a:solidFill>
           <a:srgbClr val="000000"/>
         </a:solidFill>
@@ -512,7 +532,7 @@
         <a:sym typeface="Arial"/>
       </a:defRPr>
     </a:lvl1pPr>
-    <a:lvl2pPr lvl="1" marR="0" rtl="0" algn="l">
+    <a:lvl2pPr marR="0" lvl="1" algn="l" rtl="0">
       <a:lnSpc>
         <a:spcPct val="100000"/>
       </a:lnSpc>
@@ -526,7 +546,7 @@
         <a:srgbClr val="000000"/>
       </a:buClr>
       <a:buFont typeface="Arial"/>
-      <a:defRPr b="0" i="0" sz="1400" u="none" cap="none" strike="noStrike">
+      <a:defRPr sz="1400" b="0" i="0" u="none" strike="noStrike" cap="none">
         <a:solidFill>
           <a:srgbClr val="000000"/>
         </a:solidFill>
@@ -536,7 +556,7 @@
         <a:sym typeface="Arial"/>
       </a:defRPr>
     </a:lvl2pPr>
-    <a:lvl3pPr lvl="2" marR="0" rtl="0" algn="l">
+    <a:lvl3pPr marR="0" lvl="2" algn="l" rtl="0">
       <a:lnSpc>
         <a:spcPct val="100000"/>
       </a:lnSpc>
@@ -550,7 +570,7 @@
         <a:srgbClr val="000000"/>
       </a:buClr>
       <a:buFont typeface="Arial"/>
-      <a:defRPr b="0" i="0" sz="1400" u="none" cap="none" strike="noStrike">
+      <a:defRPr sz="1400" b="0" i="0" u="none" strike="noStrike" cap="none">
         <a:solidFill>
           <a:srgbClr val="000000"/>
         </a:solidFill>
@@ -560,7 +580,7 @@
         <a:sym typeface="Arial"/>
       </a:defRPr>
     </a:lvl3pPr>
-    <a:lvl4pPr lvl="3" marR="0" rtl="0" algn="l">
+    <a:lvl4pPr marR="0" lvl="3" algn="l" rtl="0">
       <a:lnSpc>
         <a:spcPct val="100000"/>
       </a:lnSpc>
@@ -574,7 +594,7 @@
         <a:srgbClr val="000000"/>
       </a:buClr>
       <a:buFont typeface="Arial"/>
-      <a:defRPr b="0" i="0" sz="1400" u="none" cap="none" strike="noStrike">
+      <a:defRPr sz="1400" b="0" i="0" u="none" strike="noStrike" cap="none">
         <a:solidFill>
           <a:srgbClr val="000000"/>
         </a:solidFill>
@@ -584,7 +604,7 @@
         <a:sym typeface="Arial"/>
       </a:defRPr>
     </a:lvl4pPr>
-    <a:lvl5pPr lvl="4" marR="0" rtl="0" algn="l">
+    <a:lvl5pPr marR="0" lvl="4" algn="l" rtl="0">
       <a:lnSpc>
         <a:spcPct val="100000"/>
       </a:lnSpc>
@@ -598,7 +618,7 @@
         <a:srgbClr val="000000"/>
       </a:buClr>
       <a:buFont typeface="Arial"/>
-      <a:defRPr b="0" i="0" sz="1400" u="none" cap="none" strike="noStrike">
+      <a:defRPr sz="1400" b="0" i="0" u="none" strike="noStrike" cap="none">
         <a:solidFill>
           <a:srgbClr val="000000"/>
         </a:solidFill>
@@ -608,7 +628,7 @@
         <a:sym typeface="Arial"/>
       </a:defRPr>
     </a:lvl5pPr>
-    <a:lvl6pPr lvl="5" marR="0" rtl="0" algn="l">
+    <a:lvl6pPr marR="0" lvl="5" algn="l" rtl="0">
       <a:lnSpc>
         <a:spcPct val="100000"/>
       </a:lnSpc>
@@ -622,7 +642,7 @@
         <a:srgbClr val="000000"/>
       </a:buClr>
       <a:buFont typeface="Arial"/>
-      <a:defRPr b="0" i="0" sz="1400" u="none" cap="none" strike="noStrike">
+      <a:defRPr sz="1400" b="0" i="0" u="none" strike="noStrike" cap="none">
         <a:solidFill>
           <a:srgbClr val="000000"/>
         </a:solidFill>
@@ -632,7 +652,7 @@
         <a:sym typeface="Arial"/>
       </a:defRPr>
     </a:lvl6pPr>
-    <a:lvl7pPr lvl="6" marR="0" rtl="0" algn="l">
+    <a:lvl7pPr marR="0" lvl="6" algn="l" rtl="0">
       <a:lnSpc>
         <a:spcPct val="100000"/>
       </a:lnSpc>
@@ -646,7 +666,7 @@
         <a:srgbClr val="000000"/>
       </a:buClr>
       <a:buFont typeface="Arial"/>
-      <a:defRPr b="0" i="0" sz="1400" u="none" cap="none" strike="noStrike">
+      <a:defRPr sz="1400" b="0" i="0" u="none" strike="noStrike" cap="none">
         <a:solidFill>
           <a:srgbClr val="000000"/>
         </a:solidFill>
@@ -656,7 +676,7 @@
         <a:sym typeface="Arial"/>
       </a:defRPr>
     </a:lvl7pPr>
-    <a:lvl8pPr lvl="7" marR="0" rtl="0" algn="l">
+    <a:lvl8pPr marR="0" lvl="7" algn="l" rtl="0">
       <a:lnSpc>
         <a:spcPct val="100000"/>
       </a:lnSpc>
@@ -670,7 +690,7 @@
         <a:srgbClr val="000000"/>
       </a:buClr>
       <a:buFont typeface="Arial"/>
-      <a:defRPr b="0" i="0" sz="1400" u="none" cap="none" strike="noStrike">
+      <a:defRPr sz="1400" b="0" i="0" u="none" strike="noStrike" cap="none">
         <a:solidFill>
           <a:srgbClr val="000000"/>
         </a:solidFill>
@@ -680,7 +700,7 @@
         <a:sym typeface="Arial"/>
       </a:defRPr>
     </a:lvl8pPr>
-    <a:lvl9pPr lvl="8" marR="0" rtl="0" algn="l">
+    <a:lvl9pPr marR="0" lvl="8" algn="l" rtl="0">
       <a:lnSpc>
         <a:spcPct val="100000"/>
       </a:lnSpc>
@@ -694,7 +714,7 @@
         <a:srgbClr val="000000"/>
       </a:buClr>
       <a:buFont typeface="Arial"/>
-      <a:defRPr b="0" i="0" sz="1400" u="none" cap="none" strike="noStrike">
+      <a:defRPr sz="1400" b="0" i="0" u="none" strike="noStrike" cap="none">
         <a:solidFill>
           <a:srgbClr val="000000"/>
         </a:solidFill>
@@ -709,11 +729,11 @@
 </file>
 
 <file path=ppt/notesSlides/notesSlide1.xml><?xml version="1.0" encoding="utf-8"?>
-<p:notes xmlns:a="http://schemas.openxmlformats.org/drawingml/2006/main" xmlns:r="http://schemas.openxmlformats.org/officeDocument/2006/relationships" xmlns:mc="http://schemas.openxmlformats.org/markup-compatibility/2006" xmlns:mv="urn:schemas-microsoft-com:mac:vml" xmlns:p="http://schemas.openxmlformats.org/presentationml/2006/main" xmlns:c="http://schemas.openxmlformats.org/drawingml/2006/chart" xmlns:dgm="http://schemas.openxmlformats.org/drawingml/2006/diagram" xmlns:o="urn:schemas-microsoft-com:office:office" xmlns:v="urn:schemas-microsoft-com:vml" xmlns:pvml="urn:schemas-microsoft-com:office:powerpoint" xmlns:com="http://schemas.openxmlformats.org/drawingml/2006/compatibility" xmlns:p14="http://schemas.microsoft.com/office/powerpoint/2010/main" xmlns:p15="http://schemas.microsoft.com/office/powerpoint/2012/main" showMasterPhAnim="0" showMasterSp="0">
+<p:notes xmlns:a="http://schemas.openxmlformats.org/drawingml/2006/main" xmlns:r="http://schemas.openxmlformats.org/officeDocument/2006/relationships" xmlns:p="http://schemas.openxmlformats.org/presentationml/2006/main" showMasterSp="0" showMasterPhAnim="0">
   <p:cSld>
     <p:spTree>
       <p:nvGrpSpPr>
-        <p:cNvPr id="55" name="Shape 55"/>
+        <p:cNvPr id="1" name="Shape 55"/>
         <p:cNvGrpSpPr/>
         <p:nvPr/>
       </p:nvGrpSpPr>
@@ -728,9 +748,11 @@
       <p:sp>
         <p:nvSpPr>
           <p:cNvPr id="56" name="Google Shape;56;p:notes"/>
-          <p:cNvSpPr/>
+          <p:cNvSpPr>
+            <a:spLocks noGrp="1" noRot="1" noChangeAspect="1"/>
+          </p:cNvSpPr>
           <p:nvPr>
-            <p:ph idx="2" type="sldImg"/>
+            <p:ph type="sldImg" idx="2"/>
           </p:nvPr>
         </p:nvSpPr>
         <p:spPr>
@@ -739,9 +761,13 @@
             <a:ext cx="6096075" cy="3429000"/>
           </a:xfrm>
           <a:custGeom>
-            <a:rect b="b" l="l" r="r" t="t"/>
+            <a:avLst/>
+            <a:gdLst/>
+            <a:ahLst/>
+            <a:cxnLst/>
+            <a:rect l="l" t="t" r="r" b="b"/>
             <a:pathLst>
-              <a:path extrusionOk="0" h="120000" w="120000">
+              <a:path w="120000" h="120000" extrusionOk="0">
                 <a:moveTo>
                   <a:pt x="0" y="0"/>
                 </a:moveTo>
@@ -763,9 +789,11 @@
       <p:sp>
         <p:nvSpPr>
           <p:cNvPr id="57" name="Google Shape;57;p:notes"/>
-          <p:cNvSpPr txBox="1"/>
+          <p:cNvSpPr txBox="1">
+            <a:spLocks noGrp="1"/>
+          </p:cNvSpPr>
           <p:nvPr>
-            <p:ph idx="1" type="body"/>
+            <p:ph type="body" idx="1"/>
           </p:nvPr>
         </p:nvSpPr>
         <p:spPr>
@@ -778,12 +806,12 @@
           </a:prstGeom>
         </p:spPr>
         <p:txBody>
-          <a:bodyPr anchorCtr="0" anchor="t" bIns="91425" lIns="91425" spcFirstLastPara="1" rIns="91425" wrap="square" tIns="91425">
+          <a:bodyPr spcFirstLastPara="1" wrap="square" lIns="91425" tIns="91425" rIns="91425" bIns="91425" anchor="t" anchorCtr="0">
             <a:noAutofit/>
           </a:bodyPr>
           <a:lstStyle/>
           <a:p>
-            <a:pPr indent="0" lvl="0" marL="0" rtl="0" algn="l">
+            <a:pPr marL="0" lvl="0" indent="0" algn="l" rtl="0">
               <a:spcBef>
                 <a:spcPts val="0"/>
               </a:spcBef>
@@ -792,9 +820,6 @@
               </a:spcAft>
               <a:buNone/>
             </a:pPr>
-            <a:r>
-              <a:t/>
-            </a:r>
             <a:endParaRPr/>
           </a:p>
         </p:txBody>
@@ -808,11 +833,11 @@
 </file>
 
 <file path=ppt/notesSlides/notesSlide10.xml><?xml version="1.0" encoding="utf-8"?>
-<p:notes xmlns:a="http://schemas.openxmlformats.org/drawingml/2006/main" xmlns:r="http://schemas.openxmlformats.org/officeDocument/2006/relationships" xmlns:mc="http://schemas.openxmlformats.org/markup-compatibility/2006" xmlns:mv="urn:schemas-microsoft-com:mac:vml" xmlns:p="http://schemas.openxmlformats.org/presentationml/2006/main" xmlns:c="http://schemas.openxmlformats.org/drawingml/2006/chart" xmlns:dgm="http://schemas.openxmlformats.org/drawingml/2006/diagram" xmlns:o="urn:schemas-microsoft-com:office:office" xmlns:v="urn:schemas-microsoft-com:vml" xmlns:pvml="urn:schemas-microsoft-com:office:powerpoint" xmlns:com="http://schemas.openxmlformats.org/drawingml/2006/compatibility" xmlns:p14="http://schemas.microsoft.com/office/powerpoint/2010/main" xmlns:p15="http://schemas.microsoft.com/office/powerpoint/2012/main" showMasterPhAnim="0" showMasterSp="0">
+<p:notes xmlns:a="http://schemas.openxmlformats.org/drawingml/2006/main" xmlns:r="http://schemas.openxmlformats.org/officeDocument/2006/relationships" xmlns:p="http://schemas.openxmlformats.org/presentationml/2006/main" showMasterSp="0" showMasterPhAnim="0">
   <p:cSld>
     <p:spTree>
       <p:nvGrpSpPr>
-        <p:cNvPr id="109" name="Shape 109"/>
+        <p:cNvPr id="1" name="Shape 109"/>
         <p:cNvGrpSpPr/>
         <p:nvPr/>
       </p:nvGrpSpPr>
@@ -827,20 +852,26 @@
       <p:sp>
         <p:nvSpPr>
           <p:cNvPr id="110" name="Google Shape;110;g6bd0993aa1_0_1315:notes"/>
-          <p:cNvSpPr/>
+          <p:cNvSpPr>
+            <a:spLocks noGrp="1" noRot="1" noChangeAspect="1"/>
+          </p:cNvSpPr>
           <p:nvPr>
-            <p:ph idx="2" type="sldImg"/>
+            <p:ph type="sldImg" idx="2"/>
           </p:nvPr>
         </p:nvSpPr>
         <p:spPr>
           <a:xfrm>
-            <a:off x="381300" y="685800"/>
+            <a:off x="381000" y="685800"/>
             <a:ext cx="6096000" cy="3429000"/>
           </a:xfrm>
           <a:custGeom>
-            <a:rect b="b" l="l" r="r" t="t"/>
+            <a:avLst/>
+            <a:gdLst/>
+            <a:ahLst/>
+            <a:cxnLst/>
+            <a:rect l="l" t="t" r="r" b="b"/>
             <a:pathLst>
-              <a:path extrusionOk="0" h="120000" w="120000">
+              <a:path w="120000" h="120000" extrusionOk="0">
                 <a:moveTo>
                   <a:pt x="0" y="0"/>
                 </a:moveTo>
@@ -862,9 +893,11 @@
       <p:sp>
         <p:nvSpPr>
           <p:cNvPr id="111" name="Google Shape;111;g6bd0993aa1_0_1315:notes"/>
-          <p:cNvSpPr txBox="1"/>
+          <p:cNvSpPr txBox="1">
+            <a:spLocks noGrp="1"/>
+          </p:cNvSpPr>
           <p:nvPr>
-            <p:ph idx="1" type="body"/>
+            <p:ph type="body" idx="1"/>
           </p:nvPr>
         </p:nvSpPr>
         <p:spPr>
@@ -877,12 +910,12 @@
           </a:prstGeom>
         </p:spPr>
         <p:txBody>
-          <a:bodyPr anchorCtr="0" anchor="t" bIns="91425" lIns="91425" spcFirstLastPara="1" rIns="91425" wrap="square" tIns="91425">
+          <a:bodyPr spcFirstLastPara="1" wrap="square" lIns="91425" tIns="91425" rIns="91425" bIns="91425" anchor="t" anchorCtr="0">
             <a:noAutofit/>
           </a:bodyPr>
           <a:lstStyle/>
           <a:p>
-            <a:pPr indent="0" lvl="0" marL="0" rtl="0" algn="l">
+            <a:pPr marL="0" lvl="0" indent="0" algn="l" rtl="0">
               <a:spcBef>
                 <a:spcPts val="0"/>
               </a:spcBef>
@@ -891,9 +924,6 @@
               </a:spcAft>
               <a:buNone/>
             </a:pPr>
-            <a:r>
-              <a:t/>
-            </a:r>
             <a:endParaRPr/>
           </a:p>
         </p:txBody>
@@ -907,11 +937,11 @@
 </file>
 
 <file path=ppt/notesSlides/notesSlide11.xml><?xml version="1.0" encoding="utf-8"?>
-<p:notes xmlns:a="http://schemas.openxmlformats.org/drawingml/2006/main" xmlns:r="http://schemas.openxmlformats.org/officeDocument/2006/relationships" xmlns:mc="http://schemas.openxmlformats.org/markup-compatibility/2006" xmlns:mv="urn:schemas-microsoft-com:mac:vml" xmlns:p="http://schemas.openxmlformats.org/presentationml/2006/main" xmlns:c="http://schemas.openxmlformats.org/drawingml/2006/chart" xmlns:dgm="http://schemas.openxmlformats.org/drawingml/2006/diagram" xmlns:o="urn:schemas-microsoft-com:office:office" xmlns:v="urn:schemas-microsoft-com:vml" xmlns:pvml="urn:schemas-microsoft-com:office:powerpoint" xmlns:com="http://schemas.openxmlformats.org/drawingml/2006/compatibility" xmlns:p14="http://schemas.microsoft.com/office/powerpoint/2010/main" xmlns:p15="http://schemas.microsoft.com/office/powerpoint/2012/main" showMasterPhAnim="0" showMasterSp="0">
+<p:notes xmlns:a="http://schemas.openxmlformats.org/drawingml/2006/main" xmlns:r="http://schemas.openxmlformats.org/officeDocument/2006/relationships" xmlns:p="http://schemas.openxmlformats.org/presentationml/2006/main" showMasterSp="0" showMasterPhAnim="0">
   <p:cSld>
     <p:spTree>
       <p:nvGrpSpPr>
-        <p:cNvPr id="115" name="Shape 115"/>
+        <p:cNvPr id="1" name="Shape 115"/>
         <p:cNvGrpSpPr/>
         <p:nvPr/>
       </p:nvGrpSpPr>
@@ -926,9 +956,11 @@
       <p:sp>
         <p:nvSpPr>
           <p:cNvPr id="116" name="Google Shape;116;g6bd0993aa1_0_1322:notes"/>
-          <p:cNvSpPr/>
+          <p:cNvSpPr>
+            <a:spLocks noGrp="1" noRot="1" noChangeAspect="1"/>
+          </p:cNvSpPr>
           <p:nvPr>
-            <p:ph idx="2" type="sldImg"/>
+            <p:ph type="sldImg" idx="2"/>
           </p:nvPr>
         </p:nvSpPr>
         <p:spPr>
@@ -937,9 +969,13 @@
             <a:ext cx="6096000" cy="3429000"/>
           </a:xfrm>
           <a:custGeom>
-            <a:rect b="b" l="l" r="r" t="t"/>
+            <a:avLst/>
+            <a:gdLst/>
+            <a:ahLst/>
+            <a:cxnLst/>
+            <a:rect l="l" t="t" r="r" b="b"/>
             <a:pathLst>
-              <a:path extrusionOk="0" h="120000" w="120000">
+              <a:path w="120000" h="120000" extrusionOk="0">
                 <a:moveTo>
                   <a:pt x="0" y="0"/>
                 </a:moveTo>
@@ -961,9 +997,11 @@
       <p:sp>
         <p:nvSpPr>
           <p:cNvPr id="117" name="Google Shape;117;g6bd0993aa1_0_1322:notes"/>
-          <p:cNvSpPr txBox="1"/>
+          <p:cNvSpPr txBox="1">
+            <a:spLocks noGrp="1"/>
+          </p:cNvSpPr>
           <p:nvPr>
-            <p:ph idx="1" type="body"/>
+            <p:ph type="body" idx="1"/>
           </p:nvPr>
         </p:nvSpPr>
         <p:spPr>
@@ -976,12 +1014,12 @@
           </a:prstGeom>
         </p:spPr>
         <p:txBody>
-          <a:bodyPr anchorCtr="0" anchor="t" bIns="91425" lIns="91425" spcFirstLastPara="1" rIns="91425" wrap="square" tIns="91425">
+          <a:bodyPr spcFirstLastPara="1" wrap="square" lIns="91425" tIns="91425" rIns="91425" bIns="91425" anchor="t" anchorCtr="0">
             <a:noAutofit/>
           </a:bodyPr>
           <a:lstStyle/>
           <a:p>
-            <a:pPr indent="0" lvl="0" marL="0" rtl="0" algn="l">
+            <a:pPr marL="0" lvl="0" indent="0" algn="l" rtl="0">
               <a:spcBef>
                 <a:spcPts val="0"/>
               </a:spcBef>
@@ -990,9 +1028,6 @@
               </a:spcAft>
               <a:buNone/>
             </a:pPr>
-            <a:r>
-              <a:t/>
-            </a:r>
             <a:endParaRPr/>
           </a:p>
         </p:txBody>
@@ -1006,11 +1041,11 @@
 </file>
 
 <file path=ppt/notesSlides/notesSlide12.xml><?xml version="1.0" encoding="utf-8"?>
-<p:notes xmlns:a="http://schemas.openxmlformats.org/drawingml/2006/main" xmlns:r="http://schemas.openxmlformats.org/officeDocument/2006/relationships" xmlns:mc="http://schemas.openxmlformats.org/markup-compatibility/2006" xmlns:mv="urn:schemas-microsoft-com:mac:vml" xmlns:p="http://schemas.openxmlformats.org/presentationml/2006/main" xmlns:c="http://schemas.openxmlformats.org/drawingml/2006/chart" xmlns:dgm="http://schemas.openxmlformats.org/drawingml/2006/diagram" xmlns:o="urn:schemas-microsoft-com:office:office" xmlns:v="urn:schemas-microsoft-com:vml" xmlns:pvml="urn:schemas-microsoft-com:office:powerpoint" xmlns:com="http://schemas.openxmlformats.org/drawingml/2006/compatibility" xmlns:p14="http://schemas.microsoft.com/office/powerpoint/2010/main" xmlns:p15="http://schemas.microsoft.com/office/powerpoint/2012/main" showMasterPhAnim="0" showMasterSp="0">
+<p:notes xmlns:a="http://schemas.openxmlformats.org/drawingml/2006/main" xmlns:r="http://schemas.openxmlformats.org/officeDocument/2006/relationships" xmlns:p="http://schemas.openxmlformats.org/presentationml/2006/main" showMasterSp="0" showMasterPhAnim="0">
   <p:cSld>
     <p:spTree>
       <p:nvGrpSpPr>
-        <p:cNvPr id="121" name="Shape 121"/>
+        <p:cNvPr id="1" name="Shape 121"/>
         <p:cNvGrpSpPr/>
         <p:nvPr/>
       </p:nvGrpSpPr>
@@ -1025,20 +1060,26 @@
       <p:sp>
         <p:nvSpPr>
           <p:cNvPr id="122" name="Google Shape;122;g6bd0993aa1_0_1391:notes"/>
-          <p:cNvSpPr/>
+          <p:cNvSpPr>
+            <a:spLocks noGrp="1" noRot="1" noChangeAspect="1"/>
+          </p:cNvSpPr>
           <p:nvPr>
-            <p:ph idx="2" type="sldImg"/>
+            <p:ph type="sldImg" idx="2"/>
           </p:nvPr>
         </p:nvSpPr>
         <p:spPr>
           <a:xfrm>
-            <a:off x="381300" y="685800"/>
+            <a:off x="381000" y="685800"/>
             <a:ext cx="6096000" cy="3429000"/>
           </a:xfrm>
           <a:custGeom>
-            <a:rect b="b" l="l" r="r" t="t"/>
+            <a:avLst/>
+            <a:gdLst/>
+            <a:ahLst/>
+            <a:cxnLst/>
+            <a:rect l="l" t="t" r="r" b="b"/>
             <a:pathLst>
-              <a:path extrusionOk="0" h="120000" w="120000">
+              <a:path w="120000" h="120000" extrusionOk="0">
                 <a:moveTo>
                   <a:pt x="0" y="0"/>
                 </a:moveTo>
@@ -1060,9 +1101,11 @@
       <p:sp>
         <p:nvSpPr>
           <p:cNvPr id="123" name="Google Shape;123;g6bd0993aa1_0_1391:notes"/>
-          <p:cNvSpPr txBox="1"/>
+          <p:cNvSpPr txBox="1">
+            <a:spLocks noGrp="1"/>
+          </p:cNvSpPr>
           <p:nvPr>
-            <p:ph idx="1" type="body"/>
+            <p:ph type="body" idx="1"/>
           </p:nvPr>
         </p:nvSpPr>
         <p:spPr>
@@ -1075,12 +1118,12 @@
           </a:prstGeom>
         </p:spPr>
         <p:txBody>
-          <a:bodyPr anchorCtr="0" anchor="t" bIns="91425" lIns="91425" spcFirstLastPara="1" rIns="91425" wrap="square" tIns="91425">
+          <a:bodyPr spcFirstLastPara="1" wrap="square" lIns="91425" tIns="91425" rIns="91425" bIns="91425" anchor="t" anchorCtr="0">
             <a:noAutofit/>
           </a:bodyPr>
           <a:lstStyle/>
           <a:p>
-            <a:pPr indent="0" lvl="0" marL="0" rtl="0" algn="l">
+            <a:pPr marL="0" lvl="0" indent="0" algn="l" rtl="0">
               <a:spcBef>
                 <a:spcPts val="0"/>
               </a:spcBef>
@@ -1089,9 +1132,6 @@
               </a:spcAft>
               <a:buNone/>
             </a:pPr>
-            <a:r>
-              <a:t/>
-            </a:r>
             <a:endParaRPr/>
           </a:p>
         </p:txBody>
@@ -1105,11 +1145,11 @@
 </file>
 
 <file path=ppt/notesSlides/notesSlide13.xml><?xml version="1.0" encoding="utf-8"?>
-<p:notes xmlns:a="http://schemas.openxmlformats.org/drawingml/2006/main" xmlns:r="http://schemas.openxmlformats.org/officeDocument/2006/relationships" xmlns:mc="http://schemas.openxmlformats.org/markup-compatibility/2006" xmlns:mv="urn:schemas-microsoft-com:mac:vml" xmlns:p="http://schemas.openxmlformats.org/presentationml/2006/main" xmlns:c="http://schemas.openxmlformats.org/drawingml/2006/chart" xmlns:dgm="http://schemas.openxmlformats.org/drawingml/2006/diagram" xmlns:o="urn:schemas-microsoft-com:office:office" xmlns:v="urn:schemas-microsoft-com:vml" xmlns:pvml="urn:schemas-microsoft-com:office:powerpoint" xmlns:com="http://schemas.openxmlformats.org/drawingml/2006/compatibility" xmlns:p14="http://schemas.microsoft.com/office/powerpoint/2010/main" xmlns:p15="http://schemas.microsoft.com/office/powerpoint/2012/main" showMasterPhAnim="0" showMasterSp="0">
+<p:notes xmlns:a="http://schemas.openxmlformats.org/drawingml/2006/main" xmlns:r="http://schemas.openxmlformats.org/officeDocument/2006/relationships" xmlns:p="http://schemas.openxmlformats.org/presentationml/2006/main" showMasterSp="0" showMasterPhAnim="0">
   <p:cSld>
     <p:spTree>
       <p:nvGrpSpPr>
-        <p:cNvPr id="127" name="Shape 127"/>
+        <p:cNvPr id="1" name="Shape 127"/>
         <p:cNvGrpSpPr/>
         <p:nvPr/>
       </p:nvGrpSpPr>
@@ -1124,9 +1164,11 @@
       <p:sp>
         <p:nvSpPr>
           <p:cNvPr id="128" name="Google Shape;128;g6bd0993aa1_0_1399:notes"/>
-          <p:cNvSpPr/>
+          <p:cNvSpPr>
+            <a:spLocks noGrp="1" noRot="1" noChangeAspect="1"/>
+          </p:cNvSpPr>
           <p:nvPr>
-            <p:ph idx="2" type="sldImg"/>
+            <p:ph type="sldImg" idx="2"/>
           </p:nvPr>
         </p:nvSpPr>
         <p:spPr>
@@ -1135,9 +1177,13 @@
             <a:ext cx="6096000" cy="3429000"/>
           </a:xfrm>
           <a:custGeom>
-            <a:rect b="b" l="l" r="r" t="t"/>
+            <a:avLst/>
+            <a:gdLst/>
+            <a:ahLst/>
+            <a:cxnLst/>
+            <a:rect l="l" t="t" r="r" b="b"/>
             <a:pathLst>
-              <a:path extrusionOk="0" h="120000" w="120000">
+              <a:path w="120000" h="120000" extrusionOk="0">
                 <a:moveTo>
                   <a:pt x="0" y="0"/>
                 </a:moveTo>
@@ -1159,9 +1205,11 @@
       <p:sp>
         <p:nvSpPr>
           <p:cNvPr id="129" name="Google Shape;129;g6bd0993aa1_0_1399:notes"/>
-          <p:cNvSpPr txBox="1"/>
+          <p:cNvSpPr txBox="1">
+            <a:spLocks noGrp="1"/>
+          </p:cNvSpPr>
           <p:nvPr>
-            <p:ph idx="1" type="body"/>
+            <p:ph type="body" idx="1"/>
           </p:nvPr>
         </p:nvSpPr>
         <p:spPr>
@@ -1174,12 +1222,12 @@
           </a:prstGeom>
         </p:spPr>
         <p:txBody>
-          <a:bodyPr anchorCtr="0" anchor="t" bIns="91425" lIns="91425" spcFirstLastPara="1" rIns="91425" wrap="square" tIns="91425">
+          <a:bodyPr spcFirstLastPara="1" wrap="square" lIns="91425" tIns="91425" rIns="91425" bIns="91425" anchor="t" anchorCtr="0">
             <a:noAutofit/>
           </a:bodyPr>
           <a:lstStyle/>
           <a:p>
-            <a:pPr indent="0" lvl="0" marL="0" rtl="0" algn="l">
+            <a:pPr marL="0" lvl="0" indent="0" algn="l" rtl="0">
               <a:spcBef>
                 <a:spcPts val="0"/>
               </a:spcBef>
@@ -1188,9 +1236,6 @@
               </a:spcAft>
               <a:buNone/>
             </a:pPr>
-            <a:r>
-              <a:t/>
-            </a:r>
             <a:endParaRPr/>
           </a:p>
         </p:txBody>
@@ -1204,11 +1249,11 @@
 </file>
 
 <file path=ppt/notesSlides/notesSlide14.xml><?xml version="1.0" encoding="utf-8"?>
-<p:notes xmlns:a="http://schemas.openxmlformats.org/drawingml/2006/main" xmlns:r="http://schemas.openxmlformats.org/officeDocument/2006/relationships" xmlns:mc="http://schemas.openxmlformats.org/markup-compatibility/2006" xmlns:mv="urn:schemas-microsoft-com:mac:vml" xmlns:p="http://schemas.openxmlformats.org/presentationml/2006/main" xmlns:c="http://schemas.openxmlformats.org/drawingml/2006/chart" xmlns:dgm="http://schemas.openxmlformats.org/drawingml/2006/diagram" xmlns:o="urn:schemas-microsoft-com:office:office" xmlns:v="urn:schemas-microsoft-com:vml" xmlns:pvml="urn:schemas-microsoft-com:office:powerpoint" xmlns:com="http://schemas.openxmlformats.org/drawingml/2006/compatibility" xmlns:p14="http://schemas.microsoft.com/office/powerpoint/2010/main" xmlns:p15="http://schemas.microsoft.com/office/powerpoint/2012/main" showMasterPhAnim="0" showMasterSp="0">
+<p:notes xmlns:a="http://schemas.openxmlformats.org/drawingml/2006/main" xmlns:r="http://schemas.openxmlformats.org/officeDocument/2006/relationships" xmlns:p="http://schemas.openxmlformats.org/presentationml/2006/main" showMasterSp="0" showMasterPhAnim="0">
   <p:cSld>
     <p:spTree>
       <p:nvGrpSpPr>
-        <p:cNvPr id="133" name="Shape 133"/>
+        <p:cNvPr id="1" name="Shape 133"/>
         <p:cNvGrpSpPr/>
         <p:nvPr/>
       </p:nvGrpSpPr>
@@ -1223,9 +1268,11 @@
       <p:sp>
         <p:nvSpPr>
           <p:cNvPr id="134" name="Google Shape;134;g6bd0993aa1_0_1404:notes"/>
-          <p:cNvSpPr/>
+          <p:cNvSpPr>
+            <a:spLocks noGrp="1" noRot="1" noChangeAspect="1"/>
+          </p:cNvSpPr>
           <p:nvPr>
-            <p:ph idx="2" type="sldImg"/>
+            <p:ph type="sldImg" idx="2"/>
           </p:nvPr>
         </p:nvSpPr>
         <p:spPr>
@@ -1234,9 +1281,13 @@
             <a:ext cx="6096000" cy="3429000"/>
           </a:xfrm>
           <a:custGeom>
-            <a:rect b="b" l="l" r="r" t="t"/>
+            <a:avLst/>
+            <a:gdLst/>
+            <a:ahLst/>
+            <a:cxnLst/>
+            <a:rect l="l" t="t" r="r" b="b"/>
             <a:pathLst>
-              <a:path extrusionOk="0" h="120000" w="120000">
+              <a:path w="120000" h="120000" extrusionOk="0">
                 <a:moveTo>
                   <a:pt x="0" y="0"/>
                 </a:moveTo>
@@ -1258,9 +1309,11 @@
       <p:sp>
         <p:nvSpPr>
           <p:cNvPr id="135" name="Google Shape;135;g6bd0993aa1_0_1404:notes"/>
-          <p:cNvSpPr txBox="1"/>
+          <p:cNvSpPr txBox="1">
+            <a:spLocks noGrp="1"/>
+          </p:cNvSpPr>
           <p:nvPr>
-            <p:ph idx="1" type="body"/>
+            <p:ph type="body" idx="1"/>
           </p:nvPr>
         </p:nvSpPr>
         <p:spPr>
@@ -1273,12 +1326,12 @@
           </a:prstGeom>
         </p:spPr>
         <p:txBody>
-          <a:bodyPr anchorCtr="0" anchor="t" bIns="91425" lIns="91425" spcFirstLastPara="1" rIns="91425" wrap="square" tIns="91425">
+          <a:bodyPr spcFirstLastPara="1" wrap="square" lIns="91425" tIns="91425" rIns="91425" bIns="91425" anchor="t" anchorCtr="0">
             <a:noAutofit/>
           </a:bodyPr>
           <a:lstStyle/>
           <a:p>
-            <a:pPr indent="0" lvl="0" marL="0" rtl="0" algn="l">
+            <a:pPr marL="0" lvl="0" indent="0" algn="l" rtl="0">
               <a:spcBef>
                 <a:spcPts val="0"/>
               </a:spcBef>
@@ -1287,9 +1340,6 @@
               </a:spcAft>
               <a:buNone/>
             </a:pPr>
-            <a:r>
-              <a:t/>
-            </a:r>
             <a:endParaRPr/>
           </a:p>
         </p:txBody>
@@ -1303,11 +1353,11 @@
 </file>
 
 <file path=ppt/notesSlides/notesSlide15.xml><?xml version="1.0" encoding="utf-8"?>
-<p:notes xmlns:a="http://schemas.openxmlformats.org/drawingml/2006/main" xmlns:r="http://schemas.openxmlformats.org/officeDocument/2006/relationships" xmlns:mc="http://schemas.openxmlformats.org/markup-compatibility/2006" xmlns:mv="urn:schemas-microsoft-com:mac:vml" xmlns:p="http://schemas.openxmlformats.org/presentationml/2006/main" xmlns:c="http://schemas.openxmlformats.org/drawingml/2006/chart" xmlns:dgm="http://schemas.openxmlformats.org/drawingml/2006/diagram" xmlns:o="urn:schemas-microsoft-com:office:office" xmlns:v="urn:schemas-microsoft-com:vml" xmlns:pvml="urn:schemas-microsoft-com:office:powerpoint" xmlns:com="http://schemas.openxmlformats.org/drawingml/2006/compatibility" xmlns:p14="http://schemas.microsoft.com/office/powerpoint/2010/main" xmlns:p15="http://schemas.microsoft.com/office/powerpoint/2012/main" showMasterPhAnim="0" showMasterSp="0">
+<p:notes xmlns:a="http://schemas.openxmlformats.org/drawingml/2006/main" xmlns:r="http://schemas.openxmlformats.org/officeDocument/2006/relationships" xmlns:p="http://schemas.openxmlformats.org/presentationml/2006/main" showMasterSp="0" showMasterPhAnim="0">
   <p:cSld>
     <p:spTree>
       <p:nvGrpSpPr>
-        <p:cNvPr id="139" name="Shape 139"/>
+        <p:cNvPr id="1" name="Shape 139"/>
         <p:cNvGrpSpPr/>
         <p:nvPr/>
       </p:nvGrpSpPr>
@@ -1322,9 +1372,11 @@
       <p:sp>
         <p:nvSpPr>
           <p:cNvPr id="140" name="Google Shape;140;g6bd0993aa1_0_1409:notes"/>
-          <p:cNvSpPr/>
+          <p:cNvSpPr>
+            <a:spLocks noGrp="1" noRot="1" noChangeAspect="1"/>
+          </p:cNvSpPr>
           <p:nvPr>
-            <p:ph idx="2" type="sldImg"/>
+            <p:ph type="sldImg" idx="2"/>
           </p:nvPr>
         </p:nvSpPr>
         <p:spPr>
@@ -1333,9 +1385,13 @@
             <a:ext cx="6096000" cy="3429000"/>
           </a:xfrm>
           <a:custGeom>
-            <a:rect b="b" l="l" r="r" t="t"/>
+            <a:avLst/>
+            <a:gdLst/>
+            <a:ahLst/>
+            <a:cxnLst/>
+            <a:rect l="l" t="t" r="r" b="b"/>
             <a:pathLst>
-              <a:path extrusionOk="0" h="120000" w="120000">
+              <a:path w="120000" h="120000" extrusionOk="0">
                 <a:moveTo>
                   <a:pt x="0" y="0"/>
                 </a:moveTo>
@@ -1357,9 +1413,11 @@
       <p:sp>
         <p:nvSpPr>
           <p:cNvPr id="141" name="Google Shape;141;g6bd0993aa1_0_1409:notes"/>
-          <p:cNvSpPr txBox="1"/>
+          <p:cNvSpPr txBox="1">
+            <a:spLocks noGrp="1"/>
+          </p:cNvSpPr>
           <p:nvPr>
-            <p:ph idx="1" type="body"/>
+            <p:ph type="body" idx="1"/>
           </p:nvPr>
         </p:nvSpPr>
         <p:spPr>
@@ -1372,12 +1430,12 @@
           </a:prstGeom>
         </p:spPr>
         <p:txBody>
-          <a:bodyPr anchorCtr="0" anchor="t" bIns="91425" lIns="91425" spcFirstLastPara="1" rIns="91425" wrap="square" tIns="91425">
+          <a:bodyPr spcFirstLastPara="1" wrap="square" lIns="91425" tIns="91425" rIns="91425" bIns="91425" anchor="t" anchorCtr="0">
             <a:noAutofit/>
           </a:bodyPr>
           <a:lstStyle/>
           <a:p>
-            <a:pPr indent="0" lvl="0" marL="0" rtl="0" algn="l">
+            <a:pPr marL="0" lvl="0" indent="0" algn="l" rtl="0">
               <a:spcBef>
                 <a:spcPts val="0"/>
               </a:spcBef>
@@ -1386,9 +1444,6 @@
               </a:spcAft>
               <a:buNone/>
             </a:pPr>
-            <a:r>
-              <a:t/>
-            </a:r>
             <a:endParaRPr/>
           </a:p>
         </p:txBody>
@@ -1402,11 +1457,11 @@
 </file>
 
 <file path=ppt/notesSlides/notesSlide2.xml><?xml version="1.0" encoding="utf-8"?>
-<p:notes xmlns:a="http://schemas.openxmlformats.org/drawingml/2006/main" xmlns:r="http://schemas.openxmlformats.org/officeDocument/2006/relationships" xmlns:mc="http://schemas.openxmlformats.org/markup-compatibility/2006" xmlns:mv="urn:schemas-microsoft-com:mac:vml" xmlns:p="http://schemas.openxmlformats.org/presentationml/2006/main" xmlns:c="http://schemas.openxmlformats.org/drawingml/2006/chart" xmlns:dgm="http://schemas.openxmlformats.org/drawingml/2006/diagram" xmlns:o="urn:schemas-microsoft-com:office:office" xmlns:v="urn:schemas-microsoft-com:vml" xmlns:pvml="urn:schemas-microsoft-com:office:powerpoint" xmlns:com="http://schemas.openxmlformats.org/drawingml/2006/compatibility" xmlns:p14="http://schemas.microsoft.com/office/powerpoint/2010/main" xmlns:p15="http://schemas.microsoft.com/office/powerpoint/2012/main" showMasterPhAnim="0" showMasterSp="0">
+<p:notes xmlns:a="http://schemas.openxmlformats.org/drawingml/2006/main" xmlns:r="http://schemas.openxmlformats.org/officeDocument/2006/relationships" xmlns:p="http://schemas.openxmlformats.org/presentationml/2006/main" showMasterSp="0" showMasterPhAnim="0">
   <p:cSld>
     <p:spTree>
       <p:nvGrpSpPr>
-        <p:cNvPr id="61" name="Shape 61"/>
+        <p:cNvPr id="1" name="Shape 61"/>
         <p:cNvGrpSpPr/>
         <p:nvPr/>
       </p:nvGrpSpPr>
@@ -1421,9 +1476,11 @@
       <p:sp>
         <p:nvSpPr>
           <p:cNvPr id="62" name="Google Shape;62;g6bd0993aa1_0_1:notes"/>
-          <p:cNvSpPr/>
+          <p:cNvSpPr>
+            <a:spLocks noGrp="1" noRot="1" noChangeAspect="1"/>
+          </p:cNvSpPr>
           <p:nvPr>
-            <p:ph idx="2" type="sldImg"/>
+            <p:ph type="sldImg" idx="2"/>
           </p:nvPr>
         </p:nvSpPr>
         <p:spPr>
@@ -1432,9 +1489,13 @@
             <a:ext cx="6096000" cy="3429000"/>
           </a:xfrm>
           <a:custGeom>
-            <a:rect b="b" l="l" r="r" t="t"/>
+            <a:avLst/>
+            <a:gdLst/>
+            <a:ahLst/>
+            <a:cxnLst/>
+            <a:rect l="l" t="t" r="r" b="b"/>
             <a:pathLst>
-              <a:path extrusionOk="0" h="120000" w="120000">
+              <a:path w="120000" h="120000" extrusionOk="0">
                 <a:moveTo>
                   <a:pt x="0" y="0"/>
                 </a:moveTo>
@@ -1456,9 +1517,11 @@
       <p:sp>
         <p:nvSpPr>
           <p:cNvPr id="63" name="Google Shape;63;g6bd0993aa1_0_1:notes"/>
-          <p:cNvSpPr txBox="1"/>
+          <p:cNvSpPr txBox="1">
+            <a:spLocks noGrp="1"/>
+          </p:cNvSpPr>
           <p:nvPr>
-            <p:ph idx="1" type="body"/>
+            <p:ph type="body" idx="1"/>
           </p:nvPr>
         </p:nvSpPr>
         <p:spPr>
@@ -1471,12 +1534,12 @@
           </a:prstGeom>
         </p:spPr>
         <p:txBody>
-          <a:bodyPr anchorCtr="0" anchor="t" bIns="91425" lIns="91425" spcFirstLastPara="1" rIns="91425" wrap="square" tIns="91425">
+          <a:bodyPr spcFirstLastPara="1" wrap="square" lIns="91425" tIns="91425" rIns="91425" bIns="91425" anchor="t" anchorCtr="0">
             <a:noAutofit/>
           </a:bodyPr>
           <a:lstStyle/>
           <a:p>
-            <a:pPr indent="0" lvl="0" marL="0" rtl="0" algn="l">
+            <a:pPr marL="0" lvl="0" indent="0" algn="l" rtl="0">
               <a:spcBef>
                 <a:spcPts val="0"/>
               </a:spcBef>
@@ -1485,9 +1548,6 @@
               </a:spcAft>
               <a:buNone/>
             </a:pPr>
-            <a:r>
-              <a:t/>
-            </a:r>
             <a:endParaRPr/>
           </a:p>
         </p:txBody>
@@ -1501,11 +1561,11 @@
 </file>
 
 <file path=ppt/notesSlides/notesSlide3.xml><?xml version="1.0" encoding="utf-8"?>
-<p:notes xmlns:a="http://schemas.openxmlformats.org/drawingml/2006/main" xmlns:r="http://schemas.openxmlformats.org/officeDocument/2006/relationships" xmlns:mc="http://schemas.openxmlformats.org/markup-compatibility/2006" xmlns:mv="urn:schemas-microsoft-com:mac:vml" xmlns:p="http://schemas.openxmlformats.org/presentationml/2006/main" xmlns:c="http://schemas.openxmlformats.org/drawingml/2006/chart" xmlns:dgm="http://schemas.openxmlformats.org/drawingml/2006/diagram" xmlns:o="urn:schemas-microsoft-com:office:office" xmlns:v="urn:schemas-microsoft-com:vml" xmlns:pvml="urn:schemas-microsoft-com:office:powerpoint" xmlns:com="http://schemas.openxmlformats.org/drawingml/2006/compatibility" xmlns:p14="http://schemas.microsoft.com/office/powerpoint/2010/main" xmlns:p15="http://schemas.microsoft.com/office/powerpoint/2012/main" showMasterPhAnim="0" showMasterSp="0">
+<p:notes xmlns:a="http://schemas.openxmlformats.org/drawingml/2006/main" xmlns:r="http://schemas.openxmlformats.org/officeDocument/2006/relationships" xmlns:p="http://schemas.openxmlformats.org/presentationml/2006/main" showMasterSp="0" showMasterPhAnim="0">
   <p:cSld>
     <p:spTree>
       <p:nvGrpSpPr>
-        <p:cNvPr id="67" name="Shape 67"/>
+        <p:cNvPr id="1" name="Shape 67"/>
         <p:cNvGrpSpPr/>
         <p:nvPr/>
       </p:nvGrpSpPr>
@@ -1520,20 +1580,26 @@
       <p:sp>
         <p:nvSpPr>
           <p:cNvPr id="68" name="Google Shape;68;g6bd0993aa1_0_6:notes"/>
-          <p:cNvSpPr/>
+          <p:cNvSpPr>
+            <a:spLocks noGrp="1" noRot="1" noChangeAspect="1"/>
+          </p:cNvSpPr>
           <p:nvPr>
-            <p:ph idx="2" type="sldImg"/>
+            <p:ph type="sldImg" idx="2"/>
           </p:nvPr>
         </p:nvSpPr>
         <p:spPr>
           <a:xfrm>
-            <a:off x="381300" y="685800"/>
+            <a:off x="381000" y="685800"/>
             <a:ext cx="6096000" cy="3429000"/>
           </a:xfrm>
           <a:custGeom>
-            <a:rect b="b" l="l" r="r" t="t"/>
+            <a:avLst/>
+            <a:gdLst/>
+            <a:ahLst/>
+            <a:cxnLst/>
+            <a:rect l="l" t="t" r="r" b="b"/>
             <a:pathLst>
-              <a:path extrusionOk="0" h="120000" w="120000">
+              <a:path w="120000" h="120000" extrusionOk="0">
                 <a:moveTo>
                   <a:pt x="0" y="0"/>
                 </a:moveTo>
@@ -1555,9 +1621,11 @@
       <p:sp>
         <p:nvSpPr>
           <p:cNvPr id="69" name="Google Shape;69;g6bd0993aa1_0_6:notes"/>
-          <p:cNvSpPr txBox="1"/>
+          <p:cNvSpPr txBox="1">
+            <a:spLocks noGrp="1"/>
+          </p:cNvSpPr>
           <p:nvPr>
-            <p:ph idx="1" type="body"/>
+            <p:ph type="body" idx="1"/>
           </p:nvPr>
         </p:nvSpPr>
         <p:spPr>
@@ -1570,12 +1638,12 @@
           </a:prstGeom>
         </p:spPr>
         <p:txBody>
-          <a:bodyPr anchorCtr="0" anchor="t" bIns="91425" lIns="91425" spcFirstLastPara="1" rIns="91425" wrap="square" tIns="91425">
+          <a:bodyPr spcFirstLastPara="1" wrap="square" lIns="91425" tIns="91425" rIns="91425" bIns="91425" anchor="t" anchorCtr="0">
             <a:noAutofit/>
           </a:bodyPr>
           <a:lstStyle/>
           <a:p>
-            <a:pPr indent="0" lvl="0" marL="0" rtl="0" algn="l">
+            <a:pPr marL="0" lvl="0" indent="0" algn="l" rtl="0">
               <a:spcBef>
                 <a:spcPts val="0"/>
               </a:spcBef>
@@ -1584,9 +1652,6 @@
               </a:spcAft>
               <a:buNone/>
             </a:pPr>
-            <a:r>
-              <a:t/>
-            </a:r>
             <a:endParaRPr/>
           </a:p>
         </p:txBody>
@@ -1600,11 +1665,115 @@
 </file>
 
 <file path=ppt/notesSlides/notesSlide4.xml><?xml version="1.0" encoding="utf-8"?>
-<p:notes xmlns:a="http://schemas.openxmlformats.org/drawingml/2006/main" xmlns:r="http://schemas.openxmlformats.org/officeDocument/2006/relationships" xmlns:mc="http://schemas.openxmlformats.org/markup-compatibility/2006" xmlns:mv="urn:schemas-microsoft-com:mac:vml" xmlns:p="http://schemas.openxmlformats.org/presentationml/2006/main" xmlns:c="http://schemas.openxmlformats.org/drawingml/2006/chart" xmlns:dgm="http://schemas.openxmlformats.org/drawingml/2006/diagram" xmlns:o="urn:schemas-microsoft-com:office:office" xmlns:v="urn:schemas-microsoft-com:vml" xmlns:pvml="urn:schemas-microsoft-com:office:powerpoint" xmlns:com="http://schemas.openxmlformats.org/drawingml/2006/compatibility" xmlns:p14="http://schemas.microsoft.com/office/powerpoint/2010/main" xmlns:p15="http://schemas.microsoft.com/office/powerpoint/2012/main" showMasterPhAnim="0" showMasterSp="0">
+<p:notes xmlns:a="http://schemas.openxmlformats.org/drawingml/2006/main" xmlns:r="http://schemas.openxmlformats.org/officeDocument/2006/relationships" xmlns:p="http://schemas.openxmlformats.org/presentationml/2006/main" showMasterSp="0" showMasterPhAnim="0">
   <p:cSld>
     <p:spTree>
       <p:nvGrpSpPr>
-        <p:cNvPr id="73" name="Shape 73"/>
+        <p:cNvPr id="1" name="Shape 79"/>
+        <p:cNvGrpSpPr/>
+        <p:nvPr/>
+      </p:nvGrpSpPr>
+      <p:grpSpPr>
+        <a:xfrm>
+          <a:off x="0" y="0"/>
+          <a:ext cx="0" cy="0"/>
+          <a:chOff x="0" y="0"/>
+          <a:chExt cx="0" cy="0"/>
+        </a:xfrm>
+      </p:grpSpPr>
+      <p:sp>
+        <p:nvSpPr>
+          <p:cNvPr id="80" name="Google Shape;80;g6bd0993aa1_0_1295:notes"/>
+          <p:cNvSpPr>
+            <a:spLocks noGrp="1" noRot="1" noChangeAspect="1"/>
+          </p:cNvSpPr>
+          <p:nvPr>
+            <p:ph type="sldImg" idx="2"/>
+          </p:nvPr>
+        </p:nvSpPr>
+        <p:spPr>
+          <a:xfrm>
+            <a:off x="381000" y="685800"/>
+            <a:ext cx="6096000" cy="3429000"/>
+          </a:xfrm>
+          <a:custGeom>
+            <a:avLst/>
+            <a:gdLst/>
+            <a:ahLst/>
+            <a:cxnLst/>
+            <a:rect l="l" t="t" r="r" b="b"/>
+            <a:pathLst>
+              <a:path w="120000" h="120000" extrusionOk="0">
+                <a:moveTo>
+                  <a:pt x="0" y="0"/>
+                </a:moveTo>
+                <a:lnTo>
+                  <a:pt x="120000" y="0"/>
+                </a:lnTo>
+                <a:lnTo>
+                  <a:pt x="120000" y="120000"/>
+                </a:lnTo>
+                <a:lnTo>
+                  <a:pt x="0" y="120000"/>
+                </a:lnTo>
+                <a:close/>
+              </a:path>
+            </a:pathLst>
+          </a:custGeom>
+        </p:spPr>
+      </p:sp>
+      <p:sp>
+        <p:nvSpPr>
+          <p:cNvPr id="81" name="Google Shape;81;g6bd0993aa1_0_1295:notes"/>
+          <p:cNvSpPr txBox="1">
+            <a:spLocks noGrp="1"/>
+          </p:cNvSpPr>
+          <p:nvPr>
+            <p:ph type="body" idx="1"/>
+          </p:nvPr>
+        </p:nvSpPr>
+        <p:spPr>
+          <a:xfrm>
+            <a:off x="685800" y="4343400"/>
+            <a:ext cx="5486400" cy="4114800"/>
+          </a:xfrm>
+          <a:prstGeom prst="rect">
+            <a:avLst/>
+          </a:prstGeom>
+        </p:spPr>
+        <p:txBody>
+          <a:bodyPr spcFirstLastPara="1" wrap="square" lIns="91425" tIns="91425" rIns="91425" bIns="91425" anchor="t" anchorCtr="0">
+            <a:noAutofit/>
+          </a:bodyPr>
+          <a:lstStyle/>
+          <a:p>
+            <a:pPr marL="0" lvl="0" indent="0" algn="l" rtl="0">
+              <a:spcBef>
+                <a:spcPts val="0"/>
+              </a:spcBef>
+              <a:spcAft>
+                <a:spcPts val="0"/>
+              </a:spcAft>
+              <a:buNone/>
+            </a:pPr>
+            <a:endParaRPr/>
+          </a:p>
+        </p:txBody>
+      </p:sp>
+    </p:spTree>
+  </p:cSld>
+  <p:clrMapOvr>
+    <a:masterClrMapping/>
+  </p:clrMapOvr>
+</p:notes>
+</file>
+
+<file path=ppt/notesSlides/notesSlide5.xml><?xml version="1.0" encoding="utf-8"?>
+<p:notes xmlns:a="http://schemas.openxmlformats.org/drawingml/2006/main" xmlns:r="http://schemas.openxmlformats.org/officeDocument/2006/relationships" xmlns:p="http://schemas.openxmlformats.org/presentationml/2006/main" showMasterSp="0" showMasterPhAnim="0">
+  <p:cSld>
+    <p:spTree>
+      <p:nvGrpSpPr>
+        <p:cNvPr id="1" name="Shape 73"/>
         <p:cNvGrpSpPr/>
         <p:nvPr/>
       </p:nvGrpSpPr>
@@ -1619,20 +1788,26 @@
       <p:sp>
         <p:nvSpPr>
           <p:cNvPr id="74" name="Google Shape;74;g6bd0993aa1_0_1289:notes"/>
-          <p:cNvSpPr/>
+          <p:cNvSpPr>
+            <a:spLocks noGrp="1" noRot="1" noChangeAspect="1"/>
+          </p:cNvSpPr>
           <p:nvPr>
-            <p:ph idx="2" type="sldImg"/>
+            <p:ph type="sldImg" idx="2"/>
           </p:nvPr>
         </p:nvSpPr>
         <p:spPr>
           <a:xfrm>
-            <a:off x="381300" y="685800"/>
+            <a:off x="381000" y="685800"/>
             <a:ext cx="6096000" cy="3429000"/>
           </a:xfrm>
           <a:custGeom>
-            <a:rect b="b" l="l" r="r" t="t"/>
+            <a:avLst/>
+            <a:gdLst/>
+            <a:ahLst/>
+            <a:cxnLst/>
+            <a:rect l="l" t="t" r="r" b="b"/>
             <a:pathLst>
-              <a:path extrusionOk="0" h="120000" w="120000">
+              <a:path w="120000" h="120000" extrusionOk="0">
                 <a:moveTo>
                   <a:pt x="0" y="0"/>
                 </a:moveTo>
@@ -1654,9 +1829,11 @@
       <p:sp>
         <p:nvSpPr>
           <p:cNvPr id="75" name="Google Shape;75;g6bd0993aa1_0_1289:notes"/>
-          <p:cNvSpPr txBox="1"/>
+          <p:cNvSpPr txBox="1">
+            <a:spLocks noGrp="1"/>
+          </p:cNvSpPr>
           <p:nvPr>
-            <p:ph idx="1" type="body"/>
+            <p:ph type="body" idx="1"/>
           </p:nvPr>
         </p:nvSpPr>
         <p:spPr>
@@ -1669,12 +1846,12 @@
           </a:prstGeom>
         </p:spPr>
         <p:txBody>
-          <a:bodyPr anchorCtr="0" anchor="t" bIns="91425" lIns="91425" spcFirstLastPara="1" rIns="91425" wrap="square" tIns="91425">
+          <a:bodyPr spcFirstLastPara="1" wrap="square" lIns="91425" tIns="91425" rIns="91425" bIns="91425" anchor="t" anchorCtr="0">
             <a:noAutofit/>
           </a:bodyPr>
           <a:lstStyle/>
           <a:p>
-            <a:pPr indent="0" lvl="0" marL="0" rtl="0" algn="l">
+            <a:pPr marL="0" lvl="0" indent="0" algn="l" rtl="0">
               <a:spcBef>
                 <a:spcPts val="0"/>
               </a:spcBef>
@@ -1683,108 +1860,6 @@
               </a:spcAft>
               <a:buNone/>
             </a:pPr>
-            <a:r>
-              <a:t/>
-            </a:r>
-            <a:endParaRPr/>
-          </a:p>
-        </p:txBody>
-      </p:sp>
-    </p:spTree>
-  </p:cSld>
-  <p:clrMapOvr>
-    <a:masterClrMapping/>
-  </p:clrMapOvr>
-</p:notes>
-</file>
-
-<file path=ppt/notesSlides/notesSlide5.xml><?xml version="1.0" encoding="utf-8"?>
-<p:notes xmlns:a="http://schemas.openxmlformats.org/drawingml/2006/main" xmlns:r="http://schemas.openxmlformats.org/officeDocument/2006/relationships" xmlns:mc="http://schemas.openxmlformats.org/markup-compatibility/2006" xmlns:mv="urn:schemas-microsoft-com:mac:vml" xmlns:p="http://schemas.openxmlformats.org/presentationml/2006/main" xmlns:c="http://schemas.openxmlformats.org/drawingml/2006/chart" xmlns:dgm="http://schemas.openxmlformats.org/drawingml/2006/diagram" xmlns:o="urn:schemas-microsoft-com:office:office" xmlns:v="urn:schemas-microsoft-com:vml" xmlns:pvml="urn:schemas-microsoft-com:office:powerpoint" xmlns:com="http://schemas.openxmlformats.org/drawingml/2006/compatibility" xmlns:p14="http://schemas.microsoft.com/office/powerpoint/2010/main" xmlns:p15="http://schemas.microsoft.com/office/powerpoint/2012/main" showMasterPhAnim="0" showMasterSp="0">
-  <p:cSld>
-    <p:spTree>
-      <p:nvGrpSpPr>
-        <p:cNvPr id="79" name="Shape 79"/>
-        <p:cNvGrpSpPr/>
-        <p:nvPr/>
-      </p:nvGrpSpPr>
-      <p:grpSpPr>
-        <a:xfrm>
-          <a:off x="0" y="0"/>
-          <a:ext cx="0" cy="0"/>
-          <a:chOff x="0" y="0"/>
-          <a:chExt cx="0" cy="0"/>
-        </a:xfrm>
-      </p:grpSpPr>
-      <p:sp>
-        <p:nvSpPr>
-          <p:cNvPr id="80" name="Google Shape;80;g6bd0993aa1_0_1295:notes"/>
-          <p:cNvSpPr/>
-          <p:nvPr>
-            <p:ph idx="2" type="sldImg"/>
-          </p:nvPr>
-        </p:nvSpPr>
-        <p:spPr>
-          <a:xfrm>
-            <a:off x="381300" y="685800"/>
-            <a:ext cx="6096000" cy="3429000"/>
-          </a:xfrm>
-          <a:custGeom>
-            <a:rect b="b" l="l" r="r" t="t"/>
-            <a:pathLst>
-              <a:path extrusionOk="0" h="120000" w="120000">
-                <a:moveTo>
-                  <a:pt x="0" y="0"/>
-                </a:moveTo>
-                <a:lnTo>
-                  <a:pt x="120000" y="0"/>
-                </a:lnTo>
-                <a:lnTo>
-                  <a:pt x="120000" y="120000"/>
-                </a:lnTo>
-                <a:lnTo>
-                  <a:pt x="0" y="120000"/>
-                </a:lnTo>
-                <a:close/>
-              </a:path>
-            </a:pathLst>
-          </a:custGeom>
-        </p:spPr>
-      </p:sp>
-      <p:sp>
-        <p:nvSpPr>
-          <p:cNvPr id="81" name="Google Shape;81;g6bd0993aa1_0_1295:notes"/>
-          <p:cNvSpPr txBox="1"/>
-          <p:nvPr>
-            <p:ph idx="1" type="body"/>
-          </p:nvPr>
-        </p:nvSpPr>
-        <p:spPr>
-          <a:xfrm>
-            <a:off x="685800" y="4343400"/>
-            <a:ext cx="5486400" cy="4114800"/>
-          </a:xfrm>
-          <a:prstGeom prst="rect">
-            <a:avLst/>
-          </a:prstGeom>
-        </p:spPr>
-        <p:txBody>
-          <a:bodyPr anchorCtr="0" anchor="t" bIns="91425" lIns="91425" spcFirstLastPara="1" rIns="91425" wrap="square" tIns="91425">
-            <a:noAutofit/>
-          </a:bodyPr>
-          <a:lstStyle/>
-          <a:p>
-            <a:pPr indent="0" lvl="0" marL="0" rtl="0" algn="l">
-              <a:spcBef>
-                <a:spcPts val="0"/>
-              </a:spcBef>
-              <a:spcAft>
-                <a:spcPts val="0"/>
-              </a:spcAft>
-              <a:buNone/>
-            </a:pPr>
-            <a:r>
-              <a:t/>
-            </a:r>
             <a:endParaRPr/>
           </a:p>
         </p:txBody>
@@ -1798,11 +1873,11 @@
 </file>
 
 <file path=ppt/notesSlides/notesSlide6.xml><?xml version="1.0" encoding="utf-8"?>
-<p:notes xmlns:a="http://schemas.openxmlformats.org/drawingml/2006/main" xmlns:r="http://schemas.openxmlformats.org/officeDocument/2006/relationships" xmlns:mc="http://schemas.openxmlformats.org/markup-compatibility/2006" xmlns:mv="urn:schemas-microsoft-com:mac:vml" xmlns:p="http://schemas.openxmlformats.org/presentationml/2006/main" xmlns:c="http://schemas.openxmlformats.org/drawingml/2006/chart" xmlns:dgm="http://schemas.openxmlformats.org/drawingml/2006/diagram" xmlns:o="urn:schemas-microsoft-com:office:office" xmlns:v="urn:schemas-microsoft-com:vml" xmlns:pvml="urn:schemas-microsoft-com:office:powerpoint" xmlns:com="http://schemas.openxmlformats.org/drawingml/2006/compatibility" xmlns:p14="http://schemas.microsoft.com/office/powerpoint/2010/main" xmlns:p15="http://schemas.microsoft.com/office/powerpoint/2012/main" showMasterPhAnim="0" showMasterSp="0">
+<p:notes xmlns:a="http://schemas.openxmlformats.org/drawingml/2006/main" xmlns:r="http://schemas.openxmlformats.org/officeDocument/2006/relationships" xmlns:p="http://schemas.openxmlformats.org/presentationml/2006/main" showMasterSp="0" showMasterPhAnim="0">
   <p:cSld>
     <p:spTree>
       <p:nvGrpSpPr>
-        <p:cNvPr id="85" name="Shape 85"/>
+        <p:cNvPr id="1" name="Shape 85"/>
         <p:cNvGrpSpPr/>
         <p:nvPr/>
       </p:nvGrpSpPr>
@@ -1817,20 +1892,26 @@
       <p:sp>
         <p:nvSpPr>
           <p:cNvPr id="86" name="Google Shape;86;g6bd0993aa1_0_1339:notes"/>
-          <p:cNvSpPr/>
+          <p:cNvSpPr>
+            <a:spLocks noGrp="1" noRot="1" noChangeAspect="1"/>
+          </p:cNvSpPr>
           <p:nvPr>
-            <p:ph idx="2" type="sldImg"/>
+            <p:ph type="sldImg" idx="2"/>
           </p:nvPr>
         </p:nvSpPr>
         <p:spPr>
           <a:xfrm>
-            <a:off x="381300" y="685800"/>
+            <a:off x="381000" y="685800"/>
             <a:ext cx="6096000" cy="3429000"/>
           </a:xfrm>
           <a:custGeom>
-            <a:rect b="b" l="l" r="r" t="t"/>
+            <a:avLst/>
+            <a:gdLst/>
+            <a:ahLst/>
+            <a:cxnLst/>
+            <a:rect l="l" t="t" r="r" b="b"/>
             <a:pathLst>
-              <a:path extrusionOk="0" h="120000" w="120000">
+              <a:path w="120000" h="120000" extrusionOk="0">
                 <a:moveTo>
                   <a:pt x="0" y="0"/>
                 </a:moveTo>
@@ -1852,9 +1933,11 @@
       <p:sp>
         <p:nvSpPr>
           <p:cNvPr id="87" name="Google Shape;87;g6bd0993aa1_0_1339:notes"/>
-          <p:cNvSpPr txBox="1"/>
+          <p:cNvSpPr txBox="1">
+            <a:spLocks noGrp="1"/>
+          </p:cNvSpPr>
           <p:nvPr>
-            <p:ph idx="1" type="body"/>
+            <p:ph type="body" idx="1"/>
           </p:nvPr>
         </p:nvSpPr>
         <p:spPr>
@@ -1867,12 +1950,12 @@
           </a:prstGeom>
         </p:spPr>
         <p:txBody>
-          <a:bodyPr anchorCtr="0" anchor="t" bIns="91425" lIns="91425" spcFirstLastPara="1" rIns="91425" wrap="square" tIns="91425">
+          <a:bodyPr spcFirstLastPara="1" wrap="square" lIns="91425" tIns="91425" rIns="91425" bIns="91425" anchor="t" anchorCtr="0">
             <a:noAutofit/>
           </a:bodyPr>
           <a:lstStyle/>
           <a:p>
-            <a:pPr indent="0" lvl="0" marL="0" rtl="0" algn="l">
+            <a:pPr marL="0" lvl="0" indent="0" algn="l" rtl="0">
               <a:spcBef>
                 <a:spcPts val="0"/>
               </a:spcBef>
@@ -1881,9 +1964,6 @@
               </a:spcAft>
               <a:buNone/>
             </a:pPr>
-            <a:r>
-              <a:t/>
-            </a:r>
             <a:endParaRPr/>
           </a:p>
         </p:txBody>
@@ -1897,11 +1977,115 @@
 </file>
 
 <file path=ppt/notesSlides/notesSlide7.xml><?xml version="1.0" encoding="utf-8"?>
-<p:notes xmlns:a="http://schemas.openxmlformats.org/drawingml/2006/main" xmlns:r="http://schemas.openxmlformats.org/officeDocument/2006/relationships" xmlns:mc="http://schemas.openxmlformats.org/markup-compatibility/2006" xmlns:mv="urn:schemas-microsoft-com:mac:vml" xmlns:p="http://schemas.openxmlformats.org/presentationml/2006/main" xmlns:c="http://schemas.openxmlformats.org/drawingml/2006/chart" xmlns:dgm="http://schemas.openxmlformats.org/drawingml/2006/diagram" xmlns:o="urn:schemas-microsoft-com:office:office" xmlns:v="urn:schemas-microsoft-com:vml" xmlns:pvml="urn:schemas-microsoft-com:office:powerpoint" xmlns:com="http://schemas.openxmlformats.org/drawingml/2006/compatibility" xmlns:p14="http://schemas.microsoft.com/office/powerpoint/2010/main" xmlns:p15="http://schemas.microsoft.com/office/powerpoint/2012/main" showMasterPhAnim="0" showMasterSp="0">
+<p:notes xmlns:a="http://schemas.openxmlformats.org/drawingml/2006/main" xmlns:r="http://schemas.openxmlformats.org/officeDocument/2006/relationships" xmlns:p="http://schemas.openxmlformats.org/presentationml/2006/main" showMasterSp="0" showMasterPhAnim="0">
   <p:cSld>
     <p:spTree>
       <p:nvGrpSpPr>
-        <p:cNvPr id="91" name="Shape 91"/>
+        <p:cNvPr id="1" name="Shape 97"/>
+        <p:cNvGrpSpPr/>
+        <p:nvPr/>
+      </p:nvGrpSpPr>
+      <p:grpSpPr>
+        <a:xfrm>
+          <a:off x="0" y="0"/>
+          <a:ext cx="0" cy="0"/>
+          <a:chOff x="0" y="0"/>
+          <a:chExt cx="0" cy="0"/>
+        </a:xfrm>
+      </p:grpSpPr>
+      <p:sp>
+        <p:nvSpPr>
+          <p:cNvPr id="98" name="Google Shape;98;g6bd0993aa1_0_1305:notes"/>
+          <p:cNvSpPr>
+            <a:spLocks noGrp="1" noRot="1" noChangeAspect="1"/>
+          </p:cNvSpPr>
+          <p:nvPr>
+            <p:ph type="sldImg" idx="2"/>
+          </p:nvPr>
+        </p:nvSpPr>
+        <p:spPr>
+          <a:xfrm>
+            <a:off x="381000" y="685800"/>
+            <a:ext cx="6096000" cy="3429000"/>
+          </a:xfrm>
+          <a:custGeom>
+            <a:avLst/>
+            <a:gdLst/>
+            <a:ahLst/>
+            <a:cxnLst/>
+            <a:rect l="l" t="t" r="r" b="b"/>
+            <a:pathLst>
+              <a:path w="120000" h="120000" extrusionOk="0">
+                <a:moveTo>
+                  <a:pt x="0" y="0"/>
+                </a:moveTo>
+                <a:lnTo>
+                  <a:pt x="120000" y="0"/>
+                </a:lnTo>
+                <a:lnTo>
+                  <a:pt x="120000" y="120000"/>
+                </a:lnTo>
+                <a:lnTo>
+                  <a:pt x="0" y="120000"/>
+                </a:lnTo>
+                <a:close/>
+              </a:path>
+            </a:pathLst>
+          </a:custGeom>
+        </p:spPr>
+      </p:sp>
+      <p:sp>
+        <p:nvSpPr>
+          <p:cNvPr id="99" name="Google Shape;99;g6bd0993aa1_0_1305:notes"/>
+          <p:cNvSpPr txBox="1">
+            <a:spLocks noGrp="1"/>
+          </p:cNvSpPr>
+          <p:nvPr>
+            <p:ph type="body" idx="1"/>
+          </p:nvPr>
+        </p:nvSpPr>
+        <p:spPr>
+          <a:xfrm>
+            <a:off x="685800" y="4343400"/>
+            <a:ext cx="5486400" cy="4114800"/>
+          </a:xfrm>
+          <a:prstGeom prst="rect">
+            <a:avLst/>
+          </a:prstGeom>
+        </p:spPr>
+        <p:txBody>
+          <a:bodyPr spcFirstLastPara="1" wrap="square" lIns="91425" tIns="91425" rIns="91425" bIns="91425" anchor="t" anchorCtr="0">
+            <a:noAutofit/>
+          </a:bodyPr>
+          <a:lstStyle/>
+          <a:p>
+            <a:pPr marL="0" lvl="0" indent="0" algn="l" rtl="0">
+              <a:spcBef>
+                <a:spcPts val="0"/>
+              </a:spcBef>
+              <a:spcAft>
+                <a:spcPts val="0"/>
+              </a:spcAft>
+              <a:buNone/>
+            </a:pPr>
+            <a:endParaRPr/>
+          </a:p>
+        </p:txBody>
+      </p:sp>
+    </p:spTree>
+  </p:cSld>
+  <p:clrMapOvr>
+    <a:masterClrMapping/>
+  </p:clrMapOvr>
+</p:notes>
+</file>
+
+<file path=ppt/notesSlides/notesSlide8.xml><?xml version="1.0" encoding="utf-8"?>
+<p:notes xmlns:a="http://schemas.openxmlformats.org/drawingml/2006/main" xmlns:r="http://schemas.openxmlformats.org/officeDocument/2006/relationships" xmlns:p="http://schemas.openxmlformats.org/presentationml/2006/main" showMasterSp="0" showMasterPhAnim="0">
+  <p:cSld>
+    <p:spTree>
+      <p:nvGrpSpPr>
+        <p:cNvPr id="1" name="Shape 91"/>
         <p:cNvGrpSpPr/>
         <p:nvPr/>
       </p:nvGrpSpPr>
@@ -1916,20 +2100,26 @@
       <p:sp>
         <p:nvSpPr>
           <p:cNvPr id="92" name="Google Shape;92;g6bd0993aa1_0_1300:notes"/>
-          <p:cNvSpPr/>
+          <p:cNvSpPr>
+            <a:spLocks noGrp="1" noRot="1" noChangeAspect="1"/>
+          </p:cNvSpPr>
           <p:nvPr>
-            <p:ph idx="2" type="sldImg"/>
+            <p:ph type="sldImg" idx="2"/>
           </p:nvPr>
         </p:nvSpPr>
         <p:spPr>
           <a:xfrm>
-            <a:off x="381300" y="685800"/>
+            <a:off x="381000" y="685800"/>
             <a:ext cx="6096000" cy="3429000"/>
           </a:xfrm>
           <a:custGeom>
-            <a:rect b="b" l="l" r="r" t="t"/>
+            <a:avLst/>
+            <a:gdLst/>
+            <a:ahLst/>
+            <a:cxnLst/>
+            <a:rect l="l" t="t" r="r" b="b"/>
             <a:pathLst>
-              <a:path extrusionOk="0" h="120000" w="120000">
+              <a:path w="120000" h="120000" extrusionOk="0">
                 <a:moveTo>
                   <a:pt x="0" y="0"/>
                 </a:moveTo>
@@ -1951,9 +2141,11 @@
       <p:sp>
         <p:nvSpPr>
           <p:cNvPr id="93" name="Google Shape;93;g6bd0993aa1_0_1300:notes"/>
-          <p:cNvSpPr txBox="1"/>
+          <p:cNvSpPr txBox="1">
+            <a:spLocks noGrp="1"/>
+          </p:cNvSpPr>
           <p:nvPr>
-            <p:ph idx="1" type="body"/>
+            <p:ph type="body" idx="1"/>
           </p:nvPr>
         </p:nvSpPr>
         <p:spPr>
@@ -1966,12 +2158,12 @@
           </a:prstGeom>
         </p:spPr>
         <p:txBody>
-          <a:bodyPr anchorCtr="0" anchor="t" bIns="91425" lIns="91425" spcFirstLastPara="1" rIns="91425" wrap="square" tIns="91425">
+          <a:bodyPr spcFirstLastPara="1" wrap="square" lIns="91425" tIns="91425" rIns="91425" bIns="91425" anchor="t" anchorCtr="0">
             <a:noAutofit/>
           </a:bodyPr>
           <a:lstStyle/>
           <a:p>
-            <a:pPr indent="0" lvl="0" marL="0" rtl="0" algn="l">
+            <a:pPr marL="0" lvl="0" indent="0" algn="l" rtl="0">
               <a:spcBef>
                 <a:spcPts val="0"/>
               </a:spcBef>
@@ -1980,108 +2172,6 @@
               </a:spcAft>
               <a:buNone/>
             </a:pPr>
-            <a:r>
-              <a:t/>
-            </a:r>
-            <a:endParaRPr/>
-          </a:p>
-        </p:txBody>
-      </p:sp>
-    </p:spTree>
-  </p:cSld>
-  <p:clrMapOvr>
-    <a:masterClrMapping/>
-  </p:clrMapOvr>
-</p:notes>
-</file>
-
-<file path=ppt/notesSlides/notesSlide8.xml><?xml version="1.0" encoding="utf-8"?>
-<p:notes xmlns:a="http://schemas.openxmlformats.org/drawingml/2006/main" xmlns:r="http://schemas.openxmlformats.org/officeDocument/2006/relationships" xmlns:mc="http://schemas.openxmlformats.org/markup-compatibility/2006" xmlns:mv="urn:schemas-microsoft-com:mac:vml" xmlns:p="http://schemas.openxmlformats.org/presentationml/2006/main" xmlns:c="http://schemas.openxmlformats.org/drawingml/2006/chart" xmlns:dgm="http://schemas.openxmlformats.org/drawingml/2006/diagram" xmlns:o="urn:schemas-microsoft-com:office:office" xmlns:v="urn:schemas-microsoft-com:vml" xmlns:pvml="urn:schemas-microsoft-com:office:powerpoint" xmlns:com="http://schemas.openxmlformats.org/drawingml/2006/compatibility" xmlns:p14="http://schemas.microsoft.com/office/powerpoint/2010/main" xmlns:p15="http://schemas.microsoft.com/office/powerpoint/2012/main" showMasterPhAnim="0" showMasterSp="0">
-  <p:cSld>
-    <p:spTree>
-      <p:nvGrpSpPr>
-        <p:cNvPr id="97" name="Shape 97"/>
-        <p:cNvGrpSpPr/>
-        <p:nvPr/>
-      </p:nvGrpSpPr>
-      <p:grpSpPr>
-        <a:xfrm>
-          <a:off x="0" y="0"/>
-          <a:ext cx="0" cy="0"/>
-          <a:chOff x="0" y="0"/>
-          <a:chExt cx="0" cy="0"/>
-        </a:xfrm>
-      </p:grpSpPr>
-      <p:sp>
-        <p:nvSpPr>
-          <p:cNvPr id="98" name="Google Shape;98;g6bd0993aa1_0_1305:notes"/>
-          <p:cNvSpPr/>
-          <p:nvPr>
-            <p:ph idx="2" type="sldImg"/>
-          </p:nvPr>
-        </p:nvSpPr>
-        <p:spPr>
-          <a:xfrm>
-            <a:off x="381300" y="685800"/>
-            <a:ext cx="6096000" cy="3429000"/>
-          </a:xfrm>
-          <a:custGeom>
-            <a:rect b="b" l="l" r="r" t="t"/>
-            <a:pathLst>
-              <a:path extrusionOk="0" h="120000" w="120000">
-                <a:moveTo>
-                  <a:pt x="0" y="0"/>
-                </a:moveTo>
-                <a:lnTo>
-                  <a:pt x="120000" y="0"/>
-                </a:lnTo>
-                <a:lnTo>
-                  <a:pt x="120000" y="120000"/>
-                </a:lnTo>
-                <a:lnTo>
-                  <a:pt x="0" y="120000"/>
-                </a:lnTo>
-                <a:close/>
-              </a:path>
-            </a:pathLst>
-          </a:custGeom>
-        </p:spPr>
-      </p:sp>
-      <p:sp>
-        <p:nvSpPr>
-          <p:cNvPr id="99" name="Google Shape;99;g6bd0993aa1_0_1305:notes"/>
-          <p:cNvSpPr txBox="1"/>
-          <p:nvPr>
-            <p:ph idx="1" type="body"/>
-          </p:nvPr>
-        </p:nvSpPr>
-        <p:spPr>
-          <a:xfrm>
-            <a:off x="685800" y="4343400"/>
-            <a:ext cx="5486400" cy="4114800"/>
-          </a:xfrm>
-          <a:prstGeom prst="rect">
-            <a:avLst/>
-          </a:prstGeom>
-        </p:spPr>
-        <p:txBody>
-          <a:bodyPr anchorCtr="0" anchor="t" bIns="91425" lIns="91425" spcFirstLastPara="1" rIns="91425" wrap="square" tIns="91425">
-            <a:noAutofit/>
-          </a:bodyPr>
-          <a:lstStyle/>
-          <a:p>
-            <a:pPr indent="0" lvl="0" marL="0" rtl="0" algn="l">
-              <a:spcBef>
-                <a:spcPts val="0"/>
-              </a:spcBef>
-              <a:spcAft>
-                <a:spcPts val="0"/>
-              </a:spcAft>
-              <a:buNone/>
-            </a:pPr>
-            <a:r>
-              <a:t/>
-            </a:r>
             <a:endParaRPr/>
           </a:p>
         </p:txBody>
@@ -2095,11 +2185,11 @@
 </file>
 
 <file path=ppt/notesSlides/notesSlide9.xml><?xml version="1.0" encoding="utf-8"?>
-<p:notes xmlns:a="http://schemas.openxmlformats.org/drawingml/2006/main" xmlns:r="http://schemas.openxmlformats.org/officeDocument/2006/relationships" xmlns:mc="http://schemas.openxmlformats.org/markup-compatibility/2006" xmlns:mv="urn:schemas-microsoft-com:mac:vml" xmlns:p="http://schemas.openxmlformats.org/presentationml/2006/main" xmlns:c="http://schemas.openxmlformats.org/drawingml/2006/chart" xmlns:dgm="http://schemas.openxmlformats.org/drawingml/2006/diagram" xmlns:o="urn:schemas-microsoft-com:office:office" xmlns:v="urn:schemas-microsoft-com:vml" xmlns:pvml="urn:schemas-microsoft-com:office:powerpoint" xmlns:com="http://schemas.openxmlformats.org/drawingml/2006/compatibility" xmlns:p14="http://schemas.microsoft.com/office/powerpoint/2010/main" xmlns:p15="http://schemas.microsoft.com/office/powerpoint/2012/main" showMasterPhAnim="0" showMasterSp="0">
+<p:notes xmlns:a="http://schemas.openxmlformats.org/drawingml/2006/main" xmlns:r="http://schemas.openxmlformats.org/officeDocument/2006/relationships" xmlns:p="http://schemas.openxmlformats.org/presentationml/2006/main" showMasterSp="0" showMasterPhAnim="0">
   <p:cSld>
     <p:spTree>
       <p:nvGrpSpPr>
-        <p:cNvPr id="103" name="Shape 103"/>
+        <p:cNvPr id="1" name="Shape 103"/>
         <p:cNvGrpSpPr/>
         <p:nvPr/>
       </p:nvGrpSpPr>
@@ -2114,9 +2204,11 @@
       <p:sp>
         <p:nvSpPr>
           <p:cNvPr id="104" name="Google Shape;104;g6bd0993aa1_0_1310:notes"/>
-          <p:cNvSpPr/>
+          <p:cNvSpPr>
+            <a:spLocks noGrp="1" noRot="1" noChangeAspect="1"/>
+          </p:cNvSpPr>
           <p:nvPr>
-            <p:ph idx="2" type="sldImg"/>
+            <p:ph type="sldImg" idx="2"/>
           </p:nvPr>
         </p:nvSpPr>
         <p:spPr>
@@ -2125,9 +2217,13 @@
             <a:ext cx="6096000" cy="3429000"/>
           </a:xfrm>
           <a:custGeom>
-            <a:rect b="b" l="l" r="r" t="t"/>
+            <a:avLst/>
+            <a:gdLst/>
+            <a:ahLst/>
+            <a:cxnLst/>
+            <a:rect l="l" t="t" r="r" b="b"/>
             <a:pathLst>
-              <a:path extrusionOk="0" h="120000" w="120000">
+              <a:path w="120000" h="120000" extrusionOk="0">
                 <a:moveTo>
                   <a:pt x="0" y="0"/>
                 </a:moveTo>
@@ -2149,9 +2245,11 @@
       <p:sp>
         <p:nvSpPr>
           <p:cNvPr id="105" name="Google Shape;105;g6bd0993aa1_0_1310:notes"/>
-          <p:cNvSpPr txBox="1"/>
+          <p:cNvSpPr txBox="1">
+            <a:spLocks noGrp="1"/>
+          </p:cNvSpPr>
           <p:nvPr>
-            <p:ph idx="1" type="body"/>
+            <p:ph type="body" idx="1"/>
           </p:nvPr>
         </p:nvSpPr>
         <p:spPr>
@@ -2164,12 +2262,12 @@
           </a:prstGeom>
         </p:spPr>
         <p:txBody>
-          <a:bodyPr anchorCtr="0" anchor="t" bIns="91425" lIns="91425" spcFirstLastPara="1" rIns="91425" wrap="square" tIns="91425">
+          <a:bodyPr spcFirstLastPara="1" wrap="square" lIns="91425" tIns="91425" rIns="91425" bIns="91425" anchor="t" anchorCtr="0">
             <a:noAutofit/>
           </a:bodyPr>
           <a:lstStyle/>
           <a:p>
-            <a:pPr indent="0" lvl="0" marL="0" rtl="0" algn="l">
+            <a:pPr marL="0" lvl="0" indent="0" algn="l" rtl="0">
               <a:spcBef>
                 <a:spcPts val="0"/>
               </a:spcBef>
@@ -2178,9 +2276,6 @@
               </a:spcAft>
               <a:buNone/>
             </a:pPr>
-            <a:r>
-              <a:t/>
-            </a:r>
             <a:endParaRPr/>
           </a:p>
         </p:txBody>
@@ -2194,18 +2289,19 @@
 </file>
 
 <file path=ppt/slideLayouts/slideLayout1.xml><?xml version="1.0" encoding="utf-8"?>
-<p:sldLayout xmlns:a="http://schemas.openxmlformats.org/drawingml/2006/main" xmlns:r="http://schemas.openxmlformats.org/officeDocument/2006/relationships" xmlns:mc="http://schemas.openxmlformats.org/markup-compatibility/2006" xmlns:mv="urn:schemas-microsoft-com:mac:vml" xmlns:p="http://schemas.openxmlformats.org/presentationml/2006/main" xmlns:c="http://schemas.openxmlformats.org/drawingml/2006/chart" xmlns:dgm="http://schemas.openxmlformats.org/drawingml/2006/diagram" xmlns:o="urn:schemas-microsoft-com:office:office" xmlns:v="urn:schemas-microsoft-com:vml" xmlns:pvml="urn:schemas-microsoft-com:office:powerpoint" xmlns:com="http://schemas.openxmlformats.org/drawingml/2006/compatibility" xmlns:p14="http://schemas.microsoft.com/office/powerpoint/2010/main" xmlns:p15="http://schemas.microsoft.com/office/powerpoint/2012/main" matchingName="Title slide" type="title">
+<p:sldLayout xmlns:a="http://schemas.openxmlformats.org/drawingml/2006/main" xmlns:r="http://schemas.openxmlformats.org/officeDocument/2006/relationships" xmlns:p="http://schemas.openxmlformats.org/presentationml/2006/main" matchingName="Title slide" type="title">
   <p:cSld name="TITLE">
     <p:bg>
       <p:bgPr>
         <a:solidFill>
           <a:schemeClr val="dk1"/>
         </a:solidFill>
+        <a:effectLst/>
       </p:bgPr>
     </p:bg>
     <p:spTree>
       <p:nvGrpSpPr>
-        <p:cNvPr id="9" name="Shape 9"/>
+        <p:cNvPr id="1" name="Shape 9"/>
         <p:cNvGrpSpPr/>
         <p:nvPr/>
       </p:nvGrpSpPr>
@@ -2239,12 +2335,12 @@
           </a:ln>
         </p:spPr>
         <p:txBody>
-          <a:bodyPr anchorCtr="0" anchor="ctr" bIns="91425" lIns="91425" spcFirstLastPara="1" rIns="91425" wrap="square" tIns="91425">
+          <a:bodyPr spcFirstLastPara="1" wrap="square" lIns="91425" tIns="91425" rIns="91425" bIns="91425" anchor="ctr" anchorCtr="0">
             <a:noAutofit/>
           </a:bodyPr>
           <a:lstStyle/>
           <a:p>
-            <a:pPr indent="0" lvl="0" marL="0" rtl="0" algn="l">
+            <a:pPr marL="0" lvl="0" indent="0" algn="l" rtl="0">
               <a:spcBef>
                 <a:spcPts val="0"/>
               </a:spcBef>
@@ -2253,9 +2349,6 @@
               </a:spcAft>
               <a:buNone/>
             </a:pPr>
-            <a:r>
-              <a:t/>
-            </a:r>
             <a:endParaRPr/>
           </a:p>
         </p:txBody>
@@ -2275,21 +2368,23 @@
             <a:avLst/>
           </a:prstGeom>
           <a:noFill/>
-          <a:ln cap="flat" cmpd="sng" w="28575">
+          <a:ln w="28575" cap="flat" cmpd="sng">
             <a:solidFill>
               <a:schemeClr val="accent1"/>
             </a:solidFill>
             <a:prstDash val="solid"/>
             <a:round/>
-            <a:headEnd len="sm" w="sm" type="none"/>
-            <a:tailEnd len="sm" w="sm" type="none"/>
+            <a:headEnd type="none" w="sm" len="sm"/>
+            <a:tailEnd type="none" w="sm" len="sm"/>
           </a:ln>
         </p:spPr>
       </p:cxnSp>
       <p:sp>
         <p:nvSpPr>
           <p:cNvPr id="12" name="Google Shape;12;p2"/>
-          <p:cNvSpPr txBox="1"/>
+          <p:cNvSpPr txBox="1">
+            <a:spLocks noGrp="1"/>
+          </p:cNvSpPr>
           <p:nvPr>
             <p:ph type="ctrTitle"/>
           </p:nvPr>
@@ -2304,7 +2399,7 @@
           </a:prstGeom>
         </p:spPr>
         <p:txBody>
-          <a:bodyPr anchorCtr="0" anchor="b" bIns="91425" lIns="91425" spcFirstLastPara="1" rIns="91425" wrap="square" tIns="91425">
+          <a:bodyPr spcFirstLastPara="1" wrap="square" lIns="91425" tIns="91425" rIns="91425" bIns="91425" anchor="b" anchorCtr="0">
             <a:noAutofit/>
           </a:bodyPr>
           <a:lstStyle>
@@ -2471,15 +2566,19 @@
               </a:defRPr>
             </a:lvl9pPr>
           </a:lstStyle>
-          <a:p/>
+          <a:p>
+            <a:endParaRPr/>
+          </a:p>
         </p:txBody>
       </p:sp>
       <p:sp>
         <p:nvSpPr>
           <p:cNvPr id="13" name="Google Shape;13;p2"/>
-          <p:cNvSpPr txBox="1"/>
+          <p:cNvSpPr txBox="1">
+            <a:spLocks noGrp="1"/>
+          </p:cNvSpPr>
           <p:nvPr>
-            <p:ph idx="1" type="subTitle"/>
+            <p:ph type="subTitle" idx="1"/>
           </p:nvPr>
         </p:nvSpPr>
         <p:spPr>
@@ -2492,7 +2591,7 @@
           </a:prstGeom>
         </p:spPr>
         <p:txBody>
-          <a:bodyPr anchorCtr="0" anchor="t" bIns="91425" lIns="91425" spcFirstLastPara="1" rIns="91425" wrap="square" tIns="91425">
+          <a:bodyPr spcFirstLastPara="1" wrap="square" lIns="91425" tIns="91425" rIns="91425" bIns="91425" anchor="t" anchorCtr="0">
             <a:noAutofit/>
           </a:bodyPr>
           <a:lstStyle>
@@ -2686,15 +2785,19 @@
               </a:defRPr>
             </a:lvl9pPr>
           </a:lstStyle>
-          <a:p/>
+          <a:p>
+            <a:endParaRPr/>
+          </a:p>
         </p:txBody>
       </p:sp>
       <p:sp>
         <p:nvSpPr>
           <p:cNvPr id="14" name="Google Shape;14;p2"/>
-          <p:cNvSpPr txBox="1"/>
+          <p:cNvSpPr txBox="1">
+            <a:spLocks noGrp="1"/>
+          </p:cNvSpPr>
           <p:nvPr>
-            <p:ph idx="12" type="sldNum"/>
+            <p:ph type="sldNum" idx="12"/>
           </p:nvPr>
         </p:nvSpPr>
         <p:spPr>
@@ -2707,7 +2810,7 @@
           </a:prstGeom>
         </p:spPr>
         <p:txBody>
-          <a:bodyPr anchorCtr="0" anchor="ctr" bIns="91425" lIns="91425" spcFirstLastPara="1" rIns="91425" wrap="square" tIns="91425">
+          <a:bodyPr spcFirstLastPara="1" wrap="square" lIns="91425" tIns="91425" rIns="91425" bIns="91425" anchor="ctr" anchorCtr="0">
             <a:noAutofit/>
           </a:bodyPr>
           <a:lstStyle>
@@ -2785,7 +2888,7 @@
             </a:lvl9pPr>
           </a:lstStyle>
           <a:p>
-            <a:pPr indent="0" lvl="0" marL="0" rtl="0" algn="r">
+            <a:pPr marL="0" lvl="0" indent="0" algn="r" rtl="0">
               <a:spcBef>
                 <a:spcPts val="0"/>
               </a:spcBef>
@@ -2811,11 +2914,11 @@
 </file>
 
 <file path=ppt/slideLayouts/slideLayout10.xml><?xml version="1.0" encoding="utf-8"?>
-<p:sldLayout xmlns:a="http://schemas.openxmlformats.org/drawingml/2006/main" xmlns:r="http://schemas.openxmlformats.org/officeDocument/2006/relationships" xmlns:mc="http://schemas.openxmlformats.org/markup-compatibility/2006" xmlns:mv="urn:schemas-microsoft-com:mac:vml" xmlns:p="http://schemas.openxmlformats.org/presentationml/2006/main" xmlns:c="http://schemas.openxmlformats.org/drawingml/2006/chart" xmlns:dgm="http://schemas.openxmlformats.org/drawingml/2006/diagram" xmlns:o="urn:schemas-microsoft-com:office:office" xmlns:v="urn:schemas-microsoft-com:vml" xmlns:pvml="urn:schemas-microsoft-com:office:powerpoint" xmlns:com="http://schemas.openxmlformats.org/drawingml/2006/compatibility" xmlns:p14="http://schemas.microsoft.com/office/powerpoint/2010/main" xmlns:p15="http://schemas.microsoft.com/office/powerpoint/2012/main" matchingName="Big number">
+<p:sldLayout xmlns:a="http://schemas.openxmlformats.org/drawingml/2006/main" xmlns:r="http://schemas.openxmlformats.org/officeDocument/2006/relationships" xmlns:p="http://schemas.openxmlformats.org/presentationml/2006/main" matchingName="Big number">
   <p:cSld name="BIG_NUMBER">
     <p:spTree>
       <p:nvGrpSpPr>
-        <p:cNvPr id="49" name="Shape 49"/>
+        <p:cNvPr id="1" name="Shape 49"/>
         <p:cNvGrpSpPr/>
         <p:nvPr/>
       </p:nvGrpSpPr>
@@ -2830,9 +2933,11 @@
       <p:sp>
         <p:nvSpPr>
           <p:cNvPr id="50" name="Google Shape;50;p11"/>
-          <p:cNvSpPr txBox="1"/>
+          <p:cNvSpPr txBox="1">
+            <a:spLocks noGrp="1"/>
+          </p:cNvSpPr>
           <p:nvPr>
-            <p:ph hasCustomPrompt="1" type="title"/>
+            <p:ph type="title" hasCustomPrompt="1"/>
           </p:nvPr>
         </p:nvSpPr>
         <p:spPr>
@@ -2845,7 +2950,7 @@
           </a:prstGeom>
         </p:spPr>
         <p:txBody>
-          <a:bodyPr anchorCtr="0" anchor="b" bIns="91425" lIns="91425" spcFirstLastPara="1" rIns="91425" wrap="square" tIns="91425">
+          <a:bodyPr spcFirstLastPara="1" wrap="square" lIns="91425" tIns="91425" rIns="91425" bIns="91425" anchor="b" anchorCtr="0">
             <a:noAutofit/>
           </a:bodyPr>
           <a:lstStyle>
@@ -2858,7 +2963,7 @@
               </a:spcAft>
               <a:buSzPts val="14000"/>
               <a:buNone/>
-              <a:defRPr b="1" sz="14000"/>
+              <a:defRPr sz="14000" b="1"/>
             </a:lvl1pPr>
             <a:lvl2pPr lvl="1" algn="ctr">
               <a:spcBef>
@@ -2869,7 +2974,7 @@
               </a:spcAft>
               <a:buSzPts val="14000"/>
               <a:buNone/>
-              <a:defRPr b="1" sz="14000"/>
+              <a:defRPr sz="14000" b="1"/>
             </a:lvl2pPr>
             <a:lvl3pPr lvl="2" algn="ctr">
               <a:spcBef>
@@ -2880,7 +2985,7 @@
               </a:spcAft>
               <a:buSzPts val="14000"/>
               <a:buNone/>
-              <a:defRPr b="1" sz="14000"/>
+              <a:defRPr sz="14000" b="1"/>
             </a:lvl3pPr>
             <a:lvl4pPr lvl="3" algn="ctr">
               <a:spcBef>
@@ -2891,7 +2996,7 @@
               </a:spcAft>
               <a:buSzPts val="14000"/>
               <a:buNone/>
-              <a:defRPr b="1" sz="14000"/>
+              <a:defRPr sz="14000" b="1"/>
             </a:lvl4pPr>
             <a:lvl5pPr lvl="4" algn="ctr">
               <a:spcBef>
@@ -2902,7 +3007,7 @@
               </a:spcAft>
               <a:buSzPts val="14000"/>
               <a:buNone/>
-              <a:defRPr b="1" sz="14000"/>
+              <a:defRPr sz="14000" b="1"/>
             </a:lvl5pPr>
             <a:lvl6pPr lvl="5" algn="ctr">
               <a:spcBef>
@@ -2913,7 +3018,7 @@
               </a:spcAft>
               <a:buSzPts val="14000"/>
               <a:buNone/>
-              <a:defRPr b="1" sz="14000"/>
+              <a:defRPr sz="14000" b="1"/>
             </a:lvl6pPr>
             <a:lvl7pPr lvl="6" algn="ctr">
               <a:spcBef>
@@ -2924,7 +3029,7 @@
               </a:spcAft>
               <a:buSzPts val="14000"/>
               <a:buNone/>
-              <a:defRPr b="1" sz="14000"/>
+              <a:defRPr sz="14000" b="1"/>
             </a:lvl7pPr>
             <a:lvl8pPr lvl="7" algn="ctr">
               <a:spcBef>
@@ -2935,7 +3040,7 @@
               </a:spcAft>
               <a:buSzPts val="14000"/>
               <a:buNone/>
-              <a:defRPr b="1" sz="14000"/>
+              <a:defRPr sz="14000" b="1"/>
             </a:lvl8pPr>
             <a:lvl9pPr lvl="8" algn="ctr">
               <a:spcBef>
@@ -2946,7 +3051,7 @@
               </a:spcAft>
               <a:buSzPts val="14000"/>
               <a:buNone/>
-              <a:defRPr b="1" sz="14000"/>
+              <a:defRPr sz="14000" b="1"/>
             </a:lvl9pPr>
           </a:lstStyle>
           <a:p>
@@ -2959,9 +3064,11 @@
       <p:sp>
         <p:nvSpPr>
           <p:cNvPr id="51" name="Google Shape;51;p11"/>
-          <p:cNvSpPr txBox="1"/>
+          <p:cNvSpPr txBox="1">
+            <a:spLocks noGrp="1"/>
+          </p:cNvSpPr>
           <p:nvPr>
-            <p:ph idx="1" type="body"/>
+            <p:ph type="body" idx="1"/>
           </p:nvPr>
         </p:nvSpPr>
         <p:spPr>
@@ -2974,11 +3081,11 @@
           </a:prstGeom>
         </p:spPr>
         <p:txBody>
-          <a:bodyPr anchorCtr="0" anchor="t" bIns="91425" lIns="91425" spcFirstLastPara="1" rIns="91425" wrap="square" tIns="91425">
+          <a:bodyPr spcFirstLastPara="1" wrap="square" lIns="91425" tIns="91425" rIns="91425" bIns="91425" anchor="t" anchorCtr="0">
             <a:noAutofit/>
           </a:bodyPr>
           <a:lstStyle>
-            <a:lvl1pPr indent="-342900" lvl="0" marL="457200" algn="ctr">
+            <a:lvl1pPr marL="457200" lvl="0" indent="-342900" algn="ctr">
               <a:spcBef>
                 <a:spcPts val="0"/>
               </a:spcBef>
@@ -2989,7 +3096,7 @@
               <a:buChar char="●"/>
               <a:defRPr/>
             </a:lvl1pPr>
-            <a:lvl2pPr indent="-317500" lvl="1" marL="914400" algn="ctr">
+            <a:lvl2pPr marL="914400" lvl="1" indent="-317500" algn="ctr">
               <a:spcBef>
                 <a:spcPts val="1600"/>
               </a:spcBef>
@@ -3000,7 +3107,7 @@
               <a:buChar char="○"/>
               <a:defRPr/>
             </a:lvl2pPr>
-            <a:lvl3pPr indent="-317500" lvl="2" marL="1371600" algn="ctr">
+            <a:lvl3pPr marL="1371600" lvl="2" indent="-317500" algn="ctr">
               <a:spcBef>
                 <a:spcPts val="1600"/>
               </a:spcBef>
@@ -3011,7 +3118,7 @@
               <a:buChar char="■"/>
               <a:defRPr/>
             </a:lvl3pPr>
-            <a:lvl4pPr indent="-317500" lvl="3" marL="1828800" algn="ctr">
+            <a:lvl4pPr marL="1828800" lvl="3" indent="-317500" algn="ctr">
               <a:spcBef>
                 <a:spcPts val="1600"/>
               </a:spcBef>
@@ -3022,7 +3129,7 @@
               <a:buChar char="●"/>
               <a:defRPr/>
             </a:lvl4pPr>
-            <a:lvl5pPr indent="-317500" lvl="4" marL="2286000" algn="ctr">
+            <a:lvl5pPr marL="2286000" lvl="4" indent="-317500" algn="ctr">
               <a:spcBef>
                 <a:spcPts val="1600"/>
               </a:spcBef>
@@ -3033,7 +3140,7 @@
               <a:buChar char="○"/>
               <a:defRPr/>
             </a:lvl5pPr>
-            <a:lvl6pPr indent="-317500" lvl="5" marL="2743200" algn="ctr">
+            <a:lvl6pPr marL="2743200" lvl="5" indent="-317500" algn="ctr">
               <a:spcBef>
                 <a:spcPts val="1600"/>
               </a:spcBef>
@@ -3044,7 +3151,7 @@
               <a:buChar char="■"/>
               <a:defRPr/>
             </a:lvl6pPr>
-            <a:lvl7pPr indent="-317500" lvl="6" marL="3200400" algn="ctr">
+            <a:lvl7pPr marL="3200400" lvl="6" indent="-317500" algn="ctr">
               <a:spcBef>
                 <a:spcPts val="1600"/>
               </a:spcBef>
@@ -3055,7 +3162,7 @@
               <a:buChar char="●"/>
               <a:defRPr/>
             </a:lvl7pPr>
-            <a:lvl8pPr indent="-317500" lvl="7" marL="3657600" algn="ctr">
+            <a:lvl8pPr marL="3657600" lvl="7" indent="-317500" algn="ctr">
               <a:spcBef>
                 <a:spcPts val="1600"/>
               </a:spcBef>
@@ -3066,7 +3173,7 @@
               <a:buChar char="○"/>
               <a:defRPr/>
             </a:lvl8pPr>
-            <a:lvl9pPr indent="-317500" lvl="8" marL="4114800" algn="ctr">
+            <a:lvl9pPr marL="4114800" lvl="8" indent="-317500" algn="ctr">
               <a:spcBef>
                 <a:spcPts val="1600"/>
               </a:spcBef>
@@ -3078,15 +3185,19 @@
               <a:defRPr/>
             </a:lvl9pPr>
           </a:lstStyle>
-          <a:p/>
+          <a:p>
+            <a:endParaRPr/>
+          </a:p>
         </p:txBody>
       </p:sp>
       <p:sp>
         <p:nvSpPr>
           <p:cNvPr id="52" name="Google Shape;52;p11"/>
-          <p:cNvSpPr txBox="1"/>
+          <p:cNvSpPr txBox="1">
+            <a:spLocks noGrp="1"/>
+          </p:cNvSpPr>
           <p:nvPr>
-            <p:ph idx="12" type="sldNum"/>
+            <p:ph type="sldNum" idx="12"/>
           </p:nvPr>
         </p:nvSpPr>
         <p:spPr>
@@ -3099,7 +3210,7 @@
           </a:prstGeom>
         </p:spPr>
         <p:txBody>
-          <a:bodyPr anchorCtr="0" anchor="ctr" bIns="91425" lIns="91425" spcFirstLastPara="1" rIns="91425" wrap="square" tIns="91425">
+          <a:bodyPr spcFirstLastPara="1" wrap="square" lIns="91425" tIns="91425" rIns="91425" bIns="91425" anchor="ctr" anchorCtr="0">
             <a:noAutofit/>
           </a:bodyPr>
           <a:lstStyle>
@@ -3141,7 +3252,7 @@
             </a:lvl9pPr>
           </a:lstStyle>
           <a:p>
-            <a:pPr indent="0" lvl="0" marL="0" rtl="0" algn="r">
+            <a:pPr marL="0" lvl="0" indent="0" algn="r" rtl="0">
               <a:spcBef>
                 <a:spcPts val="0"/>
               </a:spcBef>
@@ -3167,11 +3278,11 @@
 </file>
 
 <file path=ppt/slideLayouts/slideLayout11.xml><?xml version="1.0" encoding="utf-8"?>
-<p:sldLayout xmlns:a="http://schemas.openxmlformats.org/drawingml/2006/main" xmlns:r="http://schemas.openxmlformats.org/officeDocument/2006/relationships" xmlns:mc="http://schemas.openxmlformats.org/markup-compatibility/2006" xmlns:mv="urn:schemas-microsoft-com:mac:vml" xmlns:p="http://schemas.openxmlformats.org/presentationml/2006/main" xmlns:c="http://schemas.openxmlformats.org/drawingml/2006/chart" xmlns:dgm="http://schemas.openxmlformats.org/drawingml/2006/diagram" xmlns:o="urn:schemas-microsoft-com:office:office" xmlns:v="urn:schemas-microsoft-com:vml" xmlns:pvml="urn:schemas-microsoft-com:office:powerpoint" xmlns:com="http://schemas.openxmlformats.org/drawingml/2006/compatibility" xmlns:p14="http://schemas.microsoft.com/office/powerpoint/2010/main" xmlns:p15="http://schemas.microsoft.com/office/powerpoint/2012/main" matchingName="Blank" type="blank">
+<p:sldLayout xmlns:a="http://schemas.openxmlformats.org/drawingml/2006/main" xmlns:r="http://schemas.openxmlformats.org/officeDocument/2006/relationships" xmlns:p="http://schemas.openxmlformats.org/presentationml/2006/main" matchingName="Blank" type="blank">
   <p:cSld name="BLANK">
     <p:spTree>
       <p:nvGrpSpPr>
-        <p:cNvPr id="53" name="Shape 53"/>
+        <p:cNvPr id="1" name="Shape 53"/>
         <p:cNvGrpSpPr/>
         <p:nvPr/>
       </p:nvGrpSpPr>
@@ -3186,9 +3297,11 @@
       <p:sp>
         <p:nvSpPr>
           <p:cNvPr id="54" name="Google Shape;54;p12"/>
-          <p:cNvSpPr txBox="1"/>
+          <p:cNvSpPr txBox="1">
+            <a:spLocks noGrp="1"/>
+          </p:cNvSpPr>
           <p:nvPr>
-            <p:ph idx="12" type="sldNum"/>
+            <p:ph type="sldNum" idx="12"/>
           </p:nvPr>
         </p:nvSpPr>
         <p:spPr>
@@ -3201,7 +3314,7 @@
           </a:prstGeom>
         </p:spPr>
         <p:txBody>
-          <a:bodyPr anchorCtr="0" anchor="ctr" bIns="91425" lIns="91425" spcFirstLastPara="1" rIns="91425" wrap="square" tIns="91425">
+          <a:bodyPr spcFirstLastPara="1" wrap="square" lIns="91425" tIns="91425" rIns="91425" bIns="91425" anchor="ctr" anchorCtr="0">
             <a:noAutofit/>
           </a:bodyPr>
           <a:lstStyle>
@@ -3243,7 +3356,7 @@
             </a:lvl9pPr>
           </a:lstStyle>
           <a:p>
-            <a:pPr indent="0" lvl="0" marL="0" rtl="0" algn="r">
+            <a:pPr marL="0" lvl="0" indent="0" algn="r" rtl="0">
               <a:spcBef>
                 <a:spcPts val="0"/>
               </a:spcBef>
@@ -3269,18 +3382,19 @@
 </file>
 
 <file path=ppt/slideLayouts/slideLayout2.xml><?xml version="1.0" encoding="utf-8"?>
-<p:sldLayout xmlns:a="http://schemas.openxmlformats.org/drawingml/2006/main" xmlns:r="http://schemas.openxmlformats.org/officeDocument/2006/relationships" xmlns:mc="http://schemas.openxmlformats.org/markup-compatibility/2006" xmlns:mv="urn:schemas-microsoft-com:mac:vml" xmlns:p="http://schemas.openxmlformats.org/presentationml/2006/main" xmlns:c="http://schemas.openxmlformats.org/drawingml/2006/chart" xmlns:dgm="http://schemas.openxmlformats.org/drawingml/2006/diagram" xmlns:o="urn:schemas-microsoft-com:office:office" xmlns:v="urn:schemas-microsoft-com:vml" xmlns:pvml="urn:schemas-microsoft-com:office:powerpoint" xmlns:com="http://schemas.openxmlformats.org/drawingml/2006/compatibility" xmlns:p14="http://schemas.microsoft.com/office/powerpoint/2010/main" xmlns:p15="http://schemas.microsoft.com/office/powerpoint/2012/main" matchingName="Section header" type="secHead">
+<p:sldLayout xmlns:a="http://schemas.openxmlformats.org/drawingml/2006/main" xmlns:r="http://schemas.openxmlformats.org/officeDocument/2006/relationships" xmlns:p="http://schemas.openxmlformats.org/presentationml/2006/main" matchingName="Section header" type="secHead">
   <p:cSld name="SECTION_HEADER">
     <p:bg>
       <p:bgPr>
         <a:solidFill>
           <a:schemeClr val="dk1"/>
         </a:solidFill>
+        <a:effectLst/>
       </p:bgPr>
     </p:bg>
     <p:spTree>
       <p:nvGrpSpPr>
-        <p:cNvPr id="15" name="Shape 15"/>
+        <p:cNvPr id="1" name="Shape 15"/>
         <p:cNvGrpSpPr/>
         <p:nvPr/>
       </p:nvGrpSpPr>
@@ -3307,21 +3421,23 @@
             <a:avLst/>
           </a:prstGeom>
           <a:noFill/>
-          <a:ln cap="flat" cmpd="sng" w="28575">
+          <a:ln w="28575" cap="flat" cmpd="sng">
             <a:solidFill>
               <a:schemeClr val="lt2"/>
             </a:solidFill>
             <a:prstDash val="solid"/>
             <a:round/>
-            <a:headEnd len="sm" w="sm" type="none"/>
-            <a:tailEnd len="sm" w="sm" type="none"/>
+            <a:headEnd type="none" w="sm" len="sm"/>
+            <a:tailEnd type="none" w="sm" len="sm"/>
           </a:ln>
         </p:spPr>
       </p:cxnSp>
       <p:sp>
         <p:nvSpPr>
           <p:cNvPr id="17" name="Google Shape;17;p3"/>
-          <p:cNvSpPr txBox="1"/>
+          <p:cNvSpPr txBox="1">
+            <a:spLocks noGrp="1"/>
+          </p:cNvSpPr>
           <p:nvPr>
             <p:ph type="title"/>
           </p:nvPr>
@@ -3336,7 +3452,7 @@
           </a:prstGeom>
         </p:spPr>
         <p:txBody>
-          <a:bodyPr anchorCtr="0" anchor="b" bIns="91425" lIns="91425" spcFirstLastPara="1" rIns="91425" wrap="square" tIns="91425">
+          <a:bodyPr spcFirstLastPara="1" wrap="square" lIns="91425" tIns="91425" rIns="91425" bIns="91425" anchor="b" anchorCtr="0">
             <a:noAutofit/>
           </a:bodyPr>
           <a:lstStyle>
@@ -3503,15 +3619,19 @@
               </a:defRPr>
             </a:lvl9pPr>
           </a:lstStyle>
-          <a:p/>
+          <a:p>
+            <a:endParaRPr/>
+          </a:p>
         </p:txBody>
       </p:sp>
       <p:sp>
         <p:nvSpPr>
           <p:cNvPr id="18" name="Google Shape;18;p3"/>
-          <p:cNvSpPr txBox="1"/>
+          <p:cNvSpPr txBox="1">
+            <a:spLocks noGrp="1"/>
+          </p:cNvSpPr>
           <p:nvPr>
-            <p:ph idx="12" type="sldNum"/>
+            <p:ph type="sldNum" idx="12"/>
           </p:nvPr>
         </p:nvSpPr>
         <p:spPr>
@@ -3524,7 +3644,7 @@
           </a:prstGeom>
         </p:spPr>
         <p:txBody>
-          <a:bodyPr anchorCtr="0" anchor="ctr" bIns="91425" lIns="91425" spcFirstLastPara="1" rIns="91425" wrap="square" tIns="91425">
+          <a:bodyPr spcFirstLastPara="1" wrap="square" lIns="91425" tIns="91425" rIns="91425" bIns="91425" anchor="ctr" anchorCtr="0">
             <a:noAutofit/>
           </a:bodyPr>
           <a:lstStyle>
@@ -3602,7 +3722,7 @@
             </a:lvl9pPr>
           </a:lstStyle>
           <a:p>
-            <a:pPr indent="0" lvl="0" marL="0" rtl="0" algn="r">
+            <a:pPr marL="0" lvl="0" indent="0" algn="r" rtl="0">
               <a:spcBef>
                 <a:spcPts val="0"/>
               </a:spcBef>
@@ -3628,11 +3748,11 @@
 </file>
 
 <file path=ppt/slideLayouts/slideLayout3.xml><?xml version="1.0" encoding="utf-8"?>
-<p:sldLayout xmlns:a="http://schemas.openxmlformats.org/drawingml/2006/main" xmlns:r="http://schemas.openxmlformats.org/officeDocument/2006/relationships" xmlns:mc="http://schemas.openxmlformats.org/markup-compatibility/2006" xmlns:mv="urn:schemas-microsoft-com:mac:vml" xmlns:p="http://schemas.openxmlformats.org/presentationml/2006/main" xmlns:c="http://schemas.openxmlformats.org/drawingml/2006/chart" xmlns:dgm="http://schemas.openxmlformats.org/drawingml/2006/diagram" xmlns:o="urn:schemas-microsoft-com:office:office" xmlns:v="urn:schemas-microsoft-com:vml" xmlns:pvml="urn:schemas-microsoft-com:office:powerpoint" xmlns:com="http://schemas.openxmlformats.org/drawingml/2006/compatibility" xmlns:p14="http://schemas.microsoft.com/office/powerpoint/2010/main" xmlns:p15="http://schemas.microsoft.com/office/powerpoint/2012/main" matchingName="Title and body" type="tx">
+<p:sldLayout xmlns:a="http://schemas.openxmlformats.org/drawingml/2006/main" xmlns:r="http://schemas.openxmlformats.org/officeDocument/2006/relationships" xmlns:p="http://schemas.openxmlformats.org/presentationml/2006/main" matchingName="Title and body" type="tx">
   <p:cSld name="TITLE_AND_BODY">
     <p:spTree>
       <p:nvGrpSpPr>
-        <p:cNvPr id="19" name="Shape 19"/>
+        <p:cNvPr id="1" name="Shape 19"/>
         <p:cNvGrpSpPr/>
         <p:nvPr/>
       </p:nvGrpSpPr>
@@ -3666,12 +3786,12 @@
           </a:ln>
         </p:spPr>
         <p:txBody>
-          <a:bodyPr anchorCtr="0" anchor="ctr" bIns="91425" lIns="91425" spcFirstLastPara="1" rIns="91425" wrap="square" tIns="91425">
+          <a:bodyPr spcFirstLastPara="1" wrap="square" lIns="91425" tIns="91425" rIns="91425" bIns="91425" anchor="ctr" anchorCtr="0">
             <a:noAutofit/>
           </a:bodyPr>
           <a:lstStyle/>
           <a:p>
-            <a:pPr indent="0" lvl="0" marL="0" rtl="0" algn="l">
+            <a:pPr marL="0" lvl="0" indent="0" algn="l" rtl="0">
               <a:spcBef>
                 <a:spcPts val="0"/>
               </a:spcBef>
@@ -3680,9 +3800,6 @@
               </a:spcAft>
               <a:buNone/>
             </a:pPr>
-            <a:r>
-              <a:t/>
-            </a:r>
             <a:endParaRPr/>
           </a:p>
         </p:txBody>
@@ -3690,7 +3807,9 @@
       <p:sp>
         <p:nvSpPr>
           <p:cNvPr id="21" name="Google Shape;21;p4"/>
-          <p:cNvSpPr txBox="1"/>
+          <p:cNvSpPr txBox="1">
+            <a:spLocks noGrp="1"/>
+          </p:cNvSpPr>
           <p:nvPr>
             <p:ph type="title"/>
           </p:nvPr>
@@ -3705,7 +3824,7 @@
           </a:prstGeom>
         </p:spPr>
         <p:txBody>
-          <a:bodyPr anchorCtr="0" anchor="t" bIns="91425" lIns="91425" spcFirstLastPara="1" rIns="91425" wrap="square" tIns="91425">
+          <a:bodyPr spcFirstLastPara="1" wrap="square" lIns="91425" tIns="91425" rIns="91425" bIns="91425" anchor="t" anchorCtr="0">
             <a:noAutofit/>
           </a:bodyPr>
           <a:lstStyle>
@@ -3809,15 +3928,19 @@
               <a:defRPr/>
             </a:lvl9pPr>
           </a:lstStyle>
-          <a:p/>
+          <a:p>
+            <a:endParaRPr/>
+          </a:p>
         </p:txBody>
       </p:sp>
       <p:sp>
         <p:nvSpPr>
           <p:cNvPr id="22" name="Google Shape;22;p4"/>
-          <p:cNvSpPr txBox="1"/>
+          <p:cNvSpPr txBox="1">
+            <a:spLocks noGrp="1"/>
+          </p:cNvSpPr>
           <p:nvPr>
-            <p:ph idx="1" type="body"/>
+            <p:ph type="body" idx="1"/>
           </p:nvPr>
         </p:nvSpPr>
         <p:spPr>
@@ -3830,11 +3953,11 @@
           </a:prstGeom>
         </p:spPr>
         <p:txBody>
-          <a:bodyPr anchorCtr="0" anchor="t" bIns="91425" lIns="91425" spcFirstLastPara="1" rIns="91425" wrap="square" tIns="91425">
+          <a:bodyPr spcFirstLastPara="1" wrap="square" lIns="91425" tIns="91425" rIns="91425" bIns="91425" anchor="t" anchorCtr="0">
             <a:noAutofit/>
           </a:bodyPr>
           <a:lstStyle>
-            <a:lvl1pPr indent="-342900" lvl="0" marL="457200">
+            <a:lvl1pPr marL="457200" lvl="0" indent="-342900">
               <a:spcBef>
                 <a:spcPts val="0"/>
               </a:spcBef>
@@ -3845,7 +3968,7 @@
               <a:buChar char="●"/>
               <a:defRPr/>
             </a:lvl1pPr>
-            <a:lvl2pPr indent="-317500" lvl="1" marL="914400">
+            <a:lvl2pPr marL="914400" lvl="1" indent="-317500">
               <a:spcBef>
                 <a:spcPts val="1600"/>
               </a:spcBef>
@@ -3856,7 +3979,7 @@
               <a:buChar char="○"/>
               <a:defRPr/>
             </a:lvl2pPr>
-            <a:lvl3pPr indent="-317500" lvl="2" marL="1371600">
+            <a:lvl3pPr marL="1371600" lvl="2" indent="-317500">
               <a:spcBef>
                 <a:spcPts val="1600"/>
               </a:spcBef>
@@ -3867,7 +3990,7 @@
               <a:buChar char="■"/>
               <a:defRPr/>
             </a:lvl3pPr>
-            <a:lvl4pPr indent="-317500" lvl="3" marL="1828800">
+            <a:lvl4pPr marL="1828800" lvl="3" indent="-317500">
               <a:spcBef>
                 <a:spcPts val="1600"/>
               </a:spcBef>
@@ -3878,7 +4001,7 @@
               <a:buChar char="●"/>
               <a:defRPr/>
             </a:lvl4pPr>
-            <a:lvl5pPr indent="-317500" lvl="4" marL="2286000">
+            <a:lvl5pPr marL="2286000" lvl="4" indent="-317500">
               <a:spcBef>
                 <a:spcPts val="1600"/>
               </a:spcBef>
@@ -3889,7 +4012,7 @@
               <a:buChar char="○"/>
               <a:defRPr/>
             </a:lvl5pPr>
-            <a:lvl6pPr indent="-317500" lvl="5" marL="2743200">
+            <a:lvl6pPr marL="2743200" lvl="5" indent="-317500">
               <a:spcBef>
                 <a:spcPts val="1600"/>
               </a:spcBef>
@@ -3900,7 +4023,7 @@
               <a:buChar char="■"/>
               <a:defRPr/>
             </a:lvl6pPr>
-            <a:lvl7pPr indent="-317500" lvl="6" marL="3200400">
+            <a:lvl7pPr marL="3200400" lvl="6" indent="-317500">
               <a:spcBef>
                 <a:spcPts val="1600"/>
               </a:spcBef>
@@ -3911,7 +4034,7 @@
               <a:buChar char="●"/>
               <a:defRPr/>
             </a:lvl7pPr>
-            <a:lvl8pPr indent="-317500" lvl="7" marL="3657600">
+            <a:lvl8pPr marL="3657600" lvl="7" indent="-317500">
               <a:spcBef>
                 <a:spcPts val="1600"/>
               </a:spcBef>
@@ -3922,7 +4045,7 @@
               <a:buChar char="○"/>
               <a:defRPr/>
             </a:lvl8pPr>
-            <a:lvl9pPr indent="-317500" lvl="8" marL="4114800">
+            <a:lvl9pPr marL="4114800" lvl="8" indent="-317500">
               <a:spcBef>
                 <a:spcPts val="1600"/>
               </a:spcBef>
@@ -3934,15 +4057,19 @@
               <a:defRPr/>
             </a:lvl9pPr>
           </a:lstStyle>
-          <a:p/>
+          <a:p>
+            <a:endParaRPr/>
+          </a:p>
         </p:txBody>
       </p:sp>
       <p:sp>
         <p:nvSpPr>
           <p:cNvPr id="23" name="Google Shape;23;p4"/>
-          <p:cNvSpPr txBox="1"/>
+          <p:cNvSpPr txBox="1">
+            <a:spLocks noGrp="1"/>
+          </p:cNvSpPr>
           <p:nvPr>
-            <p:ph idx="12" type="sldNum"/>
+            <p:ph type="sldNum" idx="12"/>
           </p:nvPr>
         </p:nvSpPr>
         <p:spPr>
@@ -3955,7 +4082,7 @@
           </a:prstGeom>
         </p:spPr>
         <p:txBody>
-          <a:bodyPr anchorCtr="0" anchor="ctr" bIns="91425" lIns="91425" spcFirstLastPara="1" rIns="91425" wrap="square" tIns="91425">
+          <a:bodyPr spcFirstLastPara="1" wrap="square" lIns="91425" tIns="91425" rIns="91425" bIns="91425" anchor="ctr" anchorCtr="0">
             <a:noAutofit/>
           </a:bodyPr>
           <a:lstStyle>
@@ -3997,7 +4124,7 @@
             </a:lvl9pPr>
           </a:lstStyle>
           <a:p>
-            <a:pPr indent="0" lvl="0" marL="0" rtl="0" algn="r">
+            <a:pPr marL="0" lvl="0" indent="0" algn="r" rtl="0">
               <a:spcBef>
                 <a:spcPts val="0"/>
               </a:spcBef>
@@ -4023,11 +4150,11 @@
 </file>
 
 <file path=ppt/slideLayouts/slideLayout4.xml><?xml version="1.0" encoding="utf-8"?>
-<p:sldLayout xmlns:a="http://schemas.openxmlformats.org/drawingml/2006/main" xmlns:r="http://schemas.openxmlformats.org/officeDocument/2006/relationships" xmlns:mc="http://schemas.openxmlformats.org/markup-compatibility/2006" xmlns:mv="urn:schemas-microsoft-com:mac:vml" xmlns:p="http://schemas.openxmlformats.org/presentationml/2006/main" xmlns:c="http://schemas.openxmlformats.org/drawingml/2006/chart" xmlns:dgm="http://schemas.openxmlformats.org/drawingml/2006/diagram" xmlns:o="urn:schemas-microsoft-com:office:office" xmlns:v="urn:schemas-microsoft-com:vml" xmlns:pvml="urn:schemas-microsoft-com:office:powerpoint" xmlns:com="http://schemas.openxmlformats.org/drawingml/2006/compatibility" xmlns:p14="http://schemas.microsoft.com/office/powerpoint/2010/main" xmlns:p15="http://schemas.microsoft.com/office/powerpoint/2012/main" matchingName="Title and two columns" type="twoColTx">
+<p:sldLayout xmlns:a="http://schemas.openxmlformats.org/drawingml/2006/main" xmlns:r="http://schemas.openxmlformats.org/officeDocument/2006/relationships" xmlns:p="http://schemas.openxmlformats.org/presentationml/2006/main" matchingName="Title and two columns" type="twoColTx">
   <p:cSld name="TITLE_AND_TWO_COLUMNS">
     <p:spTree>
       <p:nvGrpSpPr>
-        <p:cNvPr id="24" name="Shape 24"/>
+        <p:cNvPr id="1" name="Shape 24"/>
         <p:cNvGrpSpPr/>
         <p:nvPr/>
       </p:nvGrpSpPr>
@@ -4042,7 +4169,9 @@
       <p:sp>
         <p:nvSpPr>
           <p:cNvPr id="25" name="Google Shape;25;p5"/>
-          <p:cNvSpPr txBox="1"/>
+          <p:cNvSpPr txBox="1">
+            <a:spLocks noGrp="1"/>
+          </p:cNvSpPr>
           <p:nvPr>
             <p:ph type="title"/>
           </p:nvPr>
@@ -4057,7 +4186,7 @@
           </a:prstGeom>
         </p:spPr>
         <p:txBody>
-          <a:bodyPr anchorCtr="0" anchor="t" bIns="91425" lIns="91425" spcFirstLastPara="1" rIns="91425" wrap="square" tIns="91425">
+          <a:bodyPr spcFirstLastPara="1" wrap="square" lIns="91425" tIns="91425" rIns="91425" bIns="91425" anchor="t" anchorCtr="0">
             <a:noAutofit/>
           </a:bodyPr>
           <a:lstStyle>
@@ -4161,15 +4290,19 @@
               <a:defRPr/>
             </a:lvl9pPr>
           </a:lstStyle>
-          <a:p/>
+          <a:p>
+            <a:endParaRPr/>
+          </a:p>
         </p:txBody>
       </p:sp>
       <p:sp>
         <p:nvSpPr>
           <p:cNvPr id="26" name="Google Shape;26;p5"/>
-          <p:cNvSpPr txBox="1"/>
+          <p:cNvSpPr txBox="1">
+            <a:spLocks noGrp="1"/>
+          </p:cNvSpPr>
           <p:nvPr>
-            <p:ph idx="1" type="body"/>
+            <p:ph type="body" idx="1"/>
           </p:nvPr>
         </p:nvSpPr>
         <p:spPr>
@@ -4182,11 +4315,11 @@
           </a:prstGeom>
         </p:spPr>
         <p:txBody>
-          <a:bodyPr anchorCtr="0" anchor="t" bIns="91425" lIns="91425" spcFirstLastPara="1" rIns="91425" wrap="square" tIns="91425">
+          <a:bodyPr spcFirstLastPara="1" wrap="square" lIns="91425" tIns="91425" rIns="91425" bIns="91425" anchor="t" anchorCtr="0">
             <a:noAutofit/>
           </a:bodyPr>
           <a:lstStyle>
-            <a:lvl1pPr indent="-317500" lvl="0" marL="457200">
+            <a:lvl1pPr marL="457200" lvl="0" indent="-317500">
               <a:spcBef>
                 <a:spcPts val="0"/>
               </a:spcBef>
@@ -4197,7 +4330,7 @@
               <a:buChar char="●"/>
               <a:defRPr sz="1400"/>
             </a:lvl1pPr>
-            <a:lvl2pPr indent="-304800" lvl="1" marL="914400">
+            <a:lvl2pPr marL="914400" lvl="1" indent="-304800">
               <a:spcBef>
                 <a:spcPts val="1600"/>
               </a:spcBef>
@@ -4208,7 +4341,7 @@
               <a:buChar char="○"/>
               <a:defRPr sz="1200"/>
             </a:lvl2pPr>
-            <a:lvl3pPr indent="-304800" lvl="2" marL="1371600">
+            <a:lvl3pPr marL="1371600" lvl="2" indent="-304800">
               <a:spcBef>
                 <a:spcPts val="1600"/>
               </a:spcBef>
@@ -4219,7 +4352,7 @@
               <a:buChar char="■"/>
               <a:defRPr sz="1200"/>
             </a:lvl3pPr>
-            <a:lvl4pPr indent="-304800" lvl="3" marL="1828800">
+            <a:lvl4pPr marL="1828800" lvl="3" indent="-304800">
               <a:spcBef>
                 <a:spcPts val="1600"/>
               </a:spcBef>
@@ -4230,7 +4363,7 @@
               <a:buChar char="●"/>
               <a:defRPr sz="1200"/>
             </a:lvl4pPr>
-            <a:lvl5pPr indent="-304800" lvl="4" marL="2286000">
+            <a:lvl5pPr marL="2286000" lvl="4" indent="-304800">
               <a:spcBef>
                 <a:spcPts val="1600"/>
               </a:spcBef>
@@ -4241,7 +4374,7 @@
               <a:buChar char="○"/>
               <a:defRPr sz="1200"/>
             </a:lvl5pPr>
-            <a:lvl6pPr indent="-304800" lvl="5" marL="2743200">
+            <a:lvl6pPr marL="2743200" lvl="5" indent="-304800">
               <a:spcBef>
                 <a:spcPts val="1600"/>
               </a:spcBef>
@@ -4252,7 +4385,7 @@
               <a:buChar char="■"/>
               <a:defRPr sz="1200"/>
             </a:lvl6pPr>
-            <a:lvl7pPr indent="-304800" lvl="6" marL="3200400">
+            <a:lvl7pPr marL="3200400" lvl="6" indent="-304800">
               <a:spcBef>
                 <a:spcPts val="1600"/>
               </a:spcBef>
@@ -4263,7 +4396,7 @@
               <a:buChar char="●"/>
               <a:defRPr sz="1200"/>
             </a:lvl7pPr>
-            <a:lvl8pPr indent="-304800" lvl="7" marL="3657600">
+            <a:lvl8pPr marL="3657600" lvl="7" indent="-304800">
               <a:spcBef>
                 <a:spcPts val="1600"/>
               </a:spcBef>
@@ -4274,7 +4407,7 @@
               <a:buChar char="○"/>
               <a:defRPr sz="1200"/>
             </a:lvl8pPr>
-            <a:lvl9pPr indent="-304800" lvl="8" marL="4114800">
+            <a:lvl9pPr marL="4114800" lvl="8" indent="-304800">
               <a:spcBef>
                 <a:spcPts val="1600"/>
               </a:spcBef>
@@ -4286,15 +4419,19 @@
               <a:defRPr sz="1200"/>
             </a:lvl9pPr>
           </a:lstStyle>
-          <a:p/>
+          <a:p>
+            <a:endParaRPr/>
+          </a:p>
         </p:txBody>
       </p:sp>
       <p:sp>
         <p:nvSpPr>
           <p:cNvPr id="27" name="Google Shape;27;p5"/>
-          <p:cNvSpPr txBox="1"/>
+          <p:cNvSpPr txBox="1">
+            <a:spLocks noGrp="1"/>
+          </p:cNvSpPr>
           <p:nvPr>
-            <p:ph idx="2" type="body"/>
+            <p:ph type="body" idx="2"/>
           </p:nvPr>
         </p:nvSpPr>
         <p:spPr>
@@ -4307,11 +4444,11 @@
           </a:prstGeom>
         </p:spPr>
         <p:txBody>
-          <a:bodyPr anchorCtr="0" anchor="t" bIns="91425" lIns="91425" spcFirstLastPara="1" rIns="91425" wrap="square" tIns="91425">
+          <a:bodyPr spcFirstLastPara="1" wrap="square" lIns="91425" tIns="91425" rIns="91425" bIns="91425" anchor="t" anchorCtr="0">
             <a:noAutofit/>
           </a:bodyPr>
           <a:lstStyle>
-            <a:lvl1pPr indent="-317500" lvl="0" marL="457200">
+            <a:lvl1pPr marL="457200" lvl="0" indent="-317500">
               <a:spcBef>
                 <a:spcPts val="0"/>
               </a:spcBef>
@@ -4322,7 +4459,7 @@
               <a:buChar char="●"/>
               <a:defRPr sz="1400"/>
             </a:lvl1pPr>
-            <a:lvl2pPr indent="-304800" lvl="1" marL="914400">
+            <a:lvl2pPr marL="914400" lvl="1" indent="-304800">
               <a:spcBef>
                 <a:spcPts val="1600"/>
               </a:spcBef>
@@ -4333,7 +4470,7 @@
               <a:buChar char="○"/>
               <a:defRPr sz="1200"/>
             </a:lvl2pPr>
-            <a:lvl3pPr indent="-304800" lvl="2" marL="1371600">
+            <a:lvl3pPr marL="1371600" lvl="2" indent="-304800">
               <a:spcBef>
                 <a:spcPts val="1600"/>
               </a:spcBef>
@@ -4344,7 +4481,7 @@
               <a:buChar char="■"/>
               <a:defRPr sz="1200"/>
             </a:lvl3pPr>
-            <a:lvl4pPr indent="-304800" lvl="3" marL="1828800">
+            <a:lvl4pPr marL="1828800" lvl="3" indent="-304800">
               <a:spcBef>
                 <a:spcPts val="1600"/>
               </a:spcBef>
@@ -4355,7 +4492,7 @@
               <a:buChar char="●"/>
               <a:defRPr sz="1200"/>
             </a:lvl4pPr>
-            <a:lvl5pPr indent="-304800" lvl="4" marL="2286000">
+            <a:lvl5pPr marL="2286000" lvl="4" indent="-304800">
               <a:spcBef>
                 <a:spcPts val="1600"/>
               </a:spcBef>
@@ -4366,7 +4503,7 @@
               <a:buChar char="○"/>
               <a:defRPr sz="1200"/>
             </a:lvl5pPr>
-            <a:lvl6pPr indent="-304800" lvl="5" marL="2743200">
+            <a:lvl6pPr marL="2743200" lvl="5" indent="-304800">
               <a:spcBef>
                 <a:spcPts val="1600"/>
               </a:spcBef>
@@ -4377,7 +4514,7 @@
               <a:buChar char="■"/>
               <a:defRPr sz="1200"/>
             </a:lvl6pPr>
-            <a:lvl7pPr indent="-304800" lvl="6" marL="3200400">
+            <a:lvl7pPr marL="3200400" lvl="6" indent="-304800">
               <a:spcBef>
                 <a:spcPts val="1600"/>
               </a:spcBef>
@@ -4388,7 +4525,7 @@
               <a:buChar char="●"/>
               <a:defRPr sz="1200"/>
             </a:lvl7pPr>
-            <a:lvl8pPr indent="-304800" lvl="7" marL="3657600">
+            <a:lvl8pPr marL="3657600" lvl="7" indent="-304800">
               <a:spcBef>
                 <a:spcPts val="1600"/>
               </a:spcBef>
@@ -4399,7 +4536,7 @@
               <a:buChar char="○"/>
               <a:defRPr sz="1200"/>
             </a:lvl8pPr>
-            <a:lvl9pPr indent="-304800" lvl="8" marL="4114800">
+            <a:lvl9pPr marL="4114800" lvl="8" indent="-304800">
               <a:spcBef>
                 <a:spcPts val="1600"/>
               </a:spcBef>
@@ -4411,15 +4548,19 @@
               <a:defRPr sz="1200"/>
             </a:lvl9pPr>
           </a:lstStyle>
-          <a:p/>
+          <a:p>
+            <a:endParaRPr/>
+          </a:p>
         </p:txBody>
       </p:sp>
       <p:sp>
         <p:nvSpPr>
           <p:cNvPr id="28" name="Google Shape;28;p5"/>
-          <p:cNvSpPr txBox="1"/>
+          <p:cNvSpPr txBox="1">
+            <a:spLocks noGrp="1"/>
+          </p:cNvSpPr>
           <p:nvPr>
-            <p:ph idx="12" type="sldNum"/>
+            <p:ph type="sldNum" idx="12"/>
           </p:nvPr>
         </p:nvSpPr>
         <p:spPr>
@@ -4432,7 +4573,7 @@
           </a:prstGeom>
         </p:spPr>
         <p:txBody>
-          <a:bodyPr anchorCtr="0" anchor="ctr" bIns="91425" lIns="91425" spcFirstLastPara="1" rIns="91425" wrap="square" tIns="91425">
+          <a:bodyPr spcFirstLastPara="1" wrap="square" lIns="91425" tIns="91425" rIns="91425" bIns="91425" anchor="ctr" anchorCtr="0">
             <a:noAutofit/>
           </a:bodyPr>
           <a:lstStyle>
@@ -4474,7 +4615,7 @@
             </a:lvl9pPr>
           </a:lstStyle>
           <a:p>
-            <a:pPr indent="0" lvl="0" marL="0" rtl="0" algn="r">
+            <a:pPr marL="0" lvl="0" indent="0" algn="r" rtl="0">
               <a:spcBef>
                 <a:spcPts val="0"/>
               </a:spcBef>
@@ -4500,11 +4641,11 @@
 </file>
 
 <file path=ppt/slideLayouts/slideLayout5.xml><?xml version="1.0" encoding="utf-8"?>
-<p:sldLayout xmlns:a="http://schemas.openxmlformats.org/drawingml/2006/main" xmlns:r="http://schemas.openxmlformats.org/officeDocument/2006/relationships" xmlns:mc="http://schemas.openxmlformats.org/markup-compatibility/2006" xmlns:mv="urn:schemas-microsoft-com:mac:vml" xmlns:p="http://schemas.openxmlformats.org/presentationml/2006/main" xmlns:c="http://schemas.openxmlformats.org/drawingml/2006/chart" xmlns:dgm="http://schemas.openxmlformats.org/drawingml/2006/diagram" xmlns:o="urn:schemas-microsoft-com:office:office" xmlns:v="urn:schemas-microsoft-com:vml" xmlns:pvml="urn:schemas-microsoft-com:office:powerpoint" xmlns:com="http://schemas.openxmlformats.org/drawingml/2006/compatibility" xmlns:p14="http://schemas.microsoft.com/office/powerpoint/2010/main" xmlns:p15="http://schemas.microsoft.com/office/powerpoint/2012/main" matchingName="Title only" type="titleOnly">
+<p:sldLayout xmlns:a="http://schemas.openxmlformats.org/drawingml/2006/main" xmlns:r="http://schemas.openxmlformats.org/officeDocument/2006/relationships" xmlns:p="http://schemas.openxmlformats.org/presentationml/2006/main" matchingName="Title only" type="titleOnly">
   <p:cSld name="TITLE_ONLY">
     <p:spTree>
       <p:nvGrpSpPr>
-        <p:cNvPr id="29" name="Shape 29"/>
+        <p:cNvPr id="1" name="Shape 29"/>
         <p:cNvGrpSpPr/>
         <p:nvPr/>
       </p:nvGrpSpPr>
@@ -4519,7 +4660,9 @@
       <p:sp>
         <p:nvSpPr>
           <p:cNvPr id="30" name="Google Shape;30;p6"/>
-          <p:cNvSpPr txBox="1"/>
+          <p:cNvSpPr txBox="1">
+            <a:spLocks noGrp="1"/>
+          </p:cNvSpPr>
           <p:nvPr>
             <p:ph type="title"/>
           </p:nvPr>
@@ -4534,7 +4677,7 @@
           </a:prstGeom>
         </p:spPr>
         <p:txBody>
-          <a:bodyPr anchorCtr="0" anchor="t" bIns="91425" lIns="91425" spcFirstLastPara="1" rIns="91425" wrap="square" tIns="91425">
+          <a:bodyPr spcFirstLastPara="1" wrap="square" lIns="91425" tIns="91425" rIns="91425" bIns="91425" anchor="t" anchorCtr="0">
             <a:noAutofit/>
           </a:bodyPr>
           <a:lstStyle>
@@ -4638,15 +4781,19 @@
               <a:defRPr/>
             </a:lvl9pPr>
           </a:lstStyle>
-          <a:p/>
+          <a:p>
+            <a:endParaRPr/>
+          </a:p>
         </p:txBody>
       </p:sp>
       <p:sp>
         <p:nvSpPr>
           <p:cNvPr id="31" name="Google Shape;31;p6"/>
-          <p:cNvSpPr txBox="1"/>
+          <p:cNvSpPr txBox="1">
+            <a:spLocks noGrp="1"/>
+          </p:cNvSpPr>
           <p:nvPr>
-            <p:ph idx="12" type="sldNum"/>
+            <p:ph type="sldNum" idx="12"/>
           </p:nvPr>
         </p:nvSpPr>
         <p:spPr>
@@ -4659,7 +4806,7 @@
           </a:prstGeom>
         </p:spPr>
         <p:txBody>
-          <a:bodyPr anchorCtr="0" anchor="ctr" bIns="91425" lIns="91425" spcFirstLastPara="1" rIns="91425" wrap="square" tIns="91425">
+          <a:bodyPr spcFirstLastPara="1" wrap="square" lIns="91425" tIns="91425" rIns="91425" bIns="91425" anchor="ctr" anchorCtr="0">
             <a:noAutofit/>
           </a:bodyPr>
           <a:lstStyle>
@@ -4701,7 +4848,7 @@
             </a:lvl9pPr>
           </a:lstStyle>
           <a:p>
-            <a:pPr indent="0" lvl="0" marL="0" rtl="0" algn="r">
+            <a:pPr marL="0" lvl="0" indent="0" algn="r" rtl="0">
               <a:spcBef>
                 <a:spcPts val="0"/>
               </a:spcBef>
@@ -4727,11 +4874,11 @@
 </file>
 
 <file path=ppt/slideLayouts/slideLayout6.xml><?xml version="1.0" encoding="utf-8"?>
-<p:sldLayout xmlns:a="http://schemas.openxmlformats.org/drawingml/2006/main" xmlns:r="http://schemas.openxmlformats.org/officeDocument/2006/relationships" xmlns:mc="http://schemas.openxmlformats.org/markup-compatibility/2006" xmlns:mv="urn:schemas-microsoft-com:mac:vml" xmlns:p="http://schemas.openxmlformats.org/presentationml/2006/main" xmlns:c="http://schemas.openxmlformats.org/drawingml/2006/chart" xmlns:dgm="http://schemas.openxmlformats.org/drawingml/2006/diagram" xmlns:o="urn:schemas-microsoft-com:office:office" xmlns:v="urn:schemas-microsoft-com:vml" xmlns:pvml="urn:schemas-microsoft-com:office:powerpoint" xmlns:com="http://schemas.openxmlformats.org/drawingml/2006/compatibility" xmlns:p14="http://schemas.microsoft.com/office/powerpoint/2010/main" xmlns:p15="http://schemas.microsoft.com/office/powerpoint/2012/main" matchingName="One column text">
+<p:sldLayout xmlns:a="http://schemas.openxmlformats.org/drawingml/2006/main" xmlns:r="http://schemas.openxmlformats.org/officeDocument/2006/relationships" xmlns:p="http://schemas.openxmlformats.org/presentationml/2006/main" matchingName="One column text">
   <p:cSld name="ONE_COLUMN_TEXT">
     <p:spTree>
       <p:nvGrpSpPr>
-        <p:cNvPr id="32" name="Shape 32"/>
+        <p:cNvPr id="1" name="Shape 32"/>
         <p:cNvGrpSpPr/>
         <p:nvPr/>
       </p:nvGrpSpPr>
@@ -4746,7 +4893,9 @@
       <p:sp>
         <p:nvSpPr>
           <p:cNvPr id="33" name="Google Shape;33;p7"/>
-          <p:cNvSpPr txBox="1"/>
+          <p:cNvSpPr txBox="1">
+            <a:spLocks noGrp="1"/>
+          </p:cNvSpPr>
           <p:nvPr>
             <p:ph type="title"/>
           </p:nvPr>
@@ -4761,7 +4910,7 @@
           </a:prstGeom>
         </p:spPr>
         <p:txBody>
-          <a:bodyPr anchorCtr="0" anchor="b" bIns="91425" lIns="91425" spcFirstLastPara="1" rIns="91425" wrap="square" tIns="91425">
+          <a:bodyPr spcFirstLastPara="1" wrap="square" lIns="91425" tIns="91425" rIns="91425" bIns="91425" anchor="b" anchorCtr="0">
             <a:noAutofit/>
           </a:bodyPr>
           <a:lstStyle>
@@ -4865,15 +5014,19 @@
               <a:defRPr sz="2400"/>
             </a:lvl9pPr>
           </a:lstStyle>
-          <a:p/>
+          <a:p>
+            <a:endParaRPr/>
+          </a:p>
         </p:txBody>
       </p:sp>
       <p:sp>
         <p:nvSpPr>
           <p:cNvPr id="34" name="Google Shape;34;p7"/>
-          <p:cNvSpPr txBox="1"/>
+          <p:cNvSpPr txBox="1">
+            <a:spLocks noGrp="1"/>
+          </p:cNvSpPr>
           <p:nvPr>
-            <p:ph idx="1" type="body"/>
+            <p:ph type="body" idx="1"/>
           </p:nvPr>
         </p:nvSpPr>
         <p:spPr>
@@ -4886,11 +5039,11 @@
           </a:prstGeom>
         </p:spPr>
         <p:txBody>
-          <a:bodyPr anchorCtr="0" anchor="t" bIns="91425" lIns="91425" spcFirstLastPara="1" rIns="91425" wrap="square" tIns="91425">
+          <a:bodyPr spcFirstLastPara="1" wrap="square" lIns="91425" tIns="91425" rIns="91425" bIns="91425" anchor="t" anchorCtr="0">
             <a:noAutofit/>
           </a:bodyPr>
           <a:lstStyle>
-            <a:lvl1pPr indent="-304800" lvl="0" marL="457200">
+            <a:lvl1pPr marL="457200" lvl="0" indent="-304800">
               <a:spcBef>
                 <a:spcPts val="0"/>
               </a:spcBef>
@@ -4901,7 +5054,7 @@
               <a:buChar char="●"/>
               <a:defRPr sz="1200"/>
             </a:lvl1pPr>
-            <a:lvl2pPr indent="-304800" lvl="1" marL="914400">
+            <a:lvl2pPr marL="914400" lvl="1" indent="-304800">
               <a:spcBef>
                 <a:spcPts val="1600"/>
               </a:spcBef>
@@ -4912,7 +5065,7 @@
               <a:buChar char="○"/>
               <a:defRPr sz="1200"/>
             </a:lvl2pPr>
-            <a:lvl3pPr indent="-304800" lvl="2" marL="1371600">
+            <a:lvl3pPr marL="1371600" lvl="2" indent="-304800">
               <a:spcBef>
                 <a:spcPts val="1600"/>
               </a:spcBef>
@@ -4923,7 +5076,7 @@
               <a:buChar char="■"/>
               <a:defRPr sz="1200"/>
             </a:lvl3pPr>
-            <a:lvl4pPr indent="-304800" lvl="3" marL="1828800">
+            <a:lvl4pPr marL="1828800" lvl="3" indent="-304800">
               <a:spcBef>
                 <a:spcPts val="1600"/>
               </a:spcBef>
@@ -4934,7 +5087,7 @@
               <a:buChar char="●"/>
               <a:defRPr sz="1200"/>
             </a:lvl4pPr>
-            <a:lvl5pPr indent="-304800" lvl="4" marL="2286000">
+            <a:lvl5pPr marL="2286000" lvl="4" indent="-304800">
               <a:spcBef>
                 <a:spcPts val="1600"/>
               </a:spcBef>
@@ -4945,7 +5098,7 @@
               <a:buChar char="○"/>
               <a:defRPr sz="1200"/>
             </a:lvl5pPr>
-            <a:lvl6pPr indent="-304800" lvl="5" marL="2743200">
+            <a:lvl6pPr marL="2743200" lvl="5" indent="-304800">
               <a:spcBef>
                 <a:spcPts val="1600"/>
               </a:spcBef>
@@ -4956,7 +5109,7 @@
               <a:buChar char="■"/>
               <a:defRPr sz="1200"/>
             </a:lvl6pPr>
-            <a:lvl7pPr indent="-304800" lvl="6" marL="3200400">
+            <a:lvl7pPr marL="3200400" lvl="6" indent="-304800">
               <a:spcBef>
                 <a:spcPts val="1600"/>
               </a:spcBef>
@@ -4967,7 +5120,7 @@
               <a:buChar char="●"/>
               <a:defRPr sz="1200"/>
             </a:lvl7pPr>
-            <a:lvl8pPr indent="-304800" lvl="7" marL="3657600">
+            <a:lvl8pPr marL="3657600" lvl="7" indent="-304800">
               <a:spcBef>
                 <a:spcPts val="1600"/>
               </a:spcBef>
@@ -4978,7 +5131,7 @@
               <a:buChar char="○"/>
               <a:defRPr sz="1200"/>
             </a:lvl8pPr>
-            <a:lvl9pPr indent="-304800" lvl="8" marL="4114800">
+            <a:lvl9pPr marL="4114800" lvl="8" indent="-304800">
               <a:spcBef>
                 <a:spcPts val="1600"/>
               </a:spcBef>
@@ -4990,15 +5143,19 @@
               <a:defRPr sz="1200"/>
             </a:lvl9pPr>
           </a:lstStyle>
-          <a:p/>
+          <a:p>
+            <a:endParaRPr/>
+          </a:p>
         </p:txBody>
       </p:sp>
       <p:sp>
         <p:nvSpPr>
           <p:cNvPr id="35" name="Google Shape;35;p7"/>
-          <p:cNvSpPr txBox="1"/>
+          <p:cNvSpPr txBox="1">
+            <a:spLocks noGrp="1"/>
+          </p:cNvSpPr>
           <p:nvPr>
-            <p:ph idx="12" type="sldNum"/>
+            <p:ph type="sldNum" idx="12"/>
           </p:nvPr>
         </p:nvSpPr>
         <p:spPr>
@@ -5011,7 +5168,7 @@
           </a:prstGeom>
         </p:spPr>
         <p:txBody>
-          <a:bodyPr anchorCtr="0" anchor="ctr" bIns="91425" lIns="91425" spcFirstLastPara="1" rIns="91425" wrap="square" tIns="91425">
+          <a:bodyPr spcFirstLastPara="1" wrap="square" lIns="91425" tIns="91425" rIns="91425" bIns="91425" anchor="ctr" anchorCtr="0">
             <a:noAutofit/>
           </a:bodyPr>
           <a:lstStyle>
@@ -5053,7 +5210,7 @@
             </a:lvl9pPr>
           </a:lstStyle>
           <a:p>
-            <a:pPr indent="0" lvl="0" marL="0" rtl="0" algn="r">
+            <a:pPr marL="0" lvl="0" indent="0" algn="r" rtl="0">
               <a:spcBef>
                 <a:spcPts val="0"/>
               </a:spcBef>
@@ -5079,18 +5236,19 @@
 </file>
 
 <file path=ppt/slideLayouts/slideLayout7.xml><?xml version="1.0" encoding="utf-8"?>
-<p:sldLayout xmlns:a="http://schemas.openxmlformats.org/drawingml/2006/main" xmlns:r="http://schemas.openxmlformats.org/officeDocument/2006/relationships" xmlns:mc="http://schemas.openxmlformats.org/markup-compatibility/2006" xmlns:mv="urn:schemas-microsoft-com:mac:vml" xmlns:p="http://schemas.openxmlformats.org/presentationml/2006/main" xmlns:c="http://schemas.openxmlformats.org/drawingml/2006/chart" xmlns:dgm="http://schemas.openxmlformats.org/drawingml/2006/diagram" xmlns:o="urn:schemas-microsoft-com:office:office" xmlns:v="urn:schemas-microsoft-com:vml" xmlns:pvml="urn:schemas-microsoft-com:office:powerpoint" xmlns:com="http://schemas.openxmlformats.org/drawingml/2006/compatibility" xmlns:p14="http://schemas.microsoft.com/office/powerpoint/2010/main" xmlns:p15="http://schemas.microsoft.com/office/powerpoint/2012/main" matchingName="Main point">
+<p:sldLayout xmlns:a="http://schemas.openxmlformats.org/drawingml/2006/main" xmlns:r="http://schemas.openxmlformats.org/officeDocument/2006/relationships" xmlns:p="http://schemas.openxmlformats.org/presentationml/2006/main" matchingName="Main point">
   <p:cSld name="MAIN_POINT">
     <p:bg>
       <p:bgPr>
         <a:solidFill>
           <a:schemeClr val="lt2"/>
         </a:solidFill>
+        <a:effectLst/>
       </p:bgPr>
     </p:bg>
     <p:spTree>
       <p:nvGrpSpPr>
-        <p:cNvPr id="36" name="Shape 36"/>
+        <p:cNvPr id="1" name="Shape 36"/>
         <p:cNvGrpSpPr/>
         <p:nvPr/>
       </p:nvGrpSpPr>
@@ -5105,7 +5263,9 @@
       <p:sp>
         <p:nvSpPr>
           <p:cNvPr id="37" name="Google Shape;37;p8"/>
-          <p:cNvSpPr txBox="1"/>
+          <p:cNvSpPr txBox="1">
+            <a:spLocks noGrp="1"/>
+          </p:cNvSpPr>
           <p:nvPr>
             <p:ph type="title"/>
           </p:nvPr>
@@ -5120,7 +5280,7 @@
           </a:prstGeom>
         </p:spPr>
         <p:txBody>
-          <a:bodyPr anchorCtr="0" anchor="ctr" bIns="91425" lIns="91425" spcFirstLastPara="1" rIns="91425" wrap="square" tIns="91425">
+          <a:bodyPr spcFirstLastPara="1" wrap="square" lIns="91425" tIns="91425" rIns="91425" bIns="91425" anchor="ctr" anchorCtr="0">
             <a:noAutofit/>
           </a:bodyPr>
           <a:lstStyle>
@@ -5287,15 +5447,19 @@
               </a:defRPr>
             </a:lvl9pPr>
           </a:lstStyle>
-          <a:p/>
+          <a:p>
+            <a:endParaRPr/>
+          </a:p>
         </p:txBody>
       </p:sp>
       <p:sp>
         <p:nvSpPr>
           <p:cNvPr id="38" name="Google Shape;38;p8"/>
-          <p:cNvSpPr txBox="1"/>
+          <p:cNvSpPr txBox="1">
+            <a:spLocks noGrp="1"/>
+          </p:cNvSpPr>
           <p:nvPr>
-            <p:ph idx="12" type="sldNum"/>
+            <p:ph type="sldNum" idx="12"/>
           </p:nvPr>
         </p:nvSpPr>
         <p:spPr>
@@ -5308,7 +5472,7 @@
           </a:prstGeom>
         </p:spPr>
         <p:txBody>
-          <a:bodyPr anchorCtr="0" anchor="ctr" bIns="91425" lIns="91425" spcFirstLastPara="1" rIns="91425" wrap="square" tIns="91425">
+          <a:bodyPr spcFirstLastPara="1" wrap="square" lIns="91425" tIns="91425" rIns="91425" bIns="91425" anchor="ctr" anchorCtr="0">
             <a:noAutofit/>
           </a:bodyPr>
           <a:lstStyle>
@@ -5386,7 +5550,7 @@
             </a:lvl9pPr>
           </a:lstStyle>
           <a:p>
-            <a:pPr indent="0" lvl="0" marL="0" rtl="0" algn="r">
+            <a:pPr marL="0" lvl="0" indent="0" algn="r" rtl="0">
               <a:spcBef>
                 <a:spcPts val="0"/>
               </a:spcBef>
@@ -5412,11 +5576,11 @@
 </file>
 
 <file path=ppt/slideLayouts/slideLayout8.xml><?xml version="1.0" encoding="utf-8"?>
-<p:sldLayout xmlns:a="http://schemas.openxmlformats.org/drawingml/2006/main" xmlns:r="http://schemas.openxmlformats.org/officeDocument/2006/relationships" xmlns:mc="http://schemas.openxmlformats.org/markup-compatibility/2006" xmlns:mv="urn:schemas-microsoft-com:mac:vml" xmlns:p="http://schemas.openxmlformats.org/presentationml/2006/main" xmlns:c="http://schemas.openxmlformats.org/drawingml/2006/chart" xmlns:dgm="http://schemas.openxmlformats.org/drawingml/2006/diagram" xmlns:o="urn:schemas-microsoft-com:office:office" xmlns:v="urn:schemas-microsoft-com:vml" xmlns:pvml="urn:schemas-microsoft-com:office:powerpoint" xmlns:com="http://schemas.openxmlformats.org/drawingml/2006/compatibility" xmlns:p14="http://schemas.microsoft.com/office/powerpoint/2010/main" xmlns:p15="http://schemas.microsoft.com/office/powerpoint/2012/main" matchingName="Section title and description">
+<p:sldLayout xmlns:a="http://schemas.openxmlformats.org/drawingml/2006/main" xmlns:r="http://schemas.openxmlformats.org/officeDocument/2006/relationships" xmlns:p="http://schemas.openxmlformats.org/presentationml/2006/main" matchingName="Section title and description">
   <p:cSld name="SECTION_TITLE_AND_DESCRIPTION">
     <p:spTree>
       <p:nvGrpSpPr>
-        <p:cNvPr id="39" name="Shape 39"/>
+        <p:cNvPr id="1" name="Shape 39"/>
         <p:cNvGrpSpPr/>
         <p:nvPr/>
       </p:nvGrpSpPr>
@@ -5450,12 +5614,12 @@
           </a:ln>
         </p:spPr>
         <p:txBody>
-          <a:bodyPr anchorCtr="0" anchor="ctr" bIns="91425" lIns="91425" spcFirstLastPara="1" rIns="91425" wrap="square" tIns="91425">
+          <a:bodyPr spcFirstLastPara="1" wrap="square" lIns="91425" tIns="91425" rIns="91425" bIns="91425" anchor="ctr" anchorCtr="0">
             <a:noAutofit/>
           </a:bodyPr>
           <a:lstStyle/>
           <a:p>
-            <a:pPr indent="0" lvl="0" marL="0" rtl="0" algn="l">
+            <a:pPr marL="0" lvl="0" indent="0" algn="l" rtl="0">
               <a:spcBef>
                 <a:spcPts val="0"/>
               </a:spcBef>
@@ -5464,9 +5628,6 @@
               </a:spcAft>
               <a:buNone/>
             </a:pPr>
-            <a:r>
-              <a:t/>
-            </a:r>
             <a:endParaRPr/>
           </a:p>
         </p:txBody>
@@ -5486,21 +5647,23 @@
             <a:avLst/>
           </a:prstGeom>
           <a:noFill/>
-          <a:ln cap="flat" cmpd="sng" w="19050">
+          <a:ln w="19050" cap="flat" cmpd="sng">
             <a:solidFill>
               <a:schemeClr val="lt2"/>
             </a:solidFill>
             <a:prstDash val="solid"/>
             <a:round/>
-            <a:headEnd len="sm" w="sm" type="none"/>
-            <a:tailEnd len="sm" w="sm" type="none"/>
+            <a:headEnd type="none" w="sm" len="sm"/>
+            <a:tailEnd type="none" w="sm" len="sm"/>
           </a:ln>
         </p:spPr>
       </p:cxnSp>
       <p:sp>
         <p:nvSpPr>
           <p:cNvPr id="42" name="Google Shape;42;p9"/>
-          <p:cNvSpPr txBox="1"/>
+          <p:cNvSpPr txBox="1">
+            <a:spLocks noGrp="1"/>
+          </p:cNvSpPr>
           <p:nvPr>
             <p:ph type="title"/>
           </p:nvPr>
@@ -5515,7 +5678,7 @@
           </a:prstGeom>
         </p:spPr>
         <p:txBody>
-          <a:bodyPr anchorCtr="0" anchor="b" bIns="91425" lIns="91425" spcFirstLastPara="1" rIns="91425" wrap="square" tIns="91425">
+          <a:bodyPr spcFirstLastPara="1" wrap="square" lIns="91425" tIns="91425" rIns="91425" bIns="91425" anchor="b" anchorCtr="0">
             <a:noAutofit/>
           </a:bodyPr>
           <a:lstStyle>
@@ -5682,15 +5845,19 @@
               </a:defRPr>
             </a:lvl9pPr>
           </a:lstStyle>
-          <a:p/>
+          <a:p>
+            <a:endParaRPr/>
+          </a:p>
         </p:txBody>
       </p:sp>
       <p:sp>
         <p:nvSpPr>
           <p:cNvPr id="43" name="Google Shape;43;p9"/>
-          <p:cNvSpPr txBox="1"/>
+          <p:cNvSpPr txBox="1">
+            <a:spLocks noGrp="1"/>
+          </p:cNvSpPr>
           <p:nvPr>
-            <p:ph idx="1" type="subTitle"/>
+            <p:ph type="subTitle" idx="1"/>
           </p:nvPr>
         </p:nvSpPr>
         <p:spPr>
@@ -5703,7 +5870,7 @@
           </a:prstGeom>
         </p:spPr>
         <p:txBody>
-          <a:bodyPr anchorCtr="0" anchor="t" bIns="91425" lIns="91425" spcFirstLastPara="1" rIns="91425" wrap="square" tIns="91425">
+          <a:bodyPr spcFirstLastPara="1" wrap="square" lIns="91425" tIns="91425" rIns="91425" bIns="91425" anchor="t" anchorCtr="0">
             <a:noAutofit/>
           </a:bodyPr>
           <a:lstStyle>
@@ -5834,15 +6001,19 @@
               <a:defRPr sz="2100"/>
             </a:lvl9pPr>
           </a:lstStyle>
-          <a:p/>
+          <a:p>
+            <a:endParaRPr/>
+          </a:p>
         </p:txBody>
       </p:sp>
       <p:sp>
         <p:nvSpPr>
           <p:cNvPr id="44" name="Google Shape;44;p9"/>
-          <p:cNvSpPr txBox="1"/>
+          <p:cNvSpPr txBox="1">
+            <a:spLocks noGrp="1"/>
+          </p:cNvSpPr>
           <p:nvPr>
-            <p:ph idx="2" type="body"/>
+            <p:ph type="body" idx="2"/>
           </p:nvPr>
         </p:nvSpPr>
         <p:spPr>
@@ -5855,11 +6026,11 @@
           </a:prstGeom>
         </p:spPr>
         <p:txBody>
-          <a:bodyPr anchorCtr="0" anchor="ctr" bIns="91425" lIns="91425" spcFirstLastPara="1" rIns="91425" wrap="square" tIns="91425">
+          <a:bodyPr spcFirstLastPara="1" wrap="square" lIns="91425" tIns="91425" rIns="91425" bIns="91425" anchor="ctr" anchorCtr="0">
             <a:noAutofit/>
           </a:bodyPr>
           <a:lstStyle>
-            <a:lvl1pPr indent="-342900" lvl="0" marL="457200">
+            <a:lvl1pPr marL="457200" lvl="0" indent="-342900">
               <a:spcBef>
                 <a:spcPts val="0"/>
               </a:spcBef>
@@ -5877,7 +6048,7 @@
                 </a:solidFill>
               </a:defRPr>
             </a:lvl1pPr>
-            <a:lvl2pPr indent="-317500" lvl="1" marL="914400">
+            <a:lvl2pPr marL="914400" lvl="1" indent="-317500">
               <a:spcBef>
                 <a:spcPts val="1600"/>
               </a:spcBef>
@@ -5895,7 +6066,7 @@
                 </a:solidFill>
               </a:defRPr>
             </a:lvl2pPr>
-            <a:lvl3pPr indent="-317500" lvl="2" marL="1371600">
+            <a:lvl3pPr marL="1371600" lvl="2" indent="-317500">
               <a:spcBef>
                 <a:spcPts val="1600"/>
               </a:spcBef>
@@ -5913,7 +6084,7 @@
                 </a:solidFill>
               </a:defRPr>
             </a:lvl3pPr>
-            <a:lvl4pPr indent="-317500" lvl="3" marL="1828800">
+            <a:lvl4pPr marL="1828800" lvl="3" indent="-317500">
               <a:spcBef>
                 <a:spcPts val="1600"/>
               </a:spcBef>
@@ -5931,7 +6102,7 @@
                 </a:solidFill>
               </a:defRPr>
             </a:lvl4pPr>
-            <a:lvl5pPr indent="-317500" lvl="4" marL="2286000">
+            <a:lvl5pPr marL="2286000" lvl="4" indent="-317500">
               <a:spcBef>
                 <a:spcPts val="1600"/>
               </a:spcBef>
@@ -5949,7 +6120,7 @@
                 </a:solidFill>
               </a:defRPr>
             </a:lvl5pPr>
-            <a:lvl6pPr indent="-317500" lvl="5" marL="2743200">
+            <a:lvl6pPr marL="2743200" lvl="5" indent="-317500">
               <a:spcBef>
                 <a:spcPts val="1600"/>
               </a:spcBef>
@@ -5967,7 +6138,7 @@
                 </a:solidFill>
               </a:defRPr>
             </a:lvl6pPr>
-            <a:lvl7pPr indent="-317500" lvl="6" marL="3200400">
+            <a:lvl7pPr marL="3200400" lvl="6" indent="-317500">
               <a:spcBef>
                 <a:spcPts val="1600"/>
               </a:spcBef>
@@ -5985,7 +6156,7 @@
                 </a:solidFill>
               </a:defRPr>
             </a:lvl7pPr>
-            <a:lvl8pPr indent="-317500" lvl="7" marL="3657600">
+            <a:lvl8pPr marL="3657600" lvl="7" indent="-317500">
               <a:spcBef>
                 <a:spcPts val="1600"/>
               </a:spcBef>
@@ -6003,7 +6174,7 @@
                 </a:solidFill>
               </a:defRPr>
             </a:lvl8pPr>
-            <a:lvl9pPr indent="-317500" lvl="8" marL="4114800">
+            <a:lvl9pPr marL="4114800" lvl="8" indent="-317500">
               <a:spcBef>
                 <a:spcPts val="1600"/>
               </a:spcBef>
@@ -6022,15 +6193,19 @@
               </a:defRPr>
             </a:lvl9pPr>
           </a:lstStyle>
-          <a:p/>
+          <a:p>
+            <a:endParaRPr/>
+          </a:p>
         </p:txBody>
       </p:sp>
       <p:sp>
         <p:nvSpPr>
           <p:cNvPr id="45" name="Google Shape;45;p9"/>
-          <p:cNvSpPr txBox="1"/>
+          <p:cNvSpPr txBox="1">
+            <a:spLocks noGrp="1"/>
+          </p:cNvSpPr>
           <p:nvPr>
-            <p:ph idx="12" type="sldNum"/>
+            <p:ph type="sldNum" idx="12"/>
           </p:nvPr>
         </p:nvSpPr>
         <p:spPr>
@@ -6043,7 +6218,7 @@
           </a:prstGeom>
         </p:spPr>
         <p:txBody>
-          <a:bodyPr anchorCtr="0" anchor="ctr" bIns="91425" lIns="91425" spcFirstLastPara="1" rIns="91425" wrap="square" tIns="91425">
+          <a:bodyPr spcFirstLastPara="1" wrap="square" lIns="91425" tIns="91425" rIns="91425" bIns="91425" anchor="ctr" anchorCtr="0">
             <a:noAutofit/>
           </a:bodyPr>
           <a:lstStyle>
@@ -6121,7 +6296,7 @@
             </a:lvl9pPr>
           </a:lstStyle>
           <a:p>
-            <a:pPr indent="0" lvl="0" marL="0" rtl="0" algn="r">
+            <a:pPr marL="0" lvl="0" indent="0" algn="r" rtl="0">
               <a:spcBef>
                 <a:spcPts val="0"/>
               </a:spcBef>
@@ -6147,11 +6322,11 @@
 </file>
 
 <file path=ppt/slideLayouts/slideLayout9.xml><?xml version="1.0" encoding="utf-8"?>
-<p:sldLayout xmlns:a="http://schemas.openxmlformats.org/drawingml/2006/main" xmlns:r="http://schemas.openxmlformats.org/officeDocument/2006/relationships" xmlns:mc="http://schemas.openxmlformats.org/markup-compatibility/2006" xmlns:mv="urn:schemas-microsoft-com:mac:vml" xmlns:p="http://schemas.openxmlformats.org/presentationml/2006/main" xmlns:c="http://schemas.openxmlformats.org/drawingml/2006/chart" xmlns:dgm="http://schemas.openxmlformats.org/drawingml/2006/diagram" xmlns:o="urn:schemas-microsoft-com:office:office" xmlns:v="urn:schemas-microsoft-com:vml" xmlns:pvml="urn:schemas-microsoft-com:office:powerpoint" xmlns:com="http://schemas.openxmlformats.org/drawingml/2006/compatibility" xmlns:p14="http://schemas.microsoft.com/office/powerpoint/2010/main" xmlns:p15="http://schemas.microsoft.com/office/powerpoint/2012/main" matchingName="Caption">
+<p:sldLayout xmlns:a="http://schemas.openxmlformats.org/drawingml/2006/main" xmlns:r="http://schemas.openxmlformats.org/officeDocument/2006/relationships" xmlns:p="http://schemas.openxmlformats.org/presentationml/2006/main" matchingName="Caption">
   <p:cSld name="CAPTION_ONLY">
     <p:spTree>
       <p:nvGrpSpPr>
-        <p:cNvPr id="46" name="Shape 46"/>
+        <p:cNvPr id="1" name="Shape 46"/>
         <p:cNvGrpSpPr/>
         <p:nvPr/>
       </p:nvGrpSpPr>
@@ -6166,9 +6341,11 @@
       <p:sp>
         <p:nvSpPr>
           <p:cNvPr id="47" name="Google Shape;47;p10"/>
-          <p:cNvSpPr txBox="1"/>
+          <p:cNvSpPr txBox="1">
+            <a:spLocks noGrp="1"/>
+          </p:cNvSpPr>
           <p:nvPr>
-            <p:ph idx="1" type="body"/>
+            <p:ph type="body" idx="1"/>
           </p:nvPr>
         </p:nvSpPr>
         <p:spPr>
@@ -6181,11 +6358,11 @@
           </a:prstGeom>
         </p:spPr>
         <p:txBody>
-          <a:bodyPr anchorCtr="0" anchor="ctr" bIns="91425" lIns="91425" spcFirstLastPara="1" rIns="91425" wrap="square" tIns="91425">
+          <a:bodyPr spcFirstLastPara="1" wrap="square" lIns="91425" tIns="91425" rIns="91425" bIns="91425" anchor="ctr" anchorCtr="0">
             <a:noAutofit/>
           </a:bodyPr>
           <a:lstStyle>
-            <a:lvl1pPr indent="-228600" lvl="0" marL="457200">
+            <a:lvl1pPr marL="457200" lvl="0" indent="-228600">
               <a:lnSpc>
                 <a:spcPct val="100000"/>
               </a:lnSpc>
@@ -6200,15 +6377,19 @@
               <a:defRPr/>
             </a:lvl1pPr>
           </a:lstStyle>
-          <a:p/>
+          <a:p>
+            <a:endParaRPr/>
+          </a:p>
         </p:txBody>
       </p:sp>
       <p:sp>
         <p:nvSpPr>
           <p:cNvPr id="48" name="Google Shape;48;p10"/>
-          <p:cNvSpPr txBox="1"/>
+          <p:cNvSpPr txBox="1">
+            <a:spLocks noGrp="1"/>
+          </p:cNvSpPr>
           <p:nvPr>
-            <p:ph idx="12" type="sldNum"/>
+            <p:ph type="sldNum" idx="12"/>
           </p:nvPr>
         </p:nvSpPr>
         <p:spPr>
@@ -6221,7 +6402,7 @@
           </a:prstGeom>
         </p:spPr>
         <p:txBody>
-          <a:bodyPr anchorCtr="0" anchor="ctr" bIns="91425" lIns="91425" spcFirstLastPara="1" rIns="91425" wrap="square" tIns="91425">
+          <a:bodyPr spcFirstLastPara="1" wrap="square" lIns="91425" tIns="91425" rIns="91425" bIns="91425" anchor="ctr" anchorCtr="0">
             <a:noAutofit/>
           </a:bodyPr>
           <a:lstStyle>
@@ -6263,7 +6444,7 @@
             </a:lvl9pPr>
           </a:lstStyle>
           <a:p>
-            <a:pPr indent="0" lvl="0" marL="0" rtl="0" algn="r">
+            <a:pPr marL="0" lvl="0" indent="0" algn="r" rtl="0">
               <a:spcBef>
                 <a:spcPts val="0"/>
               </a:spcBef>
@@ -6289,18 +6470,19 @@
 </file>
 
 <file path=ppt/slideMasters/slideMaster1.xml><?xml version="1.0" encoding="utf-8"?>
-<p:sldMaster xmlns:a="http://schemas.openxmlformats.org/drawingml/2006/main" xmlns:r="http://schemas.openxmlformats.org/officeDocument/2006/relationships" xmlns:mc="http://schemas.openxmlformats.org/markup-compatibility/2006" xmlns:mv="urn:schemas-microsoft-com:mac:vml" xmlns:p="http://schemas.openxmlformats.org/presentationml/2006/main" xmlns:c="http://schemas.openxmlformats.org/drawingml/2006/chart" xmlns:dgm="http://schemas.openxmlformats.org/drawingml/2006/diagram" xmlns:o="urn:schemas-microsoft-com:office:office" xmlns:v="urn:schemas-microsoft-com:vml" xmlns:pvml="urn:schemas-microsoft-com:office:powerpoint" xmlns:com="http://schemas.openxmlformats.org/drawingml/2006/compatibility" xmlns:p14="http://schemas.microsoft.com/office/powerpoint/2010/main" xmlns:p15="http://schemas.microsoft.com/office/powerpoint/2012/main">
+<p:sldMaster xmlns:a="http://schemas.openxmlformats.org/drawingml/2006/main" xmlns:r="http://schemas.openxmlformats.org/officeDocument/2006/relationships" xmlns:p="http://schemas.openxmlformats.org/presentationml/2006/main">
   <p:cSld name="paperback">
     <p:bg>
       <p:bgPr>
         <a:solidFill>
           <a:schemeClr val="accent1"/>
         </a:solidFill>
+        <a:effectLst/>
       </p:bgPr>
     </p:bg>
     <p:spTree>
       <p:nvGrpSpPr>
-        <p:cNvPr id="5" name="Shape 5"/>
+        <p:cNvPr id="1" name="Shape 5"/>
         <p:cNvGrpSpPr/>
         <p:nvPr/>
       </p:nvGrpSpPr>
@@ -6315,7 +6497,9 @@
       <p:sp>
         <p:nvSpPr>
           <p:cNvPr id="6" name="Google Shape;6;p1"/>
-          <p:cNvSpPr txBox="1"/>
+          <p:cNvSpPr txBox="1">
+            <a:spLocks noGrp="1"/>
+          </p:cNvSpPr>
           <p:nvPr>
             <p:ph type="title"/>
           </p:nvPr>
@@ -6334,7 +6518,7 @@
           </a:ln>
         </p:spPr>
         <p:txBody>
-          <a:bodyPr anchorCtr="0" anchor="t" bIns="91425" lIns="91425" spcFirstLastPara="1" rIns="91425" wrap="square" tIns="91425">
+          <a:bodyPr spcFirstLastPara="1" wrap="square" lIns="91425" tIns="91425" rIns="91425" bIns="91425" anchor="t" anchorCtr="0">
             <a:noAutofit/>
           </a:bodyPr>
           <a:lstStyle>
@@ -6546,15 +6730,19 @@
               </a:defRPr>
             </a:lvl9pPr>
           </a:lstStyle>
-          <a:p/>
+          <a:p>
+            <a:endParaRPr/>
+          </a:p>
         </p:txBody>
       </p:sp>
       <p:sp>
         <p:nvSpPr>
           <p:cNvPr id="7" name="Google Shape;7;p1"/>
-          <p:cNvSpPr txBox="1"/>
+          <p:cNvSpPr txBox="1">
+            <a:spLocks noGrp="1"/>
+          </p:cNvSpPr>
           <p:nvPr>
-            <p:ph idx="1" type="body"/>
+            <p:ph type="body" idx="1"/>
           </p:nvPr>
         </p:nvSpPr>
         <p:spPr>
@@ -6571,11 +6759,11 @@
           </a:ln>
         </p:spPr>
         <p:txBody>
-          <a:bodyPr anchorCtr="0" anchor="t" bIns="91425" lIns="91425" spcFirstLastPara="1" rIns="91425" wrap="square" tIns="91425">
+          <a:bodyPr spcFirstLastPara="1" wrap="square" lIns="91425" tIns="91425" rIns="91425" bIns="91425" anchor="t" anchorCtr="0">
             <a:noAutofit/>
           </a:bodyPr>
           <a:lstStyle>
-            <a:lvl1pPr indent="-342900" lvl="0" marL="457200">
+            <a:lvl1pPr marL="457200" lvl="0" indent="-342900">
               <a:lnSpc>
                 <a:spcPct val="115000"/>
               </a:lnSpc>
@@ -6601,7 +6789,7 @@
                 <a:sym typeface="Old Standard TT"/>
               </a:defRPr>
             </a:lvl1pPr>
-            <a:lvl2pPr indent="-317500" lvl="1" marL="914400">
+            <a:lvl2pPr marL="914400" lvl="1" indent="-317500">
               <a:lnSpc>
                 <a:spcPct val="115000"/>
               </a:lnSpc>
@@ -6627,7 +6815,7 @@
                 <a:sym typeface="Old Standard TT"/>
               </a:defRPr>
             </a:lvl2pPr>
-            <a:lvl3pPr indent="-317500" lvl="2" marL="1371600">
+            <a:lvl3pPr marL="1371600" lvl="2" indent="-317500">
               <a:lnSpc>
                 <a:spcPct val="115000"/>
               </a:lnSpc>
@@ -6653,7 +6841,7 @@
                 <a:sym typeface="Old Standard TT"/>
               </a:defRPr>
             </a:lvl3pPr>
-            <a:lvl4pPr indent="-317500" lvl="3" marL="1828800">
+            <a:lvl4pPr marL="1828800" lvl="3" indent="-317500">
               <a:lnSpc>
                 <a:spcPct val="115000"/>
               </a:lnSpc>
@@ -6679,7 +6867,7 @@
                 <a:sym typeface="Old Standard TT"/>
               </a:defRPr>
             </a:lvl4pPr>
-            <a:lvl5pPr indent="-317500" lvl="4" marL="2286000">
+            <a:lvl5pPr marL="2286000" lvl="4" indent="-317500">
               <a:lnSpc>
                 <a:spcPct val="115000"/>
               </a:lnSpc>
@@ -6705,7 +6893,7 @@
                 <a:sym typeface="Old Standard TT"/>
               </a:defRPr>
             </a:lvl5pPr>
-            <a:lvl6pPr indent="-317500" lvl="5" marL="2743200">
+            <a:lvl6pPr marL="2743200" lvl="5" indent="-317500">
               <a:lnSpc>
                 <a:spcPct val="115000"/>
               </a:lnSpc>
@@ -6731,7 +6919,7 @@
                 <a:sym typeface="Old Standard TT"/>
               </a:defRPr>
             </a:lvl6pPr>
-            <a:lvl7pPr indent="-317500" lvl="6" marL="3200400">
+            <a:lvl7pPr marL="3200400" lvl="6" indent="-317500">
               <a:lnSpc>
                 <a:spcPct val="115000"/>
               </a:lnSpc>
@@ -6757,7 +6945,7 @@
                 <a:sym typeface="Old Standard TT"/>
               </a:defRPr>
             </a:lvl7pPr>
-            <a:lvl8pPr indent="-317500" lvl="7" marL="3657600">
+            <a:lvl8pPr marL="3657600" lvl="7" indent="-317500">
               <a:lnSpc>
                 <a:spcPct val="115000"/>
               </a:lnSpc>
@@ -6783,7 +6971,7 @@
                 <a:sym typeface="Old Standard TT"/>
               </a:defRPr>
             </a:lvl8pPr>
-            <a:lvl9pPr indent="-317500" lvl="8" marL="4114800">
+            <a:lvl9pPr marL="4114800" lvl="8" indent="-317500">
               <a:lnSpc>
                 <a:spcPct val="115000"/>
               </a:lnSpc>
@@ -6810,15 +6998,19 @@
               </a:defRPr>
             </a:lvl9pPr>
           </a:lstStyle>
-          <a:p/>
+          <a:p>
+            <a:endParaRPr/>
+          </a:p>
         </p:txBody>
       </p:sp>
       <p:sp>
         <p:nvSpPr>
           <p:cNvPr id="8" name="Google Shape;8;p1"/>
-          <p:cNvSpPr txBox="1"/>
+          <p:cNvSpPr txBox="1">
+            <a:spLocks noGrp="1"/>
+          </p:cNvSpPr>
           <p:nvPr>
-            <p:ph idx="12" type="sldNum"/>
+            <p:ph type="sldNum" idx="12"/>
           </p:nvPr>
         </p:nvSpPr>
         <p:spPr>
@@ -6835,7 +7027,7 @@
           </a:ln>
         </p:spPr>
         <p:txBody>
-          <a:bodyPr anchorCtr="0" anchor="ctr" bIns="91425" lIns="91425" spcFirstLastPara="1" rIns="91425" wrap="square" tIns="91425">
+          <a:bodyPr spcFirstLastPara="1" wrap="square" lIns="91425" tIns="91425" rIns="91425" bIns="91425" anchor="ctr" anchorCtr="0">
             <a:noAutofit/>
           </a:bodyPr>
           <a:lstStyle>
@@ -6949,7 +7141,7 @@
             </a:lvl9pPr>
           </a:lstStyle>
           <a:p>
-            <a:pPr indent="0" lvl="0" marL="0" rtl="0" algn="r">
+            <a:pPr marL="0" lvl="0" indent="0" algn="r" rtl="0">
               <a:spcBef>
                 <a:spcPts val="0"/>
               </a:spcBef>
@@ -6968,7 +7160,7 @@
       </p:sp>
     </p:spTree>
   </p:cSld>
-  <p:clrMap accent1="accent1" accent2="accent2" accent3="accent3" accent4="accent4" accent5="accent5" accent6="accent6" bg1="lt1" bg2="dk2" tx1="dk1" tx2="lt2" folHlink="folHlink" hlink="hlink"/>
+  <p:clrMap bg1="lt1" tx1="dk1" bg2="dk2" tx2="lt2" accent1="accent1" accent2="accent2" accent3="accent3" accent4="accent4" accent5="accent5" accent6="accent6" hlink="hlink" folHlink="folHlink"/>
   <p:sldLayoutIdLst>
     <p:sldLayoutId id="2147483648" r:id="rId1"/>
     <p:sldLayoutId id="2147483649" r:id="rId2"/>
@@ -6982,10 +7174,10 @@
     <p:sldLayoutId id="2147483657" r:id="rId10"/>
     <p:sldLayoutId id="2147483658" r:id="rId11"/>
   </p:sldLayoutIdLst>
-  <p:hf dt="0" ftr="0" hdr="0" sldNum="0"/>
+  <p:hf sldNum="0" hdr="0" ftr="0" dt="0"/>
   <p:txStyles>
     <p:titleStyle>
-      <a:defPPr lvl="0" marR="0" rtl="0" algn="l">
+      <a:defPPr marR="0" lvl="0" algn="l" rtl="0">
         <a:lnSpc>
           <a:spcPct val="100000"/>
         </a:lnSpc>
@@ -6996,7 +7188,7 @@
           <a:spcPts val="0"/>
         </a:spcAft>
       </a:defPPr>
-      <a:lvl1pPr lvl="0" marR="0" rtl="0" algn="l">
+      <a:lvl1pPr marR="0" lvl="0" algn="l" rtl="0">
         <a:lnSpc>
           <a:spcPct val="100000"/>
         </a:lnSpc>
@@ -7010,7 +7202,7 @@
           <a:srgbClr val="000000"/>
         </a:buClr>
         <a:buFont typeface="Arial"/>
-        <a:defRPr b="0" i="0" sz="1400" u="none" cap="none" strike="noStrike">
+        <a:defRPr sz="1400" b="0" i="0" u="none" strike="noStrike" cap="none">
           <a:solidFill>
             <a:srgbClr val="000000"/>
           </a:solidFill>
@@ -7020,7 +7212,7 @@
           <a:sym typeface="Arial"/>
         </a:defRPr>
       </a:lvl1pPr>
-      <a:lvl2pPr lvl="1" marR="0" rtl="0" algn="l">
+      <a:lvl2pPr marR="0" lvl="1" algn="l" rtl="0">
         <a:lnSpc>
           <a:spcPct val="100000"/>
         </a:lnSpc>
@@ -7034,7 +7226,7 @@
           <a:srgbClr val="000000"/>
         </a:buClr>
         <a:buFont typeface="Arial"/>
-        <a:defRPr b="0" i="0" sz="1400" u="none" cap="none" strike="noStrike">
+        <a:defRPr sz="1400" b="0" i="0" u="none" strike="noStrike" cap="none">
           <a:solidFill>
             <a:srgbClr val="000000"/>
           </a:solidFill>
@@ -7044,7 +7236,7 @@
           <a:sym typeface="Arial"/>
         </a:defRPr>
       </a:lvl2pPr>
-      <a:lvl3pPr lvl="2" marR="0" rtl="0" algn="l">
+      <a:lvl3pPr marR="0" lvl="2" algn="l" rtl="0">
         <a:lnSpc>
           <a:spcPct val="100000"/>
         </a:lnSpc>
@@ -7058,7 +7250,7 @@
           <a:srgbClr val="000000"/>
         </a:buClr>
         <a:buFont typeface="Arial"/>
-        <a:defRPr b="0" i="0" sz="1400" u="none" cap="none" strike="noStrike">
+        <a:defRPr sz="1400" b="0" i="0" u="none" strike="noStrike" cap="none">
           <a:solidFill>
             <a:srgbClr val="000000"/>
           </a:solidFill>
@@ -7068,7 +7260,7 @@
           <a:sym typeface="Arial"/>
         </a:defRPr>
       </a:lvl3pPr>
-      <a:lvl4pPr lvl="3" marR="0" rtl="0" algn="l">
+      <a:lvl4pPr marR="0" lvl="3" algn="l" rtl="0">
         <a:lnSpc>
           <a:spcPct val="100000"/>
         </a:lnSpc>
@@ -7082,7 +7274,7 @@
           <a:srgbClr val="000000"/>
         </a:buClr>
         <a:buFont typeface="Arial"/>
-        <a:defRPr b="0" i="0" sz="1400" u="none" cap="none" strike="noStrike">
+        <a:defRPr sz="1400" b="0" i="0" u="none" strike="noStrike" cap="none">
           <a:solidFill>
             <a:srgbClr val="000000"/>
           </a:solidFill>
@@ -7092,7 +7284,7 @@
           <a:sym typeface="Arial"/>
         </a:defRPr>
       </a:lvl4pPr>
-      <a:lvl5pPr lvl="4" marR="0" rtl="0" algn="l">
+      <a:lvl5pPr marR="0" lvl="4" algn="l" rtl="0">
         <a:lnSpc>
           <a:spcPct val="100000"/>
         </a:lnSpc>
@@ -7106,7 +7298,7 @@
           <a:srgbClr val="000000"/>
         </a:buClr>
         <a:buFont typeface="Arial"/>
-        <a:defRPr b="0" i="0" sz="1400" u="none" cap="none" strike="noStrike">
+        <a:defRPr sz="1400" b="0" i="0" u="none" strike="noStrike" cap="none">
           <a:solidFill>
             <a:srgbClr val="000000"/>
           </a:solidFill>
@@ -7116,7 +7308,7 @@
           <a:sym typeface="Arial"/>
         </a:defRPr>
       </a:lvl5pPr>
-      <a:lvl6pPr lvl="5" marR="0" rtl="0" algn="l">
+      <a:lvl6pPr marR="0" lvl="5" algn="l" rtl="0">
         <a:lnSpc>
           <a:spcPct val="100000"/>
         </a:lnSpc>
@@ -7130,7 +7322,7 @@
           <a:srgbClr val="000000"/>
         </a:buClr>
         <a:buFont typeface="Arial"/>
-        <a:defRPr b="0" i="0" sz="1400" u="none" cap="none" strike="noStrike">
+        <a:defRPr sz="1400" b="0" i="0" u="none" strike="noStrike" cap="none">
           <a:solidFill>
             <a:srgbClr val="000000"/>
           </a:solidFill>
@@ -7140,7 +7332,7 @@
           <a:sym typeface="Arial"/>
         </a:defRPr>
       </a:lvl6pPr>
-      <a:lvl7pPr lvl="6" marR="0" rtl="0" algn="l">
+      <a:lvl7pPr marR="0" lvl="6" algn="l" rtl="0">
         <a:lnSpc>
           <a:spcPct val="100000"/>
         </a:lnSpc>
@@ -7154,7 +7346,7 @@
           <a:srgbClr val="000000"/>
         </a:buClr>
         <a:buFont typeface="Arial"/>
-        <a:defRPr b="0" i="0" sz="1400" u="none" cap="none" strike="noStrike">
+        <a:defRPr sz="1400" b="0" i="0" u="none" strike="noStrike" cap="none">
           <a:solidFill>
             <a:srgbClr val="000000"/>
           </a:solidFill>
@@ -7164,7 +7356,7 @@
           <a:sym typeface="Arial"/>
         </a:defRPr>
       </a:lvl7pPr>
-      <a:lvl8pPr lvl="7" marR="0" rtl="0" algn="l">
+      <a:lvl8pPr marR="0" lvl="7" algn="l" rtl="0">
         <a:lnSpc>
           <a:spcPct val="100000"/>
         </a:lnSpc>
@@ -7178,7 +7370,7 @@
           <a:srgbClr val="000000"/>
         </a:buClr>
         <a:buFont typeface="Arial"/>
-        <a:defRPr b="0" i="0" sz="1400" u="none" cap="none" strike="noStrike">
+        <a:defRPr sz="1400" b="0" i="0" u="none" strike="noStrike" cap="none">
           <a:solidFill>
             <a:srgbClr val="000000"/>
           </a:solidFill>
@@ -7188,7 +7380,7 @@
           <a:sym typeface="Arial"/>
         </a:defRPr>
       </a:lvl8pPr>
-      <a:lvl9pPr lvl="8" marR="0" rtl="0" algn="l">
+      <a:lvl9pPr marR="0" lvl="8" algn="l" rtl="0">
         <a:lnSpc>
           <a:spcPct val="100000"/>
         </a:lnSpc>
@@ -7202,7 +7394,7 @@
           <a:srgbClr val="000000"/>
         </a:buClr>
         <a:buFont typeface="Arial"/>
-        <a:defRPr b="0" i="0" sz="1400" u="none" cap="none" strike="noStrike">
+        <a:defRPr sz="1400" b="0" i="0" u="none" strike="noStrike" cap="none">
           <a:solidFill>
             <a:srgbClr val="000000"/>
           </a:solidFill>
@@ -7214,7 +7406,7 @@
       </a:lvl9pPr>
     </p:titleStyle>
     <p:bodyStyle>
-      <a:defPPr lvl="0" marR="0" rtl="0" algn="l">
+      <a:defPPr marR="0" lvl="0" algn="l" rtl="0">
         <a:lnSpc>
           <a:spcPct val="100000"/>
         </a:lnSpc>
@@ -7225,7 +7417,7 @@
           <a:spcPts val="0"/>
         </a:spcAft>
       </a:defPPr>
-      <a:lvl1pPr lvl="0" marR="0" rtl="0" algn="l">
+      <a:lvl1pPr marR="0" lvl="0" algn="l" rtl="0">
         <a:lnSpc>
           <a:spcPct val="100000"/>
         </a:lnSpc>
@@ -7239,7 +7431,7 @@
           <a:srgbClr val="000000"/>
         </a:buClr>
         <a:buFont typeface="Arial"/>
-        <a:defRPr b="0" i="0" sz="1400" u="none" cap="none" strike="noStrike">
+        <a:defRPr sz="1400" b="0" i="0" u="none" strike="noStrike" cap="none">
           <a:solidFill>
             <a:srgbClr val="000000"/>
           </a:solidFill>
@@ -7249,7 +7441,7 @@
           <a:sym typeface="Arial"/>
         </a:defRPr>
       </a:lvl1pPr>
-      <a:lvl2pPr lvl="1" marR="0" rtl="0" algn="l">
+      <a:lvl2pPr marR="0" lvl="1" algn="l" rtl="0">
         <a:lnSpc>
           <a:spcPct val="100000"/>
         </a:lnSpc>
@@ -7263,7 +7455,7 @@
           <a:srgbClr val="000000"/>
         </a:buClr>
         <a:buFont typeface="Arial"/>
-        <a:defRPr b="0" i="0" sz="1400" u="none" cap="none" strike="noStrike">
+        <a:defRPr sz="1400" b="0" i="0" u="none" strike="noStrike" cap="none">
           <a:solidFill>
             <a:srgbClr val="000000"/>
           </a:solidFill>
@@ -7273,7 +7465,7 @@
           <a:sym typeface="Arial"/>
         </a:defRPr>
       </a:lvl2pPr>
-      <a:lvl3pPr lvl="2" marR="0" rtl="0" algn="l">
+      <a:lvl3pPr marR="0" lvl="2" algn="l" rtl="0">
         <a:lnSpc>
           <a:spcPct val="100000"/>
         </a:lnSpc>
@@ -7287,7 +7479,7 @@
           <a:srgbClr val="000000"/>
         </a:buClr>
         <a:buFont typeface="Arial"/>
-        <a:defRPr b="0" i="0" sz="1400" u="none" cap="none" strike="noStrike">
+        <a:defRPr sz="1400" b="0" i="0" u="none" strike="noStrike" cap="none">
           <a:solidFill>
             <a:srgbClr val="000000"/>
           </a:solidFill>
@@ -7297,7 +7489,7 @@
           <a:sym typeface="Arial"/>
         </a:defRPr>
       </a:lvl3pPr>
-      <a:lvl4pPr lvl="3" marR="0" rtl="0" algn="l">
+      <a:lvl4pPr marR="0" lvl="3" algn="l" rtl="0">
         <a:lnSpc>
           <a:spcPct val="100000"/>
         </a:lnSpc>
@@ -7311,7 +7503,7 @@
           <a:srgbClr val="000000"/>
         </a:buClr>
         <a:buFont typeface="Arial"/>
-        <a:defRPr b="0" i="0" sz="1400" u="none" cap="none" strike="noStrike">
+        <a:defRPr sz="1400" b="0" i="0" u="none" strike="noStrike" cap="none">
           <a:solidFill>
             <a:srgbClr val="000000"/>
           </a:solidFill>
@@ -7321,7 +7513,7 @@
           <a:sym typeface="Arial"/>
         </a:defRPr>
       </a:lvl4pPr>
-      <a:lvl5pPr lvl="4" marR="0" rtl="0" algn="l">
+      <a:lvl5pPr marR="0" lvl="4" algn="l" rtl="0">
         <a:lnSpc>
           <a:spcPct val="100000"/>
         </a:lnSpc>
@@ -7335,7 +7527,7 @@
           <a:srgbClr val="000000"/>
         </a:buClr>
         <a:buFont typeface="Arial"/>
-        <a:defRPr b="0" i="0" sz="1400" u="none" cap="none" strike="noStrike">
+        <a:defRPr sz="1400" b="0" i="0" u="none" strike="noStrike" cap="none">
           <a:solidFill>
             <a:srgbClr val="000000"/>
           </a:solidFill>
@@ -7345,7 +7537,7 @@
           <a:sym typeface="Arial"/>
         </a:defRPr>
       </a:lvl5pPr>
-      <a:lvl6pPr lvl="5" marR="0" rtl="0" algn="l">
+      <a:lvl6pPr marR="0" lvl="5" algn="l" rtl="0">
         <a:lnSpc>
           <a:spcPct val="100000"/>
         </a:lnSpc>
@@ -7359,7 +7551,7 @@
           <a:srgbClr val="000000"/>
         </a:buClr>
         <a:buFont typeface="Arial"/>
-        <a:defRPr b="0" i="0" sz="1400" u="none" cap="none" strike="noStrike">
+        <a:defRPr sz="1400" b="0" i="0" u="none" strike="noStrike" cap="none">
           <a:solidFill>
             <a:srgbClr val="000000"/>
           </a:solidFill>
@@ -7369,7 +7561,7 @@
           <a:sym typeface="Arial"/>
         </a:defRPr>
       </a:lvl6pPr>
-      <a:lvl7pPr lvl="6" marR="0" rtl="0" algn="l">
+      <a:lvl7pPr marR="0" lvl="6" algn="l" rtl="0">
         <a:lnSpc>
           <a:spcPct val="100000"/>
         </a:lnSpc>
@@ -7383,7 +7575,7 @@
           <a:srgbClr val="000000"/>
         </a:buClr>
         <a:buFont typeface="Arial"/>
-        <a:defRPr b="0" i="0" sz="1400" u="none" cap="none" strike="noStrike">
+        <a:defRPr sz="1400" b="0" i="0" u="none" strike="noStrike" cap="none">
           <a:solidFill>
             <a:srgbClr val="000000"/>
           </a:solidFill>
@@ -7393,7 +7585,7 @@
           <a:sym typeface="Arial"/>
         </a:defRPr>
       </a:lvl7pPr>
-      <a:lvl8pPr lvl="7" marR="0" rtl="0" algn="l">
+      <a:lvl8pPr marR="0" lvl="7" algn="l" rtl="0">
         <a:lnSpc>
           <a:spcPct val="100000"/>
         </a:lnSpc>
@@ -7407,7 +7599,7 @@
           <a:srgbClr val="000000"/>
         </a:buClr>
         <a:buFont typeface="Arial"/>
-        <a:defRPr b="0" i="0" sz="1400" u="none" cap="none" strike="noStrike">
+        <a:defRPr sz="1400" b="0" i="0" u="none" strike="noStrike" cap="none">
           <a:solidFill>
             <a:srgbClr val="000000"/>
           </a:solidFill>
@@ -7417,7 +7609,7 @@
           <a:sym typeface="Arial"/>
         </a:defRPr>
       </a:lvl8pPr>
-      <a:lvl9pPr lvl="8" marR="0" rtl="0" algn="l">
+      <a:lvl9pPr marR="0" lvl="8" algn="l" rtl="0">
         <a:lnSpc>
           <a:spcPct val="100000"/>
         </a:lnSpc>
@@ -7431,7 +7623,7 @@
           <a:srgbClr val="000000"/>
         </a:buClr>
         <a:buFont typeface="Arial"/>
-        <a:defRPr b="0" i="0" sz="1400" u="none" cap="none" strike="noStrike">
+        <a:defRPr sz="1400" b="0" i="0" u="none" strike="noStrike" cap="none">
           <a:solidFill>
             <a:srgbClr val="000000"/>
           </a:solidFill>
@@ -7443,7 +7635,7 @@
       </a:lvl9pPr>
     </p:bodyStyle>
     <p:otherStyle>
-      <a:defPPr lvl="0" marR="0" rtl="0" algn="l">
+      <a:defPPr marR="0" lvl="0" algn="l" rtl="0">
         <a:lnSpc>
           <a:spcPct val="100000"/>
         </a:lnSpc>
@@ -7454,7 +7646,7 @@
           <a:spcPts val="0"/>
         </a:spcAft>
       </a:defPPr>
-      <a:lvl1pPr lvl="0" marR="0" rtl="0" algn="l">
+      <a:lvl1pPr marR="0" lvl="0" algn="l" rtl="0">
         <a:lnSpc>
           <a:spcPct val="100000"/>
         </a:lnSpc>
@@ -7468,7 +7660,7 @@
           <a:srgbClr val="000000"/>
         </a:buClr>
         <a:buFont typeface="Arial"/>
-        <a:defRPr b="0" i="0" sz="1400" u="none" cap="none" strike="noStrike">
+        <a:defRPr sz="1400" b="0" i="0" u="none" strike="noStrike" cap="none">
           <a:solidFill>
             <a:srgbClr val="000000"/>
           </a:solidFill>
@@ -7478,7 +7670,7 @@
           <a:sym typeface="Arial"/>
         </a:defRPr>
       </a:lvl1pPr>
-      <a:lvl2pPr lvl="1" marR="0" rtl="0" algn="l">
+      <a:lvl2pPr marR="0" lvl="1" algn="l" rtl="0">
         <a:lnSpc>
           <a:spcPct val="100000"/>
         </a:lnSpc>
@@ -7492,7 +7684,7 @@
           <a:srgbClr val="000000"/>
         </a:buClr>
         <a:buFont typeface="Arial"/>
-        <a:defRPr b="0" i="0" sz="1400" u="none" cap="none" strike="noStrike">
+        <a:defRPr sz="1400" b="0" i="0" u="none" strike="noStrike" cap="none">
           <a:solidFill>
             <a:srgbClr val="000000"/>
           </a:solidFill>
@@ -7502,7 +7694,7 @@
           <a:sym typeface="Arial"/>
         </a:defRPr>
       </a:lvl2pPr>
-      <a:lvl3pPr lvl="2" marR="0" rtl="0" algn="l">
+      <a:lvl3pPr marR="0" lvl="2" algn="l" rtl="0">
         <a:lnSpc>
           <a:spcPct val="100000"/>
         </a:lnSpc>
@@ -7516,7 +7708,7 @@
           <a:srgbClr val="000000"/>
         </a:buClr>
         <a:buFont typeface="Arial"/>
-        <a:defRPr b="0" i="0" sz="1400" u="none" cap="none" strike="noStrike">
+        <a:defRPr sz="1400" b="0" i="0" u="none" strike="noStrike" cap="none">
           <a:solidFill>
             <a:srgbClr val="000000"/>
           </a:solidFill>
@@ -7526,7 +7718,7 @@
           <a:sym typeface="Arial"/>
         </a:defRPr>
       </a:lvl3pPr>
-      <a:lvl4pPr lvl="3" marR="0" rtl="0" algn="l">
+      <a:lvl4pPr marR="0" lvl="3" algn="l" rtl="0">
         <a:lnSpc>
           <a:spcPct val="100000"/>
         </a:lnSpc>
@@ -7540,7 +7732,7 @@
           <a:srgbClr val="000000"/>
         </a:buClr>
         <a:buFont typeface="Arial"/>
-        <a:defRPr b="0" i="0" sz="1400" u="none" cap="none" strike="noStrike">
+        <a:defRPr sz="1400" b="0" i="0" u="none" strike="noStrike" cap="none">
           <a:solidFill>
             <a:srgbClr val="000000"/>
           </a:solidFill>
@@ -7550,7 +7742,7 @@
           <a:sym typeface="Arial"/>
         </a:defRPr>
       </a:lvl4pPr>
-      <a:lvl5pPr lvl="4" marR="0" rtl="0" algn="l">
+      <a:lvl5pPr marR="0" lvl="4" algn="l" rtl="0">
         <a:lnSpc>
           <a:spcPct val="100000"/>
         </a:lnSpc>
@@ -7564,7 +7756,7 @@
           <a:srgbClr val="000000"/>
         </a:buClr>
         <a:buFont typeface="Arial"/>
-        <a:defRPr b="0" i="0" sz="1400" u="none" cap="none" strike="noStrike">
+        <a:defRPr sz="1400" b="0" i="0" u="none" strike="noStrike" cap="none">
           <a:solidFill>
             <a:srgbClr val="000000"/>
           </a:solidFill>
@@ -7574,7 +7766,7 @@
           <a:sym typeface="Arial"/>
         </a:defRPr>
       </a:lvl5pPr>
-      <a:lvl6pPr lvl="5" marR="0" rtl="0" algn="l">
+      <a:lvl6pPr marR="0" lvl="5" algn="l" rtl="0">
         <a:lnSpc>
           <a:spcPct val="100000"/>
         </a:lnSpc>
@@ -7588,7 +7780,7 @@
           <a:srgbClr val="000000"/>
         </a:buClr>
         <a:buFont typeface="Arial"/>
-        <a:defRPr b="0" i="0" sz="1400" u="none" cap="none" strike="noStrike">
+        <a:defRPr sz="1400" b="0" i="0" u="none" strike="noStrike" cap="none">
           <a:solidFill>
             <a:srgbClr val="000000"/>
           </a:solidFill>
@@ -7598,7 +7790,7 @@
           <a:sym typeface="Arial"/>
         </a:defRPr>
       </a:lvl6pPr>
-      <a:lvl7pPr lvl="6" marR="0" rtl="0" algn="l">
+      <a:lvl7pPr marR="0" lvl="6" algn="l" rtl="0">
         <a:lnSpc>
           <a:spcPct val="100000"/>
         </a:lnSpc>
@@ -7612,7 +7804,7 @@
           <a:srgbClr val="000000"/>
         </a:buClr>
         <a:buFont typeface="Arial"/>
-        <a:defRPr b="0" i="0" sz="1400" u="none" cap="none" strike="noStrike">
+        <a:defRPr sz="1400" b="0" i="0" u="none" strike="noStrike" cap="none">
           <a:solidFill>
             <a:srgbClr val="000000"/>
           </a:solidFill>
@@ -7622,7 +7814,7 @@
           <a:sym typeface="Arial"/>
         </a:defRPr>
       </a:lvl7pPr>
-      <a:lvl8pPr lvl="7" marR="0" rtl="0" algn="l">
+      <a:lvl8pPr marR="0" lvl="7" algn="l" rtl="0">
         <a:lnSpc>
           <a:spcPct val="100000"/>
         </a:lnSpc>
@@ -7636,7 +7828,7 @@
           <a:srgbClr val="000000"/>
         </a:buClr>
         <a:buFont typeface="Arial"/>
-        <a:defRPr b="0" i="0" sz="1400" u="none" cap="none" strike="noStrike">
+        <a:defRPr sz="1400" b="0" i="0" u="none" strike="noStrike" cap="none">
           <a:solidFill>
             <a:srgbClr val="000000"/>
           </a:solidFill>
@@ -7646,7 +7838,7 @@
           <a:sym typeface="Arial"/>
         </a:defRPr>
       </a:lvl8pPr>
-      <a:lvl9pPr lvl="8" marR="0" rtl="0" algn="l">
+      <a:lvl9pPr marR="0" lvl="8" algn="l" rtl="0">
         <a:lnSpc>
           <a:spcPct val="100000"/>
         </a:lnSpc>
@@ -7660,7 +7852,7 @@
           <a:srgbClr val="000000"/>
         </a:buClr>
         <a:buFont typeface="Arial"/>
-        <a:defRPr b="0" i="0" sz="1400" u="none" cap="none" strike="noStrike">
+        <a:defRPr sz="1400" b="0" i="0" u="none" strike="noStrike" cap="none">
           <a:solidFill>
             <a:srgbClr val="000000"/>
           </a:solidFill>
@@ -7676,11 +7868,11 @@
 </file>
 
 <file path=ppt/slides/slide1.xml><?xml version="1.0" encoding="utf-8"?>
-<p:sld xmlns:a="http://schemas.openxmlformats.org/drawingml/2006/main" xmlns:r="http://schemas.openxmlformats.org/officeDocument/2006/relationships" xmlns:mc="http://schemas.openxmlformats.org/markup-compatibility/2006" xmlns:mv="urn:schemas-microsoft-com:mac:vml" xmlns:p="http://schemas.openxmlformats.org/presentationml/2006/main" xmlns:c="http://schemas.openxmlformats.org/drawingml/2006/chart" xmlns:dgm="http://schemas.openxmlformats.org/drawingml/2006/diagram" xmlns:o="urn:schemas-microsoft-com:office:office" xmlns:v="urn:schemas-microsoft-com:vml" xmlns:pvml="urn:schemas-microsoft-com:office:powerpoint" xmlns:com="http://schemas.openxmlformats.org/drawingml/2006/compatibility" xmlns:p14="http://schemas.microsoft.com/office/powerpoint/2010/main" xmlns:p15="http://schemas.microsoft.com/office/powerpoint/2012/main">
+<p:sld xmlns:a="http://schemas.openxmlformats.org/drawingml/2006/main" xmlns:r="http://schemas.openxmlformats.org/officeDocument/2006/relationships" xmlns:p="http://schemas.openxmlformats.org/presentationml/2006/main">
   <p:cSld>
     <p:spTree>
       <p:nvGrpSpPr>
-        <p:cNvPr id="58" name="Shape 58"/>
+        <p:cNvPr id="1" name="Shape 58"/>
         <p:cNvGrpSpPr/>
         <p:nvPr/>
       </p:nvGrpSpPr>
@@ -7695,7 +7887,9 @@
       <p:sp>
         <p:nvSpPr>
           <p:cNvPr id="59" name="Google Shape;59;p13"/>
-          <p:cNvSpPr txBox="1"/>
+          <p:cNvSpPr txBox="1">
+            <a:spLocks noGrp="1"/>
+          </p:cNvSpPr>
           <p:nvPr>
             <p:ph type="ctrTitle"/>
           </p:nvPr>
@@ -7710,12 +7904,12 @@
           </a:prstGeom>
         </p:spPr>
         <p:txBody>
-          <a:bodyPr anchorCtr="0" anchor="b" bIns="91425" lIns="91425" spcFirstLastPara="1" rIns="91425" wrap="square" tIns="91425">
+          <a:bodyPr spcFirstLastPara="1" wrap="square" lIns="91425" tIns="91425" rIns="91425" bIns="91425" anchor="b" anchorCtr="0">
             <a:noAutofit/>
           </a:bodyPr>
           <a:lstStyle/>
           <a:p>
-            <a:pPr indent="0" lvl="0" marL="0" rtl="0" algn="l">
+            <a:pPr marL="0" lvl="0" indent="0" algn="l" rtl="0">
               <a:spcBef>
                 <a:spcPts val="0"/>
               </a:spcBef>
@@ -7735,9 +7929,11 @@
       <p:sp>
         <p:nvSpPr>
           <p:cNvPr id="60" name="Google Shape;60;p13"/>
-          <p:cNvSpPr txBox="1"/>
+          <p:cNvSpPr txBox="1">
+            <a:spLocks noGrp="1"/>
+          </p:cNvSpPr>
           <p:nvPr>
-            <p:ph idx="1" type="subTitle"/>
+            <p:ph type="subTitle" idx="1"/>
           </p:nvPr>
         </p:nvSpPr>
         <p:spPr>
@@ -7750,12 +7946,12 @@
           </a:prstGeom>
         </p:spPr>
         <p:txBody>
-          <a:bodyPr anchorCtr="0" anchor="t" bIns="91425" lIns="91425" spcFirstLastPara="1" rIns="91425" wrap="square" tIns="91425">
+          <a:bodyPr spcFirstLastPara="1" wrap="square" lIns="91425" tIns="91425" rIns="91425" bIns="91425" anchor="t" anchorCtr="0">
             <a:noAutofit/>
           </a:bodyPr>
           <a:lstStyle/>
           <a:p>
-            <a:pPr indent="0" lvl="0" marL="0" rtl="0" algn="l">
+            <a:pPr marL="0" lvl="0" indent="0" algn="l" rtl="0">
               <a:spcBef>
                 <a:spcPts val="0"/>
               </a:spcBef>
@@ -7781,11 +7977,159 @@
 </file>
 
 <file path=ppt/slides/slide10.xml><?xml version="1.0" encoding="utf-8"?>
-<p:sld xmlns:a="http://schemas.openxmlformats.org/drawingml/2006/main" xmlns:r="http://schemas.openxmlformats.org/officeDocument/2006/relationships" xmlns:mc="http://schemas.openxmlformats.org/markup-compatibility/2006" xmlns:mv="urn:schemas-microsoft-com:mac:vml" xmlns:p="http://schemas.openxmlformats.org/presentationml/2006/main" xmlns:c="http://schemas.openxmlformats.org/drawingml/2006/chart" xmlns:dgm="http://schemas.openxmlformats.org/drawingml/2006/diagram" xmlns:o="urn:schemas-microsoft-com:office:office" xmlns:v="urn:schemas-microsoft-com:vml" xmlns:pvml="urn:schemas-microsoft-com:office:powerpoint" xmlns:com="http://schemas.openxmlformats.org/drawingml/2006/compatibility" xmlns:p14="http://schemas.microsoft.com/office/powerpoint/2010/main" xmlns:p15="http://schemas.microsoft.com/office/powerpoint/2012/main">
+<p:sld xmlns:a="http://schemas.openxmlformats.org/drawingml/2006/main" xmlns:r="http://schemas.openxmlformats.org/officeDocument/2006/relationships" xmlns:p="http://schemas.openxmlformats.org/presentationml/2006/main">
   <p:cSld>
     <p:spTree>
       <p:nvGrpSpPr>
-        <p:cNvPr id="112" name="Shape 112"/>
+        <p:cNvPr id="1" name="Shape 106"/>
+        <p:cNvGrpSpPr/>
+        <p:nvPr/>
+      </p:nvGrpSpPr>
+      <p:grpSpPr>
+        <a:xfrm>
+          <a:off x="0" y="0"/>
+          <a:ext cx="0" cy="0"/>
+          <a:chOff x="0" y="0"/>
+          <a:chExt cx="0" cy="0"/>
+        </a:xfrm>
+      </p:grpSpPr>
+      <p:sp>
+        <p:nvSpPr>
+          <p:cNvPr id="107" name="Google Shape;107;p21"/>
+          <p:cNvSpPr txBox="1">
+            <a:spLocks noGrp="1"/>
+          </p:cNvSpPr>
+          <p:nvPr>
+            <p:ph type="title"/>
+          </p:nvPr>
+        </p:nvSpPr>
+        <p:spPr>
+          <a:xfrm>
+            <a:off x="311700" y="445025"/>
+            <a:ext cx="8520600" cy="613200"/>
+          </a:xfrm>
+          <a:prstGeom prst="rect">
+            <a:avLst/>
+          </a:prstGeom>
+        </p:spPr>
+        <p:txBody>
+          <a:bodyPr spcFirstLastPara="1" wrap="square" lIns="91425" tIns="91425" rIns="91425" bIns="91425" anchor="t" anchorCtr="0">
+            <a:noAutofit/>
+          </a:bodyPr>
+          <a:lstStyle/>
+          <a:p>
+            <a:pPr marL="0" lvl="0" indent="0" algn="l" rtl="0">
+              <a:spcBef>
+                <a:spcPts val="0"/>
+              </a:spcBef>
+              <a:spcAft>
+                <a:spcPts val="0"/>
+              </a:spcAft>
+              <a:buNone/>
+            </a:pPr>
+            <a:r>
+              <a:rPr lang="en"/>
+              <a:t>Iterative Solution</a:t>
+            </a:r>
+            <a:endParaRPr/>
+          </a:p>
+        </p:txBody>
+      </p:sp>
+      <p:sp>
+        <p:nvSpPr>
+          <p:cNvPr id="108" name="Google Shape;108;p21"/>
+          <p:cNvSpPr txBox="1">
+            <a:spLocks noGrp="1"/>
+          </p:cNvSpPr>
+          <p:nvPr>
+            <p:ph type="body" idx="1"/>
+          </p:nvPr>
+        </p:nvSpPr>
+        <p:spPr>
+          <a:xfrm>
+            <a:off x="311700" y="1171600"/>
+            <a:ext cx="8520600" cy="3397200"/>
+          </a:xfrm>
+          <a:prstGeom prst="rect">
+            <a:avLst/>
+          </a:prstGeom>
+        </p:spPr>
+        <p:txBody>
+          <a:bodyPr spcFirstLastPara="1" wrap="square" lIns="91425" tIns="91425" rIns="91425" bIns="91425" anchor="t" anchorCtr="0">
+            <a:noAutofit/>
+          </a:bodyPr>
+          <a:lstStyle/>
+          <a:p>
+            <a:pPr marL="457200" lvl="0" indent="-342900" algn="l" rtl="0">
+              <a:spcBef>
+                <a:spcPts val="0"/>
+              </a:spcBef>
+              <a:spcAft>
+                <a:spcPts val="0"/>
+              </a:spcAft>
+              <a:buSzPts val="1800"/>
+              <a:buChar char="●"/>
+            </a:pPr>
+            <a:r>
+              <a:rPr lang="en" dirty="0"/>
+              <a:t>LSQR is used on the sampled rows to approximate the solution</a:t>
+            </a:r>
+            <a:endParaRPr dirty="0"/>
+          </a:p>
+          <a:p>
+            <a:pPr marL="457200" lvl="0" indent="-342900" algn="l" rtl="0">
+              <a:spcBef>
+                <a:spcPts val="0"/>
+              </a:spcBef>
+              <a:spcAft>
+                <a:spcPts val="0"/>
+              </a:spcAft>
+              <a:buSzPts val="1800"/>
+              <a:buChar char="●"/>
+            </a:pPr>
+            <a:r>
+              <a:rPr lang="en" dirty="0"/>
+              <a:t>This algorithm is about as stable as a QR-based solver</a:t>
+            </a:r>
+            <a:endParaRPr dirty="0"/>
+          </a:p>
+          <a:p>
+            <a:pPr marL="457200" lvl="0" indent="-342900" algn="l" rtl="0">
+              <a:spcBef>
+                <a:spcPts val="0"/>
+              </a:spcBef>
+              <a:spcAft>
+                <a:spcPts val="0"/>
+              </a:spcAft>
+              <a:buSzPts val="1800"/>
+              <a:buChar char="●"/>
+            </a:pPr>
+            <a:r>
+              <a:rPr lang="en" dirty="0"/>
+              <a:t>Most of the running time is spent on multiplying vectors by A and A</a:t>
+            </a:r>
+            <a:r>
+              <a:rPr lang="en" baseline="30000" dirty="0"/>
+              <a:t>T</a:t>
+            </a:r>
+            <a:endParaRPr dirty="0"/>
+          </a:p>
+        </p:txBody>
+      </p:sp>
+    </p:spTree>
+  </p:cSld>
+  <p:clrMapOvr>
+    <a:masterClrMapping/>
+  </p:clrMapOvr>
+</p:sld>
+</file>
+
+<file path=ppt/slides/slide11.xml><?xml version="1.0" encoding="utf-8"?>
+<p:sld xmlns:a="http://schemas.openxmlformats.org/drawingml/2006/main" xmlns:r="http://schemas.openxmlformats.org/officeDocument/2006/relationships" xmlns:p="http://schemas.openxmlformats.org/presentationml/2006/main">
+  <p:cSld>
+    <p:spTree>
+      <p:nvGrpSpPr>
+        <p:cNvPr id="1" name="Shape 112"/>
         <p:cNvGrpSpPr/>
         <p:nvPr/>
       </p:nvGrpSpPr>
@@ -7800,7 +8144,9 @@
       <p:sp>
         <p:nvSpPr>
           <p:cNvPr id="113" name="Google Shape;113;p22"/>
-          <p:cNvSpPr txBox="1"/>
+          <p:cNvSpPr txBox="1">
+            <a:spLocks noGrp="1"/>
+          </p:cNvSpPr>
           <p:nvPr>
             <p:ph type="title"/>
           </p:nvPr>
@@ -7815,12 +8161,12 @@
           </a:prstGeom>
         </p:spPr>
         <p:txBody>
-          <a:bodyPr anchorCtr="0" anchor="t" bIns="91425" lIns="91425" spcFirstLastPara="1" rIns="91425" wrap="square" tIns="91425">
+          <a:bodyPr spcFirstLastPara="1" wrap="square" lIns="91425" tIns="91425" rIns="91425" bIns="91425" anchor="t" anchorCtr="0">
             <a:noAutofit/>
           </a:bodyPr>
           <a:lstStyle/>
           <a:p>
-            <a:pPr indent="0" lvl="0" marL="0" rtl="0" algn="l">
+            <a:pPr marL="0" lvl="0" indent="0" algn="l" rtl="0">
               <a:spcBef>
                 <a:spcPts val="0"/>
               </a:spcBef>
@@ -7840,9 +8186,11 @@
       <p:sp>
         <p:nvSpPr>
           <p:cNvPr id="114" name="Google Shape;114;p22"/>
-          <p:cNvSpPr txBox="1"/>
+          <p:cNvSpPr txBox="1">
+            <a:spLocks noGrp="1"/>
+          </p:cNvSpPr>
           <p:nvPr>
-            <p:ph idx="1" type="body"/>
+            <p:ph type="body" idx="1"/>
           </p:nvPr>
         </p:nvSpPr>
         <p:spPr>
@@ -7855,12 +8203,12 @@
           </a:prstGeom>
         </p:spPr>
         <p:txBody>
-          <a:bodyPr anchorCtr="0" anchor="t" bIns="91425" lIns="91425" spcFirstLastPara="1" rIns="91425" wrap="square" tIns="91425">
+          <a:bodyPr spcFirstLastPara="1" wrap="square" lIns="91425" tIns="91425" rIns="91425" bIns="91425" anchor="t" anchorCtr="0">
             <a:noAutofit/>
           </a:bodyPr>
           <a:lstStyle/>
           <a:p>
-            <a:pPr indent="-342900" lvl="0" marL="457200" rtl="0" algn="l">
+            <a:pPr marL="457200" lvl="0" indent="-342900" algn="l" rtl="0">
               <a:spcBef>
                 <a:spcPts val="0"/>
               </a:spcBef>
@@ -7871,13 +8219,13 @@
               <a:buChar char="●"/>
             </a:pPr>
             <a:r>
-              <a:rPr lang="en"/>
+              <a:rPr lang="en" dirty="0"/>
               <a:t>Row Mixing</a:t>
             </a:r>
-            <a:endParaRPr/>
+            <a:endParaRPr dirty="0"/>
           </a:p>
           <a:p>
-            <a:pPr indent="-317500" lvl="1" marL="914400" rtl="0" algn="l">
+            <a:pPr marL="914400" lvl="1" indent="-317500" algn="l" rtl="0">
               <a:spcBef>
                 <a:spcPts val="0"/>
               </a:spcBef>
@@ -7888,13 +8236,13 @@
               <a:buChar char="○"/>
             </a:pPr>
             <a:r>
-              <a:rPr lang="en"/>
+              <a:rPr lang="en" dirty="0"/>
               <a:t>Θ(mn log m)</a:t>
             </a:r>
-            <a:endParaRPr/>
+            <a:endParaRPr dirty="0"/>
           </a:p>
           <a:p>
-            <a:pPr indent="-342900" lvl="0" marL="457200" rtl="0" algn="l">
+            <a:pPr marL="457200" lvl="0" indent="-342900" algn="l" rtl="0">
               <a:spcBef>
                 <a:spcPts val="0"/>
               </a:spcBef>
@@ -7905,13 +8253,13 @@
               <a:buChar char="●"/>
             </a:pPr>
             <a:r>
-              <a:rPr lang="en"/>
+              <a:rPr lang="en" dirty="0"/>
               <a:t>Row Sampling and QR Factorization</a:t>
             </a:r>
-            <a:endParaRPr/>
+            <a:endParaRPr dirty="0"/>
           </a:p>
           <a:p>
-            <a:pPr indent="-317500" lvl="1" marL="914400" rtl="0" algn="l">
+            <a:pPr marL="914400" lvl="1" indent="-317500" algn="l" rtl="0">
               <a:spcBef>
                 <a:spcPts val="0"/>
               </a:spcBef>
@@ -7922,21 +8270,21 @@
               <a:buChar char="○"/>
             </a:pPr>
             <a:r>
-              <a:rPr lang="en"/>
+              <a:rPr lang="en" dirty="0"/>
               <a:t>Θ(n</a:t>
             </a:r>
             <a:r>
-              <a:rPr baseline="30000" lang="en"/>
+              <a:rPr lang="en" baseline="30000" dirty="0"/>
               <a:t>3</a:t>
             </a:r>
             <a:r>
-              <a:rPr lang="en"/>
+              <a:rPr lang="en" dirty="0"/>
               <a:t>)</a:t>
             </a:r>
-            <a:endParaRPr/>
+            <a:endParaRPr dirty="0"/>
           </a:p>
           <a:p>
-            <a:pPr indent="-342900" lvl="0" marL="457200" rtl="0" algn="l">
+            <a:pPr marL="457200" lvl="0" indent="-342900" algn="l" rtl="0">
               <a:spcBef>
                 <a:spcPts val="0"/>
               </a:spcBef>
@@ -7947,13 +8295,13 @@
               <a:buChar char="●"/>
             </a:pPr>
             <a:r>
-              <a:rPr lang="en"/>
+              <a:rPr lang="en" dirty="0"/>
               <a:t>Iterative Solution</a:t>
             </a:r>
-            <a:endParaRPr/>
+            <a:endParaRPr dirty="0"/>
           </a:p>
           <a:p>
-            <a:pPr indent="-317500" lvl="1" marL="914400" rtl="0" algn="l">
+            <a:pPr marL="914400" lvl="1" indent="-317500" algn="l" rtl="0">
               <a:spcBef>
                 <a:spcPts val="0"/>
               </a:spcBef>
@@ -7964,13 +8312,13 @@
               <a:buChar char="○"/>
             </a:pPr>
             <a:r>
-              <a:rPr lang="en"/>
+              <a:rPr lang="en" dirty="0"/>
               <a:t>Most costly phase of algorithm</a:t>
             </a:r>
-            <a:endParaRPr/>
+            <a:endParaRPr dirty="0"/>
           </a:p>
           <a:p>
-            <a:pPr indent="-317500" lvl="1" marL="914400" rtl="0" algn="l">
+            <a:pPr marL="914400" lvl="1" indent="-317500" algn="l" rtl="0">
               <a:spcBef>
                 <a:spcPts val="0"/>
               </a:spcBef>
@@ -7981,13 +8329,13 @@
               <a:buChar char="○"/>
             </a:pPr>
             <a:r>
-              <a:rPr lang="en"/>
+              <a:rPr lang="en" dirty="0"/>
               <a:t>Each iteration is Θ(mn)</a:t>
             </a:r>
-            <a:endParaRPr/>
+            <a:endParaRPr dirty="0"/>
           </a:p>
           <a:p>
-            <a:pPr indent="-317500" lvl="1" marL="914400" rtl="0" algn="l">
+            <a:pPr marL="914400" lvl="1" indent="-317500" algn="l" rtl="0">
               <a:spcBef>
                 <a:spcPts val="0"/>
               </a:spcBef>
@@ -7998,10 +8346,10 @@
               <a:buChar char="○"/>
             </a:pPr>
             <a:r>
-              <a:rPr lang="en"/>
+              <a:rPr lang="en" dirty="0"/>
               <a:t>Number of iterations grows slowly</a:t>
             </a:r>
-            <a:endParaRPr/>
+            <a:endParaRPr dirty="0"/>
           </a:p>
         </p:txBody>
       </p:sp>
@@ -8013,12 +8361,12 @@
 </p:sld>
 </file>
 
-<file path=ppt/slides/slide11.xml><?xml version="1.0" encoding="utf-8"?>
-<p:sld xmlns:a="http://schemas.openxmlformats.org/drawingml/2006/main" xmlns:r="http://schemas.openxmlformats.org/officeDocument/2006/relationships" xmlns:mc="http://schemas.openxmlformats.org/markup-compatibility/2006" xmlns:mv="urn:schemas-microsoft-com:mac:vml" xmlns:p="http://schemas.openxmlformats.org/presentationml/2006/main" xmlns:c="http://schemas.openxmlformats.org/drawingml/2006/chart" xmlns:dgm="http://schemas.openxmlformats.org/drawingml/2006/diagram" xmlns:o="urn:schemas-microsoft-com:office:office" xmlns:v="urn:schemas-microsoft-com:vml" xmlns:pvml="urn:schemas-microsoft-com:office:powerpoint" xmlns:com="http://schemas.openxmlformats.org/drawingml/2006/compatibility" xmlns:p14="http://schemas.microsoft.com/office/powerpoint/2010/main" xmlns:p15="http://schemas.microsoft.com/office/powerpoint/2012/main">
+<file path=ppt/slides/slide12.xml><?xml version="1.0" encoding="utf-8"?>
+<p:sld xmlns:a="http://schemas.openxmlformats.org/drawingml/2006/main" xmlns:r="http://schemas.openxmlformats.org/officeDocument/2006/relationships" xmlns:p="http://schemas.openxmlformats.org/presentationml/2006/main">
   <p:cSld>
     <p:spTree>
       <p:nvGrpSpPr>
-        <p:cNvPr id="118" name="Shape 118"/>
+        <p:cNvPr id="1" name="Shape 118"/>
         <p:cNvGrpSpPr/>
         <p:nvPr/>
       </p:nvGrpSpPr>
@@ -8033,7 +8381,9 @@
       <p:sp>
         <p:nvSpPr>
           <p:cNvPr id="119" name="Google Shape;119;p23"/>
-          <p:cNvSpPr txBox="1"/>
+          <p:cNvSpPr txBox="1">
+            <a:spLocks noGrp="1"/>
+          </p:cNvSpPr>
           <p:nvPr>
             <p:ph type="title"/>
           </p:nvPr>
@@ -8048,12 +8398,12 @@
           </a:prstGeom>
         </p:spPr>
         <p:txBody>
-          <a:bodyPr anchorCtr="0" anchor="t" bIns="91425" lIns="91425" spcFirstLastPara="1" rIns="91425" wrap="square" tIns="91425">
+          <a:bodyPr spcFirstLastPara="1" wrap="square" lIns="91425" tIns="91425" rIns="91425" bIns="91425" anchor="t" anchorCtr="0">
             <a:noAutofit/>
           </a:bodyPr>
           <a:lstStyle/>
           <a:p>
-            <a:pPr indent="0" lvl="0" marL="0" rtl="0" algn="l">
+            <a:pPr marL="0" lvl="0" indent="0" algn="l" rtl="0">
               <a:spcBef>
                 <a:spcPts val="0"/>
               </a:spcBef>
@@ -8073,9 +8423,11 @@
       <p:sp>
         <p:nvSpPr>
           <p:cNvPr id="120" name="Google Shape;120;p23"/>
-          <p:cNvSpPr txBox="1"/>
+          <p:cNvSpPr txBox="1">
+            <a:spLocks noGrp="1"/>
+          </p:cNvSpPr>
           <p:nvPr>
-            <p:ph idx="1" type="body"/>
+            <p:ph type="body" idx="1"/>
           </p:nvPr>
         </p:nvSpPr>
         <p:spPr>
@@ -8088,12 +8440,12 @@
           </a:prstGeom>
         </p:spPr>
         <p:txBody>
-          <a:bodyPr anchorCtr="0" anchor="t" bIns="91425" lIns="91425" spcFirstLastPara="1" rIns="91425" wrap="square" tIns="91425">
+          <a:bodyPr spcFirstLastPara="1" wrap="square" lIns="91425" tIns="91425" rIns="91425" bIns="91425" anchor="t" anchorCtr="0">
             <a:noAutofit/>
           </a:bodyPr>
           <a:lstStyle/>
           <a:p>
-            <a:pPr indent="-342900" lvl="0" marL="457200" rtl="0" algn="l">
+            <a:pPr marL="457200" lvl="0" indent="-342900" algn="l" rtl="0">
               <a:spcBef>
                 <a:spcPts val="0"/>
               </a:spcBef>
@@ -8110,7 +8462,7 @@
             <a:endParaRPr/>
           </a:p>
           <a:p>
-            <a:pPr indent="-317500" lvl="1" marL="914400" rtl="0" algn="l">
+            <a:pPr marL="914400" lvl="1" indent="-317500" algn="l" rtl="0">
               <a:spcBef>
                 <a:spcPts val="0"/>
               </a:spcBef>
@@ -8127,7 +8479,7 @@
             <a:endParaRPr/>
           </a:p>
           <a:p>
-            <a:pPr indent="-342900" lvl="0" marL="457200" rtl="0" algn="l">
+            <a:pPr marL="457200" lvl="0" indent="-342900" algn="l" rtl="0">
               <a:spcBef>
                 <a:spcPts val="0"/>
               </a:spcBef>
@@ -8144,7 +8496,7 @@
             <a:endParaRPr/>
           </a:p>
           <a:p>
-            <a:pPr indent="-317500" lvl="1" marL="914400" rtl="0" algn="l">
+            <a:pPr marL="914400" lvl="1" indent="-317500" algn="l" rtl="0">
               <a:lnSpc>
                 <a:spcPct val="150000"/>
               </a:lnSpc>
@@ -8172,7 +8524,7 @@
             </a:endParaRPr>
           </a:p>
           <a:p>
-            <a:pPr indent="-317500" lvl="1" marL="914400" rtl="0" algn="l">
+            <a:pPr marL="914400" lvl="1" indent="-317500" algn="l" rtl="0">
               <a:lnSpc>
                 <a:spcPct val="150000"/>
               </a:lnSpc>
@@ -8200,7 +8552,7 @@
             </a:endParaRPr>
           </a:p>
           <a:p>
-            <a:pPr indent="-342900" lvl="0" marL="457200" rtl="0" algn="l">
+            <a:pPr marL="457200" lvl="0" indent="-342900" algn="l" rtl="0">
               <a:spcBef>
                 <a:spcPts val="0"/>
               </a:spcBef>
@@ -8217,7 +8569,7 @@
             <a:endParaRPr/>
           </a:p>
           <a:p>
-            <a:pPr indent="-317500" lvl="1" marL="914400" rtl="0" algn="l">
+            <a:pPr marL="914400" lvl="1" indent="-317500" algn="l" rtl="0">
               <a:spcBef>
                 <a:spcPts val="0"/>
               </a:spcBef>
@@ -8234,7 +8586,7 @@
             <a:endParaRPr/>
           </a:p>
           <a:p>
-            <a:pPr indent="-317500" lvl="1" marL="914400" rtl="0" algn="l">
+            <a:pPr marL="914400" lvl="1" indent="-317500" algn="l" rtl="0">
               <a:spcBef>
                 <a:spcPts val="0"/>
               </a:spcBef>
@@ -8260,12 +8612,12 @@
 </p:sld>
 </file>
 
-<file path=ppt/slides/slide12.xml><?xml version="1.0" encoding="utf-8"?>
-<p:sld xmlns:a="http://schemas.openxmlformats.org/drawingml/2006/main" xmlns:r="http://schemas.openxmlformats.org/officeDocument/2006/relationships" xmlns:mc="http://schemas.openxmlformats.org/markup-compatibility/2006" xmlns:mv="urn:schemas-microsoft-com:mac:vml" xmlns:p="http://schemas.openxmlformats.org/presentationml/2006/main" xmlns:c="http://schemas.openxmlformats.org/drawingml/2006/chart" xmlns:dgm="http://schemas.openxmlformats.org/drawingml/2006/diagram" xmlns:o="urn:schemas-microsoft-com:office:office" xmlns:v="urn:schemas-microsoft-com:vml" xmlns:pvml="urn:schemas-microsoft-com:office:powerpoint" xmlns:com="http://schemas.openxmlformats.org/drawingml/2006/compatibility" xmlns:p14="http://schemas.microsoft.com/office/powerpoint/2010/main" xmlns:p15="http://schemas.microsoft.com/office/powerpoint/2012/main">
+<file path=ppt/slides/slide13.xml><?xml version="1.0" encoding="utf-8"?>
+<p:sld xmlns:a="http://schemas.openxmlformats.org/drawingml/2006/main" xmlns:r="http://schemas.openxmlformats.org/officeDocument/2006/relationships" xmlns:p="http://schemas.openxmlformats.org/presentationml/2006/main">
   <p:cSld>
     <p:spTree>
       <p:nvGrpSpPr>
-        <p:cNvPr id="124" name="Shape 124"/>
+        <p:cNvPr id="1" name="Shape 124"/>
         <p:cNvGrpSpPr/>
         <p:nvPr/>
       </p:nvGrpSpPr>
@@ -8280,7 +8632,9 @@
       <p:sp>
         <p:nvSpPr>
           <p:cNvPr id="125" name="Google Shape;125;p24"/>
-          <p:cNvSpPr txBox="1"/>
+          <p:cNvSpPr txBox="1">
+            <a:spLocks noGrp="1"/>
+          </p:cNvSpPr>
           <p:nvPr>
             <p:ph type="title"/>
           </p:nvPr>
@@ -8295,12 +8649,12 @@
           </a:prstGeom>
         </p:spPr>
         <p:txBody>
-          <a:bodyPr anchorCtr="0" anchor="t" bIns="91425" lIns="91425" spcFirstLastPara="1" rIns="91425" wrap="square" tIns="91425">
+          <a:bodyPr spcFirstLastPara="1" wrap="square" lIns="91425" tIns="91425" rIns="91425" bIns="91425" anchor="t" anchorCtr="0">
             <a:noAutofit/>
           </a:bodyPr>
           <a:lstStyle/>
           <a:p>
-            <a:pPr indent="0" lvl="0" marL="0" rtl="0" algn="l">
+            <a:pPr marL="0" lvl="0" indent="0" algn="l" rtl="0">
               <a:spcBef>
                 <a:spcPts val="0"/>
               </a:spcBef>
@@ -8320,9 +8674,11 @@
       <p:sp>
         <p:nvSpPr>
           <p:cNvPr id="126" name="Google Shape;126;p24"/>
-          <p:cNvSpPr txBox="1"/>
+          <p:cNvSpPr txBox="1">
+            <a:spLocks noGrp="1"/>
+          </p:cNvSpPr>
           <p:nvPr>
-            <p:ph idx="1" type="body"/>
+            <p:ph type="body" idx="1"/>
           </p:nvPr>
         </p:nvSpPr>
         <p:spPr>
@@ -8335,12 +8691,12 @@
           </a:prstGeom>
         </p:spPr>
         <p:txBody>
-          <a:bodyPr anchorCtr="0" anchor="t" bIns="91425" lIns="91425" spcFirstLastPara="1" rIns="91425" wrap="square" tIns="91425">
+          <a:bodyPr spcFirstLastPara="1" wrap="square" lIns="91425" tIns="91425" rIns="91425" bIns="91425" anchor="t" anchorCtr="0">
             <a:noAutofit/>
           </a:bodyPr>
           <a:lstStyle/>
           <a:p>
-            <a:pPr indent="-342900" lvl="0" marL="457200" rtl="0" algn="l">
+            <a:pPr marL="457200" lvl="0" indent="-342900" algn="l" rtl="0">
               <a:spcBef>
                 <a:spcPts val="0"/>
               </a:spcBef>
@@ -8351,13 +8707,13 @@
               <a:buChar char="●"/>
             </a:pPr>
             <a:r>
-              <a:rPr lang="en"/>
+              <a:rPr lang="en" dirty="0"/>
               <a:t>Transformation used in the algorithm is the discrete cosine transform (DCT)</a:t>
             </a:r>
-            <a:endParaRPr/>
+            <a:endParaRPr dirty="0"/>
           </a:p>
           <a:p>
-            <a:pPr indent="-342900" lvl="0" marL="457200" rtl="0" algn="l">
+            <a:pPr marL="457200" lvl="0" indent="-342900" algn="l" rtl="0">
               <a:spcBef>
                 <a:spcPts val="0"/>
               </a:spcBef>
@@ -8368,21 +8724,13 @@
               <a:buChar char="●"/>
             </a:pPr>
             <a:r>
-              <a:rPr lang="en"/>
-              <a:t>Other </a:t>
+              <a:rPr lang="en" dirty="0"/>
+              <a:t>Other transformations are available:</a:t>
             </a:r>
-            <a:r>
-              <a:rPr lang="en"/>
-              <a:t>transformations</a:t>
-            </a:r>
-            <a:r>
-              <a:rPr lang="en"/>
-              <a:t> are available:</a:t>
-            </a:r>
-            <a:endParaRPr/>
+            <a:endParaRPr dirty="0"/>
           </a:p>
           <a:p>
-            <a:pPr indent="-317500" lvl="1" marL="914400" rtl="0" algn="l">
+            <a:pPr marL="914400" lvl="1" indent="-317500" algn="l" rtl="0">
               <a:spcBef>
                 <a:spcPts val="0"/>
               </a:spcBef>
@@ -8393,13 +8741,13 @@
               <a:buChar char="○"/>
             </a:pPr>
             <a:r>
-              <a:rPr lang="en"/>
+              <a:rPr lang="en" dirty="0"/>
               <a:t>Walsh-Hadamard transform (WHT)</a:t>
             </a:r>
-            <a:endParaRPr/>
+            <a:endParaRPr dirty="0"/>
           </a:p>
           <a:p>
-            <a:pPr indent="-317500" lvl="1" marL="914400" rtl="0" algn="l">
+            <a:pPr marL="914400" lvl="1" indent="-317500" algn="l" rtl="0">
               <a:spcBef>
                 <a:spcPts val="0"/>
               </a:spcBef>
@@ -8410,17 +8758,13 @@
               <a:buChar char="○"/>
             </a:pPr>
             <a:r>
-              <a:rPr lang="en"/>
-              <a:t>D</a:t>
+              <a:rPr lang="en" dirty="0"/>
+              <a:t>Discrete Hartley transform (DHT)</a:t>
             </a:r>
-            <a:r>
-              <a:rPr lang="en"/>
-              <a:t>iscrete Hartley transform (DHT)</a:t>
-            </a:r>
-            <a:endParaRPr/>
+            <a:endParaRPr dirty="0"/>
           </a:p>
           <a:p>
-            <a:pPr indent="-342900" lvl="0" marL="457200" rtl="0" algn="l">
+            <a:pPr marL="457200" lvl="0" indent="-342900" algn="l" rtl="0">
               <a:spcBef>
                 <a:spcPts val="0"/>
               </a:spcBef>
@@ -8431,13 +8775,25 @@
               <a:buChar char="●"/>
             </a:pPr>
             <a:r>
-              <a:rPr lang="en"/>
-              <a:t>WHT is the fastest, but doesn’t work well on coherent matrices</a:t>
+              <a:rPr lang="en" dirty="0"/>
+              <a:t>WHT is </a:t>
             </a:r>
-            <a:endParaRPr/>
+            <a:r>
+              <a:rPr lang="en-US" dirty="0"/>
+              <a:t>the best in theory</a:t>
+            </a:r>
+            <a:r>
+              <a:rPr lang="en" dirty="0"/>
+              <a:t>, but </a:t>
+            </a:r>
+            <a:r>
+              <a:rPr lang="en-US" dirty="0"/>
+              <a:t>sometimes fails to mix rows well enough</a:t>
+            </a:r>
+            <a:endParaRPr dirty="0"/>
           </a:p>
           <a:p>
-            <a:pPr indent="-342900" lvl="0" marL="457200" rtl="0" algn="l">
+            <a:pPr marL="457200" lvl="0" indent="-342900" algn="l" rtl="0">
               <a:spcBef>
                 <a:spcPts val="0"/>
               </a:spcBef>
@@ -8448,10 +8804,14 @@
               <a:buChar char="●"/>
             </a:pPr>
             <a:r>
-              <a:rPr lang="en"/>
-              <a:t>DHT and DCT have similar performance and work on coherent matrices</a:t>
+              <a:rPr lang="en" dirty="0"/>
+              <a:t>DHT and DCT </a:t>
             </a:r>
-            <a:endParaRPr/>
+            <a:r>
+              <a:rPr lang="en-US" dirty="0"/>
+              <a:t>work better in practice and are easier to apply to arbitrary matrices</a:t>
+            </a:r>
+            <a:endParaRPr dirty="0"/>
           </a:p>
         </p:txBody>
       </p:sp>
@@ -8463,12 +8823,12 @@
 </p:sld>
 </file>
 
-<file path=ppt/slides/slide13.xml><?xml version="1.0" encoding="utf-8"?>
-<p:sld xmlns:a="http://schemas.openxmlformats.org/drawingml/2006/main" xmlns:r="http://schemas.openxmlformats.org/officeDocument/2006/relationships" xmlns:mc="http://schemas.openxmlformats.org/markup-compatibility/2006" xmlns:mv="urn:schemas-microsoft-com:mac:vml" xmlns:p="http://schemas.openxmlformats.org/presentationml/2006/main" xmlns:c="http://schemas.openxmlformats.org/drawingml/2006/chart" xmlns:dgm="http://schemas.openxmlformats.org/drawingml/2006/diagram" xmlns:o="urn:schemas-microsoft-com:office:office" xmlns:v="urn:schemas-microsoft-com:vml" xmlns:pvml="urn:schemas-microsoft-com:office:powerpoint" xmlns:com="http://schemas.openxmlformats.org/drawingml/2006/compatibility" xmlns:p14="http://schemas.microsoft.com/office/powerpoint/2010/main" xmlns:p15="http://schemas.microsoft.com/office/powerpoint/2012/main">
+<file path=ppt/slides/slide14.xml><?xml version="1.0" encoding="utf-8"?>
+<p:sld xmlns:a="http://schemas.openxmlformats.org/drawingml/2006/main" xmlns:r="http://schemas.openxmlformats.org/officeDocument/2006/relationships" xmlns:p="http://schemas.openxmlformats.org/presentationml/2006/main">
   <p:cSld>
     <p:spTree>
       <p:nvGrpSpPr>
-        <p:cNvPr id="130" name="Shape 130"/>
+        <p:cNvPr id="1" name="Shape 130"/>
         <p:cNvGrpSpPr/>
         <p:nvPr/>
       </p:nvGrpSpPr>
@@ -8483,7 +8843,9 @@
       <p:sp>
         <p:nvSpPr>
           <p:cNvPr id="131" name="Google Shape;131;p25"/>
-          <p:cNvSpPr txBox="1"/>
+          <p:cNvSpPr txBox="1">
+            <a:spLocks noGrp="1"/>
+          </p:cNvSpPr>
           <p:nvPr>
             <p:ph type="title"/>
           </p:nvPr>
@@ -8498,12 +8860,12 @@
           </a:prstGeom>
         </p:spPr>
         <p:txBody>
-          <a:bodyPr anchorCtr="0" anchor="t" bIns="91425" lIns="91425" spcFirstLastPara="1" rIns="91425" wrap="square" tIns="91425">
+          <a:bodyPr spcFirstLastPara="1" wrap="square" lIns="91425" tIns="91425" rIns="91425" bIns="91425" anchor="t" anchorCtr="0">
             <a:noAutofit/>
           </a:bodyPr>
           <a:lstStyle/>
           <a:p>
-            <a:pPr indent="0" lvl="0" marL="0" rtl="0" algn="l">
+            <a:pPr marL="0" lvl="0" indent="0" algn="l" rtl="0">
               <a:spcBef>
                 <a:spcPts val="0"/>
               </a:spcBef>
@@ -8523,9 +8885,11 @@
       <p:sp>
         <p:nvSpPr>
           <p:cNvPr id="132" name="Google Shape;132;p25"/>
-          <p:cNvSpPr txBox="1"/>
+          <p:cNvSpPr txBox="1">
+            <a:spLocks noGrp="1"/>
+          </p:cNvSpPr>
           <p:nvPr>
-            <p:ph idx="1" type="body"/>
+            <p:ph type="body" idx="1"/>
           </p:nvPr>
         </p:nvSpPr>
         <p:spPr>
@@ -8538,12 +8902,12 @@
           </a:prstGeom>
         </p:spPr>
         <p:txBody>
-          <a:bodyPr anchorCtr="0" anchor="t" bIns="91425" lIns="91425" spcFirstLastPara="1" rIns="91425" wrap="square" tIns="91425">
+          <a:bodyPr spcFirstLastPara="1" wrap="square" lIns="91425" tIns="91425" rIns="91425" bIns="91425" anchor="t" anchorCtr="0">
             <a:noAutofit/>
           </a:bodyPr>
           <a:lstStyle/>
           <a:p>
-            <a:pPr indent="-342900" lvl="0" marL="457200" rtl="0" algn="l">
+            <a:pPr marL="457200" lvl="0" indent="-342900" algn="l" rtl="0">
               <a:spcBef>
                 <a:spcPts val="0"/>
               </a:spcBef>
@@ -8560,7 +8924,7 @@
             <a:endParaRPr/>
           </a:p>
           <a:p>
-            <a:pPr indent="-317500" lvl="1" marL="914400" rtl="0" algn="l">
+            <a:pPr marL="914400" lvl="1" indent="-317500" algn="l" rtl="0">
               <a:spcBef>
                 <a:spcPts val="0"/>
               </a:spcBef>
@@ -8577,7 +8941,7 @@
             <a:endParaRPr/>
           </a:p>
           <a:p>
-            <a:pPr indent="-317500" lvl="1" marL="914400" rtl="0" algn="l">
+            <a:pPr marL="914400" lvl="1" indent="-317500" algn="l" rtl="0">
               <a:spcBef>
                 <a:spcPts val="0"/>
               </a:spcBef>
@@ -8594,7 +8958,7 @@
             <a:endParaRPr/>
           </a:p>
           <a:p>
-            <a:pPr indent="-342900" lvl="0" marL="457200" rtl="0" algn="l">
+            <a:pPr marL="457200" lvl="0" indent="-342900" algn="l" rtl="0">
               <a:spcBef>
                 <a:spcPts val="0"/>
               </a:spcBef>
@@ -8620,12 +8984,12 @@
 </p:sld>
 </file>
 
-<file path=ppt/slides/slide14.xml><?xml version="1.0" encoding="utf-8"?>
-<p:sld xmlns:a="http://schemas.openxmlformats.org/drawingml/2006/main" xmlns:r="http://schemas.openxmlformats.org/officeDocument/2006/relationships" xmlns:mc="http://schemas.openxmlformats.org/markup-compatibility/2006" xmlns:mv="urn:schemas-microsoft-com:mac:vml" xmlns:p="http://schemas.openxmlformats.org/presentationml/2006/main" xmlns:c="http://schemas.openxmlformats.org/drawingml/2006/chart" xmlns:dgm="http://schemas.openxmlformats.org/drawingml/2006/diagram" xmlns:o="urn:schemas-microsoft-com:office:office" xmlns:v="urn:schemas-microsoft-com:vml" xmlns:pvml="urn:schemas-microsoft-com:office:powerpoint" xmlns:com="http://schemas.openxmlformats.org/drawingml/2006/compatibility" xmlns:p14="http://schemas.microsoft.com/office/powerpoint/2010/main" xmlns:p15="http://schemas.microsoft.com/office/powerpoint/2012/main">
+<file path=ppt/slides/slide15.xml><?xml version="1.0" encoding="utf-8"?>
+<p:sld xmlns:a="http://schemas.openxmlformats.org/drawingml/2006/main" xmlns:r="http://schemas.openxmlformats.org/officeDocument/2006/relationships" xmlns:p="http://schemas.openxmlformats.org/presentationml/2006/main">
   <p:cSld>
     <p:spTree>
       <p:nvGrpSpPr>
-        <p:cNvPr id="136" name="Shape 136"/>
+        <p:cNvPr id="1" name="Shape 136"/>
         <p:cNvGrpSpPr/>
         <p:nvPr/>
       </p:nvGrpSpPr>
@@ -8640,7 +9004,9 @@
       <p:sp>
         <p:nvSpPr>
           <p:cNvPr id="137" name="Google Shape;137;p26"/>
-          <p:cNvSpPr txBox="1"/>
+          <p:cNvSpPr txBox="1">
+            <a:spLocks noGrp="1"/>
+          </p:cNvSpPr>
           <p:nvPr>
             <p:ph type="title"/>
           </p:nvPr>
@@ -8655,12 +9021,12 @@
           </a:prstGeom>
         </p:spPr>
         <p:txBody>
-          <a:bodyPr anchorCtr="0" anchor="t" bIns="91425" lIns="91425" spcFirstLastPara="1" rIns="91425" wrap="square" tIns="91425">
+          <a:bodyPr spcFirstLastPara="1" wrap="square" lIns="91425" tIns="91425" rIns="91425" bIns="91425" anchor="t" anchorCtr="0">
             <a:noAutofit/>
           </a:bodyPr>
           <a:lstStyle/>
           <a:p>
-            <a:pPr indent="0" lvl="0" marL="0" rtl="0" algn="l">
+            <a:pPr marL="0" lvl="0" indent="0" algn="l" rtl="0">
               <a:spcBef>
                 <a:spcPts val="0"/>
               </a:spcBef>
@@ -8680,9 +9046,11 @@
       <p:sp>
         <p:nvSpPr>
           <p:cNvPr id="138" name="Google Shape;138;p26"/>
-          <p:cNvSpPr txBox="1"/>
+          <p:cNvSpPr txBox="1">
+            <a:spLocks noGrp="1"/>
+          </p:cNvSpPr>
           <p:nvPr>
-            <p:ph idx="1" type="body"/>
+            <p:ph type="body" idx="1"/>
           </p:nvPr>
         </p:nvSpPr>
         <p:spPr>
@@ -8695,12 +9063,12 @@
           </a:prstGeom>
         </p:spPr>
         <p:txBody>
-          <a:bodyPr anchorCtr="0" anchor="t" bIns="91425" lIns="91425" spcFirstLastPara="1" rIns="91425" wrap="square" tIns="91425">
+          <a:bodyPr spcFirstLastPara="1" wrap="square" lIns="91425" tIns="91425" rIns="91425" bIns="91425" anchor="t" anchorCtr="0">
             <a:noAutofit/>
           </a:bodyPr>
           <a:lstStyle/>
           <a:p>
-            <a:pPr indent="-342900" lvl="0" marL="457200" rtl="0" algn="l">
+            <a:pPr marL="457200" lvl="0" indent="-342900" algn="l" rtl="0">
               <a:spcBef>
                 <a:spcPts val="0"/>
               </a:spcBef>
@@ -8717,7 +9085,7 @@
             <a:endParaRPr/>
           </a:p>
           <a:p>
-            <a:pPr indent="-342900" lvl="0" marL="457200" rtl="0" algn="l">
+            <a:pPr marL="457200" lvl="0" indent="-342900" algn="l" rtl="0">
               <a:spcBef>
                 <a:spcPts val="0"/>
               </a:spcBef>
@@ -8743,12 +9111,12 @@
 </p:sld>
 </file>
 
-<file path=ppt/slides/slide15.xml><?xml version="1.0" encoding="utf-8"?>
-<p:sld xmlns:a="http://schemas.openxmlformats.org/drawingml/2006/main" xmlns:r="http://schemas.openxmlformats.org/officeDocument/2006/relationships" xmlns:mc="http://schemas.openxmlformats.org/markup-compatibility/2006" xmlns:mv="urn:schemas-microsoft-com:mac:vml" xmlns:p="http://schemas.openxmlformats.org/presentationml/2006/main" xmlns:c="http://schemas.openxmlformats.org/drawingml/2006/chart" xmlns:dgm="http://schemas.openxmlformats.org/drawingml/2006/diagram" xmlns:o="urn:schemas-microsoft-com:office:office" xmlns:v="urn:schemas-microsoft-com:vml" xmlns:pvml="urn:schemas-microsoft-com:office:powerpoint" xmlns:com="http://schemas.openxmlformats.org/drawingml/2006/compatibility" xmlns:p14="http://schemas.microsoft.com/office/powerpoint/2010/main" xmlns:p15="http://schemas.microsoft.com/office/powerpoint/2012/main">
+<file path=ppt/slides/slide16.xml><?xml version="1.0" encoding="utf-8"?>
+<p:sld xmlns:a="http://schemas.openxmlformats.org/drawingml/2006/main" xmlns:r="http://schemas.openxmlformats.org/officeDocument/2006/relationships" xmlns:p="http://schemas.openxmlformats.org/presentationml/2006/main">
   <p:cSld>
     <p:spTree>
       <p:nvGrpSpPr>
-        <p:cNvPr id="142" name="Shape 142"/>
+        <p:cNvPr id="1" name="Shape 142"/>
         <p:cNvGrpSpPr/>
         <p:nvPr/>
       </p:nvGrpSpPr>
@@ -8763,7 +9131,9 @@
       <p:sp>
         <p:nvSpPr>
           <p:cNvPr id="143" name="Google Shape;143;p27"/>
-          <p:cNvSpPr txBox="1"/>
+          <p:cNvSpPr txBox="1">
+            <a:spLocks noGrp="1"/>
+          </p:cNvSpPr>
           <p:nvPr>
             <p:ph type="title"/>
           </p:nvPr>
@@ -8778,12 +9148,12 @@
           </a:prstGeom>
         </p:spPr>
         <p:txBody>
-          <a:bodyPr anchorCtr="0" anchor="t" bIns="91425" lIns="91425" spcFirstLastPara="1" rIns="91425" wrap="square" tIns="91425">
+          <a:bodyPr spcFirstLastPara="1" wrap="square" lIns="91425" tIns="91425" rIns="91425" bIns="91425" anchor="t" anchorCtr="0">
             <a:noAutofit/>
           </a:bodyPr>
           <a:lstStyle/>
           <a:p>
-            <a:pPr indent="0" lvl="0" marL="0" rtl="0" algn="l">
+            <a:pPr marL="0" lvl="0" indent="0" algn="l" rtl="0">
               <a:spcBef>
                 <a:spcPts val="0"/>
               </a:spcBef>
@@ -8803,9 +9173,11 @@
       <p:sp>
         <p:nvSpPr>
           <p:cNvPr id="144" name="Google Shape;144;p27"/>
-          <p:cNvSpPr txBox="1"/>
+          <p:cNvSpPr txBox="1">
+            <a:spLocks noGrp="1"/>
+          </p:cNvSpPr>
           <p:nvPr>
-            <p:ph idx="1" type="body"/>
+            <p:ph type="body" idx="1"/>
           </p:nvPr>
         </p:nvSpPr>
         <p:spPr>
@@ -8818,12 +9190,12 @@
           </a:prstGeom>
         </p:spPr>
         <p:txBody>
-          <a:bodyPr anchorCtr="0" anchor="t" bIns="91425" lIns="91425" spcFirstLastPara="1" rIns="91425" wrap="square" tIns="91425">
+          <a:bodyPr spcFirstLastPara="1" wrap="square" lIns="91425" tIns="91425" rIns="91425" bIns="91425" anchor="t" anchorCtr="0">
             <a:noAutofit/>
           </a:bodyPr>
           <a:lstStyle/>
           <a:p>
-            <a:pPr indent="-342900" lvl="0" marL="457200" rtl="0" algn="l">
+            <a:pPr marL="457200" lvl="0" indent="-342900" algn="l" rtl="0">
               <a:spcBef>
                 <a:spcPts val="0"/>
               </a:spcBef>
@@ -8840,7 +9212,7 @@
             <a:endParaRPr/>
           </a:p>
           <a:p>
-            <a:pPr indent="-342900" lvl="0" marL="457200" rtl="0" algn="l">
+            <a:pPr marL="457200" lvl="0" indent="-342900" algn="l" rtl="0">
               <a:spcBef>
                 <a:spcPts val="0"/>
               </a:spcBef>
@@ -8867,11 +9239,11 @@
 </file>
 
 <file path=ppt/slides/slide2.xml><?xml version="1.0" encoding="utf-8"?>
-<p:sld xmlns:a="http://schemas.openxmlformats.org/drawingml/2006/main" xmlns:r="http://schemas.openxmlformats.org/officeDocument/2006/relationships" xmlns:mc="http://schemas.openxmlformats.org/markup-compatibility/2006" xmlns:mv="urn:schemas-microsoft-com:mac:vml" xmlns:p="http://schemas.openxmlformats.org/presentationml/2006/main" xmlns:c="http://schemas.openxmlformats.org/drawingml/2006/chart" xmlns:dgm="http://schemas.openxmlformats.org/drawingml/2006/diagram" xmlns:o="urn:schemas-microsoft-com:office:office" xmlns:v="urn:schemas-microsoft-com:vml" xmlns:pvml="urn:schemas-microsoft-com:office:powerpoint" xmlns:com="http://schemas.openxmlformats.org/drawingml/2006/compatibility" xmlns:p14="http://schemas.microsoft.com/office/powerpoint/2010/main" xmlns:p15="http://schemas.microsoft.com/office/powerpoint/2012/main">
+<p:sld xmlns:a="http://schemas.openxmlformats.org/drawingml/2006/main" xmlns:r="http://schemas.openxmlformats.org/officeDocument/2006/relationships" xmlns:p="http://schemas.openxmlformats.org/presentationml/2006/main">
   <p:cSld>
     <p:spTree>
       <p:nvGrpSpPr>
-        <p:cNvPr id="64" name="Shape 64"/>
+        <p:cNvPr id="1" name="Shape 64"/>
         <p:cNvGrpSpPr/>
         <p:nvPr/>
       </p:nvGrpSpPr>
@@ -8886,7 +9258,9 @@
       <p:sp>
         <p:nvSpPr>
           <p:cNvPr id="65" name="Google Shape;65;p14"/>
-          <p:cNvSpPr txBox="1"/>
+          <p:cNvSpPr txBox="1">
+            <a:spLocks noGrp="1"/>
+          </p:cNvSpPr>
           <p:nvPr>
             <p:ph type="title"/>
           </p:nvPr>
@@ -8901,12 +9275,12 @@
           </a:prstGeom>
         </p:spPr>
         <p:txBody>
-          <a:bodyPr anchorCtr="0" anchor="t" bIns="91425" lIns="91425" spcFirstLastPara="1" rIns="91425" wrap="square" tIns="91425">
+          <a:bodyPr spcFirstLastPara="1" wrap="square" lIns="91425" tIns="91425" rIns="91425" bIns="91425" anchor="t" anchorCtr="0">
             <a:noAutofit/>
           </a:bodyPr>
           <a:lstStyle/>
           <a:p>
-            <a:pPr indent="0" lvl="0" marL="0" rtl="0" algn="l">
+            <a:pPr marL="0" lvl="0" indent="0" algn="l" rtl="0">
               <a:spcBef>
                 <a:spcPts val="0"/>
               </a:spcBef>
@@ -8926,9 +9300,11 @@
       <p:sp>
         <p:nvSpPr>
           <p:cNvPr id="66" name="Google Shape;66;p14"/>
-          <p:cNvSpPr txBox="1"/>
+          <p:cNvSpPr txBox="1">
+            <a:spLocks noGrp="1"/>
+          </p:cNvSpPr>
           <p:nvPr>
-            <p:ph idx="1" type="body"/>
+            <p:ph type="body" idx="1"/>
           </p:nvPr>
         </p:nvSpPr>
         <p:spPr>
@@ -8941,12 +9317,12 @@
           </a:prstGeom>
         </p:spPr>
         <p:txBody>
-          <a:bodyPr anchorCtr="0" anchor="t" bIns="91425" lIns="91425" spcFirstLastPara="1" rIns="91425" wrap="square" tIns="91425">
+          <a:bodyPr spcFirstLastPara="1" wrap="square" lIns="91425" tIns="91425" rIns="91425" bIns="91425" anchor="t" anchorCtr="0">
             <a:noAutofit/>
           </a:bodyPr>
           <a:lstStyle/>
           <a:p>
-            <a:pPr indent="-342900" lvl="0" marL="457200" rtl="0" algn="l">
+            <a:pPr marL="457200" lvl="0" indent="-342900" algn="l" rtl="0">
               <a:lnSpc>
                 <a:spcPct val="100000"/>
               </a:lnSpc>
@@ -8963,21 +9339,21 @@
               <a:buChar char="●"/>
             </a:pPr>
             <a:r>
-              <a:rPr lang="en">
+              <a:rPr lang="en" dirty="0">
                 <a:solidFill>
                   <a:srgbClr val="000000"/>
                 </a:solidFill>
               </a:rPr>
               <a:t>Blendenpik: Supercharging LAPACK'S Least-Squares Solver</a:t>
             </a:r>
-            <a:endParaRPr>
+            <a:endParaRPr dirty="0">
               <a:solidFill>
                 <a:srgbClr val="000000"/>
               </a:solidFill>
             </a:endParaRPr>
           </a:p>
           <a:p>
-            <a:pPr indent="-342900" lvl="0" marL="457200" rtl="0" algn="l">
+            <a:pPr marL="457200" lvl="0" indent="-342900" algn="l" rtl="0">
               <a:lnSpc>
                 <a:spcPct val="100000"/>
               </a:lnSpc>
@@ -8994,21 +9370,21 @@
               <a:buChar char="●"/>
             </a:pPr>
             <a:r>
-              <a:rPr lang="en">
+              <a:rPr lang="en" dirty="0">
                 <a:solidFill>
                   <a:srgbClr val="000000"/>
                 </a:solidFill>
               </a:rPr>
               <a:t>Authors:</a:t>
             </a:r>
-            <a:endParaRPr>
+            <a:endParaRPr dirty="0">
               <a:solidFill>
                 <a:srgbClr val="000000"/>
               </a:solidFill>
             </a:endParaRPr>
           </a:p>
           <a:p>
-            <a:pPr indent="-342900" lvl="1" marL="914400" rtl="0" algn="l">
+            <a:pPr marL="914400" lvl="1" indent="-342900" algn="l" rtl="0">
               <a:lnSpc>
                 <a:spcPct val="150000"/>
               </a:lnSpc>
@@ -9025,21 +9401,21 @@
               <a:buChar char="○"/>
             </a:pPr>
             <a:r>
-              <a:rPr lang="en" sz="1800">
+              <a:rPr lang="en" sz="1800" dirty="0">
                 <a:solidFill>
                   <a:srgbClr val="000000"/>
                 </a:solidFill>
               </a:rPr>
               <a:t>Haim Avron, Petar Maymounkov, Sivan Toledo</a:t>
             </a:r>
-            <a:endParaRPr>
+            <a:endParaRPr dirty="0">
               <a:solidFill>
                 <a:srgbClr val="000000"/>
               </a:solidFill>
             </a:endParaRPr>
           </a:p>
           <a:p>
-            <a:pPr indent="-342900" lvl="0" marL="457200" rtl="0" algn="l">
+            <a:pPr marL="457200" lvl="0" indent="-342900" algn="l" rtl="0">
               <a:lnSpc>
                 <a:spcPct val="150000"/>
               </a:lnSpc>
@@ -9056,14 +9432,14 @@
               <a:buChar char="●"/>
             </a:pPr>
             <a:r>
-              <a:rPr lang="en" sz="1800">
+              <a:rPr lang="en" sz="1800" dirty="0">
                 <a:solidFill>
                   <a:srgbClr val="000000"/>
                 </a:solidFill>
               </a:rPr>
               <a:t>SIAM Journal on Scientific Computing, Vol. 32, No. 3, 2010</a:t>
             </a:r>
-            <a:endParaRPr sz="1800">
+            <a:endParaRPr sz="1800" dirty="0">
               <a:solidFill>
                 <a:srgbClr val="000000"/>
               </a:solidFill>
@@ -9080,11 +9456,11 @@
 </file>
 
 <file path=ppt/slides/slide3.xml><?xml version="1.0" encoding="utf-8"?>
-<p:sld xmlns:a="http://schemas.openxmlformats.org/drawingml/2006/main" xmlns:r="http://schemas.openxmlformats.org/officeDocument/2006/relationships" xmlns:mc="http://schemas.openxmlformats.org/markup-compatibility/2006" xmlns:mv="urn:schemas-microsoft-com:mac:vml" xmlns:p="http://schemas.openxmlformats.org/presentationml/2006/main" xmlns:c="http://schemas.openxmlformats.org/drawingml/2006/chart" xmlns:dgm="http://schemas.openxmlformats.org/drawingml/2006/diagram" xmlns:o="urn:schemas-microsoft-com:office:office" xmlns:v="urn:schemas-microsoft-com:vml" xmlns:pvml="urn:schemas-microsoft-com:office:powerpoint" xmlns:com="http://schemas.openxmlformats.org/drawingml/2006/compatibility" xmlns:p14="http://schemas.microsoft.com/office/powerpoint/2010/main" xmlns:p15="http://schemas.microsoft.com/office/powerpoint/2012/main">
+<p:sld xmlns:a="http://schemas.openxmlformats.org/drawingml/2006/main" xmlns:r="http://schemas.openxmlformats.org/officeDocument/2006/relationships" xmlns:p="http://schemas.openxmlformats.org/presentationml/2006/main">
   <p:cSld>
     <p:spTree>
       <p:nvGrpSpPr>
-        <p:cNvPr id="70" name="Shape 70"/>
+        <p:cNvPr id="1" name="Shape 70"/>
         <p:cNvGrpSpPr/>
         <p:nvPr/>
       </p:nvGrpSpPr>
@@ -9099,7 +9475,9 @@
       <p:sp>
         <p:nvSpPr>
           <p:cNvPr id="71" name="Google Shape;71;p15"/>
-          <p:cNvSpPr txBox="1"/>
+          <p:cNvSpPr txBox="1">
+            <a:spLocks noGrp="1"/>
+          </p:cNvSpPr>
           <p:nvPr>
             <p:ph type="title"/>
           </p:nvPr>
@@ -9114,12 +9492,12 @@
           </a:prstGeom>
         </p:spPr>
         <p:txBody>
-          <a:bodyPr anchorCtr="0" anchor="t" bIns="91425" lIns="91425" spcFirstLastPara="1" rIns="91425" wrap="square" tIns="91425">
+          <a:bodyPr spcFirstLastPara="1" wrap="square" lIns="91425" tIns="91425" rIns="91425" bIns="91425" anchor="t" anchorCtr="0">
             <a:noAutofit/>
           </a:bodyPr>
           <a:lstStyle/>
           <a:p>
-            <a:pPr indent="0" lvl="0" marL="0" rtl="0" algn="l">
+            <a:pPr marL="0" lvl="0" indent="0" algn="l" rtl="0">
               <a:spcBef>
                 <a:spcPts val="0"/>
               </a:spcBef>
@@ -9136,98 +9514,254 @@
           </a:p>
         </p:txBody>
       </p:sp>
-      <p:sp>
-        <p:nvSpPr>
-          <p:cNvPr id="72" name="Google Shape;72;p15"/>
-          <p:cNvSpPr txBox="1"/>
-          <p:nvPr>
-            <p:ph idx="1" type="body"/>
-          </p:nvPr>
-        </p:nvSpPr>
-        <p:spPr>
-          <a:xfrm>
-            <a:off x="311700" y="1171600"/>
-            <a:ext cx="8520600" cy="3397200"/>
-          </a:xfrm>
-          <a:prstGeom prst="rect">
-            <a:avLst/>
-          </a:prstGeom>
-        </p:spPr>
-        <p:txBody>
-          <a:bodyPr anchorCtr="0" anchor="t" bIns="91425" lIns="91425" spcFirstLastPara="1" rIns="91425" wrap="square" tIns="91425">
-            <a:noAutofit/>
-          </a:bodyPr>
-          <a:lstStyle/>
-          <a:p>
-            <a:pPr indent="-342900" lvl="0" marL="457200" rtl="0" algn="l">
-              <a:spcBef>
-                <a:spcPts val="0"/>
-              </a:spcBef>
-              <a:spcAft>
-                <a:spcPts val="0"/>
-              </a:spcAft>
-              <a:buSzPts val="1800"/>
-              <a:buChar char="●"/>
-            </a:pPr>
-            <a:r>
-              <a:rPr lang="en"/>
-              <a:t>Solving a system of linear equations on an overdetermined system</a:t>
-            </a:r>
-            <a:endParaRPr/>
-          </a:p>
-          <a:p>
-            <a:pPr indent="-342900" lvl="0" marL="457200" rtl="0" algn="l">
-              <a:spcBef>
-                <a:spcPts val="0"/>
-              </a:spcBef>
-              <a:spcAft>
-                <a:spcPts val="0"/>
-              </a:spcAft>
-              <a:buSzPts val="1800"/>
-              <a:buChar char="●"/>
-            </a:pPr>
-            <a:r>
-              <a:rPr lang="en"/>
-              <a:t>Can randomization be used to beat current state-of-the-art algorithms?</a:t>
-            </a:r>
-            <a:endParaRPr/>
-          </a:p>
-          <a:p>
-            <a:pPr indent="-317500" lvl="1" marL="914400" rtl="0" algn="l">
-              <a:spcBef>
-                <a:spcPts val="0"/>
-              </a:spcBef>
-              <a:spcAft>
-                <a:spcPts val="0"/>
-              </a:spcAft>
-              <a:buSzPts val="1400"/>
-              <a:buChar char="○"/>
-            </a:pPr>
-            <a:r>
-              <a:rPr lang="en"/>
-              <a:t>LAPACK</a:t>
-            </a:r>
-            <a:endParaRPr/>
-          </a:p>
-          <a:p>
-            <a:pPr indent="-342900" lvl="0" marL="457200" rtl="0" algn="l">
-              <a:spcBef>
-                <a:spcPts val="0"/>
-              </a:spcBef>
-              <a:spcAft>
-                <a:spcPts val="0"/>
-              </a:spcAft>
-              <a:buSzPts val="1800"/>
-              <a:buChar char="●"/>
-            </a:pPr>
-            <a:r>
-              <a:rPr lang="en"/>
-              <a:t>Can a randomly chosen sample of rows be used to create a good approximation of the solution?</a:t>
-            </a:r>
-            <a:endParaRPr/>
-          </a:p>
-        </p:txBody>
-      </p:sp>
+      <mc:AlternateContent xmlns:mc="http://schemas.openxmlformats.org/markup-compatibility/2006">
+        <mc:Choice xmlns:a14="http://schemas.microsoft.com/office/drawing/2010/main" Requires="a14">
+          <p:sp>
+            <p:nvSpPr>
+              <p:cNvPr id="72" name="Google Shape;72;p15"/>
+              <p:cNvSpPr txBox="1">
+                <a:spLocks noGrp="1"/>
+              </p:cNvSpPr>
+              <p:nvPr>
+                <p:ph type="body" idx="1"/>
+              </p:nvPr>
+            </p:nvSpPr>
+            <p:spPr>
+              <a:xfrm>
+                <a:off x="311700" y="1171600"/>
+                <a:ext cx="8520600" cy="3397200"/>
+              </a:xfrm>
+              <a:prstGeom prst="rect">
+                <a:avLst/>
+              </a:prstGeom>
+            </p:spPr>
+            <p:txBody>
+              <a:bodyPr spcFirstLastPara="1" wrap="square" lIns="91425" tIns="91425" rIns="91425" bIns="91425" anchor="t" anchorCtr="0">
+                <a:noAutofit/>
+              </a:bodyPr>
+              <a:lstStyle/>
+              <a:p>
+                <a:pPr marL="457200" lvl="0" indent="-342900" algn="l" rtl="0">
+                  <a:spcBef>
+                    <a:spcPts val="0"/>
+                  </a:spcBef>
+                  <a:spcAft>
+                    <a:spcPts val="0"/>
+                  </a:spcAft>
+                  <a:buSzPts val="1800"/>
+                  <a:buChar char="●"/>
+                </a:pPr>
+                <a:r>
+                  <a:rPr lang="en-US" dirty="0"/>
+                  <a:t>Solving a system of linear equations on an overdetermined system</a:t>
+                </a:r>
+              </a:p>
+              <a:p>
+                <a:pPr lvl="1" indent="-342900">
+                  <a:spcBef>
+                    <a:spcPts val="0"/>
+                  </a:spcBef>
+                  <a:buSzPct val="100000"/>
+                  <a:buFont typeface="Courier New" panose="02070309020205020404" pitchFamily="49" charset="0"/>
+                  <a:buChar char="o"/>
+                </a:pPr>
+                <a14:m>
+                  <m:oMath xmlns:m="http://schemas.openxmlformats.org/officeDocument/2006/math">
+                    <m:limLow>
+                      <m:limLowPr>
+                        <m:ctrlPr>
+                          <a:rPr lang="en-US" b="0" i="1" smtClean="0">
+                            <a:latin typeface="Cambria Math" panose="02040503050406030204" pitchFamily="18" charset="0"/>
+                          </a:rPr>
+                        </m:ctrlPr>
+                      </m:limLowPr>
+                      <m:e>
+                        <m:r>
+                          <m:rPr>
+                            <m:sty m:val="p"/>
+                          </m:rPr>
+                          <a:rPr lang="en-US" b="0" i="0" smtClean="0">
+                            <a:latin typeface="Cambria Math" panose="02040503050406030204" pitchFamily="18" charset="0"/>
+                          </a:rPr>
+                          <m:t>min</m:t>
+                        </m:r>
+                      </m:e>
+                      <m:lim>
+                        <m:r>
+                          <a:rPr lang="en-US" b="0" i="1" smtClean="0">
+                            <a:latin typeface="Cambria Math" panose="02040503050406030204" pitchFamily="18" charset="0"/>
+                          </a:rPr>
+                          <m:t>𝑥</m:t>
+                        </m:r>
+                      </m:lim>
+                    </m:limLow>
+                    <m:sSubSup>
+                      <m:sSubSupPr>
+                        <m:ctrlPr>
+                          <a:rPr lang="en-US" b="0" i="1" smtClean="0">
+                            <a:latin typeface="Cambria Math" panose="02040503050406030204" pitchFamily="18" charset="0"/>
+                          </a:rPr>
+                        </m:ctrlPr>
+                      </m:sSubSupPr>
+                      <m:e>
+                        <m:d>
+                          <m:dPr>
+                            <m:begChr m:val="|"/>
+                            <m:endChr m:val="|"/>
+                            <m:ctrlPr>
+                              <a:rPr lang="en-US" b="0" i="1" smtClean="0">
+                                <a:latin typeface="Cambria Math" panose="02040503050406030204" pitchFamily="18" charset="0"/>
+                              </a:rPr>
+                            </m:ctrlPr>
+                          </m:dPr>
+                          <m:e>
+                            <m:d>
+                              <m:dPr>
+                                <m:begChr m:val="|"/>
+                                <m:endChr m:val="|"/>
+                                <m:ctrlPr>
+                                  <a:rPr lang="en-US" b="0" i="1" smtClean="0">
+                                    <a:latin typeface="Cambria Math" panose="02040503050406030204" pitchFamily="18" charset="0"/>
+                                  </a:rPr>
+                                </m:ctrlPr>
+                              </m:dPr>
+                              <m:e>
+                                <m:r>
+                                  <a:rPr lang="en-US" b="0" i="1" smtClean="0">
+                                    <a:latin typeface="Cambria Math" panose="02040503050406030204" pitchFamily="18" charset="0"/>
+                                  </a:rPr>
+                                  <m:t>𝐴𝑥</m:t>
+                                </m:r>
+                                <m:r>
+                                  <a:rPr lang="en-US" b="0" i="1" smtClean="0">
+                                    <a:latin typeface="Cambria Math" panose="02040503050406030204" pitchFamily="18" charset="0"/>
+                                  </a:rPr>
+                                  <m:t>−</m:t>
+                                </m:r>
+                                <m:r>
+                                  <a:rPr lang="en-US" b="0" i="1" smtClean="0">
+                                    <a:latin typeface="Cambria Math" panose="02040503050406030204" pitchFamily="18" charset="0"/>
+                                  </a:rPr>
+                                  <m:t>𝑏</m:t>
+                                </m:r>
+                              </m:e>
+                            </m:d>
+                          </m:e>
+                        </m:d>
+                      </m:e>
+                      <m:sub>
+                        <m:r>
+                          <a:rPr lang="en-US" b="0" i="1" smtClean="0">
+                            <a:latin typeface="Cambria Math" panose="02040503050406030204" pitchFamily="18" charset="0"/>
+                          </a:rPr>
+                          <m:t>2</m:t>
+                        </m:r>
+                      </m:sub>
+                      <m:sup>
+                        <m:r>
+                          <a:rPr lang="en-US" b="0" i="1" smtClean="0">
+                            <a:latin typeface="Cambria Math" panose="02040503050406030204" pitchFamily="18" charset="0"/>
+                          </a:rPr>
+                          <m:t>2</m:t>
+                        </m:r>
+                      </m:sup>
+                    </m:sSubSup>
+                  </m:oMath>
+                </a14:m>
+                <a:endParaRPr lang="en-US" dirty="0"/>
+              </a:p>
+              <a:p>
+                <a:pPr marL="457200" lvl="0" indent="-342900" algn="l" rtl="0">
+                  <a:spcBef>
+                    <a:spcPts val="0"/>
+                  </a:spcBef>
+                  <a:spcAft>
+                    <a:spcPts val="0"/>
+                  </a:spcAft>
+                  <a:buSzPts val="1800"/>
+                  <a:buChar char="●"/>
+                </a:pPr>
+                <a:r>
+                  <a:rPr lang="en-US" dirty="0"/>
+                  <a:t>Can randomization be used to beat current state-of-the-art algorithms?</a:t>
+                </a:r>
+              </a:p>
+              <a:p>
+                <a:pPr marL="914400" lvl="1" indent="-317500" algn="l" rtl="0">
+                  <a:spcBef>
+                    <a:spcPts val="0"/>
+                  </a:spcBef>
+                  <a:spcAft>
+                    <a:spcPts val="0"/>
+                  </a:spcAft>
+                  <a:buSzPts val="1400"/>
+                  <a:buChar char="○"/>
+                </a:pPr>
+                <a:r>
+                  <a:rPr lang="en-US" dirty="0"/>
+                  <a:t>LAPACK</a:t>
+                </a:r>
+              </a:p>
+              <a:p>
+                <a:pPr marL="457200" lvl="0" indent="-342900" algn="l" rtl="0">
+                  <a:spcBef>
+                    <a:spcPts val="0"/>
+                  </a:spcBef>
+                  <a:spcAft>
+                    <a:spcPts val="0"/>
+                  </a:spcAft>
+                  <a:buSzPts val="1800"/>
+                  <a:buChar char="●"/>
+                </a:pPr>
+                <a:r>
+                  <a:rPr lang="en-US" dirty="0"/>
+                  <a:t>Can a randomly chosen sample of rows be used to create a good approximation of the solution?</a:t>
+                </a:r>
+              </a:p>
+            </p:txBody>
+          </p:sp>
+        </mc:Choice>
+        <mc:Fallback>
+          <p:sp>
+            <p:nvSpPr>
+              <p:cNvPr id="72" name="Google Shape;72;p15"/>
+              <p:cNvSpPr txBox="1">
+                <a:spLocks noGrp="1" noRot="1" noChangeAspect="1" noMove="1" noResize="1" noEditPoints="1" noAdjustHandles="1" noChangeArrowheads="1" noChangeShapeType="1" noTextEdit="1"/>
+              </p:cNvSpPr>
+              <p:nvPr>
+                <p:ph type="body" idx="1"/>
+              </p:nvPr>
+            </p:nvSpPr>
+            <p:spPr>
+              <a:xfrm>
+                <a:off x="311700" y="1171600"/>
+                <a:ext cx="8520600" cy="3397200"/>
+              </a:xfrm>
+              <a:prstGeom prst="rect">
+                <a:avLst/>
+              </a:prstGeom>
+              <a:blipFill>
+                <a:blip r:embed="rId3"/>
+                <a:stretch>
+                  <a:fillRect/>
+                </a:stretch>
+              </a:blipFill>
+            </p:spPr>
+            <p:txBody>
+              <a:bodyPr/>
+              <a:lstStyle/>
+              <a:p>
+                <a:r>
+                  <a:rPr lang="en-US">
+                    <a:noFill/>
+                  </a:rPr>
+                  <a:t> </a:t>
+                </a:r>
+              </a:p>
+            </p:txBody>
+          </p:sp>
+        </mc:Fallback>
+      </mc:AlternateContent>
     </p:spTree>
   </p:cSld>
   <p:clrMapOvr>
@@ -9237,11 +9771,753 @@
 </file>
 
 <file path=ppt/slides/slide4.xml><?xml version="1.0" encoding="utf-8"?>
-<p:sld xmlns:a="http://schemas.openxmlformats.org/drawingml/2006/main" xmlns:r="http://schemas.openxmlformats.org/officeDocument/2006/relationships" xmlns:mc="http://schemas.openxmlformats.org/markup-compatibility/2006" xmlns:mv="urn:schemas-microsoft-com:mac:vml" xmlns:p="http://schemas.openxmlformats.org/presentationml/2006/main" xmlns:c="http://schemas.openxmlformats.org/drawingml/2006/chart" xmlns:dgm="http://schemas.openxmlformats.org/drawingml/2006/diagram" xmlns:o="urn:schemas-microsoft-com:office:office" xmlns:v="urn:schemas-microsoft-com:vml" xmlns:pvml="urn:schemas-microsoft-com:office:powerpoint" xmlns:com="http://schemas.openxmlformats.org/drawingml/2006/compatibility" xmlns:p14="http://schemas.microsoft.com/office/powerpoint/2010/main" xmlns:p15="http://schemas.microsoft.com/office/powerpoint/2012/main">
+<p:sld xmlns:a="http://schemas.openxmlformats.org/drawingml/2006/main" xmlns:r="http://schemas.openxmlformats.org/officeDocument/2006/relationships" xmlns:p="http://schemas.openxmlformats.org/presentationml/2006/main">
   <p:cSld>
     <p:spTree>
       <p:nvGrpSpPr>
-        <p:cNvPr id="76" name="Shape 76"/>
+        <p:cNvPr id="1" name=""/>
+        <p:cNvGrpSpPr/>
+        <p:nvPr/>
+      </p:nvGrpSpPr>
+      <p:grpSpPr>
+        <a:xfrm>
+          <a:off x="0" y="0"/>
+          <a:ext cx="0" cy="0"/>
+          <a:chOff x="0" y="0"/>
+          <a:chExt cx="0" cy="0"/>
+        </a:xfrm>
+      </p:grpSpPr>
+      <p:sp>
+        <p:nvSpPr>
+          <p:cNvPr id="2" name="Title 1">
+            <a:extLst>
+              <a:ext uri="{FF2B5EF4-FFF2-40B4-BE49-F238E27FC236}">
+                <a16:creationId xmlns:a16="http://schemas.microsoft.com/office/drawing/2014/main" id="{B820DAE4-E69F-4038-9E91-D021A5E8F338}"/>
+              </a:ext>
+            </a:extLst>
+          </p:cNvPr>
+          <p:cNvSpPr>
+            <a:spLocks noGrp="1"/>
+          </p:cNvSpPr>
+          <p:nvPr>
+            <p:ph type="title"/>
+          </p:nvPr>
+        </p:nvSpPr>
+        <p:spPr/>
+        <p:txBody>
+          <a:bodyPr/>
+          <a:lstStyle/>
+          <a:p>
+            <a:r>
+              <a:rPr lang="en-US" dirty="0"/>
+              <a:t>Ideas for a Least Squares Solver</a:t>
+            </a:r>
+          </a:p>
+        </p:txBody>
+      </p:sp>
+      <mc:AlternateContent xmlns:mc="http://schemas.openxmlformats.org/markup-compatibility/2006">
+        <mc:Choice xmlns:a14="http://schemas.microsoft.com/office/drawing/2010/main" Requires="a14">
+          <p:sp>
+            <p:nvSpPr>
+              <p:cNvPr id="3" name="Text Placeholder 2">
+                <a:extLst>
+                  <a:ext uri="{FF2B5EF4-FFF2-40B4-BE49-F238E27FC236}">
+                    <a16:creationId xmlns:a16="http://schemas.microsoft.com/office/drawing/2014/main" id="{AC3B5EDD-6463-4C27-8340-EB30CBB11CDC}"/>
+                  </a:ext>
+                </a:extLst>
+              </p:cNvPr>
+              <p:cNvSpPr>
+                <a:spLocks noGrp="1"/>
+              </p:cNvSpPr>
+              <p:nvPr>
+                <p:ph type="body" idx="1"/>
+              </p:nvPr>
+            </p:nvSpPr>
+            <p:spPr>
+              <a:xfrm>
+                <a:off x="311700" y="1171600"/>
+                <a:ext cx="8520600" cy="3397200"/>
+              </a:xfrm>
+            </p:spPr>
+            <p:txBody>
+              <a:bodyPr/>
+              <a:lstStyle/>
+              <a:p>
+                <a:pPr>
+                  <a:lnSpc>
+                    <a:spcPct val="100000"/>
+                  </a:lnSpc>
+                </a:pPr>
+                <a:r>
+                  <a:rPr lang="en-US" dirty="0"/>
+                  <a:t>The runtime of iterative algorithms depend on the distribution of singular values of </a:t>
+                </a:r>
+                <a14:m>
+                  <m:oMath xmlns:m="http://schemas.openxmlformats.org/officeDocument/2006/math">
+                    <m:r>
+                      <a:rPr lang="en-US" b="0" i="1" smtClean="0">
+                        <a:latin typeface="Cambria Math" panose="02040503050406030204" pitchFamily="18" charset="0"/>
+                      </a:rPr>
+                      <m:t>𝐴</m:t>
+                    </m:r>
+                    <m:r>
+                      <a:rPr lang="en-US" b="0" i="1" smtClean="0">
+                        <a:latin typeface="Cambria Math" panose="02040503050406030204" pitchFamily="18" charset="0"/>
+                      </a:rPr>
+                      <m:t>,</m:t>
+                    </m:r>
+                  </m:oMath>
+                </a14:m>
+                <a:r>
+                  <a:rPr lang="en-US" dirty="0"/>
+                  <a:t> which we can describe with the condition number of </a:t>
+                </a:r>
+                <a14:m>
+                  <m:oMath xmlns:m="http://schemas.openxmlformats.org/officeDocument/2006/math">
+                    <m:r>
+                      <a:rPr lang="en-US" i="1" smtClean="0">
+                        <a:latin typeface="Cambria Math" panose="02040503050406030204" pitchFamily="18" charset="0"/>
+                      </a:rPr>
+                      <m:t>𝐴</m:t>
+                    </m:r>
+                    <m:r>
+                      <a:rPr lang="en-US" b="0" i="1" smtClean="0">
+                        <a:latin typeface="Cambria Math" panose="02040503050406030204" pitchFamily="18" charset="0"/>
+                      </a:rPr>
+                      <m:t>.</m:t>
+                    </m:r>
+                  </m:oMath>
+                </a14:m>
+                <a:r>
+                  <a:rPr lang="en-US" b="0" dirty="0"/>
+                  <a:t> If </a:t>
+                </a:r>
+                <a14:m>
+                  <m:oMath xmlns:m="http://schemas.openxmlformats.org/officeDocument/2006/math">
+                    <m:r>
+                      <a:rPr lang="en-US" b="0" i="1" smtClean="0">
+                        <a:latin typeface="Cambria Math" panose="02040503050406030204" pitchFamily="18" charset="0"/>
+                      </a:rPr>
+                      <m:t>𝜅</m:t>
+                    </m:r>
+                    <m:d>
+                      <m:dPr>
+                        <m:ctrlPr>
+                          <a:rPr lang="en-US" b="0" i="1" smtClean="0">
+                            <a:latin typeface="Cambria Math" panose="02040503050406030204" pitchFamily="18" charset="0"/>
+                          </a:rPr>
+                        </m:ctrlPr>
+                      </m:dPr>
+                      <m:e>
+                        <m:r>
+                          <a:rPr lang="en-US" b="0" i="1" smtClean="0">
+                            <a:latin typeface="Cambria Math" panose="02040503050406030204" pitchFamily="18" charset="0"/>
+                          </a:rPr>
+                          <m:t>𝐴</m:t>
+                        </m:r>
+                      </m:e>
+                    </m:d>
+                  </m:oMath>
+                </a14:m>
+                <a:r>
+                  <a:rPr lang="en-US" b="0" dirty="0"/>
+                  <a:t> is large, iterative solvers will usually converge slowly.</a:t>
+                </a:r>
+              </a:p>
+              <a:p>
+                <a:pPr marL="114300" indent="0">
+                  <a:lnSpc>
+                    <a:spcPct val="100000"/>
+                  </a:lnSpc>
+                  <a:buNone/>
+                </a:pPr>
+                <a:endParaRPr lang="en-US" dirty="0"/>
+              </a:p>
+              <a:p>
+                <a:pPr marL="114300" indent="0">
+                  <a:lnSpc>
+                    <a:spcPct val="100000"/>
+                  </a:lnSpc>
+                  <a:buNone/>
+                </a:pPr>
+                <a:endParaRPr lang="en-US" dirty="0"/>
+              </a:p>
+              <a:p>
+                <a:pPr>
+                  <a:lnSpc>
+                    <a:spcPct val="100000"/>
+                  </a:lnSpc>
+                </a:pPr>
+                <a:r>
+                  <a:rPr lang="en-US" dirty="0"/>
+                  <a:t>We can change the problem to try and avoid the large condition number of </a:t>
+                </a:r>
+                <a14:m>
+                  <m:oMath xmlns:m="http://schemas.openxmlformats.org/officeDocument/2006/math">
+                    <m:r>
+                      <a:rPr lang="en-US" b="0" i="1" smtClean="0">
+                        <a:latin typeface="Cambria Math" panose="02040503050406030204" pitchFamily="18" charset="0"/>
+                      </a:rPr>
+                      <m:t>𝐴</m:t>
+                    </m:r>
+                  </m:oMath>
+                </a14:m>
+                <a:r>
+                  <a:rPr lang="en-US" dirty="0"/>
+                  <a:t> by introducing a ‘preconditioner’ </a:t>
+                </a:r>
+                <a14:m>
+                  <m:oMath xmlns:m="http://schemas.openxmlformats.org/officeDocument/2006/math">
+                    <m:r>
+                      <a:rPr lang="en-US" b="0" i="1" smtClean="0">
+                        <a:latin typeface="Cambria Math" panose="02040503050406030204" pitchFamily="18" charset="0"/>
+                      </a:rPr>
+                      <m:t>𝑅</m:t>
+                    </m:r>
+                  </m:oMath>
+                </a14:m>
+                <a:endParaRPr lang="en-US" dirty="0"/>
+              </a:p>
+              <a:p>
+                <a:pPr>
+                  <a:lnSpc>
+                    <a:spcPct val="100000"/>
+                  </a:lnSpc>
+                </a:pPr>
+                <a:endParaRPr lang="en-US" dirty="0"/>
+              </a:p>
+              <a:p>
+                <a:pPr marL="114300" indent="0" algn="ctr">
+                  <a:lnSpc>
+                    <a:spcPct val="100000"/>
+                  </a:lnSpc>
+                  <a:buNone/>
+                </a:pPr>
+                <a14:m>
+                  <m:oMathPara xmlns:m="http://schemas.openxmlformats.org/officeDocument/2006/math">
+                    <m:oMathParaPr>
+                      <m:jc m:val="centerGroup"/>
+                    </m:oMathParaPr>
+                    <m:oMath xmlns:m="http://schemas.openxmlformats.org/officeDocument/2006/math">
+                      <m:r>
+                        <a:rPr lang="en-US" b="0" i="1" smtClean="0">
+                          <a:latin typeface="Cambria Math" panose="02040503050406030204" pitchFamily="18" charset="0"/>
+                        </a:rPr>
+                        <m:t>𝐴𝑥</m:t>
+                      </m:r>
+                      <m:r>
+                        <a:rPr lang="en-US" b="0" i="1" smtClean="0">
+                          <a:latin typeface="Cambria Math" panose="02040503050406030204" pitchFamily="18" charset="0"/>
+                        </a:rPr>
+                        <m:t>=</m:t>
+                      </m:r>
+                      <m:r>
+                        <a:rPr lang="en-US" b="0" i="1" smtClean="0">
+                          <a:latin typeface="Cambria Math" panose="02040503050406030204" pitchFamily="18" charset="0"/>
+                        </a:rPr>
+                        <m:t>𝐴</m:t>
+                      </m:r>
+                      <m:sSup>
+                        <m:sSupPr>
+                          <m:ctrlPr>
+                            <a:rPr lang="en-US" b="0" i="1" smtClean="0">
+                              <a:latin typeface="Cambria Math" panose="02040503050406030204" pitchFamily="18" charset="0"/>
+                            </a:rPr>
+                          </m:ctrlPr>
+                        </m:sSupPr>
+                        <m:e>
+                          <m:r>
+                            <a:rPr lang="en-US" b="0" i="1" smtClean="0">
+                              <a:latin typeface="Cambria Math" panose="02040503050406030204" pitchFamily="18" charset="0"/>
+                            </a:rPr>
+                            <m:t>𝑅</m:t>
+                          </m:r>
+                        </m:e>
+                        <m:sup>
+                          <m:r>
+                            <a:rPr lang="en-US" b="0" i="1" smtClean="0">
+                              <a:latin typeface="Cambria Math" panose="02040503050406030204" pitchFamily="18" charset="0"/>
+                            </a:rPr>
+                            <m:t>−1</m:t>
+                          </m:r>
+                        </m:sup>
+                      </m:sSup>
+                      <m:r>
+                        <a:rPr lang="en-US" b="0" i="1" smtClean="0">
+                          <a:latin typeface="Cambria Math" panose="02040503050406030204" pitchFamily="18" charset="0"/>
+                        </a:rPr>
+                        <m:t>𝑅𝑥</m:t>
+                      </m:r>
+                      <m:r>
+                        <a:rPr lang="en-US" b="0" i="1" smtClean="0">
+                          <a:latin typeface="Cambria Math" panose="02040503050406030204" pitchFamily="18" charset="0"/>
+                        </a:rPr>
+                        <m:t>=</m:t>
+                      </m:r>
+                      <m:r>
+                        <a:rPr lang="en-US" b="0" i="1" smtClean="0">
+                          <a:latin typeface="Cambria Math" panose="02040503050406030204" pitchFamily="18" charset="0"/>
+                        </a:rPr>
+                        <m:t>𝑏</m:t>
+                      </m:r>
+                    </m:oMath>
+                  </m:oMathPara>
+                </a14:m>
+                <a:endParaRPr lang="en-US" dirty="0"/>
+              </a:p>
+              <a:p>
+                <a:pPr marL="114300" indent="0" algn="ctr">
+                  <a:lnSpc>
+                    <a:spcPct val="100000"/>
+                  </a:lnSpc>
+                  <a:buNone/>
+                </a:pPr>
+                <a:endParaRPr lang="en-US" dirty="0"/>
+              </a:p>
+              <a:p>
+                <a:pPr marL="114300" indent="0" algn="ctr">
+                  <a:lnSpc>
+                    <a:spcPct val="100000"/>
+                  </a:lnSpc>
+                  <a:buNone/>
+                </a:pPr>
+                <a14:m>
+                  <m:oMath xmlns:m="http://schemas.openxmlformats.org/officeDocument/2006/math">
+                    <m:r>
+                      <a:rPr lang="en-US" b="0" i="1" smtClean="0">
+                        <a:latin typeface="Cambria Math" panose="02040503050406030204" pitchFamily="18" charset="0"/>
+                      </a:rPr>
+                      <m:t>(</m:t>
+                    </m:r>
+                    <m:r>
+                      <a:rPr lang="en-US" b="0" i="1" smtClean="0">
+                        <a:latin typeface="Cambria Math" panose="02040503050406030204" pitchFamily="18" charset="0"/>
+                      </a:rPr>
+                      <m:t>𝐴</m:t>
+                    </m:r>
+                    <m:sSup>
+                      <m:sSupPr>
+                        <m:ctrlPr>
+                          <a:rPr lang="en-US" b="0" i="1" smtClean="0">
+                            <a:latin typeface="Cambria Math" panose="02040503050406030204" pitchFamily="18" charset="0"/>
+                          </a:rPr>
+                        </m:ctrlPr>
+                      </m:sSupPr>
+                      <m:e>
+                        <m:r>
+                          <a:rPr lang="en-US" b="0" i="1" smtClean="0">
+                            <a:latin typeface="Cambria Math" panose="02040503050406030204" pitchFamily="18" charset="0"/>
+                          </a:rPr>
+                          <m:t>𝑅</m:t>
+                        </m:r>
+                      </m:e>
+                      <m:sup>
+                        <m:r>
+                          <a:rPr lang="en-US" b="0" i="1" smtClean="0">
+                            <a:latin typeface="Cambria Math" panose="02040503050406030204" pitchFamily="18" charset="0"/>
+                          </a:rPr>
+                          <m:t>−1</m:t>
+                        </m:r>
+                      </m:sup>
+                    </m:sSup>
+                    <m:r>
+                      <a:rPr lang="en-US" b="0" i="1" smtClean="0">
+                        <a:latin typeface="Cambria Math" panose="02040503050406030204" pitchFamily="18" charset="0"/>
+                      </a:rPr>
+                      <m:t>)</m:t>
+                    </m:r>
+                    <m:r>
+                      <a:rPr lang="en-US" b="0" i="1" smtClean="0">
+                        <a:latin typeface="Cambria Math" panose="02040503050406030204" pitchFamily="18" charset="0"/>
+                      </a:rPr>
+                      <m:t>𝑦</m:t>
+                    </m:r>
+                    <m:r>
+                      <a:rPr lang="en-US" b="0" i="1" smtClean="0">
+                        <a:latin typeface="Cambria Math" panose="02040503050406030204" pitchFamily="18" charset="0"/>
+                      </a:rPr>
+                      <m:t>=</m:t>
+                    </m:r>
+                    <m:r>
+                      <a:rPr lang="en-US" b="0" i="1" smtClean="0">
+                        <a:latin typeface="Cambria Math" panose="02040503050406030204" pitchFamily="18" charset="0"/>
+                      </a:rPr>
+                      <m:t>𝑏</m:t>
+                    </m:r>
+                  </m:oMath>
+                </a14:m>
+                <a:r>
+                  <a:rPr lang="en-US" dirty="0"/>
+                  <a:t>    		</a:t>
+                </a:r>
+                <a14:m>
+                  <m:oMath xmlns:m="http://schemas.openxmlformats.org/officeDocument/2006/math">
+                    <m:r>
+                      <a:rPr lang="en-US" i="1">
+                        <a:latin typeface="Cambria Math" panose="02040503050406030204" pitchFamily="18" charset="0"/>
+                      </a:rPr>
+                      <m:t>𝑅𝑥</m:t>
+                    </m:r>
+                    <m:r>
+                      <a:rPr lang="en-US" i="1">
+                        <a:latin typeface="Cambria Math" panose="02040503050406030204" pitchFamily="18" charset="0"/>
+                      </a:rPr>
+                      <m:t>=</m:t>
+                    </m:r>
+                    <m:r>
+                      <a:rPr lang="en-US" i="1">
+                        <a:latin typeface="Cambria Math" panose="02040503050406030204" pitchFamily="18" charset="0"/>
+                      </a:rPr>
+                      <m:t>𝑦</m:t>
+                    </m:r>
+                  </m:oMath>
+                </a14:m>
+                <a:endParaRPr lang="en-US" dirty="0"/>
+              </a:p>
+            </p:txBody>
+          </p:sp>
+        </mc:Choice>
+        <mc:Fallback>
+          <p:sp>
+            <p:nvSpPr>
+              <p:cNvPr id="3" name="Text Placeholder 2">
+                <a:extLst>
+                  <a:ext uri="{FF2B5EF4-FFF2-40B4-BE49-F238E27FC236}">
+                    <a16:creationId xmlns:a16="http://schemas.microsoft.com/office/drawing/2014/main" id="{AC3B5EDD-6463-4C27-8340-EB30CBB11CDC}"/>
+                  </a:ext>
+                </a:extLst>
+              </p:cNvPr>
+              <p:cNvSpPr>
+                <a:spLocks noGrp="1" noRot="1" noChangeAspect="1" noMove="1" noResize="1" noEditPoints="1" noAdjustHandles="1" noChangeArrowheads="1" noChangeShapeType="1" noTextEdit="1"/>
+              </p:cNvSpPr>
+              <p:nvPr>
+                <p:ph type="body" idx="1"/>
+              </p:nvPr>
+            </p:nvSpPr>
+            <p:spPr>
+              <a:xfrm>
+                <a:off x="311700" y="1171600"/>
+                <a:ext cx="8520600" cy="3397200"/>
+              </a:xfrm>
+              <a:blipFill>
+                <a:blip r:embed="rId2"/>
+                <a:stretch>
+                  <a:fillRect r="-572"/>
+                </a:stretch>
+              </a:blipFill>
+            </p:spPr>
+            <p:txBody>
+              <a:bodyPr/>
+              <a:lstStyle/>
+              <a:p>
+                <a:r>
+                  <a:rPr lang="en-US">
+                    <a:noFill/>
+                  </a:rPr>
+                  <a:t> </a:t>
+                </a:r>
+              </a:p>
+            </p:txBody>
+          </p:sp>
+        </mc:Fallback>
+      </mc:AlternateContent>
+    </p:spTree>
+    <p:extLst>
+      <p:ext uri="{BB962C8B-B14F-4D97-AF65-F5344CB8AC3E}">
+        <p14:creationId xmlns:p14="http://schemas.microsoft.com/office/powerpoint/2010/main" val="2212307226"/>
+      </p:ext>
+    </p:extLst>
+  </p:cSld>
+  <p:clrMapOvr>
+    <a:masterClrMapping/>
+  </p:clrMapOvr>
+</p:sld>
+</file>
+
+<file path=ppt/slides/slide5.xml><?xml version="1.0" encoding="utf-8"?>
+<p:sld xmlns:a="http://schemas.openxmlformats.org/drawingml/2006/main" xmlns:r="http://schemas.openxmlformats.org/officeDocument/2006/relationships" xmlns:p="http://schemas.openxmlformats.org/presentationml/2006/main">
+  <p:cSld>
+    <p:spTree>
+      <p:nvGrpSpPr>
+        <p:cNvPr id="1" name="Shape 82"/>
+        <p:cNvGrpSpPr/>
+        <p:nvPr/>
+      </p:nvGrpSpPr>
+      <p:grpSpPr>
+        <a:xfrm>
+          <a:off x="0" y="0"/>
+          <a:ext cx="0" cy="0"/>
+          <a:chOff x="0" y="0"/>
+          <a:chExt cx="0" cy="0"/>
+        </a:xfrm>
+      </p:grpSpPr>
+      <p:sp>
+        <p:nvSpPr>
+          <p:cNvPr id="83" name="Google Shape;83;p17"/>
+          <p:cNvSpPr txBox="1">
+            <a:spLocks noGrp="1"/>
+          </p:cNvSpPr>
+          <p:nvPr>
+            <p:ph type="title"/>
+          </p:nvPr>
+        </p:nvSpPr>
+        <p:spPr>
+          <a:xfrm>
+            <a:off x="311700" y="445025"/>
+            <a:ext cx="8520600" cy="613200"/>
+          </a:xfrm>
+          <a:prstGeom prst="rect">
+            <a:avLst/>
+          </a:prstGeom>
+        </p:spPr>
+        <p:txBody>
+          <a:bodyPr spcFirstLastPara="1" wrap="square" lIns="91425" tIns="91425" rIns="91425" bIns="91425" anchor="t" anchorCtr="0">
+            <a:noAutofit/>
+          </a:bodyPr>
+          <a:lstStyle/>
+          <a:p>
+            <a:pPr marL="0" lvl="0" indent="0" algn="l" rtl="0">
+              <a:spcBef>
+                <a:spcPts val="0"/>
+              </a:spcBef>
+              <a:spcAft>
+                <a:spcPts val="0"/>
+              </a:spcAft>
+              <a:buNone/>
+            </a:pPr>
+            <a:r>
+              <a:rPr lang="en"/>
+              <a:t>The Algorithm</a:t>
+            </a:r>
+            <a:endParaRPr/>
+          </a:p>
+        </p:txBody>
+      </p:sp>
+      <mc:AlternateContent xmlns:mc="http://schemas.openxmlformats.org/markup-compatibility/2006" xmlns:a14="http://schemas.microsoft.com/office/drawing/2010/main">
+        <mc:Choice Requires="a14">
+          <p:sp>
+            <p:nvSpPr>
+              <p:cNvPr id="84" name="Google Shape;84;p17"/>
+              <p:cNvSpPr txBox="1">
+                <a:spLocks noGrp="1"/>
+              </p:cNvSpPr>
+              <p:nvPr>
+                <p:ph type="body" idx="1"/>
+              </p:nvPr>
+            </p:nvSpPr>
+            <p:spPr>
+              <a:xfrm>
+                <a:off x="311700" y="1171600"/>
+                <a:ext cx="8520600" cy="3397200"/>
+              </a:xfrm>
+              <a:prstGeom prst="rect">
+                <a:avLst/>
+              </a:prstGeom>
+            </p:spPr>
+            <p:txBody>
+              <a:bodyPr spcFirstLastPara="1" wrap="square" lIns="91425" tIns="91425" rIns="91425" bIns="91425" anchor="t" anchorCtr="0">
+                <a:noAutofit/>
+              </a:bodyPr>
+              <a:lstStyle/>
+              <a:p>
+                <a:pPr marL="457200" lvl="0" indent="-342900" algn="l" rtl="0">
+                  <a:spcBef>
+                    <a:spcPts val="0"/>
+                  </a:spcBef>
+                  <a:spcAft>
+                    <a:spcPts val="0"/>
+                  </a:spcAft>
+                  <a:buSzPts val="1800"/>
+                  <a:buChar char="●"/>
+                </a:pPr>
+                <a:r>
+                  <a:rPr lang="en-US" dirty="0"/>
+                  <a:t>The idea of the algorithm is to take a random sample of rows from an overdetermined matrix and use the sample to create a reduced </a:t>
+                </a:r>
+                <a14:m>
+                  <m:oMath xmlns:m="http://schemas.openxmlformats.org/officeDocument/2006/math">
+                    <m:r>
+                      <a:rPr lang="en-US" b="0" i="1" smtClean="0">
+                        <a:latin typeface="Cambria Math" panose="02040503050406030204" pitchFamily="18" charset="0"/>
+                      </a:rPr>
+                      <m:t>𝑄𝑅</m:t>
+                    </m:r>
+                  </m:oMath>
+                </a14:m>
+                <a:r>
+                  <a:rPr lang="en-US" dirty="0"/>
+                  <a:t> factorization, then take the upper triangular matrix </a:t>
+                </a:r>
+                <a14:m>
+                  <m:oMath xmlns:m="http://schemas.openxmlformats.org/officeDocument/2006/math">
+                    <m:r>
+                      <a:rPr lang="en-US" b="0" i="1" smtClean="0">
+                        <a:latin typeface="Cambria Math" panose="02040503050406030204" pitchFamily="18" charset="0"/>
+                      </a:rPr>
+                      <m:t>𝑅</m:t>
+                    </m:r>
+                  </m:oMath>
+                </a14:m>
+                <a:r>
+                  <a:rPr lang="en-US" dirty="0"/>
+                  <a:t> to be the preconditioner.</a:t>
+                </a:r>
+              </a:p>
+              <a:p>
+                <a:pPr marL="457200" lvl="0" indent="-342900" algn="l" rtl="0">
+                  <a:spcBef>
+                    <a:spcPts val="0"/>
+                  </a:spcBef>
+                  <a:spcAft>
+                    <a:spcPts val="0"/>
+                  </a:spcAft>
+                  <a:buSzPts val="1800"/>
+                  <a:buChar char="●"/>
+                </a:pPr>
+                <a:r>
+                  <a:rPr lang="en-US" dirty="0"/>
+                  <a:t>A uniform random sample doesn’t always produce a good preconditioner</a:t>
+                </a:r>
+              </a:p>
+              <a:p>
+                <a:pPr marL="914400" lvl="1" indent="-317500" algn="l" rtl="0">
+                  <a:spcBef>
+                    <a:spcPts val="0"/>
+                  </a:spcBef>
+                  <a:spcAft>
+                    <a:spcPts val="0"/>
+                  </a:spcAft>
+                  <a:buSzPts val="1400"/>
+                  <a:buChar char="○"/>
+                </a:pPr>
+                <a:r>
+                  <a:rPr lang="en-US" dirty="0"/>
+                  <a:t>Algorithm uses pre-processing steps to ensure a random sample will be a good preconditioner with high probability</a:t>
+                </a:r>
+              </a:p>
+              <a:p>
+                <a:pPr marL="457200" lvl="0" indent="-342900" algn="l" rtl="0">
+                  <a:spcBef>
+                    <a:spcPts val="0"/>
+                  </a:spcBef>
+                  <a:spcAft>
+                    <a:spcPts val="0"/>
+                  </a:spcAft>
+                  <a:buSzPts val="1800"/>
+                  <a:buChar char="●"/>
+                </a:pPr>
+                <a:r>
+                  <a:rPr lang="en-US" dirty="0"/>
+                  <a:t>Three main steps:</a:t>
+                </a:r>
+              </a:p>
+              <a:p>
+                <a:pPr marL="914400" lvl="1" indent="-317500" algn="l" rtl="0">
+                  <a:spcBef>
+                    <a:spcPts val="0"/>
+                  </a:spcBef>
+                  <a:spcAft>
+                    <a:spcPts val="0"/>
+                  </a:spcAft>
+                  <a:buSzPts val="1400"/>
+                  <a:buChar char="○"/>
+                </a:pPr>
+                <a:r>
+                  <a:rPr lang="en-US" dirty="0"/>
+                  <a:t>Row Mixing</a:t>
+                </a:r>
+              </a:p>
+              <a:p>
+                <a:pPr marL="914400" lvl="1" indent="-317500" algn="l" rtl="0">
+                  <a:spcBef>
+                    <a:spcPts val="0"/>
+                  </a:spcBef>
+                  <a:spcAft>
+                    <a:spcPts val="0"/>
+                  </a:spcAft>
+                  <a:buSzPts val="1400"/>
+                  <a:buChar char="○"/>
+                </a:pPr>
+                <a:r>
+                  <a:rPr lang="en-US" dirty="0"/>
+                  <a:t>Row sampling and QR factorization</a:t>
+                </a:r>
+              </a:p>
+              <a:p>
+                <a:pPr marL="914400" lvl="1" indent="-317500" algn="l" rtl="0">
+                  <a:spcBef>
+                    <a:spcPts val="0"/>
+                  </a:spcBef>
+                  <a:spcAft>
+                    <a:spcPts val="0"/>
+                  </a:spcAft>
+                  <a:buSzPts val="1400"/>
+                  <a:buChar char="○"/>
+                </a:pPr>
+                <a:r>
+                  <a:rPr lang="en-US" dirty="0"/>
+                  <a:t>Iterative Solution</a:t>
+                </a:r>
+                <a:endParaRPr dirty="0"/>
+              </a:p>
+            </p:txBody>
+          </p:sp>
+        </mc:Choice>
+        <mc:Fallback xmlns="">
+          <p:sp>
+            <p:nvSpPr>
+              <p:cNvPr id="84" name="Google Shape;84;p17"/>
+              <p:cNvSpPr txBox="1">
+                <a:spLocks noGrp="1" noRot="1" noChangeAspect="1" noMove="1" noResize="1" noEditPoints="1" noAdjustHandles="1" noChangeArrowheads="1" noChangeShapeType="1" noTextEdit="1"/>
+              </p:cNvSpPr>
+              <p:nvPr>
+                <p:ph type="body" idx="1"/>
+              </p:nvPr>
+            </p:nvSpPr>
+            <p:spPr>
+              <a:xfrm>
+                <a:off x="311700" y="1171600"/>
+                <a:ext cx="8520600" cy="3397200"/>
+              </a:xfrm>
+              <a:prstGeom prst="rect">
+                <a:avLst/>
+              </a:prstGeom>
+              <a:blipFill>
+                <a:blip r:embed="rId3"/>
+                <a:stretch>
+                  <a:fillRect r="-358"/>
+                </a:stretch>
+              </a:blipFill>
+            </p:spPr>
+            <p:txBody>
+              <a:bodyPr/>
+              <a:lstStyle/>
+              <a:p>
+                <a:r>
+                  <a:rPr lang="en-US">
+                    <a:noFill/>
+                  </a:rPr>
+                  <a:t> </a:t>
+                </a:r>
+              </a:p>
+            </p:txBody>
+          </p:sp>
+        </mc:Fallback>
+      </mc:AlternateContent>
+    </p:spTree>
+  </p:cSld>
+  <p:clrMapOvr>
+    <a:masterClrMapping/>
+  </p:clrMapOvr>
+</p:sld>
+</file>
+
+<file path=ppt/slides/slide6.xml><?xml version="1.0" encoding="utf-8"?>
+<p:sld xmlns:a="http://schemas.openxmlformats.org/drawingml/2006/main" xmlns:r="http://schemas.openxmlformats.org/officeDocument/2006/relationships" xmlns:p="http://schemas.openxmlformats.org/presentationml/2006/main">
+  <p:cSld>
+    <p:spTree>
+      <p:nvGrpSpPr>
+        <p:cNvPr id="1" name="Shape 76"/>
         <p:cNvGrpSpPr/>
         <p:nvPr/>
       </p:nvGrpSpPr>
@@ -9256,7 +10532,9 @@
       <p:sp>
         <p:nvSpPr>
           <p:cNvPr id="77" name="Google Shape;77;p16"/>
-          <p:cNvSpPr txBox="1"/>
+          <p:cNvSpPr txBox="1">
+            <a:spLocks noGrp="1"/>
+          </p:cNvSpPr>
           <p:nvPr>
             <p:ph type="title"/>
           </p:nvPr>
@@ -9271,12 +10549,12 @@
           </a:prstGeom>
         </p:spPr>
         <p:txBody>
-          <a:bodyPr anchorCtr="0" anchor="t" bIns="91425" lIns="91425" spcFirstLastPara="1" rIns="91425" wrap="square" tIns="91425">
+          <a:bodyPr spcFirstLastPara="1" wrap="square" lIns="91425" tIns="91425" rIns="91425" bIns="91425" anchor="t" anchorCtr="0">
             <a:noAutofit/>
           </a:bodyPr>
           <a:lstStyle/>
           <a:p>
-            <a:pPr indent="0" lvl="0" marL="0" rtl="0" algn="l">
+            <a:pPr marL="0" lvl="0" indent="0" algn="l" rtl="0">
               <a:spcBef>
                 <a:spcPts val="0"/>
               </a:spcBef>
@@ -9296,9 +10574,11 @@
       <p:sp>
         <p:nvSpPr>
           <p:cNvPr id="78" name="Google Shape;78;p16"/>
-          <p:cNvSpPr txBox="1"/>
+          <p:cNvSpPr txBox="1">
+            <a:spLocks noGrp="1"/>
+          </p:cNvSpPr>
           <p:nvPr>
-            <p:ph idx="1" type="body"/>
+            <p:ph type="body" idx="1"/>
           </p:nvPr>
         </p:nvSpPr>
         <p:spPr>
@@ -9311,12 +10591,12 @@
           </a:prstGeom>
         </p:spPr>
         <p:txBody>
-          <a:bodyPr anchorCtr="0" anchor="t" bIns="91425" lIns="91425" spcFirstLastPara="1" rIns="91425" wrap="square" tIns="91425">
+          <a:bodyPr spcFirstLastPara="1" wrap="square" lIns="91425" tIns="91425" rIns="91425" bIns="91425" anchor="t" anchorCtr="0">
             <a:noAutofit/>
           </a:bodyPr>
           <a:lstStyle/>
           <a:p>
-            <a:pPr indent="-342900" lvl="0" marL="457200" rtl="0" algn="l">
+            <a:pPr marL="457200" lvl="0" indent="-342900" algn="l" rtl="0">
               <a:spcBef>
                 <a:spcPts val="0"/>
               </a:spcBef>
@@ -9327,13 +10607,13 @@
               <a:buChar char="●"/>
             </a:pPr>
             <a:r>
-              <a:rPr lang="en"/>
+              <a:rPr lang="en" dirty="0"/>
               <a:t>Blendenpik beats LAPACK on any tall, dense matrix</a:t>
             </a:r>
-            <a:endParaRPr/>
+            <a:endParaRPr dirty="0"/>
           </a:p>
           <a:p>
-            <a:pPr indent="-342900" lvl="0" marL="457200" rtl="0" algn="l">
+            <a:pPr marL="457200" lvl="0" indent="-342900" algn="l" rtl="0">
               <a:spcBef>
                 <a:spcPts val="0"/>
               </a:spcBef>
@@ -9344,21 +10624,13 @@
               <a:buChar char="●"/>
             </a:pPr>
             <a:r>
-              <a:rPr lang="en"/>
-              <a:t>Blendenpik is slower on tiny matrices, nearly square </a:t>
+              <a:rPr lang="en" dirty="0"/>
+              <a:t>Blendenpik is slower on tiny matrices, nearly square matrices, and some sparse matrices</a:t>
             </a:r>
-            <a:r>
-              <a:rPr lang="en"/>
-              <a:t>matrices</a:t>
-            </a:r>
-            <a:r>
-              <a:rPr lang="en"/>
-              <a:t>, and some sparse matrices</a:t>
-            </a:r>
-            <a:endParaRPr/>
+            <a:endParaRPr dirty="0"/>
           </a:p>
           <a:p>
-            <a:pPr indent="-342900" lvl="0" marL="457200" rtl="0" algn="l">
+            <a:pPr marL="457200" lvl="0" indent="-342900" algn="l" rtl="0">
               <a:spcBef>
                 <a:spcPts val="0"/>
               </a:spcBef>
@@ -9369,13 +10641,13 @@
               <a:buChar char="●"/>
             </a:pPr>
             <a:r>
-              <a:rPr lang="en"/>
+              <a:rPr lang="en" dirty="0"/>
               <a:t>Blendenpik is numerically-backwards stable</a:t>
             </a:r>
-            <a:endParaRPr/>
+            <a:endParaRPr dirty="0"/>
           </a:p>
           <a:p>
-            <a:pPr indent="-342900" lvl="0" marL="457200" rtl="0" algn="l">
+            <a:pPr marL="457200" lvl="0" indent="-342900" algn="l" rtl="0">
               <a:spcBef>
                 <a:spcPts val="0"/>
               </a:spcBef>
@@ -9386,13 +10658,13 @@
               <a:buChar char="●"/>
             </a:pPr>
             <a:r>
-              <a:rPr lang="en"/>
+              <a:rPr lang="en" dirty="0"/>
               <a:t>Achieves residuals similar to direct QR factorization-based solvers</a:t>
             </a:r>
-            <a:endParaRPr/>
+            <a:endParaRPr dirty="0"/>
           </a:p>
           <a:p>
-            <a:pPr indent="-342900" lvl="0" marL="457200" rtl="0" algn="l">
+            <a:pPr marL="457200" lvl="0" indent="-342900" algn="l" rtl="0">
               <a:spcBef>
                 <a:spcPts val="0"/>
               </a:spcBef>
@@ -9403,10 +10675,10 @@
               <a:buChar char="●"/>
             </a:pPr>
             <a:r>
-              <a:rPr lang="en"/>
+              <a:rPr lang="en" dirty="0"/>
               <a:t>Scales significantly better than any other QR-based solver</a:t>
             </a:r>
-            <a:endParaRPr/>
+            <a:endParaRPr dirty="0"/>
           </a:p>
         </p:txBody>
       </p:sp>
@@ -9418,12 +10690,12 @@
 </p:sld>
 </file>
 
-<file path=ppt/slides/slide5.xml><?xml version="1.0" encoding="utf-8"?>
-<p:sld xmlns:a="http://schemas.openxmlformats.org/drawingml/2006/main" xmlns:r="http://schemas.openxmlformats.org/officeDocument/2006/relationships" xmlns:mc="http://schemas.openxmlformats.org/markup-compatibility/2006" xmlns:mv="urn:schemas-microsoft-com:mac:vml" xmlns:p="http://schemas.openxmlformats.org/presentationml/2006/main" xmlns:c="http://schemas.openxmlformats.org/drawingml/2006/chart" xmlns:dgm="http://schemas.openxmlformats.org/drawingml/2006/diagram" xmlns:o="urn:schemas-microsoft-com:office:office" xmlns:v="urn:schemas-microsoft-com:vml" xmlns:pvml="urn:schemas-microsoft-com:office:powerpoint" xmlns:com="http://schemas.openxmlformats.org/drawingml/2006/compatibility" xmlns:p14="http://schemas.microsoft.com/office/powerpoint/2010/main" xmlns:p15="http://schemas.microsoft.com/office/powerpoint/2012/main">
+<file path=ppt/slides/slide7.xml><?xml version="1.0" encoding="utf-8"?>
+<p:sld xmlns:a="http://schemas.openxmlformats.org/drawingml/2006/main" xmlns:r="http://schemas.openxmlformats.org/officeDocument/2006/relationships" xmlns:p="http://schemas.openxmlformats.org/presentationml/2006/main">
   <p:cSld>
     <p:spTree>
       <p:nvGrpSpPr>
-        <p:cNvPr id="82" name="Shape 82"/>
+        <p:cNvPr id="1" name="Shape 88"/>
         <p:cNvGrpSpPr/>
         <p:nvPr/>
       </p:nvGrpSpPr>
@@ -9437,8 +10709,10 @@
       </p:grpSpPr>
       <p:sp>
         <p:nvSpPr>
-          <p:cNvPr id="83" name="Google Shape;83;p17"/>
-          <p:cNvSpPr txBox="1"/>
+          <p:cNvPr id="89" name="Google Shape;89;p18"/>
+          <p:cNvSpPr txBox="1">
+            <a:spLocks noGrp="1"/>
+          </p:cNvSpPr>
           <p:nvPr>
             <p:ph type="title"/>
           </p:nvPr>
@@ -9453,12 +10727,12 @@
           </a:prstGeom>
         </p:spPr>
         <p:txBody>
-          <a:bodyPr anchorCtr="0" anchor="t" bIns="91425" lIns="91425" spcFirstLastPara="1" rIns="91425" wrap="square" tIns="91425">
+          <a:bodyPr spcFirstLastPara="1" wrap="square" lIns="91425" tIns="91425" rIns="91425" bIns="91425" anchor="t" anchorCtr="0">
             <a:noAutofit/>
           </a:bodyPr>
           <a:lstStyle/>
           <a:p>
-            <a:pPr indent="0" lvl="0" marL="0" rtl="0" algn="l">
+            <a:pPr marL="0" lvl="0" indent="0" algn="l" rtl="0">
               <a:spcBef>
                 <a:spcPts val="0"/>
               </a:spcBef>
@@ -9469,155 +10743,243 @@
             </a:pPr>
             <a:r>
               <a:rPr lang="en"/>
-              <a:t>The Algorithm</a:t>
+              <a:t>The Theory</a:t>
             </a:r>
             <a:endParaRPr/>
           </a:p>
         </p:txBody>
       </p:sp>
-      <p:sp>
-        <p:nvSpPr>
-          <p:cNvPr id="84" name="Google Shape;84;p17"/>
-          <p:cNvSpPr txBox="1"/>
-          <p:nvPr>
-            <p:ph idx="1" type="body"/>
-          </p:nvPr>
-        </p:nvSpPr>
-        <p:spPr>
-          <a:xfrm>
-            <a:off x="311700" y="1171600"/>
-            <a:ext cx="8520600" cy="3397200"/>
-          </a:xfrm>
-          <a:prstGeom prst="rect">
-            <a:avLst/>
-          </a:prstGeom>
-        </p:spPr>
-        <p:txBody>
-          <a:bodyPr anchorCtr="0" anchor="t" bIns="91425" lIns="91425" spcFirstLastPara="1" rIns="91425" wrap="square" tIns="91425">
-            <a:noAutofit/>
-          </a:bodyPr>
-          <a:lstStyle/>
-          <a:p>
-            <a:pPr indent="-342900" lvl="0" marL="457200" rtl="0" algn="l">
-              <a:spcBef>
-                <a:spcPts val="0"/>
-              </a:spcBef>
-              <a:spcAft>
-                <a:spcPts val="0"/>
-              </a:spcAft>
-              <a:buSzPts val="1800"/>
-              <a:buChar char="●"/>
-            </a:pPr>
-            <a:r>
-              <a:rPr lang="en"/>
-              <a:t>The idea of the algorithm is to take a random sample of rows from an overdetermined matrix and use the sample to approximate a solution</a:t>
-            </a:r>
-            <a:endParaRPr/>
-          </a:p>
-          <a:p>
-            <a:pPr indent="-342900" lvl="0" marL="457200" rtl="0" algn="l">
-              <a:spcBef>
-                <a:spcPts val="0"/>
-              </a:spcBef>
-              <a:spcAft>
-                <a:spcPts val="0"/>
-              </a:spcAft>
-              <a:buSzPts val="1800"/>
-              <a:buChar char="●"/>
-            </a:pPr>
-            <a:r>
-              <a:rPr lang="en"/>
-              <a:t>A uniform random sample doesn’t always produce a good preconditioner</a:t>
-            </a:r>
-            <a:endParaRPr/>
-          </a:p>
-          <a:p>
-            <a:pPr indent="-317500" lvl="1" marL="914400" rtl="0" algn="l">
-              <a:spcBef>
-                <a:spcPts val="0"/>
-              </a:spcBef>
-              <a:spcAft>
-                <a:spcPts val="0"/>
-              </a:spcAft>
-              <a:buSzPts val="1400"/>
-              <a:buChar char="○"/>
-            </a:pPr>
-            <a:r>
-              <a:rPr lang="en"/>
-              <a:t>Algorithm uses pre-processing steps to ensure a random sample will be a good preconditioner with high probability</a:t>
-            </a:r>
-            <a:endParaRPr/>
-          </a:p>
-          <a:p>
-            <a:pPr indent="-342900" lvl="0" marL="457200" rtl="0" algn="l">
-              <a:spcBef>
-                <a:spcPts val="0"/>
-              </a:spcBef>
-              <a:spcAft>
-                <a:spcPts val="0"/>
-              </a:spcAft>
-              <a:buSzPts val="1800"/>
-              <a:buChar char="●"/>
-            </a:pPr>
-            <a:r>
-              <a:rPr lang="en"/>
-              <a:t>Three main steps:</a:t>
-            </a:r>
-            <a:endParaRPr/>
-          </a:p>
-          <a:p>
-            <a:pPr indent="-317500" lvl="1" marL="914400" rtl="0" algn="l">
-              <a:spcBef>
-                <a:spcPts val="0"/>
-              </a:spcBef>
-              <a:spcAft>
-                <a:spcPts val="0"/>
-              </a:spcAft>
-              <a:buSzPts val="1400"/>
-              <a:buChar char="○"/>
-            </a:pPr>
-            <a:r>
-              <a:rPr lang="en"/>
-              <a:t>Row Mixing</a:t>
-            </a:r>
-            <a:endParaRPr/>
-          </a:p>
-          <a:p>
-            <a:pPr indent="-317500" lvl="1" marL="914400" rtl="0" algn="l">
-              <a:spcBef>
-                <a:spcPts val="0"/>
-              </a:spcBef>
-              <a:spcAft>
-                <a:spcPts val="0"/>
-              </a:spcAft>
-              <a:buSzPts val="1400"/>
-              <a:buChar char="○"/>
-            </a:pPr>
-            <a:r>
-              <a:rPr lang="en"/>
-              <a:t>Row sampling and QR factorization</a:t>
-            </a:r>
-            <a:endParaRPr/>
-          </a:p>
-          <a:p>
-            <a:pPr indent="-317500" lvl="1" marL="914400" rtl="0" algn="l">
-              <a:spcBef>
-                <a:spcPts val="0"/>
-              </a:spcBef>
-              <a:spcAft>
-                <a:spcPts val="0"/>
-              </a:spcAft>
-              <a:buSzPts val="1400"/>
-              <a:buChar char="○"/>
-            </a:pPr>
-            <a:r>
-              <a:rPr lang="en"/>
-              <a:t>Iterative Solution</a:t>
-            </a:r>
-            <a:endParaRPr/>
-          </a:p>
-        </p:txBody>
-      </p:sp>
+      <mc:AlternateContent xmlns:mc="http://schemas.openxmlformats.org/markup-compatibility/2006">
+        <mc:Choice xmlns:a14="http://schemas.microsoft.com/office/drawing/2010/main" Requires="a14">
+          <p:sp>
+            <p:nvSpPr>
+              <p:cNvPr id="90" name="Google Shape;90;p18"/>
+              <p:cNvSpPr txBox="1">
+                <a:spLocks noGrp="1"/>
+              </p:cNvSpPr>
+              <p:nvPr>
+                <p:ph type="body" idx="1"/>
+              </p:nvPr>
+            </p:nvSpPr>
+            <p:spPr>
+              <a:xfrm>
+                <a:off x="311700" y="1171600"/>
+                <a:ext cx="8520600" cy="3397200"/>
+              </a:xfrm>
+              <a:prstGeom prst="rect">
+                <a:avLst/>
+              </a:prstGeom>
+            </p:spPr>
+            <p:txBody>
+              <a:bodyPr spcFirstLastPara="1" wrap="square" lIns="91425" tIns="91425" rIns="91425" bIns="91425" anchor="t" anchorCtr="0">
+                <a:noAutofit/>
+              </a:bodyPr>
+              <a:lstStyle/>
+              <a:p>
+                <a:pPr marL="457200" lvl="0" indent="-342900" algn="l" rtl="0">
+                  <a:spcBef>
+                    <a:spcPts val="0"/>
+                  </a:spcBef>
+                  <a:spcAft>
+                    <a:spcPts val="0"/>
+                  </a:spcAft>
+                  <a:buSzPts val="1800"/>
+                  <a:buChar char="●"/>
+                </a:pPr>
+                <a:r>
+                  <a:rPr lang="en-US" dirty="0"/>
+                  <a:t>The quality of the random sample is dependent on the coherence of the matrix</a:t>
+                </a:r>
+              </a:p>
+              <a:p>
+                <a:pPr marL="914400" lvl="1" indent="-317500" algn="l" rtl="0">
+                  <a:spcBef>
+                    <a:spcPts val="0"/>
+                  </a:spcBef>
+                  <a:spcAft>
+                    <a:spcPts val="0"/>
+                  </a:spcAft>
+                  <a:buSzPts val="1400"/>
+                  <a:buChar char="○"/>
+                </a:pPr>
+                <a:r>
+                  <a:rPr lang="en-US" dirty="0"/>
+                  <a:t>Coherence (</a:t>
+                </a:r>
+                <a14:m>
+                  <m:oMath xmlns:m="http://schemas.openxmlformats.org/officeDocument/2006/math">
+                    <m:r>
+                      <a:rPr lang="en-US" b="0" i="1" smtClean="0">
+                        <a:latin typeface="Cambria Math" panose="02040503050406030204" pitchFamily="18" charset="0"/>
+                      </a:rPr>
+                      <m:t>𝜇</m:t>
+                    </m:r>
+                    <m:r>
+                      <a:rPr lang="en-US" b="0" i="1" smtClean="0">
+                        <a:latin typeface="Cambria Math" panose="02040503050406030204" pitchFamily="18" charset="0"/>
+                      </a:rPr>
+                      <m:t>(</m:t>
+                    </m:r>
+                    <m:r>
+                      <a:rPr lang="en-US" b="0" i="1" smtClean="0">
+                        <a:latin typeface="Cambria Math" panose="02040503050406030204" pitchFamily="18" charset="0"/>
+                      </a:rPr>
+                      <m:t>𝐴</m:t>
+                    </m:r>
+                    <m:r>
+                      <a:rPr lang="en-US" b="0" i="1" smtClean="0">
+                        <a:latin typeface="Cambria Math" panose="02040503050406030204" pitchFamily="18" charset="0"/>
+                      </a:rPr>
+                      <m:t>)</m:t>
+                    </m:r>
+                  </m:oMath>
+                </a14:m>
+                <a:r>
+                  <a:rPr lang="en-US" dirty="0"/>
+                  <a:t>) is the measure of how dependent the solution is on specific rows</a:t>
+                </a:r>
+              </a:p>
+              <a:p>
+                <a:pPr marL="914400" lvl="1" indent="-317500" algn="l" rtl="0">
+                  <a:spcBef>
+                    <a:spcPts val="0"/>
+                  </a:spcBef>
+                  <a:spcAft>
+                    <a:spcPts val="0"/>
+                  </a:spcAft>
+                  <a:buSzPts val="1400"/>
+                  <a:buChar char="○"/>
+                </a:pPr>
+                <a:r>
+                  <a:rPr lang="en-US" dirty="0"/>
+                  <a:t>If coherence is 1, then there exists a row that must be included in the sample to be full-rank</a:t>
+                </a:r>
+              </a:p>
+              <a:p>
+                <a:pPr marL="914400" lvl="1" indent="-317500" algn="l" rtl="0">
+                  <a:spcBef>
+                    <a:spcPts val="0"/>
+                  </a:spcBef>
+                  <a:spcAft>
+                    <a:spcPts val="0"/>
+                  </a:spcAft>
+                  <a:buSzPts val="1400"/>
+                  <a:buChar char="○"/>
+                </a:pPr>
+                <a:r>
+                  <a:rPr lang="en-US" dirty="0"/>
+                  <a:t>The coherence determines how many rows need to be sampled to bound the condition number with high probability</a:t>
+                </a:r>
+              </a:p>
+              <a:p>
+                <a:pPr marL="457200" lvl="0" indent="-342900" algn="l" rtl="0">
+                  <a:spcBef>
+                    <a:spcPts val="0"/>
+                  </a:spcBef>
+                  <a:spcAft>
+                    <a:spcPts val="0"/>
+                  </a:spcAft>
+                  <a:buSzPts val="1800"/>
+                  <a:buChar char="●"/>
+                </a:pPr>
+                <a:r>
+                  <a:rPr lang="en-US" dirty="0"/>
+                  <a:t>If coherence is large, then more rows need to be sampled to get a good preconditioner</a:t>
+                </a:r>
+              </a:p>
+              <a:p>
+                <a:pPr marL="457200" lvl="0" indent="-342900" algn="l" rtl="0">
+                  <a:spcBef>
+                    <a:spcPts val="0"/>
+                  </a:spcBef>
+                  <a:spcAft>
+                    <a:spcPts val="0"/>
+                  </a:spcAft>
+                  <a:buSzPts val="1800"/>
+                  <a:buChar char="●"/>
+                </a:pPr>
+                <a:r>
+                  <a:rPr lang="en-US" dirty="0"/>
+                  <a:t>A uniform sample of the rows works well for incoherent matrices</a:t>
+                </a:r>
+              </a:p>
+              <a:p>
+                <a:pPr marL="914400" lvl="1" indent="-317500" algn="l" rtl="0">
+                  <a:spcBef>
+                    <a:spcPts val="0"/>
+                  </a:spcBef>
+                  <a:spcAft>
+                    <a:spcPts val="0"/>
+                  </a:spcAft>
+                  <a:buSzPts val="1400"/>
+                  <a:buChar char="○"/>
+                </a:pPr>
+                <a:r>
+                  <a:rPr lang="en-US" dirty="0"/>
+                  <a:t>Want to make a coherent matrix incoherent</a:t>
+                </a:r>
+              </a:p>
+              <a:p>
+                <a:pPr marL="914400" lvl="1" indent="-317500" algn="l" rtl="0">
+                  <a:spcBef>
+                    <a:spcPts val="0"/>
+                  </a:spcBef>
+                  <a:spcAft>
+                    <a:spcPts val="0"/>
+                  </a:spcAft>
+                  <a:buSzPts val="1400"/>
+                  <a:buChar char="○"/>
+                </a:pPr>
+                <a:r>
+                  <a:rPr lang="en-US" dirty="0"/>
+                  <a:t>Achieve low coherence through row mixing</a:t>
+                </a:r>
+                <a:endParaRPr dirty="0"/>
+              </a:p>
+            </p:txBody>
+          </p:sp>
+        </mc:Choice>
+        <mc:Fallback>
+          <p:sp>
+            <p:nvSpPr>
+              <p:cNvPr id="90" name="Google Shape;90;p18"/>
+              <p:cNvSpPr txBox="1">
+                <a:spLocks noGrp="1" noRot="1" noChangeAspect="1" noMove="1" noResize="1" noEditPoints="1" noAdjustHandles="1" noChangeArrowheads="1" noChangeShapeType="1" noTextEdit="1"/>
+              </p:cNvSpPr>
+              <p:nvPr>
+                <p:ph type="body" idx="1"/>
+              </p:nvPr>
+            </p:nvSpPr>
+            <p:spPr>
+              <a:xfrm>
+                <a:off x="311700" y="1171600"/>
+                <a:ext cx="8520600" cy="3397200"/>
+              </a:xfrm>
+              <a:prstGeom prst="rect">
+                <a:avLst/>
+              </a:prstGeom>
+              <a:blipFill>
+                <a:blip r:embed="rId3"/>
+                <a:stretch>
+                  <a:fillRect/>
+                </a:stretch>
+              </a:blipFill>
+            </p:spPr>
+            <p:txBody>
+              <a:bodyPr/>
+              <a:lstStyle/>
+              <a:p>
+                <a:r>
+                  <a:rPr lang="en-US">
+                    <a:noFill/>
+                  </a:rPr>
+                  <a:t> </a:t>
+                </a:r>
+              </a:p>
+            </p:txBody>
+          </p:sp>
+        </mc:Fallback>
+      </mc:AlternateContent>
     </p:spTree>
   </p:cSld>
   <p:clrMapOvr>
@@ -9626,12 +10988,12 @@
 </p:sld>
 </file>
 
-<file path=ppt/slides/slide6.xml><?xml version="1.0" encoding="utf-8"?>
-<p:sld xmlns:a="http://schemas.openxmlformats.org/drawingml/2006/main" xmlns:r="http://schemas.openxmlformats.org/officeDocument/2006/relationships" xmlns:mc="http://schemas.openxmlformats.org/markup-compatibility/2006" xmlns:mv="urn:schemas-microsoft-com:mac:vml" xmlns:p="http://schemas.openxmlformats.org/presentationml/2006/main" xmlns:c="http://schemas.openxmlformats.org/drawingml/2006/chart" xmlns:dgm="http://schemas.openxmlformats.org/drawingml/2006/diagram" xmlns:o="urn:schemas-microsoft-com:office:office" xmlns:v="urn:schemas-microsoft-com:vml" xmlns:pvml="urn:schemas-microsoft-com:office:powerpoint" xmlns:com="http://schemas.openxmlformats.org/drawingml/2006/compatibility" xmlns:p14="http://schemas.microsoft.com/office/powerpoint/2010/main" xmlns:p15="http://schemas.microsoft.com/office/powerpoint/2012/main">
+<file path=ppt/slides/slide8.xml><?xml version="1.0" encoding="utf-8"?>
+<p:sld xmlns:a="http://schemas.openxmlformats.org/drawingml/2006/main" xmlns:r="http://schemas.openxmlformats.org/officeDocument/2006/relationships" xmlns:p="http://schemas.openxmlformats.org/presentationml/2006/main">
   <p:cSld>
     <p:spTree>
       <p:nvGrpSpPr>
-        <p:cNvPr id="88" name="Shape 88"/>
+        <p:cNvPr id="1" name="Shape 100"/>
         <p:cNvGrpSpPr/>
         <p:nvPr/>
       </p:nvGrpSpPr>
@@ -9645,8 +11007,10 @@
       </p:grpSpPr>
       <p:sp>
         <p:nvSpPr>
-          <p:cNvPr id="89" name="Google Shape;89;p18"/>
-          <p:cNvSpPr txBox="1"/>
+          <p:cNvPr id="101" name="Google Shape;101;p20"/>
+          <p:cNvSpPr txBox="1">
+            <a:spLocks noGrp="1"/>
+          </p:cNvSpPr>
           <p:nvPr>
             <p:ph type="title"/>
           </p:nvPr>
@@ -9661,12 +11025,12 @@
           </a:prstGeom>
         </p:spPr>
         <p:txBody>
-          <a:bodyPr anchorCtr="0" anchor="t" bIns="91425" lIns="91425" spcFirstLastPara="1" rIns="91425" wrap="square" tIns="91425">
+          <a:bodyPr spcFirstLastPara="1" wrap="square" lIns="91425" tIns="91425" rIns="91425" bIns="91425" anchor="t" anchorCtr="0">
             <a:noAutofit/>
           </a:bodyPr>
           <a:lstStyle/>
           <a:p>
-            <a:pPr indent="0" lvl="0" marL="0" rtl="0" algn="l">
+            <a:pPr marL="0" lvl="0" indent="0" algn="l" rtl="0">
               <a:spcBef>
                 <a:spcPts val="0"/>
               </a:spcBef>
@@ -9677,172 +11041,737 @@
             </a:pPr>
             <a:r>
               <a:rPr lang="en"/>
-              <a:t>The Theory</a:t>
+              <a:t>Row Sampling and QR Factorization</a:t>
             </a:r>
             <a:endParaRPr/>
           </a:p>
         </p:txBody>
       </p:sp>
-      <p:sp>
-        <p:nvSpPr>
-          <p:cNvPr id="90" name="Google Shape;90;p18"/>
-          <p:cNvSpPr txBox="1"/>
-          <p:nvPr>
-            <p:ph idx="1" type="body"/>
-          </p:nvPr>
-        </p:nvSpPr>
-        <p:spPr>
-          <a:xfrm>
-            <a:off x="311700" y="1171600"/>
-            <a:ext cx="8520600" cy="3397200"/>
-          </a:xfrm>
-          <a:prstGeom prst="rect">
-            <a:avLst/>
-          </a:prstGeom>
-        </p:spPr>
-        <p:txBody>
-          <a:bodyPr anchorCtr="0" anchor="t" bIns="91425" lIns="91425" spcFirstLastPara="1" rIns="91425" wrap="square" tIns="91425">
-            <a:noAutofit/>
-          </a:bodyPr>
-          <a:lstStyle/>
-          <a:p>
-            <a:pPr indent="-342900" lvl="0" marL="457200" rtl="0" algn="l">
-              <a:spcBef>
-                <a:spcPts val="0"/>
-              </a:spcBef>
-              <a:spcAft>
-                <a:spcPts val="0"/>
-              </a:spcAft>
-              <a:buSzPts val="1800"/>
-              <a:buChar char="●"/>
-            </a:pPr>
-            <a:r>
-              <a:rPr lang="en"/>
-              <a:t>The quality of the preconditioner is dependent on the coherence of the matrix</a:t>
-            </a:r>
-            <a:endParaRPr/>
-          </a:p>
-          <a:p>
-            <a:pPr indent="-317500" lvl="1" marL="914400" rtl="0" algn="l">
-              <a:spcBef>
-                <a:spcPts val="0"/>
-              </a:spcBef>
-              <a:spcAft>
-                <a:spcPts val="0"/>
-              </a:spcAft>
-              <a:buSzPts val="1400"/>
-              <a:buChar char="○"/>
-            </a:pPr>
-            <a:r>
-              <a:rPr lang="en"/>
-              <a:t>Coherence is the measure of how dependent the solution is on specific rows</a:t>
-            </a:r>
-            <a:endParaRPr/>
-          </a:p>
-          <a:p>
-            <a:pPr indent="-317500" lvl="1" marL="914400" rtl="0" algn="l">
-              <a:spcBef>
-                <a:spcPts val="0"/>
-              </a:spcBef>
-              <a:spcAft>
-                <a:spcPts val="0"/>
-              </a:spcAft>
-              <a:buSzPts val="1400"/>
-              <a:buChar char="○"/>
-            </a:pPr>
-            <a:r>
-              <a:rPr lang="en"/>
-              <a:t>If coherence is 1, then there exists a row that must be included in the sample to be full-rank</a:t>
-            </a:r>
-            <a:endParaRPr/>
-          </a:p>
-          <a:p>
-            <a:pPr indent="-317500" lvl="1" marL="914400" rtl="0" algn="l">
-              <a:spcBef>
-                <a:spcPts val="0"/>
-              </a:spcBef>
-              <a:spcAft>
-                <a:spcPts val="0"/>
-              </a:spcAft>
-              <a:buSzPts val="1400"/>
-              <a:buChar char="○"/>
-            </a:pPr>
-            <a:r>
-              <a:rPr lang="en"/>
-              <a:t>The coherence determines how many rows need to be sampled to bound the condition number with high probability</a:t>
-            </a:r>
-            <a:endParaRPr/>
-          </a:p>
-          <a:p>
-            <a:pPr indent="-342900" lvl="0" marL="457200" rtl="0" algn="l">
-              <a:spcBef>
-                <a:spcPts val="0"/>
-              </a:spcBef>
-              <a:spcAft>
-                <a:spcPts val="0"/>
-              </a:spcAft>
-              <a:buSzPts val="1800"/>
-              <a:buChar char="●"/>
-            </a:pPr>
-            <a:r>
-              <a:rPr lang="en"/>
-              <a:t>If coherence is large, then more rows need to be sampled to get a good preconditioner</a:t>
-            </a:r>
-            <a:endParaRPr/>
-          </a:p>
-          <a:p>
-            <a:pPr indent="-342900" lvl="0" marL="457200" rtl="0" algn="l">
-              <a:spcBef>
-                <a:spcPts val="0"/>
-              </a:spcBef>
-              <a:spcAft>
-                <a:spcPts val="0"/>
-              </a:spcAft>
-              <a:buSzPts val="1800"/>
-              <a:buChar char="●"/>
-            </a:pPr>
-            <a:r>
-              <a:rPr lang="en"/>
-              <a:t>A uniform sample of the rows works well for incoherent matrices</a:t>
-            </a:r>
-            <a:endParaRPr/>
-          </a:p>
-          <a:p>
-            <a:pPr indent="-317500" lvl="1" marL="914400" rtl="0" algn="l">
-              <a:spcBef>
-                <a:spcPts val="0"/>
-              </a:spcBef>
-              <a:spcAft>
-                <a:spcPts val="0"/>
-              </a:spcAft>
-              <a:buSzPts val="1400"/>
-              <a:buChar char="○"/>
-            </a:pPr>
-            <a:r>
-              <a:rPr lang="en"/>
-              <a:t>Want to make a coherent matrix incoherent</a:t>
-            </a:r>
-            <a:endParaRPr/>
-          </a:p>
-          <a:p>
-            <a:pPr indent="-317500" lvl="1" marL="914400" rtl="0" algn="l">
-              <a:spcBef>
-                <a:spcPts val="0"/>
-              </a:spcBef>
-              <a:spcAft>
-                <a:spcPts val="0"/>
-              </a:spcAft>
-              <a:buSzPts val="1400"/>
-              <a:buChar char="○"/>
-            </a:pPr>
-            <a:r>
-              <a:rPr lang="en"/>
-              <a:t>Achieve low coherence through row mixing</a:t>
-            </a:r>
-            <a:endParaRPr/>
-          </a:p>
-        </p:txBody>
-      </p:sp>
+      <mc:AlternateContent xmlns:mc="http://schemas.openxmlformats.org/markup-compatibility/2006">
+        <mc:Choice xmlns:a14="http://schemas.microsoft.com/office/drawing/2010/main" Requires="a14">
+          <p:sp>
+            <p:nvSpPr>
+              <p:cNvPr id="102" name="Google Shape;102;p20"/>
+              <p:cNvSpPr txBox="1">
+                <a:spLocks noGrp="1"/>
+              </p:cNvSpPr>
+              <p:nvPr>
+                <p:ph type="body" idx="1"/>
+              </p:nvPr>
+            </p:nvSpPr>
+            <p:spPr>
+              <a:xfrm>
+                <a:off x="311700" y="1171600"/>
+                <a:ext cx="8520600" cy="3397200"/>
+              </a:xfrm>
+              <a:prstGeom prst="rect">
+                <a:avLst/>
+              </a:prstGeom>
+            </p:spPr>
+            <p:txBody>
+              <a:bodyPr spcFirstLastPara="1" wrap="square" lIns="91425" tIns="91425" rIns="91425" bIns="91425" anchor="t" anchorCtr="0">
+                <a:noAutofit/>
+              </a:bodyPr>
+              <a:lstStyle/>
+              <a:p>
+                <a:pPr marL="457200" lvl="0" indent="-342900" algn="l" rtl="0">
+                  <a:spcBef>
+                    <a:spcPts val="0"/>
+                  </a:spcBef>
+                  <a:spcAft>
+                    <a:spcPts val="0"/>
+                  </a:spcAft>
+                  <a:buSzPts val="1800"/>
+                  <a:buChar char="●"/>
+                </a:pPr>
+                <a:r>
+                  <a:rPr lang="en-US" dirty="0"/>
+                  <a:t>Let </a:t>
+                </a:r>
+                <a14:m>
+                  <m:oMath xmlns:m="http://schemas.openxmlformats.org/officeDocument/2006/math">
+                    <m:sSup>
+                      <m:sSupPr>
+                        <m:ctrlPr>
+                          <a:rPr lang="en-US" b="0" i="1" smtClean="0">
+                            <a:latin typeface="Cambria Math" panose="02040503050406030204" pitchFamily="18" charset="0"/>
+                          </a:rPr>
+                        </m:ctrlPr>
+                      </m:sSupPr>
+                      <m:e>
+                        <m:r>
+                          <a:rPr lang="en-US" b="0" i="1" smtClean="0">
+                            <a:latin typeface="Cambria Math" panose="02040503050406030204" pitchFamily="18" charset="0"/>
+                          </a:rPr>
+                          <m:t>𝐴</m:t>
+                        </m:r>
+                      </m:e>
+                      <m:sup>
+                        <m:r>
+                          <a:rPr lang="en-US" b="0" i="1" smtClean="0">
+                            <a:latin typeface="Cambria Math" panose="02040503050406030204" pitchFamily="18" charset="0"/>
+                          </a:rPr>
+                          <m:t>′</m:t>
+                        </m:r>
+                      </m:sup>
+                    </m:sSup>
+                    <m:r>
+                      <a:rPr lang="en-US" b="0" i="1" smtClean="0">
+                        <a:latin typeface="Cambria Math" panose="02040503050406030204" pitchFamily="18" charset="0"/>
+                      </a:rPr>
+                      <m:t>,</m:t>
+                    </m:r>
+                  </m:oMath>
+                </a14:m>
+                <a:r>
+                  <a:rPr lang="en-US" dirty="0"/>
+                  <a:t> a </a:t>
+                </a:r>
+                <a14:m>
+                  <m:oMath xmlns:m="http://schemas.openxmlformats.org/officeDocument/2006/math">
+                    <m:r>
+                      <a:rPr lang="en-US" b="0" i="1" smtClean="0">
+                        <a:latin typeface="Cambria Math" panose="02040503050406030204" pitchFamily="18" charset="0"/>
+                      </a:rPr>
+                      <m:t>𝑟</m:t>
+                    </m:r>
+                    <m:r>
+                      <a:rPr lang="en-US" b="0" i="1" smtClean="0">
+                        <a:latin typeface="Cambria Math" panose="02040503050406030204" pitchFamily="18" charset="0"/>
+                      </a:rPr>
+                      <m:t>×</m:t>
+                    </m:r>
+                    <m:r>
+                      <a:rPr lang="en-US" b="0" i="1" smtClean="0">
+                        <a:latin typeface="Cambria Math" panose="02040503050406030204" pitchFamily="18" charset="0"/>
+                      </a:rPr>
+                      <m:t>𝑛</m:t>
+                    </m:r>
+                  </m:oMath>
+                </a14:m>
+                <a:r>
+                  <a:rPr lang="en-US" dirty="0"/>
+                  <a:t> matrix, be a uniform random sample from </a:t>
+                </a:r>
+                <a14:m>
+                  <m:oMath xmlns:m="http://schemas.openxmlformats.org/officeDocument/2006/math">
+                    <m:r>
+                      <a:rPr lang="en-US" b="0" i="1" smtClean="0">
+                        <a:latin typeface="Cambria Math" panose="02040503050406030204" pitchFamily="18" charset="0"/>
+                      </a:rPr>
+                      <m:t>𝐴</m:t>
+                    </m:r>
+                  </m:oMath>
+                </a14:m>
+                <a:r>
+                  <a:rPr lang="en-US" dirty="0"/>
+                  <a:t>, and </a:t>
+                </a:r>
+                <a14:m>
+                  <m:oMath xmlns:m="http://schemas.openxmlformats.org/officeDocument/2006/math">
+                    <m:r>
+                      <a:rPr lang="en-US" b="0" i="1" smtClean="0">
+                        <a:latin typeface="Cambria Math" panose="02040503050406030204" pitchFamily="18" charset="0"/>
+                      </a:rPr>
+                      <m:t>𝑄𝑅</m:t>
+                    </m:r>
+                    <m:r>
+                      <a:rPr lang="en-US" b="0" i="1" smtClean="0">
+                        <a:latin typeface="Cambria Math" panose="02040503050406030204" pitchFamily="18" charset="0"/>
+                      </a:rPr>
+                      <m:t>=</m:t>
+                    </m:r>
+                    <m:r>
+                      <a:rPr lang="en-US" b="0" i="1" smtClean="0">
+                        <a:latin typeface="Cambria Math" panose="02040503050406030204" pitchFamily="18" charset="0"/>
+                      </a:rPr>
+                      <m:t>𝐴</m:t>
+                    </m:r>
+                    <m:r>
+                      <a:rPr lang="en-US" b="0" i="1" smtClean="0">
+                        <a:latin typeface="Cambria Math" panose="02040503050406030204" pitchFamily="18" charset="0"/>
+                      </a:rPr>
+                      <m:t>′</m:t>
+                    </m:r>
+                  </m:oMath>
+                </a14:m>
+                <a:r>
+                  <a:rPr lang="en-US" dirty="0"/>
+                  <a:t> is the reduced </a:t>
+                </a:r>
+                <a14:m>
+                  <m:oMath xmlns:m="http://schemas.openxmlformats.org/officeDocument/2006/math">
+                    <m:r>
+                      <a:rPr lang="en-US" b="0" i="1" smtClean="0">
+                        <a:latin typeface="Cambria Math" panose="02040503050406030204" pitchFamily="18" charset="0"/>
+                      </a:rPr>
+                      <m:t>𝑄𝑅</m:t>
+                    </m:r>
+                  </m:oMath>
+                </a14:m>
+                <a:r>
+                  <a:rPr lang="en-US" dirty="0"/>
+                  <a:t> factorization, then we find that with probability at least </a:t>
+                </a:r>
+                <a14:m>
+                  <m:oMath xmlns:m="http://schemas.openxmlformats.org/officeDocument/2006/math">
+                    <m:r>
+                      <a:rPr lang="en-US" b="0" i="1" smtClean="0">
+                        <a:latin typeface="Cambria Math" panose="02040503050406030204" pitchFamily="18" charset="0"/>
+                      </a:rPr>
+                      <m:t>1−</m:t>
+                    </m:r>
+                    <m:r>
+                      <a:rPr lang="en-US" b="0" i="1" smtClean="0">
+                        <a:latin typeface="Cambria Math" panose="02040503050406030204" pitchFamily="18" charset="0"/>
+                      </a:rPr>
+                      <m:t>𝛿</m:t>
+                    </m:r>
+                    <m:r>
+                      <a:rPr lang="en-US" b="0" i="1" smtClean="0">
+                        <a:latin typeface="Cambria Math" panose="02040503050406030204" pitchFamily="18" charset="0"/>
+                      </a:rPr>
+                      <m:t>,</m:t>
+                    </m:r>
+                  </m:oMath>
+                </a14:m>
+                <a:endParaRPr lang="en-US" dirty="0"/>
+              </a:p>
+              <a:p>
+                <a:pPr marL="114300" lvl="0" indent="0" algn="ctr" rtl="0">
+                  <a:spcBef>
+                    <a:spcPts val="0"/>
+                  </a:spcBef>
+                  <a:spcAft>
+                    <a:spcPts val="0"/>
+                  </a:spcAft>
+                  <a:buSzPts val="1800"/>
+                  <a:buNone/>
+                </a:pPr>
+                <a14:m>
+                  <m:oMathPara xmlns:m="http://schemas.openxmlformats.org/officeDocument/2006/math">
+                    <m:oMathParaPr>
+                      <m:jc m:val="centerGroup"/>
+                    </m:oMathParaPr>
+                    <m:oMath xmlns:m="http://schemas.openxmlformats.org/officeDocument/2006/math">
+                      <m:r>
+                        <a:rPr lang="en-US" b="0" i="1" smtClean="0">
+                          <a:latin typeface="Cambria Math" panose="02040503050406030204" pitchFamily="18" charset="0"/>
+                        </a:rPr>
+                        <m:t>𝜅</m:t>
+                      </m:r>
+                      <m:d>
+                        <m:dPr>
+                          <m:ctrlPr>
+                            <a:rPr lang="en-US" b="0" i="1" smtClean="0">
+                              <a:latin typeface="Cambria Math" panose="02040503050406030204" pitchFamily="18" charset="0"/>
+                            </a:rPr>
+                          </m:ctrlPr>
+                        </m:dPr>
+                        <m:e>
+                          <m:r>
+                            <a:rPr lang="en-US" b="0" i="1" smtClean="0">
+                              <a:latin typeface="Cambria Math" panose="02040503050406030204" pitchFamily="18" charset="0"/>
+                            </a:rPr>
+                            <m:t>𝐴</m:t>
+                          </m:r>
+                          <m:sSup>
+                            <m:sSupPr>
+                              <m:ctrlPr>
+                                <a:rPr lang="en-US" b="0" i="1" smtClean="0">
+                                  <a:latin typeface="Cambria Math" panose="02040503050406030204" pitchFamily="18" charset="0"/>
+                                </a:rPr>
+                              </m:ctrlPr>
+                            </m:sSupPr>
+                            <m:e>
+                              <m:r>
+                                <a:rPr lang="en-US" b="0" i="1" smtClean="0">
+                                  <a:latin typeface="Cambria Math" panose="02040503050406030204" pitchFamily="18" charset="0"/>
+                                </a:rPr>
+                                <m:t>𝑅</m:t>
+                              </m:r>
+                            </m:e>
+                            <m:sup>
+                              <m:r>
+                                <a:rPr lang="en-US" b="0" i="1" smtClean="0">
+                                  <a:latin typeface="Cambria Math" panose="02040503050406030204" pitchFamily="18" charset="0"/>
+                                </a:rPr>
+                                <m:t>−1</m:t>
+                              </m:r>
+                            </m:sup>
+                          </m:sSup>
+                        </m:e>
+                      </m:d>
+                      <m:r>
+                        <a:rPr lang="en-US" b="0" i="1" smtClean="0">
+                          <a:latin typeface="Cambria Math" panose="02040503050406030204" pitchFamily="18" charset="0"/>
+                        </a:rPr>
+                        <m:t>≤</m:t>
+                      </m:r>
+                      <m:f>
+                        <m:fPr>
+                          <m:ctrlPr>
+                            <a:rPr lang="en-US" b="0" i="1" smtClean="0">
+                              <a:latin typeface="Cambria Math" panose="02040503050406030204" pitchFamily="18" charset="0"/>
+                            </a:rPr>
+                          </m:ctrlPr>
+                        </m:fPr>
+                        <m:num>
+                          <m:r>
+                            <a:rPr lang="en-US" b="0" i="1" smtClean="0">
+                              <a:latin typeface="Cambria Math" panose="02040503050406030204" pitchFamily="18" charset="0"/>
+                            </a:rPr>
+                            <m:t>1+</m:t>
+                          </m:r>
+                          <m:sSup>
+                            <m:sSupPr>
+                              <m:ctrlPr>
+                                <a:rPr lang="en-US" b="0" i="1" smtClean="0">
+                                  <a:latin typeface="Cambria Math" panose="02040503050406030204" pitchFamily="18" charset="0"/>
+                                </a:rPr>
+                              </m:ctrlPr>
+                            </m:sSupPr>
+                            <m:e>
+                              <m:r>
+                                <a:rPr lang="en-US" b="0" i="1" smtClean="0">
+                                  <a:latin typeface="Cambria Math" panose="02040503050406030204" pitchFamily="18" charset="0"/>
+                                </a:rPr>
+                                <m:t>𝛿</m:t>
+                              </m:r>
+                            </m:e>
+                            <m:sup>
+                              <m:r>
+                                <a:rPr lang="en-US" b="0" i="1" smtClean="0">
+                                  <a:latin typeface="Cambria Math" panose="02040503050406030204" pitchFamily="18" charset="0"/>
+                                </a:rPr>
+                                <m:t>−1</m:t>
+                              </m:r>
+                            </m:sup>
+                          </m:sSup>
+                          <m:r>
+                            <a:rPr lang="en-US" b="0" i="1" smtClean="0">
+                              <a:latin typeface="Cambria Math" panose="02040503050406030204" pitchFamily="18" charset="0"/>
+                            </a:rPr>
+                            <m:t>𝜏</m:t>
+                          </m:r>
+                        </m:num>
+                        <m:den>
+                          <m:r>
+                            <a:rPr lang="en-US" b="0" i="1" smtClean="0">
+                              <a:latin typeface="Cambria Math" panose="02040503050406030204" pitchFamily="18" charset="0"/>
+                            </a:rPr>
+                            <m:t>1−</m:t>
+                          </m:r>
+                          <m:sSup>
+                            <m:sSupPr>
+                              <m:ctrlPr>
+                                <a:rPr lang="en-US" b="0" i="1" smtClean="0">
+                                  <a:latin typeface="Cambria Math" panose="02040503050406030204" pitchFamily="18" charset="0"/>
+                                </a:rPr>
+                              </m:ctrlPr>
+                            </m:sSupPr>
+                            <m:e>
+                              <m:r>
+                                <a:rPr lang="en-US" b="0" i="1" smtClean="0">
+                                  <a:latin typeface="Cambria Math" panose="02040503050406030204" pitchFamily="18" charset="0"/>
+                                </a:rPr>
+                                <m:t>𝛿</m:t>
+                              </m:r>
+                            </m:e>
+                            <m:sup>
+                              <m:r>
+                                <a:rPr lang="en-US" b="0" i="1" smtClean="0">
+                                  <a:latin typeface="Cambria Math" panose="02040503050406030204" pitchFamily="18" charset="0"/>
+                                </a:rPr>
+                                <m:t>−1</m:t>
+                              </m:r>
+                            </m:sup>
+                          </m:sSup>
+                          <m:r>
+                            <a:rPr lang="en-US" b="0" i="1" smtClean="0">
+                              <a:latin typeface="Cambria Math" panose="02040503050406030204" pitchFamily="18" charset="0"/>
+                            </a:rPr>
+                            <m:t>𝜏</m:t>
+                          </m:r>
+                        </m:den>
+                      </m:f>
+                    </m:oMath>
+                  </m:oMathPara>
+                </a14:m>
+                <a:endParaRPr lang="en-US" dirty="0"/>
+              </a:p>
+              <a:p>
+                <a:pPr marL="114300" lvl="0" indent="0" rtl="0">
+                  <a:spcBef>
+                    <a:spcPts val="0"/>
+                  </a:spcBef>
+                  <a:spcAft>
+                    <a:spcPts val="0"/>
+                  </a:spcAft>
+                  <a:buSzPts val="1800"/>
+                  <a:buNone/>
+                </a:pPr>
+                <a:r>
+                  <a:rPr lang="en-US" dirty="0"/>
+                  <a:t>Where </a:t>
+                </a:r>
+                <a14:m>
+                  <m:oMath xmlns:m="http://schemas.openxmlformats.org/officeDocument/2006/math">
+                    <m:r>
+                      <a:rPr lang="en-US" b="0" i="1" smtClean="0">
+                        <a:latin typeface="Cambria Math" panose="02040503050406030204" pitchFamily="18" charset="0"/>
+                      </a:rPr>
+                      <m:t>𝜏</m:t>
+                    </m:r>
+                    <m:r>
+                      <a:rPr lang="en-US" b="0" i="1" smtClean="0">
+                        <a:latin typeface="Cambria Math" panose="02040503050406030204" pitchFamily="18" charset="0"/>
+                      </a:rPr>
+                      <m:t>=</m:t>
+                    </m:r>
+                    <m:r>
+                      <a:rPr lang="en-US" b="0" i="1" smtClean="0">
+                        <a:latin typeface="Cambria Math" panose="02040503050406030204" pitchFamily="18" charset="0"/>
+                      </a:rPr>
+                      <m:t>𝐶</m:t>
+                    </m:r>
+                    <m:rad>
+                      <m:radPr>
+                        <m:degHide m:val="on"/>
+                        <m:ctrlPr>
+                          <a:rPr lang="en-US" b="0" i="1" smtClean="0">
+                            <a:latin typeface="Cambria Math" panose="02040503050406030204" pitchFamily="18" charset="0"/>
+                          </a:rPr>
+                        </m:ctrlPr>
+                      </m:radPr>
+                      <m:deg/>
+                      <m:e>
+                        <m:r>
+                          <a:rPr lang="en-US" b="0" i="1" smtClean="0">
+                            <a:latin typeface="Cambria Math" panose="02040503050406030204" pitchFamily="18" charset="0"/>
+                          </a:rPr>
+                          <m:t>𝑚</m:t>
+                        </m:r>
+                        <m:r>
+                          <a:rPr lang="en-US" b="0" i="1" smtClean="0">
+                            <a:latin typeface="Cambria Math" panose="02040503050406030204" pitchFamily="18" charset="0"/>
+                          </a:rPr>
+                          <m:t>𝜇</m:t>
+                        </m:r>
+                        <m:d>
+                          <m:dPr>
+                            <m:ctrlPr>
+                              <a:rPr lang="en-US" b="0" i="1" smtClean="0">
+                                <a:latin typeface="Cambria Math" panose="02040503050406030204" pitchFamily="18" charset="0"/>
+                              </a:rPr>
+                            </m:ctrlPr>
+                          </m:dPr>
+                          <m:e>
+                            <m:r>
+                              <a:rPr lang="en-US" b="0" i="1" smtClean="0">
+                                <a:latin typeface="Cambria Math" panose="02040503050406030204" pitchFamily="18" charset="0"/>
+                              </a:rPr>
+                              <m:t>𝐴</m:t>
+                            </m:r>
+                          </m:e>
+                        </m:d>
+                        <m:r>
+                          <m:rPr>
+                            <m:sty m:val="p"/>
+                          </m:rPr>
+                          <a:rPr lang="en-US" b="0" i="1" smtClean="0">
+                            <a:latin typeface="Cambria Math" panose="02040503050406030204" pitchFamily="18" charset="0"/>
+                          </a:rPr>
+                          <m:t>log</m:t>
+                        </m:r>
+                        <m:d>
+                          <m:dPr>
+                            <m:ctrlPr>
+                              <a:rPr lang="en-US" b="0" i="1" smtClean="0">
+                                <a:latin typeface="Cambria Math" panose="02040503050406030204" pitchFamily="18" charset="0"/>
+                              </a:rPr>
+                            </m:ctrlPr>
+                          </m:dPr>
+                          <m:e>
+                            <m:r>
+                              <a:rPr lang="en-US" b="0" i="1" smtClean="0">
+                                <a:latin typeface="Cambria Math" panose="02040503050406030204" pitchFamily="18" charset="0"/>
+                              </a:rPr>
+                              <m:t>𝑟</m:t>
+                            </m:r>
+                          </m:e>
+                        </m:d>
+                        <m:r>
+                          <a:rPr lang="en-US" b="0" i="1" smtClean="0">
+                            <a:latin typeface="Cambria Math" panose="02040503050406030204" pitchFamily="18" charset="0"/>
+                          </a:rPr>
+                          <m:t>/</m:t>
+                        </m:r>
+                        <m:r>
+                          <a:rPr lang="en-US" b="0" i="1" smtClean="0">
+                            <a:latin typeface="Cambria Math" panose="02040503050406030204" pitchFamily="18" charset="0"/>
+                          </a:rPr>
+                          <m:t>𝑟</m:t>
+                        </m:r>
+                      </m:e>
+                    </m:rad>
+                  </m:oMath>
+                </a14:m>
+                <a:endParaRPr lang="en-US" dirty="0"/>
+              </a:p>
+              <a:p>
+                <a:pPr marL="114300" lvl="0" indent="0" algn="l" rtl="0">
+                  <a:spcBef>
+                    <a:spcPts val="0"/>
+                  </a:spcBef>
+                  <a:spcAft>
+                    <a:spcPts val="0"/>
+                  </a:spcAft>
+                  <a:buSzPts val="1800"/>
+                  <a:buNone/>
+                </a:pPr>
+                <a:endParaRPr lang="en-US" dirty="0"/>
+              </a:p>
+              <a:p>
+                <a:pPr marL="857250" lvl="1" indent="-285750">
+                  <a:spcBef>
+                    <a:spcPts val="0"/>
+                  </a:spcBef>
+                  <a:buSzPts val="1800"/>
+                </a:pPr>
+                <a:r>
+                  <a:rPr lang="en-US" dirty="0"/>
+                  <a:t>Need to sample </a:t>
+                </a:r>
+                <a14:m>
+                  <m:oMath xmlns:m="http://schemas.openxmlformats.org/officeDocument/2006/math">
+                    <m:r>
+                      <m:rPr>
+                        <m:sty m:val="p"/>
+                      </m:rPr>
+                      <a:rPr lang="en-US" b="0" i="0" smtClean="0">
+                        <a:latin typeface="Cambria Math" panose="02040503050406030204" pitchFamily="18" charset="0"/>
+                      </a:rPr>
+                      <m:t>Θ</m:t>
+                    </m:r>
+                    <m:d>
+                      <m:dPr>
+                        <m:ctrlPr>
+                          <a:rPr lang="en-US" b="0" i="1" smtClean="0">
+                            <a:latin typeface="Cambria Math" panose="02040503050406030204" pitchFamily="18" charset="0"/>
+                          </a:rPr>
+                        </m:ctrlPr>
+                      </m:dPr>
+                      <m:e>
+                        <m:r>
+                          <a:rPr lang="en-US" b="0" i="1" smtClean="0">
+                            <a:latin typeface="Cambria Math" panose="02040503050406030204" pitchFamily="18" charset="0"/>
+                          </a:rPr>
+                          <m:t>𝑛</m:t>
+                        </m:r>
+                        <m:r>
+                          <a:rPr lang="en-US" b="0" i="1" smtClean="0">
+                            <a:latin typeface="Cambria Math" panose="02040503050406030204" pitchFamily="18" charset="0"/>
+                          </a:rPr>
+                          <m:t> </m:t>
+                        </m:r>
+                        <m:r>
+                          <m:rPr>
+                            <m:sty m:val="p"/>
+                          </m:rPr>
+                          <a:rPr lang="en-US" b="0" i="1" smtClean="0">
+                            <a:latin typeface="Cambria Math" panose="02040503050406030204" pitchFamily="18" charset="0"/>
+                          </a:rPr>
+                          <m:t>log</m:t>
+                        </m:r>
+                        <m:r>
+                          <a:rPr lang="en-US" b="0" i="1" smtClean="0">
+                            <a:latin typeface="Cambria Math" panose="02040503050406030204" pitchFamily="18" charset="0"/>
+                          </a:rPr>
+                          <m:t> </m:t>
+                        </m:r>
+                        <m:d>
+                          <m:dPr>
+                            <m:ctrlPr>
+                              <a:rPr lang="en-US" b="0" i="1" smtClean="0">
+                                <a:latin typeface="Cambria Math" panose="02040503050406030204" pitchFamily="18" charset="0"/>
+                              </a:rPr>
+                            </m:ctrlPr>
+                          </m:dPr>
+                          <m:e>
+                            <m:r>
+                              <a:rPr lang="en-US" b="0" i="1" smtClean="0">
+                                <a:latin typeface="Cambria Math" panose="02040503050406030204" pitchFamily="18" charset="0"/>
+                              </a:rPr>
+                              <m:t>𝑚</m:t>
+                            </m:r>
+                          </m:e>
+                        </m:d>
+                        <m:r>
+                          <a:rPr lang="en-US" b="0" i="1" smtClean="0">
+                            <a:latin typeface="Cambria Math" panose="02040503050406030204" pitchFamily="18" charset="0"/>
+                          </a:rPr>
+                          <m:t> </m:t>
+                        </m:r>
+                        <m:r>
+                          <m:rPr>
+                            <m:sty m:val="p"/>
+                          </m:rPr>
+                          <a:rPr lang="en-US" b="0" i="1" smtClean="0">
+                            <a:latin typeface="Cambria Math" panose="02040503050406030204" pitchFamily="18" charset="0"/>
+                          </a:rPr>
+                          <m:t>log</m:t>
+                        </m:r>
+                        <m:d>
+                          <m:dPr>
+                            <m:ctrlPr>
+                              <a:rPr lang="en-US" b="0" i="1" smtClean="0">
+                                <a:latin typeface="Cambria Math" panose="02040503050406030204" pitchFamily="18" charset="0"/>
+                              </a:rPr>
+                            </m:ctrlPr>
+                          </m:dPr>
+                          <m:e>
+                            <m:r>
+                              <a:rPr lang="en-US" i="1">
+                                <a:latin typeface="Cambria Math" panose="02040503050406030204" pitchFamily="18" charset="0"/>
+                              </a:rPr>
+                              <m:t>𝑛</m:t>
+                            </m:r>
+                            <m:r>
+                              <a:rPr lang="en-US" i="1">
+                                <a:latin typeface="Cambria Math" panose="02040503050406030204" pitchFamily="18" charset="0"/>
+                              </a:rPr>
+                              <m:t> </m:t>
+                            </m:r>
+                            <m:r>
+                              <m:rPr>
+                                <m:sty m:val="p"/>
+                              </m:rPr>
+                              <a:rPr lang="en-US" i="1">
+                                <a:latin typeface="Cambria Math" panose="02040503050406030204" pitchFamily="18" charset="0"/>
+                              </a:rPr>
+                              <m:t>log</m:t>
+                            </m:r>
+                            <m:r>
+                              <a:rPr lang="en-US" i="1">
+                                <a:latin typeface="Cambria Math" panose="02040503050406030204" pitchFamily="18" charset="0"/>
+                              </a:rPr>
+                              <m:t> </m:t>
+                            </m:r>
+                            <m:d>
+                              <m:dPr>
+                                <m:ctrlPr>
+                                  <a:rPr lang="en-US" i="1">
+                                    <a:latin typeface="Cambria Math" panose="02040503050406030204" pitchFamily="18" charset="0"/>
+                                  </a:rPr>
+                                </m:ctrlPr>
+                              </m:dPr>
+                              <m:e>
+                                <m:r>
+                                  <a:rPr lang="en-US" i="1">
+                                    <a:latin typeface="Cambria Math" panose="02040503050406030204" pitchFamily="18" charset="0"/>
+                                  </a:rPr>
+                                  <m:t>𝑚</m:t>
+                                </m:r>
+                              </m:e>
+                            </m:d>
+                          </m:e>
+                        </m:d>
+                      </m:e>
+                    </m:d>
+                  </m:oMath>
+                </a14:m>
+                <a:r>
+                  <a:rPr lang="en-US" dirty="0"/>
+                  <a:t> to get </a:t>
+                </a:r>
+                <a14:m>
+                  <m:oMath xmlns:m="http://schemas.openxmlformats.org/officeDocument/2006/math">
+                    <m:r>
+                      <a:rPr lang="en-US" b="0" i="1" smtClean="0">
+                        <a:latin typeface="Cambria Math" panose="02040503050406030204" pitchFamily="18" charset="0"/>
+                      </a:rPr>
+                      <m:t>𝜅</m:t>
+                    </m:r>
+                    <m:r>
+                      <a:rPr lang="en-US" b="0" i="1" smtClean="0">
+                        <a:latin typeface="Cambria Math" panose="02040503050406030204" pitchFamily="18" charset="0"/>
+                      </a:rPr>
+                      <m:t>=</m:t>
+                    </m:r>
+                    <m:r>
+                      <m:rPr>
+                        <m:sty m:val="p"/>
+                      </m:rPr>
+                      <a:rPr lang="en-US" b="0" i="0" smtClean="0">
+                        <a:latin typeface="Cambria Math" panose="02040503050406030204" pitchFamily="18" charset="0"/>
+                      </a:rPr>
+                      <m:t>O</m:t>
+                    </m:r>
+                    <m:r>
+                      <a:rPr lang="en-US" b="0" i="0" smtClean="0">
+                        <a:latin typeface="Cambria Math" panose="02040503050406030204" pitchFamily="18" charset="0"/>
+                      </a:rPr>
+                      <m:t>(1)</m:t>
+                    </m:r>
+                  </m:oMath>
+                </a14:m>
+                <a:r>
+                  <a:rPr lang="en-US" dirty="0"/>
+                  <a:t> with high probability.</a:t>
+                </a:r>
+              </a:p>
+              <a:p>
+                <a:pPr marL="400050" indent="-285750"/>
+                <a:r>
+                  <a:rPr lang="en-US" dirty="0"/>
+                  <a:t> QR Factorization of sampled rows is computed using LAPACK’s DGEQRF</a:t>
+                </a:r>
+              </a:p>
+            </p:txBody>
+          </p:sp>
+        </mc:Choice>
+        <mc:Fallback>
+          <p:sp>
+            <p:nvSpPr>
+              <p:cNvPr id="102" name="Google Shape;102;p20"/>
+              <p:cNvSpPr txBox="1">
+                <a:spLocks noGrp="1" noRot="1" noChangeAspect="1" noMove="1" noResize="1" noEditPoints="1" noAdjustHandles="1" noChangeArrowheads="1" noChangeShapeType="1" noTextEdit="1"/>
+              </p:cNvSpPr>
+              <p:nvPr>
+                <p:ph type="body" idx="1"/>
+              </p:nvPr>
+            </p:nvSpPr>
+            <p:spPr>
+              <a:xfrm>
+                <a:off x="311700" y="1171600"/>
+                <a:ext cx="8520600" cy="3397200"/>
+              </a:xfrm>
+              <a:prstGeom prst="rect">
+                <a:avLst/>
+              </a:prstGeom>
+              <a:blipFill>
+                <a:blip r:embed="rId3"/>
+                <a:stretch>
+                  <a:fillRect/>
+                </a:stretch>
+              </a:blipFill>
+            </p:spPr>
+            <p:txBody>
+              <a:bodyPr/>
+              <a:lstStyle/>
+              <a:p>
+                <a:r>
+                  <a:rPr lang="en-US">
+                    <a:noFill/>
+                  </a:rPr>
+                  <a:t> </a:t>
+                </a:r>
+              </a:p>
+            </p:txBody>
+          </p:sp>
+        </mc:Fallback>
+      </mc:AlternateContent>
     </p:spTree>
   </p:cSld>
   <p:clrMapOvr>
@@ -9851,12 +11780,12 @@
 </p:sld>
 </file>
 
-<file path=ppt/slides/slide7.xml><?xml version="1.0" encoding="utf-8"?>
-<p:sld xmlns:a="http://schemas.openxmlformats.org/drawingml/2006/main" xmlns:r="http://schemas.openxmlformats.org/officeDocument/2006/relationships" xmlns:mc="http://schemas.openxmlformats.org/markup-compatibility/2006" xmlns:mv="urn:schemas-microsoft-com:mac:vml" xmlns:p="http://schemas.openxmlformats.org/presentationml/2006/main" xmlns:c="http://schemas.openxmlformats.org/drawingml/2006/chart" xmlns:dgm="http://schemas.openxmlformats.org/drawingml/2006/diagram" xmlns:o="urn:schemas-microsoft-com:office:office" xmlns:v="urn:schemas-microsoft-com:vml" xmlns:pvml="urn:schemas-microsoft-com:office:powerpoint" xmlns:com="http://schemas.openxmlformats.org/drawingml/2006/compatibility" xmlns:p14="http://schemas.microsoft.com/office/powerpoint/2010/main" xmlns:p15="http://schemas.microsoft.com/office/powerpoint/2012/main">
+<file path=ppt/slides/slide9.xml><?xml version="1.0" encoding="utf-8"?>
+<p:sld xmlns:a="http://schemas.openxmlformats.org/drawingml/2006/main" xmlns:r="http://schemas.openxmlformats.org/officeDocument/2006/relationships" xmlns:p="http://schemas.openxmlformats.org/presentationml/2006/main">
   <p:cSld>
     <p:spTree>
       <p:nvGrpSpPr>
-        <p:cNvPr id="94" name="Shape 94"/>
+        <p:cNvPr id="1" name="Shape 94"/>
         <p:cNvGrpSpPr/>
         <p:nvPr/>
       </p:nvGrpSpPr>
@@ -9871,7 +11800,9 @@
       <p:sp>
         <p:nvSpPr>
           <p:cNvPr id="95" name="Google Shape;95;p19"/>
-          <p:cNvSpPr txBox="1"/>
+          <p:cNvSpPr txBox="1">
+            <a:spLocks noGrp="1"/>
+          </p:cNvSpPr>
           <p:nvPr>
             <p:ph type="title"/>
           </p:nvPr>
@@ -9886,12 +11817,12 @@
           </a:prstGeom>
         </p:spPr>
         <p:txBody>
-          <a:bodyPr anchorCtr="0" anchor="t" bIns="91425" lIns="91425" spcFirstLastPara="1" rIns="91425" wrap="square" tIns="91425">
+          <a:bodyPr spcFirstLastPara="1" wrap="square" lIns="91425" tIns="91425" rIns="91425" bIns="91425" anchor="t" anchorCtr="0">
             <a:noAutofit/>
           </a:bodyPr>
           <a:lstStyle/>
           <a:p>
-            <a:pPr indent="0" lvl="0" marL="0" rtl="0" algn="l">
+            <a:pPr marL="0" lvl="0" indent="0" algn="l" rtl="0">
               <a:spcBef>
                 <a:spcPts val="0"/>
               </a:spcBef>
@@ -9908,491 +11839,298 @@
           </a:p>
         </p:txBody>
       </p:sp>
-      <p:sp>
-        <p:nvSpPr>
-          <p:cNvPr id="96" name="Google Shape;96;p19"/>
-          <p:cNvSpPr txBox="1"/>
-          <p:nvPr>
-            <p:ph idx="1" type="body"/>
-          </p:nvPr>
-        </p:nvSpPr>
-        <p:spPr>
-          <a:xfrm>
-            <a:off x="311700" y="1171600"/>
-            <a:ext cx="8520600" cy="3397200"/>
-          </a:xfrm>
-          <a:prstGeom prst="rect">
-            <a:avLst/>
-          </a:prstGeom>
-        </p:spPr>
-        <p:txBody>
-          <a:bodyPr anchorCtr="0" anchor="t" bIns="91425" lIns="91425" spcFirstLastPara="1" rIns="91425" wrap="square" tIns="91425">
-            <a:noAutofit/>
-          </a:bodyPr>
-          <a:lstStyle/>
-          <a:p>
-            <a:pPr indent="-342900" lvl="0" marL="457200" rtl="0" algn="l">
-              <a:spcBef>
-                <a:spcPts val="0"/>
-              </a:spcBef>
-              <a:spcAft>
-                <a:spcPts val="0"/>
-              </a:spcAft>
-              <a:buSzPts val="1800"/>
-              <a:buChar char="●"/>
-            </a:pPr>
-            <a:r>
-              <a:rPr lang="en"/>
-              <a:t>A unitary transform preserves condition number but reduces coherence</a:t>
-            </a:r>
-            <a:endParaRPr/>
-          </a:p>
-          <a:p>
-            <a:pPr indent="-342900" lvl="0" marL="457200" rtl="0" algn="l">
-              <a:spcBef>
-                <a:spcPts val="0"/>
-              </a:spcBef>
-              <a:spcAft>
-                <a:spcPts val="0"/>
-              </a:spcAft>
-              <a:buSzPts val="1800"/>
-              <a:buChar char="●"/>
-            </a:pPr>
-            <a:r>
-              <a:rPr lang="en"/>
-              <a:t>T</a:t>
-            </a:r>
-            <a:r>
-              <a:rPr lang="en"/>
-              <a:t>he paper uses the following algorithm to reduce coherence:</a:t>
-            </a:r>
-            <a:endParaRPr/>
-          </a:p>
-          <a:p>
-            <a:pPr indent="-317500" lvl="1" marL="914400" rtl="0" algn="l">
-              <a:lnSpc>
-                <a:spcPct val="150000"/>
-              </a:lnSpc>
-              <a:spcBef>
-                <a:spcPts val="0"/>
-              </a:spcBef>
-              <a:spcAft>
-                <a:spcPts val="0"/>
-              </a:spcAft>
-              <a:buSzPts val="1400"/>
-              <a:buChar char="○"/>
-            </a:pPr>
-            <a:r>
-              <a:rPr lang="en" sz="1200">
-                <a:solidFill>
-                  <a:srgbClr val="444444"/>
-                </a:solidFill>
-              </a:rPr>
-              <a:t>Randomly multiply each row by +1 or −1</a:t>
-            </a:r>
-            <a:endParaRPr sz="1200">
-              <a:solidFill>
-                <a:srgbClr val="444444"/>
-              </a:solidFill>
-            </a:endParaRPr>
-          </a:p>
-          <a:p>
-            <a:pPr indent="-304800" lvl="1" marL="914400" rtl="0" algn="l">
-              <a:lnSpc>
-                <a:spcPct val="150000"/>
-              </a:lnSpc>
-              <a:spcBef>
-                <a:spcPts val="0"/>
-              </a:spcBef>
-              <a:spcAft>
-                <a:spcPts val="0"/>
-              </a:spcAft>
-              <a:buClr>
-                <a:srgbClr val="444444"/>
-              </a:buClr>
-              <a:buSzPts val="1200"/>
-              <a:buChar char="○"/>
-            </a:pPr>
-            <a:r>
-              <a:rPr lang="en" sz="1200">
-                <a:solidFill>
-                  <a:srgbClr val="444444"/>
-                </a:solidFill>
-              </a:rPr>
-              <a:t>Apply a discrete cosine transform to each column</a:t>
-            </a:r>
-            <a:endParaRPr sz="1200">
-              <a:solidFill>
-                <a:srgbClr val="444444"/>
-              </a:solidFill>
-            </a:endParaRPr>
-          </a:p>
-          <a:p>
-            <a:pPr indent="-304800" lvl="1" marL="914400" rtl="0" algn="l">
-              <a:lnSpc>
-                <a:spcPct val="150000"/>
-              </a:lnSpc>
-              <a:spcBef>
-                <a:spcPts val="0"/>
-              </a:spcBef>
-              <a:spcAft>
-                <a:spcPts val="0"/>
-              </a:spcAft>
-              <a:buClr>
-                <a:srgbClr val="444444"/>
-              </a:buClr>
-              <a:buSzPts val="1200"/>
-              <a:buChar char="○"/>
-            </a:pPr>
-            <a:r>
-              <a:rPr lang="en" sz="1200">
-                <a:solidFill>
-                  <a:srgbClr val="444444"/>
-                </a:solidFill>
-              </a:rPr>
-              <a:t>Divide the first row by √2 to make the transformation orthogonal</a:t>
-            </a:r>
-            <a:endParaRPr sz="1200">
-              <a:solidFill>
-                <a:srgbClr val="444444"/>
-              </a:solidFill>
-            </a:endParaRPr>
-          </a:p>
-          <a:p>
-            <a:pPr indent="-342900" lvl="0" marL="457200" rtl="0" algn="l">
-              <a:lnSpc>
-                <a:spcPct val="150000"/>
-              </a:lnSpc>
-              <a:spcBef>
-                <a:spcPts val="0"/>
-              </a:spcBef>
-              <a:spcAft>
-                <a:spcPts val="0"/>
-              </a:spcAft>
-              <a:buClr>
-                <a:srgbClr val="444444"/>
-              </a:buClr>
-              <a:buSzPts val="1800"/>
-              <a:buChar char="●"/>
-            </a:pPr>
-            <a:r>
-              <a:rPr lang="en">
-                <a:solidFill>
-                  <a:srgbClr val="444444"/>
-                </a:solidFill>
-              </a:rPr>
-              <a:t>With high probability, the resulting coherence will be small</a:t>
-            </a:r>
-            <a:endParaRPr>
-              <a:solidFill>
-                <a:srgbClr val="444444"/>
-              </a:solidFill>
-            </a:endParaRPr>
-          </a:p>
-          <a:p>
-            <a:pPr indent="-342900" lvl="0" marL="457200" rtl="0" algn="l">
-              <a:lnSpc>
-                <a:spcPct val="150000"/>
-              </a:lnSpc>
-              <a:spcBef>
-                <a:spcPts val="0"/>
-              </a:spcBef>
-              <a:spcAft>
-                <a:spcPts val="0"/>
-              </a:spcAft>
-              <a:buClr>
-                <a:srgbClr val="444444"/>
-              </a:buClr>
-              <a:buSzPts val="1800"/>
-              <a:buChar char="●"/>
-            </a:pPr>
-            <a:r>
-              <a:rPr lang="en">
-                <a:solidFill>
-                  <a:srgbClr val="444444"/>
-                </a:solidFill>
-              </a:rPr>
-              <a:t>A uniform sample of the rows from this matrix will be a good preconditioner with high probability</a:t>
-            </a:r>
-            <a:endParaRPr>
-              <a:solidFill>
-                <a:srgbClr val="444444"/>
-              </a:solidFill>
-            </a:endParaRPr>
-          </a:p>
-        </p:txBody>
-      </p:sp>
-    </p:spTree>
-  </p:cSld>
-  <p:clrMapOvr>
-    <a:masterClrMapping/>
-  </p:clrMapOvr>
-</p:sld>
-</file>
-
-<file path=ppt/slides/slide8.xml><?xml version="1.0" encoding="utf-8"?>
-<p:sld xmlns:a="http://schemas.openxmlformats.org/drawingml/2006/main" xmlns:r="http://schemas.openxmlformats.org/officeDocument/2006/relationships" xmlns:mc="http://schemas.openxmlformats.org/markup-compatibility/2006" xmlns:mv="urn:schemas-microsoft-com:mac:vml" xmlns:p="http://schemas.openxmlformats.org/presentationml/2006/main" xmlns:c="http://schemas.openxmlformats.org/drawingml/2006/chart" xmlns:dgm="http://schemas.openxmlformats.org/drawingml/2006/diagram" xmlns:o="urn:schemas-microsoft-com:office:office" xmlns:v="urn:schemas-microsoft-com:vml" xmlns:pvml="urn:schemas-microsoft-com:office:powerpoint" xmlns:com="http://schemas.openxmlformats.org/drawingml/2006/compatibility" xmlns:p14="http://schemas.microsoft.com/office/powerpoint/2010/main" xmlns:p15="http://schemas.microsoft.com/office/powerpoint/2012/main">
-  <p:cSld>
-    <p:spTree>
-      <p:nvGrpSpPr>
-        <p:cNvPr id="100" name="Shape 100"/>
-        <p:cNvGrpSpPr/>
-        <p:nvPr/>
-      </p:nvGrpSpPr>
-      <p:grpSpPr>
-        <a:xfrm>
-          <a:off x="0" y="0"/>
-          <a:ext cx="0" cy="0"/>
-          <a:chOff x="0" y="0"/>
-          <a:chExt cx="0" cy="0"/>
-        </a:xfrm>
-      </p:grpSpPr>
-      <p:sp>
-        <p:nvSpPr>
-          <p:cNvPr id="101" name="Google Shape;101;p20"/>
-          <p:cNvSpPr txBox="1"/>
-          <p:nvPr>
-            <p:ph type="title"/>
-          </p:nvPr>
-        </p:nvSpPr>
-        <p:spPr>
-          <a:xfrm>
-            <a:off x="311700" y="445025"/>
-            <a:ext cx="8520600" cy="613200"/>
-          </a:xfrm>
-          <a:prstGeom prst="rect">
-            <a:avLst/>
-          </a:prstGeom>
-        </p:spPr>
-        <p:txBody>
-          <a:bodyPr anchorCtr="0" anchor="t" bIns="91425" lIns="91425" spcFirstLastPara="1" rIns="91425" wrap="square" tIns="91425">
-            <a:noAutofit/>
-          </a:bodyPr>
-          <a:lstStyle/>
-          <a:p>
-            <a:pPr indent="0" lvl="0" marL="0" rtl="0" algn="l">
-              <a:spcBef>
-                <a:spcPts val="0"/>
-              </a:spcBef>
-              <a:spcAft>
-                <a:spcPts val="0"/>
-              </a:spcAft>
-              <a:buNone/>
-            </a:pPr>
-            <a:r>
-              <a:rPr lang="en"/>
-              <a:t>Row Sampling and QR Factorization</a:t>
-            </a:r>
-            <a:endParaRPr/>
-          </a:p>
-        </p:txBody>
-      </p:sp>
-      <p:sp>
-        <p:nvSpPr>
-          <p:cNvPr id="102" name="Google Shape;102;p20"/>
-          <p:cNvSpPr txBox="1"/>
-          <p:nvPr>
-            <p:ph idx="1" type="body"/>
-          </p:nvPr>
-        </p:nvSpPr>
-        <p:spPr>
-          <a:xfrm>
-            <a:off x="311700" y="1171600"/>
-            <a:ext cx="8520600" cy="3397200"/>
-          </a:xfrm>
-          <a:prstGeom prst="rect">
-            <a:avLst/>
-          </a:prstGeom>
-        </p:spPr>
-        <p:txBody>
-          <a:bodyPr anchorCtr="0" anchor="t" bIns="91425" lIns="91425" spcFirstLastPara="1" rIns="91425" wrap="square" tIns="91425">
-            <a:noAutofit/>
-          </a:bodyPr>
-          <a:lstStyle/>
-          <a:p>
-            <a:pPr indent="-342900" lvl="0" marL="457200" rtl="0" algn="l">
-              <a:spcBef>
-                <a:spcPts val="0"/>
-              </a:spcBef>
-              <a:spcAft>
-                <a:spcPts val="0"/>
-              </a:spcAft>
-              <a:buSzPts val="1800"/>
-              <a:buChar char="●"/>
-            </a:pPr>
-            <a:r>
-              <a:rPr lang="en"/>
-              <a:t>The Sample is a random sample from pre-processed rows</a:t>
-            </a:r>
-            <a:endParaRPr/>
-          </a:p>
-          <a:p>
-            <a:pPr indent="-342900" lvl="0" marL="457200" rtl="0" algn="l">
-              <a:spcBef>
-                <a:spcPts val="0"/>
-              </a:spcBef>
-              <a:spcAft>
-                <a:spcPts val="0"/>
-              </a:spcAft>
-              <a:buSzPts val="1800"/>
-              <a:buChar char="●"/>
-            </a:pPr>
-            <a:r>
-              <a:rPr lang="en"/>
-              <a:t>QR Factorization of rows is computed using LAPACK’s DGEQRF</a:t>
-            </a:r>
-            <a:endParaRPr/>
-          </a:p>
-        </p:txBody>
-      </p:sp>
-    </p:spTree>
-  </p:cSld>
-  <p:clrMapOvr>
-    <a:masterClrMapping/>
-  </p:clrMapOvr>
-</p:sld>
-</file>
-
-<file path=ppt/slides/slide9.xml><?xml version="1.0" encoding="utf-8"?>
-<p:sld xmlns:a="http://schemas.openxmlformats.org/drawingml/2006/main" xmlns:r="http://schemas.openxmlformats.org/officeDocument/2006/relationships" xmlns:mc="http://schemas.openxmlformats.org/markup-compatibility/2006" xmlns:mv="urn:schemas-microsoft-com:mac:vml" xmlns:p="http://schemas.openxmlformats.org/presentationml/2006/main" xmlns:c="http://schemas.openxmlformats.org/drawingml/2006/chart" xmlns:dgm="http://schemas.openxmlformats.org/drawingml/2006/diagram" xmlns:o="urn:schemas-microsoft-com:office:office" xmlns:v="urn:schemas-microsoft-com:vml" xmlns:pvml="urn:schemas-microsoft-com:office:powerpoint" xmlns:com="http://schemas.openxmlformats.org/drawingml/2006/compatibility" xmlns:p14="http://schemas.microsoft.com/office/powerpoint/2010/main" xmlns:p15="http://schemas.microsoft.com/office/powerpoint/2012/main">
-  <p:cSld>
-    <p:spTree>
-      <p:nvGrpSpPr>
-        <p:cNvPr id="106" name="Shape 106"/>
-        <p:cNvGrpSpPr/>
-        <p:nvPr/>
-      </p:nvGrpSpPr>
-      <p:grpSpPr>
-        <a:xfrm>
-          <a:off x="0" y="0"/>
-          <a:ext cx="0" cy="0"/>
-          <a:chOff x="0" y="0"/>
-          <a:chExt cx="0" cy="0"/>
-        </a:xfrm>
-      </p:grpSpPr>
-      <p:sp>
-        <p:nvSpPr>
-          <p:cNvPr id="107" name="Google Shape;107;p21"/>
-          <p:cNvSpPr txBox="1"/>
-          <p:nvPr>
-            <p:ph type="title"/>
-          </p:nvPr>
-        </p:nvSpPr>
-        <p:spPr>
-          <a:xfrm>
-            <a:off x="311700" y="445025"/>
-            <a:ext cx="8520600" cy="613200"/>
-          </a:xfrm>
-          <a:prstGeom prst="rect">
-            <a:avLst/>
-          </a:prstGeom>
-        </p:spPr>
-        <p:txBody>
-          <a:bodyPr anchorCtr="0" anchor="t" bIns="91425" lIns="91425" spcFirstLastPara="1" rIns="91425" wrap="square" tIns="91425">
-            <a:noAutofit/>
-          </a:bodyPr>
-          <a:lstStyle/>
-          <a:p>
-            <a:pPr indent="0" lvl="0" marL="0" rtl="0" algn="l">
-              <a:spcBef>
-                <a:spcPts val="0"/>
-              </a:spcBef>
-              <a:spcAft>
-                <a:spcPts val="0"/>
-              </a:spcAft>
-              <a:buNone/>
-            </a:pPr>
-            <a:r>
-              <a:rPr lang="en"/>
-              <a:t>Iterative Solution</a:t>
-            </a:r>
-            <a:endParaRPr/>
-          </a:p>
-        </p:txBody>
-      </p:sp>
-      <p:sp>
-        <p:nvSpPr>
-          <p:cNvPr id="108" name="Google Shape;108;p21"/>
-          <p:cNvSpPr txBox="1"/>
-          <p:nvPr>
-            <p:ph idx="1" type="body"/>
-          </p:nvPr>
-        </p:nvSpPr>
-        <p:spPr>
-          <a:xfrm>
-            <a:off x="311700" y="1171600"/>
-            <a:ext cx="8520600" cy="3397200"/>
-          </a:xfrm>
-          <a:prstGeom prst="rect">
-            <a:avLst/>
-          </a:prstGeom>
-        </p:spPr>
-        <p:txBody>
-          <a:bodyPr anchorCtr="0" anchor="t" bIns="91425" lIns="91425" spcFirstLastPara="1" rIns="91425" wrap="square" tIns="91425">
-            <a:noAutofit/>
-          </a:bodyPr>
-          <a:lstStyle/>
-          <a:p>
-            <a:pPr indent="-342900" lvl="0" marL="457200" rtl="0" algn="l">
-              <a:spcBef>
-                <a:spcPts val="0"/>
-              </a:spcBef>
-              <a:spcAft>
-                <a:spcPts val="0"/>
-              </a:spcAft>
-              <a:buSzPts val="1800"/>
-              <a:buChar char="●"/>
-            </a:pPr>
-            <a:r>
-              <a:rPr lang="en"/>
-              <a:t>LSQR is used on the sampled rows to approximate the solution</a:t>
-            </a:r>
-            <a:endParaRPr/>
-          </a:p>
-          <a:p>
-            <a:pPr indent="-342900" lvl="0" marL="457200" rtl="0" algn="l">
-              <a:spcBef>
-                <a:spcPts val="0"/>
-              </a:spcBef>
-              <a:spcAft>
-                <a:spcPts val="0"/>
-              </a:spcAft>
-              <a:buSzPts val="1800"/>
-              <a:buChar char="●"/>
-            </a:pPr>
-            <a:r>
-              <a:rPr lang="en"/>
-              <a:t>This algorithm is</a:t>
-            </a:r>
-            <a:r>
-              <a:rPr lang="en"/>
-              <a:t> about as stable as a QR-based solver</a:t>
-            </a:r>
-            <a:endParaRPr/>
-          </a:p>
-          <a:p>
-            <a:pPr indent="-342900" lvl="0" marL="457200" rtl="0" algn="l">
-              <a:spcBef>
-                <a:spcPts val="0"/>
-              </a:spcBef>
-              <a:spcAft>
-                <a:spcPts val="0"/>
-              </a:spcAft>
-              <a:buSzPts val="1800"/>
-              <a:buChar char="●"/>
-            </a:pPr>
-            <a:r>
-              <a:rPr lang="en"/>
-              <a:t>Most of the running time is spent on multiplying vectors by A and A</a:t>
-            </a:r>
-            <a:r>
-              <a:rPr baseline="30000" lang="en"/>
-              <a:t>T</a:t>
-            </a:r>
-            <a:endParaRPr/>
-          </a:p>
-        </p:txBody>
-      </p:sp>
+      <mc:AlternateContent xmlns:mc="http://schemas.openxmlformats.org/markup-compatibility/2006">
+        <mc:Choice xmlns:a14="http://schemas.microsoft.com/office/drawing/2010/main" Requires="a14">
+          <p:sp>
+            <p:nvSpPr>
+              <p:cNvPr id="96" name="Google Shape;96;p19"/>
+              <p:cNvSpPr txBox="1">
+                <a:spLocks noGrp="1"/>
+              </p:cNvSpPr>
+              <p:nvPr>
+                <p:ph type="body" idx="1"/>
+              </p:nvPr>
+            </p:nvSpPr>
+            <p:spPr>
+              <a:xfrm>
+                <a:off x="311700" y="1171600"/>
+                <a:ext cx="8520600" cy="3397200"/>
+              </a:xfrm>
+              <a:prstGeom prst="rect">
+                <a:avLst/>
+              </a:prstGeom>
+            </p:spPr>
+            <p:txBody>
+              <a:bodyPr spcFirstLastPara="1" wrap="square" lIns="91425" tIns="91425" rIns="91425" bIns="91425" anchor="t" anchorCtr="0">
+                <a:noAutofit/>
+              </a:bodyPr>
+              <a:lstStyle/>
+              <a:p>
+                <a:pPr marL="457200" lvl="0" indent="-342900" algn="l" rtl="0">
+                  <a:spcBef>
+                    <a:spcPts val="0"/>
+                  </a:spcBef>
+                  <a:spcAft>
+                    <a:spcPts val="0"/>
+                  </a:spcAft>
+                  <a:buSzPts val="1800"/>
+                  <a:buChar char="●"/>
+                </a:pPr>
+                <a:r>
+                  <a:rPr lang="en-US" dirty="0"/>
+                  <a:t>A unitary transform preserves singular values but can reduced coherence</a:t>
+                </a:r>
+              </a:p>
+              <a:p>
+                <a:pPr marL="457200" lvl="0" indent="-342900" algn="l" rtl="0">
+                  <a:spcBef>
+                    <a:spcPts val="0"/>
+                  </a:spcBef>
+                  <a:spcAft>
+                    <a:spcPts val="0"/>
+                  </a:spcAft>
+                  <a:buSzPts val="1800"/>
+                  <a:buChar char="●"/>
+                </a:pPr>
+                <a:r>
+                  <a:rPr lang="en-US" dirty="0"/>
+                  <a:t>The paper uses the following algorithm to reduce coherence:</a:t>
+                </a:r>
+              </a:p>
+              <a:p>
+                <a:pPr marL="914400" lvl="1" indent="-317500" algn="l" rtl="0">
+                  <a:lnSpc>
+                    <a:spcPct val="150000"/>
+                  </a:lnSpc>
+                  <a:spcBef>
+                    <a:spcPts val="0"/>
+                  </a:spcBef>
+                  <a:spcAft>
+                    <a:spcPts val="0"/>
+                  </a:spcAft>
+                  <a:buSzPts val="1400"/>
+                  <a:buChar char="○"/>
+                </a:pPr>
+                <a:r>
+                  <a:rPr lang="en-US" sz="1200" dirty="0">
+                    <a:solidFill>
+                      <a:srgbClr val="444444"/>
+                    </a:solidFill>
+                  </a:rPr>
+                  <a:t>Randomly multiply each row by </a:t>
+                </a:r>
+                <a14:m>
+                  <m:oMath xmlns:m="http://schemas.openxmlformats.org/officeDocument/2006/math">
+                    <m:r>
+                      <a:rPr lang="en-US" sz="1200" b="0" i="1" smtClean="0">
+                        <a:solidFill>
+                          <a:srgbClr val="444444"/>
+                        </a:solidFill>
+                        <a:latin typeface="Cambria Math" panose="02040503050406030204" pitchFamily="18" charset="0"/>
+                      </a:rPr>
+                      <m:t>±1</m:t>
+                    </m:r>
+                  </m:oMath>
+                </a14:m>
+                <a:r>
+                  <a:rPr lang="en-US" sz="1200" dirty="0">
+                    <a:solidFill>
+                      <a:srgbClr val="444444"/>
+                    </a:solidFill>
+                  </a:rPr>
+                  <a:t> with equal probability</a:t>
+                </a:r>
+              </a:p>
+              <a:p>
+                <a:pPr marL="914400" lvl="1" indent="-304800" algn="l" rtl="0">
+                  <a:lnSpc>
+                    <a:spcPct val="150000"/>
+                  </a:lnSpc>
+                  <a:spcBef>
+                    <a:spcPts val="0"/>
+                  </a:spcBef>
+                  <a:spcAft>
+                    <a:spcPts val="0"/>
+                  </a:spcAft>
+                  <a:buClr>
+                    <a:srgbClr val="444444"/>
+                  </a:buClr>
+                  <a:buSzPts val="1200"/>
+                  <a:buChar char="○"/>
+                </a:pPr>
+                <a:r>
+                  <a:rPr lang="en-US" sz="1200" dirty="0">
+                    <a:solidFill>
+                      <a:srgbClr val="444444"/>
+                    </a:solidFill>
+                  </a:rPr>
+                  <a:t>Apply a discrete cosine transform to each column</a:t>
+                </a:r>
+              </a:p>
+              <a:p>
+                <a:pPr marL="914400" lvl="1" indent="-304800" algn="l" rtl="0">
+                  <a:lnSpc>
+                    <a:spcPct val="150000"/>
+                  </a:lnSpc>
+                  <a:spcBef>
+                    <a:spcPts val="0"/>
+                  </a:spcBef>
+                  <a:spcAft>
+                    <a:spcPts val="0"/>
+                  </a:spcAft>
+                  <a:buClr>
+                    <a:srgbClr val="444444"/>
+                  </a:buClr>
+                  <a:buSzPts val="1200"/>
+                  <a:buChar char="○"/>
+                </a:pPr>
+                <a:r>
+                  <a:rPr lang="en-US" sz="1200" dirty="0">
+                    <a:solidFill>
+                      <a:srgbClr val="444444"/>
+                    </a:solidFill>
+                  </a:rPr>
+                  <a:t>Divide the first row by </a:t>
+                </a:r>
+                <a14:m>
+                  <m:oMath xmlns:m="http://schemas.openxmlformats.org/officeDocument/2006/math">
+                    <m:rad>
+                      <m:radPr>
+                        <m:degHide m:val="on"/>
+                        <m:ctrlPr>
+                          <a:rPr lang="en-US" sz="1200" b="0" i="1" smtClean="0">
+                            <a:solidFill>
+                              <a:srgbClr val="444444"/>
+                            </a:solidFill>
+                            <a:latin typeface="Cambria Math" panose="02040503050406030204" pitchFamily="18" charset="0"/>
+                          </a:rPr>
+                        </m:ctrlPr>
+                      </m:radPr>
+                      <m:deg/>
+                      <m:e>
+                        <m:r>
+                          <a:rPr lang="en-US" sz="1200" b="0" i="1" smtClean="0">
+                            <a:solidFill>
+                              <a:srgbClr val="444444"/>
+                            </a:solidFill>
+                            <a:latin typeface="Cambria Math" panose="02040503050406030204" pitchFamily="18" charset="0"/>
+                          </a:rPr>
+                          <m:t>2</m:t>
+                        </m:r>
+                      </m:e>
+                    </m:rad>
+                  </m:oMath>
+                </a14:m>
+                <a:r>
+                  <a:rPr lang="en-US" sz="1200" dirty="0">
+                    <a:solidFill>
+                      <a:srgbClr val="444444"/>
+                    </a:solidFill>
+                  </a:rPr>
+                  <a:t> to make the transformation orthogonal</a:t>
+                </a:r>
+              </a:p>
+              <a:p>
+                <a:pPr marL="457200" lvl="0" indent="-342900" algn="l" rtl="0">
+                  <a:lnSpc>
+                    <a:spcPct val="150000"/>
+                  </a:lnSpc>
+                  <a:spcBef>
+                    <a:spcPts val="0"/>
+                  </a:spcBef>
+                  <a:spcAft>
+                    <a:spcPts val="0"/>
+                  </a:spcAft>
+                  <a:buClr>
+                    <a:srgbClr val="444444"/>
+                  </a:buClr>
+                  <a:buSzPts val="1800"/>
+                  <a:buChar char="●"/>
+                </a:pPr>
+                <a:r>
+                  <a:rPr lang="en-US" dirty="0">
+                    <a:solidFill>
+                      <a:srgbClr val="444444"/>
+                    </a:solidFill>
+                  </a:rPr>
+                  <a:t>With high probability, the resulting coherence will be small</a:t>
+                </a:r>
+              </a:p>
+              <a:p>
+                <a:pPr marL="457200" lvl="0" indent="-342900" algn="l" rtl="0">
+                  <a:lnSpc>
+                    <a:spcPct val="150000"/>
+                  </a:lnSpc>
+                  <a:spcBef>
+                    <a:spcPts val="0"/>
+                  </a:spcBef>
+                  <a:spcAft>
+                    <a:spcPts val="0"/>
+                  </a:spcAft>
+                  <a:buClr>
+                    <a:srgbClr val="444444"/>
+                  </a:buClr>
+                  <a:buSzPts val="1800"/>
+                  <a:buChar char="●"/>
+                </a:pPr>
+                <a:r>
+                  <a:rPr lang="en-US" dirty="0">
+                    <a:solidFill>
+                      <a:srgbClr val="444444"/>
+                    </a:solidFill>
+                  </a:rPr>
+                  <a:t>A uniform sample of the rows from this matrix will produce a good preconditioner with high probability</a:t>
+                </a:r>
+                <a:endParaRPr dirty="0">
+                  <a:solidFill>
+                    <a:srgbClr val="444444"/>
+                  </a:solidFill>
+                </a:endParaRPr>
+              </a:p>
+            </p:txBody>
+          </p:sp>
+        </mc:Choice>
+        <mc:Fallback>
+          <p:sp>
+            <p:nvSpPr>
+              <p:cNvPr id="96" name="Google Shape;96;p19"/>
+              <p:cNvSpPr txBox="1">
+                <a:spLocks noGrp="1" noRot="1" noChangeAspect="1" noMove="1" noResize="1" noEditPoints="1" noAdjustHandles="1" noChangeArrowheads="1" noChangeShapeType="1" noTextEdit="1"/>
+              </p:cNvSpPr>
+              <p:nvPr>
+                <p:ph type="body" idx="1"/>
+              </p:nvPr>
+            </p:nvSpPr>
+            <p:spPr>
+              <a:xfrm>
+                <a:off x="311700" y="1171600"/>
+                <a:ext cx="8520600" cy="3397200"/>
+              </a:xfrm>
+              <a:prstGeom prst="rect">
+                <a:avLst/>
+              </a:prstGeom>
+              <a:blipFill>
+                <a:blip r:embed="rId3"/>
+                <a:stretch>
+                  <a:fillRect/>
+                </a:stretch>
+              </a:blipFill>
+            </p:spPr>
+            <p:txBody>
+              <a:bodyPr/>
+              <a:lstStyle/>
+              <a:p>
+                <a:r>
+                  <a:rPr lang="en-US">
+                    <a:noFill/>
+                  </a:rPr>
+                  <a:t> </a:t>
+                </a:r>
+              </a:p>
+            </p:txBody>
+          </p:sp>
+        </mc:Fallback>
+      </mc:AlternateContent>
     </p:spTree>
   </p:cSld>
   <p:clrMapOvr>
@@ -10402,7 +12140,288 @@
 </file>
 
 <file path=ppt/theme/theme1.xml><?xml version="1.0" encoding="utf-8"?>
-<a:theme xmlns:a="http://schemas.openxmlformats.org/drawingml/2006/main" xmlns:r="http://schemas.openxmlformats.org/officeDocument/2006/relationships">
+<a:theme xmlns:a="http://schemas.openxmlformats.org/drawingml/2006/main" name="Paperback">
+  <a:themeElements>
+    <a:clrScheme name="Paperback">
+      <a:dk1>
+        <a:srgbClr val="000000"/>
+      </a:dk1>
+      <a:lt1>
+        <a:srgbClr val="FFFFFF"/>
+      </a:lt1>
+      <a:dk2>
+        <a:srgbClr val="00695C"/>
+      </a:dk2>
+      <a:lt2>
+        <a:srgbClr val="26A69A"/>
+      </a:lt2>
+      <a:accent1>
+        <a:srgbClr val="FFFBF0"/>
+      </a:accent1>
+      <a:accent2>
+        <a:srgbClr val="B7B7B7"/>
+      </a:accent2>
+      <a:accent3>
+        <a:srgbClr val="FB8C00"/>
+      </a:accent3>
+      <a:accent4>
+        <a:srgbClr val="80CBC4"/>
+      </a:accent4>
+      <a:accent5>
+        <a:srgbClr val="AF4345"/>
+      </a:accent5>
+      <a:accent6>
+        <a:srgbClr val="F58F8F"/>
+      </a:accent6>
+      <a:hlink>
+        <a:srgbClr val="AF4345"/>
+      </a:hlink>
+      <a:folHlink>
+        <a:srgbClr val="AF4345"/>
+      </a:folHlink>
+    </a:clrScheme>
+    <a:fontScheme name="Office">
+      <a:majorFont>
+        <a:latin typeface="Arial"/>
+        <a:ea typeface=""/>
+        <a:cs typeface=""/>
+        <a:font script="Jpan" typeface="ＭＳ Ｐゴシック"/>
+        <a:font script="Hang" typeface="맑은 고딕"/>
+        <a:font script="Hans" typeface="宋体"/>
+        <a:font script="Hant" typeface="新細明體"/>
+        <a:font script="Arab" typeface="Times New Roman"/>
+        <a:font script="Hebr" typeface="Times New Roman"/>
+        <a:font script="Thai" typeface="Angsana New"/>
+        <a:font script="Ethi" typeface="Nyala"/>
+        <a:font script="Beng" typeface="Vrinda"/>
+        <a:font script="Gujr" typeface="Shruti"/>
+        <a:font script="Khmr" typeface="MoolBoran"/>
+        <a:font script="Knda" typeface="Tunga"/>
+        <a:font script="Guru" typeface="Raavi"/>
+        <a:font script="Cans" typeface="Euphemia"/>
+        <a:font script="Cher" typeface="Plantagenet Cherokee"/>
+        <a:font script="Yiii" typeface="Microsoft Yi Baiti"/>
+        <a:font script="Tibt" typeface="Microsoft Himalaya"/>
+        <a:font script="Thaa" typeface="MV Boli"/>
+        <a:font script="Deva" typeface="Mangal"/>
+        <a:font script="Telu" typeface="Gautami"/>
+        <a:font script="Taml" typeface="Latha"/>
+        <a:font script="Syrc" typeface="Estrangelo Edessa"/>
+        <a:font script="Orya" typeface="Kalinga"/>
+        <a:font script="Mlym" typeface="Kartika"/>
+        <a:font script="Laoo" typeface="DokChampa"/>
+        <a:font script="Sinh" typeface="Iskoola Pota"/>
+        <a:font script="Mong" typeface="Mongolian Baiti"/>
+        <a:font script="Viet" typeface="Times New Roman"/>
+        <a:font script="Uigh" typeface="Microsoft Uighur"/>
+        <a:font script="Geor" typeface="Sylfaen"/>
+      </a:majorFont>
+      <a:minorFont>
+        <a:latin typeface="Arial"/>
+        <a:ea typeface=""/>
+        <a:cs typeface=""/>
+        <a:font script="Jpan" typeface="ＭＳ Ｐゴシック"/>
+        <a:font script="Hang" typeface="맑은 고딕"/>
+        <a:font script="Hans" typeface="宋体"/>
+        <a:font script="Hant" typeface="新細明體"/>
+        <a:font script="Arab" typeface="Arial"/>
+        <a:font script="Hebr" typeface="Arial"/>
+        <a:font script="Thai" typeface="Cordia New"/>
+        <a:font script="Ethi" typeface="Nyala"/>
+        <a:font script="Beng" typeface="Vrinda"/>
+        <a:font script="Gujr" typeface="Shruti"/>
+        <a:font script="Khmr" typeface="DaunPenh"/>
+        <a:font script="Knda" typeface="Tunga"/>
+        <a:font script="Guru" typeface="Raavi"/>
+        <a:font script="Cans" typeface="Euphemia"/>
+        <a:font script="Cher" typeface="Plantagenet Cherokee"/>
+        <a:font script="Yiii" typeface="Microsoft Yi Baiti"/>
+        <a:font script="Tibt" typeface="Microsoft Himalaya"/>
+        <a:font script="Thaa" typeface="MV Boli"/>
+        <a:font script="Deva" typeface="Mangal"/>
+        <a:font script="Telu" typeface="Gautami"/>
+        <a:font script="Taml" typeface="Latha"/>
+        <a:font script="Syrc" typeface="Estrangelo Edessa"/>
+        <a:font script="Orya" typeface="Kalinga"/>
+        <a:font script="Mlym" typeface="Kartika"/>
+        <a:font script="Laoo" typeface="DokChampa"/>
+        <a:font script="Sinh" typeface="Iskoola Pota"/>
+        <a:font script="Mong" typeface="Mongolian Baiti"/>
+        <a:font script="Viet" typeface="Arial"/>
+        <a:font script="Uigh" typeface="Microsoft Uighur"/>
+        <a:font script="Geor" typeface="Sylfaen"/>
+      </a:minorFont>
+    </a:fontScheme>
+    <a:fmtScheme name="Office">
+      <a:fillStyleLst>
+        <a:solidFill>
+          <a:schemeClr val="phClr"/>
+        </a:solidFill>
+        <a:gradFill rotWithShape="1">
+          <a:gsLst>
+            <a:gs pos="0">
+              <a:schemeClr val="phClr">
+                <a:tint val="50000"/>
+                <a:satMod val="300000"/>
+              </a:schemeClr>
+            </a:gs>
+            <a:gs pos="35000">
+              <a:schemeClr val="phClr">
+                <a:tint val="37000"/>
+                <a:satMod val="300000"/>
+              </a:schemeClr>
+            </a:gs>
+            <a:gs pos="100000">
+              <a:schemeClr val="phClr">
+                <a:tint val="15000"/>
+                <a:satMod val="350000"/>
+              </a:schemeClr>
+            </a:gs>
+          </a:gsLst>
+          <a:lin ang="16200000" scaled="1"/>
+        </a:gradFill>
+        <a:gradFill rotWithShape="1">
+          <a:gsLst>
+            <a:gs pos="0">
+              <a:schemeClr val="phClr">
+                <a:tint val="100000"/>
+                <a:shade val="100000"/>
+                <a:satMod val="130000"/>
+              </a:schemeClr>
+            </a:gs>
+            <a:gs pos="100000">
+              <a:schemeClr val="phClr">
+                <a:tint val="50000"/>
+                <a:shade val="100000"/>
+                <a:satMod val="350000"/>
+              </a:schemeClr>
+            </a:gs>
+          </a:gsLst>
+          <a:lin ang="16200000" scaled="0"/>
+        </a:gradFill>
+      </a:fillStyleLst>
+      <a:lnStyleLst>
+        <a:ln w="9525" cap="flat" cmpd="sng" algn="ctr">
+          <a:solidFill>
+            <a:schemeClr val="phClr">
+              <a:shade val="95000"/>
+              <a:satMod val="105000"/>
+            </a:schemeClr>
+          </a:solidFill>
+          <a:prstDash val="solid"/>
+        </a:ln>
+        <a:ln w="25400" cap="flat" cmpd="sng" algn="ctr">
+          <a:solidFill>
+            <a:schemeClr val="phClr"/>
+          </a:solidFill>
+          <a:prstDash val="solid"/>
+        </a:ln>
+        <a:ln w="38100" cap="flat" cmpd="sng" algn="ctr">
+          <a:solidFill>
+            <a:schemeClr val="phClr"/>
+          </a:solidFill>
+          <a:prstDash val="solid"/>
+        </a:ln>
+      </a:lnStyleLst>
+      <a:effectStyleLst>
+        <a:effectStyle>
+          <a:effectLst>
+            <a:outerShdw blurRad="40000" dist="20000" dir="5400000" rotWithShape="0">
+              <a:srgbClr val="000000">
+                <a:alpha val="38000"/>
+              </a:srgbClr>
+            </a:outerShdw>
+          </a:effectLst>
+        </a:effectStyle>
+        <a:effectStyle>
+          <a:effectLst>
+            <a:outerShdw blurRad="40000" dist="23000" dir="5400000" rotWithShape="0">
+              <a:srgbClr val="000000">
+                <a:alpha val="35000"/>
+              </a:srgbClr>
+            </a:outerShdw>
+          </a:effectLst>
+        </a:effectStyle>
+        <a:effectStyle>
+          <a:effectLst>
+            <a:outerShdw blurRad="40000" dist="23000" dir="5400000" rotWithShape="0">
+              <a:srgbClr val="000000">
+                <a:alpha val="35000"/>
+              </a:srgbClr>
+            </a:outerShdw>
+          </a:effectLst>
+          <a:scene3d>
+            <a:camera prst="orthographicFront">
+              <a:rot lat="0" lon="0" rev="0"/>
+            </a:camera>
+            <a:lightRig rig="threePt" dir="t">
+              <a:rot lat="0" lon="0" rev="1200000"/>
+            </a:lightRig>
+          </a:scene3d>
+          <a:sp3d>
+            <a:bevelT w="63500" h="25400"/>
+          </a:sp3d>
+        </a:effectStyle>
+      </a:effectStyleLst>
+      <a:bgFillStyleLst>
+        <a:solidFill>
+          <a:schemeClr val="phClr"/>
+        </a:solidFill>
+        <a:gradFill rotWithShape="1">
+          <a:gsLst>
+            <a:gs pos="0">
+              <a:schemeClr val="phClr">
+                <a:tint val="40000"/>
+                <a:satMod val="350000"/>
+              </a:schemeClr>
+            </a:gs>
+            <a:gs pos="40000">
+              <a:schemeClr val="phClr">
+                <a:tint val="45000"/>
+                <a:shade val="99000"/>
+                <a:satMod val="350000"/>
+              </a:schemeClr>
+            </a:gs>
+            <a:gs pos="100000">
+              <a:schemeClr val="phClr">
+                <a:shade val="20000"/>
+                <a:satMod val="255000"/>
+              </a:schemeClr>
+            </a:gs>
+          </a:gsLst>
+          <a:path path="circle">
+            <a:fillToRect l="50000" t="-80000" r="50000" b="180000"/>
+          </a:path>
+        </a:gradFill>
+        <a:gradFill rotWithShape="1">
+          <a:gsLst>
+            <a:gs pos="0">
+              <a:schemeClr val="phClr">
+                <a:tint val="80000"/>
+                <a:satMod val="300000"/>
+              </a:schemeClr>
+            </a:gs>
+            <a:gs pos="100000">
+              <a:schemeClr val="phClr">
+                <a:shade val="30000"/>
+                <a:satMod val="200000"/>
+              </a:schemeClr>
+            </a:gs>
+          </a:gsLst>
+          <a:path path="circle">
+            <a:fillToRect l="50000" t="50000" r="50000" b="50000"/>
+          </a:path>
+        </a:gradFill>
+      </a:bgFillStyleLst>
+    </a:fmtScheme>
+  </a:themeElements>
+  <a:objectDefaults/>
+  <a:extraClrSchemeLst/>
+</a:theme>
+</file>
+
+<file path=ppt/theme/theme2.xml><?xml version="1.0" encoding="utf-8"?>
+<a:theme xmlns:a="http://schemas.openxmlformats.org/drawingml/2006/main">
   <a:themeElements>
     <a:clrScheme name="Default">
       <a:dk1>
@@ -10677,284 +12696,7 @@
       </a:bgFillStyleLst>
     </a:fmtScheme>
   </a:themeElements>
-</a:theme>
-</file>
-
-<file path=ppt/theme/theme2.xml><?xml version="1.0" encoding="utf-8"?>
-<a:theme xmlns:a="http://schemas.openxmlformats.org/drawingml/2006/main" xmlns:r="http://schemas.openxmlformats.org/officeDocument/2006/relationships" name="Paperback">
-  <a:themeElements>
-    <a:clrScheme name="Paperback">
-      <a:dk1>
-        <a:srgbClr val="000000"/>
-      </a:dk1>
-      <a:lt1>
-        <a:srgbClr val="FFFFFF"/>
-      </a:lt1>
-      <a:dk2>
-        <a:srgbClr val="00695C"/>
-      </a:dk2>
-      <a:lt2>
-        <a:srgbClr val="26A69A"/>
-      </a:lt2>
-      <a:accent1>
-        <a:srgbClr val="FFFBF0"/>
-      </a:accent1>
-      <a:accent2>
-        <a:srgbClr val="B7B7B7"/>
-      </a:accent2>
-      <a:accent3>
-        <a:srgbClr val="FB8C00"/>
-      </a:accent3>
-      <a:accent4>
-        <a:srgbClr val="80CBC4"/>
-      </a:accent4>
-      <a:accent5>
-        <a:srgbClr val="AF4345"/>
-      </a:accent5>
-      <a:accent6>
-        <a:srgbClr val="F58F8F"/>
-      </a:accent6>
-      <a:hlink>
-        <a:srgbClr val="AF4345"/>
-      </a:hlink>
-      <a:folHlink>
-        <a:srgbClr val="AF4345"/>
-      </a:folHlink>
-    </a:clrScheme>
-    <a:fontScheme name="Office">
-      <a:majorFont>
-        <a:latin typeface="Arial"/>
-        <a:ea typeface=""/>
-        <a:cs typeface=""/>
-        <a:font script="Jpan" typeface="ＭＳ Ｐゴシック"/>
-        <a:font script="Hang" typeface="맑은 고딕"/>
-        <a:font script="Hans" typeface="宋体"/>
-        <a:font script="Hant" typeface="新細明體"/>
-        <a:font script="Arab" typeface="Times New Roman"/>
-        <a:font script="Hebr" typeface="Times New Roman"/>
-        <a:font script="Thai" typeface="Angsana New"/>
-        <a:font script="Ethi" typeface="Nyala"/>
-        <a:font script="Beng" typeface="Vrinda"/>
-        <a:font script="Gujr" typeface="Shruti"/>
-        <a:font script="Khmr" typeface="MoolBoran"/>
-        <a:font script="Knda" typeface="Tunga"/>
-        <a:font script="Guru" typeface="Raavi"/>
-        <a:font script="Cans" typeface="Euphemia"/>
-        <a:font script="Cher" typeface="Plantagenet Cherokee"/>
-        <a:font script="Yiii" typeface="Microsoft Yi Baiti"/>
-        <a:font script="Tibt" typeface="Microsoft Himalaya"/>
-        <a:font script="Thaa" typeface="MV Boli"/>
-        <a:font script="Deva" typeface="Mangal"/>
-        <a:font script="Telu" typeface="Gautami"/>
-        <a:font script="Taml" typeface="Latha"/>
-        <a:font script="Syrc" typeface="Estrangelo Edessa"/>
-        <a:font script="Orya" typeface="Kalinga"/>
-        <a:font script="Mlym" typeface="Kartika"/>
-        <a:font script="Laoo" typeface="DokChampa"/>
-        <a:font script="Sinh" typeface="Iskoola Pota"/>
-        <a:font script="Mong" typeface="Mongolian Baiti"/>
-        <a:font script="Viet" typeface="Times New Roman"/>
-        <a:font script="Uigh" typeface="Microsoft Uighur"/>
-        <a:font script="Geor" typeface="Sylfaen"/>
-      </a:majorFont>
-      <a:minorFont>
-        <a:latin typeface="Arial"/>
-        <a:ea typeface=""/>
-        <a:cs typeface=""/>
-        <a:font script="Jpan" typeface="ＭＳ Ｐゴシック"/>
-        <a:font script="Hang" typeface="맑은 고딕"/>
-        <a:font script="Hans" typeface="宋体"/>
-        <a:font script="Hant" typeface="新細明體"/>
-        <a:font script="Arab" typeface="Arial"/>
-        <a:font script="Hebr" typeface="Arial"/>
-        <a:font script="Thai" typeface="Cordia New"/>
-        <a:font script="Ethi" typeface="Nyala"/>
-        <a:font script="Beng" typeface="Vrinda"/>
-        <a:font script="Gujr" typeface="Shruti"/>
-        <a:font script="Khmr" typeface="DaunPenh"/>
-        <a:font script="Knda" typeface="Tunga"/>
-        <a:font script="Guru" typeface="Raavi"/>
-        <a:font script="Cans" typeface="Euphemia"/>
-        <a:font script="Cher" typeface="Plantagenet Cherokee"/>
-        <a:font script="Yiii" typeface="Microsoft Yi Baiti"/>
-        <a:font script="Tibt" typeface="Microsoft Himalaya"/>
-        <a:font script="Thaa" typeface="MV Boli"/>
-        <a:font script="Deva" typeface="Mangal"/>
-        <a:font script="Telu" typeface="Gautami"/>
-        <a:font script="Taml" typeface="Latha"/>
-        <a:font script="Syrc" typeface="Estrangelo Edessa"/>
-        <a:font script="Orya" typeface="Kalinga"/>
-        <a:font script="Mlym" typeface="Kartika"/>
-        <a:font script="Laoo" typeface="DokChampa"/>
-        <a:font script="Sinh" typeface="Iskoola Pota"/>
-        <a:font script="Mong" typeface="Mongolian Baiti"/>
-        <a:font script="Viet" typeface="Arial"/>
-        <a:font script="Uigh" typeface="Microsoft Uighur"/>
-        <a:font script="Geor" typeface="Sylfaen"/>
-      </a:minorFont>
-    </a:fontScheme>
-    <a:fmtScheme name="Office">
-      <a:fillStyleLst>
-        <a:solidFill>
-          <a:schemeClr val="phClr"/>
-        </a:solidFill>
-        <a:gradFill rotWithShape="1">
-          <a:gsLst>
-            <a:gs pos="0">
-              <a:schemeClr val="phClr">
-                <a:tint val="50000"/>
-                <a:satMod val="300000"/>
-              </a:schemeClr>
-            </a:gs>
-            <a:gs pos="35000">
-              <a:schemeClr val="phClr">
-                <a:tint val="37000"/>
-                <a:satMod val="300000"/>
-              </a:schemeClr>
-            </a:gs>
-            <a:gs pos="100000">
-              <a:schemeClr val="phClr">
-                <a:tint val="15000"/>
-                <a:satMod val="350000"/>
-              </a:schemeClr>
-            </a:gs>
-          </a:gsLst>
-          <a:lin ang="16200000" scaled="1"/>
-        </a:gradFill>
-        <a:gradFill rotWithShape="1">
-          <a:gsLst>
-            <a:gs pos="0">
-              <a:schemeClr val="phClr">
-                <a:tint val="100000"/>
-                <a:shade val="100000"/>
-                <a:satMod val="130000"/>
-              </a:schemeClr>
-            </a:gs>
-            <a:gs pos="100000">
-              <a:schemeClr val="phClr">
-                <a:tint val="50000"/>
-                <a:shade val="100000"/>
-                <a:satMod val="350000"/>
-              </a:schemeClr>
-            </a:gs>
-          </a:gsLst>
-          <a:lin ang="16200000" scaled="0"/>
-        </a:gradFill>
-      </a:fillStyleLst>
-      <a:lnStyleLst>
-        <a:ln w="9525" cap="flat" cmpd="sng" algn="ctr">
-          <a:solidFill>
-            <a:schemeClr val="phClr">
-              <a:shade val="95000"/>
-              <a:satMod val="105000"/>
-            </a:schemeClr>
-          </a:solidFill>
-          <a:prstDash val="solid"/>
-        </a:ln>
-        <a:ln w="25400" cap="flat" cmpd="sng" algn="ctr">
-          <a:solidFill>
-            <a:schemeClr val="phClr"/>
-          </a:solidFill>
-          <a:prstDash val="solid"/>
-        </a:ln>
-        <a:ln w="38100" cap="flat" cmpd="sng" algn="ctr">
-          <a:solidFill>
-            <a:schemeClr val="phClr"/>
-          </a:solidFill>
-          <a:prstDash val="solid"/>
-        </a:ln>
-      </a:lnStyleLst>
-      <a:effectStyleLst>
-        <a:effectStyle>
-          <a:effectLst>
-            <a:outerShdw blurRad="40000" dist="20000" dir="5400000" rotWithShape="0">
-              <a:srgbClr val="000000">
-                <a:alpha val="38000"/>
-              </a:srgbClr>
-            </a:outerShdw>
-          </a:effectLst>
-        </a:effectStyle>
-        <a:effectStyle>
-          <a:effectLst>
-            <a:outerShdw blurRad="40000" dist="23000" dir="5400000" rotWithShape="0">
-              <a:srgbClr val="000000">
-                <a:alpha val="35000"/>
-              </a:srgbClr>
-            </a:outerShdw>
-          </a:effectLst>
-        </a:effectStyle>
-        <a:effectStyle>
-          <a:effectLst>
-            <a:outerShdw blurRad="40000" dist="23000" dir="5400000" rotWithShape="0">
-              <a:srgbClr val="000000">
-                <a:alpha val="35000"/>
-              </a:srgbClr>
-            </a:outerShdw>
-          </a:effectLst>
-          <a:scene3d>
-            <a:camera prst="orthographicFront">
-              <a:rot lat="0" lon="0" rev="0"/>
-            </a:camera>
-            <a:lightRig rig="threePt" dir="t">
-              <a:rot lat="0" lon="0" rev="1200000"/>
-            </a:lightRig>
-          </a:scene3d>
-          <a:sp3d>
-            <a:bevelT w="63500" h="25400"/>
-          </a:sp3d>
-        </a:effectStyle>
-      </a:effectStyleLst>
-      <a:bgFillStyleLst>
-        <a:solidFill>
-          <a:schemeClr val="phClr"/>
-        </a:solidFill>
-        <a:gradFill rotWithShape="1">
-          <a:gsLst>
-            <a:gs pos="0">
-              <a:schemeClr val="phClr">
-                <a:tint val="40000"/>
-                <a:satMod val="350000"/>
-              </a:schemeClr>
-            </a:gs>
-            <a:gs pos="40000">
-              <a:schemeClr val="phClr">
-                <a:tint val="45000"/>
-                <a:shade val="99000"/>
-                <a:satMod val="350000"/>
-              </a:schemeClr>
-            </a:gs>
-            <a:gs pos="100000">
-              <a:schemeClr val="phClr">
-                <a:shade val="20000"/>
-                <a:satMod val="255000"/>
-              </a:schemeClr>
-            </a:gs>
-          </a:gsLst>
-          <a:path path="circle">
-            <a:fillToRect l="50000" t="-80000" r="50000" b="180000"/>
-          </a:path>
-        </a:gradFill>
-        <a:gradFill rotWithShape="1">
-          <a:gsLst>
-            <a:gs pos="0">
-              <a:schemeClr val="phClr">
-                <a:tint val="80000"/>
-                <a:satMod val="300000"/>
-              </a:schemeClr>
-            </a:gs>
-            <a:gs pos="100000">
-              <a:schemeClr val="phClr">
-                <a:shade val="30000"/>
-                <a:satMod val="200000"/>
-              </a:schemeClr>
-            </a:gs>
-          </a:gsLst>
-          <a:path path="circle">
-            <a:fillToRect l="50000" t="50000" r="50000" b="50000"/>
-          </a:path>
-        </a:gradFill>
-      </a:bgFillStyleLst>
-    </a:fmtScheme>
-  </a:themeElements>
+  <a:objectDefaults/>
+  <a:extraClrSchemeLst/>
 </a:theme>
 </file>
--- a/Blendenpik Presentation.pptx
+++ b/Blendenpik Presentation.pptx
@@ -5,7 +5,7 @@
     <p:sldMasterId id="2147483659" r:id="rId1"/>
   </p:sldMasterIdLst>
   <p:notesMasterIdLst>
-    <p:notesMasterId r:id="rId18"/>
+    <p:notesMasterId r:id="rId19"/>
   </p:notesMasterIdLst>
   <p:sldIdLst>
     <p:sldId id="256" r:id="rId2"/>
@@ -15,28 +15,29 @@
     <p:sldId id="260" r:id="rId6"/>
     <p:sldId id="259" r:id="rId7"/>
     <p:sldId id="261" r:id="rId8"/>
-    <p:sldId id="263" r:id="rId9"/>
-    <p:sldId id="262" r:id="rId10"/>
-    <p:sldId id="264" r:id="rId11"/>
-    <p:sldId id="265" r:id="rId12"/>
-    <p:sldId id="266" r:id="rId13"/>
-    <p:sldId id="267" r:id="rId14"/>
-    <p:sldId id="268" r:id="rId15"/>
-    <p:sldId id="269" r:id="rId16"/>
-    <p:sldId id="270" r:id="rId17"/>
+    <p:sldId id="262" r:id="rId9"/>
+    <p:sldId id="272" r:id="rId10"/>
+    <p:sldId id="263" r:id="rId11"/>
+    <p:sldId id="264" r:id="rId12"/>
+    <p:sldId id="265" r:id="rId13"/>
+    <p:sldId id="266" r:id="rId14"/>
+    <p:sldId id="267" r:id="rId15"/>
+    <p:sldId id="268" r:id="rId16"/>
+    <p:sldId id="269" r:id="rId17"/>
+    <p:sldId id="270" r:id="rId18"/>
   </p:sldIdLst>
   <p:sldSz cx="9144000" cy="5143500" type="screen16x9"/>
   <p:notesSz cx="6858000" cy="9144000"/>
   <p:embeddedFontLst>
     <p:embeddedFont>
       <p:font typeface="Cambria Math" panose="02040503050406030204" pitchFamily="18" charset="0"/>
-      <p:regular r:id="rId19"/>
+      <p:regular r:id="rId20"/>
     </p:embeddedFont>
     <p:embeddedFont>
       <p:font typeface="Old Standard TT" panose="020B0604020202020204" charset="0"/>
-      <p:regular r:id="rId20"/>
-      <p:bold r:id="rId21"/>
-      <p:italic r:id="rId22"/>
+      <p:regular r:id="rId21"/>
+      <p:bold r:id="rId22"/>
+      <p:italic r:id="rId23"/>
     </p:embeddedFont>
   </p:embeddedFontLst>
   <p:defaultTextStyle>
@@ -1981,6 +1982,110 @@
   <p:cSld>
     <p:spTree>
       <p:nvGrpSpPr>
+        <p:cNvPr id="1" name="Shape 91"/>
+        <p:cNvGrpSpPr/>
+        <p:nvPr/>
+      </p:nvGrpSpPr>
+      <p:grpSpPr>
+        <a:xfrm>
+          <a:off x="0" y="0"/>
+          <a:ext cx="0" cy="0"/>
+          <a:chOff x="0" y="0"/>
+          <a:chExt cx="0" cy="0"/>
+        </a:xfrm>
+      </p:grpSpPr>
+      <p:sp>
+        <p:nvSpPr>
+          <p:cNvPr id="92" name="Google Shape;92;g6bd0993aa1_0_1300:notes"/>
+          <p:cNvSpPr>
+            <a:spLocks noGrp="1" noRot="1" noChangeAspect="1"/>
+          </p:cNvSpPr>
+          <p:nvPr>
+            <p:ph type="sldImg" idx="2"/>
+          </p:nvPr>
+        </p:nvSpPr>
+        <p:spPr>
+          <a:xfrm>
+            <a:off x="381000" y="685800"/>
+            <a:ext cx="6096000" cy="3429000"/>
+          </a:xfrm>
+          <a:custGeom>
+            <a:avLst/>
+            <a:gdLst/>
+            <a:ahLst/>
+            <a:cxnLst/>
+            <a:rect l="l" t="t" r="r" b="b"/>
+            <a:pathLst>
+              <a:path w="120000" h="120000" extrusionOk="0">
+                <a:moveTo>
+                  <a:pt x="0" y="0"/>
+                </a:moveTo>
+                <a:lnTo>
+                  <a:pt x="120000" y="0"/>
+                </a:lnTo>
+                <a:lnTo>
+                  <a:pt x="120000" y="120000"/>
+                </a:lnTo>
+                <a:lnTo>
+                  <a:pt x="0" y="120000"/>
+                </a:lnTo>
+                <a:close/>
+              </a:path>
+            </a:pathLst>
+          </a:custGeom>
+        </p:spPr>
+      </p:sp>
+      <p:sp>
+        <p:nvSpPr>
+          <p:cNvPr id="93" name="Google Shape;93;g6bd0993aa1_0_1300:notes"/>
+          <p:cNvSpPr txBox="1">
+            <a:spLocks noGrp="1"/>
+          </p:cNvSpPr>
+          <p:nvPr>
+            <p:ph type="body" idx="1"/>
+          </p:nvPr>
+        </p:nvSpPr>
+        <p:spPr>
+          <a:xfrm>
+            <a:off x="685800" y="4343400"/>
+            <a:ext cx="5486400" cy="4114800"/>
+          </a:xfrm>
+          <a:prstGeom prst="rect">
+            <a:avLst/>
+          </a:prstGeom>
+        </p:spPr>
+        <p:txBody>
+          <a:bodyPr spcFirstLastPara="1" wrap="square" lIns="91425" tIns="91425" rIns="91425" bIns="91425" anchor="t" anchorCtr="0">
+            <a:noAutofit/>
+          </a:bodyPr>
+          <a:lstStyle/>
+          <a:p>
+            <a:pPr marL="0" lvl="0" indent="0" algn="l" rtl="0">
+              <a:spcBef>
+                <a:spcPts val="0"/>
+              </a:spcBef>
+              <a:spcAft>
+                <a:spcPts val="0"/>
+              </a:spcAft>
+              <a:buNone/>
+            </a:pPr>
+            <a:endParaRPr/>
+          </a:p>
+        </p:txBody>
+      </p:sp>
+    </p:spTree>
+  </p:cSld>
+  <p:clrMapOvr>
+    <a:masterClrMapping/>
+  </p:clrMapOvr>
+</p:notes>
+</file>
+
+<file path=ppt/notesSlides/notesSlide8.xml><?xml version="1.0" encoding="utf-8"?>
+<p:notes xmlns:a="http://schemas.openxmlformats.org/drawingml/2006/main" xmlns:r="http://schemas.openxmlformats.org/officeDocument/2006/relationships" xmlns:p="http://schemas.openxmlformats.org/presentationml/2006/main" showMasterSp="0" showMasterPhAnim="0">
+  <p:cSld>
+    <p:spTree>
+      <p:nvGrpSpPr>
         <p:cNvPr id="1" name="Shape 97"/>
         <p:cNvGrpSpPr/>
         <p:nvPr/>
@@ -2037,110 +2142,6 @@
       <p:sp>
         <p:nvSpPr>
           <p:cNvPr id="99" name="Google Shape;99;g6bd0993aa1_0_1305:notes"/>
-          <p:cNvSpPr txBox="1">
-            <a:spLocks noGrp="1"/>
-          </p:cNvSpPr>
-          <p:nvPr>
-            <p:ph type="body" idx="1"/>
-          </p:nvPr>
-        </p:nvSpPr>
-        <p:spPr>
-          <a:xfrm>
-            <a:off x="685800" y="4343400"/>
-            <a:ext cx="5486400" cy="4114800"/>
-          </a:xfrm>
-          <a:prstGeom prst="rect">
-            <a:avLst/>
-          </a:prstGeom>
-        </p:spPr>
-        <p:txBody>
-          <a:bodyPr spcFirstLastPara="1" wrap="square" lIns="91425" tIns="91425" rIns="91425" bIns="91425" anchor="t" anchorCtr="0">
-            <a:noAutofit/>
-          </a:bodyPr>
-          <a:lstStyle/>
-          <a:p>
-            <a:pPr marL="0" lvl="0" indent="0" algn="l" rtl="0">
-              <a:spcBef>
-                <a:spcPts val="0"/>
-              </a:spcBef>
-              <a:spcAft>
-                <a:spcPts val="0"/>
-              </a:spcAft>
-              <a:buNone/>
-            </a:pPr>
-            <a:endParaRPr/>
-          </a:p>
-        </p:txBody>
-      </p:sp>
-    </p:spTree>
-  </p:cSld>
-  <p:clrMapOvr>
-    <a:masterClrMapping/>
-  </p:clrMapOvr>
-</p:notes>
-</file>
-
-<file path=ppt/notesSlides/notesSlide8.xml><?xml version="1.0" encoding="utf-8"?>
-<p:notes xmlns:a="http://schemas.openxmlformats.org/drawingml/2006/main" xmlns:r="http://schemas.openxmlformats.org/officeDocument/2006/relationships" xmlns:p="http://schemas.openxmlformats.org/presentationml/2006/main" showMasterSp="0" showMasterPhAnim="0">
-  <p:cSld>
-    <p:spTree>
-      <p:nvGrpSpPr>
-        <p:cNvPr id="1" name="Shape 91"/>
-        <p:cNvGrpSpPr/>
-        <p:nvPr/>
-      </p:nvGrpSpPr>
-      <p:grpSpPr>
-        <a:xfrm>
-          <a:off x="0" y="0"/>
-          <a:ext cx="0" cy="0"/>
-          <a:chOff x="0" y="0"/>
-          <a:chExt cx="0" cy="0"/>
-        </a:xfrm>
-      </p:grpSpPr>
-      <p:sp>
-        <p:nvSpPr>
-          <p:cNvPr id="92" name="Google Shape;92;g6bd0993aa1_0_1300:notes"/>
-          <p:cNvSpPr>
-            <a:spLocks noGrp="1" noRot="1" noChangeAspect="1"/>
-          </p:cNvSpPr>
-          <p:nvPr>
-            <p:ph type="sldImg" idx="2"/>
-          </p:nvPr>
-        </p:nvSpPr>
-        <p:spPr>
-          <a:xfrm>
-            <a:off x="381000" y="685800"/>
-            <a:ext cx="6096000" cy="3429000"/>
-          </a:xfrm>
-          <a:custGeom>
-            <a:avLst/>
-            <a:gdLst/>
-            <a:ahLst/>
-            <a:cxnLst/>
-            <a:rect l="l" t="t" r="r" b="b"/>
-            <a:pathLst>
-              <a:path w="120000" h="120000" extrusionOk="0">
-                <a:moveTo>
-                  <a:pt x="0" y="0"/>
-                </a:moveTo>
-                <a:lnTo>
-                  <a:pt x="120000" y="0"/>
-                </a:lnTo>
-                <a:lnTo>
-                  <a:pt x="120000" y="120000"/>
-                </a:lnTo>
-                <a:lnTo>
-                  <a:pt x="0" y="120000"/>
-                </a:lnTo>
-                <a:close/>
-              </a:path>
-            </a:pathLst>
-          </a:custGeom>
-        </p:spPr>
-      </p:sp>
-      <p:sp>
-        <p:nvSpPr>
-          <p:cNvPr id="93" name="Google Shape;93;g6bd0993aa1_0_1300:notes"/>
           <p:cNvSpPr txBox="1">
             <a:spLocks noGrp="1"/>
           </p:cNvSpPr>
@@ -7981,3018 +7982,6 @@
   <p:cSld>
     <p:spTree>
       <p:nvGrpSpPr>
-        <p:cNvPr id="1" name="Shape 106"/>
-        <p:cNvGrpSpPr/>
-        <p:nvPr/>
-      </p:nvGrpSpPr>
-      <p:grpSpPr>
-        <a:xfrm>
-          <a:off x="0" y="0"/>
-          <a:ext cx="0" cy="0"/>
-          <a:chOff x="0" y="0"/>
-          <a:chExt cx="0" cy="0"/>
-        </a:xfrm>
-      </p:grpSpPr>
-      <p:sp>
-        <p:nvSpPr>
-          <p:cNvPr id="107" name="Google Shape;107;p21"/>
-          <p:cNvSpPr txBox="1">
-            <a:spLocks noGrp="1"/>
-          </p:cNvSpPr>
-          <p:nvPr>
-            <p:ph type="title"/>
-          </p:nvPr>
-        </p:nvSpPr>
-        <p:spPr>
-          <a:xfrm>
-            <a:off x="311700" y="445025"/>
-            <a:ext cx="8520600" cy="613200"/>
-          </a:xfrm>
-          <a:prstGeom prst="rect">
-            <a:avLst/>
-          </a:prstGeom>
-        </p:spPr>
-        <p:txBody>
-          <a:bodyPr spcFirstLastPara="1" wrap="square" lIns="91425" tIns="91425" rIns="91425" bIns="91425" anchor="t" anchorCtr="0">
-            <a:noAutofit/>
-          </a:bodyPr>
-          <a:lstStyle/>
-          <a:p>
-            <a:pPr marL="0" lvl="0" indent="0" algn="l" rtl="0">
-              <a:spcBef>
-                <a:spcPts val="0"/>
-              </a:spcBef>
-              <a:spcAft>
-                <a:spcPts val="0"/>
-              </a:spcAft>
-              <a:buNone/>
-            </a:pPr>
-            <a:r>
-              <a:rPr lang="en"/>
-              <a:t>Iterative Solution</a:t>
-            </a:r>
-            <a:endParaRPr/>
-          </a:p>
-        </p:txBody>
-      </p:sp>
-      <p:sp>
-        <p:nvSpPr>
-          <p:cNvPr id="108" name="Google Shape;108;p21"/>
-          <p:cNvSpPr txBox="1">
-            <a:spLocks noGrp="1"/>
-          </p:cNvSpPr>
-          <p:nvPr>
-            <p:ph type="body" idx="1"/>
-          </p:nvPr>
-        </p:nvSpPr>
-        <p:spPr>
-          <a:xfrm>
-            <a:off x="311700" y="1171600"/>
-            <a:ext cx="8520600" cy="3397200"/>
-          </a:xfrm>
-          <a:prstGeom prst="rect">
-            <a:avLst/>
-          </a:prstGeom>
-        </p:spPr>
-        <p:txBody>
-          <a:bodyPr spcFirstLastPara="1" wrap="square" lIns="91425" tIns="91425" rIns="91425" bIns="91425" anchor="t" anchorCtr="0">
-            <a:noAutofit/>
-          </a:bodyPr>
-          <a:lstStyle/>
-          <a:p>
-            <a:pPr marL="457200" lvl="0" indent="-342900" algn="l" rtl="0">
-              <a:spcBef>
-                <a:spcPts val="0"/>
-              </a:spcBef>
-              <a:spcAft>
-                <a:spcPts val="0"/>
-              </a:spcAft>
-              <a:buSzPts val="1800"/>
-              <a:buChar char="●"/>
-            </a:pPr>
-            <a:r>
-              <a:rPr lang="en" dirty="0"/>
-              <a:t>LSQR is used on the sampled rows to approximate the solution</a:t>
-            </a:r>
-            <a:endParaRPr dirty="0"/>
-          </a:p>
-          <a:p>
-            <a:pPr marL="457200" lvl="0" indent="-342900" algn="l" rtl="0">
-              <a:spcBef>
-                <a:spcPts val="0"/>
-              </a:spcBef>
-              <a:spcAft>
-                <a:spcPts val="0"/>
-              </a:spcAft>
-              <a:buSzPts val="1800"/>
-              <a:buChar char="●"/>
-            </a:pPr>
-            <a:r>
-              <a:rPr lang="en" dirty="0"/>
-              <a:t>This algorithm is about as stable as a QR-based solver</a:t>
-            </a:r>
-            <a:endParaRPr dirty="0"/>
-          </a:p>
-          <a:p>
-            <a:pPr marL="457200" lvl="0" indent="-342900" algn="l" rtl="0">
-              <a:spcBef>
-                <a:spcPts val="0"/>
-              </a:spcBef>
-              <a:spcAft>
-                <a:spcPts val="0"/>
-              </a:spcAft>
-              <a:buSzPts val="1800"/>
-              <a:buChar char="●"/>
-            </a:pPr>
-            <a:r>
-              <a:rPr lang="en" dirty="0"/>
-              <a:t>Most of the running time is spent on multiplying vectors by A and A</a:t>
-            </a:r>
-            <a:r>
-              <a:rPr lang="en" baseline="30000" dirty="0"/>
-              <a:t>T</a:t>
-            </a:r>
-            <a:endParaRPr dirty="0"/>
-          </a:p>
-        </p:txBody>
-      </p:sp>
-    </p:spTree>
-  </p:cSld>
-  <p:clrMapOvr>
-    <a:masterClrMapping/>
-  </p:clrMapOvr>
-</p:sld>
-</file>
-
-<file path=ppt/slides/slide11.xml><?xml version="1.0" encoding="utf-8"?>
-<p:sld xmlns:a="http://schemas.openxmlformats.org/drawingml/2006/main" xmlns:r="http://schemas.openxmlformats.org/officeDocument/2006/relationships" xmlns:p="http://schemas.openxmlformats.org/presentationml/2006/main">
-  <p:cSld>
-    <p:spTree>
-      <p:nvGrpSpPr>
-        <p:cNvPr id="1" name="Shape 112"/>
-        <p:cNvGrpSpPr/>
-        <p:nvPr/>
-      </p:nvGrpSpPr>
-      <p:grpSpPr>
-        <a:xfrm>
-          <a:off x="0" y="0"/>
-          <a:ext cx="0" cy="0"/>
-          <a:chOff x="0" y="0"/>
-          <a:chExt cx="0" cy="0"/>
-        </a:xfrm>
-      </p:grpSpPr>
-      <p:sp>
-        <p:nvSpPr>
-          <p:cNvPr id="113" name="Google Shape;113;p22"/>
-          <p:cNvSpPr txBox="1">
-            <a:spLocks noGrp="1"/>
-          </p:cNvSpPr>
-          <p:nvPr>
-            <p:ph type="title"/>
-          </p:nvPr>
-        </p:nvSpPr>
-        <p:spPr>
-          <a:xfrm>
-            <a:off x="311700" y="445025"/>
-            <a:ext cx="8520600" cy="613200"/>
-          </a:xfrm>
-          <a:prstGeom prst="rect">
-            <a:avLst/>
-          </a:prstGeom>
-        </p:spPr>
-        <p:txBody>
-          <a:bodyPr spcFirstLastPara="1" wrap="square" lIns="91425" tIns="91425" rIns="91425" bIns="91425" anchor="t" anchorCtr="0">
-            <a:noAutofit/>
-          </a:bodyPr>
-          <a:lstStyle/>
-          <a:p>
-            <a:pPr marL="0" lvl="0" indent="0" algn="l" rtl="0">
-              <a:spcBef>
-                <a:spcPts val="0"/>
-              </a:spcBef>
-              <a:spcAft>
-                <a:spcPts val="0"/>
-              </a:spcAft>
-              <a:buNone/>
-            </a:pPr>
-            <a:r>
-              <a:rPr lang="en"/>
-              <a:t>The Cost</a:t>
-            </a:r>
-            <a:endParaRPr/>
-          </a:p>
-        </p:txBody>
-      </p:sp>
-      <p:sp>
-        <p:nvSpPr>
-          <p:cNvPr id="114" name="Google Shape;114;p22"/>
-          <p:cNvSpPr txBox="1">
-            <a:spLocks noGrp="1"/>
-          </p:cNvSpPr>
-          <p:nvPr>
-            <p:ph type="body" idx="1"/>
-          </p:nvPr>
-        </p:nvSpPr>
-        <p:spPr>
-          <a:xfrm>
-            <a:off x="311700" y="1171600"/>
-            <a:ext cx="8520600" cy="3397200"/>
-          </a:xfrm>
-          <a:prstGeom prst="rect">
-            <a:avLst/>
-          </a:prstGeom>
-        </p:spPr>
-        <p:txBody>
-          <a:bodyPr spcFirstLastPara="1" wrap="square" lIns="91425" tIns="91425" rIns="91425" bIns="91425" anchor="t" anchorCtr="0">
-            <a:noAutofit/>
-          </a:bodyPr>
-          <a:lstStyle/>
-          <a:p>
-            <a:pPr marL="457200" lvl="0" indent="-342900" algn="l" rtl="0">
-              <a:spcBef>
-                <a:spcPts val="0"/>
-              </a:spcBef>
-              <a:spcAft>
-                <a:spcPts val="0"/>
-              </a:spcAft>
-              <a:buSzPts val="1800"/>
-              <a:buChar char="●"/>
-            </a:pPr>
-            <a:r>
-              <a:rPr lang="en" dirty="0"/>
-              <a:t>Row Mixing</a:t>
-            </a:r>
-            <a:endParaRPr dirty="0"/>
-          </a:p>
-          <a:p>
-            <a:pPr marL="914400" lvl="1" indent="-317500" algn="l" rtl="0">
-              <a:spcBef>
-                <a:spcPts val="0"/>
-              </a:spcBef>
-              <a:spcAft>
-                <a:spcPts val="0"/>
-              </a:spcAft>
-              <a:buSzPts val="1400"/>
-              <a:buChar char="○"/>
-            </a:pPr>
-            <a:r>
-              <a:rPr lang="en" dirty="0"/>
-              <a:t>Θ(mn log m)</a:t>
-            </a:r>
-            <a:endParaRPr dirty="0"/>
-          </a:p>
-          <a:p>
-            <a:pPr marL="457200" lvl="0" indent="-342900" algn="l" rtl="0">
-              <a:spcBef>
-                <a:spcPts val="0"/>
-              </a:spcBef>
-              <a:spcAft>
-                <a:spcPts val="0"/>
-              </a:spcAft>
-              <a:buSzPts val="1800"/>
-              <a:buChar char="●"/>
-            </a:pPr>
-            <a:r>
-              <a:rPr lang="en" dirty="0"/>
-              <a:t>Row Sampling and QR Factorization</a:t>
-            </a:r>
-            <a:endParaRPr dirty="0"/>
-          </a:p>
-          <a:p>
-            <a:pPr marL="914400" lvl="1" indent="-317500" algn="l" rtl="0">
-              <a:spcBef>
-                <a:spcPts val="0"/>
-              </a:spcBef>
-              <a:spcAft>
-                <a:spcPts val="0"/>
-              </a:spcAft>
-              <a:buSzPts val="1400"/>
-              <a:buChar char="○"/>
-            </a:pPr>
-            <a:r>
-              <a:rPr lang="en" dirty="0"/>
-              <a:t>Θ(n</a:t>
-            </a:r>
-            <a:r>
-              <a:rPr lang="en" baseline="30000" dirty="0"/>
-              <a:t>3</a:t>
-            </a:r>
-            <a:r>
-              <a:rPr lang="en" dirty="0"/>
-              <a:t>)</a:t>
-            </a:r>
-            <a:endParaRPr dirty="0"/>
-          </a:p>
-          <a:p>
-            <a:pPr marL="457200" lvl="0" indent="-342900" algn="l" rtl="0">
-              <a:spcBef>
-                <a:spcPts val="0"/>
-              </a:spcBef>
-              <a:spcAft>
-                <a:spcPts val="0"/>
-              </a:spcAft>
-              <a:buSzPts val="1800"/>
-              <a:buChar char="●"/>
-            </a:pPr>
-            <a:r>
-              <a:rPr lang="en" dirty="0"/>
-              <a:t>Iterative Solution</a:t>
-            </a:r>
-            <a:endParaRPr dirty="0"/>
-          </a:p>
-          <a:p>
-            <a:pPr marL="914400" lvl="1" indent="-317500" algn="l" rtl="0">
-              <a:spcBef>
-                <a:spcPts val="0"/>
-              </a:spcBef>
-              <a:spcAft>
-                <a:spcPts val="0"/>
-              </a:spcAft>
-              <a:buSzPts val="1400"/>
-              <a:buChar char="○"/>
-            </a:pPr>
-            <a:r>
-              <a:rPr lang="en" dirty="0"/>
-              <a:t>Most costly phase of algorithm</a:t>
-            </a:r>
-            <a:endParaRPr dirty="0"/>
-          </a:p>
-          <a:p>
-            <a:pPr marL="914400" lvl="1" indent="-317500" algn="l" rtl="0">
-              <a:spcBef>
-                <a:spcPts val="0"/>
-              </a:spcBef>
-              <a:spcAft>
-                <a:spcPts val="0"/>
-              </a:spcAft>
-              <a:buSzPts val="1400"/>
-              <a:buChar char="○"/>
-            </a:pPr>
-            <a:r>
-              <a:rPr lang="en" dirty="0"/>
-              <a:t>Each iteration is Θ(mn)</a:t>
-            </a:r>
-            <a:endParaRPr dirty="0"/>
-          </a:p>
-          <a:p>
-            <a:pPr marL="914400" lvl="1" indent="-317500" algn="l" rtl="0">
-              <a:spcBef>
-                <a:spcPts val="0"/>
-              </a:spcBef>
-              <a:spcAft>
-                <a:spcPts val="0"/>
-              </a:spcAft>
-              <a:buSzPts val="1400"/>
-              <a:buChar char="○"/>
-            </a:pPr>
-            <a:r>
-              <a:rPr lang="en" dirty="0"/>
-              <a:t>Number of iterations grows slowly</a:t>
-            </a:r>
-            <a:endParaRPr dirty="0"/>
-          </a:p>
-        </p:txBody>
-      </p:sp>
-    </p:spTree>
-  </p:cSld>
-  <p:clrMapOvr>
-    <a:masterClrMapping/>
-  </p:clrMapOvr>
-</p:sld>
-</file>
-
-<file path=ppt/slides/slide12.xml><?xml version="1.0" encoding="utf-8"?>
-<p:sld xmlns:a="http://schemas.openxmlformats.org/drawingml/2006/main" xmlns:r="http://schemas.openxmlformats.org/officeDocument/2006/relationships" xmlns:p="http://schemas.openxmlformats.org/presentationml/2006/main">
-  <p:cSld>
-    <p:spTree>
-      <p:nvGrpSpPr>
-        <p:cNvPr id="1" name="Shape 118"/>
-        <p:cNvGrpSpPr/>
-        <p:nvPr/>
-      </p:nvGrpSpPr>
-      <p:grpSpPr>
-        <a:xfrm>
-          <a:off x="0" y="0"/>
-          <a:ext cx="0" cy="0"/>
-          <a:chOff x="0" y="0"/>
-          <a:chExt cx="0" cy="0"/>
-        </a:xfrm>
-      </p:grpSpPr>
-      <p:sp>
-        <p:nvSpPr>
-          <p:cNvPr id="119" name="Google Shape;119;p23"/>
-          <p:cNvSpPr txBox="1">
-            <a:spLocks noGrp="1"/>
-          </p:cNvSpPr>
-          <p:nvPr>
-            <p:ph type="title"/>
-          </p:nvPr>
-        </p:nvSpPr>
-        <p:spPr>
-          <a:xfrm>
-            <a:off x="311700" y="445025"/>
-            <a:ext cx="8520600" cy="613200"/>
-          </a:xfrm>
-          <a:prstGeom prst="rect">
-            <a:avLst/>
-          </a:prstGeom>
-        </p:spPr>
-        <p:txBody>
-          <a:bodyPr spcFirstLastPara="1" wrap="square" lIns="91425" tIns="91425" rIns="91425" bIns="91425" anchor="t" anchorCtr="0">
-            <a:noAutofit/>
-          </a:bodyPr>
-          <a:lstStyle/>
-          <a:p>
-            <a:pPr marL="0" lvl="0" indent="0" algn="l" rtl="0">
-              <a:spcBef>
-                <a:spcPts val="0"/>
-              </a:spcBef>
-              <a:spcAft>
-                <a:spcPts val="0"/>
-              </a:spcAft>
-              <a:buNone/>
-            </a:pPr>
-            <a:r>
-              <a:rPr lang="en"/>
-              <a:t>Comparison to Prior Algorithms</a:t>
-            </a:r>
-            <a:endParaRPr/>
-          </a:p>
-        </p:txBody>
-      </p:sp>
-      <p:sp>
-        <p:nvSpPr>
-          <p:cNvPr id="120" name="Google Shape;120;p23"/>
-          <p:cNvSpPr txBox="1">
-            <a:spLocks noGrp="1"/>
-          </p:cNvSpPr>
-          <p:nvPr>
-            <p:ph type="body" idx="1"/>
-          </p:nvPr>
-        </p:nvSpPr>
-        <p:spPr>
-          <a:xfrm>
-            <a:off x="311700" y="1171600"/>
-            <a:ext cx="8520600" cy="3397200"/>
-          </a:xfrm>
-          <a:prstGeom prst="rect">
-            <a:avLst/>
-          </a:prstGeom>
-        </p:spPr>
-        <p:txBody>
-          <a:bodyPr spcFirstLastPara="1" wrap="square" lIns="91425" tIns="91425" rIns="91425" bIns="91425" anchor="t" anchorCtr="0">
-            <a:noAutofit/>
-          </a:bodyPr>
-          <a:lstStyle/>
-          <a:p>
-            <a:pPr marL="457200" lvl="0" indent="-342900" algn="l" rtl="0">
-              <a:spcBef>
-                <a:spcPts val="0"/>
-              </a:spcBef>
-              <a:spcAft>
-                <a:spcPts val="0"/>
-              </a:spcAft>
-              <a:buSzPts val="1800"/>
-              <a:buChar char="●"/>
-            </a:pPr>
-            <a:r>
-              <a:rPr lang="en"/>
-              <a:t>LAPACK</a:t>
-            </a:r>
-            <a:endParaRPr/>
-          </a:p>
-          <a:p>
-            <a:pPr marL="914400" lvl="1" indent="-317500" algn="l" rtl="0">
-              <a:spcBef>
-                <a:spcPts val="0"/>
-              </a:spcBef>
-              <a:spcAft>
-                <a:spcPts val="0"/>
-              </a:spcAft>
-              <a:buSzPts val="1400"/>
-              <a:buChar char="○"/>
-            </a:pPr>
-            <a:r>
-              <a:rPr lang="en"/>
-              <a:t>Blendenpik outperforms LAPACK on most matrices</a:t>
-            </a:r>
-            <a:endParaRPr/>
-          </a:p>
-          <a:p>
-            <a:pPr marL="457200" lvl="0" indent="-342900" algn="l" rtl="0">
-              <a:spcBef>
-                <a:spcPts val="0"/>
-              </a:spcBef>
-              <a:spcAft>
-                <a:spcPts val="0"/>
-              </a:spcAft>
-              <a:buSzPts val="1800"/>
-              <a:buChar char="●"/>
-            </a:pPr>
-            <a:r>
-              <a:rPr lang="en"/>
-              <a:t>Faster least squares approximation</a:t>
-            </a:r>
-            <a:endParaRPr/>
-          </a:p>
-          <a:p>
-            <a:pPr marL="914400" lvl="1" indent="-317500" algn="l" rtl="0">
-              <a:lnSpc>
-                <a:spcPct val="150000"/>
-              </a:lnSpc>
-              <a:spcBef>
-                <a:spcPts val="0"/>
-              </a:spcBef>
-              <a:spcAft>
-                <a:spcPts val="0"/>
-              </a:spcAft>
-              <a:buSzPts val="1400"/>
-              <a:buChar char="○"/>
-            </a:pPr>
-            <a:r>
-              <a:rPr lang="en">
-                <a:solidFill>
-                  <a:srgbClr val="444444"/>
-                </a:solidFill>
-              </a:rPr>
-              <a:t>Proposes a more sophisticated algorithm that leads to a small residual for any matrix</a:t>
-            </a:r>
-            <a:endParaRPr>
-              <a:solidFill>
-                <a:srgbClr val="444444"/>
-              </a:solidFill>
-            </a:endParaRPr>
-          </a:p>
-          <a:p>
-            <a:pPr marL="914400" lvl="1" indent="-317500" algn="l" rtl="0">
-              <a:lnSpc>
-                <a:spcPct val="150000"/>
-              </a:lnSpc>
-              <a:spcBef>
-                <a:spcPts val="0"/>
-              </a:spcBef>
-              <a:spcAft>
-                <a:spcPts val="0"/>
-              </a:spcAft>
-              <a:buSzPts val="1400"/>
-              <a:buChar char="○"/>
-            </a:pPr>
-            <a:r>
-              <a:rPr lang="en">
-                <a:solidFill>
-                  <a:srgbClr val="444444"/>
-                </a:solidFill>
-              </a:rPr>
-              <a:t>Small uniform sample does not work on any matrix</a:t>
-            </a:r>
-            <a:endParaRPr>
-              <a:solidFill>
-                <a:srgbClr val="444444"/>
-              </a:solidFill>
-            </a:endParaRPr>
-          </a:p>
-          <a:p>
-            <a:pPr marL="457200" lvl="0" indent="-342900" algn="l" rtl="0">
-              <a:spcBef>
-                <a:spcPts val="0"/>
-              </a:spcBef>
-              <a:spcAft>
-                <a:spcPts val="0"/>
-              </a:spcAft>
-              <a:buSzPts val="1800"/>
-              <a:buChar char="●"/>
-            </a:pPr>
-            <a:r>
-              <a:rPr lang="en"/>
-              <a:t>A fast randomized algorithm for overdetermined linear least-squares regression</a:t>
-            </a:r>
-            <a:endParaRPr/>
-          </a:p>
-          <a:p>
-            <a:pPr marL="914400" lvl="1" indent="-317500" algn="l" rtl="0">
-              <a:spcBef>
-                <a:spcPts val="0"/>
-              </a:spcBef>
-              <a:spcAft>
-                <a:spcPts val="0"/>
-              </a:spcAft>
-              <a:buSzPts val="1400"/>
-              <a:buChar char="○"/>
-            </a:pPr>
-            <a:r>
-              <a:rPr lang="en"/>
-              <a:t>Uses a uniform random sample of the rows</a:t>
-            </a:r>
-            <a:endParaRPr/>
-          </a:p>
-          <a:p>
-            <a:pPr marL="914400" lvl="1" indent="-317500" algn="l" rtl="0">
-              <a:spcBef>
-                <a:spcPts val="0"/>
-              </a:spcBef>
-              <a:spcAft>
-                <a:spcPts val="0"/>
-              </a:spcAft>
-              <a:buSzPts val="1400"/>
-              <a:buChar char="○"/>
-            </a:pPr>
-            <a:r>
-              <a:rPr lang="en"/>
-              <a:t>May not work in matrices with high coherence</a:t>
-            </a:r>
-            <a:endParaRPr/>
-          </a:p>
-        </p:txBody>
-      </p:sp>
-    </p:spTree>
-  </p:cSld>
-  <p:clrMapOvr>
-    <a:masterClrMapping/>
-  </p:clrMapOvr>
-</p:sld>
-</file>
-
-<file path=ppt/slides/slide13.xml><?xml version="1.0" encoding="utf-8"?>
-<p:sld xmlns:a="http://schemas.openxmlformats.org/drawingml/2006/main" xmlns:r="http://schemas.openxmlformats.org/officeDocument/2006/relationships" xmlns:p="http://schemas.openxmlformats.org/presentationml/2006/main">
-  <p:cSld>
-    <p:spTree>
-      <p:nvGrpSpPr>
-        <p:cNvPr id="1" name="Shape 124"/>
-        <p:cNvGrpSpPr/>
-        <p:nvPr/>
-      </p:nvGrpSpPr>
-      <p:grpSpPr>
-        <a:xfrm>
-          <a:off x="0" y="0"/>
-          <a:ext cx="0" cy="0"/>
-          <a:chOff x="0" y="0"/>
-          <a:chExt cx="0" cy="0"/>
-        </a:xfrm>
-      </p:grpSpPr>
-      <p:sp>
-        <p:nvSpPr>
-          <p:cNvPr id="125" name="Google Shape;125;p24"/>
-          <p:cNvSpPr txBox="1">
-            <a:spLocks noGrp="1"/>
-          </p:cNvSpPr>
-          <p:nvPr>
-            <p:ph type="title"/>
-          </p:nvPr>
-        </p:nvSpPr>
-        <p:spPr>
-          <a:xfrm>
-            <a:off x="311700" y="445025"/>
-            <a:ext cx="8520600" cy="613200"/>
-          </a:xfrm>
-          <a:prstGeom prst="rect">
-            <a:avLst/>
-          </a:prstGeom>
-        </p:spPr>
-        <p:txBody>
-          <a:bodyPr spcFirstLastPara="1" wrap="square" lIns="91425" tIns="91425" rIns="91425" bIns="91425" anchor="t" anchorCtr="0">
-            <a:noAutofit/>
-          </a:bodyPr>
-          <a:lstStyle/>
-          <a:p>
-            <a:pPr marL="0" lvl="0" indent="0" algn="l" rtl="0">
-              <a:spcBef>
-                <a:spcPts val="0"/>
-              </a:spcBef>
-              <a:spcAft>
-                <a:spcPts val="0"/>
-              </a:spcAft>
-              <a:buNone/>
-            </a:pPr>
-            <a:r>
-              <a:rPr lang="en"/>
-              <a:t>Different Unitary Transformations</a:t>
-            </a:r>
-            <a:endParaRPr/>
-          </a:p>
-        </p:txBody>
-      </p:sp>
-      <p:sp>
-        <p:nvSpPr>
-          <p:cNvPr id="126" name="Google Shape;126;p24"/>
-          <p:cNvSpPr txBox="1">
-            <a:spLocks noGrp="1"/>
-          </p:cNvSpPr>
-          <p:nvPr>
-            <p:ph type="body" idx="1"/>
-          </p:nvPr>
-        </p:nvSpPr>
-        <p:spPr>
-          <a:xfrm>
-            <a:off x="311700" y="1171600"/>
-            <a:ext cx="8520600" cy="3397200"/>
-          </a:xfrm>
-          <a:prstGeom prst="rect">
-            <a:avLst/>
-          </a:prstGeom>
-        </p:spPr>
-        <p:txBody>
-          <a:bodyPr spcFirstLastPara="1" wrap="square" lIns="91425" tIns="91425" rIns="91425" bIns="91425" anchor="t" anchorCtr="0">
-            <a:noAutofit/>
-          </a:bodyPr>
-          <a:lstStyle/>
-          <a:p>
-            <a:pPr marL="457200" lvl="0" indent="-342900" algn="l" rtl="0">
-              <a:spcBef>
-                <a:spcPts val="0"/>
-              </a:spcBef>
-              <a:spcAft>
-                <a:spcPts val="0"/>
-              </a:spcAft>
-              <a:buSzPts val="1800"/>
-              <a:buChar char="●"/>
-            </a:pPr>
-            <a:r>
-              <a:rPr lang="en" dirty="0"/>
-              <a:t>Transformation used in the algorithm is the discrete cosine transform (DCT)</a:t>
-            </a:r>
-            <a:endParaRPr dirty="0"/>
-          </a:p>
-          <a:p>
-            <a:pPr marL="457200" lvl="0" indent="-342900" algn="l" rtl="0">
-              <a:spcBef>
-                <a:spcPts val="0"/>
-              </a:spcBef>
-              <a:spcAft>
-                <a:spcPts val="0"/>
-              </a:spcAft>
-              <a:buSzPts val="1800"/>
-              <a:buChar char="●"/>
-            </a:pPr>
-            <a:r>
-              <a:rPr lang="en" dirty="0"/>
-              <a:t>Other transformations are available:</a:t>
-            </a:r>
-            <a:endParaRPr dirty="0"/>
-          </a:p>
-          <a:p>
-            <a:pPr marL="914400" lvl="1" indent="-317500" algn="l" rtl="0">
-              <a:spcBef>
-                <a:spcPts val="0"/>
-              </a:spcBef>
-              <a:spcAft>
-                <a:spcPts val="0"/>
-              </a:spcAft>
-              <a:buSzPts val="1400"/>
-              <a:buChar char="○"/>
-            </a:pPr>
-            <a:r>
-              <a:rPr lang="en" dirty="0"/>
-              <a:t>Walsh-Hadamard transform (WHT)</a:t>
-            </a:r>
-            <a:endParaRPr dirty="0"/>
-          </a:p>
-          <a:p>
-            <a:pPr marL="914400" lvl="1" indent="-317500" algn="l" rtl="0">
-              <a:spcBef>
-                <a:spcPts val="0"/>
-              </a:spcBef>
-              <a:spcAft>
-                <a:spcPts val="0"/>
-              </a:spcAft>
-              <a:buSzPts val="1400"/>
-              <a:buChar char="○"/>
-            </a:pPr>
-            <a:r>
-              <a:rPr lang="en" dirty="0"/>
-              <a:t>Discrete Hartley transform (DHT)</a:t>
-            </a:r>
-            <a:endParaRPr dirty="0"/>
-          </a:p>
-          <a:p>
-            <a:pPr marL="457200" lvl="0" indent="-342900" algn="l" rtl="0">
-              <a:spcBef>
-                <a:spcPts val="0"/>
-              </a:spcBef>
-              <a:spcAft>
-                <a:spcPts val="0"/>
-              </a:spcAft>
-              <a:buSzPts val="1800"/>
-              <a:buChar char="●"/>
-            </a:pPr>
-            <a:r>
-              <a:rPr lang="en" dirty="0"/>
-              <a:t>WHT is </a:t>
-            </a:r>
-            <a:r>
-              <a:rPr lang="en-US" dirty="0"/>
-              <a:t>the best in theory</a:t>
-            </a:r>
-            <a:r>
-              <a:rPr lang="en" dirty="0"/>
-              <a:t>, but </a:t>
-            </a:r>
-            <a:r>
-              <a:rPr lang="en-US" dirty="0"/>
-              <a:t>sometimes fails to mix rows well enough</a:t>
-            </a:r>
-            <a:endParaRPr dirty="0"/>
-          </a:p>
-          <a:p>
-            <a:pPr marL="457200" lvl="0" indent="-342900" algn="l" rtl="0">
-              <a:spcBef>
-                <a:spcPts val="0"/>
-              </a:spcBef>
-              <a:spcAft>
-                <a:spcPts val="0"/>
-              </a:spcAft>
-              <a:buSzPts val="1800"/>
-              <a:buChar char="●"/>
-            </a:pPr>
-            <a:r>
-              <a:rPr lang="en" dirty="0"/>
-              <a:t>DHT and DCT </a:t>
-            </a:r>
-            <a:r>
-              <a:rPr lang="en-US" dirty="0"/>
-              <a:t>work better in practice and are easier to apply to arbitrary matrices</a:t>
-            </a:r>
-            <a:endParaRPr dirty="0"/>
-          </a:p>
-        </p:txBody>
-      </p:sp>
-    </p:spTree>
-  </p:cSld>
-  <p:clrMapOvr>
-    <a:masterClrMapping/>
-  </p:clrMapOvr>
-</p:sld>
-</file>
-
-<file path=ppt/slides/slide14.xml><?xml version="1.0" encoding="utf-8"?>
-<p:sld xmlns:a="http://schemas.openxmlformats.org/drawingml/2006/main" xmlns:r="http://schemas.openxmlformats.org/officeDocument/2006/relationships" xmlns:p="http://schemas.openxmlformats.org/presentationml/2006/main">
-  <p:cSld>
-    <p:spTree>
-      <p:nvGrpSpPr>
-        <p:cNvPr id="1" name="Shape 130"/>
-        <p:cNvGrpSpPr/>
-        <p:nvPr/>
-      </p:nvGrpSpPr>
-      <p:grpSpPr>
-        <a:xfrm>
-          <a:off x="0" y="0"/>
-          <a:ext cx="0" cy="0"/>
-          <a:chOff x="0" y="0"/>
-          <a:chExt cx="0" cy="0"/>
-        </a:xfrm>
-      </p:grpSpPr>
-      <p:sp>
-        <p:nvSpPr>
-          <p:cNvPr id="131" name="Google Shape;131;p25"/>
-          <p:cNvSpPr txBox="1">
-            <a:spLocks noGrp="1"/>
-          </p:cNvSpPr>
-          <p:nvPr>
-            <p:ph type="title"/>
-          </p:nvPr>
-        </p:nvSpPr>
-        <p:spPr>
-          <a:xfrm>
-            <a:off x="311700" y="445025"/>
-            <a:ext cx="8520600" cy="613200"/>
-          </a:xfrm>
-          <a:prstGeom prst="rect">
-            <a:avLst/>
-          </a:prstGeom>
-        </p:spPr>
-        <p:txBody>
-          <a:bodyPr spcFirstLastPara="1" wrap="square" lIns="91425" tIns="91425" rIns="91425" bIns="91425" anchor="t" anchorCtr="0">
-            <a:noAutofit/>
-          </a:bodyPr>
-          <a:lstStyle/>
-          <a:p>
-            <a:pPr marL="0" lvl="0" indent="0" algn="l" rtl="0">
-              <a:spcBef>
-                <a:spcPts val="0"/>
-              </a:spcBef>
-              <a:spcAft>
-                <a:spcPts val="0"/>
-              </a:spcAft>
-              <a:buNone/>
-            </a:pPr>
-            <a:r>
-              <a:rPr lang="en"/>
-              <a:t>Row Mixing Evaluation</a:t>
-            </a:r>
-            <a:endParaRPr/>
-          </a:p>
-        </p:txBody>
-      </p:sp>
-      <p:sp>
-        <p:nvSpPr>
-          <p:cNvPr id="132" name="Google Shape;132;p25"/>
-          <p:cNvSpPr txBox="1">
-            <a:spLocks noGrp="1"/>
-          </p:cNvSpPr>
-          <p:nvPr>
-            <p:ph type="body" idx="1"/>
-          </p:nvPr>
-        </p:nvSpPr>
-        <p:spPr>
-          <a:xfrm>
-            <a:off x="311700" y="1171600"/>
-            <a:ext cx="8520600" cy="3397200"/>
-          </a:xfrm>
-          <a:prstGeom prst="rect">
-            <a:avLst/>
-          </a:prstGeom>
-        </p:spPr>
-        <p:txBody>
-          <a:bodyPr spcFirstLastPara="1" wrap="square" lIns="91425" tIns="91425" rIns="91425" bIns="91425" anchor="t" anchorCtr="0">
-            <a:noAutofit/>
-          </a:bodyPr>
-          <a:lstStyle/>
-          <a:p>
-            <a:pPr marL="457200" lvl="0" indent="-342900" algn="l" rtl="0">
-              <a:spcBef>
-                <a:spcPts val="0"/>
-              </a:spcBef>
-              <a:spcAft>
-                <a:spcPts val="0"/>
-              </a:spcAft>
-              <a:buSzPts val="1800"/>
-              <a:buChar char="●"/>
-            </a:pPr>
-            <a:r>
-              <a:rPr lang="en"/>
-              <a:t>Larger sample size</a:t>
-            </a:r>
-            <a:endParaRPr/>
-          </a:p>
-          <a:p>
-            <a:pPr marL="914400" lvl="1" indent="-317500" algn="l" rtl="0">
-              <a:spcBef>
-                <a:spcPts val="0"/>
-              </a:spcBef>
-              <a:spcAft>
-                <a:spcPts val="0"/>
-              </a:spcAft>
-              <a:buSzPts val="1400"/>
-              <a:buChar char="○"/>
-            </a:pPr>
-            <a:r>
-              <a:rPr lang="en"/>
-              <a:t>Greater probability of getting a good preconditioner</a:t>
-            </a:r>
-            <a:endParaRPr/>
-          </a:p>
-          <a:p>
-            <a:pPr marL="914400" lvl="1" indent="-317500" algn="l" rtl="0">
-              <a:spcBef>
-                <a:spcPts val="0"/>
-              </a:spcBef>
-              <a:spcAft>
-                <a:spcPts val="0"/>
-              </a:spcAft>
-              <a:buSzPts val="1400"/>
-              <a:buChar char="○"/>
-            </a:pPr>
-            <a:r>
-              <a:rPr lang="en"/>
-              <a:t>Makes other parts of the algorithm take more time</a:t>
-            </a:r>
-            <a:endParaRPr/>
-          </a:p>
-          <a:p>
-            <a:pPr marL="457200" lvl="0" indent="-342900" algn="l" rtl="0">
-              <a:spcBef>
-                <a:spcPts val="0"/>
-              </a:spcBef>
-              <a:spcAft>
-                <a:spcPts val="0"/>
-              </a:spcAft>
-              <a:buSzPts val="1800"/>
-              <a:buChar char="●"/>
-            </a:pPr>
-            <a:r>
-              <a:rPr lang="en"/>
-              <a:t>Computation time was found to decrease, then increase as sample size increased</a:t>
-            </a:r>
-            <a:endParaRPr/>
-          </a:p>
-        </p:txBody>
-      </p:sp>
-    </p:spTree>
-  </p:cSld>
-  <p:clrMapOvr>
-    <a:masterClrMapping/>
-  </p:clrMapOvr>
-</p:sld>
-</file>
-
-<file path=ppt/slides/slide15.xml><?xml version="1.0" encoding="utf-8"?>
-<p:sld xmlns:a="http://schemas.openxmlformats.org/drawingml/2006/main" xmlns:r="http://schemas.openxmlformats.org/officeDocument/2006/relationships" xmlns:p="http://schemas.openxmlformats.org/presentationml/2006/main">
-  <p:cSld>
-    <p:spTree>
-      <p:nvGrpSpPr>
-        <p:cNvPr id="1" name="Shape 136"/>
-        <p:cNvGrpSpPr/>
-        <p:nvPr/>
-      </p:nvGrpSpPr>
-      <p:grpSpPr>
-        <a:xfrm>
-          <a:off x="0" y="0"/>
-          <a:ext cx="0" cy="0"/>
-          <a:chOff x="0" y="0"/>
-          <a:chExt cx="0" cy="0"/>
-        </a:xfrm>
-      </p:grpSpPr>
-      <p:sp>
-        <p:nvSpPr>
-          <p:cNvPr id="137" name="Google Shape;137;p26"/>
-          <p:cNvSpPr txBox="1">
-            <a:spLocks noGrp="1"/>
-          </p:cNvSpPr>
-          <p:nvPr>
-            <p:ph type="title"/>
-          </p:nvPr>
-        </p:nvSpPr>
-        <p:spPr>
-          <a:xfrm>
-            <a:off x="311700" y="445025"/>
-            <a:ext cx="8520600" cy="613200"/>
-          </a:xfrm>
-          <a:prstGeom prst="rect">
-            <a:avLst/>
-          </a:prstGeom>
-        </p:spPr>
-        <p:txBody>
-          <a:bodyPr spcFirstLastPara="1" wrap="square" lIns="91425" tIns="91425" rIns="91425" bIns="91425" anchor="t" anchorCtr="0">
-            <a:noAutofit/>
-          </a:bodyPr>
-          <a:lstStyle/>
-          <a:p>
-            <a:pPr marL="0" lvl="0" indent="0" algn="l" rtl="0">
-              <a:spcBef>
-                <a:spcPts val="0"/>
-              </a:spcBef>
-              <a:spcAft>
-                <a:spcPts val="0"/>
-              </a:spcAft>
-              <a:buNone/>
-            </a:pPr>
-            <a:r>
-              <a:rPr lang="en"/>
-              <a:t>Ill-Conditioned Matrices</a:t>
-            </a:r>
-            <a:endParaRPr/>
-          </a:p>
-        </p:txBody>
-      </p:sp>
-      <p:sp>
-        <p:nvSpPr>
-          <p:cNvPr id="138" name="Google Shape;138;p26"/>
-          <p:cNvSpPr txBox="1">
-            <a:spLocks noGrp="1"/>
-          </p:cNvSpPr>
-          <p:nvPr>
-            <p:ph type="body" idx="1"/>
-          </p:nvPr>
-        </p:nvSpPr>
-        <p:spPr>
-          <a:xfrm>
-            <a:off x="311700" y="1171600"/>
-            <a:ext cx="8520600" cy="3397200"/>
-          </a:xfrm>
-          <a:prstGeom prst="rect">
-            <a:avLst/>
-          </a:prstGeom>
-        </p:spPr>
-        <p:txBody>
-          <a:bodyPr spcFirstLastPara="1" wrap="square" lIns="91425" tIns="91425" rIns="91425" bIns="91425" anchor="t" anchorCtr="0">
-            <a:noAutofit/>
-          </a:bodyPr>
-          <a:lstStyle/>
-          <a:p>
-            <a:pPr marL="457200" lvl="0" indent="-342900" algn="l" rtl="0">
-              <a:spcBef>
-                <a:spcPts val="0"/>
-              </a:spcBef>
-              <a:spcAft>
-                <a:spcPts val="0"/>
-              </a:spcAft>
-              <a:buSzPts val="1800"/>
-              <a:buChar char="●"/>
-            </a:pPr>
-            <a:r>
-              <a:rPr lang="en"/>
-              <a:t>This algorithm beats the unpreconditioned LSQR for ill-conditioned matrices</a:t>
-            </a:r>
-            <a:endParaRPr/>
-          </a:p>
-          <a:p>
-            <a:pPr marL="457200" lvl="0" indent="-342900" algn="l" rtl="0">
-              <a:spcBef>
-                <a:spcPts val="0"/>
-              </a:spcBef>
-              <a:spcAft>
-                <a:spcPts val="0"/>
-              </a:spcAft>
-              <a:buSzPts val="1800"/>
-              <a:buChar char="●"/>
-            </a:pPr>
-            <a:r>
-              <a:rPr lang="en"/>
-              <a:t>The unpreconditioned LSQR beats Blendenpik for well conditioned matrices</a:t>
-            </a:r>
-            <a:endParaRPr/>
-          </a:p>
-        </p:txBody>
-      </p:sp>
-    </p:spTree>
-  </p:cSld>
-  <p:clrMapOvr>
-    <a:masterClrMapping/>
-  </p:clrMapOvr>
-</p:sld>
-</file>
-
-<file path=ppt/slides/slide16.xml><?xml version="1.0" encoding="utf-8"?>
-<p:sld xmlns:a="http://schemas.openxmlformats.org/drawingml/2006/main" xmlns:r="http://schemas.openxmlformats.org/officeDocument/2006/relationships" xmlns:p="http://schemas.openxmlformats.org/presentationml/2006/main">
-  <p:cSld>
-    <p:spTree>
-      <p:nvGrpSpPr>
-        <p:cNvPr id="1" name="Shape 142"/>
-        <p:cNvGrpSpPr/>
-        <p:nvPr/>
-      </p:nvGrpSpPr>
-      <p:grpSpPr>
-        <a:xfrm>
-          <a:off x="0" y="0"/>
-          <a:ext cx="0" cy="0"/>
-          <a:chOff x="0" y="0"/>
-          <a:chExt cx="0" cy="0"/>
-        </a:xfrm>
-      </p:grpSpPr>
-      <p:sp>
-        <p:nvSpPr>
-          <p:cNvPr id="143" name="Google Shape;143;p27"/>
-          <p:cNvSpPr txBox="1">
-            <a:spLocks noGrp="1"/>
-          </p:cNvSpPr>
-          <p:nvPr>
-            <p:ph type="title"/>
-          </p:nvPr>
-        </p:nvSpPr>
-        <p:spPr>
-          <a:xfrm>
-            <a:off x="311700" y="445025"/>
-            <a:ext cx="8520600" cy="613200"/>
-          </a:xfrm>
-          <a:prstGeom prst="rect">
-            <a:avLst/>
-          </a:prstGeom>
-        </p:spPr>
-        <p:txBody>
-          <a:bodyPr spcFirstLastPara="1" wrap="square" lIns="91425" tIns="91425" rIns="91425" bIns="91425" anchor="t" anchorCtr="0">
-            <a:noAutofit/>
-          </a:bodyPr>
-          <a:lstStyle/>
-          <a:p>
-            <a:pPr marL="0" lvl="0" indent="0" algn="l" rtl="0">
-              <a:spcBef>
-                <a:spcPts val="0"/>
-              </a:spcBef>
-              <a:spcAft>
-                <a:spcPts val="0"/>
-              </a:spcAft>
-              <a:buNone/>
-            </a:pPr>
-            <a:r>
-              <a:rPr lang="en"/>
-              <a:t>Coherence Evaluation</a:t>
-            </a:r>
-            <a:endParaRPr/>
-          </a:p>
-        </p:txBody>
-      </p:sp>
-      <p:sp>
-        <p:nvSpPr>
-          <p:cNvPr id="144" name="Google Shape;144;p27"/>
-          <p:cNvSpPr txBox="1">
-            <a:spLocks noGrp="1"/>
-          </p:cNvSpPr>
-          <p:nvPr>
-            <p:ph type="body" idx="1"/>
-          </p:nvPr>
-        </p:nvSpPr>
-        <p:spPr>
-          <a:xfrm>
-            <a:off x="311700" y="1171600"/>
-            <a:ext cx="8520600" cy="3397200"/>
-          </a:xfrm>
-          <a:prstGeom prst="rect">
-            <a:avLst/>
-          </a:prstGeom>
-        </p:spPr>
-        <p:txBody>
-          <a:bodyPr spcFirstLastPara="1" wrap="square" lIns="91425" tIns="91425" rIns="91425" bIns="91425" anchor="t" anchorCtr="0">
-            <a:noAutofit/>
-          </a:bodyPr>
-          <a:lstStyle/>
-          <a:p>
-            <a:pPr marL="457200" lvl="0" indent="-342900" algn="l" rtl="0">
-              <a:spcBef>
-                <a:spcPts val="0"/>
-              </a:spcBef>
-              <a:spcAft>
-                <a:spcPts val="0"/>
-              </a:spcAft>
-              <a:buSzPts val="1800"/>
-              <a:buChar char="●"/>
-            </a:pPr>
-            <a:r>
-              <a:rPr lang="en"/>
-              <a:t>Algorithm runs longer on matrices with high coherence compared to matrices with low coherence</a:t>
-            </a:r>
-            <a:endParaRPr/>
-          </a:p>
-          <a:p>
-            <a:pPr marL="457200" lvl="0" indent="-342900" algn="l" rtl="0">
-              <a:spcBef>
-                <a:spcPts val="0"/>
-              </a:spcBef>
-              <a:spcAft>
-                <a:spcPts val="0"/>
-              </a:spcAft>
-              <a:buSzPts val="1800"/>
-              <a:buChar char="●"/>
-            </a:pPr>
-            <a:r>
-              <a:rPr lang="en"/>
-              <a:t>Blendenpik beast LAPACK in both cases</a:t>
-            </a:r>
-            <a:endParaRPr/>
-          </a:p>
-        </p:txBody>
-      </p:sp>
-    </p:spTree>
-  </p:cSld>
-  <p:clrMapOvr>
-    <a:masterClrMapping/>
-  </p:clrMapOvr>
-</p:sld>
-</file>
-
-<file path=ppt/slides/slide2.xml><?xml version="1.0" encoding="utf-8"?>
-<p:sld xmlns:a="http://schemas.openxmlformats.org/drawingml/2006/main" xmlns:r="http://schemas.openxmlformats.org/officeDocument/2006/relationships" xmlns:p="http://schemas.openxmlformats.org/presentationml/2006/main">
-  <p:cSld>
-    <p:spTree>
-      <p:nvGrpSpPr>
-        <p:cNvPr id="1" name="Shape 64"/>
-        <p:cNvGrpSpPr/>
-        <p:nvPr/>
-      </p:nvGrpSpPr>
-      <p:grpSpPr>
-        <a:xfrm>
-          <a:off x="0" y="0"/>
-          <a:ext cx="0" cy="0"/>
-          <a:chOff x="0" y="0"/>
-          <a:chExt cx="0" cy="0"/>
-        </a:xfrm>
-      </p:grpSpPr>
-      <p:sp>
-        <p:nvSpPr>
-          <p:cNvPr id="65" name="Google Shape;65;p14"/>
-          <p:cNvSpPr txBox="1">
-            <a:spLocks noGrp="1"/>
-          </p:cNvSpPr>
-          <p:nvPr>
-            <p:ph type="title"/>
-          </p:nvPr>
-        </p:nvSpPr>
-        <p:spPr>
-          <a:xfrm>
-            <a:off x="311700" y="445025"/>
-            <a:ext cx="8520600" cy="613200"/>
-          </a:xfrm>
-          <a:prstGeom prst="rect">
-            <a:avLst/>
-          </a:prstGeom>
-        </p:spPr>
-        <p:txBody>
-          <a:bodyPr spcFirstLastPara="1" wrap="square" lIns="91425" tIns="91425" rIns="91425" bIns="91425" anchor="t" anchorCtr="0">
-            <a:noAutofit/>
-          </a:bodyPr>
-          <a:lstStyle/>
-          <a:p>
-            <a:pPr marL="0" lvl="0" indent="0" algn="l" rtl="0">
-              <a:spcBef>
-                <a:spcPts val="0"/>
-              </a:spcBef>
-              <a:spcAft>
-                <a:spcPts val="0"/>
-              </a:spcAft>
-              <a:buNone/>
-            </a:pPr>
-            <a:r>
-              <a:rPr lang="en"/>
-              <a:t>The Paper</a:t>
-            </a:r>
-            <a:endParaRPr/>
-          </a:p>
-        </p:txBody>
-      </p:sp>
-      <p:sp>
-        <p:nvSpPr>
-          <p:cNvPr id="66" name="Google Shape;66;p14"/>
-          <p:cNvSpPr txBox="1">
-            <a:spLocks noGrp="1"/>
-          </p:cNvSpPr>
-          <p:nvPr>
-            <p:ph type="body" idx="1"/>
-          </p:nvPr>
-        </p:nvSpPr>
-        <p:spPr>
-          <a:xfrm>
-            <a:off x="311700" y="1171600"/>
-            <a:ext cx="8520600" cy="3397200"/>
-          </a:xfrm>
-          <a:prstGeom prst="rect">
-            <a:avLst/>
-          </a:prstGeom>
-        </p:spPr>
-        <p:txBody>
-          <a:bodyPr spcFirstLastPara="1" wrap="square" lIns="91425" tIns="91425" rIns="91425" bIns="91425" anchor="t" anchorCtr="0">
-            <a:noAutofit/>
-          </a:bodyPr>
-          <a:lstStyle/>
-          <a:p>
-            <a:pPr marL="457200" lvl="0" indent="-342900" algn="l" rtl="0">
-              <a:lnSpc>
-                <a:spcPct val="100000"/>
-              </a:lnSpc>
-              <a:spcBef>
-                <a:spcPts val="0"/>
-              </a:spcBef>
-              <a:spcAft>
-                <a:spcPts val="0"/>
-              </a:spcAft>
-              <a:buClr>
-                <a:srgbClr val="000000"/>
-              </a:buClr>
-              <a:buSzPts val="1800"/>
-              <a:buChar char="●"/>
-            </a:pPr>
-            <a:r>
-              <a:rPr lang="en" dirty="0">
-                <a:solidFill>
-                  <a:srgbClr val="000000"/>
-                </a:solidFill>
-              </a:rPr>
-              <a:t>Blendenpik: Supercharging LAPACK'S Least-Squares Solver</a:t>
-            </a:r>
-            <a:endParaRPr dirty="0">
-              <a:solidFill>
-                <a:srgbClr val="000000"/>
-              </a:solidFill>
-            </a:endParaRPr>
-          </a:p>
-          <a:p>
-            <a:pPr marL="457200" lvl="0" indent="-342900" algn="l" rtl="0">
-              <a:lnSpc>
-                <a:spcPct val="100000"/>
-              </a:lnSpc>
-              <a:spcBef>
-                <a:spcPts val="0"/>
-              </a:spcBef>
-              <a:spcAft>
-                <a:spcPts val="0"/>
-              </a:spcAft>
-              <a:buClr>
-                <a:srgbClr val="000000"/>
-              </a:buClr>
-              <a:buSzPts val="1800"/>
-              <a:buChar char="●"/>
-            </a:pPr>
-            <a:r>
-              <a:rPr lang="en" dirty="0">
-                <a:solidFill>
-                  <a:srgbClr val="000000"/>
-                </a:solidFill>
-              </a:rPr>
-              <a:t>Authors:</a:t>
-            </a:r>
-            <a:endParaRPr dirty="0">
-              <a:solidFill>
-                <a:srgbClr val="000000"/>
-              </a:solidFill>
-            </a:endParaRPr>
-          </a:p>
-          <a:p>
-            <a:pPr marL="914400" lvl="1" indent="-342900" algn="l" rtl="0">
-              <a:lnSpc>
-                <a:spcPct val="150000"/>
-              </a:lnSpc>
-              <a:spcBef>
-                <a:spcPts val="0"/>
-              </a:spcBef>
-              <a:spcAft>
-                <a:spcPts val="0"/>
-              </a:spcAft>
-              <a:buClr>
-                <a:srgbClr val="000000"/>
-              </a:buClr>
-              <a:buSzPts val="1800"/>
-              <a:buChar char="○"/>
-            </a:pPr>
-            <a:r>
-              <a:rPr lang="en" sz="1800" dirty="0">
-                <a:solidFill>
-                  <a:srgbClr val="000000"/>
-                </a:solidFill>
-              </a:rPr>
-              <a:t>Haim Avron, Petar Maymounkov, Sivan Toledo</a:t>
-            </a:r>
-            <a:endParaRPr dirty="0">
-              <a:solidFill>
-                <a:srgbClr val="000000"/>
-              </a:solidFill>
-            </a:endParaRPr>
-          </a:p>
-          <a:p>
-            <a:pPr marL="457200" lvl="0" indent="-342900" algn="l" rtl="0">
-              <a:lnSpc>
-                <a:spcPct val="150000"/>
-              </a:lnSpc>
-              <a:spcBef>
-                <a:spcPts val="0"/>
-              </a:spcBef>
-              <a:spcAft>
-                <a:spcPts val="0"/>
-              </a:spcAft>
-              <a:buClr>
-                <a:srgbClr val="000000"/>
-              </a:buClr>
-              <a:buSzPts val="1800"/>
-              <a:buChar char="●"/>
-            </a:pPr>
-            <a:r>
-              <a:rPr lang="en" sz="1800" dirty="0">
-                <a:solidFill>
-                  <a:srgbClr val="000000"/>
-                </a:solidFill>
-              </a:rPr>
-              <a:t>SIAM Journal on Scientific Computing, Vol. 32, No. 3, 2010</a:t>
-            </a:r>
-            <a:endParaRPr sz="1800" dirty="0">
-              <a:solidFill>
-                <a:srgbClr val="000000"/>
-              </a:solidFill>
-            </a:endParaRPr>
-          </a:p>
-        </p:txBody>
-      </p:sp>
-    </p:spTree>
-  </p:cSld>
-  <p:clrMapOvr>
-    <a:masterClrMapping/>
-  </p:clrMapOvr>
-</p:sld>
-</file>
-
-<file path=ppt/slides/slide3.xml><?xml version="1.0" encoding="utf-8"?>
-<p:sld xmlns:a="http://schemas.openxmlformats.org/drawingml/2006/main" xmlns:r="http://schemas.openxmlformats.org/officeDocument/2006/relationships" xmlns:p="http://schemas.openxmlformats.org/presentationml/2006/main">
-  <p:cSld>
-    <p:spTree>
-      <p:nvGrpSpPr>
-        <p:cNvPr id="1" name="Shape 70"/>
-        <p:cNvGrpSpPr/>
-        <p:nvPr/>
-      </p:nvGrpSpPr>
-      <p:grpSpPr>
-        <a:xfrm>
-          <a:off x="0" y="0"/>
-          <a:ext cx="0" cy="0"/>
-          <a:chOff x="0" y="0"/>
-          <a:chExt cx="0" cy="0"/>
-        </a:xfrm>
-      </p:grpSpPr>
-      <p:sp>
-        <p:nvSpPr>
-          <p:cNvPr id="71" name="Google Shape;71;p15"/>
-          <p:cNvSpPr txBox="1">
-            <a:spLocks noGrp="1"/>
-          </p:cNvSpPr>
-          <p:nvPr>
-            <p:ph type="title"/>
-          </p:nvPr>
-        </p:nvSpPr>
-        <p:spPr>
-          <a:xfrm>
-            <a:off x="311700" y="445025"/>
-            <a:ext cx="8520600" cy="613200"/>
-          </a:xfrm>
-          <a:prstGeom prst="rect">
-            <a:avLst/>
-          </a:prstGeom>
-        </p:spPr>
-        <p:txBody>
-          <a:bodyPr spcFirstLastPara="1" wrap="square" lIns="91425" tIns="91425" rIns="91425" bIns="91425" anchor="t" anchorCtr="0">
-            <a:noAutofit/>
-          </a:bodyPr>
-          <a:lstStyle/>
-          <a:p>
-            <a:pPr marL="0" lvl="0" indent="0" algn="l" rtl="0">
-              <a:spcBef>
-                <a:spcPts val="0"/>
-              </a:spcBef>
-              <a:spcAft>
-                <a:spcPts val="0"/>
-              </a:spcAft>
-              <a:buNone/>
-            </a:pPr>
-            <a:r>
-              <a:rPr lang="en"/>
-              <a:t>The Problem</a:t>
-            </a:r>
-            <a:endParaRPr/>
-          </a:p>
-        </p:txBody>
-      </p:sp>
-      <mc:AlternateContent xmlns:mc="http://schemas.openxmlformats.org/markup-compatibility/2006">
-        <mc:Choice xmlns:a14="http://schemas.microsoft.com/office/drawing/2010/main" Requires="a14">
-          <p:sp>
-            <p:nvSpPr>
-              <p:cNvPr id="72" name="Google Shape;72;p15"/>
-              <p:cNvSpPr txBox="1">
-                <a:spLocks noGrp="1"/>
-              </p:cNvSpPr>
-              <p:nvPr>
-                <p:ph type="body" idx="1"/>
-              </p:nvPr>
-            </p:nvSpPr>
-            <p:spPr>
-              <a:xfrm>
-                <a:off x="311700" y="1171600"/>
-                <a:ext cx="8520600" cy="3397200"/>
-              </a:xfrm>
-              <a:prstGeom prst="rect">
-                <a:avLst/>
-              </a:prstGeom>
-            </p:spPr>
-            <p:txBody>
-              <a:bodyPr spcFirstLastPara="1" wrap="square" lIns="91425" tIns="91425" rIns="91425" bIns="91425" anchor="t" anchorCtr="0">
-                <a:noAutofit/>
-              </a:bodyPr>
-              <a:lstStyle/>
-              <a:p>
-                <a:pPr marL="457200" lvl="0" indent="-342900" algn="l" rtl="0">
-                  <a:spcBef>
-                    <a:spcPts val="0"/>
-                  </a:spcBef>
-                  <a:spcAft>
-                    <a:spcPts val="0"/>
-                  </a:spcAft>
-                  <a:buSzPts val="1800"/>
-                  <a:buChar char="●"/>
-                </a:pPr>
-                <a:r>
-                  <a:rPr lang="en-US" dirty="0"/>
-                  <a:t>Solving a system of linear equations on an overdetermined system</a:t>
-                </a:r>
-              </a:p>
-              <a:p>
-                <a:pPr lvl="1" indent="-342900">
-                  <a:spcBef>
-                    <a:spcPts val="0"/>
-                  </a:spcBef>
-                  <a:buSzPct val="100000"/>
-                  <a:buFont typeface="Courier New" panose="02070309020205020404" pitchFamily="49" charset="0"/>
-                  <a:buChar char="o"/>
-                </a:pPr>
-                <a14:m>
-                  <m:oMath xmlns:m="http://schemas.openxmlformats.org/officeDocument/2006/math">
-                    <m:limLow>
-                      <m:limLowPr>
-                        <m:ctrlPr>
-                          <a:rPr lang="en-US" b="0" i="1" smtClean="0">
-                            <a:latin typeface="Cambria Math" panose="02040503050406030204" pitchFamily="18" charset="0"/>
-                          </a:rPr>
-                        </m:ctrlPr>
-                      </m:limLowPr>
-                      <m:e>
-                        <m:r>
-                          <m:rPr>
-                            <m:sty m:val="p"/>
-                          </m:rPr>
-                          <a:rPr lang="en-US" b="0" i="0" smtClean="0">
-                            <a:latin typeface="Cambria Math" panose="02040503050406030204" pitchFamily="18" charset="0"/>
-                          </a:rPr>
-                          <m:t>min</m:t>
-                        </m:r>
-                      </m:e>
-                      <m:lim>
-                        <m:r>
-                          <a:rPr lang="en-US" b="0" i="1" smtClean="0">
-                            <a:latin typeface="Cambria Math" panose="02040503050406030204" pitchFamily="18" charset="0"/>
-                          </a:rPr>
-                          <m:t>𝑥</m:t>
-                        </m:r>
-                      </m:lim>
-                    </m:limLow>
-                    <m:sSubSup>
-                      <m:sSubSupPr>
-                        <m:ctrlPr>
-                          <a:rPr lang="en-US" b="0" i="1" smtClean="0">
-                            <a:latin typeface="Cambria Math" panose="02040503050406030204" pitchFamily="18" charset="0"/>
-                          </a:rPr>
-                        </m:ctrlPr>
-                      </m:sSubSupPr>
-                      <m:e>
-                        <m:d>
-                          <m:dPr>
-                            <m:begChr m:val="|"/>
-                            <m:endChr m:val="|"/>
-                            <m:ctrlPr>
-                              <a:rPr lang="en-US" b="0" i="1" smtClean="0">
-                                <a:latin typeface="Cambria Math" panose="02040503050406030204" pitchFamily="18" charset="0"/>
-                              </a:rPr>
-                            </m:ctrlPr>
-                          </m:dPr>
-                          <m:e>
-                            <m:d>
-                              <m:dPr>
-                                <m:begChr m:val="|"/>
-                                <m:endChr m:val="|"/>
-                                <m:ctrlPr>
-                                  <a:rPr lang="en-US" b="0" i="1" smtClean="0">
-                                    <a:latin typeface="Cambria Math" panose="02040503050406030204" pitchFamily="18" charset="0"/>
-                                  </a:rPr>
-                                </m:ctrlPr>
-                              </m:dPr>
-                              <m:e>
-                                <m:r>
-                                  <a:rPr lang="en-US" b="0" i="1" smtClean="0">
-                                    <a:latin typeface="Cambria Math" panose="02040503050406030204" pitchFamily="18" charset="0"/>
-                                  </a:rPr>
-                                  <m:t>𝐴𝑥</m:t>
-                                </m:r>
-                                <m:r>
-                                  <a:rPr lang="en-US" b="0" i="1" smtClean="0">
-                                    <a:latin typeface="Cambria Math" panose="02040503050406030204" pitchFamily="18" charset="0"/>
-                                  </a:rPr>
-                                  <m:t>−</m:t>
-                                </m:r>
-                                <m:r>
-                                  <a:rPr lang="en-US" b="0" i="1" smtClean="0">
-                                    <a:latin typeface="Cambria Math" panose="02040503050406030204" pitchFamily="18" charset="0"/>
-                                  </a:rPr>
-                                  <m:t>𝑏</m:t>
-                                </m:r>
-                              </m:e>
-                            </m:d>
-                          </m:e>
-                        </m:d>
-                      </m:e>
-                      <m:sub>
-                        <m:r>
-                          <a:rPr lang="en-US" b="0" i="1" smtClean="0">
-                            <a:latin typeface="Cambria Math" panose="02040503050406030204" pitchFamily="18" charset="0"/>
-                          </a:rPr>
-                          <m:t>2</m:t>
-                        </m:r>
-                      </m:sub>
-                      <m:sup>
-                        <m:r>
-                          <a:rPr lang="en-US" b="0" i="1" smtClean="0">
-                            <a:latin typeface="Cambria Math" panose="02040503050406030204" pitchFamily="18" charset="0"/>
-                          </a:rPr>
-                          <m:t>2</m:t>
-                        </m:r>
-                      </m:sup>
-                    </m:sSubSup>
-                  </m:oMath>
-                </a14:m>
-                <a:endParaRPr lang="en-US" dirty="0"/>
-              </a:p>
-              <a:p>
-                <a:pPr marL="457200" lvl="0" indent="-342900" algn="l" rtl="0">
-                  <a:spcBef>
-                    <a:spcPts val="0"/>
-                  </a:spcBef>
-                  <a:spcAft>
-                    <a:spcPts val="0"/>
-                  </a:spcAft>
-                  <a:buSzPts val="1800"/>
-                  <a:buChar char="●"/>
-                </a:pPr>
-                <a:r>
-                  <a:rPr lang="en-US" dirty="0"/>
-                  <a:t>Can randomization be used to beat current state-of-the-art algorithms?</a:t>
-                </a:r>
-              </a:p>
-              <a:p>
-                <a:pPr marL="914400" lvl="1" indent="-317500" algn="l" rtl="0">
-                  <a:spcBef>
-                    <a:spcPts val="0"/>
-                  </a:spcBef>
-                  <a:spcAft>
-                    <a:spcPts val="0"/>
-                  </a:spcAft>
-                  <a:buSzPts val="1400"/>
-                  <a:buChar char="○"/>
-                </a:pPr>
-                <a:r>
-                  <a:rPr lang="en-US" dirty="0"/>
-                  <a:t>LAPACK</a:t>
-                </a:r>
-              </a:p>
-              <a:p>
-                <a:pPr marL="457200" lvl="0" indent="-342900" algn="l" rtl="0">
-                  <a:spcBef>
-                    <a:spcPts val="0"/>
-                  </a:spcBef>
-                  <a:spcAft>
-                    <a:spcPts val="0"/>
-                  </a:spcAft>
-                  <a:buSzPts val="1800"/>
-                  <a:buChar char="●"/>
-                </a:pPr>
-                <a:r>
-                  <a:rPr lang="en-US" dirty="0"/>
-                  <a:t>Can a randomly chosen sample of rows be used to create a good approximation of the solution?</a:t>
-                </a:r>
-              </a:p>
-            </p:txBody>
-          </p:sp>
-        </mc:Choice>
-        <mc:Fallback>
-          <p:sp>
-            <p:nvSpPr>
-              <p:cNvPr id="72" name="Google Shape;72;p15"/>
-              <p:cNvSpPr txBox="1">
-                <a:spLocks noGrp="1" noRot="1" noChangeAspect="1" noMove="1" noResize="1" noEditPoints="1" noAdjustHandles="1" noChangeArrowheads="1" noChangeShapeType="1" noTextEdit="1"/>
-              </p:cNvSpPr>
-              <p:nvPr>
-                <p:ph type="body" idx="1"/>
-              </p:nvPr>
-            </p:nvSpPr>
-            <p:spPr>
-              <a:xfrm>
-                <a:off x="311700" y="1171600"/>
-                <a:ext cx="8520600" cy="3397200"/>
-              </a:xfrm>
-              <a:prstGeom prst="rect">
-                <a:avLst/>
-              </a:prstGeom>
-              <a:blipFill>
-                <a:blip r:embed="rId3"/>
-                <a:stretch>
-                  <a:fillRect/>
-                </a:stretch>
-              </a:blipFill>
-            </p:spPr>
-            <p:txBody>
-              <a:bodyPr/>
-              <a:lstStyle/>
-              <a:p>
-                <a:r>
-                  <a:rPr lang="en-US">
-                    <a:noFill/>
-                  </a:rPr>
-                  <a:t> </a:t>
-                </a:r>
-              </a:p>
-            </p:txBody>
-          </p:sp>
-        </mc:Fallback>
-      </mc:AlternateContent>
-    </p:spTree>
-  </p:cSld>
-  <p:clrMapOvr>
-    <a:masterClrMapping/>
-  </p:clrMapOvr>
-</p:sld>
-</file>
-
-<file path=ppt/slides/slide4.xml><?xml version="1.0" encoding="utf-8"?>
-<p:sld xmlns:a="http://schemas.openxmlformats.org/drawingml/2006/main" xmlns:r="http://schemas.openxmlformats.org/officeDocument/2006/relationships" xmlns:p="http://schemas.openxmlformats.org/presentationml/2006/main">
-  <p:cSld>
-    <p:spTree>
-      <p:nvGrpSpPr>
-        <p:cNvPr id="1" name=""/>
-        <p:cNvGrpSpPr/>
-        <p:nvPr/>
-      </p:nvGrpSpPr>
-      <p:grpSpPr>
-        <a:xfrm>
-          <a:off x="0" y="0"/>
-          <a:ext cx="0" cy="0"/>
-          <a:chOff x="0" y="0"/>
-          <a:chExt cx="0" cy="0"/>
-        </a:xfrm>
-      </p:grpSpPr>
-      <p:sp>
-        <p:nvSpPr>
-          <p:cNvPr id="2" name="Title 1">
-            <a:extLst>
-              <a:ext uri="{FF2B5EF4-FFF2-40B4-BE49-F238E27FC236}">
-                <a16:creationId xmlns:a16="http://schemas.microsoft.com/office/drawing/2014/main" id="{B820DAE4-E69F-4038-9E91-D021A5E8F338}"/>
-              </a:ext>
-            </a:extLst>
-          </p:cNvPr>
-          <p:cNvSpPr>
-            <a:spLocks noGrp="1"/>
-          </p:cNvSpPr>
-          <p:nvPr>
-            <p:ph type="title"/>
-          </p:nvPr>
-        </p:nvSpPr>
-        <p:spPr/>
-        <p:txBody>
-          <a:bodyPr/>
-          <a:lstStyle/>
-          <a:p>
-            <a:r>
-              <a:rPr lang="en-US" dirty="0"/>
-              <a:t>Ideas for a Least Squares Solver</a:t>
-            </a:r>
-          </a:p>
-        </p:txBody>
-      </p:sp>
-      <mc:AlternateContent xmlns:mc="http://schemas.openxmlformats.org/markup-compatibility/2006">
-        <mc:Choice xmlns:a14="http://schemas.microsoft.com/office/drawing/2010/main" Requires="a14">
-          <p:sp>
-            <p:nvSpPr>
-              <p:cNvPr id="3" name="Text Placeholder 2">
-                <a:extLst>
-                  <a:ext uri="{FF2B5EF4-FFF2-40B4-BE49-F238E27FC236}">
-                    <a16:creationId xmlns:a16="http://schemas.microsoft.com/office/drawing/2014/main" id="{AC3B5EDD-6463-4C27-8340-EB30CBB11CDC}"/>
-                  </a:ext>
-                </a:extLst>
-              </p:cNvPr>
-              <p:cNvSpPr>
-                <a:spLocks noGrp="1"/>
-              </p:cNvSpPr>
-              <p:nvPr>
-                <p:ph type="body" idx="1"/>
-              </p:nvPr>
-            </p:nvSpPr>
-            <p:spPr>
-              <a:xfrm>
-                <a:off x="311700" y="1171600"/>
-                <a:ext cx="8520600" cy="3397200"/>
-              </a:xfrm>
-            </p:spPr>
-            <p:txBody>
-              <a:bodyPr/>
-              <a:lstStyle/>
-              <a:p>
-                <a:pPr>
-                  <a:lnSpc>
-                    <a:spcPct val="100000"/>
-                  </a:lnSpc>
-                </a:pPr>
-                <a:r>
-                  <a:rPr lang="en-US" dirty="0"/>
-                  <a:t>The runtime of iterative algorithms depend on the distribution of singular values of </a:t>
-                </a:r>
-                <a14:m>
-                  <m:oMath xmlns:m="http://schemas.openxmlformats.org/officeDocument/2006/math">
-                    <m:r>
-                      <a:rPr lang="en-US" b="0" i="1" smtClean="0">
-                        <a:latin typeface="Cambria Math" panose="02040503050406030204" pitchFamily="18" charset="0"/>
-                      </a:rPr>
-                      <m:t>𝐴</m:t>
-                    </m:r>
-                    <m:r>
-                      <a:rPr lang="en-US" b="0" i="1" smtClean="0">
-                        <a:latin typeface="Cambria Math" panose="02040503050406030204" pitchFamily="18" charset="0"/>
-                      </a:rPr>
-                      <m:t>,</m:t>
-                    </m:r>
-                  </m:oMath>
-                </a14:m>
-                <a:r>
-                  <a:rPr lang="en-US" dirty="0"/>
-                  <a:t> which we can describe with the condition number of </a:t>
-                </a:r>
-                <a14:m>
-                  <m:oMath xmlns:m="http://schemas.openxmlformats.org/officeDocument/2006/math">
-                    <m:r>
-                      <a:rPr lang="en-US" i="1" smtClean="0">
-                        <a:latin typeface="Cambria Math" panose="02040503050406030204" pitchFamily="18" charset="0"/>
-                      </a:rPr>
-                      <m:t>𝐴</m:t>
-                    </m:r>
-                    <m:r>
-                      <a:rPr lang="en-US" b="0" i="1" smtClean="0">
-                        <a:latin typeface="Cambria Math" panose="02040503050406030204" pitchFamily="18" charset="0"/>
-                      </a:rPr>
-                      <m:t>.</m:t>
-                    </m:r>
-                  </m:oMath>
-                </a14:m>
-                <a:r>
-                  <a:rPr lang="en-US" b="0" dirty="0"/>
-                  <a:t> If </a:t>
-                </a:r>
-                <a14:m>
-                  <m:oMath xmlns:m="http://schemas.openxmlformats.org/officeDocument/2006/math">
-                    <m:r>
-                      <a:rPr lang="en-US" b="0" i="1" smtClean="0">
-                        <a:latin typeface="Cambria Math" panose="02040503050406030204" pitchFamily="18" charset="0"/>
-                      </a:rPr>
-                      <m:t>𝜅</m:t>
-                    </m:r>
-                    <m:d>
-                      <m:dPr>
-                        <m:ctrlPr>
-                          <a:rPr lang="en-US" b="0" i="1" smtClean="0">
-                            <a:latin typeface="Cambria Math" panose="02040503050406030204" pitchFamily="18" charset="0"/>
-                          </a:rPr>
-                        </m:ctrlPr>
-                      </m:dPr>
-                      <m:e>
-                        <m:r>
-                          <a:rPr lang="en-US" b="0" i="1" smtClean="0">
-                            <a:latin typeface="Cambria Math" panose="02040503050406030204" pitchFamily="18" charset="0"/>
-                          </a:rPr>
-                          <m:t>𝐴</m:t>
-                        </m:r>
-                      </m:e>
-                    </m:d>
-                  </m:oMath>
-                </a14:m>
-                <a:r>
-                  <a:rPr lang="en-US" b="0" dirty="0"/>
-                  <a:t> is large, iterative solvers will usually converge slowly.</a:t>
-                </a:r>
-              </a:p>
-              <a:p>
-                <a:pPr marL="114300" indent="0">
-                  <a:lnSpc>
-                    <a:spcPct val="100000"/>
-                  </a:lnSpc>
-                  <a:buNone/>
-                </a:pPr>
-                <a:endParaRPr lang="en-US" dirty="0"/>
-              </a:p>
-              <a:p>
-                <a:pPr marL="114300" indent="0">
-                  <a:lnSpc>
-                    <a:spcPct val="100000"/>
-                  </a:lnSpc>
-                  <a:buNone/>
-                </a:pPr>
-                <a:endParaRPr lang="en-US" dirty="0"/>
-              </a:p>
-              <a:p>
-                <a:pPr>
-                  <a:lnSpc>
-                    <a:spcPct val="100000"/>
-                  </a:lnSpc>
-                </a:pPr>
-                <a:r>
-                  <a:rPr lang="en-US" dirty="0"/>
-                  <a:t>We can change the problem to try and avoid the large condition number of </a:t>
-                </a:r>
-                <a14:m>
-                  <m:oMath xmlns:m="http://schemas.openxmlformats.org/officeDocument/2006/math">
-                    <m:r>
-                      <a:rPr lang="en-US" b="0" i="1" smtClean="0">
-                        <a:latin typeface="Cambria Math" panose="02040503050406030204" pitchFamily="18" charset="0"/>
-                      </a:rPr>
-                      <m:t>𝐴</m:t>
-                    </m:r>
-                  </m:oMath>
-                </a14:m>
-                <a:r>
-                  <a:rPr lang="en-US" dirty="0"/>
-                  <a:t> by introducing a ‘preconditioner’ </a:t>
-                </a:r>
-                <a14:m>
-                  <m:oMath xmlns:m="http://schemas.openxmlformats.org/officeDocument/2006/math">
-                    <m:r>
-                      <a:rPr lang="en-US" b="0" i="1" smtClean="0">
-                        <a:latin typeface="Cambria Math" panose="02040503050406030204" pitchFamily="18" charset="0"/>
-                      </a:rPr>
-                      <m:t>𝑅</m:t>
-                    </m:r>
-                  </m:oMath>
-                </a14:m>
-                <a:endParaRPr lang="en-US" dirty="0"/>
-              </a:p>
-              <a:p>
-                <a:pPr>
-                  <a:lnSpc>
-                    <a:spcPct val="100000"/>
-                  </a:lnSpc>
-                </a:pPr>
-                <a:endParaRPr lang="en-US" dirty="0"/>
-              </a:p>
-              <a:p>
-                <a:pPr marL="114300" indent="0" algn="ctr">
-                  <a:lnSpc>
-                    <a:spcPct val="100000"/>
-                  </a:lnSpc>
-                  <a:buNone/>
-                </a:pPr>
-                <a14:m>
-                  <m:oMathPara xmlns:m="http://schemas.openxmlformats.org/officeDocument/2006/math">
-                    <m:oMathParaPr>
-                      <m:jc m:val="centerGroup"/>
-                    </m:oMathParaPr>
-                    <m:oMath xmlns:m="http://schemas.openxmlformats.org/officeDocument/2006/math">
-                      <m:r>
-                        <a:rPr lang="en-US" b="0" i="1" smtClean="0">
-                          <a:latin typeface="Cambria Math" panose="02040503050406030204" pitchFamily="18" charset="0"/>
-                        </a:rPr>
-                        <m:t>𝐴𝑥</m:t>
-                      </m:r>
-                      <m:r>
-                        <a:rPr lang="en-US" b="0" i="1" smtClean="0">
-                          <a:latin typeface="Cambria Math" panose="02040503050406030204" pitchFamily="18" charset="0"/>
-                        </a:rPr>
-                        <m:t>=</m:t>
-                      </m:r>
-                      <m:r>
-                        <a:rPr lang="en-US" b="0" i="1" smtClean="0">
-                          <a:latin typeface="Cambria Math" panose="02040503050406030204" pitchFamily="18" charset="0"/>
-                        </a:rPr>
-                        <m:t>𝐴</m:t>
-                      </m:r>
-                      <m:sSup>
-                        <m:sSupPr>
-                          <m:ctrlPr>
-                            <a:rPr lang="en-US" b="0" i="1" smtClean="0">
-                              <a:latin typeface="Cambria Math" panose="02040503050406030204" pitchFamily="18" charset="0"/>
-                            </a:rPr>
-                          </m:ctrlPr>
-                        </m:sSupPr>
-                        <m:e>
-                          <m:r>
-                            <a:rPr lang="en-US" b="0" i="1" smtClean="0">
-                              <a:latin typeface="Cambria Math" panose="02040503050406030204" pitchFamily="18" charset="0"/>
-                            </a:rPr>
-                            <m:t>𝑅</m:t>
-                          </m:r>
-                        </m:e>
-                        <m:sup>
-                          <m:r>
-                            <a:rPr lang="en-US" b="0" i="1" smtClean="0">
-                              <a:latin typeface="Cambria Math" panose="02040503050406030204" pitchFamily="18" charset="0"/>
-                            </a:rPr>
-                            <m:t>−1</m:t>
-                          </m:r>
-                        </m:sup>
-                      </m:sSup>
-                      <m:r>
-                        <a:rPr lang="en-US" b="0" i="1" smtClean="0">
-                          <a:latin typeface="Cambria Math" panose="02040503050406030204" pitchFamily="18" charset="0"/>
-                        </a:rPr>
-                        <m:t>𝑅𝑥</m:t>
-                      </m:r>
-                      <m:r>
-                        <a:rPr lang="en-US" b="0" i="1" smtClean="0">
-                          <a:latin typeface="Cambria Math" panose="02040503050406030204" pitchFamily="18" charset="0"/>
-                        </a:rPr>
-                        <m:t>=</m:t>
-                      </m:r>
-                      <m:r>
-                        <a:rPr lang="en-US" b="0" i="1" smtClean="0">
-                          <a:latin typeface="Cambria Math" panose="02040503050406030204" pitchFamily="18" charset="0"/>
-                        </a:rPr>
-                        <m:t>𝑏</m:t>
-                      </m:r>
-                    </m:oMath>
-                  </m:oMathPara>
-                </a14:m>
-                <a:endParaRPr lang="en-US" dirty="0"/>
-              </a:p>
-              <a:p>
-                <a:pPr marL="114300" indent="0" algn="ctr">
-                  <a:lnSpc>
-                    <a:spcPct val="100000"/>
-                  </a:lnSpc>
-                  <a:buNone/>
-                </a:pPr>
-                <a:endParaRPr lang="en-US" dirty="0"/>
-              </a:p>
-              <a:p>
-                <a:pPr marL="114300" indent="0" algn="ctr">
-                  <a:lnSpc>
-                    <a:spcPct val="100000"/>
-                  </a:lnSpc>
-                  <a:buNone/>
-                </a:pPr>
-                <a14:m>
-                  <m:oMath xmlns:m="http://schemas.openxmlformats.org/officeDocument/2006/math">
-                    <m:r>
-                      <a:rPr lang="en-US" b="0" i="1" smtClean="0">
-                        <a:latin typeface="Cambria Math" panose="02040503050406030204" pitchFamily="18" charset="0"/>
-                      </a:rPr>
-                      <m:t>(</m:t>
-                    </m:r>
-                    <m:r>
-                      <a:rPr lang="en-US" b="0" i="1" smtClean="0">
-                        <a:latin typeface="Cambria Math" panose="02040503050406030204" pitchFamily="18" charset="0"/>
-                      </a:rPr>
-                      <m:t>𝐴</m:t>
-                    </m:r>
-                    <m:sSup>
-                      <m:sSupPr>
-                        <m:ctrlPr>
-                          <a:rPr lang="en-US" b="0" i="1" smtClean="0">
-                            <a:latin typeface="Cambria Math" panose="02040503050406030204" pitchFamily="18" charset="0"/>
-                          </a:rPr>
-                        </m:ctrlPr>
-                      </m:sSupPr>
-                      <m:e>
-                        <m:r>
-                          <a:rPr lang="en-US" b="0" i="1" smtClean="0">
-                            <a:latin typeface="Cambria Math" panose="02040503050406030204" pitchFamily="18" charset="0"/>
-                          </a:rPr>
-                          <m:t>𝑅</m:t>
-                        </m:r>
-                      </m:e>
-                      <m:sup>
-                        <m:r>
-                          <a:rPr lang="en-US" b="0" i="1" smtClean="0">
-                            <a:latin typeface="Cambria Math" panose="02040503050406030204" pitchFamily="18" charset="0"/>
-                          </a:rPr>
-                          <m:t>−1</m:t>
-                        </m:r>
-                      </m:sup>
-                    </m:sSup>
-                    <m:r>
-                      <a:rPr lang="en-US" b="0" i="1" smtClean="0">
-                        <a:latin typeface="Cambria Math" panose="02040503050406030204" pitchFamily="18" charset="0"/>
-                      </a:rPr>
-                      <m:t>)</m:t>
-                    </m:r>
-                    <m:r>
-                      <a:rPr lang="en-US" b="0" i="1" smtClean="0">
-                        <a:latin typeface="Cambria Math" panose="02040503050406030204" pitchFamily="18" charset="0"/>
-                      </a:rPr>
-                      <m:t>𝑦</m:t>
-                    </m:r>
-                    <m:r>
-                      <a:rPr lang="en-US" b="0" i="1" smtClean="0">
-                        <a:latin typeface="Cambria Math" panose="02040503050406030204" pitchFamily="18" charset="0"/>
-                      </a:rPr>
-                      <m:t>=</m:t>
-                    </m:r>
-                    <m:r>
-                      <a:rPr lang="en-US" b="0" i="1" smtClean="0">
-                        <a:latin typeface="Cambria Math" panose="02040503050406030204" pitchFamily="18" charset="0"/>
-                      </a:rPr>
-                      <m:t>𝑏</m:t>
-                    </m:r>
-                  </m:oMath>
-                </a14:m>
-                <a:r>
-                  <a:rPr lang="en-US" dirty="0"/>
-                  <a:t>    		</a:t>
-                </a:r>
-                <a14:m>
-                  <m:oMath xmlns:m="http://schemas.openxmlformats.org/officeDocument/2006/math">
-                    <m:r>
-                      <a:rPr lang="en-US" i="1">
-                        <a:latin typeface="Cambria Math" panose="02040503050406030204" pitchFamily="18" charset="0"/>
-                      </a:rPr>
-                      <m:t>𝑅𝑥</m:t>
-                    </m:r>
-                    <m:r>
-                      <a:rPr lang="en-US" i="1">
-                        <a:latin typeface="Cambria Math" panose="02040503050406030204" pitchFamily="18" charset="0"/>
-                      </a:rPr>
-                      <m:t>=</m:t>
-                    </m:r>
-                    <m:r>
-                      <a:rPr lang="en-US" i="1">
-                        <a:latin typeface="Cambria Math" panose="02040503050406030204" pitchFamily="18" charset="0"/>
-                      </a:rPr>
-                      <m:t>𝑦</m:t>
-                    </m:r>
-                  </m:oMath>
-                </a14:m>
-                <a:endParaRPr lang="en-US" dirty="0"/>
-              </a:p>
-            </p:txBody>
-          </p:sp>
-        </mc:Choice>
-        <mc:Fallback>
-          <p:sp>
-            <p:nvSpPr>
-              <p:cNvPr id="3" name="Text Placeholder 2">
-                <a:extLst>
-                  <a:ext uri="{FF2B5EF4-FFF2-40B4-BE49-F238E27FC236}">
-                    <a16:creationId xmlns:a16="http://schemas.microsoft.com/office/drawing/2014/main" id="{AC3B5EDD-6463-4C27-8340-EB30CBB11CDC}"/>
-                  </a:ext>
-                </a:extLst>
-              </p:cNvPr>
-              <p:cNvSpPr>
-                <a:spLocks noGrp="1" noRot="1" noChangeAspect="1" noMove="1" noResize="1" noEditPoints="1" noAdjustHandles="1" noChangeArrowheads="1" noChangeShapeType="1" noTextEdit="1"/>
-              </p:cNvSpPr>
-              <p:nvPr>
-                <p:ph type="body" idx="1"/>
-              </p:nvPr>
-            </p:nvSpPr>
-            <p:spPr>
-              <a:xfrm>
-                <a:off x="311700" y="1171600"/>
-                <a:ext cx="8520600" cy="3397200"/>
-              </a:xfrm>
-              <a:blipFill>
-                <a:blip r:embed="rId2"/>
-                <a:stretch>
-                  <a:fillRect r="-572"/>
-                </a:stretch>
-              </a:blipFill>
-            </p:spPr>
-            <p:txBody>
-              <a:bodyPr/>
-              <a:lstStyle/>
-              <a:p>
-                <a:r>
-                  <a:rPr lang="en-US">
-                    <a:noFill/>
-                  </a:rPr>
-                  <a:t> </a:t>
-                </a:r>
-              </a:p>
-            </p:txBody>
-          </p:sp>
-        </mc:Fallback>
-      </mc:AlternateContent>
-    </p:spTree>
-    <p:extLst>
-      <p:ext uri="{BB962C8B-B14F-4D97-AF65-F5344CB8AC3E}">
-        <p14:creationId xmlns:p14="http://schemas.microsoft.com/office/powerpoint/2010/main" val="2212307226"/>
-      </p:ext>
-    </p:extLst>
-  </p:cSld>
-  <p:clrMapOvr>
-    <a:masterClrMapping/>
-  </p:clrMapOvr>
-</p:sld>
-</file>
-
-<file path=ppt/slides/slide5.xml><?xml version="1.0" encoding="utf-8"?>
-<p:sld xmlns:a="http://schemas.openxmlformats.org/drawingml/2006/main" xmlns:r="http://schemas.openxmlformats.org/officeDocument/2006/relationships" xmlns:p="http://schemas.openxmlformats.org/presentationml/2006/main">
-  <p:cSld>
-    <p:spTree>
-      <p:nvGrpSpPr>
-        <p:cNvPr id="1" name="Shape 82"/>
-        <p:cNvGrpSpPr/>
-        <p:nvPr/>
-      </p:nvGrpSpPr>
-      <p:grpSpPr>
-        <a:xfrm>
-          <a:off x="0" y="0"/>
-          <a:ext cx="0" cy="0"/>
-          <a:chOff x="0" y="0"/>
-          <a:chExt cx="0" cy="0"/>
-        </a:xfrm>
-      </p:grpSpPr>
-      <p:sp>
-        <p:nvSpPr>
-          <p:cNvPr id="83" name="Google Shape;83;p17"/>
-          <p:cNvSpPr txBox="1">
-            <a:spLocks noGrp="1"/>
-          </p:cNvSpPr>
-          <p:nvPr>
-            <p:ph type="title"/>
-          </p:nvPr>
-        </p:nvSpPr>
-        <p:spPr>
-          <a:xfrm>
-            <a:off x="311700" y="445025"/>
-            <a:ext cx="8520600" cy="613200"/>
-          </a:xfrm>
-          <a:prstGeom prst="rect">
-            <a:avLst/>
-          </a:prstGeom>
-        </p:spPr>
-        <p:txBody>
-          <a:bodyPr spcFirstLastPara="1" wrap="square" lIns="91425" tIns="91425" rIns="91425" bIns="91425" anchor="t" anchorCtr="0">
-            <a:noAutofit/>
-          </a:bodyPr>
-          <a:lstStyle/>
-          <a:p>
-            <a:pPr marL="0" lvl="0" indent="0" algn="l" rtl="0">
-              <a:spcBef>
-                <a:spcPts val="0"/>
-              </a:spcBef>
-              <a:spcAft>
-                <a:spcPts val="0"/>
-              </a:spcAft>
-              <a:buNone/>
-            </a:pPr>
-            <a:r>
-              <a:rPr lang="en"/>
-              <a:t>The Algorithm</a:t>
-            </a:r>
-            <a:endParaRPr/>
-          </a:p>
-        </p:txBody>
-      </p:sp>
-      <mc:AlternateContent xmlns:mc="http://schemas.openxmlformats.org/markup-compatibility/2006" xmlns:a14="http://schemas.microsoft.com/office/drawing/2010/main">
-        <mc:Choice Requires="a14">
-          <p:sp>
-            <p:nvSpPr>
-              <p:cNvPr id="84" name="Google Shape;84;p17"/>
-              <p:cNvSpPr txBox="1">
-                <a:spLocks noGrp="1"/>
-              </p:cNvSpPr>
-              <p:nvPr>
-                <p:ph type="body" idx="1"/>
-              </p:nvPr>
-            </p:nvSpPr>
-            <p:spPr>
-              <a:xfrm>
-                <a:off x="311700" y="1171600"/>
-                <a:ext cx="8520600" cy="3397200"/>
-              </a:xfrm>
-              <a:prstGeom prst="rect">
-                <a:avLst/>
-              </a:prstGeom>
-            </p:spPr>
-            <p:txBody>
-              <a:bodyPr spcFirstLastPara="1" wrap="square" lIns="91425" tIns="91425" rIns="91425" bIns="91425" anchor="t" anchorCtr="0">
-                <a:noAutofit/>
-              </a:bodyPr>
-              <a:lstStyle/>
-              <a:p>
-                <a:pPr marL="457200" lvl="0" indent="-342900" algn="l" rtl="0">
-                  <a:spcBef>
-                    <a:spcPts val="0"/>
-                  </a:spcBef>
-                  <a:spcAft>
-                    <a:spcPts val="0"/>
-                  </a:spcAft>
-                  <a:buSzPts val="1800"/>
-                  <a:buChar char="●"/>
-                </a:pPr>
-                <a:r>
-                  <a:rPr lang="en-US" dirty="0"/>
-                  <a:t>The idea of the algorithm is to take a random sample of rows from an overdetermined matrix and use the sample to create a reduced </a:t>
-                </a:r>
-                <a14:m>
-                  <m:oMath xmlns:m="http://schemas.openxmlformats.org/officeDocument/2006/math">
-                    <m:r>
-                      <a:rPr lang="en-US" b="0" i="1" smtClean="0">
-                        <a:latin typeface="Cambria Math" panose="02040503050406030204" pitchFamily="18" charset="0"/>
-                      </a:rPr>
-                      <m:t>𝑄𝑅</m:t>
-                    </m:r>
-                  </m:oMath>
-                </a14:m>
-                <a:r>
-                  <a:rPr lang="en-US" dirty="0"/>
-                  <a:t> factorization, then take the upper triangular matrix </a:t>
-                </a:r>
-                <a14:m>
-                  <m:oMath xmlns:m="http://schemas.openxmlformats.org/officeDocument/2006/math">
-                    <m:r>
-                      <a:rPr lang="en-US" b="0" i="1" smtClean="0">
-                        <a:latin typeface="Cambria Math" panose="02040503050406030204" pitchFamily="18" charset="0"/>
-                      </a:rPr>
-                      <m:t>𝑅</m:t>
-                    </m:r>
-                  </m:oMath>
-                </a14:m>
-                <a:r>
-                  <a:rPr lang="en-US" dirty="0"/>
-                  <a:t> to be the preconditioner.</a:t>
-                </a:r>
-              </a:p>
-              <a:p>
-                <a:pPr marL="457200" lvl="0" indent="-342900" algn="l" rtl="0">
-                  <a:spcBef>
-                    <a:spcPts val="0"/>
-                  </a:spcBef>
-                  <a:spcAft>
-                    <a:spcPts val="0"/>
-                  </a:spcAft>
-                  <a:buSzPts val="1800"/>
-                  <a:buChar char="●"/>
-                </a:pPr>
-                <a:r>
-                  <a:rPr lang="en-US" dirty="0"/>
-                  <a:t>A uniform random sample doesn’t always produce a good preconditioner</a:t>
-                </a:r>
-              </a:p>
-              <a:p>
-                <a:pPr marL="914400" lvl="1" indent="-317500" algn="l" rtl="0">
-                  <a:spcBef>
-                    <a:spcPts val="0"/>
-                  </a:spcBef>
-                  <a:spcAft>
-                    <a:spcPts val="0"/>
-                  </a:spcAft>
-                  <a:buSzPts val="1400"/>
-                  <a:buChar char="○"/>
-                </a:pPr>
-                <a:r>
-                  <a:rPr lang="en-US" dirty="0"/>
-                  <a:t>Algorithm uses pre-processing steps to ensure a random sample will be a good preconditioner with high probability</a:t>
-                </a:r>
-              </a:p>
-              <a:p>
-                <a:pPr marL="457200" lvl="0" indent="-342900" algn="l" rtl="0">
-                  <a:spcBef>
-                    <a:spcPts val="0"/>
-                  </a:spcBef>
-                  <a:spcAft>
-                    <a:spcPts val="0"/>
-                  </a:spcAft>
-                  <a:buSzPts val="1800"/>
-                  <a:buChar char="●"/>
-                </a:pPr>
-                <a:r>
-                  <a:rPr lang="en-US" dirty="0"/>
-                  <a:t>Three main steps:</a:t>
-                </a:r>
-              </a:p>
-              <a:p>
-                <a:pPr marL="914400" lvl="1" indent="-317500" algn="l" rtl="0">
-                  <a:spcBef>
-                    <a:spcPts val="0"/>
-                  </a:spcBef>
-                  <a:spcAft>
-                    <a:spcPts val="0"/>
-                  </a:spcAft>
-                  <a:buSzPts val="1400"/>
-                  <a:buChar char="○"/>
-                </a:pPr>
-                <a:r>
-                  <a:rPr lang="en-US" dirty="0"/>
-                  <a:t>Row Mixing</a:t>
-                </a:r>
-              </a:p>
-              <a:p>
-                <a:pPr marL="914400" lvl="1" indent="-317500" algn="l" rtl="0">
-                  <a:spcBef>
-                    <a:spcPts val="0"/>
-                  </a:spcBef>
-                  <a:spcAft>
-                    <a:spcPts val="0"/>
-                  </a:spcAft>
-                  <a:buSzPts val="1400"/>
-                  <a:buChar char="○"/>
-                </a:pPr>
-                <a:r>
-                  <a:rPr lang="en-US" dirty="0"/>
-                  <a:t>Row sampling and QR factorization</a:t>
-                </a:r>
-              </a:p>
-              <a:p>
-                <a:pPr marL="914400" lvl="1" indent="-317500" algn="l" rtl="0">
-                  <a:spcBef>
-                    <a:spcPts val="0"/>
-                  </a:spcBef>
-                  <a:spcAft>
-                    <a:spcPts val="0"/>
-                  </a:spcAft>
-                  <a:buSzPts val="1400"/>
-                  <a:buChar char="○"/>
-                </a:pPr>
-                <a:r>
-                  <a:rPr lang="en-US" dirty="0"/>
-                  <a:t>Iterative Solution</a:t>
-                </a:r>
-                <a:endParaRPr dirty="0"/>
-              </a:p>
-            </p:txBody>
-          </p:sp>
-        </mc:Choice>
-        <mc:Fallback xmlns="">
-          <p:sp>
-            <p:nvSpPr>
-              <p:cNvPr id="84" name="Google Shape;84;p17"/>
-              <p:cNvSpPr txBox="1">
-                <a:spLocks noGrp="1" noRot="1" noChangeAspect="1" noMove="1" noResize="1" noEditPoints="1" noAdjustHandles="1" noChangeArrowheads="1" noChangeShapeType="1" noTextEdit="1"/>
-              </p:cNvSpPr>
-              <p:nvPr>
-                <p:ph type="body" idx="1"/>
-              </p:nvPr>
-            </p:nvSpPr>
-            <p:spPr>
-              <a:xfrm>
-                <a:off x="311700" y="1171600"/>
-                <a:ext cx="8520600" cy="3397200"/>
-              </a:xfrm>
-              <a:prstGeom prst="rect">
-                <a:avLst/>
-              </a:prstGeom>
-              <a:blipFill>
-                <a:blip r:embed="rId3"/>
-                <a:stretch>
-                  <a:fillRect r="-358"/>
-                </a:stretch>
-              </a:blipFill>
-            </p:spPr>
-            <p:txBody>
-              <a:bodyPr/>
-              <a:lstStyle/>
-              <a:p>
-                <a:r>
-                  <a:rPr lang="en-US">
-                    <a:noFill/>
-                  </a:rPr>
-                  <a:t> </a:t>
-                </a:r>
-              </a:p>
-            </p:txBody>
-          </p:sp>
-        </mc:Fallback>
-      </mc:AlternateContent>
-    </p:spTree>
-  </p:cSld>
-  <p:clrMapOvr>
-    <a:masterClrMapping/>
-  </p:clrMapOvr>
-</p:sld>
-</file>
-
-<file path=ppt/slides/slide6.xml><?xml version="1.0" encoding="utf-8"?>
-<p:sld xmlns:a="http://schemas.openxmlformats.org/drawingml/2006/main" xmlns:r="http://schemas.openxmlformats.org/officeDocument/2006/relationships" xmlns:p="http://schemas.openxmlformats.org/presentationml/2006/main">
-  <p:cSld>
-    <p:spTree>
-      <p:nvGrpSpPr>
-        <p:cNvPr id="1" name="Shape 76"/>
-        <p:cNvGrpSpPr/>
-        <p:nvPr/>
-      </p:nvGrpSpPr>
-      <p:grpSpPr>
-        <a:xfrm>
-          <a:off x="0" y="0"/>
-          <a:ext cx="0" cy="0"/>
-          <a:chOff x="0" y="0"/>
-          <a:chExt cx="0" cy="0"/>
-        </a:xfrm>
-      </p:grpSpPr>
-      <p:sp>
-        <p:nvSpPr>
-          <p:cNvPr id="77" name="Google Shape;77;p16"/>
-          <p:cNvSpPr txBox="1">
-            <a:spLocks noGrp="1"/>
-          </p:cNvSpPr>
-          <p:nvPr>
-            <p:ph type="title"/>
-          </p:nvPr>
-        </p:nvSpPr>
-        <p:spPr>
-          <a:xfrm>
-            <a:off x="311700" y="445025"/>
-            <a:ext cx="8520600" cy="613200"/>
-          </a:xfrm>
-          <a:prstGeom prst="rect">
-            <a:avLst/>
-          </a:prstGeom>
-        </p:spPr>
-        <p:txBody>
-          <a:bodyPr spcFirstLastPara="1" wrap="square" lIns="91425" tIns="91425" rIns="91425" bIns="91425" anchor="t" anchorCtr="0">
-            <a:noAutofit/>
-          </a:bodyPr>
-          <a:lstStyle/>
-          <a:p>
-            <a:pPr marL="0" lvl="0" indent="0" algn="l" rtl="0">
-              <a:spcBef>
-                <a:spcPts val="0"/>
-              </a:spcBef>
-              <a:spcAft>
-                <a:spcPts val="0"/>
-              </a:spcAft>
-              <a:buNone/>
-            </a:pPr>
-            <a:r>
-              <a:rPr lang="en"/>
-              <a:t>The Result</a:t>
-            </a:r>
-            <a:endParaRPr/>
-          </a:p>
-        </p:txBody>
-      </p:sp>
-      <p:sp>
-        <p:nvSpPr>
-          <p:cNvPr id="78" name="Google Shape;78;p16"/>
-          <p:cNvSpPr txBox="1">
-            <a:spLocks noGrp="1"/>
-          </p:cNvSpPr>
-          <p:nvPr>
-            <p:ph type="body" idx="1"/>
-          </p:nvPr>
-        </p:nvSpPr>
-        <p:spPr>
-          <a:xfrm>
-            <a:off x="311700" y="1171600"/>
-            <a:ext cx="8520600" cy="3397200"/>
-          </a:xfrm>
-          <a:prstGeom prst="rect">
-            <a:avLst/>
-          </a:prstGeom>
-        </p:spPr>
-        <p:txBody>
-          <a:bodyPr spcFirstLastPara="1" wrap="square" lIns="91425" tIns="91425" rIns="91425" bIns="91425" anchor="t" anchorCtr="0">
-            <a:noAutofit/>
-          </a:bodyPr>
-          <a:lstStyle/>
-          <a:p>
-            <a:pPr marL="457200" lvl="0" indent="-342900" algn="l" rtl="0">
-              <a:spcBef>
-                <a:spcPts val="0"/>
-              </a:spcBef>
-              <a:spcAft>
-                <a:spcPts val="0"/>
-              </a:spcAft>
-              <a:buSzPts val="1800"/>
-              <a:buChar char="●"/>
-            </a:pPr>
-            <a:r>
-              <a:rPr lang="en" dirty="0"/>
-              <a:t>Blendenpik beats LAPACK on any tall, dense matrix</a:t>
-            </a:r>
-            <a:endParaRPr dirty="0"/>
-          </a:p>
-          <a:p>
-            <a:pPr marL="457200" lvl="0" indent="-342900" algn="l" rtl="0">
-              <a:spcBef>
-                <a:spcPts val="0"/>
-              </a:spcBef>
-              <a:spcAft>
-                <a:spcPts val="0"/>
-              </a:spcAft>
-              <a:buSzPts val="1800"/>
-              <a:buChar char="●"/>
-            </a:pPr>
-            <a:r>
-              <a:rPr lang="en" dirty="0"/>
-              <a:t>Blendenpik is slower on tiny matrices, nearly square matrices, and some sparse matrices</a:t>
-            </a:r>
-            <a:endParaRPr dirty="0"/>
-          </a:p>
-          <a:p>
-            <a:pPr marL="457200" lvl="0" indent="-342900" algn="l" rtl="0">
-              <a:spcBef>
-                <a:spcPts val="0"/>
-              </a:spcBef>
-              <a:spcAft>
-                <a:spcPts val="0"/>
-              </a:spcAft>
-              <a:buSzPts val="1800"/>
-              <a:buChar char="●"/>
-            </a:pPr>
-            <a:r>
-              <a:rPr lang="en" dirty="0"/>
-              <a:t>Blendenpik is numerically-backwards stable</a:t>
-            </a:r>
-            <a:endParaRPr dirty="0"/>
-          </a:p>
-          <a:p>
-            <a:pPr marL="457200" lvl="0" indent="-342900" algn="l" rtl="0">
-              <a:spcBef>
-                <a:spcPts val="0"/>
-              </a:spcBef>
-              <a:spcAft>
-                <a:spcPts val="0"/>
-              </a:spcAft>
-              <a:buSzPts val="1800"/>
-              <a:buChar char="●"/>
-            </a:pPr>
-            <a:r>
-              <a:rPr lang="en" dirty="0"/>
-              <a:t>Achieves residuals similar to direct QR factorization-based solvers</a:t>
-            </a:r>
-            <a:endParaRPr dirty="0"/>
-          </a:p>
-          <a:p>
-            <a:pPr marL="457200" lvl="0" indent="-342900" algn="l" rtl="0">
-              <a:spcBef>
-                <a:spcPts val="0"/>
-              </a:spcBef>
-              <a:spcAft>
-                <a:spcPts val="0"/>
-              </a:spcAft>
-              <a:buSzPts val="1800"/>
-              <a:buChar char="●"/>
-            </a:pPr>
-            <a:r>
-              <a:rPr lang="en" dirty="0"/>
-              <a:t>Scales significantly better than any other QR-based solver</a:t>
-            </a:r>
-            <a:endParaRPr dirty="0"/>
-          </a:p>
-        </p:txBody>
-      </p:sp>
-    </p:spTree>
-  </p:cSld>
-  <p:clrMapOvr>
-    <a:masterClrMapping/>
-  </p:clrMapOvr>
-</p:sld>
-</file>
-
-<file path=ppt/slides/slide7.xml><?xml version="1.0" encoding="utf-8"?>
-<p:sld xmlns:a="http://schemas.openxmlformats.org/drawingml/2006/main" xmlns:r="http://schemas.openxmlformats.org/officeDocument/2006/relationships" xmlns:p="http://schemas.openxmlformats.org/presentationml/2006/main">
-  <p:cSld>
-    <p:spTree>
-      <p:nvGrpSpPr>
-        <p:cNvPr id="1" name="Shape 88"/>
-        <p:cNvGrpSpPr/>
-        <p:nvPr/>
-      </p:nvGrpSpPr>
-      <p:grpSpPr>
-        <a:xfrm>
-          <a:off x="0" y="0"/>
-          <a:ext cx="0" cy="0"/>
-          <a:chOff x="0" y="0"/>
-          <a:chExt cx="0" cy="0"/>
-        </a:xfrm>
-      </p:grpSpPr>
-      <p:sp>
-        <p:nvSpPr>
-          <p:cNvPr id="89" name="Google Shape;89;p18"/>
-          <p:cNvSpPr txBox="1">
-            <a:spLocks noGrp="1"/>
-          </p:cNvSpPr>
-          <p:nvPr>
-            <p:ph type="title"/>
-          </p:nvPr>
-        </p:nvSpPr>
-        <p:spPr>
-          <a:xfrm>
-            <a:off x="311700" y="445025"/>
-            <a:ext cx="8520600" cy="613200"/>
-          </a:xfrm>
-          <a:prstGeom prst="rect">
-            <a:avLst/>
-          </a:prstGeom>
-        </p:spPr>
-        <p:txBody>
-          <a:bodyPr spcFirstLastPara="1" wrap="square" lIns="91425" tIns="91425" rIns="91425" bIns="91425" anchor="t" anchorCtr="0">
-            <a:noAutofit/>
-          </a:bodyPr>
-          <a:lstStyle/>
-          <a:p>
-            <a:pPr marL="0" lvl="0" indent="0" algn="l" rtl="0">
-              <a:spcBef>
-                <a:spcPts val="0"/>
-              </a:spcBef>
-              <a:spcAft>
-                <a:spcPts val="0"/>
-              </a:spcAft>
-              <a:buNone/>
-            </a:pPr>
-            <a:r>
-              <a:rPr lang="en"/>
-              <a:t>The Theory</a:t>
-            </a:r>
-            <a:endParaRPr/>
-          </a:p>
-        </p:txBody>
-      </p:sp>
-      <mc:AlternateContent xmlns:mc="http://schemas.openxmlformats.org/markup-compatibility/2006">
-        <mc:Choice xmlns:a14="http://schemas.microsoft.com/office/drawing/2010/main" Requires="a14">
-          <p:sp>
-            <p:nvSpPr>
-              <p:cNvPr id="90" name="Google Shape;90;p18"/>
-              <p:cNvSpPr txBox="1">
-                <a:spLocks noGrp="1"/>
-              </p:cNvSpPr>
-              <p:nvPr>
-                <p:ph type="body" idx="1"/>
-              </p:nvPr>
-            </p:nvSpPr>
-            <p:spPr>
-              <a:xfrm>
-                <a:off x="311700" y="1171600"/>
-                <a:ext cx="8520600" cy="3397200"/>
-              </a:xfrm>
-              <a:prstGeom prst="rect">
-                <a:avLst/>
-              </a:prstGeom>
-            </p:spPr>
-            <p:txBody>
-              <a:bodyPr spcFirstLastPara="1" wrap="square" lIns="91425" tIns="91425" rIns="91425" bIns="91425" anchor="t" anchorCtr="0">
-                <a:noAutofit/>
-              </a:bodyPr>
-              <a:lstStyle/>
-              <a:p>
-                <a:pPr marL="457200" lvl="0" indent="-342900" algn="l" rtl="0">
-                  <a:spcBef>
-                    <a:spcPts val="0"/>
-                  </a:spcBef>
-                  <a:spcAft>
-                    <a:spcPts val="0"/>
-                  </a:spcAft>
-                  <a:buSzPts val="1800"/>
-                  <a:buChar char="●"/>
-                </a:pPr>
-                <a:r>
-                  <a:rPr lang="en-US" dirty="0"/>
-                  <a:t>The quality of the random sample is dependent on the coherence of the matrix</a:t>
-                </a:r>
-              </a:p>
-              <a:p>
-                <a:pPr marL="914400" lvl="1" indent="-317500" algn="l" rtl="0">
-                  <a:spcBef>
-                    <a:spcPts val="0"/>
-                  </a:spcBef>
-                  <a:spcAft>
-                    <a:spcPts val="0"/>
-                  </a:spcAft>
-                  <a:buSzPts val="1400"/>
-                  <a:buChar char="○"/>
-                </a:pPr>
-                <a:r>
-                  <a:rPr lang="en-US" dirty="0"/>
-                  <a:t>Coherence (</a:t>
-                </a:r>
-                <a14:m>
-                  <m:oMath xmlns:m="http://schemas.openxmlformats.org/officeDocument/2006/math">
-                    <m:r>
-                      <a:rPr lang="en-US" b="0" i="1" smtClean="0">
-                        <a:latin typeface="Cambria Math" panose="02040503050406030204" pitchFamily="18" charset="0"/>
-                      </a:rPr>
-                      <m:t>𝜇</m:t>
-                    </m:r>
-                    <m:r>
-                      <a:rPr lang="en-US" b="0" i="1" smtClean="0">
-                        <a:latin typeface="Cambria Math" panose="02040503050406030204" pitchFamily="18" charset="0"/>
-                      </a:rPr>
-                      <m:t>(</m:t>
-                    </m:r>
-                    <m:r>
-                      <a:rPr lang="en-US" b="0" i="1" smtClean="0">
-                        <a:latin typeface="Cambria Math" panose="02040503050406030204" pitchFamily="18" charset="0"/>
-                      </a:rPr>
-                      <m:t>𝐴</m:t>
-                    </m:r>
-                    <m:r>
-                      <a:rPr lang="en-US" b="0" i="1" smtClean="0">
-                        <a:latin typeface="Cambria Math" panose="02040503050406030204" pitchFamily="18" charset="0"/>
-                      </a:rPr>
-                      <m:t>)</m:t>
-                    </m:r>
-                  </m:oMath>
-                </a14:m>
-                <a:r>
-                  <a:rPr lang="en-US" dirty="0"/>
-                  <a:t>) is the measure of how dependent the solution is on specific rows</a:t>
-                </a:r>
-              </a:p>
-              <a:p>
-                <a:pPr marL="914400" lvl="1" indent="-317500" algn="l" rtl="0">
-                  <a:spcBef>
-                    <a:spcPts val="0"/>
-                  </a:spcBef>
-                  <a:spcAft>
-                    <a:spcPts val="0"/>
-                  </a:spcAft>
-                  <a:buSzPts val="1400"/>
-                  <a:buChar char="○"/>
-                </a:pPr>
-                <a:r>
-                  <a:rPr lang="en-US" dirty="0"/>
-                  <a:t>If coherence is 1, then there exists a row that must be included in the sample to be full-rank</a:t>
-                </a:r>
-              </a:p>
-              <a:p>
-                <a:pPr marL="914400" lvl="1" indent="-317500" algn="l" rtl="0">
-                  <a:spcBef>
-                    <a:spcPts val="0"/>
-                  </a:spcBef>
-                  <a:spcAft>
-                    <a:spcPts val="0"/>
-                  </a:spcAft>
-                  <a:buSzPts val="1400"/>
-                  <a:buChar char="○"/>
-                </a:pPr>
-                <a:r>
-                  <a:rPr lang="en-US" dirty="0"/>
-                  <a:t>The coherence determines how many rows need to be sampled to bound the condition number with high probability</a:t>
-                </a:r>
-              </a:p>
-              <a:p>
-                <a:pPr marL="457200" lvl="0" indent="-342900" algn="l" rtl="0">
-                  <a:spcBef>
-                    <a:spcPts val="0"/>
-                  </a:spcBef>
-                  <a:spcAft>
-                    <a:spcPts val="0"/>
-                  </a:spcAft>
-                  <a:buSzPts val="1800"/>
-                  <a:buChar char="●"/>
-                </a:pPr>
-                <a:r>
-                  <a:rPr lang="en-US" dirty="0"/>
-                  <a:t>If coherence is large, then more rows need to be sampled to get a good preconditioner</a:t>
-                </a:r>
-              </a:p>
-              <a:p>
-                <a:pPr marL="457200" lvl="0" indent="-342900" algn="l" rtl="0">
-                  <a:spcBef>
-                    <a:spcPts val="0"/>
-                  </a:spcBef>
-                  <a:spcAft>
-                    <a:spcPts val="0"/>
-                  </a:spcAft>
-                  <a:buSzPts val="1800"/>
-                  <a:buChar char="●"/>
-                </a:pPr>
-                <a:r>
-                  <a:rPr lang="en-US" dirty="0"/>
-                  <a:t>A uniform sample of the rows works well for incoherent matrices</a:t>
-                </a:r>
-              </a:p>
-              <a:p>
-                <a:pPr marL="914400" lvl="1" indent="-317500" algn="l" rtl="0">
-                  <a:spcBef>
-                    <a:spcPts val="0"/>
-                  </a:spcBef>
-                  <a:spcAft>
-                    <a:spcPts val="0"/>
-                  </a:spcAft>
-                  <a:buSzPts val="1400"/>
-                  <a:buChar char="○"/>
-                </a:pPr>
-                <a:r>
-                  <a:rPr lang="en-US" dirty="0"/>
-                  <a:t>Want to make a coherent matrix incoherent</a:t>
-                </a:r>
-              </a:p>
-              <a:p>
-                <a:pPr marL="914400" lvl="1" indent="-317500" algn="l" rtl="0">
-                  <a:spcBef>
-                    <a:spcPts val="0"/>
-                  </a:spcBef>
-                  <a:spcAft>
-                    <a:spcPts val="0"/>
-                  </a:spcAft>
-                  <a:buSzPts val="1400"/>
-                  <a:buChar char="○"/>
-                </a:pPr>
-                <a:r>
-                  <a:rPr lang="en-US" dirty="0"/>
-                  <a:t>Achieve low coherence through row mixing</a:t>
-                </a:r>
-                <a:endParaRPr dirty="0"/>
-              </a:p>
-            </p:txBody>
-          </p:sp>
-        </mc:Choice>
-        <mc:Fallback>
-          <p:sp>
-            <p:nvSpPr>
-              <p:cNvPr id="90" name="Google Shape;90;p18"/>
-              <p:cNvSpPr txBox="1">
-                <a:spLocks noGrp="1" noRot="1" noChangeAspect="1" noMove="1" noResize="1" noEditPoints="1" noAdjustHandles="1" noChangeArrowheads="1" noChangeShapeType="1" noTextEdit="1"/>
-              </p:cNvSpPr>
-              <p:nvPr>
-                <p:ph type="body" idx="1"/>
-              </p:nvPr>
-            </p:nvSpPr>
-            <p:spPr>
-              <a:xfrm>
-                <a:off x="311700" y="1171600"/>
-                <a:ext cx="8520600" cy="3397200"/>
-              </a:xfrm>
-              <a:prstGeom prst="rect">
-                <a:avLst/>
-              </a:prstGeom>
-              <a:blipFill>
-                <a:blip r:embed="rId3"/>
-                <a:stretch>
-                  <a:fillRect/>
-                </a:stretch>
-              </a:blipFill>
-            </p:spPr>
-            <p:txBody>
-              <a:bodyPr/>
-              <a:lstStyle/>
-              <a:p>
-                <a:r>
-                  <a:rPr lang="en-US">
-                    <a:noFill/>
-                  </a:rPr>
-                  <a:t> </a:t>
-                </a:r>
-              </a:p>
-            </p:txBody>
-          </p:sp>
-        </mc:Fallback>
-      </mc:AlternateContent>
-    </p:spTree>
-  </p:cSld>
-  <p:clrMapOvr>
-    <a:masterClrMapping/>
-  </p:clrMapOvr>
-</p:sld>
-</file>
-
-<file path=ppt/slides/slide8.xml><?xml version="1.0" encoding="utf-8"?>
-<p:sld xmlns:a="http://schemas.openxmlformats.org/drawingml/2006/main" xmlns:r="http://schemas.openxmlformats.org/officeDocument/2006/relationships" xmlns:p="http://schemas.openxmlformats.org/presentationml/2006/main">
-  <p:cSld>
-    <p:spTree>
-      <p:nvGrpSpPr>
         <p:cNvPr id="1" name="Shape 100"/>
         <p:cNvGrpSpPr/>
         <p:nvPr/>
@@ -11197,7 +8186,7 @@
                 </a14:m>
                 <a:r>
                   <a:rPr lang="en-US" dirty="0"/>
-                  <a:t> is the reduced </a:t>
+                  <a:t> is a reduced </a:t>
                 </a:r>
                 <a14:m>
                   <m:oMath xmlns:m="http://schemas.openxmlformats.org/officeDocument/2006/math">
@@ -11780,7 +8769,3019 @@
 </p:sld>
 </file>
 
-<file path=ppt/slides/slide9.xml><?xml version="1.0" encoding="utf-8"?>
+<file path=ppt/slides/slide11.xml><?xml version="1.0" encoding="utf-8"?>
+<p:sld xmlns:a="http://schemas.openxmlformats.org/drawingml/2006/main" xmlns:r="http://schemas.openxmlformats.org/officeDocument/2006/relationships" xmlns:p="http://schemas.openxmlformats.org/presentationml/2006/main">
+  <p:cSld>
+    <p:spTree>
+      <p:nvGrpSpPr>
+        <p:cNvPr id="1" name="Shape 106"/>
+        <p:cNvGrpSpPr/>
+        <p:nvPr/>
+      </p:nvGrpSpPr>
+      <p:grpSpPr>
+        <a:xfrm>
+          <a:off x="0" y="0"/>
+          <a:ext cx="0" cy="0"/>
+          <a:chOff x="0" y="0"/>
+          <a:chExt cx="0" cy="0"/>
+        </a:xfrm>
+      </p:grpSpPr>
+      <p:sp>
+        <p:nvSpPr>
+          <p:cNvPr id="107" name="Google Shape;107;p21"/>
+          <p:cNvSpPr txBox="1">
+            <a:spLocks noGrp="1"/>
+          </p:cNvSpPr>
+          <p:nvPr>
+            <p:ph type="title"/>
+          </p:nvPr>
+        </p:nvSpPr>
+        <p:spPr>
+          <a:xfrm>
+            <a:off x="311700" y="445025"/>
+            <a:ext cx="8520600" cy="613200"/>
+          </a:xfrm>
+          <a:prstGeom prst="rect">
+            <a:avLst/>
+          </a:prstGeom>
+        </p:spPr>
+        <p:txBody>
+          <a:bodyPr spcFirstLastPara="1" wrap="square" lIns="91425" tIns="91425" rIns="91425" bIns="91425" anchor="t" anchorCtr="0">
+            <a:noAutofit/>
+          </a:bodyPr>
+          <a:lstStyle/>
+          <a:p>
+            <a:pPr marL="0" lvl="0" indent="0" algn="l" rtl="0">
+              <a:spcBef>
+                <a:spcPts val="0"/>
+              </a:spcBef>
+              <a:spcAft>
+                <a:spcPts val="0"/>
+              </a:spcAft>
+              <a:buNone/>
+            </a:pPr>
+            <a:r>
+              <a:rPr lang="en"/>
+              <a:t>Iterative Solution</a:t>
+            </a:r>
+            <a:endParaRPr/>
+          </a:p>
+        </p:txBody>
+      </p:sp>
+      <p:sp>
+        <p:nvSpPr>
+          <p:cNvPr id="108" name="Google Shape;108;p21"/>
+          <p:cNvSpPr txBox="1">
+            <a:spLocks noGrp="1"/>
+          </p:cNvSpPr>
+          <p:nvPr>
+            <p:ph type="body" idx="1"/>
+          </p:nvPr>
+        </p:nvSpPr>
+        <p:spPr>
+          <a:xfrm>
+            <a:off x="311700" y="1171600"/>
+            <a:ext cx="8520600" cy="3397200"/>
+          </a:xfrm>
+          <a:prstGeom prst="rect">
+            <a:avLst/>
+          </a:prstGeom>
+        </p:spPr>
+        <p:txBody>
+          <a:bodyPr spcFirstLastPara="1" wrap="square" lIns="91425" tIns="91425" rIns="91425" bIns="91425" anchor="t" anchorCtr="0">
+            <a:noAutofit/>
+          </a:bodyPr>
+          <a:lstStyle/>
+          <a:p>
+            <a:pPr marL="457200" lvl="0" indent="-342900" algn="l" rtl="0">
+              <a:spcBef>
+                <a:spcPts val="0"/>
+              </a:spcBef>
+              <a:spcAft>
+                <a:spcPts val="0"/>
+              </a:spcAft>
+              <a:buSzPts val="1800"/>
+              <a:buChar char="●"/>
+            </a:pPr>
+            <a:r>
+              <a:rPr lang="en" dirty="0"/>
+              <a:t>LSQR is used on the sampled rows to approximate the solution</a:t>
+            </a:r>
+            <a:endParaRPr dirty="0"/>
+          </a:p>
+          <a:p>
+            <a:pPr marL="457200" lvl="0" indent="-342900" algn="l" rtl="0">
+              <a:spcBef>
+                <a:spcPts val="0"/>
+              </a:spcBef>
+              <a:spcAft>
+                <a:spcPts val="0"/>
+              </a:spcAft>
+              <a:buSzPts val="1800"/>
+              <a:buChar char="●"/>
+            </a:pPr>
+            <a:r>
+              <a:rPr lang="en" dirty="0"/>
+              <a:t>This algorithm is about as stable as a QR-based solver</a:t>
+            </a:r>
+            <a:endParaRPr dirty="0"/>
+          </a:p>
+          <a:p>
+            <a:pPr marL="457200" lvl="0" indent="-342900" algn="l" rtl="0">
+              <a:spcBef>
+                <a:spcPts val="0"/>
+              </a:spcBef>
+              <a:spcAft>
+                <a:spcPts val="0"/>
+              </a:spcAft>
+              <a:buSzPts val="1800"/>
+              <a:buChar char="●"/>
+            </a:pPr>
+            <a:r>
+              <a:rPr lang="en" dirty="0"/>
+              <a:t>Most of the running time is spent on multiplying vectors by A and A</a:t>
+            </a:r>
+            <a:r>
+              <a:rPr lang="en" baseline="30000" dirty="0"/>
+              <a:t>T</a:t>
+            </a:r>
+            <a:endParaRPr dirty="0"/>
+          </a:p>
+        </p:txBody>
+      </p:sp>
+    </p:spTree>
+  </p:cSld>
+  <p:clrMapOvr>
+    <a:masterClrMapping/>
+  </p:clrMapOvr>
+</p:sld>
+</file>
+
+<file path=ppt/slides/slide12.xml><?xml version="1.0" encoding="utf-8"?>
+<p:sld xmlns:a="http://schemas.openxmlformats.org/drawingml/2006/main" xmlns:r="http://schemas.openxmlformats.org/officeDocument/2006/relationships" xmlns:p="http://schemas.openxmlformats.org/presentationml/2006/main">
+  <p:cSld>
+    <p:spTree>
+      <p:nvGrpSpPr>
+        <p:cNvPr id="1" name="Shape 112"/>
+        <p:cNvGrpSpPr/>
+        <p:nvPr/>
+      </p:nvGrpSpPr>
+      <p:grpSpPr>
+        <a:xfrm>
+          <a:off x="0" y="0"/>
+          <a:ext cx="0" cy="0"/>
+          <a:chOff x="0" y="0"/>
+          <a:chExt cx="0" cy="0"/>
+        </a:xfrm>
+      </p:grpSpPr>
+      <p:sp>
+        <p:nvSpPr>
+          <p:cNvPr id="113" name="Google Shape;113;p22"/>
+          <p:cNvSpPr txBox="1">
+            <a:spLocks noGrp="1"/>
+          </p:cNvSpPr>
+          <p:nvPr>
+            <p:ph type="title"/>
+          </p:nvPr>
+        </p:nvSpPr>
+        <p:spPr>
+          <a:xfrm>
+            <a:off x="311700" y="445025"/>
+            <a:ext cx="8520600" cy="613200"/>
+          </a:xfrm>
+          <a:prstGeom prst="rect">
+            <a:avLst/>
+          </a:prstGeom>
+        </p:spPr>
+        <p:txBody>
+          <a:bodyPr spcFirstLastPara="1" wrap="square" lIns="91425" tIns="91425" rIns="91425" bIns="91425" anchor="t" anchorCtr="0">
+            <a:noAutofit/>
+          </a:bodyPr>
+          <a:lstStyle/>
+          <a:p>
+            <a:pPr marL="0" lvl="0" indent="0" algn="l" rtl="0">
+              <a:spcBef>
+                <a:spcPts val="0"/>
+              </a:spcBef>
+              <a:spcAft>
+                <a:spcPts val="0"/>
+              </a:spcAft>
+              <a:buNone/>
+            </a:pPr>
+            <a:r>
+              <a:rPr lang="en"/>
+              <a:t>The Cost</a:t>
+            </a:r>
+            <a:endParaRPr/>
+          </a:p>
+        </p:txBody>
+      </p:sp>
+      <p:sp>
+        <p:nvSpPr>
+          <p:cNvPr id="114" name="Google Shape;114;p22"/>
+          <p:cNvSpPr txBox="1">
+            <a:spLocks noGrp="1"/>
+          </p:cNvSpPr>
+          <p:nvPr>
+            <p:ph type="body" idx="1"/>
+          </p:nvPr>
+        </p:nvSpPr>
+        <p:spPr>
+          <a:xfrm>
+            <a:off x="311700" y="1171600"/>
+            <a:ext cx="8520600" cy="3397200"/>
+          </a:xfrm>
+          <a:prstGeom prst="rect">
+            <a:avLst/>
+          </a:prstGeom>
+        </p:spPr>
+        <p:txBody>
+          <a:bodyPr spcFirstLastPara="1" wrap="square" lIns="91425" tIns="91425" rIns="91425" bIns="91425" anchor="t" anchorCtr="0">
+            <a:noAutofit/>
+          </a:bodyPr>
+          <a:lstStyle/>
+          <a:p>
+            <a:pPr marL="457200" lvl="0" indent="-342900" algn="l" rtl="0">
+              <a:spcBef>
+                <a:spcPts val="0"/>
+              </a:spcBef>
+              <a:spcAft>
+                <a:spcPts val="0"/>
+              </a:spcAft>
+              <a:buSzPts val="1800"/>
+              <a:buChar char="●"/>
+            </a:pPr>
+            <a:r>
+              <a:rPr lang="en" dirty="0"/>
+              <a:t>Row Mixing</a:t>
+            </a:r>
+            <a:endParaRPr dirty="0"/>
+          </a:p>
+          <a:p>
+            <a:pPr marL="914400" lvl="1" indent="-317500" algn="l" rtl="0">
+              <a:spcBef>
+                <a:spcPts val="0"/>
+              </a:spcBef>
+              <a:spcAft>
+                <a:spcPts val="0"/>
+              </a:spcAft>
+              <a:buSzPts val="1400"/>
+              <a:buChar char="○"/>
+            </a:pPr>
+            <a:r>
+              <a:rPr lang="en" dirty="0"/>
+              <a:t>Θ(mn log m)</a:t>
+            </a:r>
+            <a:endParaRPr dirty="0"/>
+          </a:p>
+          <a:p>
+            <a:pPr marL="457200" lvl="0" indent="-342900" algn="l" rtl="0">
+              <a:spcBef>
+                <a:spcPts val="0"/>
+              </a:spcBef>
+              <a:spcAft>
+                <a:spcPts val="0"/>
+              </a:spcAft>
+              <a:buSzPts val="1800"/>
+              <a:buChar char="●"/>
+            </a:pPr>
+            <a:r>
+              <a:rPr lang="en" dirty="0"/>
+              <a:t>Row Sampling and QR Factorization</a:t>
+            </a:r>
+            <a:endParaRPr dirty="0"/>
+          </a:p>
+          <a:p>
+            <a:pPr marL="914400" lvl="1" indent="-317500" algn="l" rtl="0">
+              <a:spcBef>
+                <a:spcPts val="0"/>
+              </a:spcBef>
+              <a:spcAft>
+                <a:spcPts val="0"/>
+              </a:spcAft>
+              <a:buSzPts val="1400"/>
+              <a:buChar char="○"/>
+            </a:pPr>
+            <a:r>
+              <a:rPr lang="en" dirty="0"/>
+              <a:t>Θ(n</a:t>
+            </a:r>
+            <a:r>
+              <a:rPr lang="en" baseline="30000" dirty="0"/>
+              <a:t>3</a:t>
+            </a:r>
+            <a:r>
+              <a:rPr lang="en" dirty="0"/>
+              <a:t>)</a:t>
+            </a:r>
+            <a:endParaRPr dirty="0"/>
+          </a:p>
+          <a:p>
+            <a:pPr marL="457200" lvl="0" indent="-342900" algn="l" rtl="0">
+              <a:spcBef>
+                <a:spcPts val="0"/>
+              </a:spcBef>
+              <a:spcAft>
+                <a:spcPts val="0"/>
+              </a:spcAft>
+              <a:buSzPts val="1800"/>
+              <a:buChar char="●"/>
+            </a:pPr>
+            <a:r>
+              <a:rPr lang="en" dirty="0"/>
+              <a:t>Iterative Solution</a:t>
+            </a:r>
+            <a:endParaRPr dirty="0"/>
+          </a:p>
+          <a:p>
+            <a:pPr marL="914400" lvl="1" indent="-317500" algn="l" rtl="0">
+              <a:spcBef>
+                <a:spcPts val="0"/>
+              </a:spcBef>
+              <a:spcAft>
+                <a:spcPts val="0"/>
+              </a:spcAft>
+              <a:buSzPts val="1400"/>
+              <a:buChar char="○"/>
+            </a:pPr>
+            <a:r>
+              <a:rPr lang="en" dirty="0"/>
+              <a:t>Most costly phase of algorithm</a:t>
+            </a:r>
+            <a:endParaRPr dirty="0"/>
+          </a:p>
+          <a:p>
+            <a:pPr marL="914400" lvl="1" indent="-317500" algn="l" rtl="0">
+              <a:spcBef>
+                <a:spcPts val="0"/>
+              </a:spcBef>
+              <a:spcAft>
+                <a:spcPts val="0"/>
+              </a:spcAft>
+              <a:buSzPts val="1400"/>
+              <a:buChar char="○"/>
+            </a:pPr>
+            <a:r>
+              <a:rPr lang="en" dirty="0"/>
+              <a:t>Each iteration is Θ(mn)</a:t>
+            </a:r>
+            <a:endParaRPr dirty="0"/>
+          </a:p>
+          <a:p>
+            <a:pPr marL="914400" lvl="1" indent="-317500" algn="l" rtl="0">
+              <a:spcBef>
+                <a:spcPts val="0"/>
+              </a:spcBef>
+              <a:spcAft>
+                <a:spcPts val="0"/>
+              </a:spcAft>
+              <a:buSzPts val="1400"/>
+              <a:buChar char="○"/>
+            </a:pPr>
+            <a:r>
+              <a:rPr lang="en" dirty="0"/>
+              <a:t>Number of iterations grows slowly</a:t>
+            </a:r>
+            <a:endParaRPr dirty="0"/>
+          </a:p>
+        </p:txBody>
+      </p:sp>
+    </p:spTree>
+  </p:cSld>
+  <p:clrMapOvr>
+    <a:masterClrMapping/>
+  </p:clrMapOvr>
+</p:sld>
+</file>
+
+<file path=ppt/slides/slide13.xml><?xml version="1.0" encoding="utf-8"?>
+<p:sld xmlns:a="http://schemas.openxmlformats.org/drawingml/2006/main" xmlns:r="http://schemas.openxmlformats.org/officeDocument/2006/relationships" xmlns:p="http://schemas.openxmlformats.org/presentationml/2006/main">
+  <p:cSld>
+    <p:spTree>
+      <p:nvGrpSpPr>
+        <p:cNvPr id="1" name="Shape 118"/>
+        <p:cNvGrpSpPr/>
+        <p:nvPr/>
+      </p:nvGrpSpPr>
+      <p:grpSpPr>
+        <a:xfrm>
+          <a:off x="0" y="0"/>
+          <a:ext cx="0" cy="0"/>
+          <a:chOff x="0" y="0"/>
+          <a:chExt cx="0" cy="0"/>
+        </a:xfrm>
+      </p:grpSpPr>
+      <p:sp>
+        <p:nvSpPr>
+          <p:cNvPr id="119" name="Google Shape;119;p23"/>
+          <p:cNvSpPr txBox="1">
+            <a:spLocks noGrp="1"/>
+          </p:cNvSpPr>
+          <p:nvPr>
+            <p:ph type="title"/>
+          </p:nvPr>
+        </p:nvSpPr>
+        <p:spPr>
+          <a:xfrm>
+            <a:off x="311700" y="445025"/>
+            <a:ext cx="8520600" cy="613200"/>
+          </a:xfrm>
+          <a:prstGeom prst="rect">
+            <a:avLst/>
+          </a:prstGeom>
+        </p:spPr>
+        <p:txBody>
+          <a:bodyPr spcFirstLastPara="1" wrap="square" lIns="91425" tIns="91425" rIns="91425" bIns="91425" anchor="t" anchorCtr="0">
+            <a:noAutofit/>
+          </a:bodyPr>
+          <a:lstStyle/>
+          <a:p>
+            <a:pPr marL="0" lvl="0" indent="0" algn="l" rtl="0">
+              <a:spcBef>
+                <a:spcPts val="0"/>
+              </a:spcBef>
+              <a:spcAft>
+                <a:spcPts val="0"/>
+              </a:spcAft>
+              <a:buNone/>
+            </a:pPr>
+            <a:r>
+              <a:rPr lang="en"/>
+              <a:t>Comparison to Prior Algorithms</a:t>
+            </a:r>
+            <a:endParaRPr/>
+          </a:p>
+        </p:txBody>
+      </p:sp>
+      <p:sp>
+        <p:nvSpPr>
+          <p:cNvPr id="120" name="Google Shape;120;p23"/>
+          <p:cNvSpPr txBox="1">
+            <a:spLocks noGrp="1"/>
+          </p:cNvSpPr>
+          <p:nvPr>
+            <p:ph type="body" idx="1"/>
+          </p:nvPr>
+        </p:nvSpPr>
+        <p:spPr>
+          <a:xfrm>
+            <a:off x="311700" y="1171600"/>
+            <a:ext cx="8520600" cy="3397200"/>
+          </a:xfrm>
+          <a:prstGeom prst="rect">
+            <a:avLst/>
+          </a:prstGeom>
+        </p:spPr>
+        <p:txBody>
+          <a:bodyPr spcFirstLastPara="1" wrap="square" lIns="91425" tIns="91425" rIns="91425" bIns="91425" anchor="t" anchorCtr="0">
+            <a:noAutofit/>
+          </a:bodyPr>
+          <a:lstStyle/>
+          <a:p>
+            <a:pPr marL="457200" lvl="0" indent="-342900" algn="l" rtl="0">
+              <a:spcBef>
+                <a:spcPts val="0"/>
+              </a:spcBef>
+              <a:spcAft>
+                <a:spcPts val="0"/>
+              </a:spcAft>
+              <a:buSzPts val="1800"/>
+              <a:buChar char="●"/>
+            </a:pPr>
+            <a:r>
+              <a:rPr lang="en"/>
+              <a:t>LAPACK</a:t>
+            </a:r>
+            <a:endParaRPr/>
+          </a:p>
+          <a:p>
+            <a:pPr marL="914400" lvl="1" indent="-317500" algn="l" rtl="0">
+              <a:spcBef>
+                <a:spcPts val="0"/>
+              </a:spcBef>
+              <a:spcAft>
+                <a:spcPts val="0"/>
+              </a:spcAft>
+              <a:buSzPts val="1400"/>
+              <a:buChar char="○"/>
+            </a:pPr>
+            <a:r>
+              <a:rPr lang="en"/>
+              <a:t>Blendenpik outperforms LAPACK on most matrices</a:t>
+            </a:r>
+            <a:endParaRPr/>
+          </a:p>
+          <a:p>
+            <a:pPr marL="457200" lvl="0" indent="-342900" algn="l" rtl="0">
+              <a:spcBef>
+                <a:spcPts val="0"/>
+              </a:spcBef>
+              <a:spcAft>
+                <a:spcPts val="0"/>
+              </a:spcAft>
+              <a:buSzPts val="1800"/>
+              <a:buChar char="●"/>
+            </a:pPr>
+            <a:r>
+              <a:rPr lang="en"/>
+              <a:t>Faster least squares approximation</a:t>
+            </a:r>
+            <a:endParaRPr/>
+          </a:p>
+          <a:p>
+            <a:pPr marL="914400" lvl="1" indent="-317500" algn="l" rtl="0">
+              <a:lnSpc>
+                <a:spcPct val="150000"/>
+              </a:lnSpc>
+              <a:spcBef>
+                <a:spcPts val="0"/>
+              </a:spcBef>
+              <a:spcAft>
+                <a:spcPts val="0"/>
+              </a:spcAft>
+              <a:buSzPts val="1400"/>
+              <a:buChar char="○"/>
+            </a:pPr>
+            <a:r>
+              <a:rPr lang="en">
+                <a:solidFill>
+                  <a:srgbClr val="444444"/>
+                </a:solidFill>
+              </a:rPr>
+              <a:t>Proposes a more sophisticated algorithm that leads to a small residual for any matrix</a:t>
+            </a:r>
+            <a:endParaRPr>
+              <a:solidFill>
+                <a:srgbClr val="444444"/>
+              </a:solidFill>
+            </a:endParaRPr>
+          </a:p>
+          <a:p>
+            <a:pPr marL="914400" lvl="1" indent="-317500" algn="l" rtl="0">
+              <a:lnSpc>
+                <a:spcPct val="150000"/>
+              </a:lnSpc>
+              <a:spcBef>
+                <a:spcPts val="0"/>
+              </a:spcBef>
+              <a:spcAft>
+                <a:spcPts val="0"/>
+              </a:spcAft>
+              <a:buSzPts val="1400"/>
+              <a:buChar char="○"/>
+            </a:pPr>
+            <a:r>
+              <a:rPr lang="en">
+                <a:solidFill>
+                  <a:srgbClr val="444444"/>
+                </a:solidFill>
+              </a:rPr>
+              <a:t>Small uniform sample does not work on any matrix</a:t>
+            </a:r>
+            <a:endParaRPr>
+              <a:solidFill>
+                <a:srgbClr val="444444"/>
+              </a:solidFill>
+            </a:endParaRPr>
+          </a:p>
+          <a:p>
+            <a:pPr marL="457200" lvl="0" indent="-342900" algn="l" rtl="0">
+              <a:spcBef>
+                <a:spcPts val="0"/>
+              </a:spcBef>
+              <a:spcAft>
+                <a:spcPts val="0"/>
+              </a:spcAft>
+              <a:buSzPts val="1800"/>
+              <a:buChar char="●"/>
+            </a:pPr>
+            <a:r>
+              <a:rPr lang="en"/>
+              <a:t>A fast randomized algorithm for overdetermined linear least-squares regression</a:t>
+            </a:r>
+            <a:endParaRPr/>
+          </a:p>
+          <a:p>
+            <a:pPr marL="914400" lvl="1" indent="-317500" algn="l" rtl="0">
+              <a:spcBef>
+                <a:spcPts val="0"/>
+              </a:spcBef>
+              <a:spcAft>
+                <a:spcPts val="0"/>
+              </a:spcAft>
+              <a:buSzPts val="1400"/>
+              <a:buChar char="○"/>
+            </a:pPr>
+            <a:r>
+              <a:rPr lang="en"/>
+              <a:t>Uses a uniform random sample of the rows</a:t>
+            </a:r>
+            <a:endParaRPr/>
+          </a:p>
+          <a:p>
+            <a:pPr marL="914400" lvl="1" indent="-317500" algn="l" rtl="0">
+              <a:spcBef>
+                <a:spcPts val="0"/>
+              </a:spcBef>
+              <a:spcAft>
+                <a:spcPts val="0"/>
+              </a:spcAft>
+              <a:buSzPts val="1400"/>
+              <a:buChar char="○"/>
+            </a:pPr>
+            <a:r>
+              <a:rPr lang="en"/>
+              <a:t>May not work in matrices with high coherence</a:t>
+            </a:r>
+            <a:endParaRPr/>
+          </a:p>
+        </p:txBody>
+      </p:sp>
+    </p:spTree>
+  </p:cSld>
+  <p:clrMapOvr>
+    <a:masterClrMapping/>
+  </p:clrMapOvr>
+</p:sld>
+</file>
+
+<file path=ppt/slides/slide14.xml><?xml version="1.0" encoding="utf-8"?>
+<p:sld xmlns:a="http://schemas.openxmlformats.org/drawingml/2006/main" xmlns:r="http://schemas.openxmlformats.org/officeDocument/2006/relationships" xmlns:p="http://schemas.openxmlformats.org/presentationml/2006/main">
+  <p:cSld>
+    <p:spTree>
+      <p:nvGrpSpPr>
+        <p:cNvPr id="1" name="Shape 124"/>
+        <p:cNvGrpSpPr/>
+        <p:nvPr/>
+      </p:nvGrpSpPr>
+      <p:grpSpPr>
+        <a:xfrm>
+          <a:off x="0" y="0"/>
+          <a:ext cx="0" cy="0"/>
+          <a:chOff x="0" y="0"/>
+          <a:chExt cx="0" cy="0"/>
+        </a:xfrm>
+      </p:grpSpPr>
+      <p:sp>
+        <p:nvSpPr>
+          <p:cNvPr id="125" name="Google Shape;125;p24"/>
+          <p:cNvSpPr txBox="1">
+            <a:spLocks noGrp="1"/>
+          </p:cNvSpPr>
+          <p:nvPr>
+            <p:ph type="title"/>
+          </p:nvPr>
+        </p:nvSpPr>
+        <p:spPr>
+          <a:xfrm>
+            <a:off x="311700" y="445025"/>
+            <a:ext cx="8520600" cy="613200"/>
+          </a:xfrm>
+          <a:prstGeom prst="rect">
+            <a:avLst/>
+          </a:prstGeom>
+        </p:spPr>
+        <p:txBody>
+          <a:bodyPr spcFirstLastPara="1" wrap="square" lIns="91425" tIns="91425" rIns="91425" bIns="91425" anchor="t" anchorCtr="0">
+            <a:noAutofit/>
+          </a:bodyPr>
+          <a:lstStyle/>
+          <a:p>
+            <a:pPr marL="0" lvl="0" indent="0" algn="l" rtl="0">
+              <a:spcBef>
+                <a:spcPts val="0"/>
+              </a:spcBef>
+              <a:spcAft>
+                <a:spcPts val="0"/>
+              </a:spcAft>
+              <a:buNone/>
+            </a:pPr>
+            <a:r>
+              <a:rPr lang="en"/>
+              <a:t>Different Unitary Transformations</a:t>
+            </a:r>
+            <a:endParaRPr/>
+          </a:p>
+        </p:txBody>
+      </p:sp>
+      <p:sp>
+        <p:nvSpPr>
+          <p:cNvPr id="126" name="Google Shape;126;p24"/>
+          <p:cNvSpPr txBox="1">
+            <a:spLocks noGrp="1"/>
+          </p:cNvSpPr>
+          <p:nvPr>
+            <p:ph type="body" idx="1"/>
+          </p:nvPr>
+        </p:nvSpPr>
+        <p:spPr>
+          <a:xfrm>
+            <a:off x="311700" y="1171600"/>
+            <a:ext cx="8520600" cy="3397200"/>
+          </a:xfrm>
+          <a:prstGeom prst="rect">
+            <a:avLst/>
+          </a:prstGeom>
+        </p:spPr>
+        <p:txBody>
+          <a:bodyPr spcFirstLastPara="1" wrap="square" lIns="91425" tIns="91425" rIns="91425" bIns="91425" anchor="t" anchorCtr="0">
+            <a:noAutofit/>
+          </a:bodyPr>
+          <a:lstStyle/>
+          <a:p>
+            <a:pPr marL="457200" lvl="0" indent="-342900" algn="l" rtl="0">
+              <a:spcBef>
+                <a:spcPts val="0"/>
+              </a:spcBef>
+              <a:spcAft>
+                <a:spcPts val="0"/>
+              </a:spcAft>
+              <a:buSzPts val="1800"/>
+              <a:buChar char="●"/>
+            </a:pPr>
+            <a:r>
+              <a:rPr lang="en" dirty="0"/>
+              <a:t>Transformation used in the algorithm is the discrete cosine transform (DCT)</a:t>
+            </a:r>
+            <a:endParaRPr dirty="0"/>
+          </a:p>
+          <a:p>
+            <a:pPr marL="457200" lvl="0" indent="-342900" algn="l" rtl="0">
+              <a:spcBef>
+                <a:spcPts val="0"/>
+              </a:spcBef>
+              <a:spcAft>
+                <a:spcPts val="0"/>
+              </a:spcAft>
+              <a:buSzPts val="1800"/>
+              <a:buChar char="●"/>
+            </a:pPr>
+            <a:r>
+              <a:rPr lang="en" dirty="0"/>
+              <a:t>Other transformations are available:</a:t>
+            </a:r>
+            <a:endParaRPr dirty="0"/>
+          </a:p>
+          <a:p>
+            <a:pPr marL="914400" lvl="1" indent="-317500" algn="l" rtl="0">
+              <a:spcBef>
+                <a:spcPts val="0"/>
+              </a:spcBef>
+              <a:spcAft>
+                <a:spcPts val="0"/>
+              </a:spcAft>
+              <a:buSzPts val="1400"/>
+              <a:buChar char="○"/>
+            </a:pPr>
+            <a:r>
+              <a:rPr lang="en" dirty="0"/>
+              <a:t>Walsh-Hadamard transform (WHT)</a:t>
+            </a:r>
+            <a:endParaRPr dirty="0"/>
+          </a:p>
+          <a:p>
+            <a:pPr marL="914400" lvl="1" indent="-317500" algn="l" rtl="0">
+              <a:spcBef>
+                <a:spcPts val="0"/>
+              </a:spcBef>
+              <a:spcAft>
+                <a:spcPts val="0"/>
+              </a:spcAft>
+              <a:buSzPts val="1400"/>
+              <a:buChar char="○"/>
+            </a:pPr>
+            <a:r>
+              <a:rPr lang="en" dirty="0"/>
+              <a:t>Discrete Hartley transform (DHT)</a:t>
+            </a:r>
+            <a:endParaRPr dirty="0"/>
+          </a:p>
+          <a:p>
+            <a:pPr marL="457200" lvl="0" indent="-342900" algn="l" rtl="0">
+              <a:spcBef>
+                <a:spcPts val="0"/>
+              </a:spcBef>
+              <a:spcAft>
+                <a:spcPts val="0"/>
+              </a:spcAft>
+              <a:buSzPts val="1800"/>
+              <a:buChar char="●"/>
+            </a:pPr>
+            <a:r>
+              <a:rPr lang="en" dirty="0"/>
+              <a:t>WHT is </a:t>
+            </a:r>
+            <a:r>
+              <a:rPr lang="en-US" dirty="0"/>
+              <a:t>the best in theory</a:t>
+            </a:r>
+            <a:r>
+              <a:rPr lang="en" dirty="0"/>
+              <a:t>, but </a:t>
+            </a:r>
+            <a:r>
+              <a:rPr lang="en-US" dirty="0"/>
+              <a:t>sometimes fails to mix rows well enough</a:t>
+            </a:r>
+            <a:endParaRPr dirty="0"/>
+          </a:p>
+          <a:p>
+            <a:pPr marL="457200" lvl="0" indent="-342900" algn="l" rtl="0">
+              <a:spcBef>
+                <a:spcPts val="0"/>
+              </a:spcBef>
+              <a:spcAft>
+                <a:spcPts val="0"/>
+              </a:spcAft>
+              <a:buSzPts val="1800"/>
+              <a:buChar char="●"/>
+            </a:pPr>
+            <a:r>
+              <a:rPr lang="en" dirty="0"/>
+              <a:t>DHT and DCT </a:t>
+            </a:r>
+            <a:r>
+              <a:rPr lang="en-US" dirty="0"/>
+              <a:t>work better in practice and are easier to apply to arbitrary matrices</a:t>
+            </a:r>
+            <a:endParaRPr dirty="0"/>
+          </a:p>
+        </p:txBody>
+      </p:sp>
+    </p:spTree>
+  </p:cSld>
+  <p:clrMapOvr>
+    <a:masterClrMapping/>
+  </p:clrMapOvr>
+</p:sld>
+</file>
+
+<file path=ppt/slides/slide15.xml><?xml version="1.0" encoding="utf-8"?>
+<p:sld xmlns:a="http://schemas.openxmlformats.org/drawingml/2006/main" xmlns:r="http://schemas.openxmlformats.org/officeDocument/2006/relationships" xmlns:p="http://schemas.openxmlformats.org/presentationml/2006/main">
+  <p:cSld>
+    <p:spTree>
+      <p:nvGrpSpPr>
+        <p:cNvPr id="1" name="Shape 130"/>
+        <p:cNvGrpSpPr/>
+        <p:nvPr/>
+      </p:nvGrpSpPr>
+      <p:grpSpPr>
+        <a:xfrm>
+          <a:off x="0" y="0"/>
+          <a:ext cx="0" cy="0"/>
+          <a:chOff x="0" y="0"/>
+          <a:chExt cx="0" cy="0"/>
+        </a:xfrm>
+      </p:grpSpPr>
+      <p:sp>
+        <p:nvSpPr>
+          <p:cNvPr id="131" name="Google Shape;131;p25"/>
+          <p:cNvSpPr txBox="1">
+            <a:spLocks noGrp="1"/>
+          </p:cNvSpPr>
+          <p:nvPr>
+            <p:ph type="title"/>
+          </p:nvPr>
+        </p:nvSpPr>
+        <p:spPr>
+          <a:xfrm>
+            <a:off x="311700" y="445025"/>
+            <a:ext cx="8520600" cy="613200"/>
+          </a:xfrm>
+          <a:prstGeom prst="rect">
+            <a:avLst/>
+          </a:prstGeom>
+        </p:spPr>
+        <p:txBody>
+          <a:bodyPr spcFirstLastPara="1" wrap="square" lIns="91425" tIns="91425" rIns="91425" bIns="91425" anchor="t" anchorCtr="0">
+            <a:noAutofit/>
+          </a:bodyPr>
+          <a:lstStyle/>
+          <a:p>
+            <a:pPr marL="0" lvl="0" indent="0" algn="l" rtl="0">
+              <a:spcBef>
+                <a:spcPts val="0"/>
+              </a:spcBef>
+              <a:spcAft>
+                <a:spcPts val="0"/>
+              </a:spcAft>
+              <a:buNone/>
+            </a:pPr>
+            <a:r>
+              <a:rPr lang="en"/>
+              <a:t>Row Mixing Evaluation</a:t>
+            </a:r>
+            <a:endParaRPr/>
+          </a:p>
+        </p:txBody>
+      </p:sp>
+      <p:sp>
+        <p:nvSpPr>
+          <p:cNvPr id="132" name="Google Shape;132;p25"/>
+          <p:cNvSpPr txBox="1">
+            <a:spLocks noGrp="1"/>
+          </p:cNvSpPr>
+          <p:nvPr>
+            <p:ph type="body" idx="1"/>
+          </p:nvPr>
+        </p:nvSpPr>
+        <p:spPr>
+          <a:xfrm>
+            <a:off x="311700" y="1171600"/>
+            <a:ext cx="8520600" cy="3397200"/>
+          </a:xfrm>
+          <a:prstGeom prst="rect">
+            <a:avLst/>
+          </a:prstGeom>
+        </p:spPr>
+        <p:txBody>
+          <a:bodyPr spcFirstLastPara="1" wrap="square" lIns="91425" tIns="91425" rIns="91425" bIns="91425" anchor="t" anchorCtr="0">
+            <a:noAutofit/>
+          </a:bodyPr>
+          <a:lstStyle/>
+          <a:p>
+            <a:pPr marL="457200" lvl="0" indent="-342900" algn="l" rtl="0">
+              <a:spcBef>
+                <a:spcPts val="0"/>
+              </a:spcBef>
+              <a:spcAft>
+                <a:spcPts val="0"/>
+              </a:spcAft>
+              <a:buSzPts val="1800"/>
+              <a:buChar char="●"/>
+            </a:pPr>
+            <a:r>
+              <a:rPr lang="en"/>
+              <a:t>Larger sample size</a:t>
+            </a:r>
+            <a:endParaRPr/>
+          </a:p>
+          <a:p>
+            <a:pPr marL="914400" lvl="1" indent="-317500" algn="l" rtl="0">
+              <a:spcBef>
+                <a:spcPts val="0"/>
+              </a:spcBef>
+              <a:spcAft>
+                <a:spcPts val="0"/>
+              </a:spcAft>
+              <a:buSzPts val="1400"/>
+              <a:buChar char="○"/>
+            </a:pPr>
+            <a:r>
+              <a:rPr lang="en"/>
+              <a:t>Greater probability of getting a good preconditioner</a:t>
+            </a:r>
+            <a:endParaRPr/>
+          </a:p>
+          <a:p>
+            <a:pPr marL="914400" lvl="1" indent="-317500" algn="l" rtl="0">
+              <a:spcBef>
+                <a:spcPts val="0"/>
+              </a:spcBef>
+              <a:spcAft>
+                <a:spcPts val="0"/>
+              </a:spcAft>
+              <a:buSzPts val="1400"/>
+              <a:buChar char="○"/>
+            </a:pPr>
+            <a:r>
+              <a:rPr lang="en"/>
+              <a:t>Makes other parts of the algorithm take more time</a:t>
+            </a:r>
+            <a:endParaRPr/>
+          </a:p>
+          <a:p>
+            <a:pPr marL="457200" lvl="0" indent="-342900" algn="l" rtl="0">
+              <a:spcBef>
+                <a:spcPts val="0"/>
+              </a:spcBef>
+              <a:spcAft>
+                <a:spcPts val="0"/>
+              </a:spcAft>
+              <a:buSzPts val="1800"/>
+              <a:buChar char="●"/>
+            </a:pPr>
+            <a:r>
+              <a:rPr lang="en"/>
+              <a:t>Computation time was found to decrease, then increase as sample size increased</a:t>
+            </a:r>
+            <a:endParaRPr/>
+          </a:p>
+        </p:txBody>
+      </p:sp>
+    </p:spTree>
+  </p:cSld>
+  <p:clrMapOvr>
+    <a:masterClrMapping/>
+  </p:clrMapOvr>
+</p:sld>
+</file>
+
+<file path=ppt/slides/slide16.xml><?xml version="1.0" encoding="utf-8"?>
+<p:sld xmlns:a="http://schemas.openxmlformats.org/drawingml/2006/main" xmlns:r="http://schemas.openxmlformats.org/officeDocument/2006/relationships" xmlns:p="http://schemas.openxmlformats.org/presentationml/2006/main">
+  <p:cSld>
+    <p:spTree>
+      <p:nvGrpSpPr>
+        <p:cNvPr id="1" name="Shape 136"/>
+        <p:cNvGrpSpPr/>
+        <p:nvPr/>
+      </p:nvGrpSpPr>
+      <p:grpSpPr>
+        <a:xfrm>
+          <a:off x="0" y="0"/>
+          <a:ext cx="0" cy="0"/>
+          <a:chOff x="0" y="0"/>
+          <a:chExt cx="0" cy="0"/>
+        </a:xfrm>
+      </p:grpSpPr>
+      <p:sp>
+        <p:nvSpPr>
+          <p:cNvPr id="137" name="Google Shape;137;p26"/>
+          <p:cNvSpPr txBox="1">
+            <a:spLocks noGrp="1"/>
+          </p:cNvSpPr>
+          <p:nvPr>
+            <p:ph type="title"/>
+          </p:nvPr>
+        </p:nvSpPr>
+        <p:spPr>
+          <a:xfrm>
+            <a:off x="311700" y="445025"/>
+            <a:ext cx="8520600" cy="613200"/>
+          </a:xfrm>
+          <a:prstGeom prst="rect">
+            <a:avLst/>
+          </a:prstGeom>
+        </p:spPr>
+        <p:txBody>
+          <a:bodyPr spcFirstLastPara="1" wrap="square" lIns="91425" tIns="91425" rIns="91425" bIns="91425" anchor="t" anchorCtr="0">
+            <a:noAutofit/>
+          </a:bodyPr>
+          <a:lstStyle/>
+          <a:p>
+            <a:pPr marL="0" lvl="0" indent="0" algn="l" rtl="0">
+              <a:spcBef>
+                <a:spcPts val="0"/>
+              </a:spcBef>
+              <a:spcAft>
+                <a:spcPts val="0"/>
+              </a:spcAft>
+              <a:buNone/>
+            </a:pPr>
+            <a:r>
+              <a:rPr lang="en"/>
+              <a:t>Ill-Conditioned Matrices</a:t>
+            </a:r>
+            <a:endParaRPr/>
+          </a:p>
+        </p:txBody>
+      </p:sp>
+      <p:sp>
+        <p:nvSpPr>
+          <p:cNvPr id="138" name="Google Shape;138;p26"/>
+          <p:cNvSpPr txBox="1">
+            <a:spLocks noGrp="1"/>
+          </p:cNvSpPr>
+          <p:nvPr>
+            <p:ph type="body" idx="1"/>
+          </p:nvPr>
+        </p:nvSpPr>
+        <p:spPr>
+          <a:xfrm>
+            <a:off x="311700" y="1171600"/>
+            <a:ext cx="8520600" cy="3397200"/>
+          </a:xfrm>
+          <a:prstGeom prst="rect">
+            <a:avLst/>
+          </a:prstGeom>
+        </p:spPr>
+        <p:txBody>
+          <a:bodyPr spcFirstLastPara="1" wrap="square" lIns="91425" tIns="91425" rIns="91425" bIns="91425" anchor="t" anchorCtr="0">
+            <a:noAutofit/>
+          </a:bodyPr>
+          <a:lstStyle/>
+          <a:p>
+            <a:pPr marL="457200" lvl="0" indent="-342900" algn="l" rtl="0">
+              <a:spcBef>
+                <a:spcPts val="0"/>
+              </a:spcBef>
+              <a:spcAft>
+                <a:spcPts val="0"/>
+              </a:spcAft>
+              <a:buSzPts val="1800"/>
+              <a:buChar char="●"/>
+            </a:pPr>
+            <a:r>
+              <a:rPr lang="en"/>
+              <a:t>This algorithm beats the unpreconditioned LSQR for ill-conditioned matrices</a:t>
+            </a:r>
+            <a:endParaRPr/>
+          </a:p>
+          <a:p>
+            <a:pPr marL="457200" lvl="0" indent="-342900" algn="l" rtl="0">
+              <a:spcBef>
+                <a:spcPts val="0"/>
+              </a:spcBef>
+              <a:spcAft>
+                <a:spcPts val="0"/>
+              </a:spcAft>
+              <a:buSzPts val="1800"/>
+              <a:buChar char="●"/>
+            </a:pPr>
+            <a:r>
+              <a:rPr lang="en"/>
+              <a:t>The unpreconditioned LSQR beats Blendenpik for well conditioned matrices</a:t>
+            </a:r>
+            <a:endParaRPr/>
+          </a:p>
+        </p:txBody>
+      </p:sp>
+    </p:spTree>
+  </p:cSld>
+  <p:clrMapOvr>
+    <a:masterClrMapping/>
+  </p:clrMapOvr>
+</p:sld>
+</file>
+
+<file path=ppt/slides/slide17.xml><?xml version="1.0" encoding="utf-8"?>
+<p:sld xmlns:a="http://schemas.openxmlformats.org/drawingml/2006/main" xmlns:r="http://schemas.openxmlformats.org/officeDocument/2006/relationships" xmlns:p="http://schemas.openxmlformats.org/presentationml/2006/main">
+  <p:cSld>
+    <p:spTree>
+      <p:nvGrpSpPr>
+        <p:cNvPr id="1" name="Shape 142"/>
+        <p:cNvGrpSpPr/>
+        <p:nvPr/>
+      </p:nvGrpSpPr>
+      <p:grpSpPr>
+        <a:xfrm>
+          <a:off x="0" y="0"/>
+          <a:ext cx="0" cy="0"/>
+          <a:chOff x="0" y="0"/>
+          <a:chExt cx="0" cy="0"/>
+        </a:xfrm>
+      </p:grpSpPr>
+      <p:sp>
+        <p:nvSpPr>
+          <p:cNvPr id="143" name="Google Shape;143;p27"/>
+          <p:cNvSpPr txBox="1">
+            <a:spLocks noGrp="1"/>
+          </p:cNvSpPr>
+          <p:nvPr>
+            <p:ph type="title"/>
+          </p:nvPr>
+        </p:nvSpPr>
+        <p:spPr>
+          <a:xfrm>
+            <a:off x="311700" y="445025"/>
+            <a:ext cx="8520600" cy="613200"/>
+          </a:xfrm>
+          <a:prstGeom prst="rect">
+            <a:avLst/>
+          </a:prstGeom>
+        </p:spPr>
+        <p:txBody>
+          <a:bodyPr spcFirstLastPara="1" wrap="square" lIns="91425" tIns="91425" rIns="91425" bIns="91425" anchor="t" anchorCtr="0">
+            <a:noAutofit/>
+          </a:bodyPr>
+          <a:lstStyle/>
+          <a:p>
+            <a:pPr marL="0" lvl="0" indent="0" algn="l" rtl="0">
+              <a:spcBef>
+                <a:spcPts val="0"/>
+              </a:spcBef>
+              <a:spcAft>
+                <a:spcPts val="0"/>
+              </a:spcAft>
+              <a:buNone/>
+            </a:pPr>
+            <a:r>
+              <a:rPr lang="en"/>
+              <a:t>Coherence Evaluation</a:t>
+            </a:r>
+            <a:endParaRPr/>
+          </a:p>
+        </p:txBody>
+      </p:sp>
+      <p:sp>
+        <p:nvSpPr>
+          <p:cNvPr id="144" name="Google Shape;144;p27"/>
+          <p:cNvSpPr txBox="1">
+            <a:spLocks noGrp="1"/>
+          </p:cNvSpPr>
+          <p:nvPr>
+            <p:ph type="body" idx="1"/>
+          </p:nvPr>
+        </p:nvSpPr>
+        <p:spPr>
+          <a:xfrm>
+            <a:off x="311700" y="1171600"/>
+            <a:ext cx="8520600" cy="3397200"/>
+          </a:xfrm>
+          <a:prstGeom prst="rect">
+            <a:avLst/>
+          </a:prstGeom>
+        </p:spPr>
+        <p:txBody>
+          <a:bodyPr spcFirstLastPara="1" wrap="square" lIns="91425" tIns="91425" rIns="91425" bIns="91425" anchor="t" anchorCtr="0">
+            <a:noAutofit/>
+          </a:bodyPr>
+          <a:lstStyle/>
+          <a:p>
+            <a:pPr marL="457200" lvl="0" indent="-342900" algn="l" rtl="0">
+              <a:spcBef>
+                <a:spcPts val="0"/>
+              </a:spcBef>
+              <a:spcAft>
+                <a:spcPts val="0"/>
+              </a:spcAft>
+              <a:buSzPts val="1800"/>
+              <a:buChar char="●"/>
+            </a:pPr>
+            <a:r>
+              <a:rPr lang="en"/>
+              <a:t>Algorithm runs longer on matrices with high coherence compared to matrices with low coherence</a:t>
+            </a:r>
+            <a:endParaRPr/>
+          </a:p>
+          <a:p>
+            <a:pPr marL="457200" lvl="0" indent="-342900" algn="l" rtl="0">
+              <a:spcBef>
+                <a:spcPts val="0"/>
+              </a:spcBef>
+              <a:spcAft>
+                <a:spcPts val="0"/>
+              </a:spcAft>
+              <a:buSzPts val="1800"/>
+              <a:buChar char="●"/>
+            </a:pPr>
+            <a:r>
+              <a:rPr lang="en"/>
+              <a:t>Blendenpik beast LAPACK in both cases</a:t>
+            </a:r>
+            <a:endParaRPr/>
+          </a:p>
+        </p:txBody>
+      </p:sp>
+    </p:spTree>
+  </p:cSld>
+  <p:clrMapOvr>
+    <a:masterClrMapping/>
+  </p:clrMapOvr>
+</p:sld>
+</file>
+
+<file path=ppt/slides/slide2.xml><?xml version="1.0" encoding="utf-8"?>
+<p:sld xmlns:a="http://schemas.openxmlformats.org/drawingml/2006/main" xmlns:r="http://schemas.openxmlformats.org/officeDocument/2006/relationships" xmlns:p="http://schemas.openxmlformats.org/presentationml/2006/main">
+  <p:cSld>
+    <p:spTree>
+      <p:nvGrpSpPr>
+        <p:cNvPr id="1" name="Shape 64"/>
+        <p:cNvGrpSpPr/>
+        <p:nvPr/>
+      </p:nvGrpSpPr>
+      <p:grpSpPr>
+        <a:xfrm>
+          <a:off x="0" y="0"/>
+          <a:ext cx="0" cy="0"/>
+          <a:chOff x="0" y="0"/>
+          <a:chExt cx="0" cy="0"/>
+        </a:xfrm>
+      </p:grpSpPr>
+      <p:sp>
+        <p:nvSpPr>
+          <p:cNvPr id="65" name="Google Shape;65;p14"/>
+          <p:cNvSpPr txBox="1">
+            <a:spLocks noGrp="1"/>
+          </p:cNvSpPr>
+          <p:nvPr>
+            <p:ph type="title"/>
+          </p:nvPr>
+        </p:nvSpPr>
+        <p:spPr>
+          <a:xfrm>
+            <a:off x="311700" y="445025"/>
+            <a:ext cx="8520600" cy="613200"/>
+          </a:xfrm>
+          <a:prstGeom prst="rect">
+            <a:avLst/>
+          </a:prstGeom>
+        </p:spPr>
+        <p:txBody>
+          <a:bodyPr spcFirstLastPara="1" wrap="square" lIns="91425" tIns="91425" rIns="91425" bIns="91425" anchor="t" anchorCtr="0">
+            <a:noAutofit/>
+          </a:bodyPr>
+          <a:lstStyle/>
+          <a:p>
+            <a:pPr marL="0" lvl="0" indent="0" algn="l" rtl="0">
+              <a:spcBef>
+                <a:spcPts val="0"/>
+              </a:spcBef>
+              <a:spcAft>
+                <a:spcPts val="0"/>
+              </a:spcAft>
+              <a:buNone/>
+            </a:pPr>
+            <a:r>
+              <a:rPr lang="en"/>
+              <a:t>The Paper</a:t>
+            </a:r>
+            <a:endParaRPr/>
+          </a:p>
+        </p:txBody>
+      </p:sp>
+      <p:sp>
+        <p:nvSpPr>
+          <p:cNvPr id="66" name="Google Shape;66;p14"/>
+          <p:cNvSpPr txBox="1">
+            <a:spLocks noGrp="1"/>
+          </p:cNvSpPr>
+          <p:nvPr>
+            <p:ph type="body" idx="1"/>
+          </p:nvPr>
+        </p:nvSpPr>
+        <p:spPr>
+          <a:xfrm>
+            <a:off x="311700" y="1171600"/>
+            <a:ext cx="8520600" cy="3397200"/>
+          </a:xfrm>
+          <a:prstGeom prst="rect">
+            <a:avLst/>
+          </a:prstGeom>
+        </p:spPr>
+        <p:txBody>
+          <a:bodyPr spcFirstLastPara="1" wrap="square" lIns="91425" tIns="91425" rIns="91425" bIns="91425" anchor="t" anchorCtr="0">
+            <a:noAutofit/>
+          </a:bodyPr>
+          <a:lstStyle/>
+          <a:p>
+            <a:pPr marL="457200" lvl="0" indent="-342900" algn="l" rtl="0">
+              <a:lnSpc>
+                <a:spcPct val="100000"/>
+              </a:lnSpc>
+              <a:spcBef>
+                <a:spcPts val="0"/>
+              </a:spcBef>
+              <a:spcAft>
+                <a:spcPts val="0"/>
+              </a:spcAft>
+              <a:buClr>
+                <a:srgbClr val="000000"/>
+              </a:buClr>
+              <a:buSzPts val="1800"/>
+              <a:buChar char="●"/>
+            </a:pPr>
+            <a:r>
+              <a:rPr lang="en" dirty="0">
+                <a:solidFill>
+                  <a:srgbClr val="000000"/>
+                </a:solidFill>
+              </a:rPr>
+              <a:t>Blendenpik: Supercharging LAPACK'S Least-Squares Solver</a:t>
+            </a:r>
+            <a:endParaRPr dirty="0">
+              <a:solidFill>
+                <a:srgbClr val="000000"/>
+              </a:solidFill>
+            </a:endParaRPr>
+          </a:p>
+          <a:p>
+            <a:pPr marL="457200" lvl="0" indent="-342900" algn="l" rtl="0">
+              <a:lnSpc>
+                <a:spcPct val="100000"/>
+              </a:lnSpc>
+              <a:spcBef>
+                <a:spcPts val="0"/>
+              </a:spcBef>
+              <a:spcAft>
+                <a:spcPts val="0"/>
+              </a:spcAft>
+              <a:buClr>
+                <a:srgbClr val="000000"/>
+              </a:buClr>
+              <a:buSzPts val="1800"/>
+              <a:buChar char="●"/>
+            </a:pPr>
+            <a:r>
+              <a:rPr lang="en" dirty="0">
+                <a:solidFill>
+                  <a:srgbClr val="000000"/>
+                </a:solidFill>
+              </a:rPr>
+              <a:t>Authors:</a:t>
+            </a:r>
+            <a:endParaRPr dirty="0">
+              <a:solidFill>
+                <a:srgbClr val="000000"/>
+              </a:solidFill>
+            </a:endParaRPr>
+          </a:p>
+          <a:p>
+            <a:pPr marL="914400" lvl="1" indent="-342900" algn="l" rtl="0">
+              <a:lnSpc>
+                <a:spcPct val="150000"/>
+              </a:lnSpc>
+              <a:spcBef>
+                <a:spcPts val="0"/>
+              </a:spcBef>
+              <a:spcAft>
+                <a:spcPts val="0"/>
+              </a:spcAft>
+              <a:buClr>
+                <a:srgbClr val="000000"/>
+              </a:buClr>
+              <a:buSzPts val="1800"/>
+              <a:buChar char="○"/>
+            </a:pPr>
+            <a:r>
+              <a:rPr lang="en" sz="1800" dirty="0">
+                <a:solidFill>
+                  <a:srgbClr val="000000"/>
+                </a:solidFill>
+              </a:rPr>
+              <a:t>Haim Avron, Petar Maymounkov, Sivan Toledo</a:t>
+            </a:r>
+            <a:endParaRPr dirty="0">
+              <a:solidFill>
+                <a:srgbClr val="000000"/>
+              </a:solidFill>
+            </a:endParaRPr>
+          </a:p>
+          <a:p>
+            <a:pPr marL="457200" lvl="0" indent="-342900" algn="l" rtl="0">
+              <a:lnSpc>
+                <a:spcPct val="150000"/>
+              </a:lnSpc>
+              <a:spcBef>
+                <a:spcPts val="0"/>
+              </a:spcBef>
+              <a:spcAft>
+                <a:spcPts val="0"/>
+              </a:spcAft>
+              <a:buClr>
+                <a:srgbClr val="000000"/>
+              </a:buClr>
+              <a:buSzPts val="1800"/>
+              <a:buChar char="●"/>
+            </a:pPr>
+            <a:r>
+              <a:rPr lang="en" sz="1800" dirty="0">
+                <a:solidFill>
+                  <a:srgbClr val="000000"/>
+                </a:solidFill>
+              </a:rPr>
+              <a:t>SIAM Journal on Scientific Computing, Vol. 32, No. 3, 2010</a:t>
+            </a:r>
+            <a:endParaRPr sz="1800" dirty="0">
+              <a:solidFill>
+                <a:srgbClr val="000000"/>
+              </a:solidFill>
+            </a:endParaRPr>
+          </a:p>
+        </p:txBody>
+      </p:sp>
+    </p:spTree>
+  </p:cSld>
+  <p:clrMapOvr>
+    <a:masterClrMapping/>
+  </p:clrMapOvr>
+</p:sld>
+</file>
+
+<file path=ppt/slides/slide3.xml><?xml version="1.0" encoding="utf-8"?>
+<p:sld xmlns:a="http://schemas.openxmlformats.org/drawingml/2006/main" xmlns:r="http://schemas.openxmlformats.org/officeDocument/2006/relationships" xmlns:p="http://schemas.openxmlformats.org/presentationml/2006/main">
+  <p:cSld>
+    <p:spTree>
+      <p:nvGrpSpPr>
+        <p:cNvPr id="1" name="Shape 70"/>
+        <p:cNvGrpSpPr/>
+        <p:nvPr/>
+      </p:nvGrpSpPr>
+      <p:grpSpPr>
+        <a:xfrm>
+          <a:off x="0" y="0"/>
+          <a:ext cx="0" cy="0"/>
+          <a:chOff x="0" y="0"/>
+          <a:chExt cx="0" cy="0"/>
+        </a:xfrm>
+      </p:grpSpPr>
+      <p:sp>
+        <p:nvSpPr>
+          <p:cNvPr id="71" name="Google Shape;71;p15"/>
+          <p:cNvSpPr txBox="1">
+            <a:spLocks noGrp="1"/>
+          </p:cNvSpPr>
+          <p:nvPr>
+            <p:ph type="title"/>
+          </p:nvPr>
+        </p:nvSpPr>
+        <p:spPr>
+          <a:xfrm>
+            <a:off x="311700" y="445025"/>
+            <a:ext cx="8520600" cy="613200"/>
+          </a:xfrm>
+          <a:prstGeom prst="rect">
+            <a:avLst/>
+          </a:prstGeom>
+        </p:spPr>
+        <p:txBody>
+          <a:bodyPr spcFirstLastPara="1" wrap="square" lIns="91425" tIns="91425" rIns="91425" bIns="91425" anchor="t" anchorCtr="0">
+            <a:noAutofit/>
+          </a:bodyPr>
+          <a:lstStyle/>
+          <a:p>
+            <a:pPr marL="0" lvl="0" indent="0" algn="l" rtl="0">
+              <a:spcBef>
+                <a:spcPts val="0"/>
+              </a:spcBef>
+              <a:spcAft>
+                <a:spcPts val="0"/>
+              </a:spcAft>
+              <a:buNone/>
+            </a:pPr>
+            <a:r>
+              <a:rPr lang="en"/>
+              <a:t>The Problem</a:t>
+            </a:r>
+            <a:endParaRPr/>
+          </a:p>
+        </p:txBody>
+      </p:sp>
+      <mc:AlternateContent xmlns:mc="http://schemas.openxmlformats.org/markup-compatibility/2006" xmlns:a14="http://schemas.microsoft.com/office/drawing/2010/main">
+        <mc:Choice Requires="a14">
+          <p:sp>
+            <p:nvSpPr>
+              <p:cNvPr id="72" name="Google Shape;72;p15"/>
+              <p:cNvSpPr txBox="1">
+                <a:spLocks noGrp="1"/>
+              </p:cNvSpPr>
+              <p:nvPr>
+                <p:ph type="body" idx="1"/>
+              </p:nvPr>
+            </p:nvSpPr>
+            <p:spPr>
+              <a:xfrm>
+                <a:off x="311700" y="1171600"/>
+                <a:ext cx="8520600" cy="3397200"/>
+              </a:xfrm>
+              <a:prstGeom prst="rect">
+                <a:avLst/>
+              </a:prstGeom>
+            </p:spPr>
+            <p:txBody>
+              <a:bodyPr spcFirstLastPara="1" wrap="square" lIns="91425" tIns="91425" rIns="91425" bIns="91425" anchor="t" anchorCtr="0">
+                <a:noAutofit/>
+              </a:bodyPr>
+              <a:lstStyle/>
+              <a:p>
+                <a:pPr marL="457200" lvl="0" indent="-342900" algn="l" rtl="0">
+                  <a:spcBef>
+                    <a:spcPts val="0"/>
+                  </a:spcBef>
+                  <a:spcAft>
+                    <a:spcPts val="0"/>
+                  </a:spcAft>
+                  <a:buSzPts val="1800"/>
+                  <a:buChar char="●"/>
+                </a:pPr>
+                <a:r>
+                  <a:rPr lang="en-US" dirty="0"/>
+                  <a:t>Solving a system of linear equations on an overdetermined system</a:t>
+                </a:r>
+              </a:p>
+              <a:p>
+                <a:pPr lvl="1" indent="-342900">
+                  <a:spcBef>
+                    <a:spcPts val="0"/>
+                  </a:spcBef>
+                  <a:buSzPct val="100000"/>
+                  <a:buFont typeface="Courier New" panose="02070309020205020404" pitchFamily="49" charset="0"/>
+                  <a:buChar char="o"/>
+                </a:pPr>
+                <a14:m>
+                  <m:oMath xmlns:m="http://schemas.openxmlformats.org/officeDocument/2006/math">
+                    <m:limLow>
+                      <m:limLowPr>
+                        <m:ctrlPr>
+                          <a:rPr lang="en-US" b="0" i="1" smtClean="0">
+                            <a:latin typeface="Cambria Math" panose="02040503050406030204" pitchFamily="18" charset="0"/>
+                          </a:rPr>
+                        </m:ctrlPr>
+                      </m:limLowPr>
+                      <m:e>
+                        <m:r>
+                          <m:rPr>
+                            <m:sty m:val="p"/>
+                          </m:rPr>
+                          <a:rPr lang="en-US" b="0" i="0" smtClean="0">
+                            <a:latin typeface="Cambria Math" panose="02040503050406030204" pitchFamily="18" charset="0"/>
+                          </a:rPr>
+                          <m:t>min</m:t>
+                        </m:r>
+                      </m:e>
+                      <m:lim>
+                        <m:r>
+                          <a:rPr lang="en-US" b="0" i="1" smtClean="0">
+                            <a:latin typeface="Cambria Math" panose="02040503050406030204" pitchFamily="18" charset="0"/>
+                          </a:rPr>
+                          <m:t>𝑥</m:t>
+                        </m:r>
+                      </m:lim>
+                    </m:limLow>
+                    <m:sSubSup>
+                      <m:sSubSupPr>
+                        <m:ctrlPr>
+                          <a:rPr lang="en-US" b="0" i="1" smtClean="0">
+                            <a:latin typeface="Cambria Math" panose="02040503050406030204" pitchFamily="18" charset="0"/>
+                          </a:rPr>
+                        </m:ctrlPr>
+                      </m:sSubSupPr>
+                      <m:e>
+                        <m:d>
+                          <m:dPr>
+                            <m:begChr m:val="|"/>
+                            <m:endChr m:val="|"/>
+                            <m:ctrlPr>
+                              <a:rPr lang="en-US" b="0" i="1" smtClean="0">
+                                <a:latin typeface="Cambria Math" panose="02040503050406030204" pitchFamily="18" charset="0"/>
+                              </a:rPr>
+                            </m:ctrlPr>
+                          </m:dPr>
+                          <m:e>
+                            <m:d>
+                              <m:dPr>
+                                <m:begChr m:val="|"/>
+                                <m:endChr m:val="|"/>
+                                <m:ctrlPr>
+                                  <a:rPr lang="en-US" b="0" i="1" smtClean="0">
+                                    <a:latin typeface="Cambria Math" panose="02040503050406030204" pitchFamily="18" charset="0"/>
+                                  </a:rPr>
+                                </m:ctrlPr>
+                              </m:dPr>
+                              <m:e>
+                                <m:r>
+                                  <a:rPr lang="en-US" b="0" i="1" smtClean="0">
+                                    <a:latin typeface="Cambria Math" panose="02040503050406030204" pitchFamily="18" charset="0"/>
+                                  </a:rPr>
+                                  <m:t>𝐴𝑥</m:t>
+                                </m:r>
+                                <m:r>
+                                  <a:rPr lang="en-US" b="0" i="1" smtClean="0">
+                                    <a:latin typeface="Cambria Math" panose="02040503050406030204" pitchFamily="18" charset="0"/>
+                                  </a:rPr>
+                                  <m:t>−</m:t>
+                                </m:r>
+                                <m:r>
+                                  <a:rPr lang="en-US" b="0" i="1" smtClean="0">
+                                    <a:latin typeface="Cambria Math" panose="02040503050406030204" pitchFamily="18" charset="0"/>
+                                  </a:rPr>
+                                  <m:t>𝑏</m:t>
+                                </m:r>
+                              </m:e>
+                            </m:d>
+                          </m:e>
+                        </m:d>
+                      </m:e>
+                      <m:sub>
+                        <m:r>
+                          <a:rPr lang="en-US" b="0" i="1" smtClean="0">
+                            <a:latin typeface="Cambria Math" panose="02040503050406030204" pitchFamily="18" charset="0"/>
+                          </a:rPr>
+                          <m:t>2</m:t>
+                        </m:r>
+                      </m:sub>
+                      <m:sup>
+                        <m:r>
+                          <a:rPr lang="en-US" b="0" i="1" smtClean="0">
+                            <a:latin typeface="Cambria Math" panose="02040503050406030204" pitchFamily="18" charset="0"/>
+                          </a:rPr>
+                          <m:t>2</m:t>
+                        </m:r>
+                      </m:sup>
+                    </m:sSubSup>
+                  </m:oMath>
+                </a14:m>
+                <a:endParaRPr lang="en-US" dirty="0"/>
+              </a:p>
+              <a:p>
+                <a:pPr marL="457200" lvl="0" indent="-342900" algn="l" rtl="0">
+                  <a:spcBef>
+                    <a:spcPts val="0"/>
+                  </a:spcBef>
+                  <a:spcAft>
+                    <a:spcPts val="0"/>
+                  </a:spcAft>
+                  <a:buSzPts val="1800"/>
+                  <a:buChar char="●"/>
+                </a:pPr>
+                <a:r>
+                  <a:rPr lang="en-US" dirty="0"/>
+                  <a:t>Can randomization be used to beat current state-of-the-art algorithms?</a:t>
+                </a:r>
+              </a:p>
+              <a:p>
+                <a:pPr marL="914400" lvl="1" indent="-317500" algn="l" rtl="0">
+                  <a:spcBef>
+                    <a:spcPts val="0"/>
+                  </a:spcBef>
+                  <a:spcAft>
+                    <a:spcPts val="0"/>
+                  </a:spcAft>
+                  <a:buSzPts val="1400"/>
+                  <a:buChar char="○"/>
+                </a:pPr>
+                <a:r>
+                  <a:rPr lang="en-US" dirty="0"/>
+                  <a:t>LAPACK</a:t>
+                </a:r>
+              </a:p>
+              <a:p>
+                <a:pPr marL="457200" lvl="0" indent="-342900" algn="l" rtl="0">
+                  <a:spcBef>
+                    <a:spcPts val="0"/>
+                  </a:spcBef>
+                  <a:spcAft>
+                    <a:spcPts val="0"/>
+                  </a:spcAft>
+                  <a:buSzPts val="1800"/>
+                  <a:buChar char="●"/>
+                </a:pPr>
+                <a:r>
+                  <a:rPr lang="en-US" dirty="0"/>
+                  <a:t>Can a randomly chosen sample of rows be used to create a good approximation of the solution?</a:t>
+                </a:r>
+              </a:p>
+            </p:txBody>
+          </p:sp>
+        </mc:Choice>
+        <mc:Fallback xmlns="">
+          <p:sp>
+            <p:nvSpPr>
+              <p:cNvPr id="72" name="Google Shape;72;p15"/>
+              <p:cNvSpPr txBox="1">
+                <a:spLocks noGrp="1" noRot="1" noChangeAspect="1" noMove="1" noResize="1" noEditPoints="1" noAdjustHandles="1" noChangeArrowheads="1" noChangeShapeType="1" noTextEdit="1"/>
+              </p:cNvSpPr>
+              <p:nvPr>
+                <p:ph type="body" idx="1"/>
+              </p:nvPr>
+            </p:nvSpPr>
+            <p:spPr>
+              <a:xfrm>
+                <a:off x="311700" y="1171600"/>
+                <a:ext cx="8520600" cy="3397200"/>
+              </a:xfrm>
+              <a:prstGeom prst="rect">
+                <a:avLst/>
+              </a:prstGeom>
+              <a:blipFill>
+                <a:blip r:embed="rId3"/>
+                <a:stretch>
+                  <a:fillRect/>
+                </a:stretch>
+              </a:blipFill>
+            </p:spPr>
+            <p:txBody>
+              <a:bodyPr/>
+              <a:lstStyle/>
+              <a:p>
+                <a:r>
+                  <a:rPr lang="en-US">
+                    <a:noFill/>
+                  </a:rPr>
+                  <a:t> </a:t>
+                </a:r>
+              </a:p>
+            </p:txBody>
+          </p:sp>
+        </mc:Fallback>
+      </mc:AlternateContent>
+    </p:spTree>
+  </p:cSld>
+  <p:clrMapOvr>
+    <a:masterClrMapping/>
+  </p:clrMapOvr>
+</p:sld>
+</file>
+
+<file path=ppt/slides/slide4.xml><?xml version="1.0" encoding="utf-8"?>
+<p:sld xmlns:a="http://schemas.openxmlformats.org/drawingml/2006/main" xmlns:r="http://schemas.openxmlformats.org/officeDocument/2006/relationships" xmlns:p="http://schemas.openxmlformats.org/presentationml/2006/main">
+  <p:cSld>
+    <p:spTree>
+      <p:nvGrpSpPr>
+        <p:cNvPr id="1" name=""/>
+        <p:cNvGrpSpPr/>
+        <p:nvPr/>
+      </p:nvGrpSpPr>
+      <p:grpSpPr>
+        <a:xfrm>
+          <a:off x="0" y="0"/>
+          <a:ext cx="0" cy="0"/>
+          <a:chOff x="0" y="0"/>
+          <a:chExt cx="0" cy="0"/>
+        </a:xfrm>
+      </p:grpSpPr>
+      <p:sp>
+        <p:nvSpPr>
+          <p:cNvPr id="2" name="Title 1">
+            <a:extLst>
+              <a:ext uri="{FF2B5EF4-FFF2-40B4-BE49-F238E27FC236}">
+                <a16:creationId xmlns:a16="http://schemas.microsoft.com/office/drawing/2014/main" id="{B820DAE4-E69F-4038-9E91-D021A5E8F338}"/>
+              </a:ext>
+            </a:extLst>
+          </p:cNvPr>
+          <p:cNvSpPr>
+            <a:spLocks noGrp="1"/>
+          </p:cNvSpPr>
+          <p:nvPr>
+            <p:ph type="title"/>
+          </p:nvPr>
+        </p:nvSpPr>
+        <p:spPr/>
+        <p:txBody>
+          <a:bodyPr/>
+          <a:lstStyle/>
+          <a:p>
+            <a:r>
+              <a:rPr lang="en-US" dirty="0"/>
+              <a:t>Ideas for a Least Squares Solver</a:t>
+            </a:r>
+          </a:p>
+        </p:txBody>
+      </p:sp>
+      <mc:AlternateContent xmlns:mc="http://schemas.openxmlformats.org/markup-compatibility/2006" xmlns:a14="http://schemas.microsoft.com/office/drawing/2010/main">
+        <mc:Choice Requires="a14">
+          <p:sp>
+            <p:nvSpPr>
+              <p:cNvPr id="3" name="Text Placeholder 2">
+                <a:extLst>
+                  <a:ext uri="{FF2B5EF4-FFF2-40B4-BE49-F238E27FC236}">
+                    <a16:creationId xmlns:a16="http://schemas.microsoft.com/office/drawing/2014/main" id="{AC3B5EDD-6463-4C27-8340-EB30CBB11CDC}"/>
+                  </a:ext>
+                </a:extLst>
+              </p:cNvPr>
+              <p:cNvSpPr>
+                <a:spLocks noGrp="1"/>
+              </p:cNvSpPr>
+              <p:nvPr>
+                <p:ph type="body" idx="1"/>
+              </p:nvPr>
+            </p:nvSpPr>
+            <p:spPr>
+              <a:xfrm>
+                <a:off x="311700" y="1171600"/>
+                <a:ext cx="8520600" cy="3397200"/>
+              </a:xfrm>
+            </p:spPr>
+            <p:txBody>
+              <a:bodyPr/>
+              <a:lstStyle/>
+              <a:p>
+                <a:pPr>
+                  <a:lnSpc>
+                    <a:spcPct val="100000"/>
+                  </a:lnSpc>
+                </a:pPr>
+                <a:r>
+                  <a:rPr lang="en-US" dirty="0"/>
+                  <a:t>The runtime of iterative algorithms depend on the distribution of singular values of </a:t>
+                </a:r>
+                <a14:m>
+                  <m:oMath xmlns:m="http://schemas.openxmlformats.org/officeDocument/2006/math">
+                    <m:r>
+                      <a:rPr lang="en-US" b="0" i="1" smtClean="0">
+                        <a:latin typeface="Cambria Math" panose="02040503050406030204" pitchFamily="18" charset="0"/>
+                      </a:rPr>
+                      <m:t>𝐴</m:t>
+                    </m:r>
+                    <m:r>
+                      <a:rPr lang="en-US" b="0" i="1" smtClean="0">
+                        <a:latin typeface="Cambria Math" panose="02040503050406030204" pitchFamily="18" charset="0"/>
+                      </a:rPr>
+                      <m:t>,</m:t>
+                    </m:r>
+                  </m:oMath>
+                </a14:m>
+                <a:r>
+                  <a:rPr lang="en-US" dirty="0"/>
+                  <a:t> which we can describe with the condition number of </a:t>
+                </a:r>
+                <a14:m>
+                  <m:oMath xmlns:m="http://schemas.openxmlformats.org/officeDocument/2006/math">
+                    <m:r>
+                      <a:rPr lang="en-US" i="1" smtClean="0">
+                        <a:latin typeface="Cambria Math" panose="02040503050406030204" pitchFamily="18" charset="0"/>
+                      </a:rPr>
+                      <m:t>𝐴</m:t>
+                    </m:r>
+                    <m:r>
+                      <a:rPr lang="en-US" b="0" i="1" smtClean="0">
+                        <a:latin typeface="Cambria Math" panose="02040503050406030204" pitchFamily="18" charset="0"/>
+                      </a:rPr>
+                      <m:t>.</m:t>
+                    </m:r>
+                  </m:oMath>
+                </a14:m>
+                <a:r>
+                  <a:rPr lang="en-US" b="0" dirty="0"/>
+                  <a:t> If </a:t>
+                </a:r>
+                <a14:m>
+                  <m:oMath xmlns:m="http://schemas.openxmlformats.org/officeDocument/2006/math">
+                    <m:r>
+                      <a:rPr lang="en-US" b="0" i="1" smtClean="0">
+                        <a:latin typeface="Cambria Math" panose="02040503050406030204" pitchFamily="18" charset="0"/>
+                      </a:rPr>
+                      <m:t>𝜅</m:t>
+                    </m:r>
+                    <m:d>
+                      <m:dPr>
+                        <m:ctrlPr>
+                          <a:rPr lang="en-US" b="0" i="1" smtClean="0">
+                            <a:latin typeface="Cambria Math" panose="02040503050406030204" pitchFamily="18" charset="0"/>
+                          </a:rPr>
+                        </m:ctrlPr>
+                      </m:dPr>
+                      <m:e>
+                        <m:r>
+                          <a:rPr lang="en-US" b="0" i="1" smtClean="0">
+                            <a:latin typeface="Cambria Math" panose="02040503050406030204" pitchFamily="18" charset="0"/>
+                          </a:rPr>
+                          <m:t>𝐴</m:t>
+                        </m:r>
+                      </m:e>
+                    </m:d>
+                  </m:oMath>
+                </a14:m>
+                <a:r>
+                  <a:rPr lang="en-US" b="0" dirty="0"/>
+                  <a:t> is large, iterative solvers will usually converge slowly.</a:t>
+                </a:r>
+              </a:p>
+              <a:p>
+                <a:pPr marL="114300" indent="0">
+                  <a:lnSpc>
+                    <a:spcPct val="100000"/>
+                  </a:lnSpc>
+                  <a:buNone/>
+                </a:pPr>
+                <a:endParaRPr lang="en-US" dirty="0"/>
+              </a:p>
+              <a:p>
+                <a:pPr marL="114300" indent="0">
+                  <a:lnSpc>
+                    <a:spcPct val="100000"/>
+                  </a:lnSpc>
+                  <a:buNone/>
+                </a:pPr>
+                <a:endParaRPr lang="en-US" dirty="0"/>
+              </a:p>
+              <a:p>
+                <a:pPr>
+                  <a:lnSpc>
+                    <a:spcPct val="100000"/>
+                  </a:lnSpc>
+                </a:pPr>
+                <a:r>
+                  <a:rPr lang="en-US" dirty="0"/>
+                  <a:t>We can change the problem to try and avoid the large condition number of </a:t>
+                </a:r>
+                <a14:m>
+                  <m:oMath xmlns:m="http://schemas.openxmlformats.org/officeDocument/2006/math">
+                    <m:r>
+                      <a:rPr lang="en-US" b="0" i="1" smtClean="0">
+                        <a:latin typeface="Cambria Math" panose="02040503050406030204" pitchFamily="18" charset="0"/>
+                      </a:rPr>
+                      <m:t>𝐴</m:t>
+                    </m:r>
+                  </m:oMath>
+                </a14:m>
+                <a:r>
+                  <a:rPr lang="en-US" dirty="0"/>
+                  <a:t> by introducing a ‘preconditioner’ </a:t>
+                </a:r>
+                <a14:m>
+                  <m:oMath xmlns:m="http://schemas.openxmlformats.org/officeDocument/2006/math">
+                    <m:r>
+                      <a:rPr lang="en-US" b="0" i="1" smtClean="0">
+                        <a:latin typeface="Cambria Math" panose="02040503050406030204" pitchFamily="18" charset="0"/>
+                      </a:rPr>
+                      <m:t>𝑅</m:t>
+                    </m:r>
+                  </m:oMath>
+                </a14:m>
+                <a:endParaRPr lang="en-US" dirty="0"/>
+              </a:p>
+              <a:p>
+                <a:pPr>
+                  <a:lnSpc>
+                    <a:spcPct val="100000"/>
+                  </a:lnSpc>
+                </a:pPr>
+                <a:endParaRPr lang="en-US" dirty="0"/>
+              </a:p>
+              <a:p>
+                <a:pPr marL="114300" indent="0" algn="ctr">
+                  <a:lnSpc>
+                    <a:spcPct val="100000"/>
+                  </a:lnSpc>
+                  <a:buNone/>
+                </a:pPr>
+                <a14:m>
+                  <m:oMathPara xmlns:m="http://schemas.openxmlformats.org/officeDocument/2006/math">
+                    <m:oMathParaPr>
+                      <m:jc m:val="centerGroup"/>
+                    </m:oMathParaPr>
+                    <m:oMath xmlns:m="http://schemas.openxmlformats.org/officeDocument/2006/math">
+                      <m:r>
+                        <a:rPr lang="en-US" b="0" i="1" smtClean="0">
+                          <a:latin typeface="Cambria Math" panose="02040503050406030204" pitchFamily="18" charset="0"/>
+                        </a:rPr>
+                        <m:t>𝐴𝑥</m:t>
+                      </m:r>
+                      <m:r>
+                        <a:rPr lang="en-US" b="0" i="1" smtClean="0">
+                          <a:latin typeface="Cambria Math" panose="02040503050406030204" pitchFamily="18" charset="0"/>
+                        </a:rPr>
+                        <m:t>=</m:t>
+                      </m:r>
+                      <m:r>
+                        <a:rPr lang="en-US" b="0" i="1" smtClean="0">
+                          <a:latin typeface="Cambria Math" panose="02040503050406030204" pitchFamily="18" charset="0"/>
+                        </a:rPr>
+                        <m:t>𝐴</m:t>
+                      </m:r>
+                      <m:sSup>
+                        <m:sSupPr>
+                          <m:ctrlPr>
+                            <a:rPr lang="en-US" b="0" i="1" smtClean="0">
+                              <a:latin typeface="Cambria Math" panose="02040503050406030204" pitchFamily="18" charset="0"/>
+                            </a:rPr>
+                          </m:ctrlPr>
+                        </m:sSupPr>
+                        <m:e>
+                          <m:r>
+                            <a:rPr lang="en-US" b="0" i="1" smtClean="0">
+                              <a:latin typeface="Cambria Math" panose="02040503050406030204" pitchFamily="18" charset="0"/>
+                            </a:rPr>
+                            <m:t>𝑅</m:t>
+                          </m:r>
+                        </m:e>
+                        <m:sup>
+                          <m:r>
+                            <a:rPr lang="en-US" b="0" i="1" smtClean="0">
+                              <a:latin typeface="Cambria Math" panose="02040503050406030204" pitchFamily="18" charset="0"/>
+                            </a:rPr>
+                            <m:t>−1</m:t>
+                          </m:r>
+                        </m:sup>
+                      </m:sSup>
+                      <m:r>
+                        <a:rPr lang="en-US" b="0" i="1" smtClean="0">
+                          <a:latin typeface="Cambria Math" panose="02040503050406030204" pitchFamily="18" charset="0"/>
+                        </a:rPr>
+                        <m:t>𝑅𝑥</m:t>
+                      </m:r>
+                      <m:r>
+                        <a:rPr lang="en-US" b="0" i="1" smtClean="0">
+                          <a:latin typeface="Cambria Math" panose="02040503050406030204" pitchFamily="18" charset="0"/>
+                        </a:rPr>
+                        <m:t>=</m:t>
+                      </m:r>
+                      <m:r>
+                        <a:rPr lang="en-US" b="0" i="1" smtClean="0">
+                          <a:latin typeface="Cambria Math" panose="02040503050406030204" pitchFamily="18" charset="0"/>
+                        </a:rPr>
+                        <m:t>𝑏</m:t>
+                      </m:r>
+                    </m:oMath>
+                  </m:oMathPara>
+                </a14:m>
+                <a:endParaRPr lang="en-US" dirty="0"/>
+              </a:p>
+              <a:p>
+                <a:pPr marL="114300" indent="0" algn="ctr">
+                  <a:lnSpc>
+                    <a:spcPct val="100000"/>
+                  </a:lnSpc>
+                  <a:buNone/>
+                </a:pPr>
+                <a:endParaRPr lang="en-US" dirty="0"/>
+              </a:p>
+              <a:p>
+                <a:pPr marL="114300" indent="0" algn="ctr">
+                  <a:lnSpc>
+                    <a:spcPct val="100000"/>
+                  </a:lnSpc>
+                  <a:buNone/>
+                </a:pPr>
+                <a14:m>
+                  <m:oMath xmlns:m="http://schemas.openxmlformats.org/officeDocument/2006/math">
+                    <m:r>
+                      <a:rPr lang="en-US" b="0" i="1" smtClean="0">
+                        <a:latin typeface="Cambria Math" panose="02040503050406030204" pitchFamily="18" charset="0"/>
+                      </a:rPr>
+                      <m:t>(</m:t>
+                    </m:r>
+                    <m:r>
+                      <a:rPr lang="en-US" b="0" i="1" smtClean="0">
+                        <a:latin typeface="Cambria Math" panose="02040503050406030204" pitchFamily="18" charset="0"/>
+                      </a:rPr>
+                      <m:t>𝐴</m:t>
+                    </m:r>
+                    <m:sSup>
+                      <m:sSupPr>
+                        <m:ctrlPr>
+                          <a:rPr lang="en-US" b="0" i="1" smtClean="0">
+                            <a:latin typeface="Cambria Math" panose="02040503050406030204" pitchFamily="18" charset="0"/>
+                          </a:rPr>
+                        </m:ctrlPr>
+                      </m:sSupPr>
+                      <m:e>
+                        <m:r>
+                          <a:rPr lang="en-US" b="0" i="1" smtClean="0">
+                            <a:latin typeface="Cambria Math" panose="02040503050406030204" pitchFamily="18" charset="0"/>
+                          </a:rPr>
+                          <m:t>𝑅</m:t>
+                        </m:r>
+                      </m:e>
+                      <m:sup>
+                        <m:r>
+                          <a:rPr lang="en-US" b="0" i="1" smtClean="0">
+                            <a:latin typeface="Cambria Math" panose="02040503050406030204" pitchFamily="18" charset="0"/>
+                          </a:rPr>
+                          <m:t>−1</m:t>
+                        </m:r>
+                      </m:sup>
+                    </m:sSup>
+                    <m:r>
+                      <a:rPr lang="en-US" b="0" i="1" smtClean="0">
+                        <a:latin typeface="Cambria Math" panose="02040503050406030204" pitchFamily="18" charset="0"/>
+                      </a:rPr>
+                      <m:t>)</m:t>
+                    </m:r>
+                    <m:r>
+                      <a:rPr lang="en-US" b="0" i="1" smtClean="0">
+                        <a:latin typeface="Cambria Math" panose="02040503050406030204" pitchFamily="18" charset="0"/>
+                      </a:rPr>
+                      <m:t>𝑦</m:t>
+                    </m:r>
+                    <m:r>
+                      <a:rPr lang="en-US" b="0" i="1" smtClean="0">
+                        <a:latin typeface="Cambria Math" panose="02040503050406030204" pitchFamily="18" charset="0"/>
+                      </a:rPr>
+                      <m:t>=</m:t>
+                    </m:r>
+                    <m:r>
+                      <a:rPr lang="en-US" b="0" i="1" smtClean="0">
+                        <a:latin typeface="Cambria Math" panose="02040503050406030204" pitchFamily="18" charset="0"/>
+                      </a:rPr>
+                      <m:t>𝑏</m:t>
+                    </m:r>
+                  </m:oMath>
+                </a14:m>
+                <a:r>
+                  <a:rPr lang="en-US" dirty="0"/>
+                  <a:t>    		</a:t>
+                </a:r>
+                <a14:m>
+                  <m:oMath xmlns:m="http://schemas.openxmlformats.org/officeDocument/2006/math">
+                    <m:r>
+                      <a:rPr lang="en-US" i="1">
+                        <a:latin typeface="Cambria Math" panose="02040503050406030204" pitchFamily="18" charset="0"/>
+                      </a:rPr>
+                      <m:t>𝑅𝑥</m:t>
+                    </m:r>
+                    <m:r>
+                      <a:rPr lang="en-US" i="1">
+                        <a:latin typeface="Cambria Math" panose="02040503050406030204" pitchFamily="18" charset="0"/>
+                      </a:rPr>
+                      <m:t>=</m:t>
+                    </m:r>
+                    <m:r>
+                      <a:rPr lang="en-US" i="1">
+                        <a:latin typeface="Cambria Math" panose="02040503050406030204" pitchFamily="18" charset="0"/>
+                      </a:rPr>
+                      <m:t>𝑦</m:t>
+                    </m:r>
+                  </m:oMath>
+                </a14:m>
+                <a:endParaRPr lang="en-US" dirty="0"/>
+              </a:p>
+            </p:txBody>
+          </p:sp>
+        </mc:Choice>
+        <mc:Fallback xmlns="">
+          <p:sp>
+            <p:nvSpPr>
+              <p:cNvPr id="3" name="Text Placeholder 2">
+                <a:extLst>
+                  <a:ext uri="{FF2B5EF4-FFF2-40B4-BE49-F238E27FC236}">
+                    <a16:creationId xmlns:a16="http://schemas.microsoft.com/office/drawing/2014/main" id="{AC3B5EDD-6463-4C27-8340-EB30CBB11CDC}"/>
+                  </a:ext>
+                </a:extLst>
+              </p:cNvPr>
+              <p:cNvSpPr>
+                <a:spLocks noGrp="1" noRot="1" noChangeAspect="1" noMove="1" noResize="1" noEditPoints="1" noAdjustHandles="1" noChangeArrowheads="1" noChangeShapeType="1" noTextEdit="1"/>
+              </p:cNvSpPr>
+              <p:nvPr>
+                <p:ph type="body" idx="1"/>
+              </p:nvPr>
+            </p:nvSpPr>
+            <p:spPr>
+              <a:xfrm>
+                <a:off x="311700" y="1171600"/>
+                <a:ext cx="8520600" cy="3397200"/>
+              </a:xfrm>
+              <a:blipFill>
+                <a:blip r:embed="rId2"/>
+                <a:stretch>
+                  <a:fillRect r="-572"/>
+                </a:stretch>
+              </a:blipFill>
+            </p:spPr>
+            <p:txBody>
+              <a:bodyPr/>
+              <a:lstStyle/>
+              <a:p>
+                <a:r>
+                  <a:rPr lang="en-US">
+                    <a:noFill/>
+                  </a:rPr>
+                  <a:t> </a:t>
+                </a:r>
+              </a:p>
+            </p:txBody>
+          </p:sp>
+        </mc:Fallback>
+      </mc:AlternateContent>
+    </p:spTree>
+    <p:extLst>
+      <p:ext uri="{BB962C8B-B14F-4D97-AF65-F5344CB8AC3E}">
+        <p14:creationId xmlns:p14="http://schemas.microsoft.com/office/powerpoint/2010/main" val="2212307226"/>
+      </p:ext>
+    </p:extLst>
+  </p:cSld>
+  <p:clrMapOvr>
+    <a:masterClrMapping/>
+  </p:clrMapOvr>
+</p:sld>
+</file>
+
+<file path=ppt/slides/slide5.xml><?xml version="1.0" encoding="utf-8"?>
+<p:sld xmlns:a="http://schemas.openxmlformats.org/drawingml/2006/main" xmlns:r="http://schemas.openxmlformats.org/officeDocument/2006/relationships" xmlns:p="http://schemas.openxmlformats.org/presentationml/2006/main">
+  <p:cSld>
+    <p:spTree>
+      <p:nvGrpSpPr>
+        <p:cNvPr id="1" name="Shape 82"/>
+        <p:cNvGrpSpPr/>
+        <p:nvPr/>
+      </p:nvGrpSpPr>
+      <p:grpSpPr>
+        <a:xfrm>
+          <a:off x="0" y="0"/>
+          <a:ext cx="0" cy="0"/>
+          <a:chOff x="0" y="0"/>
+          <a:chExt cx="0" cy="0"/>
+        </a:xfrm>
+      </p:grpSpPr>
+      <p:sp>
+        <p:nvSpPr>
+          <p:cNvPr id="83" name="Google Shape;83;p17"/>
+          <p:cNvSpPr txBox="1">
+            <a:spLocks noGrp="1"/>
+          </p:cNvSpPr>
+          <p:nvPr>
+            <p:ph type="title"/>
+          </p:nvPr>
+        </p:nvSpPr>
+        <p:spPr>
+          <a:xfrm>
+            <a:off x="311700" y="445025"/>
+            <a:ext cx="8520600" cy="613200"/>
+          </a:xfrm>
+          <a:prstGeom prst="rect">
+            <a:avLst/>
+          </a:prstGeom>
+        </p:spPr>
+        <p:txBody>
+          <a:bodyPr spcFirstLastPara="1" wrap="square" lIns="91425" tIns="91425" rIns="91425" bIns="91425" anchor="t" anchorCtr="0">
+            <a:noAutofit/>
+          </a:bodyPr>
+          <a:lstStyle/>
+          <a:p>
+            <a:pPr marL="0" lvl="0" indent="0" algn="l" rtl="0">
+              <a:spcBef>
+                <a:spcPts val="0"/>
+              </a:spcBef>
+              <a:spcAft>
+                <a:spcPts val="0"/>
+              </a:spcAft>
+              <a:buNone/>
+            </a:pPr>
+            <a:r>
+              <a:rPr lang="en"/>
+              <a:t>The Algorithm</a:t>
+            </a:r>
+            <a:endParaRPr/>
+          </a:p>
+        </p:txBody>
+      </p:sp>
+      <mc:AlternateContent xmlns:mc="http://schemas.openxmlformats.org/markup-compatibility/2006" xmlns:a14="http://schemas.microsoft.com/office/drawing/2010/main">
+        <mc:Choice Requires="a14">
+          <p:sp>
+            <p:nvSpPr>
+              <p:cNvPr id="84" name="Google Shape;84;p17"/>
+              <p:cNvSpPr txBox="1">
+                <a:spLocks noGrp="1"/>
+              </p:cNvSpPr>
+              <p:nvPr>
+                <p:ph type="body" idx="1"/>
+              </p:nvPr>
+            </p:nvSpPr>
+            <p:spPr>
+              <a:xfrm>
+                <a:off x="311700" y="1171600"/>
+                <a:ext cx="8520600" cy="3397200"/>
+              </a:xfrm>
+              <a:prstGeom prst="rect">
+                <a:avLst/>
+              </a:prstGeom>
+            </p:spPr>
+            <p:txBody>
+              <a:bodyPr spcFirstLastPara="1" wrap="square" lIns="91425" tIns="91425" rIns="91425" bIns="91425" anchor="t" anchorCtr="0">
+                <a:noAutofit/>
+              </a:bodyPr>
+              <a:lstStyle/>
+              <a:p>
+                <a:pPr marL="457200" lvl="0" indent="-342900" algn="l" rtl="0">
+                  <a:spcBef>
+                    <a:spcPts val="0"/>
+                  </a:spcBef>
+                  <a:spcAft>
+                    <a:spcPts val="0"/>
+                  </a:spcAft>
+                  <a:buSzPts val="1800"/>
+                  <a:buChar char="●"/>
+                </a:pPr>
+                <a:r>
+                  <a:rPr lang="en-US" dirty="0"/>
+                  <a:t>The idea of the algorithm is to take a random sample of rows from an overdetermined matrix and use the sample to create a reduced </a:t>
+                </a:r>
+                <a14:m>
+                  <m:oMath xmlns:m="http://schemas.openxmlformats.org/officeDocument/2006/math">
+                    <m:r>
+                      <a:rPr lang="en-US" b="0" i="1" smtClean="0">
+                        <a:latin typeface="Cambria Math" panose="02040503050406030204" pitchFamily="18" charset="0"/>
+                      </a:rPr>
+                      <m:t>𝑄𝑅</m:t>
+                    </m:r>
+                  </m:oMath>
+                </a14:m>
+                <a:r>
+                  <a:rPr lang="en-US" dirty="0"/>
+                  <a:t> factorization, then take the upper triangular matrix </a:t>
+                </a:r>
+                <a14:m>
+                  <m:oMath xmlns:m="http://schemas.openxmlformats.org/officeDocument/2006/math">
+                    <m:r>
+                      <a:rPr lang="en-US" b="0" i="1" smtClean="0">
+                        <a:latin typeface="Cambria Math" panose="02040503050406030204" pitchFamily="18" charset="0"/>
+                      </a:rPr>
+                      <m:t>𝑅</m:t>
+                    </m:r>
+                  </m:oMath>
+                </a14:m>
+                <a:r>
+                  <a:rPr lang="en-US" dirty="0"/>
+                  <a:t> to be the preconditioner.</a:t>
+                </a:r>
+              </a:p>
+              <a:p>
+                <a:pPr marL="457200" lvl="0" indent="-342900" algn="l" rtl="0">
+                  <a:spcBef>
+                    <a:spcPts val="0"/>
+                  </a:spcBef>
+                  <a:spcAft>
+                    <a:spcPts val="0"/>
+                  </a:spcAft>
+                  <a:buSzPts val="1800"/>
+                  <a:buChar char="●"/>
+                </a:pPr>
+                <a:r>
+                  <a:rPr lang="en-US" dirty="0"/>
+                  <a:t>A uniform random sample doesn’t always produce a good preconditioner</a:t>
+                </a:r>
+              </a:p>
+              <a:p>
+                <a:pPr marL="914400" lvl="1" indent="-317500" algn="l" rtl="0">
+                  <a:spcBef>
+                    <a:spcPts val="0"/>
+                  </a:spcBef>
+                  <a:spcAft>
+                    <a:spcPts val="0"/>
+                  </a:spcAft>
+                  <a:buSzPts val="1400"/>
+                  <a:buChar char="○"/>
+                </a:pPr>
+                <a:r>
+                  <a:rPr lang="en-US" dirty="0"/>
+                  <a:t>Algorithm uses pre-processing steps to ensure a random sample will be a good preconditioner with high probability</a:t>
+                </a:r>
+              </a:p>
+              <a:p>
+                <a:pPr marL="457200" lvl="0" indent="-342900" algn="l" rtl="0">
+                  <a:spcBef>
+                    <a:spcPts val="0"/>
+                  </a:spcBef>
+                  <a:spcAft>
+                    <a:spcPts val="0"/>
+                  </a:spcAft>
+                  <a:buSzPts val="1800"/>
+                  <a:buChar char="●"/>
+                </a:pPr>
+                <a:r>
+                  <a:rPr lang="en-US" dirty="0"/>
+                  <a:t>Three main steps:</a:t>
+                </a:r>
+              </a:p>
+              <a:p>
+                <a:pPr marL="914400" lvl="1" indent="-317500" algn="l" rtl="0">
+                  <a:spcBef>
+                    <a:spcPts val="0"/>
+                  </a:spcBef>
+                  <a:spcAft>
+                    <a:spcPts val="0"/>
+                  </a:spcAft>
+                  <a:buSzPts val="1400"/>
+                  <a:buChar char="○"/>
+                </a:pPr>
+                <a:r>
+                  <a:rPr lang="en-US" dirty="0"/>
+                  <a:t>Row Mixing</a:t>
+                </a:r>
+              </a:p>
+              <a:p>
+                <a:pPr marL="914400" lvl="1" indent="-317500" algn="l" rtl="0">
+                  <a:spcBef>
+                    <a:spcPts val="0"/>
+                  </a:spcBef>
+                  <a:spcAft>
+                    <a:spcPts val="0"/>
+                  </a:spcAft>
+                  <a:buSzPts val="1400"/>
+                  <a:buChar char="○"/>
+                </a:pPr>
+                <a:r>
+                  <a:rPr lang="en-US" dirty="0"/>
+                  <a:t>Row sampling and QR factorization</a:t>
+                </a:r>
+              </a:p>
+              <a:p>
+                <a:pPr marL="914400" lvl="1" indent="-317500" algn="l" rtl="0">
+                  <a:spcBef>
+                    <a:spcPts val="0"/>
+                  </a:spcBef>
+                  <a:spcAft>
+                    <a:spcPts val="0"/>
+                  </a:spcAft>
+                  <a:buSzPts val="1400"/>
+                  <a:buChar char="○"/>
+                </a:pPr>
+                <a:r>
+                  <a:rPr lang="en-US" dirty="0"/>
+                  <a:t>Iterative Solution</a:t>
+                </a:r>
+                <a:endParaRPr dirty="0"/>
+              </a:p>
+            </p:txBody>
+          </p:sp>
+        </mc:Choice>
+        <mc:Fallback xmlns="">
+          <p:sp>
+            <p:nvSpPr>
+              <p:cNvPr id="84" name="Google Shape;84;p17"/>
+              <p:cNvSpPr txBox="1">
+                <a:spLocks noGrp="1" noRot="1" noChangeAspect="1" noMove="1" noResize="1" noEditPoints="1" noAdjustHandles="1" noChangeArrowheads="1" noChangeShapeType="1" noTextEdit="1"/>
+              </p:cNvSpPr>
+              <p:nvPr>
+                <p:ph type="body" idx="1"/>
+              </p:nvPr>
+            </p:nvSpPr>
+            <p:spPr>
+              <a:xfrm>
+                <a:off x="311700" y="1171600"/>
+                <a:ext cx="8520600" cy="3397200"/>
+              </a:xfrm>
+              <a:prstGeom prst="rect">
+                <a:avLst/>
+              </a:prstGeom>
+              <a:blipFill>
+                <a:blip r:embed="rId3"/>
+                <a:stretch>
+                  <a:fillRect r="-358"/>
+                </a:stretch>
+              </a:blipFill>
+            </p:spPr>
+            <p:txBody>
+              <a:bodyPr/>
+              <a:lstStyle/>
+              <a:p>
+                <a:r>
+                  <a:rPr lang="en-US">
+                    <a:noFill/>
+                  </a:rPr>
+                  <a:t> </a:t>
+                </a:r>
+              </a:p>
+            </p:txBody>
+          </p:sp>
+        </mc:Fallback>
+      </mc:AlternateContent>
+    </p:spTree>
+  </p:cSld>
+  <p:clrMapOvr>
+    <a:masterClrMapping/>
+  </p:clrMapOvr>
+</p:sld>
+</file>
+
+<file path=ppt/slides/slide6.xml><?xml version="1.0" encoding="utf-8"?>
+<p:sld xmlns:a="http://schemas.openxmlformats.org/drawingml/2006/main" xmlns:r="http://schemas.openxmlformats.org/officeDocument/2006/relationships" xmlns:p="http://schemas.openxmlformats.org/presentationml/2006/main">
+  <p:cSld>
+    <p:spTree>
+      <p:nvGrpSpPr>
+        <p:cNvPr id="1" name="Shape 76"/>
+        <p:cNvGrpSpPr/>
+        <p:nvPr/>
+      </p:nvGrpSpPr>
+      <p:grpSpPr>
+        <a:xfrm>
+          <a:off x="0" y="0"/>
+          <a:ext cx="0" cy="0"/>
+          <a:chOff x="0" y="0"/>
+          <a:chExt cx="0" cy="0"/>
+        </a:xfrm>
+      </p:grpSpPr>
+      <p:sp>
+        <p:nvSpPr>
+          <p:cNvPr id="77" name="Google Shape;77;p16"/>
+          <p:cNvSpPr txBox="1">
+            <a:spLocks noGrp="1"/>
+          </p:cNvSpPr>
+          <p:nvPr>
+            <p:ph type="title"/>
+          </p:nvPr>
+        </p:nvSpPr>
+        <p:spPr>
+          <a:xfrm>
+            <a:off x="311700" y="445025"/>
+            <a:ext cx="8520600" cy="613200"/>
+          </a:xfrm>
+          <a:prstGeom prst="rect">
+            <a:avLst/>
+          </a:prstGeom>
+        </p:spPr>
+        <p:txBody>
+          <a:bodyPr spcFirstLastPara="1" wrap="square" lIns="91425" tIns="91425" rIns="91425" bIns="91425" anchor="t" anchorCtr="0">
+            <a:noAutofit/>
+          </a:bodyPr>
+          <a:lstStyle/>
+          <a:p>
+            <a:pPr marL="0" lvl="0" indent="0" algn="l" rtl="0">
+              <a:spcBef>
+                <a:spcPts val="0"/>
+              </a:spcBef>
+              <a:spcAft>
+                <a:spcPts val="0"/>
+              </a:spcAft>
+              <a:buNone/>
+            </a:pPr>
+            <a:r>
+              <a:rPr lang="en"/>
+              <a:t>The Result</a:t>
+            </a:r>
+            <a:endParaRPr/>
+          </a:p>
+        </p:txBody>
+      </p:sp>
+      <p:sp>
+        <p:nvSpPr>
+          <p:cNvPr id="78" name="Google Shape;78;p16"/>
+          <p:cNvSpPr txBox="1">
+            <a:spLocks noGrp="1"/>
+          </p:cNvSpPr>
+          <p:nvPr>
+            <p:ph type="body" idx="1"/>
+          </p:nvPr>
+        </p:nvSpPr>
+        <p:spPr>
+          <a:xfrm>
+            <a:off x="311700" y="1171600"/>
+            <a:ext cx="8520600" cy="3397200"/>
+          </a:xfrm>
+          <a:prstGeom prst="rect">
+            <a:avLst/>
+          </a:prstGeom>
+        </p:spPr>
+        <p:txBody>
+          <a:bodyPr spcFirstLastPara="1" wrap="square" lIns="91425" tIns="91425" rIns="91425" bIns="91425" anchor="t" anchorCtr="0">
+            <a:noAutofit/>
+          </a:bodyPr>
+          <a:lstStyle/>
+          <a:p>
+            <a:pPr marL="457200" lvl="0" indent="-342900" algn="l" rtl="0">
+              <a:spcBef>
+                <a:spcPts val="0"/>
+              </a:spcBef>
+              <a:spcAft>
+                <a:spcPts val="0"/>
+              </a:spcAft>
+              <a:buSzPts val="1800"/>
+              <a:buChar char="●"/>
+            </a:pPr>
+            <a:r>
+              <a:rPr lang="en" dirty="0"/>
+              <a:t>Blendenpik beats LAPACK on any tall, dense matrix</a:t>
+            </a:r>
+            <a:endParaRPr dirty="0"/>
+          </a:p>
+          <a:p>
+            <a:pPr marL="457200" lvl="0" indent="-342900" algn="l" rtl="0">
+              <a:spcBef>
+                <a:spcPts val="0"/>
+              </a:spcBef>
+              <a:spcAft>
+                <a:spcPts val="0"/>
+              </a:spcAft>
+              <a:buSzPts val="1800"/>
+              <a:buChar char="●"/>
+            </a:pPr>
+            <a:r>
+              <a:rPr lang="en" dirty="0"/>
+              <a:t>Blendenpik is slower on tiny matrices, nearly square matrices, and some sparse matrices</a:t>
+            </a:r>
+            <a:endParaRPr dirty="0"/>
+          </a:p>
+          <a:p>
+            <a:pPr marL="457200" lvl="0" indent="-342900" algn="l" rtl="0">
+              <a:spcBef>
+                <a:spcPts val="0"/>
+              </a:spcBef>
+              <a:spcAft>
+                <a:spcPts val="0"/>
+              </a:spcAft>
+              <a:buSzPts val="1800"/>
+              <a:buChar char="●"/>
+            </a:pPr>
+            <a:r>
+              <a:rPr lang="en" dirty="0"/>
+              <a:t>Blendenpik is numerically-backwards stable</a:t>
+            </a:r>
+            <a:endParaRPr dirty="0"/>
+          </a:p>
+          <a:p>
+            <a:pPr marL="457200" lvl="0" indent="-342900" algn="l" rtl="0">
+              <a:spcBef>
+                <a:spcPts val="0"/>
+              </a:spcBef>
+              <a:spcAft>
+                <a:spcPts val="0"/>
+              </a:spcAft>
+              <a:buSzPts val="1800"/>
+              <a:buChar char="●"/>
+            </a:pPr>
+            <a:r>
+              <a:rPr lang="en" dirty="0"/>
+              <a:t>Achieves residuals similar to direct QR factorization-based solvers</a:t>
+            </a:r>
+            <a:endParaRPr dirty="0"/>
+          </a:p>
+          <a:p>
+            <a:pPr marL="457200" lvl="0" indent="-342900" algn="l" rtl="0">
+              <a:spcBef>
+                <a:spcPts val="0"/>
+              </a:spcBef>
+              <a:spcAft>
+                <a:spcPts val="0"/>
+              </a:spcAft>
+              <a:buSzPts val="1800"/>
+              <a:buChar char="●"/>
+            </a:pPr>
+            <a:r>
+              <a:rPr lang="en" dirty="0"/>
+              <a:t>Scales significantly better than any other QR-based solver</a:t>
+            </a:r>
+            <a:endParaRPr dirty="0"/>
+          </a:p>
+        </p:txBody>
+      </p:sp>
+    </p:spTree>
+  </p:cSld>
+  <p:clrMapOvr>
+    <a:masterClrMapping/>
+  </p:clrMapOvr>
+</p:sld>
+</file>
+
+<file path=ppt/slides/slide7.xml><?xml version="1.0" encoding="utf-8"?>
+<p:sld xmlns:a="http://schemas.openxmlformats.org/drawingml/2006/main" xmlns:r="http://schemas.openxmlformats.org/officeDocument/2006/relationships" xmlns:p="http://schemas.openxmlformats.org/presentationml/2006/main">
+  <p:cSld>
+    <p:spTree>
+      <p:nvGrpSpPr>
+        <p:cNvPr id="1" name="Shape 88"/>
+        <p:cNvGrpSpPr/>
+        <p:nvPr/>
+      </p:nvGrpSpPr>
+      <p:grpSpPr>
+        <a:xfrm>
+          <a:off x="0" y="0"/>
+          <a:ext cx="0" cy="0"/>
+          <a:chOff x="0" y="0"/>
+          <a:chExt cx="0" cy="0"/>
+        </a:xfrm>
+      </p:grpSpPr>
+      <p:sp>
+        <p:nvSpPr>
+          <p:cNvPr id="89" name="Google Shape;89;p18"/>
+          <p:cNvSpPr txBox="1">
+            <a:spLocks noGrp="1"/>
+          </p:cNvSpPr>
+          <p:nvPr>
+            <p:ph type="title"/>
+          </p:nvPr>
+        </p:nvSpPr>
+        <p:spPr>
+          <a:xfrm>
+            <a:off x="311700" y="445025"/>
+            <a:ext cx="8520600" cy="613200"/>
+          </a:xfrm>
+          <a:prstGeom prst="rect">
+            <a:avLst/>
+          </a:prstGeom>
+        </p:spPr>
+        <p:txBody>
+          <a:bodyPr spcFirstLastPara="1" wrap="square" lIns="91425" tIns="91425" rIns="91425" bIns="91425" anchor="t" anchorCtr="0">
+            <a:noAutofit/>
+          </a:bodyPr>
+          <a:lstStyle/>
+          <a:p>
+            <a:pPr marL="0" lvl="0" indent="0" algn="l" rtl="0">
+              <a:spcBef>
+                <a:spcPts val="0"/>
+              </a:spcBef>
+              <a:spcAft>
+                <a:spcPts val="0"/>
+              </a:spcAft>
+              <a:buNone/>
+            </a:pPr>
+            <a:r>
+              <a:rPr lang="en"/>
+              <a:t>The Theory</a:t>
+            </a:r>
+            <a:endParaRPr/>
+          </a:p>
+        </p:txBody>
+      </p:sp>
+      <mc:AlternateContent xmlns:mc="http://schemas.openxmlformats.org/markup-compatibility/2006" xmlns:a14="http://schemas.microsoft.com/office/drawing/2010/main">
+        <mc:Choice Requires="a14">
+          <p:sp>
+            <p:nvSpPr>
+              <p:cNvPr id="90" name="Google Shape;90;p18"/>
+              <p:cNvSpPr txBox="1">
+                <a:spLocks noGrp="1"/>
+              </p:cNvSpPr>
+              <p:nvPr>
+                <p:ph type="body" idx="1"/>
+              </p:nvPr>
+            </p:nvSpPr>
+            <p:spPr>
+              <a:xfrm>
+                <a:off x="311700" y="1171600"/>
+                <a:ext cx="8520600" cy="3397200"/>
+              </a:xfrm>
+              <a:prstGeom prst="rect">
+                <a:avLst/>
+              </a:prstGeom>
+            </p:spPr>
+            <p:txBody>
+              <a:bodyPr spcFirstLastPara="1" wrap="square" lIns="91425" tIns="91425" rIns="91425" bIns="91425" anchor="t" anchorCtr="0">
+                <a:noAutofit/>
+              </a:bodyPr>
+              <a:lstStyle/>
+              <a:p>
+                <a:pPr marL="457200" lvl="0" indent="-342900" algn="l" rtl="0">
+                  <a:spcBef>
+                    <a:spcPts val="0"/>
+                  </a:spcBef>
+                  <a:spcAft>
+                    <a:spcPts val="0"/>
+                  </a:spcAft>
+                  <a:buSzPts val="1800"/>
+                  <a:buChar char="●"/>
+                </a:pPr>
+                <a:r>
+                  <a:rPr lang="en-US" dirty="0"/>
+                  <a:t>The quality of the random sample is dependent on the coherence of the matrix</a:t>
+                </a:r>
+              </a:p>
+              <a:p>
+                <a:pPr marL="914400" lvl="1" indent="-317500" algn="l" rtl="0">
+                  <a:spcBef>
+                    <a:spcPts val="0"/>
+                  </a:spcBef>
+                  <a:spcAft>
+                    <a:spcPts val="0"/>
+                  </a:spcAft>
+                  <a:buSzPts val="1400"/>
+                  <a:buChar char="○"/>
+                </a:pPr>
+                <a:r>
+                  <a:rPr lang="en-US" dirty="0"/>
+                  <a:t>Coherence (</a:t>
+                </a:r>
+                <a14:m>
+                  <m:oMath xmlns:m="http://schemas.openxmlformats.org/officeDocument/2006/math">
+                    <m:r>
+                      <a:rPr lang="en-US" b="0" i="1" smtClean="0">
+                        <a:latin typeface="Cambria Math" panose="02040503050406030204" pitchFamily="18" charset="0"/>
+                      </a:rPr>
+                      <m:t>𝜇</m:t>
+                    </m:r>
+                    <m:r>
+                      <a:rPr lang="en-US" b="0" i="1" smtClean="0">
+                        <a:latin typeface="Cambria Math" panose="02040503050406030204" pitchFamily="18" charset="0"/>
+                      </a:rPr>
+                      <m:t>(</m:t>
+                    </m:r>
+                    <m:r>
+                      <a:rPr lang="en-US" b="0" i="1" smtClean="0">
+                        <a:latin typeface="Cambria Math" panose="02040503050406030204" pitchFamily="18" charset="0"/>
+                      </a:rPr>
+                      <m:t>𝐴</m:t>
+                    </m:r>
+                    <m:r>
+                      <a:rPr lang="en-US" b="0" i="1" smtClean="0">
+                        <a:latin typeface="Cambria Math" panose="02040503050406030204" pitchFamily="18" charset="0"/>
+                      </a:rPr>
+                      <m:t>)</m:t>
+                    </m:r>
+                  </m:oMath>
+                </a14:m>
+                <a:r>
+                  <a:rPr lang="en-US" dirty="0"/>
+                  <a:t>) is the measure of how dependent the solution is on specific rows</a:t>
+                </a:r>
+              </a:p>
+              <a:p>
+                <a:pPr marL="914400" lvl="1" indent="-317500" algn="l" rtl="0">
+                  <a:spcBef>
+                    <a:spcPts val="0"/>
+                  </a:spcBef>
+                  <a:spcAft>
+                    <a:spcPts val="0"/>
+                  </a:spcAft>
+                  <a:buSzPts val="1400"/>
+                  <a:buChar char="○"/>
+                </a:pPr>
+                <a:r>
+                  <a:rPr lang="en-US" dirty="0"/>
+                  <a:t>If coherence is 1, then there exists a row that must be included in the sample to be full-rank</a:t>
+                </a:r>
+              </a:p>
+              <a:p>
+                <a:pPr marL="914400" lvl="1" indent="-317500" algn="l" rtl="0">
+                  <a:spcBef>
+                    <a:spcPts val="0"/>
+                  </a:spcBef>
+                  <a:spcAft>
+                    <a:spcPts val="0"/>
+                  </a:spcAft>
+                  <a:buSzPts val="1400"/>
+                  <a:buChar char="○"/>
+                </a:pPr>
+                <a:r>
+                  <a:rPr lang="en-US" dirty="0"/>
+                  <a:t>The coherence determines how many rows need to be sampled to bound the condition number with high probability</a:t>
+                </a:r>
+              </a:p>
+              <a:p>
+                <a:pPr marL="457200" lvl="0" indent="-342900" algn="l" rtl="0">
+                  <a:spcBef>
+                    <a:spcPts val="0"/>
+                  </a:spcBef>
+                  <a:spcAft>
+                    <a:spcPts val="0"/>
+                  </a:spcAft>
+                  <a:buSzPts val="1800"/>
+                  <a:buChar char="●"/>
+                </a:pPr>
+                <a:r>
+                  <a:rPr lang="en-US" dirty="0"/>
+                  <a:t>If coherence is large, then more rows need to be sampled to get a good preconditioner</a:t>
+                </a:r>
+              </a:p>
+              <a:p>
+                <a:pPr marL="457200" lvl="0" indent="-342900" algn="l" rtl="0">
+                  <a:spcBef>
+                    <a:spcPts val="0"/>
+                  </a:spcBef>
+                  <a:spcAft>
+                    <a:spcPts val="0"/>
+                  </a:spcAft>
+                  <a:buSzPts val="1800"/>
+                  <a:buChar char="●"/>
+                </a:pPr>
+                <a:r>
+                  <a:rPr lang="en-US" dirty="0"/>
+                  <a:t>A uniform sample of the rows works well for incoherent matrices</a:t>
+                </a:r>
+              </a:p>
+              <a:p>
+                <a:pPr marL="914400" lvl="1" indent="-317500" algn="l" rtl="0">
+                  <a:spcBef>
+                    <a:spcPts val="0"/>
+                  </a:spcBef>
+                  <a:spcAft>
+                    <a:spcPts val="0"/>
+                  </a:spcAft>
+                  <a:buSzPts val="1400"/>
+                  <a:buChar char="○"/>
+                </a:pPr>
+                <a:r>
+                  <a:rPr lang="en-US" dirty="0"/>
+                  <a:t>Want to make a coherent matrix incoherent</a:t>
+                </a:r>
+              </a:p>
+              <a:p>
+                <a:pPr marL="914400" lvl="1" indent="-317500" algn="l" rtl="0">
+                  <a:spcBef>
+                    <a:spcPts val="0"/>
+                  </a:spcBef>
+                  <a:spcAft>
+                    <a:spcPts val="0"/>
+                  </a:spcAft>
+                  <a:buSzPts val="1400"/>
+                  <a:buChar char="○"/>
+                </a:pPr>
+                <a:r>
+                  <a:rPr lang="en-US" dirty="0"/>
+                  <a:t>Achieve low coherence through row mixing</a:t>
+                </a:r>
+                <a:endParaRPr dirty="0"/>
+              </a:p>
+            </p:txBody>
+          </p:sp>
+        </mc:Choice>
+        <mc:Fallback xmlns="">
+          <p:sp>
+            <p:nvSpPr>
+              <p:cNvPr id="90" name="Google Shape;90;p18"/>
+              <p:cNvSpPr txBox="1">
+                <a:spLocks noGrp="1" noRot="1" noChangeAspect="1" noMove="1" noResize="1" noEditPoints="1" noAdjustHandles="1" noChangeArrowheads="1" noChangeShapeType="1" noTextEdit="1"/>
+              </p:cNvSpPr>
+              <p:nvPr>
+                <p:ph type="body" idx="1"/>
+              </p:nvPr>
+            </p:nvSpPr>
+            <p:spPr>
+              <a:xfrm>
+                <a:off x="311700" y="1171600"/>
+                <a:ext cx="8520600" cy="3397200"/>
+              </a:xfrm>
+              <a:prstGeom prst="rect">
+                <a:avLst/>
+              </a:prstGeom>
+              <a:blipFill>
+                <a:blip r:embed="rId3"/>
+                <a:stretch>
+                  <a:fillRect/>
+                </a:stretch>
+              </a:blipFill>
+            </p:spPr>
+            <p:txBody>
+              <a:bodyPr/>
+              <a:lstStyle/>
+              <a:p>
+                <a:r>
+                  <a:rPr lang="en-US">
+                    <a:noFill/>
+                  </a:rPr>
+                  <a:t> </a:t>
+                </a:r>
+              </a:p>
+            </p:txBody>
+          </p:sp>
+        </mc:Fallback>
+      </mc:AlternateContent>
+    </p:spTree>
+  </p:cSld>
+  <p:clrMapOvr>
+    <a:masterClrMapping/>
+  </p:clrMapOvr>
+</p:sld>
+</file>
+
+<file path=ppt/slides/slide8.xml><?xml version="1.0" encoding="utf-8"?>
 <p:sld xmlns:a="http://schemas.openxmlformats.org/drawingml/2006/main" xmlns:r="http://schemas.openxmlformats.org/officeDocument/2006/relationships" xmlns:p="http://schemas.openxmlformats.org/presentationml/2006/main">
   <p:cSld>
     <p:spTree>
@@ -11832,10 +11833,10 @@
               <a:buNone/>
             </a:pPr>
             <a:r>
-              <a:rPr lang="en"/>
+              <a:rPr lang="en" dirty="0"/>
               <a:t>Row Mixing</a:t>
             </a:r>
-            <a:endParaRPr/>
+            <a:endParaRPr dirty="0"/>
           </a:p>
         </p:txBody>
       </p:sp>
@@ -11866,19 +11867,41 @@
               </a:bodyPr>
               <a:lstStyle/>
               <a:p>
-                <a:pPr marL="457200" lvl="0" indent="-342900" algn="l" rtl="0">
-                  <a:spcBef>
-                    <a:spcPts val="0"/>
-                  </a:spcBef>
-                  <a:spcAft>
-                    <a:spcPts val="0"/>
-                  </a:spcAft>
-                  <a:buSzPts val="1800"/>
-                  <a:buChar char="●"/>
-                </a:pPr>
+                <a:pPr lvl="0"/>
                 <a:r>
                   <a:rPr lang="en-US" dirty="0"/>
-                  <a:t>A unitary transform preserves singular values but can reduced coherence</a:t>
+                  <a:t>A unitary transform </a:t>
+                </a:r>
+                <a14:m>
+                  <m:oMath xmlns:m="http://schemas.openxmlformats.org/officeDocument/2006/math">
+                    <m:d>
+                      <m:dPr>
+                        <m:ctrlPr>
+                          <a:rPr lang="en-US" b="0" i="1" smtClean="0">
+                            <a:solidFill>
+                              <a:srgbClr val="444444"/>
+                            </a:solidFill>
+                            <a:latin typeface="Cambria Math" panose="02040503050406030204" pitchFamily="18" charset="0"/>
+                          </a:rPr>
+                        </m:ctrlPr>
+                      </m:dPr>
+                      <m:e>
+                        <m:r>
+                          <a:rPr lang="en-US" i="1">
+                            <a:solidFill>
+                              <a:srgbClr val="444444"/>
+                            </a:solidFill>
+                            <a:latin typeface="Cambria Math" panose="02040503050406030204" pitchFamily="18" charset="0"/>
+                          </a:rPr>
+                          <m:t>ℱ</m:t>
+                        </m:r>
+                      </m:e>
+                    </m:d>
+                  </m:oMath>
+                </a14:m>
+                <a:r>
+                  <a:rPr lang="en-US" dirty="0"/>
+                  <a:t> preserves singular values but can reduced coherence</a:t>
                 </a:r>
               </a:p>
               <a:p>
@@ -12031,61 +12054,32 @@
                 </a:r>
               </a:p>
               <a:p>
-                <a:pPr marL="457200" lvl="0" indent="-342900" algn="l" rtl="0">
+                <a:pPr lvl="0">
                   <a:lnSpc>
                     <a:spcPct val="150000"/>
                   </a:lnSpc>
-                  <a:spcBef>
-                    <a:spcPts val="0"/>
-                  </a:spcBef>
-                  <a:spcAft>
-                    <a:spcPts val="0"/>
-                  </a:spcAft>
                   <a:buClr>
                     <a:srgbClr val="444444"/>
                   </a:buClr>
-                  <a:buSzPts val="1800"/>
-                  <a:buChar char="●"/>
                 </a:pPr>
                 <a:r>
-                  <a:rPr lang="en-US" dirty="0">
-                    <a:solidFill>
-                      <a:srgbClr val="444444"/>
-                    </a:solidFill>
-                  </a:rPr>
+                  <a:rPr lang="en-US" dirty="0"/>
                   <a:t>With high probability, the resulting coherence will be small</a:t>
                 </a:r>
               </a:p>
               <a:p>
-                <a:pPr marL="457200" lvl="0" indent="-342900" algn="l" rtl="0">
+                <a:pPr>
                   <a:lnSpc>
                     <a:spcPct val="150000"/>
                   </a:lnSpc>
-                  <a:spcBef>
-                    <a:spcPts val="0"/>
-                  </a:spcBef>
-                  <a:spcAft>
-                    <a:spcPts val="0"/>
-                  </a:spcAft>
                   <a:buClr>
                     <a:srgbClr val="444444"/>
                   </a:buClr>
-                  <a:buSzPts val="1800"/>
-                  <a:buChar char="●"/>
                 </a:pPr>
                 <a:r>
-                  <a:rPr lang="en-US" dirty="0">
-                    <a:solidFill>
-                      <a:srgbClr val="444444"/>
-                    </a:solidFill>
-                  </a:rPr>
+                  <a:rPr lang="en-US" dirty="0"/>
                   <a:t>A uniform sample of the rows from this matrix will produce a good preconditioner with high probability</a:t>
                 </a:r>
-                <a:endParaRPr dirty="0">
-                  <a:solidFill>
-                    <a:srgbClr val="444444"/>
-                  </a:solidFill>
-                </a:endParaRPr>
               </a:p>
             </p:txBody>
           </p:sp>
@@ -12132,6 +12126,517 @@
         </mc:Fallback>
       </mc:AlternateContent>
     </p:spTree>
+  </p:cSld>
+  <p:clrMapOvr>
+    <a:masterClrMapping/>
+  </p:clrMapOvr>
+</p:sld>
+</file>
+
+<file path=ppt/slides/slide9.xml><?xml version="1.0" encoding="utf-8"?>
+<p:sld xmlns:a="http://schemas.openxmlformats.org/drawingml/2006/main" xmlns:r="http://schemas.openxmlformats.org/officeDocument/2006/relationships" xmlns:p="http://schemas.openxmlformats.org/presentationml/2006/main">
+  <p:cSld>
+    <p:spTree>
+      <p:nvGrpSpPr>
+        <p:cNvPr id="1" name=""/>
+        <p:cNvGrpSpPr/>
+        <p:nvPr/>
+      </p:nvGrpSpPr>
+      <p:grpSpPr>
+        <a:xfrm>
+          <a:off x="0" y="0"/>
+          <a:ext cx="0" cy="0"/>
+          <a:chOff x="0" y="0"/>
+          <a:chExt cx="0" cy="0"/>
+        </a:xfrm>
+      </p:grpSpPr>
+      <p:sp>
+        <p:nvSpPr>
+          <p:cNvPr id="2" name="Title 1">
+            <a:extLst>
+              <a:ext uri="{FF2B5EF4-FFF2-40B4-BE49-F238E27FC236}">
+                <a16:creationId xmlns:a16="http://schemas.microsoft.com/office/drawing/2014/main" id="{30243FBC-5B3A-4A64-A7B1-C405941F5658}"/>
+              </a:ext>
+            </a:extLst>
+          </p:cNvPr>
+          <p:cNvSpPr>
+            <a:spLocks noGrp="1"/>
+          </p:cNvSpPr>
+          <p:nvPr>
+            <p:ph type="title"/>
+          </p:nvPr>
+        </p:nvSpPr>
+        <p:spPr/>
+        <p:txBody>
+          <a:bodyPr/>
+          <a:lstStyle/>
+          <a:p>
+            <a:r>
+              <a:rPr lang="en" dirty="0"/>
+              <a:t>Row Mixing</a:t>
+            </a:r>
+            <a:endParaRPr lang="en-US" dirty="0"/>
+          </a:p>
+        </p:txBody>
+      </p:sp>
+      <mc:AlternateContent xmlns:mc="http://schemas.openxmlformats.org/markup-compatibility/2006">
+        <mc:Choice xmlns:a14="http://schemas.microsoft.com/office/drawing/2010/main" Requires="a14">
+          <p:sp>
+            <p:nvSpPr>
+              <p:cNvPr id="3" name="Text Placeholder 2">
+                <a:extLst>
+                  <a:ext uri="{FF2B5EF4-FFF2-40B4-BE49-F238E27FC236}">
+                    <a16:creationId xmlns:a16="http://schemas.microsoft.com/office/drawing/2014/main" id="{57D8C169-AA06-4850-BA6F-BA02A48C166C}"/>
+                  </a:ext>
+                </a:extLst>
+              </p:cNvPr>
+              <p:cNvSpPr>
+                <a:spLocks noGrp="1"/>
+              </p:cNvSpPr>
+              <p:nvPr>
+                <p:ph type="body" idx="1"/>
+              </p:nvPr>
+            </p:nvSpPr>
+            <p:spPr/>
+            <p:txBody>
+              <a:bodyPr/>
+              <a:lstStyle/>
+              <a:p>
+                <a:pPr marL="114300" indent="0">
+                  <a:buNone/>
+                </a:pPr>
+                <a:r>
+                  <a:rPr lang="en-US" dirty="0"/>
+                  <a:t>Let A be an </a:t>
+                </a:r>
+                <a14:m>
+                  <m:oMath xmlns:m="http://schemas.openxmlformats.org/officeDocument/2006/math">
+                    <m:r>
+                      <a:rPr lang="en-US" b="0" i="1" smtClean="0">
+                        <a:latin typeface="Cambria Math" panose="02040503050406030204" pitchFamily="18" charset="0"/>
+                      </a:rPr>
+                      <m:t>𝑚</m:t>
+                    </m:r>
+                    <m:r>
+                      <a:rPr lang="en-US" b="0" i="1" smtClean="0">
+                        <a:latin typeface="Cambria Math" panose="02040503050406030204" pitchFamily="18" charset="0"/>
+                      </a:rPr>
+                      <m:t>×</m:t>
+                    </m:r>
+                    <m:r>
+                      <a:rPr lang="en-US" b="0" i="1" smtClean="0">
+                        <a:latin typeface="Cambria Math" panose="02040503050406030204" pitchFamily="18" charset="0"/>
+                      </a:rPr>
+                      <m:t>𝑛</m:t>
+                    </m:r>
+                  </m:oMath>
+                </a14:m>
+                <a:r>
+                  <a:rPr lang="en-US" dirty="0"/>
+                  <a:t> full rank matrix, where </a:t>
+                </a:r>
+                <a14:m>
+                  <m:oMath xmlns:m="http://schemas.openxmlformats.org/officeDocument/2006/math">
+                    <m:r>
+                      <a:rPr lang="en-US" b="0" i="1" smtClean="0">
+                        <a:latin typeface="Cambria Math" panose="02040503050406030204" pitchFamily="18" charset="0"/>
+                      </a:rPr>
+                      <m:t>𝑚</m:t>
+                    </m:r>
+                    <m:r>
+                      <a:rPr lang="en-US" b="0" i="1" smtClean="0">
+                        <a:latin typeface="Cambria Math" panose="02040503050406030204" pitchFamily="18" charset="0"/>
+                      </a:rPr>
+                      <m:t>≥</m:t>
+                    </m:r>
+                    <m:r>
+                      <a:rPr lang="en-US" b="0" i="1" smtClean="0">
+                        <a:latin typeface="Cambria Math" panose="02040503050406030204" pitchFamily="18" charset="0"/>
+                      </a:rPr>
+                      <m:t>𝑛</m:t>
+                    </m:r>
+                  </m:oMath>
+                </a14:m>
+                <a:r>
+                  <a:rPr lang="en-US" dirty="0"/>
+                  <a:t>. Let </a:t>
+                </a:r>
+                <a14:m>
+                  <m:oMath xmlns:m="http://schemas.openxmlformats.org/officeDocument/2006/math">
+                    <m:r>
+                      <m:rPr>
+                        <m:nor/>
+                      </m:rPr>
+                      <a:rPr lang="en-US" dirty="0">
+                        <a:latin typeface="Cambria Math" panose="02040503050406030204" pitchFamily="18" charset="0"/>
+                        <a:ea typeface="Cambria Math" panose="02040503050406030204" pitchFamily="18" charset="0"/>
+                      </a:rPr>
+                      <m:t>ℱ</m:t>
+                    </m:r>
+                  </m:oMath>
+                </a14:m>
+                <a:r>
+                  <a:rPr lang="en-US" dirty="0"/>
+                  <a:t> be an </a:t>
+                </a:r>
+                <a14:m>
+                  <m:oMath xmlns:m="http://schemas.openxmlformats.org/officeDocument/2006/math">
+                    <m:r>
+                      <a:rPr lang="en-US" b="0" i="1" smtClean="0">
+                        <a:latin typeface="Cambria Math" panose="02040503050406030204" pitchFamily="18" charset="0"/>
+                      </a:rPr>
+                      <m:t>𝑚</m:t>
+                    </m:r>
+                    <m:r>
+                      <a:rPr lang="en-US" b="0" i="1" smtClean="0">
+                        <a:latin typeface="Cambria Math" panose="02040503050406030204" pitchFamily="18" charset="0"/>
+                      </a:rPr>
+                      <m:t>×</m:t>
+                    </m:r>
+                    <m:r>
+                      <a:rPr lang="en-US" b="0" i="1" smtClean="0">
+                        <a:latin typeface="Cambria Math" panose="02040503050406030204" pitchFamily="18" charset="0"/>
+                      </a:rPr>
+                      <m:t>𝑛</m:t>
+                    </m:r>
+                  </m:oMath>
+                </a14:m>
+                <a:r>
+                  <a:rPr lang="en-US" dirty="0"/>
+                  <a:t> unitary matrix, let </a:t>
+                </a:r>
+                <a14:m>
+                  <m:oMath xmlns:m="http://schemas.openxmlformats.org/officeDocument/2006/math">
+                    <m:r>
+                      <a:rPr lang="en-US" b="0" i="1" smtClean="0">
+                        <a:latin typeface="Cambria Math" panose="02040503050406030204" pitchFamily="18" charset="0"/>
+                      </a:rPr>
+                      <m:t>𝐷</m:t>
+                    </m:r>
+                  </m:oMath>
+                </a14:m>
+                <a:r>
+                  <a:rPr lang="en-US" dirty="0"/>
+                  <a:t> be a diagonal matrix whose diagonal entries are independent and identically distributed </a:t>
+                </a:r>
+                <a14:m>
+                  <m:oMath xmlns:m="http://schemas.openxmlformats.org/officeDocument/2006/math">
+                    <m:r>
+                      <a:rPr lang="en-US" b="0" i="1" smtClean="0">
+                        <a:latin typeface="Cambria Math" panose="02040503050406030204" pitchFamily="18" charset="0"/>
+                      </a:rPr>
+                      <m:t>±1,</m:t>
+                    </m:r>
+                  </m:oMath>
+                </a14:m>
+                <a:r>
+                  <a:rPr lang="en-US" dirty="0"/>
+                  <a:t> and let </a:t>
+                </a:r>
+                <a14:m>
+                  <m:oMath xmlns:m="http://schemas.openxmlformats.org/officeDocument/2006/math">
+                    <m:r>
+                      <m:rPr>
+                        <m:nor/>
+                      </m:rPr>
+                      <a:rPr lang="en-US" dirty="0">
+                        <a:latin typeface="Cambria Math" panose="02040503050406030204" pitchFamily="18" charset="0"/>
+                        <a:ea typeface="Cambria Math" panose="02040503050406030204" pitchFamily="18" charset="0"/>
+                      </a:rPr>
+                      <m:t>ℱ</m:t>
+                    </m:r>
+                    <m:r>
+                      <m:rPr>
+                        <m:nor/>
+                      </m:rPr>
+                      <a:rPr lang="en-US" b="0" i="0" dirty="0" smtClean="0">
+                        <a:latin typeface="Cambria Math" panose="02040503050406030204" pitchFamily="18" charset="0"/>
+                        <a:ea typeface="Cambria Math" panose="02040503050406030204" pitchFamily="18" charset="0"/>
+                      </a:rPr>
+                      <m:t>=</m:t>
+                    </m:r>
+                    <m:r>
+                      <a:rPr lang="en-US" b="0" i="1" smtClean="0">
+                        <a:latin typeface="Cambria Math" panose="02040503050406030204" pitchFamily="18" charset="0"/>
+                      </a:rPr>
+                      <m:t>𝐹𝐷</m:t>
+                    </m:r>
+                    <m:r>
+                      <a:rPr lang="en-US" b="0" i="0" smtClean="0">
+                        <a:latin typeface="Cambria Math" panose="02040503050406030204" pitchFamily="18" charset="0"/>
+                      </a:rPr>
+                      <m:t>.</m:t>
+                    </m:r>
+                  </m:oMath>
+                </a14:m>
+                <a:r>
+                  <a:rPr lang="en-US" dirty="0"/>
+                  <a:t> With a probability of at least 0.95, we have</a:t>
+                </a:r>
+              </a:p>
+              <a:p>
+                <a:pPr marL="114300" indent="0" algn="ctr">
+                  <a:buNone/>
+                </a:pPr>
+                <a14:m>
+                  <m:oMathPara xmlns:m="http://schemas.openxmlformats.org/officeDocument/2006/math">
+                    <m:oMathParaPr>
+                      <m:jc m:val="centerGroup"/>
+                    </m:oMathParaPr>
+                    <m:oMath xmlns:m="http://schemas.openxmlformats.org/officeDocument/2006/math">
+                      <m:r>
+                        <a:rPr lang="en-US" b="0" i="1" smtClean="0">
+                          <a:latin typeface="Cambria Math" panose="02040503050406030204" pitchFamily="18" charset="0"/>
+                        </a:rPr>
+                        <m:t>𝜇</m:t>
+                      </m:r>
+                      <m:r>
+                        <a:rPr lang="en-US" b="0" i="1" smtClean="0">
+                          <a:latin typeface="Cambria Math" panose="02040503050406030204" pitchFamily="18" charset="0"/>
+                        </a:rPr>
+                        <m:t>(</m:t>
+                      </m:r>
+                      <m:r>
+                        <m:rPr>
+                          <m:nor/>
+                        </m:rPr>
+                        <a:rPr lang="en-US" dirty="0">
+                          <a:latin typeface="Cambria Math" panose="02040503050406030204" pitchFamily="18" charset="0"/>
+                          <a:ea typeface="Cambria Math" panose="02040503050406030204" pitchFamily="18" charset="0"/>
+                        </a:rPr>
+                        <m:t>ℱ</m:t>
+                      </m:r>
+                      <m:r>
+                        <m:rPr>
+                          <m:nor/>
+                        </m:rPr>
+                        <a:rPr lang="en-US" b="0" i="0" dirty="0" smtClean="0">
+                          <a:latin typeface="Cambria Math" panose="02040503050406030204" pitchFamily="18" charset="0"/>
+                          <a:ea typeface="Cambria Math" panose="02040503050406030204" pitchFamily="18" charset="0"/>
+                        </a:rPr>
+                        <m:t>A</m:t>
+                      </m:r>
+                      <m:r>
+                        <m:rPr>
+                          <m:nor/>
+                        </m:rPr>
+                        <a:rPr lang="en-US" b="0" i="0" dirty="0" smtClean="0">
+                          <a:latin typeface="Cambria Math" panose="02040503050406030204" pitchFamily="18" charset="0"/>
+                          <a:ea typeface="Cambria Math" panose="02040503050406030204" pitchFamily="18" charset="0"/>
+                        </a:rPr>
+                        <m:t>)</m:t>
+                      </m:r>
+                      <m:r>
+                        <a:rPr lang="en-US" b="0" i="1" dirty="0" smtClean="0">
+                          <a:latin typeface="Cambria Math" panose="02040503050406030204" pitchFamily="18" charset="0"/>
+                          <a:ea typeface="Cambria Math" panose="02040503050406030204" pitchFamily="18" charset="0"/>
+                        </a:rPr>
+                        <m:t>≤</m:t>
+                      </m:r>
+                      <m:r>
+                        <a:rPr lang="en-US" b="0" i="1" dirty="0" smtClean="0">
+                          <a:latin typeface="Cambria Math" panose="02040503050406030204" pitchFamily="18" charset="0"/>
+                          <a:ea typeface="Cambria Math" panose="02040503050406030204" pitchFamily="18" charset="0"/>
+                        </a:rPr>
+                        <m:t>𝐶𝑛</m:t>
+                      </m:r>
+                      <m:r>
+                        <a:rPr lang="en-US" b="0" i="1" dirty="0" smtClean="0">
+                          <a:latin typeface="Cambria Math" panose="02040503050406030204" pitchFamily="18" charset="0"/>
+                          <a:ea typeface="Cambria Math" panose="02040503050406030204" pitchFamily="18" charset="0"/>
+                        </a:rPr>
+                        <m:t>𝜂</m:t>
+                      </m:r>
+                      <m:r>
+                        <a:rPr lang="en-US" b="0" i="1" dirty="0" smtClean="0">
+                          <a:latin typeface="Cambria Math" panose="02040503050406030204" pitchFamily="18" charset="0"/>
+                          <a:ea typeface="Cambria Math" panose="02040503050406030204" pitchFamily="18" charset="0"/>
+                        </a:rPr>
+                        <m:t> </m:t>
+                      </m:r>
+                      <m:r>
+                        <m:rPr>
+                          <m:sty m:val="p"/>
+                        </m:rPr>
+                        <a:rPr lang="en-US" b="0" i="1" dirty="0" smtClean="0">
+                          <a:latin typeface="Cambria Math" panose="02040503050406030204" pitchFamily="18" charset="0"/>
+                          <a:ea typeface="Cambria Math" panose="02040503050406030204" pitchFamily="18" charset="0"/>
+                        </a:rPr>
+                        <m:t>log</m:t>
+                      </m:r>
+                      <m:r>
+                        <a:rPr lang="en-US" b="0" i="1" dirty="0" smtClean="0">
+                          <a:latin typeface="Cambria Math" panose="02040503050406030204" pitchFamily="18" charset="0"/>
+                          <a:ea typeface="Cambria Math" panose="02040503050406030204" pitchFamily="18" charset="0"/>
+                        </a:rPr>
+                        <m:t>(</m:t>
+                      </m:r>
+                      <m:r>
+                        <a:rPr lang="en-US" b="0" i="1" dirty="0" smtClean="0">
+                          <a:latin typeface="Cambria Math" panose="02040503050406030204" pitchFamily="18" charset="0"/>
+                          <a:ea typeface="Cambria Math" panose="02040503050406030204" pitchFamily="18" charset="0"/>
+                        </a:rPr>
+                        <m:t>𝑚</m:t>
+                      </m:r>
+                      <m:r>
+                        <a:rPr lang="en-US" b="0" i="1" dirty="0" smtClean="0">
+                          <a:latin typeface="Cambria Math" panose="02040503050406030204" pitchFamily="18" charset="0"/>
+                          <a:ea typeface="Cambria Math" panose="02040503050406030204" pitchFamily="18" charset="0"/>
+                        </a:rPr>
+                        <m:t>)</m:t>
+                      </m:r>
+                    </m:oMath>
+                  </m:oMathPara>
+                </a14:m>
+                <a:endParaRPr lang="en-US" dirty="0"/>
+              </a:p>
+              <a:p>
+                <a:pPr marL="114300" indent="0">
+                  <a:buNone/>
+                </a:pPr>
+                <a:r>
+                  <a:rPr lang="en-US" dirty="0"/>
+                  <a:t>where </a:t>
+                </a:r>
+                <a14:m>
+                  <m:oMath xmlns:m="http://schemas.openxmlformats.org/officeDocument/2006/math">
+                    <m:r>
+                      <a:rPr lang="en-US" b="0" i="1" smtClean="0">
+                        <a:latin typeface="Cambria Math" panose="02040503050406030204" pitchFamily="18" charset="0"/>
+                      </a:rPr>
+                      <m:t>𝜂</m:t>
+                    </m:r>
+                    <m:r>
+                      <a:rPr lang="en-US" b="0" i="1" smtClean="0">
+                        <a:latin typeface="Cambria Math" panose="02040503050406030204" pitchFamily="18" charset="0"/>
+                      </a:rPr>
+                      <m:t>=</m:t>
+                    </m:r>
+                    <m:r>
+                      <m:rPr>
+                        <m:sty m:val="p"/>
+                      </m:rPr>
+                      <a:rPr lang="en-US" b="0" i="1" smtClean="0">
+                        <a:latin typeface="Cambria Math" panose="02040503050406030204" pitchFamily="18" charset="0"/>
+                      </a:rPr>
+                      <m:t>max</m:t>
+                    </m:r>
+                    <m:sSup>
+                      <m:sSupPr>
+                        <m:ctrlPr>
+                          <a:rPr lang="en-US" b="0" i="1" smtClean="0">
+                            <a:latin typeface="Cambria Math" panose="02040503050406030204" pitchFamily="18" charset="0"/>
+                          </a:rPr>
+                        </m:ctrlPr>
+                      </m:sSupPr>
+                      <m:e>
+                        <m:d>
+                          <m:dPr>
+                            <m:begChr m:val="|"/>
+                            <m:endChr m:val="|"/>
+                            <m:ctrlPr>
+                              <a:rPr lang="en-US" b="0" i="1" smtClean="0">
+                                <a:latin typeface="Cambria Math" panose="02040503050406030204" pitchFamily="18" charset="0"/>
+                              </a:rPr>
+                            </m:ctrlPr>
+                          </m:dPr>
+                          <m:e>
+                            <m:sSub>
+                              <m:sSubPr>
+                                <m:ctrlPr>
+                                  <a:rPr lang="en-US" b="0" i="1" smtClean="0">
+                                    <a:latin typeface="Cambria Math" panose="02040503050406030204" pitchFamily="18" charset="0"/>
+                                  </a:rPr>
+                                </m:ctrlPr>
+                              </m:sSubPr>
+                              <m:e>
+                                <m:r>
+                                  <a:rPr lang="en-US" b="0" i="1" smtClean="0">
+                                    <a:latin typeface="Cambria Math" panose="02040503050406030204" pitchFamily="18" charset="0"/>
+                                  </a:rPr>
+                                  <m:t>𝐹</m:t>
+                                </m:r>
+                              </m:e>
+                              <m:sub>
+                                <m:r>
+                                  <a:rPr lang="en-US" b="0" i="1" smtClean="0">
+                                    <a:latin typeface="Cambria Math" panose="02040503050406030204" pitchFamily="18" charset="0"/>
+                                  </a:rPr>
+                                  <m:t>𝑖𝑗</m:t>
+                                </m:r>
+                              </m:sub>
+                            </m:sSub>
+                          </m:e>
+                        </m:d>
+                      </m:e>
+                      <m:sup>
+                        <m:r>
+                          <a:rPr lang="en-US" b="0" i="1" smtClean="0">
+                            <a:latin typeface="Cambria Math" panose="02040503050406030204" pitchFamily="18" charset="0"/>
+                          </a:rPr>
+                          <m:t>2</m:t>
+                        </m:r>
+                      </m:sup>
+                    </m:sSup>
+                    <m:r>
+                      <a:rPr lang="en-US" b="0" i="1" smtClean="0">
+                        <a:latin typeface="Cambria Math" panose="02040503050406030204" pitchFamily="18" charset="0"/>
+                      </a:rPr>
+                      <m:t>.</m:t>
+                    </m:r>
+                  </m:oMath>
+                </a14:m>
+                <a:endParaRPr lang="en-US" dirty="0"/>
+              </a:p>
+            </p:txBody>
+          </p:sp>
+        </mc:Choice>
+        <mc:Fallback>
+          <p:sp>
+            <p:nvSpPr>
+              <p:cNvPr id="3" name="Text Placeholder 2">
+                <a:extLst>
+                  <a:ext uri="{FF2B5EF4-FFF2-40B4-BE49-F238E27FC236}">
+                    <a16:creationId xmlns:a16="http://schemas.microsoft.com/office/drawing/2014/main" id="{57D8C169-AA06-4850-BA6F-BA02A48C166C}"/>
+                  </a:ext>
+                </a:extLst>
+              </p:cNvPr>
+              <p:cNvSpPr>
+                <a:spLocks noGrp="1" noRot="1" noChangeAspect="1" noMove="1" noResize="1" noEditPoints="1" noAdjustHandles="1" noChangeArrowheads="1" noChangeShapeType="1" noTextEdit="1"/>
+              </p:cNvSpPr>
+              <p:nvPr>
+                <p:ph type="body" idx="1"/>
+              </p:nvPr>
+            </p:nvSpPr>
+            <p:spPr>
+              <a:blipFill>
+                <a:blip r:embed="rId2"/>
+                <a:stretch>
+                  <a:fillRect/>
+                </a:stretch>
+              </a:blipFill>
+            </p:spPr>
+            <p:txBody>
+              <a:bodyPr/>
+              <a:lstStyle/>
+              <a:p>
+                <a:r>
+                  <a:rPr lang="en-US">
+                    <a:noFill/>
+                  </a:rPr>
+                  <a:t> </a:t>
+                </a:r>
+              </a:p>
+            </p:txBody>
+          </p:sp>
+        </mc:Fallback>
+      </mc:AlternateContent>
+    </p:spTree>
+    <p:extLst>
+      <p:ext uri="{BB962C8B-B14F-4D97-AF65-F5344CB8AC3E}">
+        <p14:creationId xmlns:p14="http://schemas.microsoft.com/office/powerpoint/2010/main" val="3414014269"/>
+      </p:ext>
+    </p:extLst>
   </p:cSld>
   <p:clrMapOvr>
     <a:masterClrMapping/>

--- a/Blendenpik Presentation.pptx
+++ b/Blendenpik Presentation.pptx
@@ -2,32 +2,32 @@
 <file path=ppt/presentation.xml><?xml version="1.0" encoding="utf-8"?>
 <p:presentation xmlns:a="http://schemas.openxmlformats.org/drawingml/2006/main" xmlns:r="http://schemas.openxmlformats.org/officeDocument/2006/relationships" xmlns:p="http://schemas.openxmlformats.org/presentationml/2006/main">
   <p:sldMasterIdLst>
-    <p:sldMasterId id="2147483648" r:id="rId5"/>
+    <p:sldMasterId id="2147483648" r:id="rId1"/>
   </p:sldMasterIdLst>
   <p:notesMasterIdLst>
-    <p:notesMasterId r:id="rId7"/>
+    <p:notesMasterId r:id="rId20"/>
   </p:notesMasterIdLst>
   <p:sldIdLst>
-    <p:sldId id="256" r:id="rId8"/>
-    <p:sldId id="257" r:id="rId9"/>
-    <p:sldId id="258" r:id="rId10"/>
-    <p:sldId id="259" r:id="rId11"/>
-    <p:sldId id="260" r:id="rId12"/>
-    <p:sldId id="261" r:id="rId13"/>
-    <p:sldId id="262" r:id="rId14"/>
-    <p:sldId id="263" r:id="rId15"/>
-    <p:sldId id="264" r:id="rId16"/>
-    <p:sldId id="265" r:id="rId17"/>
-    <p:sldId id="266" r:id="rId18"/>
-    <p:sldId id="267" r:id="rId19"/>
-    <p:sldId id="268" r:id="rId20"/>
-    <p:sldId id="269" r:id="rId21"/>
-    <p:sldId id="270" r:id="rId22"/>
-    <p:sldId id="271" r:id="rId23"/>
-    <p:sldId id="272" r:id="rId24"/>
-    <p:sldId id="273" r:id="rId25"/>
+    <p:sldId id="256" r:id="rId2"/>
+    <p:sldId id="257" r:id="rId3"/>
+    <p:sldId id="258" r:id="rId4"/>
+    <p:sldId id="259" r:id="rId5"/>
+    <p:sldId id="260" r:id="rId6"/>
+    <p:sldId id="261" r:id="rId7"/>
+    <p:sldId id="262" r:id="rId8"/>
+    <p:sldId id="263" r:id="rId9"/>
+    <p:sldId id="275" r:id="rId10"/>
+    <p:sldId id="265" r:id="rId11"/>
+    <p:sldId id="267" r:id="rId12"/>
+    <p:sldId id="266" r:id="rId13"/>
+    <p:sldId id="269" r:id="rId14"/>
+    <p:sldId id="270" r:id="rId15"/>
+    <p:sldId id="271" r:id="rId16"/>
+    <p:sldId id="272" r:id="rId17"/>
+    <p:sldId id="268" r:id="rId18"/>
+    <p:sldId id="273" r:id="rId19"/>
   </p:sldIdLst>
-  <p:sldSz cx="9144000" cy="5143500"/>
+  <p:sldSz cx="9144000" cy="5143500" type="screen16x9"/>
   <p:notesSz cx="6858000" cy="9144000"/>
   <p:defaultTextStyle>
     <a:defPPr marL="0" marR="0" indent="0" algn="l" defTabSz="914400" rtl="0" fontAlgn="auto" latinLnBrk="1" hangingPunct="0">
@@ -45,7 +45,7 @@
       <a:buFontTx/>
       <a:buNone/>
       <a:tabLst/>
-      <a:defRPr b="0" baseline="0" cap="none" i="0" spc="0" strike="noStrike" sz="1800" u="none" kumimoji="0" normalizeH="0">
+      <a:defRPr kumimoji="0" sz="1800" b="0" i="0" u="none" strike="noStrike" cap="none" spc="0" normalizeH="0" baseline="0">
         <a:ln>
           <a:noFill/>
         </a:ln>
@@ -71,7 +71,7 @@
       <a:buFontTx/>
       <a:buNone/>
       <a:tabLst/>
-      <a:defRPr b="0" baseline="0" cap="none" i="0" spc="0" strike="noStrike" sz="1400" u="none" kumimoji="0" normalizeH="0">
+      <a:defRPr kumimoji="0" sz="1400" b="0" i="0" u="none" strike="noStrike" cap="none" spc="0" normalizeH="0" baseline="0">
         <a:ln>
           <a:noFill/>
         </a:ln>
@@ -101,7 +101,7 @@
       <a:buFontTx/>
       <a:buNone/>
       <a:tabLst/>
-      <a:defRPr b="0" baseline="0" cap="none" i="0" spc="0" strike="noStrike" sz="1400" u="none" kumimoji="0" normalizeH="0">
+      <a:defRPr kumimoji="0" sz="1400" b="0" i="0" u="none" strike="noStrike" cap="none" spc="0" normalizeH="0" baseline="0">
         <a:ln>
           <a:noFill/>
         </a:ln>
@@ -131,7 +131,7 @@
       <a:buFontTx/>
       <a:buNone/>
       <a:tabLst/>
-      <a:defRPr b="0" baseline="0" cap="none" i="0" spc="0" strike="noStrike" sz="1400" u="none" kumimoji="0" normalizeH="0">
+      <a:defRPr kumimoji="0" sz="1400" b="0" i="0" u="none" strike="noStrike" cap="none" spc="0" normalizeH="0" baseline="0">
         <a:ln>
           <a:noFill/>
         </a:ln>
@@ -161,7 +161,7 @@
       <a:buFontTx/>
       <a:buNone/>
       <a:tabLst/>
-      <a:defRPr b="0" baseline="0" cap="none" i="0" spc="0" strike="noStrike" sz="1400" u="none" kumimoji="0" normalizeH="0">
+      <a:defRPr kumimoji="0" sz="1400" b="0" i="0" u="none" strike="noStrike" cap="none" spc="0" normalizeH="0" baseline="0">
         <a:ln>
           <a:noFill/>
         </a:ln>
@@ -191,7 +191,7 @@
       <a:buFontTx/>
       <a:buNone/>
       <a:tabLst/>
-      <a:defRPr b="0" baseline="0" cap="none" i="0" spc="0" strike="noStrike" sz="1400" u="none" kumimoji="0" normalizeH="0">
+      <a:defRPr kumimoji="0" sz="1400" b="0" i="0" u="none" strike="noStrike" cap="none" spc="0" normalizeH="0" baseline="0">
         <a:ln>
           <a:noFill/>
         </a:ln>
@@ -221,7 +221,7 @@
       <a:buFontTx/>
       <a:buNone/>
       <a:tabLst/>
-      <a:defRPr b="0" baseline="0" cap="none" i="0" spc="0" strike="noStrike" sz="1400" u="none" kumimoji="0" normalizeH="0">
+      <a:defRPr kumimoji="0" sz="1400" b="0" i="0" u="none" strike="noStrike" cap="none" spc="0" normalizeH="0" baseline="0">
         <a:ln>
           <a:noFill/>
         </a:ln>
@@ -251,7 +251,7 @@
       <a:buFontTx/>
       <a:buNone/>
       <a:tabLst/>
-      <a:defRPr b="0" baseline="0" cap="none" i="0" spc="0" strike="noStrike" sz="1400" u="none" kumimoji="0" normalizeH="0">
+      <a:defRPr kumimoji="0" sz="1400" b="0" i="0" u="none" strike="noStrike" cap="none" spc="0" normalizeH="0" baseline="0">
         <a:ln>
           <a:noFill/>
         </a:ln>
@@ -281,7 +281,7 @@
       <a:buFontTx/>
       <a:buNone/>
       <a:tabLst/>
-      <a:defRPr b="0" baseline="0" cap="none" i="0" spc="0" strike="noStrike" sz="1400" u="none" kumimoji="0" normalizeH="0">
+      <a:defRPr kumimoji="0" sz="1400" b="0" i="0" u="none" strike="noStrike" cap="none" spc="0" normalizeH="0" baseline="0">
         <a:ln>
           <a:noFill/>
         </a:ln>
@@ -311,7 +311,7 @@
       <a:buFontTx/>
       <a:buNone/>
       <a:tabLst/>
-      <a:defRPr b="0" baseline="0" cap="none" i="0" spc="0" strike="noStrike" sz="1400" u="none" kumimoji="0" normalizeH="0">
+      <a:defRPr kumimoji="0" sz="1400" b="0" i="0" u="none" strike="noStrike" cap="none" spc="0" normalizeH="0" baseline="0">
         <a:ln>
           <a:noFill/>
         </a:ln>
@@ -330,13 +330,14 @@
 </p:presentation>
 </file>
 
-<file path=ppt/commentAuthors.xml><?xml version="1.0" encoding="utf-8"?>
-<p:cmAuthorLst xmlns:a="http://schemas.openxmlformats.org/drawingml/2006/main" xmlns:r="http://schemas.openxmlformats.org/officeDocument/2006/relationships" xmlns:p="http://schemas.openxmlformats.org/presentationml/2006/main"/>
-</file>
-
 <file path=ppt/notesMasters/notesMaster1.xml><?xml version="1.0" encoding="utf-8"?>
 <p:notesMaster xmlns:a="http://schemas.openxmlformats.org/drawingml/2006/main" xmlns:r="http://schemas.openxmlformats.org/officeDocument/2006/relationships" xmlns:p="http://schemas.openxmlformats.org/presentationml/2006/main">
   <p:cSld>
+    <p:bg>
+      <p:bgRef idx="1001">
+        <a:schemeClr val="bg1"/>
+      </p:bgRef>
+    </p:bg>
     <p:spTree>
       <p:nvGrpSpPr>
         <p:cNvPr id="1" name=""/>
@@ -354,7 +355,9 @@
       <p:sp>
         <p:nvSpPr>
           <p:cNvPr id="111" name="Shape 111"/>
-          <p:cNvSpPr/>
+          <p:cNvSpPr>
+            <a:spLocks noGrp="1" noRot="1" noChangeAspect="1"/>
+          </p:cNvSpPr>
           <p:nvPr>
             <p:ph type="sldImg"/>
           </p:nvPr>
@@ -372,14 +375,16 @@
           <a:bodyPr/>
           <a:lstStyle/>
           <a:p>
-            <a:pPr/>
+            <a:endParaRPr/>
           </a:p>
         </p:txBody>
       </p:sp>
       <p:sp>
         <p:nvSpPr>
           <p:cNvPr id="112" name="Shape 112"/>
-          <p:cNvSpPr/>
+          <p:cNvSpPr>
+            <a:spLocks noGrp="1"/>
+          </p:cNvSpPr>
           <p:nvPr>
             <p:ph type="body" sz="quarter" idx="1"/>
           </p:nvPr>
@@ -397,7 +402,7 @@
           <a:bodyPr/>
           <a:lstStyle/>
           <a:p>
-            <a:pPr/>
+            <a:endParaRPr/>
           </a:p>
         </p:txBody>
       </p:sp>
@@ -481,14 +486,153 @@
 </p:notesMaster>
 </file>
 
+<file path=ppt/notesSlides/notesSlide1.xml><?xml version="1.0" encoding="utf-8"?>
+<p:notes xmlns:a="http://schemas.openxmlformats.org/drawingml/2006/main" xmlns:r="http://schemas.openxmlformats.org/officeDocument/2006/relationships" xmlns:p="http://schemas.openxmlformats.org/presentationml/2006/main">
+  <p:cSld>
+    <p:spTree>
+      <p:nvGrpSpPr>
+        <p:cNvPr id="1" name=""/>
+        <p:cNvGrpSpPr/>
+        <p:nvPr/>
+      </p:nvGrpSpPr>
+      <p:grpSpPr>
+        <a:xfrm>
+          <a:off x="0" y="0"/>
+          <a:ext cx="0" cy="0"/>
+          <a:chOff x="0" y="0"/>
+          <a:chExt cx="0" cy="0"/>
+        </a:xfrm>
+      </p:grpSpPr>
+      <p:sp>
+        <p:nvSpPr>
+          <p:cNvPr id="2" name="Slide Image Placeholder 1"/>
+          <p:cNvSpPr>
+            <a:spLocks noGrp="1" noRot="1" noChangeAspect="1"/>
+          </p:cNvSpPr>
+          <p:nvPr>
+            <p:ph type="sldImg"/>
+          </p:nvPr>
+        </p:nvSpPr>
+        <p:spPr>
+          <a:xfrm>
+            <a:off x="381000" y="685800"/>
+            <a:ext cx="6096000" cy="3429000"/>
+          </a:xfrm>
+        </p:spPr>
+      </p:sp>
+      <p:sp>
+        <p:nvSpPr>
+          <p:cNvPr id="3" name="Notes Placeholder 2"/>
+          <p:cNvSpPr>
+            <a:spLocks noGrp="1"/>
+          </p:cNvSpPr>
+          <p:nvPr>
+            <p:ph type="body" idx="1"/>
+          </p:nvPr>
+        </p:nvSpPr>
+        <p:spPr/>
+        <p:txBody>
+          <a:bodyPr/>
+          <a:lstStyle/>
+          <a:p>
+            <a:r>
+              <a:rPr lang="en-US" dirty="0"/>
+              <a:t>1</a:t>
+            </a:r>
+          </a:p>
+        </p:txBody>
+      </p:sp>
+    </p:spTree>
+    <p:extLst>
+      <p:ext uri="{BB962C8B-B14F-4D97-AF65-F5344CB8AC3E}">
+        <p14:creationId xmlns:p14="http://schemas.microsoft.com/office/powerpoint/2010/main" val="2352898171"/>
+      </p:ext>
+    </p:extLst>
+  </p:cSld>
+  <p:clrMapOvr>
+    <a:masterClrMapping/>
+  </p:clrMapOvr>
+</p:notes>
+</file>
+
+<file path=ppt/notesSlides/notesSlide2.xml><?xml version="1.0" encoding="utf-8"?>
+<p:notes xmlns:a="http://schemas.openxmlformats.org/drawingml/2006/main" xmlns:r="http://schemas.openxmlformats.org/officeDocument/2006/relationships" xmlns:p="http://schemas.openxmlformats.org/presentationml/2006/main">
+  <p:cSld>
+    <p:spTree>
+      <p:nvGrpSpPr>
+        <p:cNvPr id="1" name=""/>
+        <p:cNvGrpSpPr/>
+        <p:nvPr/>
+      </p:nvGrpSpPr>
+      <p:grpSpPr>
+        <a:xfrm>
+          <a:off x="0" y="0"/>
+          <a:ext cx="0" cy="0"/>
+          <a:chOff x="0" y="0"/>
+          <a:chExt cx="0" cy="0"/>
+        </a:xfrm>
+      </p:grpSpPr>
+      <p:sp>
+        <p:nvSpPr>
+          <p:cNvPr id="2" name="Slide Image Placeholder 1"/>
+          <p:cNvSpPr>
+            <a:spLocks noGrp="1" noRot="1" noChangeAspect="1"/>
+          </p:cNvSpPr>
+          <p:nvPr>
+            <p:ph type="sldImg"/>
+          </p:nvPr>
+        </p:nvSpPr>
+        <p:spPr>
+          <a:xfrm>
+            <a:off x="381000" y="685800"/>
+            <a:ext cx="6096000" cy="3429000"/>
+          </a:xfrm>
+        </p:spPr>
+      </p:sp>
+      <p:sp>
+        <p:nvSpPr>
+          <p:cNvPr id="3" name="Notes Placeholder 2"/>
+          <p:cNvSpPr>
+            <a:spLocks noGrp="1"/>
+          </p:cNvSpPr>
+          <p:nvPr>
+            <p:ph type="body" idx="1"/>
+          </p:nvPr>
+        </p:nvSpPr>
+        <p:spPr/>
+        <p:txBody>
+          <a:bodyPr/>
+          <a:lstStyle/>
+          <a:p>
+            <a:r>
+              <a:rPr lang="en-US" dirty="0"/>
+              <a:t>1</a:t>
+            </a:r>
+          </a:p>
+        </p:txBody>
+      </p:sp>
+    </p:spTree>
+    <p:extLst>
+      <p:ext uri="{BB962C8B-B14F-4D97-AF65-F5344CB8AC3E}">
+        <p14:creationId xmlns:p14="http://schemas.microsoft.com/office/powerpoint/2010/main" val="967809920"/>
+      </p:ext>
+    </p:extLst>
+  </p:cSld>
+  <p:clrMapOvr>
+    <a:masterClrMapping/>
+  </p:clrMapOvr>
+</p:notes>
+</file>
+
 <file path=ppt/slideLayouts/slideLayout1.xml><?xml version="1.0" encoding="utf-8"?>
-<p:sldLayout xmlns:a="http://schemas.openxmlformats.org/drawingml/2006/main" xmlns:r="http://schemas.openxmlformats.org/officeDocument/2006/relationships" xmlns:p="http://schemas.openxmlformats.org/presentationml/2006/main" type="title" showMasterSp="0" showMasterPhAnim="1">
+<p:sldLayout xmlns:a="http://schemas.openxmlformats.org/drawingml/2006/main" xmlns:r="http://schemas.openxmlformats.org/officeDocument/2006/relationships" xmlns:p="http://schemas.openxmlformats.org/presentationml/2006/main" showMasterSp="0" type="title">
   <p:cSld name="TITLE">
     <p:bg>
       <p:bgPr>
         <a:solidFill>
           <a:srgbClr val="000000"/>
         </a:solidFill>
+        <a:effectLst/>
       </p:bgPr>
     </p:bg>
     <p:spTree>
@@ -530,7 +674,7 @@
           <a:bodyPr lIns="45719" rIns="45719" anchor="ctr"/>
           <a:lstStyle/>
           <a:p>
-            <a:pPr/>
+            <a:endParaRPr/>
           </a:p>
         </p:txBody>
       </p:sp>
@@ -558,14 +702,16 @@
           <a:bodyPr lIns="45719" rIns="45719"/>
           <a:lstStyle/>
           <a:p>
-            <a:pPr/>
+            <a:endParaRPr/>
           </a:p>
         </p:txBody>
       </p:sp>
       <p:sp>
         <p:nvSpPr>
           <p:cNvPr id="14" name="Title Text"/>
-          <p:cNvSpPr txBox="1"/>
+          <p:cNvSpPr txBox="1">
+            <a:spLocks noGrp="1"/>
+          </p:cNvSpPr>
           <p:nvPr>
             <p:ph type="title"/>
           </p:nvPr>
@@ -591,7 +737,6 @@
             </a:lvl1pPr>
           </a:lstStyle>
           <a:p>
-            <a:pPr/>
             <a:r>
               <a:t>Title Text</a:t>
             </a:r>
@@ -601,7 +746,9 @@
       <p:sp>
         <p:nvSpPr>
           <p:cNvPr id="15" name="Body Level One…"/>
-          <p:cNvSpPr txBox="1"/>
+          <p:cNvSpPr txBox="1">
+            <a:spLocks noGrp="1"/>
+          </p:cNvSpPr>
           <p:nvPr>
             <p:ph type="body" sz="quarter" idx="1"/>
           </p:nvPr>
@@ -690,7 +837,6 @@
             </a:lvl5pPr>
           </a:lstStyle>
           <a:p>
-            <a:pPr/>
             <a:r>
               <a:t>Body Level One</a:t>
             </a:r>
@@ -724,7 +870,9 @@
       <p:sp>
         <p:nvSpPr>
           <p:cNvPr id="16" name="Slide Number"/>
-          <p:cNvSpPr txBox="1"/>
+          <p:cNvSpPr txBox="1">
+            <a:spLocks noGrp="1"/>
+          </p:cNvSpPr>
           <p:nvPr>
             <p:ph type="sldNum" sz="quarter" idx="2"/>
           </p:nvPr>
@@ -746,8 +894,10 @@
             </a:lvl1pPr>
           </a:lstStyle>
           <a:p>
-            <a:pPr/>
-            <a:fld id="{86CB4B4D-7CA3-9044-876B-883B54F8677D}" type="slidenum"/>
+            <a:fld id="{86CB4B4D-7CA3-9044-876B-883B54F8677D}" type="slidenum">
+              <a:t>‹#›</a:t>
+            </a:fld>
+            <a:endParaRPr/>
           </a:p>
         </p:txBody>
       </p:sp>
@@ -756,12 +906,12 @@
   <p:clrMapOvr>
     <a:masterClrMapping/>
   </p:clrMapOvr>
-  <p:transition xmlns:p14="http://schemas.microsoft.com/office/powerpoint/2010/main" spd="med" advClick="1"/>
+  <p:transition spd="med"/>
 </p:sldLayout>
 </file>
 
 <file path=ppt/slideLayouts/slideLayout10.xml><?xml version="1.0" encoding="utf-8"?>
-<p:sldLayout xmlns:a="http://schemas.openxmlformats.org/drawingml/2006/main" xmlns:r="http://schemas.openxmlformats.org/officeDocument/2006/relationships" xmlns:p="http://schemas.openxmlformats.org/presentationml/2006/main" type="tx" showMasterSp="0" showMasterPhAnim="1">
+<p:sldLayout xmlns:a="http://schemas.openxmlformats.org/drawingml/2006/main" xmlns:r="http://schemas.openxmlformats.org/officeDocument/2006/relationships" xmlns:p="http://schemas.openxmlformats.org/presentationml/2006/main" showMasterSp="0" type="tx">
   <p:cSld name="BIG_NUMBER">
     <p:spTree>
       <p:nvGrpSpPr>
@@ -780,7 +930,9 @@
       <p:sp>
         <p:nvSpPr>
           <p:cNvPr id="96" name="Title Text"/>
-          <p:cNvSpPr txBox="1"/>
+          <p:cNvSpPr txBox="1">
+            <a:spLocks noGrp="1"/>
+          </p:cNvSpPr>
           <p:nvPr>
             <p:ph type="title"/>
           </p:nvPr>
@@ -798,11 +950,10 @@
           <a:bodyPr anchor="b"/>
           <a:lstStyle>
             <a:lvl1pPr algn="ctr">
-              <a:defRPr b="1" sz="14000"/>
+              <a:defRPr sz="14000" b="1"/>
             </a:lvl1pPr>
           </a:lstStyle>
           <a:p>
-            <a:pPr/>
             <a:r>
               <a:t>Title Text</a:t>
             </a:r>
@@ -812,7 +963,9 @@
       <p:sp>
         <p:nvSpPr>
           <p:cNvPr id="97" name="Body Level One…"/>
-          <p:cNvSpPr txBox="1"/>
+          <p:cNvSpPr txBox="1">
+            <a:spLocks noGrp="1"/>
+          </p:cNvSpPr>
           <p:nvPr>
             <p:ph type="body" sz="half" idx="1"/>
           </p:nvPr>
@@ -836,7 +989,6 @@
             <a:lvl5pPr algn="ctr"/>
           </a:lstStyle>
           <a:p>
-            <a:pPr/>
             <a:r>
               <a:t>Body Level One</a:t>
             </a:r>
@@ -870,7 +1022,9 @@
       <p:sp>
         <p:nvSpPr>
           <p:cNvPr id="98" name="Slide Number"/>
-          <p:cNvSpPr txBox="1"/>
+          <p:cNvSpPr txBox="1">
+            <a:spLocks noGrp="1"/>
+          </p:cNvSpPr>
           <p:nvPr>
             <p:ph type="sldNum" sz="quarter" idx="2"/>
           </p:nvPr>
@@ -884,8 +1038,10 @@
           <a:bodyPr/>
           <a:lstStyle/>
           <a:p>
-            <a:pPr/>
-            <a:fld id="{86CB4B4D-7CA3-9044-876B-883B54F8677D}" type="slidenum"/>
+            <a:fld id="{86CB4B4D-7CA3-9044-876B-883B54F8677D}" type="slidenum">
+              <a:t>‹#›</a:t>
+            </a:fld>
+            <a:endParaRPr/>
           </a:p>
         </p:txBody>
       </p:sp>
@@ -894,12 +1050,12 @@
   <p:clrMapOvr>
     <a:masterClrMapping/>
   </p:clrMapOvr>
-  <p:transition xmlns:p14="http://schemas.microsoft.com/office/powerpoint/2010/main" spd="med" advClick="1"/>
+  <p:transition spd="med"/>
 </p:sldLayout>
 </file>
 
 <file path=ppt/slideLayouts/slideLayout11.xml><?xml version="1.0" encoding="utf-8"?>
-<p:sldLayout xmlns:a="http://schemas.openxmlformats.org/drawingml/2006/main" xmlns:r="http://schemas.openxmlformats.org/officeDocument/2006/relationships" xmlns:p="http://schemas.openxmlformats.org/presentationml/2006/main" type="tx" showMasterSp="0" showMasterPhAnim="1">
+<p:sldLayout xmlns:a="http://schemas.openxmlformats.org/drawingml/2006/main" xmlns:r="http://schemas.openxmlformats.org/officeDocument/2006/relationships" xmlns:p="http://schemas.openxmlformats.org/presentationml/2006/main" showMasterSp="0" type="tx">
   <p:cSld name="BLANK">
     <p:spTree>
       <p:nvGrpSpPr>
@@ -918,7 +1074,9 @@
       <p:sp>
         <p:nvSpPr>
           <p:cNvPr id="105" name="Slide Number"/>
-          <p:cNvSpPr txBox="1"/>
+          <p:cNvSpPr txBox="1">
+            <a:spLocks noGrp="1"/>
+          </p:cNvSpPr>
           <p:nvPr>
             <p:ph type="sldNum" sz="quarter" idx="2"/>
           </p:nvPr>
@@ -932,8 +1090,10 @@
           <a:bodyPr/>
           <a:lstStyle/>
           <a:p>
-            <a:pPr/>
-            <a:fld id="{86CB4B4D-7CA3-9044-876B-883B54F8677D}" type="slidenum"/>
+            <a:fld id="{86CB4B4D-7CA3-9044-876B-883B54F8677D}" type="slidenum">
+              <a:t>‹#›</a:t>
+            </a:fld>
+            <a:endParaRPr/>
           </a:p>
         </p:txBody>
       </p:sp>
@@ -942,18 +1102,19 @@
   <p:clrMapOvr>
     <a:masterClrMapping/>
   </p:clrMapOvr>
-  <p:transition xmlns:p14="http://schemas.microsoft.com/office/powerpoint/2010/main" spd="med" advClick="1"/>
+  <p:transition spd="med"/>
 </p:sldLayout>
 </file>
 
 <file path=ppt/slideLayouts/slideLayout2.xml><?xml version="1.0" encoding="utf-8"?>
-<p:sldLayout xmlns:a="http://schemas.openxmlformats.org/drawingml/2006/main" xmlns:r="http://schemas.openxmlformats.org/officeDocument/2006/relationships" xmlns:p="http://schemas.openxmlformats.org/presentationml/2006/main" type="tx" showMasterSp="0" showMasterPhAnim="1">
+<p:sldLayout xmlns:a="http://schemas.openxmlformats.org/drawingml/2006/main" xmlns:r="http://schemas.openxmlformats.org/officeDocument/2006/relationships" xmlns:p="http://schemas.openxmlformats.org/presentationml/2006/main" showMasterSp="0" type="tx">
   <p:cSld name="SECTION_HEADER">
     <p:bg>
       <p:bgPr>
         <a:solidFill>
           <a:srgbClr val="000000"/>
         </a:solidFill>
+        <a:effectLst/>
       </p:bgPr>
     </p:bg>
     <p:spTree>
@@ -994,14 +1155,16 @@
           <a:bodyPr lIns="45719" rIns="45719"/>
           <a:lstStyle/>
           <a:p>
-            <a:pPr/>
+            <a:endParaRPr/>
           </a:p>
         </p:txBody>
       </p:sp>
       <p:sp>
         <p:nvSpPr>
           <p:cNvPr id="24" name="Title Text"/>
-          <p:cNvSpPr txBox="1"/>
+          <p:cNvSpPr txBox="1">
+            <a:spLocks noGrp="1"/>
+          </p:cNvSpPr>
           <p:nvPr>
             <p:ph type="title"/>
           </p:nvPr>
@@ -1027,7 +1190,6 @@
             </a:lvl1pPr>
           </a:lstStyle>
           <a:p>
-            <a:pPr/>
             <a:r>
               <a:t>Title Text</a:t>
             </a:r>
@@ -1037,7 +1199,9 @@
       <p:sp>
         <p:nvSpPr>
           <p:cNvPr id="25" name="Slide Number"/>
-          <p:cNvSpPr txBox="1"/>
+          <p:cNvSpPr txBox="1">
+            <a:spLocks noGrp="1"/>
+          </p:cNvSpPr>
           <p:nvPr>
             <p:ph type="sldNum" sz="quarter" idx="2"/>
           </p:nvPr>
@@ -1059,8 +1223,10 @@
             </a:lvl1pPr>
           </a:lstStyle>
           <a:p>
-            <a:pPr/>
-            <a:fld id="{86CB4B4D-7CA3-9044-876B-883B54F8677D}" type="slidenum"/>
+            <a:fld id="{86CB4B4D-7CA3-9044-876B-883B54F8677D}" type="slidenum">
+              <a:t>‹#›</a:t>
+            </a:fld>
+            <a:endParaRPr/>
           </a:p>
         </p:txBody>
       </p:sp>
@@ -1069,12 +1235,12 @@
   <p:clrMapOvr>
     <a:masterClrMapping/>
   </p:clrMapOvr>
-  <p:transition xmlns:p14="http://schemas.microsoft.com/office/powerpoint/2010/main" spd="med" advClick="1"/>
+  <p:transition spd="med"/>
 </p:sldLayout>
 </file>
 
 <file path=ppt/slideLayouts/slideLayout3.xml><?xml version="1.0" encoding="utf-8"?>
-<p:sldLayout xmlns:a="http://schemas.openxmlformats.org/drawingml/2006/main" xmlns:r="http://schemas.openxmlformats.org/officeDocument/2006/relationships" xmlns:p="http://schemas.openxmlformats.org/presentationml/2006/main" type="tx" showMasterSp="1" showMasterPhAnim="1">
+<p:sldLayout xmlns:a="http://schemas.openxmlformats.org/drawingml/2006/main" xmlns:r="http://schemas.openxmlformats.org/officeDocument/2006/relationships" xmlns:p="http://schemas.openxmlformats.org/presentationml/2006/main" type="tx">
   <p:cSld name="TITLE_AND_BODY">
     <p:spTree>
       <p:nvGrpSpPr>
@@ -1093,7 +1259,9 @@
       <p:sp>
         <p:nvSpPr>
           <p:cNvPr id="32" name="Title Text"/>
-          <p:cNvSpPr txBox="1"/>
+          <p:cNvSpPr txBox="1">
+            <a:spLocks noGrp="1"/>
+          </p:cNvSpPr>
           <p:nvPr>
             <p:ph type="title"/>
           </p:nvPr>
@@ -1107,7 +1275,6 @@
           <a:bodyPr/>
           <a:lstStyle/>
           <a:p>
-            <a:pPr/>
             <a:r>
               <a:t>Title Text</a:t>
             </a:r>
@@ -1117,7 +1284,9 @@
       <p:sp>
         <p:nvSpPr>
           <p:cNvPr id="33" name="Body Level One…"/>
-          <p:cNvSpPr txBox="1"/>
+          <p:cNvSpPr txBox="1">
+            <a:spLocks noGrp="1"/>
+          </p:cNvSpPr>
           <p:nvPr>
             <p:ph type="body" idx="1"/>
           </p:nvPr>
@@ -1131,7 +1300,6 @@
           <a:bodyPr/>
           <a:lstStyle/>
           <a:p>
-            <a:pPr/>
             <a:r>
               <a:t>Body Level One</a:t>
             </a:r>
@@ -1165,7 +1333,9 @@
       <p:sp>
         <p:nvSpPr>
           <p:cNvPr id="34" name="Slide Number"/>
-          <p:cNvSpPr txBox="1"/>
+          <p:cNvSpPr txBox="1">
+            <a:spLocks noGrp="1"/>
+          </p:cNvSpPr>
           <p:nvPr>
             <p:ph type="sldNum" sz="quarter" idx="2"/>
           </p:nvPr>
@@ -1179,8 +1349,10 @@
           <a:bodyPr/>
           <a:lstStyle/>
           <a:p>
-            <a:pPr/>
-            <a:fld id="{86CB4B4D-7CA3-9044-876B-883B54F8677D}" type="slidenum"/>
+            <a:fld id="{86CB4B4D-7CA3-9044-876B-883B54F8677D}" type="slidenum">
+              <a:t>‹#›</a:t>
+            </a:fld>
+            <a:endParaRPr/>
           </a:p>
         </p:txBody>
       </p:sp>
@@ -1189,12 +1361,12 @@
   <p:clrMapOvr>
     <a:masterClrMapping/>
   </p:clrMapOvr>
-  <p:transition xmlns:p14="http://schemas.microsoft.com/office/powerpoint/2010/main" spd="med" advClick="1"/>
+  <p:transition spd="med"/>
 </p:sldLayout>
 </file>
 
 <file path=ppt/slideLayouts/slideLayout4.xml><?xml version="1.0" encoding="utf-8"?>
-<p:sldLayout xmlns:a="http://schemas.openxmlformats.org/drawingml/2006/main" xmlns:r="http://schemas.openxmlformats.org/officeDocument/2006/relationships" xmlns:p="http://schemas.openxmlformats.org/presentationml/2006/main" type="tx" showMasterSp="0" showMasterPhAnim="1">
+<p:sldLayout xmlns:a="http://schemas.openxmlformats.org/drawingml/2006/main" xmlns:r="http://schemas.openxmlformats.org/officeDocument/2006/relationships" xmlns:p="http://schemas.openxmlformats.org/presentationml/2006/main" showMasterSp="0" type="tx">
   <p:cSld name="TITLE_AND_TWO_COLUMNS">
     <p:spTree>
       <p:nvGrpSpPr>
@@ -1213,7 +1385,9 @@
       <p:sp>
         <p:nvSpPr>
           <p:cNvPr id="41" name="Title Text"/>
-          <p:cNvSpPr txBox="1"/>
+          <p:cNvSpPr txBox="1">
+            <a:spLocks noGrp="1"/>
+          </p:cNvSpPr>
           <p:nvPr>
             <p:ph type="title"/>
           </p:nvPr>
@@ -1227,7 +1401,6 @@
           <a:bodyPr/>
           <a:lstStyle/>
           <a:p>
-            <a:pPr/>
             <a:r>
               <a:t>Title Text</a:t>
             </a:r>
@@ -1237,7 +1410,9 @@
       <p:sp>
         <p:nvSpPr>
           <p:cNvPr id="42" name="Body Level One…"/>
-          <p:cNvSpPr txBox="1"/>
+          <p:cNvSpPr txBox="1">
+            <a:spLocks noGrp="1"/>
+          </p:cNvSpPr>
           <p:nvPr>
             <p:ph type="body" sz="half" idx="1"/>
           </p:nvPr>
@@ -1276,7 +1451,6 @@
             </a:lvl5pPr>
           </a:lstStyle>
           <a:p>
-            <a:pPr/>
             <a:r>
               <a:t>Body Level One</a:t>
             </a:r>
@@ -1310,7 +1484,9 @@
       <p:sp>
         <p:nvSpPr>
           <p:cNvPr id="43" name="Google Shape;27;p5"/>
-          <p:cNvSpPr txBox="1"/>
+          <p:cNvSpPr txBox="1">
+            <a:spLocks noGrp="1"/>
+          </p:cNvSpPr>
           <p:nvPr>
             <p:ph type="body" sz="half" idx="13"/>
           </p:nvPr>
@@ -1332,13 +1508,16 @@
               <a:buSzPts val="1400"/>
               <a:defRPr sz="1400"/>
             </a:pPr>
+            <a:endParaRPr/>
           </a:p>
         </p:txBody>
       </p:sp>
       <p:sp>
         <p:nvSpPr>
           <p:cNvPr id="44" name="Slide Number"/>
-          <p:cNvSpPr txBox="1"/>
+          <p:cNvSpPr txBox="1">
+            <a:spLocks noGrp="1"/>
+          </p:cNvSpPr>
           <p:nvPr>
             <p:ph type="sldNum" sz="quarter" idx="2"/>
           </p:nvPr>
@@ -1352,8 +1531,10 @@
           <a:bodyPr/>
           <a:lstStyle/>
           <a:p>
-            <a:pPr/>
-            <a:fld id="{86CB4B4D-7CA3-9044-876B-883B54F8677D}" type="slidenum"/>
+            <a:fld id="{86CB4B4D-7CA3-9044-876B-883B54F8677D}" type="slidenum">
+              <a:t>‹#›</a:t>
+            </a:fld>
+            <a:endParaRPr/>
           </a:p>
         </p:txBody>
       </p:sp>
@@ -1362,12 +1543,12 @@
   <p:clrMapOvr>
     <a:masterClrMapping/>
   </p:clrMapOvr>
-  <p:transition xmlns:p14="http://schemas.microsoft.com/office/powerpoint/2010/main" spd="med" advClick="1"/>
+  <p:transition spd="med"/>
 </p:sldLayout>
 </file>
 
 <file path=ppt/slideLayouts/slideLayout5.xml><?xml version="1.0" encoding="utf-8"?>
-<p:sldLayout xmlns:a="http://schemas.openxmlformats.org/drawingml/2006/main" xmlns:r="http://schemas.openxmlformats.org/officeDocument/2006/relationships" xmlns:p="http://schemas.openxmlformats.org/presentationml/2006/main" type="tx" showMasterSp="0" showMasterPhAnim="1">
+<p:sldLayout xmlns:a="http://schemas.openxmlformats.org/drawingml/2006/main" xmlns:r="http://schemas.openxmlformats.org/officeDocument/2006/relationships" xmlns:p="http://schemas.openxmlformats.org/presentationml/2006/main" showMasterSp="0" type="tx">
   <p:cSld name="TITLE_ONLY">
     <p:spTree>
       <p:nvGrpSpPr>
@@ -1386,7 +1567,9 @@
       <p:sp>
         <p:nvSpPr>
           <p:cNvPr id="51" name="Title Text"/>
-          <p:cNvSpPr txBox="1"/>
+          <p:cNvSpPr txBox="1">
+            <a:spLocks noGrp="1"/>
+          </p:cNvSpPr>
           <p:nvPr>
             <p:ph type="title"/>
           </p:nvPr>
@@ -1400,7 +1583,6 @@
           <a:bodyPr/>
           <a:lstStyle/>
           <a:p>
-            <a:pPr/>
             <a:r>
               <a:t>Title Text</a:t>
             </a:r>
@@ -1410,7 +1592,9 @@
       <p:sp>
         <p:nvSpPr>
           <p:cNvPr id="52" name="Slide Number"/>
-          <p:cNvSpPr txBox="1"/>
+          <p:cNvSpPr txBox="1">
+            <a:spLocks noGrp="1"/>
+          </p:cNvSpPr>
           <p:nvPr>
             <p:ph type="sldNum" sz="quarter" idx="2"/>
           </p:nvPr>
@@ -1424,8 +1608,10 @@
           <a:bodyPr/>
           <a:lstStyle/>
           <a:p>
-            <a:pPr/>
-            <a:fld id="{86CB4B4D-7CA3-9044-876B-883B54F8677D}" type="slidenum"/>
+            <a:fld id="{86CB4B4D-7CA3-9044-876B-883B54F8677D}" type="slidenum">
+              <a:t>‹#›</a:t>
+            </a:fld>
+            <a:endParaRPr/>
           </a:p>
         </p:txBody>
       </p:sp>
@@ -1434,12 +1620,12 @@
   <p:clrMapOvr>
     <a:masterClrMapping/>
   </p:clrMapOvr>
-  <p:transition xmlns:p14="http://schemas.microsoft.com/office/powerpoint/2010/main" spd="med" advClick="1"/>
+  <p:transition spd="med"/>
 </p:sldLayout>
 </file>
 
 <file path=ppt/slideLayouts/slideLayout6.xml><?xml version="1.0" encoding="utf-8"?>
-<p:sldLayout xmlns:a="http://schemas.openxmlformats.org/drawingml/2006/main" xmlns:r="http://schemas.openxmlformats.org/officeDocument/2006/relationships" xmlns:p="http://schemas.openxmlformats.org/presentationml/2006/main" type="tx" showMasterSp="0" showMasterPhAnim="1">
+<p:sldLayout xmlns:a="http://schemas.openxmlformats.org/drawingml/2006/main" xmlns:r="http://schemas.openxmlformats.org/officeDocument/2006/relationships" xmlns:p="http://schemas.openxmlformats.org/presentationml/2006/main" showMasterSp="0" type="tx">
   <p:cSld name="ONE_COLUMN_TEXT">
     <p:spTree>
       <p:nvGrpSpPr>
@@ -1458,7 +1644,9 @@
       <p:sp>
         <p:nvSpPr>
           <p:cNvPr id="59" name="Title Text"/>
-          <p:cNvSpPr txBox="1"/>
+          <p:cNvSpPr txBox="1">
+            <a:spLocks noGrp="1"/>
+          </p:cNvSpPr>
           <p:nvPr>
             <p:ph type="title"/>
           </p:nvPr>
@@ -1480,7 +1668,6 @@
             </a:lvl1pPr>
           </a:lstStyle>
           <a:p>
-            <a:pPr/>
             <a:r>
               <a:t>Title Text</a:t>
             </a:r>
@@ -1490,7 +1677,9 @@
       <p:sp>
         <p:nvSpPr>
           <p:cNvPr id="60" name="Body Level One…"/>
-          <p:cNvSpPr txBox="1"/>
+          <p:cNvSpPr txBox="1">
+            <a:spLocks noGrp="1"/>
+          </p:cNvSpPr>
           <p:nvPr>
             <p:ph type="body" sz="quarter" idx="1"/>
           </p:nvPr>
@@ -1529,7 +1718,6 @@
             </a:lvl5pPr>
           </a:lstStyle>
           <a:p>
-            <a:pPr/>
             <a:r>
               <a:t>Body Level One</a:t>
             </a:r>
@@ -1563,7 +1751,9 @@
       <p:sp>
         <p:nvSpPr>
           <p:cNvPr id="61" name="Slide Number"/>
-          <p:cNvSpPr txBox="1"/>
+          <p:cNvSpPr txBox="1">
+            <a:spLocks noGrp="1"/>
+          </p:cNvSpPr>
           <p:nvPr>
             <p:ph type="sldNum" sz="quarter" idx="2"/>
           </p:nvPr>
@@ -1577,8 +1767,10 @@
           <a:bodyPr/>
           <a:lstStyle/>
           <a:p>
-            <a:pPr/>
-            <a:fld id="{86CB4B4D-7CA3-9044-876B-883B54F8677D}" type="slidenum"/>
+            <a:fld id="{86CB4B4D-7CA3-9044-876B-883B54F8677D}" type="slidenum">
+              <a:t>‹#›</a:t>
+            </a:fld>
+            <a:endParaRPr/>
           </a:p>
         </p:txBody>
       </p:sp>
@@ -1587,18 +1779,19 @@
   <p:clrMapOvr>
     <a:masterClrMapping/>
   </p:clrMapOvr>
-  <p:transition xmlns:p14="http://schemas.microsoft.com/office/powerpoint/2010/main" spd="med" advClick="1"/>
+  <p:transition spd="med"/>
 </p:sldLayout>
 </file>
 
 <file path=ppt/slideLayouts/slideLayout7.xml><?xml version="1.0" encoding="utf-8"?>
-<p:sldLayout xmlns:a="http://schemas.openxmlformats.org/drawingml/2006/main" xmlns:r="http://schemas.openxmlformats.org/officeDocument/2006/relationships" xmlns:p="http://schemas.openxmlformats.org/presentationml/2006/main" type="tx" showMasterSp="0" showMasterPhAnim="1">
+<p:sldLayout xmlns:a="http://schemas.openxmlformats.org/drawingml/2006/main" xmlns:r="http://schemas.openxmlformats.org/officeDocument/2006/relationships" xmlns:p="http://schemas.openxmlformats.org/presentationml/2006/main" showMasterSp="0" type="tx">
   <p:cSld name="MAIN_POINT">
     <p:bg>
       <p:bgPr>
         <a:solidFill>
           <a:srgbClr val="26A69A"/>
         </a:solidFill>
+        <a:effectLst/>
       </p:bgPr>
     </p:bg>
     <p:spTree>
@@ -1618,7 +1811,9 @@
       <p:sp>
         <p:nvSpPr>
           <p:cNvPr id="68" name="Title Text"/>
-          <p:cNvSpPr txBox="1"/>
+          <p:cNvSpPr txBox="1">
+            <a:spLocks noGrp="1"/>
+          </p:cNvSpPr>
           <p:nvPr>
             <p:ph type="title"/>
           </p:nvPr>
@@ -1644,7 +1839,6 @@
             </a:lvl1pPr>
           </a:lstStyle>
           <a:p>
-            <a:pPr/>
             <a:r>
               <a:t>Title Text</a:t>
             </a:r>
@@ -1654,7 +1848,9 @@
       <p:sp>
         <p:nvSpPr>
           <p:cNvPr id="69" name="Slide Number"/>
-          <p:cNvSpPr txBox="1"/>
+          <p:cNvSpPr txBox="1">
+            <a:spLocks noGrp="1"/>
+          </p:cNvSpPr>
           <p:nvPr>
             <p:ph type="sldNum" sz="quarter" idx="2"/>
           </p:nvPr>
@@ -1676,8 +1872,10 @@
             </a:lvl1pPr>
           </a:lstStyle>
           <a:p>
-            <a:pPr/>
-            <a:fld id="{86CB4B4D-7CA3-9044-876B-883B54F8677D}" type="slidenum"/>
+            <a:fld id="{86CB4B4D-7CA3-9044-876B-883B54F8677D}" type="slidenum">
+              <a:t>‹#›</a:t>
+            </a:fld>
+            <a:endParaRPr/>
           </a:p>
         </p:txBody>
       </p:sp>
@@ -1686,12 +1884,12 @@
   <p:clrMapOvr>
     <a:masterClrMapping/>
   </p:clrMapOvr>
-  <p:transition xmlns:p14="http://schemas.microsoft.com/office/powerpoint/2010/main" spd="med" advClick="1"/>
+  <p:transition spd="med"/>
 </p:sldLayout>
 </file>
 
 <file path=ppt/slideLayouts/slideLayout8.xml><?xml version="1.0" encoding="utf-8"?>
-<p:sldLayout xmlns:a="http://schemas.openxmlformats.org/drawingml/2006/main" xmlns:r="http://schemas.openxmlformats.org/officeDocument/2006/relationships" xmlns:p="http://schemas.openxmlformats.org/presentationml/2006/main" type="tx" showMasterSp="0" showMasterPhAnim="1">
+<p:sldLayout xmlns:a="http://schemas.openxmlformats.org/drawingml/2006/main" xmlns:r="http://schemas.openxmlformats.org/officeDocument/2006/relationships" xmlns:p="http://schemas.openxmlformats.org/presentationml/2006/main" showMasterSp="0" type="tx">
   <p:cSld name="SECTION_TITLE_AND_DESCRIPTION">
     <p:spTree>
       <p:nvGrpSpPr>
@@ -1732,7 +1930,7 @@
           <a:bodyPr lIns="45719" rIns="45719" anchor="ctr"/>
           <a:lstStyle/>
           <a:p>
-            <a:pPr/>
+            <a:endParaRPr/>
           </a:p>
         </p:txBody>
       </p:sp>
@@ -1760,14 +1958,16 @@
           <a:bodyPr lIns="45719" rIns="45719"/>
           <a:lstStyle/>
           <a:p>
-            <a:pPr/>
+            <a:endParaRPr/>
           </a:p>
         </p:txBody>
       </p:sp>
       <p:sp>
         <p:nvSpPr>
           <p:cNvPr id="78" name="Title Text"/>
-          <p:cNvSpPr txBox="1"/>
+          <p:cNvSpPr txBox="1">
+            <a:spLocks noGrp="1"/>
+          </p:cNvSpPr>
           <p:nvPr>
             <p:ph type="title"/>
           </p:nvPr>
@@ -1793,7 +1993,6 @@
             </a:lvl1pPr>
           </a:lstStyle>
           <a:p>
-            <a:pPr/>
             <a:r>
               <a:t>Title Text</a:t>
             </a:r>
@@ -1803,7 +2002,9 @@
       <p:sp>
         <p:nvSpPr>
           <p:cNvPr id="79" name="Body Level One…"/>
-          <p:cNvSpPr txBox="1"/>
+          <p:cNvSpPr txBox="1">
+            <a:spLocks noGrp="1"/>
+          </p:cNvSpPr>
           <p:nvPr>
             <p:ph type="body" sz="quarter" idx="1"/>
           </p:nvPr>
@@ -1872,7 +2073,6 @@
             </a:lvl5pPr>
           </a:lstStyle>
           <a:p>
-            <a:pPr/>
             <a:r>
               <a:t>Body Level One</a:t>
             </a:r>
@@ -1906,7 +2106,9 @@
       <p:sp>
         <p:nvSpPr>
           <p:cNvPr id="80" name="Google Shape;44;p9"/>
-          <p:cNvSpPr txBox="1"/>
+          <p:cNvSpPr txBox="1">
+            <a:spLocks noGrp="1"/>
+          </p:cNvSpPr>
           <p:nvPr>
             <p:ph type="body" sz="half" idx="13"/>
           </p:nvPr>
@@ -1934,13 +2136,16 @@
                 </a:solidFill>
               </a:defRPr>
             </a:pPr>
+            <a:endParaRPr/>
           </a:p>
         </p:txBody>
       </p:sp>
       <p:sp>
         <p:nvSpPr>
           <p:cNvPr id="81" name="Slide Number"/>
-          <p:cNvSpPr txBox="1"/>
+          <p:cNvSpPr txBox="1">
+            <a:spLocks noGrp="1"/>
+          </p:cNvSpPr>
           <p:nvPr>
             <p:ph type="sldNum" sz="quarter" idx="2"/>
           </p:nvPr>
@@ -1962,8 +2167,10 @@
             </a:lvl1pPr>
           </a:lstStyle>
           <a:p>
-            <a:pPr/>
-            <a:fld id="{86CB4B4D-7CA3-9044-876B-883B54F8677D}" type="slidenum"/>
+            <a:fld id="{86CB4B4D-7CA3-9044-876B-883B54F8677D}" type="slidenum">
+              <a:t>‹#›</a:t>
+            </a:fld>
+            <a:endParaRPr/>
           </a:p>
         </p:txBody>
       </p:sp>
@@ -1972,12 +2179,12 @@
   <p:clrMapOvr>
     <a:masterClrMapping/>
   </p:clrMapOvr>
-  <p:transition xmlns:p14="http://schemas.microsoft.com/office/powerpoint/2010/main" spd="med" advClick="1"/>
+  <p:transition spd="med"/>
 </p:sldLayout>
 </file>
 
 <file path=ppt/slideLayouts/slideLayout9.xml><?xml version="1.0" encoding="utf-8"?>
-<p:sldLayout xmlns:a="http://schemas.openxmlformats.org/drawingml/2006/main" xmlns:r="http://schemas.openxmlformats.org/officeDocument/2006/relationships" xmlns:p="http://schemas.openxmlformats.org/presentationml/2006/main" type="tx" showMasterSp="0" showMasterPhAnim="1">
+<p:sldLayout xmlns:a="http://schemas.openxmlformats.org/drawingml/2006/main" xmlns:r="http://schemas.openxmlformats.org/officeDocument/2006/relationships" xmlns:p="http://schemas.openxmlformats.org/presentationml/2006/main" showMasterSp="0" type="tx">
   <p:cSld name="CAPTION_ONLY">
     <p:spTree>
       <p:nvGrpSpPr>
@@ -1996,7 +2203,9 @@
       <p:sp>
         <p:nvSpPr>
           <p:cNvPr id="88" name="Body Level One…"/>
-          <p:cNvSpPr txBox="1"/>
+          <p:cNvSpPr txBox="1">
+            <a:spLocks noGrp="1"/>
+          </p:cNvSpPr>
           <p:nvPr>
             <p:ph type="body" sz="quarter" idx="1"/>
           </p:nvPr>
@@ -2052,7 +2261,6 @@
             </a:lvl5pPr>
           </a:lstStyle>
           <a:p>
-            <a:pPr/>
             <a:r>
               <a:t>Body Level One</a:t>
             </a:r>
@@ -2086,7 +2294,9 @@
       <p:sp>
         <p:nvSpPr>
           <p:cNvPr id="89" name="Slide Number"/>
-          <p:cNvSpPr txBox="1"/>
+          <p:cNvSpPr txBox="1">
+            <a:spLocks noGrp="1"/>
+          </p:cNvSpPr>
           <p:nvPr>
             <p:ph type="sldNum" sz="quarter" idx="2"/>
           </p:nvPr>
@@ -2100,8 +2310,10 @@
           <a:bodyPr/>
           <a:lstStyle/>
           <a:p>
-            <a:pPr/>
-            <a:fld id="{86CB4B4D-7CA3-9044-876B-883B54F8677D}" type="slidenum"/>
+            <a:fld id="{86CB4B4D-7CA3-9044-876B-883B54F8677D}" type="slidenum">
+              <a:t>‹#›</a:t>
+            </a:fld>
+            <a:endParaRPr/>
           </a:p>
         </p:txBody>
       </p:sp>
@@ -2110,7 +2322,7 @@
   <p:clrMapOvr>
     <a:masterClrMapping/>
   </p:clrMapOvr>
-  <p:transition xmlns:p14="http://schemas.microsoft.com/office/powerpoint/2010/main" spd="med" advClick="1"/>
+  <p:transition spd="med"/>
 </p:sldLayout>
 </file>
 
@@ -2122,6 +2334,7 @@
         <a:solidFill>
           <a:schemeClr val="accent1"/>
         </a:solidFill>
+        <a:effectLst/>
       </p:bgPr>
     </p:bg>
     <p:spTree>
@@ -2163,14 +2376,16 @@
           <a:bodyPr lIns="45719" rIns="45719" anchor="ctr"/>
           <a:lstStyle/>
           <a:p>
-            <a:pPr/>
+            <a:endParaRPr/>
           </a:p>
         </p:txBody>
       </p:sp>
       <p:sp>
         <p:nvSpPr>
           <p:cNvPr id="3" name="Title Text"/>
-          <p:cNvSpPr txBox="1"/>
+          <p:cNvSpPr txBox="1">
+            <a:spLocks noGrp="1"/>
+          </p:cNvSpPr>
           <p:nvPr>
             <p:ph type="title"/>
           </p:nvPr>
@@ -2188,17 +2403,16 @@
           </a:ln>
           <a:extLst>
             <a:ext uri="{C572A759-6A51-4108-AA02-DFA0A04FC94B}">
-              <ma14:wrappingTextBoxFlag xmlns:ma14="http://schemas.microsoft.com/office/mac/drawingml/2011/main" val="1"/>
+              <ma14:wrappingTextBoxFlag xmlns:ma14="http://schemas.microsoft.com/office/mac/drawingml/2011/main" xmlns="" val="1"/>
             </a:ext>
           </a:extLst>
         </p:spPr>
         <p:txBody>
           <a:bodyPr lIns="91424" tIns="91424" rIns="91424" bIns="91424">
-            <a:normAutofit fontScale="100000" lnSpcReduction="0"/>
+            <a:normAutofit/>
           </a:bodyPr>
           <a:lstStyle/>
           <a:p>
-            <a:pPr/>
             <a:r>
               <a:t>Title Text</a:t>
             </a:r>
@@ -2208,7 +2422,9 @@
       <p:sp>
         <p:nvSpPr>
           <p:cNvPr id="4" name="Body Level One…"/>
-          <p:cNvSpPr txBox="1"/>
+          <p:cNvSpPr txBox="1">
+            <a:spLocks noGrp="1"/>
+          </p:cNvSpPr>
           <p:nvPr>
             <p:ph type="body" idx="1"/>
           </p:nvPr>
@@ -2226,17 +2442,16 @@
           </a:ln>
           <a:extLst>
             <a:ext uri="{C572A759-6A51-4108-AA02-DFA0A04FC94B}">
-              <ma14:wrappingTextBoxFlag xmlns:ma14="http://schemas.microsoft.com/office/mac/drawingml/2011/main" val="1"/>
+              <ma14:wrappingTextBoxFlag xmlns:ma14="http://schemas.microsoft.com/office/mac/drawingml/2011/main" xmlns="" val="1"/>
             </a:ext>
           </a:extLst>
         </p:spPr>
         <p:txBody>
           <a:bodyPr lIns="91424" tIns="91424" rIns="91424" bIns="91424">
-            <a:normAutofit fontScale="100000" lnSpcReduction="0"/>
+            <a:normAutofit/>
           </a:bodyPr>
           <a:lstStyle/>
           <a:p>
-            <a:pPr/>
             <a:r>
               <a:t>Body Level One</a:t>
             </a:r>
@@ -2270,7 +2485,9 @@
       <p:sp>
         <p:nvSpPr>
           <p:cNvPr id="5" name="Slide Number"/>
-          <p:cNvSpPr txBox="1"/>
+          <p:cNvSpPr txBox="1">
+            <a:spLocks noGrp="1"/>
+          </p:cNvSpPr>
           <p:nvPr>
             <p:ph type="sldNum" sz="quarter" idx="2"/>
           </p:nvPr>
@@ -2302,8 +2519,10 @@
             </a:lvl1pPr>
           </a:lstStyle>
           <a:p>
-            <a:pPr/>
-            <a:fld id="{86CB4B4D-7CA3-9044-876B-883B54F8677D}" type="slidenum"/>
+            <a:fld id="{86CB4B4D-7CA3-9044-876B-883B54F8677D}" type="slidenum">
+              <a:t>‹#›</a:t>
+            </a:fld>
+            <a:endParaRPr/>
           </a:p>
         </p:txBody>
       </p:sp>
@@ -2311,19 +2530,19 @@
   </p:cSld>
   <p:clrMap bg1="lt1" tx1="dk1" bg2="lt2" tx2="dk2" accent1="accent1" accent2="accent2" accent3="accent3" accent4="accent4" accent5="accent5" accent6="accent6" hlink="hlink" folHlink="folHlink"/>
   <p:sldLayoutIdLst>
-    <p:sldLayoutId id="2147483649" r:id="rId2"/>
-    <p:sldLayoutId id="2147483650" r:id="rId3"/>
-    <p:sldLayoutId id="2147483651" r:id="rId4"/>
-    <p:sldLayoutId id="2147483652" r:id="rId5"/>
-    <p:sldLayoutId id="2147483653" r:id="rId6"/>
-    <p:sldLayoutId id="2147483654" r:id="rId7"/>
-    <p:sldLayoutId id="2147483655" r:id="rId8"/>
-    <p:sldLayoutId id="2147483656" r:id="rId9"/>
-    <p:sldLayoutId id="2147483657" r:id="rId10"/>
-    <p:sldLayoutId id="2147483658" r:id="rId11"/>
-    <p:sldLayoutId id="2147483659" r:id="rId12"/>
+    <p:sldLayoutId id="2147483649" r:id="rId1"/>
+    <p:sldLayoutId id="2147483650" r:id="rId2"/>
+    <p:sldLayoutId id="2147483651" r:id="rId3"/>
+    <p:sldLayoutId id="2147483652" r:id="rId4"/>
+    <p:sldLayoutId id="2147483653" r:id="rId5"/>
+    <p:sldLayoutId id="2147483654" r:id="rId6"/>
+    <p:sldLayoutId id="2147483655" r:id="rId7"/>
+    <p:sldLayoutId id="2147483656" r:id="rId8"/>
+    <p:sldLayoutId id="2147483657" r:id="rId9"/>
+    <p:sldLayoutId id="2147483658" r:id="rId10"/>
+    <p:sldLayoutId id="2147483659" r:id="rId11"/>
   </p:sldLayoutIdLst>
-  <p:transition xmlns:p14="http://schemas.microsoft.com/office/powerpoint/2010/main" spd="med" advClick="1"/>
+  <p:transition spd="med"/>
   <p:txStyles>
     <p:titleStyle>
       <a:lvl1pPr marL="0" marR="0" indent="0" algn="l" defTabSz="914400" rtl="0" latinLnBrk="0">
@@ -2341,7 +2560,7 @@
         <a:buFontTx/>
         <a:buNone/>
         <a:tabLst/>
-        <a:defRPr b="0" baseline="0" cap="none" i="0" spc="0" strike="noStrike" sz="3000" u="none">
+        <a:defRPr sz="3000" b="0" i="0" u="none" strike="noStrike" cap="none" spc="0" baseline="0">
           <a:ln>
             <a:noFill/>
           </a:ln>
@@ -2370,7 +2589,7 @@
         <a:buFontTx/>
         <a:buNone/>
         <a:tabLst/>
-        <a:defRPr b="0" baseline="0" cap="none" i="0" spc="0" strike="noStrike" sz="3000" u="none">
+        <a:defRPr sz="3000" b="0" i="0" u="none" strike="noStrike" cap="none" spc="0" baseline="0">
           <a:ln>
             <a:noFill/>
           </a:ln>
@@ -2399,7 +2618,7 @@
         <a:buFontTx/>
         <a:buNone/>
         <a:tabLst/>
-        <a:defRPr b="0" baseline="0" cap="none" i="0" spc="0" strike="noStrike" sz="3000" u="none">
+        <a:defRPr sz="3000" b="0" i="0" u="none" strike="noStrike" cap="none" spc="0" baseline="0">
           <a:ln>
             <a:noFill/>
           </a:ln>
@@ -2428,7 +2647,7 @@
         <a:buFontTx/>
         <a:buNone/>
         <a:tabLst/>
-        <a:defRPr b="0" baseline="0" cap="none" i="0" spc="0" strike="noStrike" sz="3000" u="none">
+        <a:defRPr sz="3000" b="0" i="0" u="none" strike="noStrike" cap="none" spc="0" baseline="0">
           <a:ln>
             <a:noFill/>
           </a:ln>
@@ -2457,7 +2676,7 @@
         <a:buFontTx/>
         <a:buNone/>
         <a:tabLst/>
-        <a:defRPr b="0" baseline="0" cap="none" i="0" spc="0" strike="noStrike" sz="3000" u="none">
+        <a:defRPr sz="3000" b="0" i="0" u="none" strike="noStrike" cap="none" spc="0" baseline="0">
           <a:ln>
             <a:noFill/>
           </a:ln>
@@ -2486,7 +2705,7 @@
         <a:buFontTx/>
         <a:buNone/>
         <a:tabLst/>
-        <a:defRPr b="0" baseline="0" cap="none" i="0" spc="0" strike="noStrike" sz="3000" u="none">
+        <a:defRPr sz="3000" b="0" i="0" u="none" strike="noStrike" cap="none" spc="0" baseline="0">
           <a:ln>
             <a:noFill/>
           </a:ln>
@@ -2515,7 +2734,7 @@
         <a:buFontTx/>
         <a:buNone/>
         <a:tabLst/>
-        <a:defRPr b="0" baseline="0" cap="none" i="0" spc="0" strike="noStrike" sz="3000" u="none">
+        <a:defRPr sz="3000" b="0" i="0" u="none" strike="noStrike" cap="none" spc="0" baseline="0">
           <a:ln>
             <a:noFill/>
           </a:ln>
@@ -2544,7 +2763,7 @@
         <a:buFontTx/>
         <a:buNone/>
         <a:tabLst/>
-        <a:defRPr b="0" baseline="0" cap="none" i="0" spc="0" strike="noStrike" sz="3000" u="none">
+        <a:defRPr sz="3000" b="0" i="0" u="none" strike="noStrike" cap="none" spc="0" baseline="0">
           <a:ln>
             <a:noFill/>
           </a:ln>
@@ -2573,7 +2792,7 @@
         <a:buFontTx/>
         <a:buNone/>
         <a:tabLst/>
-        <a:defRPr b="0" baseline="0" cap="none" i="0" spc="0" strike="noStrike" sz="3000" u="none">
+        <a:defRPr sz="3000" b="0" i="0" u="none" strike="noStrike" cap="none" spc="0" baseline="0">
           <a:ln>
             <a:noFill/>
           </a:ln>
@@ -2606,7 +2825,7 @@
         <a:buFont typeface="Helvetica"/>
         <a:buChar char="●"/>
         <a:tabLst/>
-        <a:defRPr b="0" baseline="0" cap="none" i="0" spc="0" strike="noStrike" sz="1800" u="none">
+        <a:defRPr sz="1800" b="0" i="0" u="none" strike="noStrike" cap="none" spc="0" baseline="0">
           <a:ln>
             <a:noFill/>
           </a:ln>
@@ -2637,7 +2856,7 @@
         <a:buFont typeface="Helvetica"/>
         <a:buChar char="○"/>
         <a:tabLst/>
-        <a:defRPr b="0" baseline="0" cap="none" i="0" spc="0" strike="noStrike" sz="1800" u="none">
+        <a:defRPr sz="1800" b="0" i="0" u="none" strike="noStrike" cap="none" spc="0" baseline="0">
           <a:ln>
             <a:noFill/>
           </a:ln>
@@ -2668,7 +2887,7 @@
         <a:buFont typeface="Helvetica"/>
         <a:buChar char="■"/>
         <a:tabLst/>
-        <a:defRPr b="0" baseline="0" cap="none" i="0" spc="0" strike="noStrike" sz="1800" u="none">
+        <a:defRPr sz="1800" b="0" i="0" u="none" strike="noStrike" cap="none" spc="0" baseline="0">
           <a:ln>
             <a:noFill/>
           </a:ln>
@@ -2699,7 +2918,7 @@
         <a:buFont typeface="Helvetica"/>
         <a:buChar char="●"/>
         <a:tabLst/>
-        <a:defRPr b="0" baseline="0" cap="none" i="0" spc="0" strike="noStrike" sz="1800" u="none">
+        <a:defRPr sz="1800" b="0" i="0" u="none" strike="noStrike" cap="none" spc="0" baseline="0">
           <a:ln>
             <a:noFill/>
           </a:ln>
@@ -2730,7 +2949,7 @@
         <a:buFont typeface="Helvetica"/>
         <a:buChar char="○"/>
         <a:tabLst/>
-        <a:defRPr b="0" baseline="0" cap="none" i="0" spc="0" strike="noStrike" sz="1800" u="none">
+        <a:defRPr sz="1800" b="0" i="0" u="none" strike="noStrike" cap="none" spc="0" baseline="0">
           <a:ln>
             <a:noFill/>
           </a:ln>
@@ -2761,7 +2980,7 @@
         <a:buFont typeface="Helvetica"/>
         <a:buChar char="■"/>
         <a:tabLst/>
-        <a:defRPr b="0" baseline="0" cap="none" i="0" spc="0" strike="noStrike" sz="1800" u="none">
+        <a:defRPr sz="1800" b="0" i="0" u="none" strike="noStrike" cap="none" spc="0" baseline="0">
           <a:ln>
             <a:noFill/>
           </a:ln>
@@ -2792,7 +3011,7 @@
         <a:buFont typeface="Helvetica"/>
         <a:buChar char="●"/>
         <a:tabLst/>
-        <a:defRPr b="0" baseline="0" cap="none" i="0" spc="0" strike="noStrike" sz="1800" u="none">
+        <a:defRPr sz="1800" b="0" i="0" u="none" strike="noStrike" cap="none" spc="0" baseline="0">
           <a:ln>
             <a:noFill/>
           </a:ln>
@@ -2823,7 +3042,7 @@
         <a:buFont typeface="Helvetica"/>
         <a:buChar char="○"/>
         <a:tabLst/>
-        <a:defRPr b="0" baseline="0" cap="none" i="0" spc="0" strike="noStrike" sz="1800" u="none">
+        <a:defRPr sz="1800" b="0" i="0" u="none" strike="noStrike" cap="none" spc="0" baseline="0">
           <a:ln>
             <a:noFill/>
           </a:ln>
@@ -2854,7 +3073,7 @@
         <a:buFont typeface="Helvetica"/>
         <a:buChar char="■"/>
         <a:tabLst/>
-        <a:defRPr b="0" baseline="0" cap="none" i="0" spc="0" strike="noStrike" sz="1800" u="none">
+        <a:defRPr sz="1800" b="0" i="0" u="none" strike="noStrike" cap="none" spc="0" baseline="0">
           <a:ln>
             <a:noFill/>
           </a:ln>
@@ -2885,7 +3104,7 @@
         <a:buFontTx/>
         <a:buNone/>
         <a:tabLst/>
-        <a:defRPr b="0" baseline="0" cap="none" i="0" spc="0" strike="noStrike" sz="1000" u="none">
+        <a:defRPr sz="1000" b="0" i="0" u="none" strike="noStrike" cap="none" spc="0" baseline="0">
           <a:ln>
             <a:noFill/>
           </a:ln>
@@ -2914,7 +3133,7 @@
         <a:buFontTx/>
         <a:buNone/>
         <a:tabLst/>
-        <a:defRPr b="0" baseline="0" cap="none" i="0" spc="0" strike="noStrike" sz="1000" u="none">
+        <a:defRPr sz="1000" b="0" i="0" u="none" strike="noStrike" cap="none" spc="0" baseline="0">
           <a:ln>
             <a:noFill/>
           </a:ln>
@@ -2943,7 +3162,7 @@
         <a:buFontTx/>
         <a:buNone/>
         <a:tabLst/>
-        <a:defRPr b="0" baseline="0" cap="none" i="0" spc="0" strike="noStrike" sz="1000" u="none">
+        <a:defRPr sz="1000" b="0" i="0" u="none" strike="noStrike" cap="none" spc="0" baseline="0">
           <a:ln>
             <a:noFill/>
           </a:ln>
@@ -2972,7 +3191,7 @@
         <a:buFontTx/>
         <a:buNone/>
         <a:tabLst/>
-        <a:defRPr b="0" baseline="0" cap="none" i="0" spc="0" strike="noStrike" sz="1000" u="none">
+        <a:defRPr sz="1000" b="0" i="0" u="none" strike="noStrike" cap="none" spc="0" baseline="0">
           <a:ln>
             <a:noFill/>
           </a:ln>
@@ -3001,7 +3220,7 @@
         <a:buFontTx/>
         <a:buNone/>
         <a:tabLst/>
-        <a:defRPr b="0" baseline="0" cap="none" i="0" spc="0" strike="noStrike" sz="1000" u="none">
+        <a:defRPr sz="1000" b="0" i="0" u="none" strike="noStrike" cap="none" spc="0" baseline="0">
           <a:ln>
             <a:noFill/>
           </a:ln>
@@ -3030,7 +3249,7 @@
         <a:buFontTx/>
         <a:buNone/>
         <a:tabLst/>
-        <a:defRPr b="0" baseline="0" cap="none" i="0" spc="0" strike="noStrike" sz="1000" u="none">
+        <a:defRPr sz="1000" b="0" i="0" u="none" strike="noStrike" cap="none" spc="0" baseline="0">
           <a:ln>
             <a:noFill/>
           </a:ln>
@@ -3059,7 +3278,7 @@
         <a:buFontTx/>
         <a:buNone/>
         <a:tabLst/>
-        <a:defRPr b="0" baseline="0" cap="none" i="0" spc="0" strike="noStrike" sz="1000" u="none">
+        <a:defRPr sz="1000" b="0" i="0" u="none" strike="noStrike" cap="none" spc="0" baseline="0">
           <a:ln>
             <a:noFill/>
           </a:ln>
@@ -3088,7 +3307,7 @@
         <a:buFontTx/>
         <a:buNone/>
         <a:tabLst/>
-        <a:defRPr b="0" baseline="0" cap="none" i="0" spc="0" strike="noStrike" sz="1000" u="none">
+        <a:defRPr sz="1000" b="0" i="0" u="none" strike="noStrike" cap="none" spc="0" baseline="0">
           <a:ln>
             <a:noFill/>
           </a:ln>
@@ -3117,7 +3336,7 @@
         <a:buFontTx/>
         <a:buNone/>
         <a:tabLst/>
-        <a:defRPr b="0" baseline="0" cap="none" i="0" spc="0" strike="noStrike" sz="1000" u="none">
+        <a:defRPr sz="1000" b="0" i="0" u="none" strike="noStrike" cap="none" spc="0" baseline="0">
           <a:ln>
             <a:noFill/>
           </a:ln>
@@ -3137,7 +3356,7 @@
 </file>
 
 <file path=ppt/slides/slide1.xml><?xml version="1.0" encoding="utf-8"?>
-<p:sld xmlns:a="http://schemas.openxmlformats.org/drawingml/2006/main" xmlns:r="http://schemas.openxmlformats.org/officeDocument/2006/relationships" xmlns:p="http://schemas.openxmlformats.org/presentationml/2006/main" showMasterSp="1" showMasterPhAnim="1">
+<p:sld xmlns:a="http://schemas.openxmlformats.org/drawingml/2006/main" xmlns:r="http://schemas.openxmlformats.org/officeDocument/2006/relationships" xmlns:p="http://schemas.openxmlformats.org/presentationml/2006/main">
   <p:cSld>
     <p:spTree>
       <p:nvGrpSpPr>
@@ -3156,7 +3375,9 @@
       <p:sp>
         <p:nvSpPr>
           <p:cNvPr id="114" name="Google Shape;59;p13"/>
-          <p:cNvSpPr txBox="1"/>
+          <p:cNvSpPr txBox="1">
+            <a:spLocks noGrp="1"/>
+          </p:cNvSpPr>
           <p:nvPr>
             <p:ph type="ctrTitle"/>
           </p:nvPr>
@@ -3178,7 +3399,6 @@
             </a:lvl1pPr>
           </a:lstStyle>
           <a:p>
-            <a:pPr/>
             <a:r>
               <a:t>Blendenpik: Supercharging LAPACK'S Least-Squares Solver</a:t>
             </a:r>
@@ -3188,7 +3408,9 @@
       <p:sp>
         <p:nvSpPr>
           <p:cNvPr id="115" name="Google Shape;60;p13"/>
-          <p:cNvSpPr txBox="1"/>
+          <p:cNvSpPr txBox="1">
+            <a:spLocks noGrp="1"/>
+          </p:cNvSpPr>
           <p:nvPr>
             <p:ph type="subTitle" sz="quarter" idx="1"/>
           </p:nvPr>
@@ -3208,7 +3430,6 @@
             <a:lvl1pPr marL="0" indent="0"/>
           </a:lstStyle>
           <a:p>
-            <a:pPr/>
             <a:r>
               <a:t>Brandon, Jacob, Adam</a:t>
             </a:r>
@@ -3220,12 +3441,12 @@
   <p:clrMapOvr>
     <a:masterClrMapping/>
   </p:clrMapOvr>
-  <p:transition xmlns:p14="http://schemas.microsoft.com/office/powerpoint/2010/main" spd="med" advClick="1"/>
+  <p:transition spd="med"/>
 </p:sld>
 </file>
 
 <file path=ppt/slides/slide10.xml><?xml version="1.0" encoding="utf-8"?>
-<p:sld xmlns:a="http://schemas.openxmlformats.org/drawingml/2006/main" xmlns:r="http://schemas.openxmlformats.org/officeDocument/2006/relationships" xmlns:p="http://schemas.openxmlformats.org/presentationml/2006/main" showMasterSp="1" showMasterPhAnim="1">
+<p:sld xmlns:a="http://schemas.openxmlformats.org/drawingml/2006/main" xmlns:r="http://schemas.openxmlformats.org/officeDocument/2006/relationships" xmlns:p="http://schemas.openxmlformats.org/presentationml/2006/main">
   <p:cSld>
     <p:spTree>
       <p:nvGrpSpPr>
@@ -3244,7 +3465,9 @@
       <p:sp>
         <p:nvSpPr>
           <p:cNvPr id="141" name="Google Shape;101;p20"/>
-          <p:cNvSpPr txBox="1"/>
+          <p:cNvSpPr txBox="1">
+            <a:spLocks noGrp="1"/>
+          </p:cNvSpPr>
           <p:nvPr>
             <p:ph type="title"/>
           </p:nvPr>
@@ -3266,7 +3489,6 @@
             </a:lvl1pPr>
           </a:lstStyle>
           <a:p>
-            <a:pPr/>
             <a:r>
               <a:t>Row Sampling and QR Factorization</a:t>
             </a:r>
@@ -3276,7 +3498,1526 @@
       <p:sp>
         <p:nvSpPr>
           <p:cNvPr id="142" name="Google Shape;102;p20"/>
-          <p:cNvSpPr txBox="1"/>
+          <p:cNvSpPr txBox="1">
+            <a:spLocks noGrp="1"/>
+          </p:cNvSpPr>
+          <p:nvPr>
+            <p:ph type="body" idx="1"/>
+          </p:nvPr>
+        </p:nvSpPr>
+        <p:spPr>
+          <a:xfrm>
+            <a:off x="311699" y="1171599"/>
+            <a:ext cx="8520602" cy="3397201"/>
+          </a:xfrm>
+          <a:prstGeom prst="rect">
+            <a:avLst/>
+          </a:prstGeom>
+          <a:blipFill>
+            <a:blip r:embed="rId3"/>
+            <a:stretch>
+              <a:fillRect/>
+            </a:stretch>
+          </a:blipFill>
+        </p:spPr>
+        <p:txBody>
+          <a:bodyPr/>
+          <a:lstStyle/>
+          <a:p>
+            <a:r>
+              <a:t> </a:t>
+            </a:r>
+          </a:p>
+        </p:txBody>
+      </p:sp>
+    </p:spTree>
+  </p:cSld>
+  <p:clrMapOvr>
+    <a:masterClrMapping/>
+  </p:clrMapOvr>
+  <p:transition spd="med"/>
+</p:sld>
+</file>
+
+<file path=ppt/slides/slide11.xml><?xml version="1.0" encoding="utf-8"?>
+<p:sld xmlns:a="http://schemas.openxmlformats.org/drawingml/2006/main" xmlns:r="http://schemas.openxmlformats.org/officeDocument/2006/relationships" xmlns:p="http://schemas.openxmlformats.org/presentationml/2006/main">
+  <p:cSld>
+    <p:spTree>
+      <p:nvGrpSpPr>
+        <p:cNvPr id="1" name=""/>
+        <p:cNvGrpSpPr/>
+        <p:nvPr/>
+      </p:nvGrpSpPr>
+      <p:grpSpPr>
+        <a:xfrm>
+          <a:off x="0" y="0"/>
+          <a:ext cx="0" cy="0"/>
+          <a:chOff x="0" y="0"/>
+          <a:chExt cx="0" cy="0"/>
+        </a:xfrm>
+      </p:grpSpPr>
+      <p:sp>
+        <p:nvSpPr>
+          <p:cNvPr id="147" name="Google Shape;113;p22"/>
+          <p:cNvSpPr txBox="1">
+            <a:spLocks noGrp="1"/>
+          </p:cNvSpPr>
+          <p:nvPr>
+            <p:ph type="title"/>
+          </p:nvPr>
+        </p:nvSpPr>
+        <p:spPr>
+          <a:xfrm>
+            <a:off x="311699" y="445025"/>
+            <a:ext cx="8520602" cy="613201"/>
+          </a:xfrm>
+          <a:prstGeom prst="rect">
+            <a:avLst/>
+          </a:prstGeom>
+        </p:spPr>
+        <p:txBody>
+          <a:bodyPr/>
+          <a:lstStyle>
+            <a:lvl1pPr defTabSz="850391">
+              <a:defRPr sz="2790"/>
+            </a:lvl1pPr>
+          </a:lstStyle>
+          <a:p>
+            <a:r>
+              <a:t>The Cost</a:t>
+            </a:r>
+          </a:p>
+        </p:txBody>
+      </p:sp>
+      <p:sp>
+        <p:nvSpPr>
+          <p:cNvPr id="148" name="Google Shape;114;p22"/>
+          <p:cNvSpPr txBox="1">
+            <a:spLocks noGrp="1"/>
+          </p:cNvSpPr>
+          <p:nvPr>
+            <p:ph type="body" idx="1"/>
+          </p:nvPr>
+        </p:nvSpPr>
+        <p:spPr>
+          <a:xfrm>
+            <a:off x="311699" y="1171599"/>
+            <a:ext cx="8520602" cy="3397201"/>
+          </a:xfrm>
+          <a:prstGeom prst="rect">
+            <a:avLst/>
+          </a:prstGeom>
+        </p:spPr>
+        <p:txBody>
+          <a:bodyPr/>
+          <a:lstStyle/>
+          <a:p>
+            <a:r>
+              <a:t>Row Mixing</a:t>
+            </a:r>
+          </a:p>
+          <a:p>
+            <a:pPr marL="914400" lvl="1" indent="-317500">
+              <a:buSzPts val="1400"/>
+              <a:defRPr sz="1400"/>
+            </a:pPr>
+            <a:r>
+              <a:t>Θ(mn log m)</a:t>
+            </a:r>
+          </a:p>
+          <a:p>
+            <a:r>
+              <a:t>Row Sampling and QR Factorization</a:t>
+            </a:r>
+          </a:p>
+          <a:p>
+            <a:pPr marL="914400" lvl="1" indent="-317500">
+              <a:buSzPts val="1400"/>
+              <a:defRPr sz="1400"/>
+            </a:pPr>
+            <a:r>
+              <a:t>Θ(n</a:t>
+            </a:r>
+            <a:r>
+              <a:rPr baseline="30000"/>
+              <a:t>3</a:t>
+            </a:r>
+            <a:r>
+              <a:t>)</a:t>
+            </a:r>
+          </a:p>
+          <a:p>
+            <a:r>
+              <a:t>Iterative Solution</a:t>
+            </a:r>
+          </a:p>
+          <a:p>
+            <a:pPr marL="914400" lvl="1" indent="-317500">
+              <a:buSzPts val="1400"/>
+              <a:defRPr sz="1400"/>
+            </a:pPr>
+            <a:r>
+              <a:t>Most costly phase of algorithm</a:t>
+            </a:r>
+          </a:p>
+          <a:p>
+            <a:pPr marL="914400" lvl="1" indent="-317500">
+              <a:buSzPts val="1400"/>
+              <a:defRPr sz="1400"/>
+            </a:pPr>
+            <a:r>
+              <a:t>Each iteration is Θ(mn)</a:t>
+            </a:r>
+          </a:p>
+          <a:p>
+            <a:pPr marL="914400" lvl="1" indent="-317500">
+              <a:buSzPts val="1400"/>
+              <a:defRPr sz="1400"/>
+            </a:pPr>
+            <a:r>
+              <a:t>Number of iterations grows slowly</a:t>
+            </a:r>
+          </a:p>
+        </p:txBody>
+      </p:sp>
+      <p:pic>
+        <p:nvPicPr>
+          <p:cNvPr id="3" name="Picture 2" descr="A close up of a map&#10;&#10;Description automatically generated">
+            <a:extLst>
+              <a:ext uri="{FF2B5EF4-FFF2-40B4-BE49-F238E27FC236}">
+                <a16:creationId xmlns:a16="http://schemas.microsoft.com/office/drawing/2014/main" id="{F8F9DF61-0E56-40E1-943A-6650C2EFF633}"/>
+              </a:ext>
+            </a:extLst>
+          </p:cNvPr>
+          <p:cNvPicPr>
+            <a:picLocks noChangeAspect="1"/>
+          </p:cNvPicPr>
+          <p:nvPr/>
+        </p:nvPicPr>
+        <p:blipFill>
+          <a:blip r:embed="rId2">
+            <a:extLst>
+              <a:ext uri="{28A0092B-C50C-407E-A947-70E740481C1C}">
+                <a14:useLocalDpi xmlns:a14="http://schemas.microsoft.com/office/drawing/2010/main" val="0"/>
+              </a:ext>
+            </a:extLst>
+          </a:blip>
+          <a:stretch>
+            <a:fillRect/>
+          </a:stretch>
+        </p:blipFill>
+        <p:spPr>
+          <a:xfrm>
+            <a:off x="5088249" y="0"/>
+            <a:ext cx="3022081" cy="5029200"/>
+          </a:xfrm>
+          <a:prstGeom prst="rect">
+            <a:avLst/>
+          </a:prstGeom>
+        </p:spPr>
+      </p:pic>
+    </p:spTree>
+  </p:cSld>
+  <p:clrMapOvr>
+    <a:masterClrMapping/>
+  </p:clrMapOvr>
+  <p:transition spd="med"/>
+</p:sld>
+</file>
+
+<file path=ppt/slides/slide12.xml><?xml version="1.0" encoding="utf-8"?>
+<p:sld xmlns:a="http://schemas.openxmlformats.org/drawingml/2006/main" xmlns:r="http://schemas.openxmlformats.org/officeDocument/2006/relationships" xmlns:p="http://schemas.openxmlformats.org/presentationml/2006/main">
+  <p:cSld>
+    <p:spTree>
+      <p:nvGrpSpPr>
+        <p:cNvPr id="1" name=""/>
+        <p:cNvGrpSpPr/>
+        <p:nvPr/>
+      </p:nvGrpSpPr>
+      <p:grpSpPr>
+        <a:xfrm>
+          <a:off x="0" y="0"/>
+          <a:ext cx="0" cy="0"/>
+          <a:chOff x="0" y="0"/>
+          <a:chExt cx="0" cy="0"/>
+        </a:xfrm>
+      </p:grpSpPr>
+      <p:sp>
+        <p:nvSpPr>
+          <p:cNvPr id="144" name="Google Shape;107;p21"/>
+          <p:cNvSpPr txBox="1">
+            <a:spLocks noGrp="1"/>
+          </p:cNvSpPr>
+          <p:nvPr>
+            <p:ph type="title"/>
+          </p:nvPr>
+        </p:nvSpPr>
+        <p:spPr>
+          <a:xfrm>
+            <a:off x="311699" y="445025"/>
+            <a:ext cx="8520602" cy="613201"/>
+          </a:xfrm>
+          <a:prstGeom prst="rect">
+            <a:avLst/>
+          </a:prstGeom>
+        </p:spPr>
+        <p:txBody>
+          <a:bodyPr/>
+          <a:lstStyle>
+            <a:lvl1pPr defTabSz="850391">
+              <a:defRPr sz="2790"/>
+            </a:lvl1pPr>
+          </a:lstStyle>
+          <a:p>
+            <a:r>
+              <a:t>Iterative Solution</a:t>
+            </a:r>
+          </a:p>
+        </p:txBody>
+      </p:sp>
+      <p:sp>
+        <p:nvSpPr>
+          <p:cNvPr id="145" name="Google Shape;108;p21"/>
+          <p:cNvSpPr txBox="1">
+            <a:spLocks noGrp="1"/>
+          </p:cNvSpPr>
+          <p:nvPr>
+            <p:ph type="body" idx="1"/>
+          </p:nvPr>
+        </p:nvSpPr>
+        <p:spPr>
+          <a:xfrm>
+            <a:off x="311699" y="1171599"/>
+            <a:ext cx="8520602" cy="3397201"/>
+          </a:xfrm>
+          <a:prstGeom prst="rect">
+            <a:avLst/>
+          </a:prstGeom>
+        </p:spPr>
+        <p:txBody>
+          <a:bodyPr/>
+          <a:lstStyle/>
+          <a:p>
+            <a:r>
+              <a:t>LSQR is used on the sampled rows to approximate the solution</a:t>
+            </a:r>
+          </a:p>
+          <a:p>
+            <a:r>
+              <a:t>This algorithm is about as stable as a QR-based solver</a:t>
+            </a:r>
+          </a:p>
+          <a:p>
+            <a:r>
+              <a:t>Most of the running time is spent on multiplying vectors by A and A</a:t>
+            </a:r>
+            <a:r>
+              <a:rPr baseline="30000"/>
+              <a:t>T</a:t>
+            </a:r>
+          </a:p>
+        </p:txBody>
+      </p:sp>
+      <p:pic>
+        <p:nvPicPr>
+          <p:cNvPr id="3" name="Picture 2" descr="A close up of a map&#10;&#10;Description automatically generated">
+            <a:extLst>
+              <a:ext uri="{FF2B5EF4-FFF2-40B4-BE49-F238E27FC236}">
+                <a16:creationId xmlns:a16="http://schemas.microsoft.com/office/drawing/2014/main" id="{60C00DB5-3CF0-413F-8CCD-8051772C5E5D}"/>
+              </a:ext>
+            </a:extLst>
+          </p:cNvPr>
+          <p:cNvPicPr>
+            <a:picLocks noChangeAspect="1"/>
+          </p:cNvPicPr>
+          <p:nvPr/>
+        </p:nvPicPr>
+        <p:blipFill>
+          <a:blip r:embed="rId2">
+            <a:extLst>
+              <a:ext uri="{28A0092B-C50C-407E-A947-70E740481C1C}">
+                <a14:useLocalDpi xmlns:a14="http://schemas.microsoft.com/office/drawing/2010/main" val="0"/>
+              </a:ext>
+            </a:extLst>
+          </a:blip>
+          <a:stretch>
+            <a:fillRect/>
+          </a:stretch>
+        </p:blipFill>
+        <p:spPr>
+          <a:xfrm>
+            <a:off x="1401417" y="2272478"/>
+            <a:ext cx="6341165" cy="2425997"/>
+          </a:xfrm>
+          <a:prstGeom prst="rect">
+            <a:avLst/>
+          </a:prstGeom>
+        </p:spPr>
+      </p:pic>
+    </p:spTree>
+  </p:cSld>
+  <p:clrMapOvr>
+    <a:masterClrMapping/>
+  </p:clrMapOvr>
+  <p:transition spd="med"/>
+</p:sld>
+</file>
+
+<file path=ppt/slides/slide13.xml><?xml version="1.0" encoding="utf-8"?>
+<p:sld xmlns:a="http://schemas.openxmlformats.org/drawingml/2006/main" xmlns:r="http://schemas.openxmlformats.org/officeDocument/2006/relationships" xmlns:p="http://schemas.openxmlformats.org/presentationml/2006/main">
+  <p:cSld>
+    <p:spTree>
+      <p:nvGrpSpPr>
+        <p:cNvPr id="1" name=""/>
+        <p:cNvGrpSpPr/>
+        <p:nvPr/>
+      </p:nvGrpSpPr>
+      <p:grpSpPr>
+        <a:xfrm>
+          <a:off x="0" y="0"/>
+          <a:ext cx="0" cy="0"/>
+          <a:chOff x="0" y="0"/>
+          <a:chExt cx="0" cy="0"/>
+        </a:xfrm>
+      </p:grpSpPr>
+      <p:sp>
+        <p:nvSpPr>
+          <p:cNvPr id="153" name="Google Shape;125;p24"/>
+          <p:cNvSpPr txBox="1">
+            <a:spLocks noGrp="1"/>
+          </p:cNvSpPr>
+          <p:nvPr>
+            <p:ph type="title"/>
+          </p:nvPr>
+        </p:nvSpPr>
+        <p:spPr>
+          <a:xfrm>
+            <a:off x="311699" y="445025"/>
+            <a:ext cx="8520602" cy="613201"/>
+          </a:xfrm>
+          <a:prstGeom prst="rect">
+            <a:avLst/>
+          </a:prstGeom>
+        </p:spPr>
+        <p:txBody>
+          <a:bodyPr/>
+          <a:lstStyle>
+            <a:lvl1pPr defTabSz="850391">
+              <a:defRPr sz="2790"/>
+            </a:lvl1pPr>
+          </a:lstStyle>
+          <a:p>
+            <a:r>
+              <a:t>Different Unitary Transformations</a:t>
+            </a:r>
+          </a:p>
+        </p:txBody>
+      </p:sp>
+      <p:sp>
+        <p:nvSpPr>
+          <p:cNvPr id="154" name="Google Shape;126;p24"/>
+          <p:cNvSpPr txBox="1">
+            <a:spLocks noGrp="1"/>
+          </p:cNvSpPr>
+          <p:nvPr>
+            <p:ph type="body" idx="1"/>
+          </p:nvPr>
+        </p:nvSpPr>
+        <p:spPr>
+          <a:xfrm>
+            <a:off x="311699" y="1171599"/>
+            <a:ext cx="8520602" cy="3397201"/>
+          </a:xfrm>
+          <a:prstGeom prst="rect">
+            <a:avLst/>
+          </a:prstGeom>
+        </p:spPr>
+        <p:txBody>
+          <a:bodyPr/>
+          <a:lstStyle/>
+          <a:p>
+            <a:r>
+              <a:rPr dirty="0"/>
+              <a:t>Transformation used in the algorithm is the discrete cosine transform (DCT)</a:t>
+            </a:r>
+          </a:p>
+          <a:p>
+            <a:r>
+              <a:rPr dirty="0"/>
+              <a:t>Other transformations are available:</a:t>
+            </a:r>
+          </a:p>
+          <a:p>
+            <a:pPr marL="914400" lvl="1" indent="-317500">
+              <a:buSzPts val="1400"/>
+              <a:defRPr sz="1400"/>
+            </a:pPr>
+            <a:r>
+              <a:rPr dirty="0"/>
+              <a:t>Walsh-Hadamard transform (WHT)</a:t>
+            </a:r>
+          </a:p>
+          <a:p>
+            <a:pPr marL="914400" lvl="1" indent="-317500">
+              <a:buSzPts val="1400"/>
+              <a:defRPr sz="1400"/>
+            </a:pPr>
+            <a:r>
+              <a:rPr dirty="0"/>
+              <a:t>Discrete Hartley transform (DHT)</a:t>
+            </a:r>
+          </a:p>
+          <a:p>
+            <a:r>
+              <a:rPr dirty="0"/>
+              <a:t>WHT is the best in theory, but sometimes fails </a:t>
+            </a:r>
+            <a:r>
+              <a:rPr lang="en-US" dirty="0"/>
+              <a:t>			                </a:t>
+            </a:r>
+            <a:r>
+              <a:rPr dirty="0"/>
+              <a:t>to mix rows well enough</a:t>
+            </a:r>
+          </a:p>
+          <a:p>
+            <a:r>
+              <a:rPr dirty="0"/>
+              <a:t>DHT and DCT work better in practice and are </a:t>
+            </a:r>
+            <a:r>
+              <a:rPr lang="en-US" dirty="0"/>
+              <a:t>			             </a:t>
+            </a:r>
+            <a:r>
+              <a:rPr dirty="0"/>
+              <a:t>easier to apply to arbitrary matrices</a:t>
+            </a:r>
+          </a:p>
+        </p:txBody>
+      </p:sp>
+      <p:pic>
+        <p:nvPicPr>
+          <p:cNvPr id="3" name="Picture 2" descr="A close up of a map&#10;&#10;Description automatically generated">
+            <a:extLst>
+              <a:ext uri="{FF2B5EF4-FFF2-40B4-BE49-F238E27FC236}">
+                <a16:creationId xmlns:a16="http://schemas.microsoft.com/office/drawing/2014/main" id="{D4C8C44C-0818-4F4D-A972-E5E25711E3E2}"/>
+              </a:ext>
+            </a:extLst>
+          </p:cNvPr>
+          <p:cNvPicPr>
+            <a:picLocks noChangeAspect="1"/>
+          </p:cNvPicPr>
+          <p:nvPr/>
+        </p:nvPicPr>
+        <p:blipFill>
+          <a:blip r:embed="rId2">
+            <a:extLst>
+              <a:ext uri="{28A0092B-C50C-407E-A947-70E740481C1C}">
+                <a14:useLocalDpi xmlns:a14="http://schemas.microsoft.com/office/drawing/2010/main" val="0"/>
+              </a:ext>
+            </a:extLst>
+          </a:blip>
+          <a:stretch>
+            <a:fillRect/>
+          </a:stretch>
+        </p:blipFill>
+        <p:spPr>
+          <a:xfrm>
+            <a:off x="5205657" y="1779169"/>
+            <a:ext cx="3673299" cy="2919306"/>
+          </a:xfrm>
+          <a:prstGeom prst="rect">
+            <a:avLst/>
+          </a:prstGeom>
+        </p:spPr>
+      </p:pic>
+    </p:spTree>
+  </p:cSld>
+  <p:clrMapOvr>
+    <a:masterClrMapping/>
+  </p:clrMapOvr>
+  <p:transition spd="med"/>
+</p:sld>
+</file>
+
+<file path=ppt/slides/slide14.xml><?xml version="1.0" encoding="utf-8"?>
+<p:sld xmlns:a="http://schemas.openxmlformats.org/drawingml/2006/main" xmlns:r="http://schemas.openxmlformats.org/officeDocument/2006/relationships" xmlns:p="http://schemas.openxmlformats.org/presentationml/2006/main">
+  <p:cSld>
+    <p:spTree>
+      <p:nvGrpSpPr>
+        <p:cNvPr id="1" name=""/>
+        <p:cNvGrpSpPr/>
+        <p:nvPr/>
+      </p:nvGrpSpPr>
+      <p:grpSpPr>
+        <a:xfrm>
+          <a:off x="0" y="0"/>
+          <a:ext cx="0" cy="0"/>
+          <a:chOff x="0" y="0"/>
+          <a:chExt cx="0" cy="0"/>
+        </a:xfrm>
+      </p:grpSpPr>
+      <p:sp>
+        <p:nvSpPr>
+          <p:cNvPr id="156" name="Google Shape;131;p25"/>
+          <p:cNvSpPr txBox="1">
+            <a:spLocks noGrp="1"/>
+          </p:cNvSpPr>
+          <p:nvPr>
+            <p:ph type="title"/>
+          </p:nvPr>
+        </p:nvSpPr>
+        <p:spPr>
+          <a:xfrm>
+            <a:off x="311699" y="445025"/>
+            <a:ext cx="8520602" cy="613201"/>
+          </a:xfrm>
+          <a:prstGeom prst="rect">
+            <a:avLst/>
+          </a:prstGeom>
+        </p:spPr>
+        <p:txBody>
+          <a:bodyPr/>
+          <a:lstStyle>
+            <a:lvl1pPr defTabSz="850391">
+              <a:defRPr sz="2790"/>
+            </a:lvl1pPr>
+          </a:lstStyle>
+          <a:p>
+            <a:r>
+              <a:rPr dirty="0"/>
+              <a:t>Row Mixing Evaluation</a:t>
+            </a:r>
+          </a:p>
+        </p:txBody>
+      </p:sp>
+      <p:sp>
+        <p:nvSpPr>
+          <p:cNvPr id="157" name="Google Shape;132;p25"/>
+          <p:cNvSpPr txBox="1">
+            <a:spLocks noGrp="1"/>
+          </p:cNvSpPr>
+          <p:nvPr>
+            <p:ph type="body" idx="1"/>
+          </p:nvPr>
+        </p:nvSpPr>
+        <p:spPr>
+          <a:xfrm>
+            <a:off x="311699" y="1171599"/>
+            <a:ext cx="8520602" cy="3397201"/>
+          </a:xfrm>
+          <a:prstGeom prst="rect">
+            <a:avLst/>
+          </a:prstGeom>
+        </p:spPr>
+        <p:txBody>
+          <a:bodyPr/>
+          <a:lstStyle/>
+          <a:p>
+            <a:r>
+              <a:rPr dirty="0"/>
+              <a:t>Larger sample size</a:t>
+            </a:r>
+          </a:p>
+          <a:p>
+            <a:pPr marL="914400" lvl="1" indent="-317500">
+              <a:buSzPts val="1400"/>
+              <a:defRPr sz="1400"/>
+            </a:pPr>
+            <a:r>
+              <a:rPr dirty="0"/>
+              <a:t>Greater probability of getting a good preconditioner</a:t>
+            </a:r>
+          </a:p>
+          <a:p>
+            <a:pPr marL="914400" lvl="1" indent="-317500">
+              <a:buSzPts val="1400"/>
+              <a:defRPr sz="1400"/>
+            </a:pPr>
+            <a:r>
+              <a:rPr dirty="0"/>
+              <a:t>Makes other parts of the algorithm take more time</a:t>
+            </a:r>
+          </a:p>
+          <a:p>
+            <a:r>
+              <a:rPr dirty="0"/>
+              <a:t>Computation time was found to decrease, then increase as sample size increased</a:t>
+            </a:r>
+          </a:p>
+        </p:txBody>
+      </p:sp>
+      <p:pic>
+        <p:nvPicPr>
+          <p:cNvPr id="3" name="Picture 2" descr="A close up of a map&#10;&#10;Description automatically generated">
+            <a:extLst>
+              <a:ext uri="{FF2B5EF4-FFF2-40B4-BE49-F238E27FC236}">
+                <a16:creationId xmlns:a16="http://schemas.microsoft.com/office/drawing/2014/main" id="{D4E94463-8213-45CE-BE70-67980C8E4266}"/>
+              </a:ext>
+            </a:extLst>
+          </p:cNvPr>
+          <p:cNvPicPr>
+            <a:picLocks noChangeAspect="1"/>
+          </p:cNvPicPr>
+          <p:nvPr/>
+        </p:nvPicPr>
+        <p:blipFill>
+          <a:blip r:embed="rId2" cstate="print">
+            <a:extLst>
+              <a:ext uri="{28A0092B-C50C-407E-A947-70E740481C1C}">
+                <a14:useLocalDpi xmlns:a14="http://schemas.microsoft.com/office/drawing/2010/main" val="0"/>
+              </a:ext>
+            </a:extLst>
+          </a:blip>
+          <a:stretch>
+            <a:fillRect/>
+          </a:stretch>
+        </p:blipFill>
+        <p:spPr>
+          <a:xfrm>
+            <a:off x="49851" y="2419941"/>
+            <a:ext cx="2882348" cy="2390832"/>
+          </a:xfrm>
+          <a:prstGeom prst="rect">
+            <a:avLst/>
+          </a:prstGeom>
+        </p:spPr>
+      </p:pic>
+      <p:pic>
+        <p:nvPicPr>
+          <p:cNvPr id="5" name="Picture 4" descr="A close up of a map&#10;&#10;Description automatically generated">
+            <a:extLst>
+              <a:ext uri="{FF2B5EF4-FFF2-40B4-BE49-F238E27FC236}">
+                <a16:creationId xmlns:a16="http://schemas.microsoft.com/office/drawing/2014/main" id="{8A8065C6-611D-476F-8FFB-A2B7C0E2F0B5}"/>
+              </a:ext>
+            </a:extLst>
+          </p:cNvPr>
+          <p:cNvPicPr>
+            <a:picLocks noChangeAspect="1"/>
+          </p:cNvPicPr>
+          <p:nvPr/>
+        </p:nvPicPr>
+        <p:blipFill>
+          <a:blip r:embed="rId3" cstate="print">
+            <a:extLst>
+              <a:ext uri="{28A0092B-C50C-407E-A947-70E740481C1C}">
+                <a14:useLocalDpi xmlns:a14="http://schemas.microsoft.com/office/drawing/2010/main" val="0"/>
+              </a:ext>
+            </a:extLst>
+          </a:blip>
+          <a:stretch>
+            <a:fillRect/>
+          </a:stretch>
+        </p:blipFill>
+        <p:spPr>
+          <a:xfrm>
+            <a:off x="2999902" y="2419941"/>
+            <a:ext cx="2882348" cy="2405952"/>
+          </a:xfrm>
+          <a:prstGeom prst="rect">
+            <a:avLst/>
+          </a:prstGeom>
+        </p:spPr>
+      </p:pic>
+      <p:pic>
+        <p:nvPicPr>
+          <p:cNvPr id="11" name="Picture 10" descr="A close up of a map&#10;&#10;Description automatically generated">
+            <a:extLst>
+              <a:ext uri="{FF2B5EF4-FFF2-40B4-BE49-F238E27FC236}">
+                <a16:creationId xmlns:a16="http://schemas.microsoft.com/office/drawing/2014/main" id="{1232AD2B-F638-473D-8F8A-F299D6B08A88}"/>
+              </a:ext>
+            </a:extLst>
+          </p:cNvPr>
+          <p:cNvPicPr>
+            <a:picLocks noChangeAspect="1"/>
+          </p:cNvPicPr>
+          <p:nvPr/>
+        </p:nvPicPr>
+        <p:blipFill>
+          <a:blip r:embed="rId4" cstate="print">
+            <a:extLst>
+              <a:ext uri="{28A0092B-C50C-407E-A947-70E740481C1C}">
+                <a14:useLocalDpi xmlns:a14="http://schemas.microsoft.com/office/drawing/2010/main" val="0"/>
+              </a:ext>
+            </a:extLst>
+          </a:blip>
+          <a:stretch>
+            <a:fillRect/>
+          </a:stretch>
+        </p:blipFill>
+        <p:spPr>
+          <a:xfrm>
+            <a:off x="5949953" y="2419941"/>
+            <a:ext cx="2882348" cy="2362629"/>
+          </a:xfrm>
+          <a:prstGeom prst="rect">
+            <a:avLst/>
+          </a:prstGeom>
+        </p:spPr>
+      </p:pic>
+    </p:spTree>
+  </p:cSld>
+  <p:clrMapOvr>
+    <a:masterClrMapping/>
+  </p:clrMapOvr>
+  <p:transition spd="med"/>
+</p:sld>
+</file>
+
+<file path=ppt/slides/slide15.xml><?xml version="1.0" encoding="utf-8"?>
+<p:sld xmlns:a="http://schemas.openxmlformats.org/drawingml/2006/main" xmlns:r="http://schemas.openxmlformats.org/officeDocument/2006/relationships" xmlns:p="http://schemas.openxmlformats.org/presentationml/2006/main">
+  <p:cSld>
+    <p:spTree>
+      <p:nvGrpSpPr>
+        <p:cNvPr id="1" name=""/>
+        <p:cNvGrpSpPr/>
+        <p:nvPr/>
+      </p:nvGrpSpPr>
+      <p:grpSpPr>
+        <a:xfrm>
+          <a:off x="0" y="0"/>
+          <a:ext cx="0" cy="0"/>
+          <a:chOff x="0" y="0"/>
+          <a:chExt cx="0" cy="0"/>
+        </a:xfrm>
+      </p:grpSpPr>
+      <p:sp>
+        <p:nvSpPr>
+          <p:cNvPr id="159" name="Google Shape;137;p26"/>
+          <p:cNvSpPr txBox="1">
+            <a:spLocks noGrp="1"/>
+          </p:cNvSpPr>
+          <p:nvPr>
+            <p:ph type="title"/>
+          </p:nvPr>
+        </p:nvSpPr>
+        <p:spPr>
+          <a:xfrm>
+            <a:off x="311699" y="445025"/>
+            <a:ext cx="8520602" cy="613201"/>
+          </a:xfrm>
+          <a:prstGeom prst="rect">
+            <a:avLst/>
+          </a:prstGeom>
+        </p:spPr>
+        <p:txBody>
+          <a:bodyPr/>
+          <a:lstStyle>
+            <a:lvl1pPr defTabSz="850391">
+              <a:defRPr sz="2790"/>
+            </a:lvl1pPr>
+          </a:lstStyle>
+          <a:p>
+            <a:r>
+              <a:t>Ill-Conditioned Matrices</a:t>
+            </a:r>
+          </a:p>
+        </p:txBody>
+      </p:sp>
+      <p:sp>
+        <p:nvSpPr>
+          <p:cNvPr id="160" name="Google Shape;138;p26"/>
+          <p:cNvSpPr txBox="1">
+            <a:spLocks noGrp="1"/>
+          </p:cNvSpPr>
+          <p:nvPr>
+            <p:ph type="body" idx="1"/>
+          </p:nvPr>
+        </p:nvSpPr>
+        <p:spPr>
+          <a:xfrm>
+            <a:off x="311699" y="1171599"/>
+            <a:ext cx="8520602" cy="3397201"/>
+          </a:xfrm>
+          <a:prstGeom prst="rect">
+            <a:avLst/>
+          </a:prstGeom>
+        </p:spPr>
+        <p:txBody>
+          <a:bodyPr/>
+          <a:lstStyle/>
+          <a:p>
+            <a:r>
+              <a:t>This algorithm beats the unpreconditioned LSQR for ill-conditioned matrices</a:t>
+            </a:r>
+          </a:p>
+          <a:p>
+            <a:r>
+              <a:t>The unpreconditioned LSQR beats Blendenpik for well conditioned matrices</a:t>
+            </a:r>
+          </a:p>
+        </p:txBody>
+      </p:sp>
+      <p:pic>
+        <p:nvPicPr>
+          <p:cNvPr id="5" name="Picture 4" descr="A close up of a map&#10;&#10;Description automatically generated">
+            <a:extLst>
+              <a:ext uri="{FF2B5EF4-FFF2-40B4-BE49-F238E27FC236}">
+                <a16:creationId xmlns:a16="http://schemas.microsoft.com/office/drawing/2014/main" id="{AA68C329-8942-41F5-9D00-DD61A396AE21}"/>
+              </a:ext>
+            </a:extLst>
+          </p:cNvPr>
+          <p:cNvPicPr>
+            <a:picLocks noChangeAspect="1"/>
+          </p:cNvPicPr>
+          <p:nvPr/>
+        </p:nvPicPr>
+        <p:blipFill>
+          <a:blip r:embed="rId2">
+            <a:extLst>
+              <a:ext uri="{28A0092B-C50C-407E-A947-70E740481C1C}">
+                <a14:useLocalDpi xmlns:a14="http://schemas.microsoft.com/office/drawing/2010/main" val="0"/>
+              </a:ext>
+            </a:extLst>
+          </a:blip>
+          <a:stretch>
+            <a:fillRect/>
+          </a:stretch>
+        </p:blipFill>
+        <p:spPr>
+          <a:xfrm>
+            <a:off x="58474" y="2254925"/>
+            <a:ext cx="9027052" cy="2443550"/>
+          </a:xfrm>
+          <a:prstGeom prst="rect">
+            <a:avLst/>
+          </a:prstGeom>
+        </p:spPr>
+      </p:pic>
+    </p:spTree>
+  </p:cSld>
+  <p:clrMapOvr>
+    <a:masterClrMapping/>
+  </p:clrMapOvr>
+  <p:transition spd="med"/>
+</p:sld>
+</file>
+
+<file path=ppt/slides/slide16.xml><?xml version="1.0" encoding="utf-8"?>
+<p:sld xmlns:a="http://schemas.openxmlformats.org/drawingml/2006/main" xmlns:r="http://schemas.openxmlformats.org/officeDocument/2006/relationships" xmlns:p="http://schemas.openxmlformats.org/presentationml/2006/main">
+  <p:cSld>
+    <p:spTree>
+      <p:nvGrpSpPr>
+        <p:cNvPr id="1" name=""/>
+        <p:cNvGrpSpPr/>
+        <p:nvPr/>
+      </p:nvGrpSpPr>
+      <p:grpSpPr>
+        <a:xfrm>
+          <a:off x="0" y="0"/>
+          <a:ext cx="0" cy="0"/>
+          <a:chOff x="0" y="0"/>
+          <a:chExt cx="0" cy="0"/>
+        </a:xfrm>
+      </p:grpSpPr>
+      <p:sp>
+        <p:nvSpPr>
+          <p:cNvPr id="162" name="Google Shape;143;p27"/>
+          <p:cNvSpPr txBox="1">
+            <a:spLocks noGrp="1"/>
+          </p:cNvSpPr>
+          <p:nvPr>
+            <p:ph type="title"/>
+          </p:nvPr>
+        </p:nvSpPr>
+        <p:spPr>
+          <a:xfrm>
+            <a:off x="311699" y="445025"/>
+            <a:ext cx="8520602" cy="613201"/>
+          </a:xfrm>
+          <a:prstGeom prst="rect">
+            <a:avLst/>
+          </a:prstGeom>
+        </p:spPr>
+        <p:txBody>
+          <a:bodyPr/>
+          <a:lstStyle>
+            <a:lvl1pPr defTabSz="850391">
+              <a:defRPr sz="2790"/>
+            </a:lvl1pPr>
+          </a:lstStyle>
+          <a:p>
+            <a:r>
+              <a:t>Coherence Evaluation</a:t>
+            </a:r>
+          </a:p>
+        </p:txBody>
+      </p:sp>
+      <p:sp>
+        <p:nvSpPr>
+          <p:cNvPr id="163" name="Google Shape;144;p27"/>
+          <p:cNvSpPr txBox="1">
+            <a:spLocks noGrp="1"/>
+          </p:cNvSpPr>
+          <p:nvPr>
+            <p:ph type="body" idx="1"/>
+          </p:nvPr>
+        </p:nvSpPr>
+        <p:spPr>
+          <a:xfrm>
+            <a:off x="311699" y="1171599"/>
+            <a:ext cx="8520602" cy="3397201"/>
+          </a:xfrm>
+          <a:prstGeom prst="rect">
+            <a:avLst/>
+          </a:prstGeom>
+        </p:spPr>
+        <p:txBody>
+          <a:bodyPr/>
+          <a:lstStyle/>
+          <a:p>
+            <a:r>
+              <a:t>Algorithm runs longer on matrices with high coherence compared to matrices with low coherence</a:t>
+            </a:r>
+          </a:p>
+          <a:p>
+            <a:r>
+              <a:t>Blendenpik beast LAPACK in both cases</a:t>
+            </a:r>
+          </a:p>
+        </p:txBody>
+      </p:sp>
+      <p:pic>
+        <p:nvPicPr>
+          <p:cNvPr id="3" name="Picture 2" descr="A screenshot of a cell phone&#10;&#10;Description automatically generated">
+            <a:extLst>
+              <a:ext uri="{FF2B5EF4-FFF2-40B4-BE49-F238E27FC236}">
+                <a16:creationId xmlns:a16="http://schemas.microsoft.com/office/drawing/2014/main" id="{CC561C45-4FB5-4873-9419-940F5CAA4959}"/>
+              </a:ext>
+            </a:extLst>
+          </p:cNvPr>
+          <p:cNvPicPr>
+            <a:picLocks noChangeAspect="1"/>
+          </p:cNvPicPr>
+          <p:nvPr/>
+        </p:nvPicPr>
+        <p:blipFill>
+          <a:blip r:embed="rId2">
+            <a:extLst>
+              <a:ext uri="{28A0092B-C50C-407E-A947-70E740481C1C}">
+                <a14:useLocalDpi xmlns:a14="http://schemas.microsoft.com/office/drawing/2010/main" val="0"/>
+              </a:ext>
+            </a:extLst>
+          </a:blip>
+          <a:stretch>
+            <a:fillRect/>
+          </a:stretch>
+        </p:blipFill>
+        <p:spPr>
+          <a:xfrm>
+            <a:off x="4812186" y="1683153"/>
+            <a:ext cx="4239049" cy="3352574"/>
+          </a:xfrm>
+          <a:prstGeom prst="rect">
+            <a:avLst/>
+          </a:prstGeom>
+        </p:spPr>
+      </p:pic>
+    </p:spTree>
+  </p:cSld>
+  <p:clrMapOvr>
+    <a:masterClrMapping/>
+  </p:clrMapOvr>
+  <p:transition spd="med"/>
+</p:sld>
+</file>
+
+<file path=ppt/slides/slide17.xml><?xml version="1.0" encoding="utf-8"?>
+<p:sld xmlns:a="http://schemas.openxmlformats.org/drawingml/2006/main" xmlns:r="http://schemas.openxmlformats.org/officeDocument/2006/relationships" xmlns:p="http://schemas.openxmlformats.org/presentationml/2006/main">
+  <p:cSld>
+    <p:spTree>
+      <p:nvGrpSpPr>
+        <p:cNvPr id="1" name=""/>
+        <p:cNvGrpSpPr/>
+        <p:nvPr/>
+      </p:nvGrpSpPr>
+      <p:grpSpPr>
+        <a:xfrm>
+          <a:off x="0" y="0"/>
+          <a:ext cx="0" cy="0"/>
+          <a:chOff x="0" y="0"/>
+          <a:chExt cx="0" cy="0"/>
+        </a:xfrm>
+      </p:grpSpPr>
+      <p:sp>
+        <p:nvSpPr>
+          <p:cNvPr id="150" name="Google Shape;119;p23"/>
+          <p:cNvSpPr txBox="1">
+            <a:spLocks noGrp="1"/>
+          </p:cNvSpPr>
+          <p:nvPr>
+            <p:ph type="title"/>
+          </p:nvPr>
+        </p:nvSpPr>
+        <p:spPr>
+          <a:xfrm>
+            <a:off x="311699" y="445025"/>
+            <a:ext cx="8520602" cy="613201"/>
+          </a:xfrm>
+          <a:prstGeom prst="rect">
+            <a:avLst/>
+          </a:prstGeom>
+        </p:spPr>
+        <p:txBody>
+          <a:bodyPr/>
+          <a:lstStyle>
+            <a:lvl1pPr defTabSz="850391">
+              <a:defRPr sz="2790"/>
+            </a:lvl1pPr>
+          </a:lstStyle>
+          <a:p>
+            <a:r>
+              <a:t>Comparison to Prior Algorithms</a:t>
+            </a:r>
+          </a:p>
+        </p:txBody>
+      </p:sp>
+      <p:sp>
+        <p:nvSpPr>
+          <p:cNvPr id="151" name="Google Shape;120;p23"/>
+          <p:cNvSpPr txBox="1">
+            <a:spLocks noGrp="1"/>
+          </p:cNvSpPr>
+          <p:nvPr>
+            <p:ph type="body" idx="1"/>
+          </p:nvPr>
+        </p:nvSpPr>
+        <p:spPr>
+          <a:xfrm>
+            <a:off x="311699" y="1171599"/>
+            <a:ext cx="8520602" cy="3397201"/>
+          </a:xfrm>
+          <a:prstGeom prst="rect">
+            <a:avLst/>
+          </a:prstGeom>
+        </p:spPr>
+        <p:txBody>
+          <a:bodyPr/>
+          <a:lstStyle/>
+          <a:p>
+            <a:r>
+              <a:t>LAPACK</a:t>
+            </a:r>
+          </a:p>
+          <a:p>
+            <a:pPr marL="914400" lvl="1" indent="-317500">
+              <a:buSzPts val="1400"/>
+              <a:defRPr sz="1400"/>
+            </a:pPr>
+            <a:r>
+              <a:t>Blendenpik outperforms LAPACK on most matrices</a:t>
+            </a:r>
+          </a:p>
+          <a:p>
+            <a:r>
+              <a:t>Faster least squares approximation</a:t>
+            </a:r>
+          </a:p>
+          <a:p>
+            <a:pPr marL="914400" lvl="1" indent="-317500">
+              <a:lnSpc>
+                <a:spcPct val="150000"/>
+              </a:lnSpc>
+              <a:buSzPts val="1400"/>
+              <a:defRPr sz="1400">
+                <a:solidFill>
+                  <a:srgbClr val="444444"/>
+                </a:solidFill>
+              </a:defRPr>
+            </a:pPr>
+            <a:r>
+              <a:t>Proposes a more sophisticated algorithm that leads to a small residual for any matrix</a:t>
+            </a:r>
+          </a:p>
+          <a:p>
+            <a:pPr marL="914400" lvl="1" indent="-317500">
+              <a:lnSpc>
+                <a:spcPct val="150000"/>
+              </a:lnSpc>
+              <a:buSzPts val="1400"/>
+              <a:defRPr sz="1400">
+                <a:solidFill>
+                  <a:srgbClr val="444444"/>
+                </a:solidFill>
+              </a:defRPr>
+            </a:pPr>
+            <a:r>
+              <a:t>Small uniform sample does not work on any matrix</a:t>
+            </a:r>
+          </a:p>
+          <a:p>
+            <a:r>
+              <a:t>A fast randomized algorithm for overdetermined linear least-squares regression</a:t>
+            </a:r>
+          </a:p>
+          <a:p>
+            <a:pPr marL="914400" lvl="1" indent="-317500">
+              <a:buSzPts val="1400"/>
+              <a:defRPr sz="1400"/>
+            </a:pPr>
+            <a:r>
+              <a:t>Uses a uniform random sample of the rows</a:t>
+            </a:r>
+          </a:p>
+          <a:p>
+            <a:pPr marL="914400" lvl="1" indent="-317500">
+              <a:buSzPts val="1400"/>
+              <a:defRPr sz="1400"/>
+            </a:pPr>
+            <a:r>
+              <a:t>May not work in matrices with high coherence</a:t>
+            </a:r>
+          </a:p>
+        </p:txBody>
+      </p:sp>
+    </p:spTree>
+  </p:cSld>
+  <p:clrMapOvr>
+    <a:masterClrMapping/>
+  </p:clrMapOvr>
+  <p:transition spd="med"/>
+</p:sld>
+</file>
+
+<file path=ppt/slides/slide18.xml><?xml version="1.0" encoding="utf-8"?>
+<p:sld xmlns:a="http://schemas.openxmlformats.org/drawingml/2006/main" xmlns:r="http://schemas.openxmlformats.org/officeDocument/2006/relationships" xmlns:p="http://schemas.openxmlformats.org/presentationml/2006/main">
+  <p:cSld>
+    <p:spTree>
+      <p:nvGrpSpPr>
+        <p:cNvPr id="1" name=""/>
+        <p:cNvGrpSpPr/>
+        <p:nvPr/>
+      </p:nvGrpSpPr>
+      <p:grpSpPr>
+        <a:xfrm>
+          <a:off x="0" y="0"/>
+          <a:ext cx="0" cy="0"/>
+          <a:chOff x="0" y="0"/>
+          <a:chExt cx="0" cy="0"/>
+        </a:xfrm>
+      </p:grpSpPr>
+      <p:sp>
+        <p:nvSpPr>
+          <p:cNvPr id="165" name="Empirical Evaluation"/>
+          <p:cNvSpPr txBox="1">
+            <a:spLocks noGrp="1"/>
+          </p:cNvSpPr>
+          <p:nvPr>
+            <p:ph type="title"/>
+          </p:nvPr>
+        </p:nvSpPr>
+        <p:spPr>
+          <a:prstGeom prst="rect">
+            <a:avLst/>
+          </a:prstGeom>
+        </p:spPr>
+        <p:txBody>
+          <a:bodyPr/>
+          <a:lstStyle/>
+          <a:p>
+            <a:pPr lvl="1" defTabSz="850391">
+              <a:defRPr sz="2790"/>
+            </a:pPr>
+            <a:r>
+              <a:t>Empirical Evaluation</a:t>
+            </a:r>
+          </a:p>
+        </p:txBody>
+      </p:sp>
+      <p:sp>
+        <p:nvSpPr>
+          <p:cNvPr id="166" name="25 runs of randomly generated sparse matrices…"/>
+          <p:cNvSpPr txBox="1">
+            <a:spLocks noGrp="1"/>
+          </p:cNvSpPr>
+          <p:nvPr>
+            <p:ph type="body" idx="1"/>
+          </p:nvPr>
+        </p:nvSpPr>
+        <p:spPr>
+          <a:prstGeom prst="rect">
+            <a:avLst/>
+          </a:prstGeom>
+        </p:spPr>
+        <p:txBody>
+          <a:bodyPr/>
+          <a:lstStyle/>
+          <a:p>
+            <a:pPr>
+              <a:buSzPts val="2000"/>
+              <a:defRPr sz="2000"/>
+            </a:pPr>
+            <a:r>
+              <a:t>25 runs of randomly generated sparse matrices</a:t>
+            </a:r>
+          </a:p>
+          <a:p>
+            <a:pPr marL="939800" lvl="1" indent="-342900">
+              <a:buSzPts val="2000"/>
+              <a:buChar char="●"/>
+              <a:defRPr sz="2000"/>
+            </a:pPr>
+            <a:r>
+              <a:t>Each matrix with a random number of rows, m, between 10,000 and 20,000, number of columns, n, equal to m/40, and density randomly in [0,1)</a:t>
+            </a:r>
+          </a:p>
+          <a:p>
+            <a:pPr>
+              <a:buSzPts val="2000"/>
+              <a:defRPr sz="2000"/>
+            </a:pPr>
+            <a:r>
+              <a:t>Average Blendenpik time: 3.160 s</a:t>
+            </a:r>
+          </a:p>
+          <a:p>
+            <a:pPr>
+              <a:buSzPts val="2000"/>
+              <a:defRPr sz="2000"/>
+            </a:pPr>
+            <a:r>
+              <a:t>Average Numpy time: 17.026 s</a:t>
+            </a:r>
+          </a:p>
+          <a:p>
+            <a:pPr>
+              <a:buSzPts val="2000"/>
+              <a:defRPr sz="2000"/>
+            </a:pPr>
+            <a:r>
+              <a:t>Average Blendenpik residual: .00000070455</a:t>
+            </a:r>
+          </a:p>
+          <a:p>
+            <a:pPr>
+              <a:buSzPts val="2000"/>
+              <a:defRPr sz="2000"/>
+            </a:pPr>
+            <a:r>
+              <a:t>Average Numpy residual: .000000028423</a:t>
+            </a:r>
+          </a:p>
+        </p:txBody>
+      </p:sp>
+    </p:spTree>
+  </p:cSld>
+  <p:clrMapOvr>
+    <a:masterClrMapping/>
+  </p:clrMapOvr>
+  <p:transition spd="med"/>
+</p:sld>
+</file>
+
+<file path=ppt/slides/slide2.xml><?xml version="1.0" encoding="utf-8"?>
+<p:sld xmlns:a="http://schemas.openxmlformats.org/drawingml/2006/main" xmlns:r="http://schemas.openxmlformats.org/officeDocument/2006/relationships" xmlns:p="http://schemas.openxmlformats.org/presentationml/2006/main">
+  <p:cSld>
+    <p:spTree>
+      <p:nvGrpSpPr>
+        <p:cNvPr id="1" name=""/>
+        <p:cNvGrpSpPr/>
+        <p:nvPr/>
+      </p:nvGrpSpPr>
+      <p:grpSpPr>
+        <a:xfrm>
+          <a:off x="0" y="0"/>
+          <a:ext cx="0" cy="0"/>
+          <a:chOff x="0" y="0"/>
+          <a:chExt cx="0" cy="0"/>
+        </a:xfrm>
+      </p:grpSpPr>
+      <p:sp>
+        <p:nvSpPr>
+          <p:cNvPr id="117" name="Google Shape;65;p14"/>
+          <p:cNvSpPr txBox="1">
+            <a:spLocks noGrp="1"/>
+          </p:cNvSpPr>
+          <p:nvPr>
+            <p:ph type="title"/>
+          </p:nvPr>
+        </p:nvSpPr>
+        <p:spPr>
+          <a:xfrm>
+            <a:off x="311699" y="445025"/>
+            <a:ext cx="8520602" cy="613201"/>
+          </a:xfrm>
+          <a:prstGeom prst="rect">
+            <a:avLst/>
+          </a:prstGeom>
+        </p:spPr>
+        <p:txBody>
+          <a:bodyPr/>
+          <a:lstStyle>
+            <a:lvl1pPr defTabSz="850391">
+              <a:defRPr sz="2790"/>
+            </a:lvl1pPr>
+          </a:lstStyle>
+          <a:p>
+            <a:r>
+              <a:t>The Paper</a:t>
+            </a:r>
+          </a:p>
+        </p:txBody>
+      </p:sp>
+      <p:sp>
+        <p:nvSpPr>
+          <p:cNvPr id="118" name="Google Shape;66;p14"/>
+          <p:cNvSpPr txBox="1">
+            <a:spLocks noGrp="1"/>
+          </p:cNvSpPr>
+          <p:nvPr>
+            <p:ph type="body" idx="1"/>
+          </p:nvPr>
+        </p:nvSpPr>
+        <p:spPr>
+          <a:xfrm>
+            <a:off x="311699" y="1171599"/>
+            <a:ext cx="8520602" cy="3397201"/>
+          </a:xfrm>
+          <a:prstGeom prst="rect">
+            <a:avLst/>
+          </a:prstGeom>
+        </p:spPr>
+        <p:txBody>
+          <a:bodyPr/>
+          <a:lstStyle/>
+          <a:p>
+            <a:pPr>
+              <a:lnSpc>
+                <a:spcPct val="100000"/>
+              </a:lnSpc>
+            </a:pPr>
+            <a:r>
+              <a:rPr dirty="0"/>
+              <a:t>Blendenpik: Supercharging LAPACK'S Least-Squares Solver</a:t>
+            </a:r>
+          </a:p>
+          <a:p>
+            <a:pPr>
+              <a:lnSpc>
+                <a:spcPct val="100000"/>
+              </a:lnSpc>
+            </a:pPr>
+            <a:r>
+              <a:rPr dirty="0"/>
+              <a:t>Authors:</a:t>
+            </a:r>
+          </a:p>
+          <a:p>
+            <a:pPr marL="914400" lvl="1" indent="-342900">
+              <a:lnSpc>
+                <a:spcPct val="150000"/>
+              </a:lnSpc>
+            </a:pPr>
+            <a:r>
+              <a:rPr dirty="0"/>
+              <a:t>Haim </a:t>
+            </a:r>
+            <a:r>
+              <a:rPr dirty="0" err="1"/>
+              <a:t>Avron</a:t>
+            </a:r>
+            <a:r>
+              <a:rPr dirty="0"/>
+              <a:t>, </a:t>
+            </a:r>
+            <a:r>
+              <a:rPr dirty="0" err="1"/>
+              <a:t>Petar</a:t>
+            </a:r>
+            <a:r>
+              <a:rPr dirty="0"/>
+              <a:t> </a:t>
+            </a:r>
+            <a:r>
+              <a:rPr dirty="0" err="1"/>
+              <a:t>Maymounkov</a:t>
+            </a:r>
+            <a:r>
+              <a:rPr dirty="0"/>
+              <a:t>, Sivan Toledo</a:t>
+            </a:r>
+            <a:endParaRPr sz="1400" dirty="0"/>
+          </a:p>
+          <a:p>
+            <a:pPr>
+              <a:lnSpc>
+                <a:spcPct val="150000"/>
+              </a:lnSpc>
+            </a:pPr>
+            <a:r>
+              <a:rPr dirty="0"/>
+              <a:t>SIAM Journal on Scientific Computing, Vol. 32, No. 3, 2010</a:t>
+            </a:r>
+          </a:p>
+        </p:txBody>
+      </p:sp>
+    </p:spTree>
+  </p:cSld>
+  <p:clrMapOvr>
+    <a:masterClrMapping/>
+  </p:clrMapOvr>
+  <p:transition spd="med"/>
+</p:sld>
+</file>
+
+<file path=ppt/slides/slide3.xml><?xml version="1.0" encoding="utf-8"?>
+<p:sld xmlns:a="http://schemas.openxmlformats.org/drawingml/2006/main" xmlns:r="http://schemas.openxmlformats.org/officeDocument/2006/relationships" xmlns:p="http://schemas.openxmlformats.org/presentationml/2006/main">
+  <p:cSld>
+    <p:spTree>
+      <p:nvGrpSpPr>
+        <p:cNvPr id="1" name=""/>
+        <p:cNvGrpSpPr/>
+        <p:nvPr/>
+      </p:nvGrpSpPr>
+      <p:grpSpPr>
+        <a:xfrm>
+          <a:off x="0" y="0"/>
+          <a:ext cx="0" cy="0"/>
+          <a:chOff x="0" y="0"/>
+          <a:chExt cx="0" cy="0"/>
+        </a:xfrm>
+      </p:grpSpPr>
+      <p:sp>
+        <p:nvSpPr>
+          <p:cNvPr id="120" name="Google Shape;71;p15"/>
+          <p:cNvSpPr txBox="1">
+            <a:spLocks noGrp="1"/>
+          </p:cNvSpPr>
+          <p:nvPr>
+            <p:ph type="title"/>
+          </p:nvPr>
+        </p:nvSpPr>
+        <p:spPr>
+          <a:xfrm>
+            <a:off x="311699" y="445025"/>
+            <a:ext cx="8520602" cy="613201"/>
+          </a:xfrm>
+          <a:prstGeom prst="rect">
+            <a:avLst/>
+          </a:prstGeom>
+        </p:spPr>
+        <p:txBody>
+          <a:bodyPr/>
+          <a:lstStyle>
+            <a:lvl1pPr defTabSz="850391">
+              <a:defRPr sz="2790"/>
+            </a:lvl1pPr>
+          </a:lstStyle>
+          <a:p>
+            <a:r>
+              <a:t>The Problem</a:t>
+            </a:r>
+          </a:p>
+        </p:txBody>
+      </p:sp>
+      <p:sp>
+        <p:nvSpPr>
+          <p:cNvPr id="121" name="Google Shape;72;p15"/>
+          <p:cNvSpPr txBox="1">
+            <a:spLocks noGrp="1"/>
+          </p:cNvSpPr>
           <p:nvPr>
             <p:ph type="body" idx="1"/>
           </p:nvPr>
@@ -3300,10 +5041,10 @@
           <a:bodyPr/>
           <a:lstStyle/>
           <a:p>
-            <a:pPr/>
-            <a:r>
-              <a:t> </a:t>
-            </a:r>
+            <a:pPr marL="114300" indent="0">
+              <a:buNone/>
+            </a:pPr>
+            <a:endParaRPr lang="en-US" dirty="0"/>
           </a:p>
         </p:txBody>
       </p:sp>
@@ -3312,12 +5053,12 @@
   <p:clrMapOvr>
     <a:masterClrMapping/>
   </p:clrMapOvr>
-  <p:transition xmlns:p14="http://schemas.microsoft.com/office/powerpoint/2010/main" spd="med" advClick="1"/>
+  <p:transition spd="med"/>
 </p:sld>
 </file>
 
-<file path=ppt/slides/slide11.xml><?xml version="1.0" encoding="utf-8"?>
-<p:sld xmlns:a="http://schemas.openxmlformats.org/drawingml/2006/main" xmlns:r="http://schemas.openxmlformats.org/officeDocument/2006/relationships" xmlns:p="http://schemas.openxmlformats.org/presentationml/2006/main" showMasterSp="1" showMasterPhAnim="1">
+<file path=ppt/slides/slide4.xml><?xml version="1.0" encoding="utf-8"?>
+<p:sld xmlns:a="http://schemas.openxmlformats.org/drawingml/2006/main" xmlns:r="http://schemas.openxmlformats.org/officeDocument/2006/relationships" xmlns:p="http://schemas.openxmlformats.org/presentationml/2006/main">
   <p:cSld>
     <p:spTree>
       <p:nvGrpSpPr>
@@ -3335,8 +5076,10 @@
       </p:grpSpPr>
       <p:sp>
         <p:nvSpPr>
-          <p:cNvPr id="144" name="Google Shape;107;p21"/>
-          <p:cNvSpPr txBox="1"/>
+          <p:cNvPr id="123" name="Title 1"/>
+          <p:cNvSpPr txBox="1">
+            <a:spLocks noGrp="1"/>
+          </p:cNvSpPr>
           <p:nvPr>
             <p:ph type="title"/>
           </p:nvPr>
@@ -3358,17 +5101,18 @@
             </a:lvl1pPr>
           </a:lstStyle>
           <a:p>
-            <a:pPr/>
-            <a:r>
-              <a:t>Iterative Solution</a:t>
+            <a:r>
+              <a:t>Ideas for a Least Squares Solver</a:t>
             </a:r>
           </a:p>
         </p:txBody>
       </p:sp>
       <p:sp>
         <p:nvSpPr>
-          <p:cNvPr id="145" name="Google Shape;108;p21"/>
-          <p:cNvSpPr txBox="1"/>
+          <p:cNvPr id="124" name="Text Placeholder 2"/>
+          <p:cNvSpPr txBox="1">
+            <a:spLocks noGrp="1"/>
+          </p:cNvSpPr>
           <p:nvPr>
             <p:ph type="body" idx="1"/>
           </p:nvPr>
@@ -3381,30 +5125,19 @@
           <a:prstGeom prst="rect">
             <a:avLst/>
           </a:prstGeom>
+          <a:blipFill>
+            <a:blip r:embed="rId3"/>
+            <a:stretch>
+              <a:fillRect/>
+            </a:stretch>
+          </a:blipFill>
         </p:spPr>
         <p:txBody>
           <a:bodyPr/>
           <a:lstStyle/>
           <a:p>
-            <a:pPr/>
-            <a:r>
-              <a:t>LSQR is used on the sampled rows to approximate the solution</a:t>
-            </a:r>
-          </a:p>
-          <a:p>
-            <a:pPr/>
-            <a:r>
-              <a:t>This algorithm is about as stable as a QR-based solver</a:t>
-            </a:r>
-          </a:p>
-          <a:p>
-            <a:pPr/>
-            <a:r>
-              <a:t>Most of the running time is spent on multiplying vectors by A and A</a:t>
-            </a:r>
-            <a:r>
-              <a:rPr baseline="30000"/>
-              <a:t>T</a:t>
+            <a:r>
+              <a:t> </a:t>
             </a:r>
           </a:p>
         </p:txBody>
@@ -3414,12 +5147,12 @@
   <p:clrMapOvr>
     <a:masterClrMapping/>
   </p:clrMapOvr>
-  <p:transition xmlns:p14="http://schemas.microsoft.com/office/powerpoint/2010/main" spd="med" advClick="1"/>
+  <p:transition spd="med"/>
 </p:sld>
 </file>
 
-<file path=ppt/slides/slide12.xml><?xml version="1.0" encoding="utf-8"?>
-<p:sld xmlns:a="http://schemas.openxmlformats.org/drawingml/2006/main" xmlns:r="http://schemas.openxmlformats.org/officeDocument/2006/relationships" xmlns:p="http://schemas.openxmlformats.org/presentationml/2006/main" showMasterSp="1" showMasterPhAnim="1">
+<file path=ppt/slides/slide5.xml><?xml version="1.0" encoding="utf-8"?>
+<p:sld xmlns:a="http://schemas.openxmlformats.org/drawingml/2006/main" xmlns:r="http://schemas.openxmlformats.org/officeDocument/2006/relationships" xmlns:p="http://schemas.openxmlformats.org/presentationml/2006/main">
   <p:cSld>
     <p:spTree>
       <p:nvGrpSpPr>
@@ -3437,8 +5170,10 @@
       </p:grpSpPr>
       <p:sp>
         <p:nvSpPr>
-          <p:cNvPr id="147" name="Google Shape;113;p22"/>
-          <p:cNvSpPr txBox="1"/>
+          <p:cNvPr id="126" name="Google Shape;83;p17"/>
+          <p:cNvSpPr txBox="1">
+            <a:spLocks noGrp="1"/>
+          </p:cNvSpPr>
           <p:nvPr>
             <p:ph type="title"/>
           </p:nvPr>
@@ -3460,986 +5195,18 @@
             </a:lvl1pPr>
           </a:lstStyle>
           <a:p>
-            <a:pPr/>
-            <a:r>
-              <a:t>The Cost</a:t>
+            <a:r>
+              <a:t>The Algorithm</a:t>
             </a:r>
           </a:p>
         </p:txBody>
       </p:sp>
       <p:sp>
         <p:nvSpPr>
-          <p:cNvPr id="148" name="Google Shape;114;p22"/>
-          <p:cNvSpPr txBox="1"/>
-          <p:nvPr>
-            <p:ph type="body" idx="1"/>
-          </p:nvPr>
-        </p:nvSpPr>
-        <p:spPr>
-          <a:xfrm>
-            <a:off x="311699" y="1171599"/>
-            <a:ext cx="8520602" cy="3397201"/>
-          </a:xfrm>
-          <a:prstGeom prst="rect">
-            <a:avLst/>
-          </a:prstGeom>
-        </p:spPr>
-        <p:txBody>
-          <a:bodyPr/>
-          <a:lstStyle/>
-          <a:p>
-            <a:pPr/>
-            <a:r>
-              <a:t>Row Mixing</a:t>
-            </a:r>
-          </a:p>
-          <a:p>
-            <a:pPr lvl="1" marL="914400" indent="-317500">
-              <a:buSzPts val="1400"/>
-              <a:defRPr sz="1400"/>
-            </a:pPr>
-            <a:r>
-              <a:t>Θ(mn log m)</a:t>
-            </a:r>
-          </a:p>
-          <a:p>
-            <a:pPr/>
-            <a:r>
-              <a:t>Row Sampling and QR Factorization</a:t>
-            </a:r>
-          </a:p>
-          <a:p>
-            <a:pPr lvl="1" marL="914400" indent="-317500">
-              <a:buSzPts val="1400"/>
-              <a:defRPr sz="1400"/>
-            </a:pPr>
-            <a:r>
-              <a:t>Θ(n</a:t>
-            </a:r>
-            <a:r>
-              <a:rPr baseline="30000"/>
-              <a:t>3</a:t>
-            </a:r>
-            <a:r>
-              <a:t>)</a:t>
-            </a:r>
-          </a:p>
-          <a:p>
-            <a:pPr/>
-            <a:r>
-              <a:t>Iterative Solution</a:t>
-            </a:r>
-          </a:p>
-          <a:p>
-            <a:pPr lvl="1" marL="914400" indent="-317500">
-              <a:buSzPts val="1400"/>
-              <a:defRPr sz="1400"/>
-            </a:pPr>
-            <a:r>
-              <a:t>Most costly phase of algorithm</a:t>
-            </a:r>
-          </a:p>
-          <a:p>
-            <a:pPr lvl="1" marL="914400" indent="-317500">
-              <a:buSzPts val="1400"/>
-              <a:defRPr sz="1400"/>
-            </a:pPr>
-            <a:r>
-              <a:t>Each iteration is Θ(mn)</a:t>
-            </a:r>
-          </a:p>
-          <a:p>
-            <a:pPr lvl="1" marL="914400" indent="-317500">
-              <a:buSzPts val="1400"/>
-              <a:defRPr sz="1400"/>
-            </a:pPr>
-            <a:r>
-              <a:t>Number of iterations grows slowly</a:t>
-            </a:r>
-          </a:p>
-        </p:txBody>
-      </p:sp>
-    </p:spTree>
-  </p:cSld>
-  <p:clrMapOvr>
-    <a:masterClrMapping/>
-  </p:clrMapOvr>
-  <p:transition xmlns:p14="http://schemas.microsoft.com/office/powerpoint/2010/main" spd="med" advClick="1"/>
-</p:sld>
-</file>
-
-<file path=ppt/slides/slide13.xml><?xml version="1.0" encoding="utf-8"?>
-<p:sld xmlns:a="http://schemas.openxmlformats.org/drawingml/2006/main" xmlns:r="http://schemas.openxmlformats.org/officeDocument/2006/relationships" xmlns:p="http://schemas.openxmlformats.org/presentationml/2006/main" showMasterSp="1" showMasterPhAnim="1">
-  <p:cSld>
-    <p:spTree>
-      <p:nvGrpSpPr>
-        <p:cNvPr id="1" name=""/>
-        <p:cNvGrpSpPr/>
-        <p:nvPr/>
-      </p:nvGrpSpPr>
-      <p:grpSpPr>
-        <a:xfrm>
-          <a:off x="0" y="0"/>
-          <a:ext cx="0" cy="0"/>
-          <a:chOff x="0" y="0"/>
-          <a:chExt cx="0" cy="0"/>
-        </a:xfrm>
-      </p:grpSpPr>
-      <p:sp>
-        <p:nvSpPr>
-          <p:cNvPr id="150" name="Google Shape;119;p23"/>
-          <p:cNvSpPr txBox="1"/>
-          <p:nvPr>
-            <p:ph type="title"/>
-          </p:nvPr>
-        </p:nvSpPr>
-        <p:spPr>
-          <a:xfrm>
-            <a:off x="311699" y="445025"/>
-            <a:ext cx="8520602" cy="613201"/>
-          </a:xfrm>
-          <a:prstGeom prst="rect">
-            <a:avLst/>
-          </a:prstGeom>
-        </p:spPr>
-        <p:txBody>
-          <a:bodyPr/>
-          <a:lstStyle>
-            <a:lvl1pPr defTabSz="850391">
-              <a:defRPr sz="2790"/>
-            </a:lvl1pPr>
-          </a:lstStyle>
-          <a:p>
-            <a:pPr/>
-            <a:r>
-              <a:t>Comparison to Prior Algorithms</a:t>
-            </a:r>
-          </a:p>
-        </p:txBody>
-      </p:sp>
-      <p:sp>
-        <p:nvSpPr>
-          <p:cNvPr id="151" name="Google Shape;120;p23"/>
-          <p:cNvSpPr txBox="1"/>
-          <p:nvPr>
-            <p:ph type="body" idx="1"/>
-          </p:nvPr>
-        </p:nvSpPr>
-        <p:spPr>
-          <a:xfrm>
-            <a:off x="311699" y="1171599"/>
-            <a:ext cx="8520602" cy="3397201"/>
-          </a:xfrm>
-          <a:prstGeom prst="rect">
-            <a:avLst/>
-          </a:prstGeom>
-        </p:spPr>
-        <p:txBody>
-          <a:bodyPr/>
-          <a:lstStyle/>
-          <a:p>
-            <a:pPr/>
-            <a:r>
-              <a:t>LAPACK</a:t>
-            </a:r>
-          </a:p>
-          <a:p>
-            <a:pPr lvl="1" marL="914400" indent="-317500">
-              <a:buSzPts val="1400"/>
-              <a:defRPr sz="1400"/>
-            </a:pPr>
-            <a:r>
-              <a:t>Blendenpik outperforms LAPACK on most matrices</a:t>
-            </a:r>
-          </a:p>
-          <a:p>
-            <a:pPr/>
-            <a:r>
-              <a:t>Faster least squares approximation</a:t>
-            </a:r>
-          </a:p>
-          <a:p>
-            <a:pPr lvl="1" marL="914400" indent="-317500">
-              <a:lnSpc>
-                <a:spcPct val="150000"/>
-              </a:lnSpc>
-              <a:buSzPts val="1400"/>
-              <a:defRPr sz="1400">
-                <a:solidFill>
-                  <a:srgbClr val="444444"/>
-                </a:solidFill>
-              </a:defRPr>
-            </a:pPr>
-            <a:r>
-              <a:t>Proposes a more sophisticated algorithm that leads to a small residual for any matrix</a:t>
-            </a:r>
-          </a:p>
-          <a:p>
-            <a:pPr lvl="1" marL="914400" indent="-317500">
-              <a:lnSpc>
-                <a:spcPct val="150000"/>
-              </a:lnSpc>
-              <a:buSzPts val="1400"/>
-              <a:defRPr sz="1400">
-                <a:solidFill>
-                  <a:srgbClr val="444444"/>
-                </a:solidFill>
-              </a:defRPr>
-            </a:pPr>
-            <a:r>
-              <a:t>Small uniform sample does not work on any matrix</a:t>
-            </a:r>
-          </a:p>
-          <a:p>
-            <a:pPr/>
-            <a:r>
-              <a:t>A fast randomized algorithm for overdetermined linear least-squares regression</a:t>
-            </a:r>
-          </a:p>
-          <a:p>
-            <a:pPr lvl="1" marL="914400" indent="-317500">
-              <a:buSzPts val="1400"/>
-              <a:defRPr sz="1400"/>
-            </a:pPr>
-            <a:r>
-              <a:t>Uses a uniform random sample of the rows</a:t>
-            </a:r>
-          </a:p>
-          <a:p>
-            <a:pPr lvl="1" marL="914400" indent="-317500">
-              <a:buSzPts val="1400"/>
-              <a:defRPr sz="1400"/>
-            </a:pPr>
-            <a:r>
-              <a:t>May not work in matrices with high coherence</a:t>
-            </a:r>
-          </a:p>
-        </p:txBody>
-      </p:sp>
-    </p:spTree>
-  </p:cSld>
-  <p:clrMapOvr>
-    <a:masterClrMapping/>
-  </p:clrMapOvr>
-  <p:transition xmlns:p14="http://schemas.microsoft.com/office/powerpoint/2010/main" spd="med" advClick="1"/>
-</p:sld>
-</file>
-
-<file path=ppt/slides/slide14.xml><?xml version="1.0" encoding="utf-8"?>
-<p:sld xmlns:a="http://schemas.openxmlformats.org/drawingml/2006/main" xmlns:r="http://schemas.openxmlformats.org/officeDocument/2006/relationships" xmlns:p="http://schemas.openxmlformats.org/presentationml/2006/main" showMasterSp="1" showMasterPhAnim="1">
-  <p:cSld>
-    <p:spTree>
-      <p:nvGrpSpPr>
-        <p:cNvPr id="1" name=""/>
-        <p:cNvGrpSpPr/>
-        <p:nvPr/>
-      </p:nvGrpSpPr>
-      <p:grpSpPr>
-        <a:xfrm>
-          <a:off x="0" y="0"/>
-          <a:ext cx="0" cy="0"/>
-          <a:chOff x="0" y="0"/>
-          <a:chExt cx="0" cy="0"/>
-        </a:xfrm>
-      </p:grpSpPr>
-      <p:sp>
-        <p:nvSpPr>
-          <p:cNvPr id="153" name="Google Shape;125;p24"/>
-          <p:cNvSpPr txBox="1"/>
-          <p:nvPr>
-            <p:ph type="title"/>
-          </p:nvPr>
-        </p:nvSpPr>
-        <p:spPr>
-          <a:xfrm>
-            <a:off x="311699" y="445025"/>
-            <a:ext cx="8520602" cy="613201"/>
-          </a:xfrm>
-          <a:prstGeom prst="rect">
-            <a:avLst/>
-          </a:prstGeom>
-        </p:spPr>
-        <p:txBody>
-          <a:bodyPr/>
-          <a:lstStyle>
-            <a:lvl1pPr defTabSz="850391">
-              <a:defRPr sz="2790"/>
-            </a:lvl1pPr>
-          </a:lstStyle>
-          <a:p>
-            <a:pPr/>
-            <a:r>
-              <a:t>Different Unitary Transformations</a:t>
-            </a:r>
-          </a:p>
-        </p:txBody>
-      </p:sp>
-      <p:sp>
-        <p:nvSpPr>
-          <p:cNvPr id="154" name="Google Shape;126;p24"/>
-          <p:cNvSpPr txBox="1"/>
-          <p:nvPr>
-            <p:ph type="body" idx="1"/>
-          </p:nvPr>
-        </p:nvSpPr>
-        <p:spPr>
-          <a:xfrm>
-            <a:off x="311699" y="1171599"/>
-            <a:ext cx="8520602" cy="3397201"/>
-          </a:xfrm>
-          <a:prstGeom prst="rect">
-            <a:avLst/>
-          </a:prstGeom>
-        </p:spPr>
-        <p:txBody>
-          <a:bodyPr/>
-          <a:lstStyle/>
-          <a:p>
-            <a:pPr/>
-            <a:r>
-              <a:t>Transformation used in the algorithm is the discrete cosine transform (DCT)</a:t>
-            </a:r>
-          </a:p>
-          <a:p>
-            <a:pPr/>
-            <a:r>
-              <a:t>Other transformations are available:</a:t>
-            </a:r>
-          </a:p>
-          <a:p>
-            <a:pPr lvl="1" marL="914400" indent="-317500">
-              <a:buSzPts val="1400"/>
-              <a:defRPr sz="1400"/>
-            </a:pPr>
-            <a:r>
-              <a:t>Walsh-Hadamard transform (WHT)</a:t>
-            </a:r>
-          </a:p>
-          <a:p>
-            <a:pPr lvl="1" marL="914400" indent="-317500">
-              <a:buSzPts val="1400"/>
-              <a:defRPr sz="1400"/>
-            </a:pPr>
-            <a:r>
-              <a:t>Discrete Hartley transform (DHT)</a:t>
-            </a:r>
-          </a:p>
-          <a:p>
-            <a:pPr/>
-            <a:r>
-              <a:t>WHT is the best in theory, but sometimes fails to mix rows well enough</a:t>
-            </a:r>
-          </a:p>
-          <a:p>
-            <a:pPr/>
-            <a:r>
-              <a:t>DHT and DCT work better in practice and are easier to apply to arbitrary matrices</a:t>
-            </a:r>
-          </a:p>
-        </p:txBody>
-      </p:sp>
-    </p:spTree>
-  </p:cSld>
-  <p:clrMapOvr>
-    <a:masterClrMapping/>
-  </p:clrMapOvr>
-  <p:transition xmlns:p14="http://schemas.microsoft.com/office/powerpoint/2010/main" spd="med" advClick="1"/>
-</p:sld>
-</file>
-
-<file path=ppt/slides/slide15.xml><?xml version="1.0" encoding="utf-8"?>
-<p:sld xmlns:a="http://schemas.openxmlformats.org/drawingml/2006/main" xmlns:r="http://schemas.openxmlformats.org/officeDocument/2006/relationships" xmlns:p="http://schemas.openxmlformats.org/presentationml/2006/main" showMasterSp="1" showMasterPhAnim="1">
-  <p:cSld>
-    <p:spTree>
-      <p:nvGrpSpPr>
-        <p:cNvPr id="1" name=""/>
-        <p:cNvGrpSpPr/>
-        <p:nvPr/>
-      </p:nvGrpSpPr>
-      <p:grpSpPr>
-        <a:xfrm>
-          <a:off x="0" y="0"/>
-          <a:ext cx="0" cy="0"/>
-          <a:chOff x="0" y="0"/>
-          <a:chExt cx="0" cy="0"/>
-        </a:xfrm>
-      </p:grpSpPr>
-      <p:sp>
-        <p:nvSpPr>
-          <p:cNvPr id="156" name="Google Shape;131;p25"/>
-          <p:cNvSpPr txBox="1"/>
-          <p:nvPr>
-            <p:ph type="title"/>
-          </p:nvPr>
-        </p:nvSpPr>
-        <p:spPr>
-          <a:xfrm>
-            <a:off x="311699" y="445025"/>
-            <a:ext cx="8520602" cy="613201"/>
-          </a:xfrm>
-          <a:prstGeom prst="rect">
-            <a:avLst/>
-          </a:prstGeom>
-        </p:spPr>
-        <p:txBody>
-          <a:bodyPr/>
-          <a:lstStyle>
-            <a:lvl1pPr defTabSz="850391">
-              <a:defRPr sz="2790"/>
-            </a:lvl1pPr>
-          </a:lstStyle>
-          <a:p>
-            <a:pPr/>
-            <a:r>
-              <a:t>Row Mixing Evaluation</a:t>
-            </a:r>
-          </a:p>
-        </p:txBody>
-      </p:sp>
-      <p:sp>
-        <p:nvSpPr>
-          <p:cNvPr id="157" name="Google Shape;132;p25"/>
-          <p:cNvSpPr txBox="1"/>
-          <p:nvPr>
-            <p:ph type="body" idx="1"/>
-          </p:nvPr>
-        </p:nvSpPr>
-        <p:spPr>
-          <a:xfrm>
-            <a:off x="311699" y="1171599"/>
-            <a:ext cx="8520602" cy="3397201"/>
-          </a:xfrm>
-          <a:prstGeom prst="rect">
-            <a:avLst/>
-          </a:prstGeom>
-        </p:spPr>
-        <p:txBody>
-          <a:bodyPr/>
-          <a:lstStyle/>
-          <a:p>
-            <a:pPr/>
-            <a:r>
-              <a:t>Larger sample size</a:t>
-            </a:r>
-          </a:p>
-          <a:p>
-            <a:pPr lvl="1" marL="914400" indent="-317500">
-              <a:buSzPts val="1400"/>
-              <a:defRPr sz="1400"/>
-            </a:pPr>
-            <a:r>
-              <a:t>Greater probability of getting a good preconditioner</a:t>
-            </a:r>
-          </a:p>
-          <a:p>
-            <a:pPr lvl="1" marL="914400" indent="-317500">
-              <a:buSzPts val="1400"/>
-              <a:defRPr sz="1400"/>
-            </a:pPr>
-            <a:r>
-              <a:t>Makes other parts of the algorithm take more time</a:t>
-            </a:r>
-          </a:p>
-          <a:p>
-            <a:pPr/>
-            <a:r>
-              <a:t>Computation time was found to decrease, then increase as sample size increased</a:t>
-            </a:r>
-          </a:p>
-        </p:txBody>
-      </p:sp>
-    </p:spTree>
-  </p:cSld>
-  <p:clrMapOvr>
-    <a:masterClrMapping/>
-  </p:clrMapOvr>
-  <p:transition xmlns:p14="http://schemas.microsoft.com/office/powerpoint/2010/main" spd="med" advClick="1"/>
-</p:sld>
-</file>
-
-<file path=ppt/slides/slide16.xml><?xml version="1.0" encoding="utf-8"?>
-<p:sld xmlns:a="http://schemas.openxmlformats.org/drawingml/2006/main" xmlns:r="http://schemas.openxmlformats.org/officeDocument/2006/relationships" xmlns:p="http://schemas.openxmlformats.org/presentationml/2006/main" showMasterSp="1" showMasterPhAnim="1">
-  <p:cSld>
-    <p:spTree>
-      <p:nvGrpSpPr>
-        <p:cNvPr id="1" name=""/>
-        <p:cNvGrpSpPr/>
-        <p:nvPr/>
-      </p:nvGrpSpPr>
-      <p:grpSpPr>
-        <a:xfrm>
-          <a:off x="0" y="0"/>
-          <a:ext cx="0" cy="0"/>
-          <a:chOff x="0" y="0"/>
-          <a:chExt cx="0" cy="0"/>
-        </a:xfrm>
-      </p:grpSpPr>
-      <p:sp>
-        <p:nvSpPr>
-          <p:cNvPr id="159" name="Google Shape;137;p26"/>
-          <p:cNvSpPr txBox="1"/>
-          <p:nvPr>
-            <p:ph type="title"/>
-          </p:nvPr>
-        </p:nvSpPr>
-        <p:spPr>
-          <a:xfrm>
-            <a:off x="311699" y="445025"/>
-            <a:ext cx="8520602" cy="613201"/>
-          </a:xfrm>
-          <a:prstGeom prst="rect">
-            <a:avLst/>
-          </a:prstGeom>
-        </p:spPr>
-        <p:txBody>
-          <a:bodyPr/>
-          <a:lstStyle>
-            <a:lvl1pPr defTabSz="850391">
-              <a:defRPr sz="2790"/>
-            </a:lvl1pPr>
-          </a:lstStyle>
-          <a:p>
-            <a:pPr/>
-            <a:r>
-              <a:t>Ill-Conditioned Matrices</a:t>
-            </a:r>
-          </a:p>
-        </p:txBody>
-      </p:sp>
-      <p:sp>
-        <p:nvSpPr>
-          <p:cNvPr id="160" name="Google Shape;138;p26"/>
-          <p:cNvSpPr txBox="1"/>
-          <p:nvPr>
-            <p:ph type="body" idx="1"/>
-          </p:nvPr>
-        </p:nvSpPr>
-        <p:spPr>
-          <a:xfrm>
-            <a:off x="311699" y="1171599"/>
-            <a:ext cx="8520602" cy="3397201"/>
-          </a:xfrm>
-          <a:prstGeom prst="rect">
-            <a:avLst/>
-          </a:prstGeom>
-        </p:spPr>
-        <p:txBody>
-          <a:bodyPr/>
-          <a:lstStyle/>
-          <a:p>
-            <a:pPr/>
-            <a:r>
-              <a:t>This algorithm beats the unpreconditioned LSQR for ill-conditioned matrices</a:t>
-            </a:r>
-          </a:p>
-          <a:p>
-            <a:pPr/>
-            <a:r>
-              <a:t>The unpreconditioned LSQR beats Blendenpik for well conditioned matrices</a:t>
-            </a:r>
-          </a:p>
-        </p:txBody>
-      </p:sp>
-    </p:spTree>
-  </p:cSld>
-  <p:clrMapOvr>
-    <a:masterClrMapping/>
-  </p:clrMapOvr>
-  <p:transition xmlns:p14="http://schemas.microsoft.com/office/powerpoint/2010/main" spd="med" advClick="1"/>
-</p:sld>
-</file>
-
-<file path=ppt/slides/slide17.xml><?xml version="1.0" encoding="utf-8"?>
-<p:sld xmlns:a="http://schemas.openxmlformats.org/drawingml/2006/main" xmlns:r="http://schemas.openxmlformats.org/officeDocument/2006/relationships" xmlns:p="http://schemas.openxmlformats.org/presentationml/2006/main" showMasterSp="1" showMasterPhAnim="1">
-  <p:cSld>
-    <p:spTree>
-      <p:nvGrpSpPr>
-        <p:cNvPr id="1" name=""/>
-        <p:cNvGrpSpPr/>
-        <p:nvPr/>
-      </p:nvGrpSpPr>
-      <p:grpSpPr>
-        <a:xfrm>
-          <a:off x="0" y="0"/>
-          <a:ext cx="0" cy="0"/>
-          <a:chOff x="0" y="0"/>
-          <a:chExt cx="0" cy="0"/>
-        </a:xfrm>
-      </p:grpSpPr>
-      <p:sp>
-        <p:nvSpPr>
-          <p:cNvPr id="162" name="Google Shape;143;p27"/>
-          <p:cNvSpPr txBox="1"/>
-          <p:nvPr>
-            <p:ph type="title"/>
-          </p:nvPr>
-        </p:nvSpPr>
-        <p:spPr>
-          <a:xfrm>
-            <a:off x="311699" y="445025"/>
-            <a:ext cx="8520602" cy="613201"/>
-          </a:xfrm>
-          <a:prstGeom prst="rect">
-            <a:avLst/>
-          </a:prstGeom>
-        </p:spPr>
-        <p:txBody>
-          <a:bodyPr/>
-          <a:lstStyle>
-            <a:lvl1pPr defTabSz="850391">
-              <a:defRPr sz="2790"/>
-            </a:lvl1pPr>
-          </a:lstStyle>
-          <a:p>
-            <a:pPr/>
-            <a:r>
-              <a:t>Coherence Evaluation</a:t>
-            </a:r>
-          </a:p>
-        </p:txBody>
-      </p:sp>
-      <p:sp>
-        <p:nvSpPr>
-          <p:cNvPr id="163" name="Google Shape;144;p27"/>
-          <p:cNvSpPr txBox="1"/>
-          <p:nvPr>
-            <p:ph type="body" idx="1"/>
-          </p:nvPr>
-        </p:nvSpPr>
-        <p:spPr>
-          <a:xfrm>
-            <a:off x="311699" y="1171599"/>
-            <a:ext cx="8520602" cy="3397201"/>
-          </a:xfrm>
-          <a:prstGeom prst="rect">
-            <a:avLst/>
-          </a:prstGeom>
-        </p:spPr>
-        <p:txBody>
-          <a:bodyPr/>
-          <a:lstStyle/>
-          <a:p>
-            <a:pPr/>
-            <a:r>
-              <a:t>Algorithm runs longer on matrices with high coherence compared to matrices with low coherence</a:t>
-            </a:r>
-          </a:p>
-          <a:p>
-            <a:pPr/>
-            <a:r>
-              <a:t>Blendenpik beast LAPACK in both cases</a:t>
-            </a:r>
-          </a:p>
-        </p:txBody>
-      </p:sp>
-    </p:spTree>
-  </p:cSld>
-  <p:clrMapOvr>
-    <a:masterClrMapping/>
-  </p:clrMapOvr>
-  <p:transition xmlns:p14="http://schemas.microsoft.com/office/powerpoint/2010/main" spd="med" advClick="1"/>
-</p:sld>
-</file>
-
-<file path=ppt/slides/slide18.xml><?xml version="1.0" encoding="utf-8"?>
-<p:sld xmlns:a="http://schemas.openxmlformats.org/drawingml/2006/main" xmlns:r="http://schemas.openxmlformats.org/officeDocument/2006/relationships" xmlns:p="http://schemas.openxmlformats.org/presentationml/2006/main" showMasterSp="1" showMasterPhAnim="1">
-  <p:cSld>
-    <p:spTree>
-      <p:nvGrpSpPr>
-        <p:cNvPr id="1" name=""/>
-        <p:cNvGrpSpPr/>
-        <p:nvPr/>
-      </p:nvGrpSpPr>
-      <p:grpSpPr>
-        <a:xfrm>
-          <a:off x="0" y="0"/>
-          <a:ext cx="0" cy="0"/>
-          <a:chOff x="0" y="0"/>
-          <a:chExt cx="0" cy="0"/>
-        </a:xfrm>
-      </p:grpSpPr>
-      <p:sp>
-        <p:nvSpPr>
-          <p:cNvPr id="165" name="Empirical Evaluation"/>
-          <p:cNvSpPr txBox="1"/>
-          <p:nvPr>
-            <p:ph type="title"/>
-          </p:nvPr>
-        </p:nvSpPr>
-        <p:spPr>
-          <a:prstGeom prst="rect">
-            <a:avLst/>
-          </a:prstGeom>
-        </p:spPr>
-        <p:txBody>
-          <a:bodyPr/>
-          <a:lstStyle/>
-          <a:p>
-            <a:pPr lvl="1" defTabSz="850391">
-              <a:defRPr sz="2790"/>
-            </a:pPr>
-            <a:r>
-              <a:t>Empirical Evaluation</a:t>
-            </a:r>
-          </a:p>
-        </p:txBody>
-      </p:sp>
-      <p:sp>
-        <p:nvSpPr>
-          <p:cNvPr id="166" name="25 runs of randomly generated sparse matrices…"/>
-          <p:cNvSpPr txBox="1"/>
-          <p:nvPr>
-            <p:ph type="body" idx="1"/>
-          </p:nvPr>
-        </p:nvSpPr>
-        <p:spPr>
-          <a:prstGeom prst="rect">
-            <a:avLst/>
-          </a:prstGeom>
-        </p:spPr>
-        <p:txBody>
-          <a:bodyPr/>
-          <a:lstStyle/>
-          <a:p>
-            <a:pPr>
-              <a:buSzPts val="2000"/>
-              <a:defRPr sz="2000"/>
-            </a:pPr>
-            <a:r>
-              <a:t>25 runs of randomly generated sparse matrices</a:t>
-            </a:r>
-          </a:p>
-          <a:p>
-            <a:pPr lvl="1" marL="939800" indent="-342900">
-              <a:buSzPts val="2000"/>
-              <a:buChar char="●"/>
-              <a:defRPr sz="2000"/>
-            </a:pPr>
-            <a:r>
-              <a:t>Each matrix with a random number of rows, m, between 10,000 and 20,000, number of columns, n, equal to m/40, and density randomly in [0,1)</a:t>
-            </a:r>
-          </a:p>
-          <a:p>
-            <a:pPr>
-              <a:buSzPts val="2000"/>
-              <a:defRPr sz="2000"/>
-            </a:pPr>
-            <a:r>
-              <a:t>Average Blendenpik time: 3.160 s</a:t>
-            </a:r>
-          </a:p>
-          <a:p>
-            <a:pPr>
-              <a:buSzPts val="2000"/>
-              <a:defRPr sz="2000"/>
-            </a:pPr>
-            <a:r>
-              <a:t>Average Numpy time: 17.026 s</a:t>
-            </a:r>
-          </a:p>
-          <a:p>
-            <a:pPr>
-              <a:buSzPts val="2000"/>
-              <a:defRPr sz="2000"/>
-            </a:pPr>
-            <a:r>
-              <a:t>Average Blendenpik residual: .00000070455</a:t>
-            </a:r>
-          </a:p>
-          <a:p>
-            <a:pPr>
-              <a:buSzPts val="2000"/>
-              <a:defRPr sz="2000"/>
-            </a:pPr>
-            <a:r>
-              <a:t>Average Numpy residual: .000000028423</a:t>
-            </a:r>
-          </a:p>
-        </p:txBody>
-      </p:sp>
-    </p:spTree>
-  </p:cSld>
-  <p:clrMapOvr>
-    <a:masterClrMapping/>
-  </p:clrMapOvr>
-  <p:transition xmlns:p14="http://schemas.microsoft.com/office/powerpoint/2010/main" spd="med" advClick="1"/>
-</p:sld>
-</file>
-
-<file path=ppt/slides/slide2.xml><?xml version="1.0" encoding="utf-8"?>
-<p:sld xmlns:a="http://schemas.openxmlformats.org/drawingml/2006/main" xmlns:r="http://schemas.openxmlformats.org/officeDocument/2006/relationships" xmlns:p="http://schemas.openxmlformats.org/presentationml/2006/main" showMasterSp="1" showMasterPhAnim="1">
-  <p:cSld>
-    <p:spTree>
-      <p:nvGrpSpPr>
-        <p:cNvPr id="1" name=""/>
-        <p:cNvGrpSpPr/>
-        <p:nvPr/>
-      </p:nvGrpSpPr>
-      <p:grpSpPr>
-        <a:xfrm>
-          <a:off x="0" y="0"/>
-          <a:ext cx="0" cy="0"/>
-          <a:chOff x="0" y="0"/>
-          <a:chExt cx="0" cy="0"/>
-        </a:xfrm>
-      </p:grpSpPr>
-      <p:sp>
-        <p:nvSpPr>
-          <p:cNvPr id="117" name="Google Shape;65;p14"/>
-          <p:cNvSpPr txBox="1"/>
-          <p:nvPr>
-            <p:ph type="title"/>
-          </p:nvPr>
-        </p:nvSpPr>
-        <p:spPr>
-          <a:xfrm>
-            <a:off x="311699" y="445025"/>
-            <a:ext cx="8520602" cy="613201"/>
-          </a:xfrm>
-          <a:prstGeom prst="rect">
-            <a:avLst/>
-          </a:prstGeom>
-        </p:spPr>
-        <p:txBody>
-          <a:bodyPr/>
-          <a:lstStyle>
-            <a:lvl1pPr defTabSz="850391">
-              <a:defRPr sz="2790"/>
-            </a:lvl1pPr>
-          </a:lstStyle>
-          <a:p>
-            <a:pPr/>
-            <a:r>
-              <a:t>The Paper</a:t>
-            </a:r>
-          </a:p>
-        </p:txBody>
-      </p:sp>
-      <p:sp>
-        <p:nvSpPr>
-          <p:cNvPr id="118" name="Google Shape;66;p14"/>
-          <p:cNvSpPr txBox="1"/>
-          <p:nvPr>
-            <p:ph type="body" idx="1"/>
-          </p:nvPr>
-        </p:nvSpPr>
-        <p:spPr>
-          <a:xfrm>
-            <a:off x="311699" y="1171599"/>
-            <a:ext cx="8520602" cy="3397201"/>
-          </a:xfrm>
-          <a:prstGeom prst="rect">
-            <a:avLst/>
-          </a:prstGeom>
-        </p:spPr>
-        <p:txBody>
-          <a:bodyPr/>
-          <a:lstStyle/>
-          <a:p>
-            <a:pPr>
-              <a:lnSpc>
-                <a:spcPct val="100000"/>
-              </a:lnSpc>
-            </a:pPr>
-            <a:r>
-              <a:t>Blendenpik: Supercharging LAPACK'S Least-Squares Solver</a:t>
-            </a:r>
-          </a:p>
-          <a:p>
-            <a:pPr>
-              <a:lnSpc>
-                <a:spcPct val="100000"/>
-              </a:lnSpc>
-            </a:pPr>
-            <a:r>
-              <a:t>Authors:</a:t>
-            </a:r>
-          </a:p>
-          <a:p>
-            <a:pPr lvl="1" marL="914400" indent="-342900">
-              <a:lnSpc>
-                <a:spcPct val="150000"/>
-              </a:lnSpc>
-            </a:pPr>
-            <a:r>
-              <a:t>Haim Avron, Petar Maymounkov, Sivan Toledo</a:t>
-            </a:r>
-            <a:endParaRPr sz="1400"/>
-          </a:p>
-          <a:p>
-            <a:pPr>
-              <a:lnSpc>
-                <a:spcPct val="150000"/>
-              </a:lnSpc>
-            </a:pPr>
-            <a:r>
-              <a:t>SIAM Journal on Scientific Computing, Vol. 32, No. 3, 2010</a:t>
-            </a:r>
-          </a:p>
-        </p:txBody>
-      </p:sp>
-    </p:spTree>
-  </p:cSld>
-  <p:clrMapOvr>
-    <a:masterClrMapping/>
-  </p:clrMapOvr>
-  <p:transition xmlns:p14="http://schemas.microsoft.com/office/powerpoint/2010/main" spd="med" advClick="1"/>
-</p:sld>
-</file>
-
-<file path=ppt/slides/slide3.xml><?xml version="1.0" encoding="utf-8"?>
-<p:sld xmlns:a="http://schemas.openxmlformats.org/drawingml/2006/main" xmlns:r="http://schemas.openxmlformats.org/officeDocument/2006/relationships" xmlns:p="http://schemas.openxmlformats.org/presentationml/2006/main" showMasterSp="1" showMasterPhAnim="1">
-  <p:cSld>
-    <p:spTree>
-      <p:nvGrpSpPr>
-        <p:cNvPr id="1" name=""/>
-        <p:cNvGrpSpPr/>
-        <p:nvPr/>
-      </p:nvGrpSpPr>
-      <p:grpSpPr>
-        <a:xfrm>
-          <a:off x="0" y="0"/>
-          <a:ext cx="0" cy="0"/>
-          <a:chOff x="0" y="0"/>
-          <a:chExt cx="0" cy="0"/>
-        </a:xfrm>
-      </p:grpSpPr>
-      <p:sp>
-        <p:nvSpPr>
-          <p:cNvPr id="120" name="Google Shape;71;p15"/>
-          <p:cNvSpPr txBox="1"/>
-          <p:nvPr>
-            <p:ph type="title"/>
-          </p:nvPr>
-        </p:nvSpPr>
-        <p:spPr>
-          <a:xfrm>
-            <a:off x="311699" y="445025"/>
-            <a:ext cx="8520602" cy="613201"/>
-          </a:xfrm>
-          <a:prstGeom prst="rect">
-            <a:avLst/>
-          </a:prstGeom>
-        </p:spPr>
-        <p:txBody>
-          <a:bodyPr/>
-          <a:lstStyle>
-            <a:lvl1pPr defTabSz="850391">
-              <a:defRPr sz="2790"/>
-            </a:lvl1pPr>
-          </a:lstStyle>
-          <a:p>
-            <a:pPr/>
-            <a:r>
-              <a:t>The Problem</a:t>
-            </a:r>
-          </a:p>
-        </p:txBody>
-      </p:sp>
-      <p:sp>
-        <p:nvSpPr>
-          <p:cNvPr id="121" name="Google Shape;72;p15"/>
-          <p:cNvSpPr txBox="1"/>
+          <p:cNvPr id="127" name="Google Shape;84;p17"/>
+          <p:cNvSpPr txBox="1">
+            <a:spLocks noGrp="1"/>
+          </p:cNvSpPr>
           <p:nvPr>
             <p:ph type="body" idx="1"/>
           </p:nvPr>
@@ -4463,7 +5230,6 @@
           <a:bodyPr/>
           <a:lstStyle/>
           <a:p>
-            <a:pPr/>
             <a:r>
               <a:t> </a:t>
             </a:r>
@@ -4475,12 +5241,12 @@
   <p:clrMapOvr>
     <a:masterClrMapping/>
   </p:clrMapOvr>
-  <p:transition xmlns:p14="http://schemas.microsoft.com/office/powerpoint/2010/main" spd="med" advClick="1"/>
+  <p:transition spd="med"/>
 </p:sld>
 </file>
 
-<file path=ppt/slides/slide4.xml><?xml version="1.0" encoding="utf-8"?>
-<p:sld xmlns:a="http://schemas.openxmlformats.org/drawingml/2006/main" xmlns:r="http://schemas.openxmlformats.org/officeDocument/2006/relationships" xmlns:p="http://schemas.openxmlformats.org/presentationml/2006/main" showMasterSp="1" showMasterPhAnim="1">
+<file path=ppt/slides/slide6.xml><?xml version="1.0" encoding="utf-8"?>
+<p:sld xmlns:a="http://schemas.openxmlformats.org/drawingml/2006/main" xmlns:r="http://schemas.openxmlformats.org/officeDocument/2006/relationships" xmlns:p="http://schemas.openxmlformats.org/presentationml/2006/main">
   <p:cSld>
     <p:spTree>
       <p:nvGrpSpPr>
@@ -4498,8 +5264,10 @@
       </p:grpSpPr>
       <p:sp>
         <p:nvSpPr>
-          <p:cNvPr id="123" name="Title 1"/>
-          <p:cNvSpPr txBox="1"/>
+          <p:cNvPr id="129" name="Google Shape;77;p16"/>
+          <p:cNvSpPr txBox="1">
+            <a:spLocks noGrp="1"/>
+          </p:cNvSpPr>
           <p:nvPr>
             <p:ph type="title"/>
           </p:nvPr>
@@ -4521,17 +5289,183 @@
             </a:lvl1pPr>
           </a:lstStyle>
           <a:p>
-            <a:pPr/>
-            <a:r>
-              <a:t>Ideas for a Least Squares Solver</a:t>
+            <a:r>
+              <a:t>The Result</a:t>
             </a:r>
           </a:p>
         </p:txBody>
       </p:sp>
       <p:sp>
         <p:nvSpPr>
-          <p:cNvPr id="124" name="Text Placeholder 2"/>
-          <p:cNvSpPr txBox="1"/>
+          <p:cNvPr id="130" name="Google Shape;78;p16"/>
+          <p:cNvSpPr txBox="1">
+            <a:spLocks noGrp="1"/>
+          </p:cNvSpPr>
+          <p:nvPr>
+            <p:ph type="body" idx="1"/>
+          </p:nvPr>
+        </p:nvSpPr>
+        <p:spPr>
+          <a:xfrm>
+            <a:off x="311699" y="1171599"/>
+            <a:ext cx="8520602" cy="3397201"/>
+          </a:xfrm>
+          <a:prstGeom prst="rect">
+            <a:avLst/>
+          </a:prstGeom>
+        </p:spPr>
+        <p:txBody>
+          <a:bodyPr/>
+          <a:lstStyle/>
+          <a:p>
+            <a:r>
+              <a:rPr dirty="0"/>
+              <a:t>Blendenpik beats LAPACK on any tall, dense matrix</a:t>
+            </a:r>
+          </a:p>
+          <a:p>
+            <a:r>
+              <a:rPr dirty="0"/>
+              <a:t>Blendenpik is slower on tiny matrices, nearly square matrices, and some sparse matrices</a:t>
+            </a:r>
+          </a:p>
+          <a:p>
+            <a:r>
+              <a:rPr dirty="0"/>
+              <a:t>Blendenpik is numerically-backwards stable</a:t>
+            </a:r>
+          </a:p>
+          <a:p>
+            <a:r>
+              <a:rPr dirty="0"/>
+              <a:t>Achieves residuals similar to direct </a:t>
+            </a:r>
+            <a:r>
+              <a:rPr lang="en-US" dirty="0"/>
+              <a:t>				               </a:t>
+            </a:r>
+            <a:r>
+              <a:rPr dirty="0"/>
+              <a:t>QR factorization-based solvers</a:t>
+            </a:r>
+          </a:p>
+          <a:p>
+            <a:r>
+              <a:rPr dirty="0"/>
+              <a:t>Scales significantly better than any other </a:t>
+            </a:r>
+            <a:r>
+              <a:rPr lang="en-US" dirty="0"/>
+              <a:t>				             </a:t>
+            </a:r>
+            <a:r>
+              <a:rPr dirty="0"/>
+              <a:t>QR-based solver</a:t>
+            </a:r>
+          </a:p>
+        </p:txBody>
+      </p:sp>
+      <p:pic>
+        <p:nvPicPr>
+          <p:cNvPr id="3" name="Picture 2" descr="A close up of a map&#10;&#10;Description automatically generated">
+            <a:extLst>
+              <a:ext uri="{FF2B5EF4-FFF2-40B4-BE49-F238E27FC236}">
+                <a16:creationId xmlns:a16="http://schemas.microsoft.com/office/drawing/2014/main" id="{4918F6A6-1BA7-4608-9A73-35CE292B12C7}"/>
+              </a:ext>
+            </a:extLst>
+          </p:cNvPr>
+          <p:cNvPicPr>
+            <a:picLocks noChangeAspect="1"/>
+          </p:cNvPicPr>
+          <p:nvPr/>
+        </p:nvPicPr>
+        <p:blipFill>
+          <a:blip r:embed="rId2">
+            <a:extLst>
+              <a:ext uri="{28A0092B-C50C-407E-A947-70E740481C1C}">
+                <a14:useLocalDpi xmlns:a14="http://schemas.microsoft.com/office/drawing/2010/main" val="0"/>
+              </a:ext>
+            </a:extLst>
+          </a:blip>
+          <a:stretch>
+            <a:fillRect/>
+          </a:stretch>
+        </p:blipFill>
+        <p:spPr>
+          <a:xfrm>
+            <a:off x="5133225" y="2017149"/>
+            <a:ext cx="3785488" cy="2960388"/>
+          </a:xfrm>
+          <a:prstGeom prst="rect">
+            <a:avLst/>
+          </a:prstGeom>
+        </p:spPr>
+      </p:pic>
+    </p:spTree>
+  </p:cSld>
+  <p:clrMapOvr>
+    <a:masterClrMapping/>
+  </p:clrMapOvr>
+  <p:transition spd="med"/>
+</p:sld>
+</file>
+
+<file path=ppt/slides/slide7.xml><?xml version="1.0" encoding="utf-8"?>
+<p:sld xmlns:a="http://schemas.openxmlformats.org/drawingml/2006/main" xmlns:r="http://schemas.openxmlformats.org/officeDocument/2006/relationships" xmlns:p="http://schemas.openxmlformats.org/presentationml/2006/main">
+  <p:cSld>
+    <p:spTree>
+      <p:nvGrpSpPr>
+        <p:cNvPr id="1" name=""/>
+        <p:cNvGrpSpPr/>
+        <p:nvPr/>
+      </p:nvGrpSpPr>
+      <p:grpSpPr>
+        <a:xfrm>
+          <a:off x="0" y="0"/>
+          <a:ext cx="0" cy="0"/>
+          <a:chOff x="0" y="0"/>
+          <a:chExt cx="0" cy="0"/>
+        </a:xfrm>
+      </p:grpSpPr>
+      <p:sp>
+        <p:nvSpPr>
+          <p:cNvPr id="132" name="Google Shape;89;p18"/>
+          <p:cNvSpPr txBox="1">
+            <a:spLocks noGrp="1"/>
+          </p:cNvSpPr>
+          <p:nvPr>
+            <p:ph type="title"/>
+          </p:nvPr>
+        </p:nvSpPr>
+        <p:spPr>
+          <a:xfrm>
+            <a:off x="311699" y="445025"/>
+            <a:ext cx="8520602" cy="613201"/>
+          </a:xfrm>
+          <a:prstGeom prst="rect">
+            <a:avLst/>
+          </a:prstGeom>
+        </p:spPr>
+        <p:txBody>
+          <a:bodyPr/>
+          <a:lstStyle>
+            <a:lvl1pPr defTabSz="850391">
+              <a:defRPr sz="2790"/>
+            </a:lvl1pPr>
+          </a:lstStyle>
+          <a:p>
+            <a:r>
+              <a:t>The Theory</a:t>
+            </a:r>
+          </a:p>
+        </p:txBody>
+      </p:sp>
+      <p:sp>
+        <p:nvSpPr>
+          <p:cNvPr id="133" name="Google Shape;90;p18"/>
+          <p:cNvSpPr txBox="1">
+            <a:spLocks noGrp="1"/>
+          </p:cNvSpPr>
           <p:nvPr>
             <p:ph type="body" idx="1"/>
           </p:nvPr>
@@ -4555,10 +5489,16 @@
           <a:bodyPr/>
           <a:lstStyle/>
           <a:p>
-            <a:pPr/>
-            <a:r>
-              <a:t> </a:t>
-            </a:r>
+            <a:pPr marL="114300" indent="0">
+              <a:buNone/>
+            </a:pPr>
+            <a:endParaRPr lang="en-US" dirty="0"/>
+          </a:p>
+          <a:p>
+            <a:pPr marL="114300" indent="0">
+              <a:buNone/>
+            </a:pPr>
+            <a:endParaRPr lang="en-US" dirty="0"/>
           </a:p>
         </p:txBody>
       </p:sp>
@@ -4567,12 +5507,12 @@
   <p:clrMapOvr>
     <a:masterClrMapping/>
   </p:clrMapOvr>
-  <p:transition xmlns:p14="http://schemas.microsoft.com/office/powerpoint/2010/main" spd="med" advClick="1"/>
+  <p:transition spd="med"/>
 </p:sld>
 </file>
 
-<file path=ppt/slides/slide5.xml><?xml version="1.0" encoding="utf-8"?>
-<p:sld xmlns:a="http://schemas.openxmlformats.org/drawingml/2006/main" xmlns:r="http://schemas.openxmlformats.org/officeDocument/2006/relationships" xmlns:p="http://schemas.openxmlformats.org/presentationml/2006/main" showMasterSp="1" showMasterPhAnim="1">
+<file path=ppt/slides/slide8.xml><?xml version="1.0" encoding="utf-8"?>
+<p:sld xmlns:a="http://schemas.openxmlformats.org/drawingml/2006/main" xmlns:r="http://schemas.openxmlformats.org/officeDocument/2006/relationships" xmlns:p="http://schemas.openxmlformats.org/presentationml/2006/main">
   <p:cSld>
     <p:spTree>
       <p:nvGrpSpPr>
@@ -4590,8 +5530,10 @@
       </p:grpSpPr>
       <p:sp>
         <p:nvSpPr>
-          <p:cNvPr id="126" name="Google Shape;83;p17"/>
-          <p:cNvSpPr txBox="1"/>
+          <p:cNvPr id="135" name="Google Shape;95;p19"/>
+          <p:cNvSpPr txBox="1">
+            <a:spLocks noGrp="1"/>
+          </p:cNvSpPr>
           <p:nvPr>
             <p:ph type="title"/>
           </p:nvPr>
@@ -4613,17 +5555,18 @@
             </a:lvl1pPr>
           </a:lstStyle>
           <a:p>
-            <a:pPr/>
-            <a:r>
-              <a:t>The Algorithm</a:t>
+            <a:r>
+              <a:t>Row Mixing</a:t>
             </a:r>
           </a:p>
         </p:txBody>
       </p:sp>
       <p:sp>
         <p:nvSpPr>
-          <p:cNvPr id="127" name="Google Shape;84;p17"/>
-          <p:cNvSpPr txBox="1"/>
+          <p:cNvPr id="136" name="Google Shape;96;p19"/>
+          <p:cNvSpPr txBox="1">
+            <a:spLocks noGrp="1"/>
+          </p:cNvSpPr>
           <p:nvPr>
             <p:ph type="body" idx="1"/>
           </p:nvPr>
@@ -4647,7 +5590,6 @@
           <a:bodyPr/>
           <a:lstStyle/>
           <a:p>
-            <a:pPr/>
             <a:r>
               <a:t> </a:t>
             </a:r>
@@ -4659,12 +5601,12 @@
   <p:clrMapOvr>
     <a:masterClrMapping/>
   </p:clrMapOvr>
-  <p:transition xmlns:p14="http://schemas.microsoft.com/office/powerpoint/2010/main" spd="med" advClick="1"/>
+  <p:transition spd="med"/>
 </p:sld>
 </file>
 
-<file path=ppt/slides/slide6.xml><?xml version="1.0" encoding="utf-8"?>
-<p:sld xmlns:a="http://schemas.openxmlformats.org/drawingml/2006/main" xmlns:r="http://schemas.openxmlformats.org/officeDocument/2006/relationships" xmlns:p="http://schemas.openxmlformats.org/presentationml/2006/main" showMasterSp="1" showMasterPhAnim="1">
+<file path=ppt/slides/slide9.xml><?xml version="1.0" encoding="utf-8"?>
+<p:sld xmlns:a="http://schemas.openxmlformats.org/drawingml/2006/main" xmlns:r="http://schemas.openxmlformats.org/officeDocument/2006/relationships" xmlns:p="http://schemas.openxmlformats.org/presentationml/2006/main">
   <p:cSld>
     <p:spTree>
       <p:nvGrpSpPr>
@@ -4682,372 +5624,599 @@
       </p:grpSpPr>
       <p:sp>
         <p:nvSpPr>
-          <p:cNvPr id="129" name="Google Shape;77;p16"/>
-          <p:cNvSpPr txBox="1"/>
+          <p:cNvPr id="2" name="Title 1">
+            <a:extLst>
+              <a:ext uri="{FF2B5EF4-FFF2-40B4-BE49-F238E27FC236}">
+                <a16:creationId xmlns:a16="http://schemas.microsoft.com/office/drawing/2014/main" id="{8732D2CB-875C-44C9-9E94-8684C2C2FD41}"/>
+              </a:ext>
+            </a:extLst>
+          </p:cNvPr>
+          <p:cNvSpPr>
+            <a:spLocks noGrp="1"/>
+          </p:cNvSpPr>
           <p:nvPr>
             <p:ph type="title"/>
           </p:nvPr>
         </p:nvSpPr>
-        <p:spPr>
-          <a:xfrm>
-            <a:off x="311699" y="445025"/>
-            <a:ext cx="8520602" cy="613201"/>
-          </a:xfrm>
-          <a:prstGeom prst="rect">
-            <a:avLst/>
-          </a:prstGeom>
-        </p:spPr>
+        <p:spPr/>
         <p:txBody>
-          <a:bodyPr/>
-          <a:lstStyle>
-            <a:lvl1pPr defTabSz="850391">
-              <a:defRPr sz="2790"/>
-            </a:lvl1pPr>
-          </a:lstStyle>
-          <a:p>
-            <a:pPr/>
-            <a:r>
-              <a:t>The Result</a:t>
+          <a:bodyPr>
+            <a:normAutofit fontScale="90000"/>
+          </a:bodyPr>
+          <a:lstStyle/>
+          <a:p>
+            <a:r>
+              <a:rPr lang="en-US" dirty="0"/>
+              <a:t>Row Mixing</a:t>
             </a:r>
           </a:p>
         </p:txBody>
       </p:sp>
-      <p:sp>
-        <p:nvSpPr>
-          <p:cNvPr id="130" name="Google Shape;78;p16"/>
-          <p:cNvSpPr txBox="1"/>
-          <p:nvPr>
-            <p:ph type="body" idx="1"/>
-          </p:nvPr>
-        </p:nvSpPr>
-        <p:spPr>
-          <a:xfrm>
-            <a:off x="311699" y="1171599"/>
-            <a:ext cx="8520602" cy="3397201"/>
-          </a:xfrm>
-          <a:prstGeom prst="rect">
-            <a:avLst/>
-          </a:prstGeom>
-        </p:spPr>
-        <p:txBody>
-          <a:bodyPr/>
-          <a:lstStyle/>
-          <a:p>
-            <a:pPr/>
-            <a:r>
-              <a:t>Blendenpik beats LAPACK on any tall, dense matrix</a:t>
-            </a:r>
-          </a:p>
-          <a:p>
-            <a:pPr/>
-            <a:r>
-              <a:t>Blendenpik is slower on tiny matrices, nearly square matrices, and some sparse matrices</a:t>
-            </a:r>
-          </a:p>
-          <a:p>
-            <a:pPr/>
-            <a:r>
-              <a:t>Blendenpik is numerically-backwards stable</a:t>
-            </a:r>
-          </a:p>
-          <a:p>
-            <a:pPr/>
-            <a:r>
-              <a:t>Achieves residuals similar to direct QR factorization-based solvers</a:t>
-            </a:r>
-          </a:p>
-          <a:p>
-            <a:pPr/>
-            <a:r>
-              <a:t>Scales significantly better than any other QR-based solver</a:t>
-            </a:r>
-          </a:p>
-        </p:txBody>
-      </p:sp>
+      <mc:AlternateContent xmlns:mc="http://schemas.openxmlformats.org/markup-compatibility/2006">
+        <mc:Choice xmlns:a14="http://schemas.microsoft.com/office/drawing/2010/main" Requires="a14">
+          <p:sp>
+            <p:nvSpPr>
+              <p:cNvPr id="3" name="Text Placeholder 2">
+                <a:extLst>
+                  <a:ext uri="{FF2B5EF4-FFF2-40B4-BE49-F238E27FC236}">
+                    <a16:creationId xmlns:a16="http://schemas.microsoft.com/office/drawing/2014/main" id="{6D8EA0DC-3CE0-4E2A-984E-4ED0FE8363FB}"/>
+                  </a:ext>
+                </a:extLst>
+              </p:cNvPr>
+              <p:cNvSpPr>
+                <a:spLocks noGrp="1"/>
+              </p:cNvSpPr>
+              <p:nvPr>
+                <p:ph type="body" idx="1"/>
+              </p:nvPr>
+            </p:nvSpPr>
+            <p:spPr/>
+            <p:txBody>
+              <a:bodyPr>
+                <a:normAutofit/>
+              </a:bodyPr>
+              <a:lstStyle/>
+              <a:p>
+                <a:pPr marL="114300" indent="0">
+                  <a:buNone/>
+                </a:pPr>
+                <a:r>
+                  <a:rPr lang="en-US" dirty="0"/>
+                  <a:t>Let </a:t>
+                </a:r>
+                <a14:m>
+                  <m:oMath xmlns:m="http://schemas.openxmlformats.org/officeDocument/2006/math">
+                    <m:r>
+                      <a:rPr lang="en-US" b="0" i="1" smtClean="0">
+                        <a:latin typeface="Cambria Math" panose="02040503050406030204" pitchFamily="18" charset="0"/>
+                      </a:rPr>
+                      <m:t>𝐴</m:t>
+                    </m:r>
+                  </m:oMath>
+                </a14:m>
+                <a:r>
+                  <a:rPr lang="en-US" dirty="0"/>
+                  <a:t> be a </a:t>
+                </a:r>
+                <a14:m>
+                  <m:oMath xmlns:m="http://schemas.openxmlformats.org/officeDocument/2006/math">
+                    <m:r>
+                      <a:rPr lang="en-US" b="0" i="1" smtClean="0">
+                        <a:latin typeface="Cambria Math" panose="02040503050406030204" pitchFamily="18" charset="0"/>
+                      </a:rPr>
+                      <m:t>𝑚</m:t>
+                    </m:r>
+                    <m:r>
+                      <a:rPr lang="en-US" b="0" i="1" smtClean="0">
+                        <a:latin typeface="Cambria Math" panose="02040503050406030204" pitchFamily="18" charset="0"/>
+                      </a:rPr>
+                      <m:t>×</m:t>
+                    </m:r>
+                    <m:r>
+                      <a:rPr lang="en-US" b="0" i="1" smtClean="0">
+                        <a:latin typeface="Cambria Math" panose="02040503050406030204" pitchFamily="18" charset="0"/>
+                      </a:rPr>
+                      <m:t>𝑛</m:t>
+                    </m:r>
+                  </m:oMath>
+                </a14:m>
+                <a:r>
+                  <a:rPr lang="en-US" dirty="0"/>
+                  <a:t> full rank matrix, where </a:t>
+                </a:r>
+                <a14:m>
+                  <m:oMath xmlns:m="http://schemas.openxmlformats.org/officeDocument/2006/math">
+                    <m:r>
+                      <a:rPr lang="en-US" b="0" i="1" smtClean="0">
+                        <a:latin typeface="Cambria Math" panose="02040503050406030204" pitchFamily="18" charset="0"/>
+                      </a:rPr>
+                      <m:t>𝑚</m:t>
+                    </m:r>
+                    <m:r>
+                      <a:rPr lang="en-US" b="0" i="1" smtClean="0">
+                        <a:latin typeface="Cambria Math" panose="02040503050406030204" pitchFamily="18" charset="0"/>
+                      </a:rPr>
+                      <m:t>≥</m:t>
+                    </m:r>
+                    <m:r>
+                      <a:rPr lang="en-US" b="0" i="1" smtClean="0">
+                        <a:latin typeface="Cambria Math" panose="02040503050406030204" pitchFamily="18" charset="0"/>
+                      </a:rPr>
+                      <m:t>𝑛</m:t>
+                    </m:r>
+                    <m:r>
+                      <a:rPr lang="en-US" b="0" i="1" smtClean="0">
+                        <a:latin typeface="Cambria Math" panose="02040503050406030204" pitchFamily="18" charset="0"/>
+                      </a:rPr>
+                      <m:t>.</m:t>
+                    </m:r>
+                  </m:oMath>
+                </a14:m>
+                <a:r>
+                  <a:rPr lang="en-US" dirty="0"/>
+                  <a:t> Let </a:t>
+                </a:r>
+                <a14:m>
+                  <m:oMath xmlns:m="http://schemas.openxmlformats.org/officeDocument/2006/math">
+                    <m:r>
+                      <a:rPr lang="en-US" b="0" i="1" smtClean="0">
+                        <a:latin typeface="Cambria Math" panose="02040503050406030204" pitchFamily="18" charset="0"/>
+                      </a:rPr>
+                      <m:t>𝐹</m:t>
+                    </m:r>
+                  </m:oMath>
+                </a14:m>
+                <a:r>
+                  <a:rPr lang="en-US" dirty="0"/>
+                  <a:t> be a </a:t>
+                </a:r>
+                <a14:m>
+                  <m:oMath xmlns:m="http://schemas.openxmlformats.org/officeDocument/2006/math">
+                    <m:r>
+                      <a:rPr lang="en-US" b="0" i="1" smtClean="0">
+                        <a:latin typeface="Cambria Math" panose="02040503050406030204" pitchFamily="18" charset="0"/>
+                      </a:rPr>
+                      <m:t>𝑚</m:t>
+                    </m:r>
+                    <m:r>
+                      <a:rPr lang="en-US" b="0" i="1" smtClean="0">
+                        <a:latin typeface="Cambria Math" panose="02040503050406030204" pitchFamily="18" charset="0"/>
+                      </a:rPr>
+                      <m:t>×</m:t>
+                    </m:r>
+                    <m:r>
+                      <a:rPr lang="en-US" b="0" i="1" smtClean="0">
+                        <a:latin typeface="Cambria Math" panose="02040503050406030204" pitchFamily="18" charset="0"/>
+                      </a:rPr>
+                      <m:t>𝑛</m:t>
+                    </m:r>
+                  </m:oMath>
+                </a14:m>
+                <a:r>
+                  <a:rPr lang="en-US" dirty="0"/>
+                  <a:t> unitary matrix, and </a:t>
+                </a:r>
+                <a14:m>
+                  <m:oMath xmlns:m="http://schemas.openxmlformats.org/officeDocument/2006/math">
+                    <m:r>
+                      <a:rPr lang="en-US" b="0" i="1" smtClean="0">
+                        <a:latin typeface="Cambria Math" panose="02040503050406030204" pitchFamily="18" charset="0"/>
+                      </a:rPr>
+                      <m:t>𝐷</m:t>
+                    </m:r>
+                  </m:oMath>
+                </a14:m>
+                <a:r>
+                  <a:rPr lang="en-US" dirty="0"/>
+                  <a:t> be a diagonal matrix whose entries are independent and identically distributed Rademacher random variables </a:t>
+                </a:r>
+                <a14:m>
+                  <m:oMath xmlns:m="http://schemas.openxmlformats.org/officeDocument/2006/math">
+                    <m:d>
+                      <m:dPr>
+                        <m:ctrlPr>
+                          <a:rPr lang="en-US" b="0" i="1" smtClean="0">
+                            <a:latin typeface="Cambria Math" panose="02040503050406030204" pitchFamily="18" charset="0"/>
+                          </a:rPr>
+                        </m:ctrlPr>
+                      </m:dPr>
+                      <m:e>
+                        <m:r>
+                          <a:rPr lang="en-US" b="0" i="1" smtClean="0">
+                            <a:latin typeface="Cambria Math" panose="02040503050406030204" pitchFamily="18" charset="0"/>
+                          </a:rPr>
+                          <m:t>±</m:t>
+                        </m:r>
+                        <m:r>
+                          <a:rPr lang="en-US" b="0" i="1" smtClean="0">
+                            <a:latin typeface="Cambria Math" panose="02040503050406030204" pitchFamily="18" charset="0"/>
+                          </a:rPr>
+                          <m:t>1</m:t>
+                        </m:r>
+                      </m:e>
+                    </m:d>
+                    <m:r>
+                      <a:rPr lang="en-US" b="0" i="1" smtClean="0">
+                        <a:latin typeface="Cambria Math" panose="02040503050406030204" pitchFamily="18" charset="0"/>
+                      </a:rPr>
+                      <m:t>,</m:t>
+                    </m:r>
+                  </m:oMath>
+                </a14:m>
+                <a:r>
+                  <a:rPr lang="en-US" dirty="0"/>
+                  <a:t> and let </a:t>
+                </a:r>
+                <a14:m>
+                  <m:oMath xmlns:m="http://schemas.openxmlformats.org/officeDocument/2006/math">
+                    <m:r>
+                      <a:rPr lang="en-US" b="0" i="1" smtClean="0">
+                        <a:latin typeface="Cambria Math" panose="02040503050406030204" pitchFamily="18" charset="0"/>
+                      </a:rPr>
+                      <m:t>𝐹</m:t>
+                    </m:r>
+                    <m:r>
+                      <a:rPr lang="en-US" b="0" i="1" smtClean="0">
+                        <a:latin typeface="Cambria Math" panose="02040503050406030204" pitchFamily="18" charset="0"/>
+                      </a:rPr>
+                      <m:t>=</m:t>
+                    </m:r>
+                    <m:r>
+                      <a:rPr lang="en-US" b="0" i="1" smtClean="0">
+                        <a:latin typeface="Cambria Math" panose="02040503050406030204" pitchFamily="18" charset="0"/>
+                      </a:rPr>
+                      <m:t>𝐹𝐷</m:t>
+                    </m:r>
+                    <m:r>
+                      <a:rPr lang="en-US" b="0" i="1" smtClean="0">
+                        <a:latin typeface="Cambria Math" panose="02040503050406030204" pitchFamily="18" charset="0"/>
+                      </a:rPr>
+                      <m:t>.</m:t>
+                    </m:r>
+                  </m:oMath>
+                </a14:m>
+                <a:r>
+                  <a:rPr lang="en-US" dirty="0"/>
+                  <a:t> With a probability of at least 0.95 we have</a:t>
+                </a:r>
+              </a:p>
+              <a:p>
+                <a:pPr marL="114300" indent="0" algn="ctr">
+                  <a:buNone/>
+                </a:pPr>
+                <a14:m>
+                  <m:oMathPara xmlns:m="http://schemas.openxmlformats.org/officeDocument/2006/math">
+                    <m:oMathParaPr>
+                      <m:jc m:val="centerGroup"/>
+                    </m:oMathParaPr>
+                    <m:oMath xmlns:m="http://schemas.openxmlformats.org/officeDocument/2006/math">
+                      <m:r>
+                        <a:rPr lang="en-US" b="0" i="1" smtClean="0">
+                          <a:latin typeface="Cambria Math" panose="02040503050406030204" pitchFamily="18" charset="0"/>
+                        </a:rPr>
+                        <m:t>𝜇</m:t>
+                      </m:r>
+                      <m:d>
+                        <m:dPr>
+                          <m:ctrlPr>
+                            <a:rPr lang="en-US" b="0" i="1" smtClean="0">
+                              <a:latin typeface="Cambria Math" panose="02040503050406030204" pitchFamily="18" charset="0"/>
+                            </a:rPr>
+                          </m:ctrlPr>
+                        </m:dPr>
+                        <m:e>
+                          <m:r>
+                            <a:rPr lang="en-US" b="0" i="1" smtClean="0">
+                              <a:latin typeface="Cambria Math" panose="02040503050406030204" pitchFamily="18" charset="0"/>
+                            </a:rPr>
+                            <m:t>𝐹𝐴</m:t>
+                          </m:r>
+                        </m:e>
+                      </m:d>
+                      <m:r>
+                        <a:rPr lang="en-US" b="0" i="1" smtClean="0">
+                          <a:latin typeface="Cambria Math" panose="02040503050406030204" pitchFamily="18" charset="0"/>
+                        </a:rPr>
+                        <m:t>≤</m:t>
+                      </m:r>
+                      <m:r>
+                        <a:rPr lang="en-US" b="0" i="1" smtClean="0">
+                          <a:latin typeface="Cambria Math" panose="02040503050406030204" pitchFamily="18" charset="0"/>
+                        </a:rPr>
+                        <m:t>𝐶𝑛</m:t>
+                      </m:r>
+                      <m:r>
+                        <a:rPr lang="en-US" b="0" i="1" smtClean="0">
+                          <a:latin typeface="Cambria Math" panose="02040503050406030204" pitchFamily="18" charset="0"/>
+                        </a:rPr>
+                        <m:t>𝜂</m:t>
+                      </m:r>
+                      <m:func>
+                        <m:funcPr>
+                          <m:ctrlPr>
+                            <a:rPr lang="en-US" b="0" i="1" smtClean="0">
+                              <a:latin typeface="Cambria Math" panose="02040503050406030204" pitchFamily="18" charset="0"/>
+                            </a:rPr>
+                          </m:ctrlPr>
+                        </m:funcPr>
+                        <m:fName>
+                          <m:r>
+                            <m:rPr>
+                              <m:sty m:val="p"/>
+                            </m:rPr>
+                            <a:rPr lang="en-US" b="0" i="0" smtClean="0">
+                              <a:latin typeface="Cambria Math" panose="02040503050406030204" pitchFamily="18" charset="0"/>
+                            </a:rPr>
+                            <m:t>log</m:t>
+                          </m:r>
+                        </m:fName>
+                        <m:e>
+                          <m:r>
+                            <a:rPr lang="en-US" b="0" i="1" smtClean="0">
+                              <a:latin typeface="Cambria Math" panose="02040503050406030204" pitchFamily="18" charset="0"/>
+                            </a:rPr>
+                            <m:t>𝑚</m:t>
+                          </m:r>
+                        </m:e>
+                      </m:func>
+                    </m:oMath>
+                  </m:oMathPara>
+                </a14:m>
+                <a:endParaRPr lang="en-US" dirty="0"/>
+              </a:p>
+              <a:p>
+                <a:pPr marL="114300" indent="0">
+                  <a:buNone/>
+                </a:pPr>
+                <a:r>
+                  <a:rPr lang="en-US" dirty="0"/>
+                  <a:t>Where </a:t>
+                </a:r>
+                <a14:m>
+                  <m:oMath xmlns:m="http://schemas.openxmlformats.org/officeDocument/2006/math">
+                    <m:r>
+                      <a:rPr lang="en-US" b="0" i="1" smtClean="0">
+                        <a:latin typeface="Cambria Math" panose="02040503050406030204" pitchFamily="18" charset="0"/>
+                      </a:rPr>
+                      <m:t>𝜂</m:t>
+                    </m:r>
+                    <m:r>
+                      <a:rPr lang="en-US" b="0" i="1" smtClean="0">
+                        <a:latin typeface="Cambria Math" panose="02040503050406030204" pitchFamily="18" charset="0"/>
+                      </a:rPr>
+                      <m:t>=</m:t>
+                    </m:r>
+                    <m:sSup>
+                      <m:sSupPr>
+                        <m:ctrlPr>
+                          <a:rPr lang="en-US" b="0" i="1" smtClean="0">
+                            <a:latin typeface="Cambria Math" panose="02040503050406030204" pitchFamily="18" charset="0"/>
+                          </a:rPr>
+                        </m:ctrlPr>
+                      </m:sSupPr>
+                      <m:e>
+                        <m:func>
+                          <m:funcPr>
+                            <m:ctrlPr>
+                              <a:rPr lang="en-US" b="0" i="1" smtClean="0">
+                                <a:latin typeface="Cambria Math" panose="02040503050406030204" pitchFamily="18" charset="0"/>
+                              </a:rPr>
+                            </m:ctrlPr>
+                          </m:funcPr>
+                          <m:fName>
+                            <m:r>
+                              <m:rPr>
+                                <m:sty m:val="p"/>
+                              </m:rPr>
+                              <a:rPr lang="en-US" b="0" i="0" smtClean="0">
+                                <a:latin typeface="Cambria Math" panose="02040503050406030204" pitchFamily="18" charset="0"/>
+                              </a:rPr>
+                              <m:t>max</m:t>
+                            </m:r>
+                          </m:fName>
+                          <m:e>
+                            <m:d>
+                              <m:dPr>
+                                <m:begChr m:val="|"/>
+                                <m:endChr m:val="|"/>
+                                <m:ctrlPr>
+                                  <a:rPr lang="en-US" b="0" i="1" smtClean="0">
+                                    <a:latin typeface="Cambria Math" panose="02040503050406030204" pitchFamily="18" charset="0"/>
+                                  </a:rPr>
+                                </m:ctrlPr>
+                              </m:dPr>
+                              <m:e>
+                                <m:sSub>
+                                  <m:sSubPr>
+                                    <m:ctrlPr>
+                                      <a:rPr lang="en-US" b="0" i="1" smtClean="0">
+                                        <a:latin typeface="Cambria Math" panose="02040503050406030204" pitchFamily="18" charset="0"/>
+                                      </a:rPr>
+                                    </m:ctrlPr>
+                                  </m:sSubPr>
+                                  <m:e>
+                                    <m:r>
+                                      <a:rPr lang="en-US" b="0" i="1" smtClean="0">
+                                        <a:latin typeface="Cambria Math" panose="02040503050406030204" pitchFamily="18" charset="0"/>
+                                      </a:rPr>
+                                      <m:t>𝐹</m:t>
+                                    </m:r>
+                                  </m:e>
+                                  <m:sub>
+                                    <m:r>
+                                      <a:rPr lang="en-US" b="0" i="1" smtClean="0">
+                                        <a:latin typeface="Cambria Math" panose="02040503050406030204" pitchFamily="18" charset="0"/>
+                                      </a:rPr>
+                                      <m:t>𝑖𝑗</m:t>
+                                    </m:r>
+                                  </m:sub>
+                                </m:sSub>
+                              </m:e>
+                            </m:d>
+                          </m:e>
+                        </m:func>
+                      </m:e>
+                      <m:sup>
+                        <m:r>
+                          <a:rPr lang="en-US" b="0" i="1" smtClean="0">
+                            <a:latin typeface="Cambria Math" panose="02040503050406030204" pitchFamily="18" charset="0"/>
+                          </a:rPr>
+                          <m:t>2</m:t>
+                        </m:r>
+                      </m:sup>
+                    </m:sSup>
+                  </m:oMath>
+                </a14:m>
+                <a:r>
+                  <a:rPr lang="en-US" dirty="0"/>
+                  <a:t> and </a:t>
+                </a:r>
+                <a14:m>
+                  <m:oMath xmlns:m="http://schemas.openxmlformats.org/officeDocument/2006/math">
+                    <m:r>
+                      <a:rPr lang="en-US" b="0" i="1" smtClean="0">
+                        <a:latin typeface="Cambria Math" panose="02040503050406030204" pitchFamily="18" charset="0"/>
+                      </a:rPr>
+                      <m:t>𝐶</m:t>
+                    </m:r>
+                  </m:oMath>
+                </a14:m>
+                <a:r>
+                  <a:rPr lang="en-US" dirty="0"/>
+                  <a:t> is some constant that increases with our probability of success.</a:t>
+                </a:r>
+              </a:p>
+              <a:p>
+                <a:pPr marL="114300" indent="0">
+                  <a:buNone/>
+                </a:pPr>
+                <a:endParaRPr lang="en-US" dirty="0"/>
+              </a:p>
+              <a:p>
+                <a:pPr marL="114300" indent="0">
+                  <a:buNone/>
+                </a:pPr>
+                <a:r>
+                  <a:rPr lang="en-US" dirty="0"/>
+                  <a:t>The minimal value of </a:t>
+                </a:r>
+                <a14:m>
+                  <m:oMath xmlns:m="http://schemas.openxmlformats.org/officeDocument/2006/math">
+                    <m:r>
+                      <a:rPr lang="en-US" b="0" i="1" smtClean="0">
+                        <a:latin typeface="Cambria Math" panose="02040503050406030204" pitchFamily="18" charset="0"/>
+                      </a:rPr>
+                      <m:t>𝜂</m:t>
+                    </m:r>
+                  </m:oMath>
+                </a14:m>
+                <a:r>
+                  <a:rPr lang="en-US" dirty="0"/>
+                  <a:t> is </a:t>
+                </a:r>
+                <a14:m>
+                  <m:oMath xmlns:m="http://schemas.openxmlformats.org/officeDocument/2006/math">
+                    <m:r>
+                      <a:rPr lang="en-US" b="0" i="1" smtClean="0">
+                        <a:latin typeface="Cambria Math" panose="02040503050406030204" pitchFamily="18" charset="0"/>
+                      </a:rPr>
+                      <m:t>1/</m:t>
+                    </m:r>
+                    <m:r>
+                      <a:rPr lang="en-US" b="0" i="1" smtClean="0">
+                        <a:latin typeface="Cambria Math" panose="02040503050406030204" pitchFamily="18" charset="0"/>
+                      </a:rPr>
+                      <m:t>𝑚</m:t>
+                    </m:r>
+                  </m:oMath>
+                </a14:m>
+                <a:r>
+                  <a:rPr lang="en-US" dirty="0"/>
+                  <a:t>, with our choice of row mixing we expect </a:t>
+                </a:r>
+                <a14:m>
+                  <m:oMath xmlns:m="http://schemas.openxmlformats.org/officeDocument/2006/math">
+                    <m:r>
+                      <a:rPr lang="en-US" b="0" i="1" smtClean="0">
+                        <a:latin typeface="Cambria Math" panose="02040503050406030204" pitchFamily="18" charset="0"/>
+                      </a:rPr>
+                      <m:t>𝜂</m:t>
+                    </m:r>
+                    <m:r>
+                      <a:rPr lang="en-US" b="0" i="1" smtClean="0">
+                        <a:latin typeface="Cambria Math" panose="02040503050406030204" pitchFamily="18" charset="0"/>
+                      </a:rPr>
+                      <m:t>=2/</m:t>
+                    </m:r>
+                    <m:r>
+                      <a:rPr lang="en-US" b="0" i="1" smtClean="0">
+                        <a:latin typeface="Cambria Math" panose="02040503050406030204" pitchFamily="18" charset="0"/>
+                      </a:rPr>
+                      <m:t>𝑚</m:t>
+                    </m:r>
+                  </m:oMath>
+                </a14:m>
+                <a:endParaRPr lang="en-US" dirty="0"/>
+              </a:p>
+            </p:txBody>
+          </p:sp>
+        </mc:Choice>
+        <mc:Fallback>
+          <p:sp>
+            <p:nvSpPr>
+              <p:cNvPr id="3" name="Text Placeholder 2">
+                <a:extLst>
+                  <a:ext uri="{FF2B5EF4-FFF2-40B4-BE49-F238E27FC236}">
+                    <a16:creationId xmlns:a16="http://schemas.microsoft.com/office/drawing/2014/main" id="{6D8EA0DC-3CE0-4E2A-984E-4ED0FE8363FB}"/>
+                  </a:ext>
+                </a:extLst>
+              </p:cNvPr>
+              <p:cNvSpPr>
+                <a:spLocks noGrp="1" noRot="1" noChangeAspect="1" noMove="1" noResize="1" noEditPoints="1" noAdjustHandles="1" noChangeArrowheads="1" noChangeShapeType="1" noTextEdit="1"/>
+              </p:cNvSpPr>
+              <p:nvPr>
+                <p:ph type="body" idx="1"/>
+              </p:nvPr>
+            </p:nvSpPr>
+            <p:spPr>
+              <a:blipFill>
+                <a:blip r:embed="rId2"/>
+                <a:stretch>
+                  <a:fillRect r="-215"/>
+                </a:stretch>
+              </a:blipFill>
+            </p:spPr>
+            <p:txBody>
+              <a:bodyPr/>
+              <a:lstStyle/>
+              <a:p>
+                <a:r>
+                  <a:rPr lang="en-US">
+                    <a:noFill/>
+                  </a:rPr>
+                  <a:t> </a:t>
+                </a:r>
+              </a:p>
+            </p:txBody>
+          </p:sp>
+        </mc:Fallback>
+      </mc:AlternateContent>
     </p:spTree>
+    <p:extLst>
+      <p:ext uri="{BB962C8B-B14F-4D97-AF65-F5344CB8AC3E}">
+        <p14:creationId xmlns:p14="http://schemas.microsoft.com/office/powerpoint/2010/main" val="4057869669"/>
+      </p:ext>
+    </p:extLst>
   </p:cSld>
   <p:clrMapOvr>
     <a:masterClrMapping/>
   </p:clrMapOvr>
-  <p:transition xmlns:p14="http://schemas.microsoft.com/office/powerpoint/2010/main" spd="med" advClick="1"/>
-</p:sld>
-</file>
-
-<file path=ppt/slides/slide7.xml><?xml version="1.0" encoding="utf-8"?>
-<p:sld xmlns:a="http://schemas.openxmlformats.org/drawingml/2006/main" xmlns:r="http://schemas.openxmlformats.org/officeDocument/2006/relationships" xmlns:p="http://schemas.openxmlformats.org/presentationml/2006/main" showMasterSp="1" showMasterPhAnim="1">
-  <p:cSld>
-    <p:spTree>
-      <p:nvGrpSpPr>
-        <p:cNvPr id="1" name=""/>
-        <p:cNvGrpSpPr/>
-        <p:nvPr/>
-      </p:nvGrpSpPr>
-      <p:grpSpPr>
-        <a:xfrm>
-          <a:off x="0" y="0"/>
-          <a:ext cx="0" cy="0"/>
-          <a:chOff x="0" y="0"/>
-          <a:chExt cx="0" cy="0"/>
-        </a:xfrm>
-      </p:grpSpPr>
-      <p:sp>
-        <p:nvSpPr>
-          <p:cNvPr id="132" name="Google Shape;89;p18"/>
-          <p:cNvSpPr txBox="1"/>
-          <p:nvPr>
-            <p:ph type="title"/>
-          </p:nvPr>
-        </p:nvSpPr>
-        <p:spPr>
-          <a:xfrm>
-            <a:off x="311699" y="445025"/>
-            <a:ext cx="8520602" cy="613201"/>
-          </a:xfrm>
-          <a:prstGeom prst="rect">
-            <a:avLst/>
-          </a:prstGeom>
-        </p:spPr>
-        <p:txBody>
-          <a:bodyPr/>
-          <a:lstStyle>
-            <a:lvl1pPr defTabSz="850391">
-              <a:defRPr sz="2790"/>
-            </a:lvl1pPr>
-          </a:lstStyle>
-          <a:p>
-            <a:pPr/>
-            <a:r>
-              <a:t>The Theory</a:t>
-            </a:r>
-          </a:p>
-        </p:txBody>
-      </p:sp>
-      <p:sp>
-        <p:nvSpPr>
-          <p:cNvPr id="133" name="Google Shape;90;p18"/>
-          <p:cNvSpPr txBox="1"/>
-          <p:nvPr>
-            <p:ph type="body" idx="1"/>
-          </p:nvPr>
-        </p:nvSpPr>
-        <p:spPr>
-          <a:xfrm>
-            <a:off x="311699" y="1171599"/>
-            <a:ext cx="8520602" cy="3397201"/>
-          </a:xfrm>
-          <a:prstGeom prst="rect">
-            <a:avLst/>
-          </a:prstGeom>
-          <a:blipFill>
-            <a:blip r:embed="rId2"/>
-            <a:stretch>
-              <a:fillRect/>
-            </a:stretch>
-          </a:blipFill>
-        </p:spPr>
-        <p:txBody>
-          <a:bodyPr/>
-          <a:lstStyle/>
-          <a:p>
-            <a:pPr/>
-            <a:r>
-              <a:t> </a:t>
-            </a:r>
-          </a:p>
-        </p:txBody>
-      </p:sp>
-    </p:spTree>
-  </p:cSld>
-  <p:clrMapOvr>
-    <a:masterClrMapping/>
-  </p:clrMapOvr>
-  <p:transition xmlns:p14="http://schemas.microsoft.com/office/powerpoint/2010/main" spd="med" advClick="1"/>
-</p:sld>
-</file>
-
-<file path=ppt/slides/slide8.xml><?xml version="1.0" encoding="utf-8"?>
-<p:sld xmlns:a="http://schemas.openxmlformats.org/drawingml/2006/main" xmlns:r="http://schemas.openxmlformats.org/officeDocument/2006/relationships" xmlns:p="http://schemas.openxmlformats.org/presentationml/2006/main" showMasterSp="1" showMasterPhAnim="1">
-  <p:cSld>
-    <p:spTree>
-      <p:nvGrpSpPr>
-        <p:cNvPr id="1" name=""/>
-        <p:cNvGrpSpPr/>
-        <p:nvPr/>
-      </p:nvGrpSpPr>
-      <p:grpSpPr>
-        <a:xfrm>
-          <a:off x="0" y="0"/>
-          <a:ext cx="0" cy="0"/>
-          <a:chOff x="0" y="0"/>
-          <a:chExt cx="0" cy="0"/>
-        </a:xfrm>
-      </p:grpSpPr>
-      <p:sp>
-        <p:nvSpPr>
-          <p:cNvPr id="135" name="Google Shape;95;p19"/>
-          <p:cNvSpPr txBox="1"/>
-          <p:nvPr>
-            <p:ph type="title"/>
-          </p:nvPr>
-        </p:nvSpPr>
-        <p:spPr>
-          <a:xfrm>
-            <a:off x="311699" y="445025"/>
-            <a:ext cx="8520602" cy="613201"/>
-          </a:xfrm>
-          <a:prstGeom prst="rect">
-            <a:avLst/>
-          </a:prstGeom>
-        </p:spPr>
-        <p:txBody>
-          <a:bodyPr/>
-          <a:lstStyle>
-            <a:lvl1pPr defTabSz="850391">
-              <a:defRPr sz="2790"/>
-            </a:lvl1pPr>
-          </a:lstStyle>
-          <a:p>
-            <a:pPr/>
-            <a:r>
-              <a:t>Row Mixing</a:t>
-            </a:r>
-          </a:p>
-        </p:txBody>
-      </p:sp>
-      <p:sp>
-        <p:nvSpPr>
-          <p:cNvPr id="136" name="Google Shape;96;p19"/>
-          <p:cNvSpPr txBox="1"/>
-          <p:nvPr>
-            <p:ph type="body" idx="1"/>
-          </p:nvPr>
-        </p:nvSpPr>
-        <p:spPr>
-          <a:xfrm>
-            <a:off x="311699" y="1171599"/>
-            <a:ext cx="8520602" cy="3397201"/>
-          </a:xfrm>
-          <a:prstGeom prst="rect">
-            <a:avLst/>
-          </a:prstGeom>
-          <a:blipFill>
-            <a:blip r:embed="rId2"/>
-            <a:stretch>
-              <a:fillRect/>
-            </a:stretch>
-          </a:blipFill>
-        </p:spPr>
-        <p:txBody>
-          <a:bodyPr/>
-          <a:lstStyle/>
-          <a:p>
-            <a:pPr/>
-            <a:r>
-              <a:t> </a:t>
-            </a:r>
-          </a:p>
-        </p:txBody>
-      </p:sp>
-    </p:spTree>
-  </p:cSld>
-  <p:clrMapOvr>
-    <a:masterClrMapping/>
-  </p:clrMapOvr>
-  <p:transition xmlns:p14="http://schemas.microsoft.com/office/powerpoint/2010/main" spd="med" advClick="1"/>
-</p:sld>
-</file>
-
-<file path=ppt/slides/slide9.xml><?xml version="1.0" encoding="utf-8"?>
-<p:sld xmlns:a="http://schemas.openxmlformats.org/drawingml/2006/main" xmlns:r="http://schemas.openxmlformats.org/officeDocument/2006/relationships" xmlns:p="http://schemas.openxmlformats.org/presentationml/2006/main" showMasterSp="1" showMasterPhAnim="1">
-  <p:cSld>
-    <p:spTree>
-      <p:nvGrpSpPr>
-        <p:cNvPr id="1" name=""/>
-        <p:cNvGrpSpPr/>
-        <p:nvPr/>
-      </p:nvGrpSpPr>
-      <p:grpSpPr>
-        <a:xfrm>
-          <a:off x="0" y="0"/>
-          <a:ext cx="0" cy="0"/>
-          <a:chOff x="0" y="0"/>
-          <a:chExt cx="0" cy="0"/>
-        </a:xfrm>
-      </p:grpSpPr>
-      <p:sp>
-        <p:nvSpPr>
-          <p:cNvPr id="138" name="Title 1"/>
-          <p:cNvSpPr txBox="1"/>
-          <p:nvPr>
-            <p:ph type="title"/>
-          </p:nvPr>
-        </p:nvSpPr>
-        <p:spPr>
-          <a:xfrm>
-            <a:off x="311699" y="445025"/>
-            <a:ext cx="8520602" cy="613201"/>
-          </a:xfrm>
-          <a:prstGeom prst="rect">
-            <a:avLst/>
-          </a:prstGeom>
-        </p:spPr>
-        <p:txBody>
-          <a:bodyPr/>
-          <a:lstStyle>
-            <a:lvl1pPr defTabSz="850391">
-              <a:defRPr sz="2790"/>
-            </a:lvl1pPr>
-          </a:lstStyle>
-          <a:p>
-            <a:pPr/>
-            <a:r>
-              <a:t>Row Mixing</a:t>
-            </a:r>
-          </a:p>
-        </p:txBody>
-      </p:sp>
-      <p:sp>
-        <p:nvSpPr>
-          <p:cNvPr id="139" name="Text Placeholder 2"/>
-          <p:cNvSpPr txBox="1"/>
-          <p:nvPr>
-            <p:ph type="body" idx="1"/>
-          </p:nvPr>
-        </p:nvSpPr>
-        <p:spPr>
-          <a:xfrm>
-            <a:off x="311699" y="1171599"/>
-            <a:ext cx="8520602" cy="3397201"/>
-          </a:xfrm>
-          <a:prstGeom prst="rect">
-            <a:avLst/>
-          </a:prstGeom>
-          <a:blipFill>
-            <a:blip r:embed="rId2"/>
-            <a:stretch>
-              <a:fillRect/>
-            </a:stretch>
-          </a:blipFill>
-        </p:spPr>
-        <p:txBody>
-          <a:bodyPr/>
-          <a:lstStyle/>
-          <a:p>
-            <a:pPr/>
-          </a:p>
-        </p:txBody>
-      </p:sp>
-    </p:spTree>
-  </p:cSld>
-  <p:clrMapOvr>
-    <a:masterClrMapping/>
-  </p:clrMapOvr>
-  <p:transition xmlns:p14="http://schemas.microsoft.com/office/powerpoint/2010/main" spd="med" advClick="1"/>
+  <p:transition spd="med"/>
 </p:sld>
 </file>
 
 <file path=ppt/theme/theme1.xml><?xml version="1.0" encoding="utf-8"?>
-<a:theme xmlns:a="http://schemas.openxmlformats.org/drawingml/2006/main" xmlns:r="http://schemas.openxmlformats.org/officeDocument/2006/relationships" name="Paperback">
+<a:theme xmlns:a="http://schemas.openxmlformats.org/drawingml/2006/main" name="Paperback">
   <a:themeElements>
     <a:clrScheme name="Paperback">
       <a:dk1>
@@ -5173,7 +6342,7 @@
       <a:effectStyleLst>
         <a:effectStyle>
           <a:effectLst>
-            <a:outerShdw sx="100000" sy="100000" kx="0" ky="0" algn="b" rotWithShape="0" blurRad="38100" dist="23000" dir="5400000">
+            <a:outerShdw blurRad="38100" dist="23000" dir="5400000" rotWithShape="0">
               <a:srgbClr val="000000">
                 <a:alpha val="35000"/>
               </a:srgbClr>
@@ -5182,7 +6351,7 @@
         </a:effectStyle>
         <a:effectStyle>
           <a:effectLst>
-            <a:outerShdw sx="100000" sy="100000" kx="0" ky="0" algn="b" rotWithShape="0" blurRad="38100" dist="23000" dir="5400000">
+            <a:outerShdw blurRad="38100" dist="23000" dir="5400000" rotWithShape="0">
               <a:srgbClr val="000000">
                 <a:alpha val="35000"/>
               </a:srgbClr>
@@ -5191,7 +6360,7 @@
         </a:effectStyle>
         <a:effectStyle>
           <a:effectLst>
-            <a:outerShdw sx="100000" sy="100000" kx="0" ky="0" algn="b" rotWithShape="0" blurRad="38100" dist="20000" dir="5400000">
+            <a:outerShdw blurRad="38100" dist="20000" dir="5400000" rotWithShape="0">
               <a:srgbClr val="000000">
                 <a:alpha val="38000"/>
               </a:srgbClr>
@@ -5265,7 +6434,7 @@
           <a:round/>
         </a:ln>
         <a:effectLst>
-          <a:outerShdw sx="100000" sy="100000" kx="0" ky="0" algn="b" rotWithShape="0" blurRad="38100" dist="23000" dir="5400000">
+          <a:outerShdw blurRad="38100" dist="23000" dir="5400000" rotWithShape="0">
             <a:srgbClr val="000000">
               <a:alpha val="35000"/>
             </a:srgbClr>
@@ -5273,7 +6442,7 @@
         </a:effectLst>
         <a:sp3d/>
       </a:spPr>
-      <a:bodyPr rot="0" spcFirstLastPara="1" vertOverflow="overflow" horzOverflow="overflow" vert="horz" wrap="square" lIns="45719" tIns="45719" rIns="45719" bIns="45719" numCol="1" spcCol="38100" rtlCol="0" anchor="ctr" upright="0">
+      <a:bodyPr rot="0" spcFirstLastPara="1" vertOverflow="overflow" horzOverflow="overflow" vert="horz" wrap="square" lIns="45719" tIns="45719" rIns="45719" bIns="45719" numCol="1" spcCol="38100" rtlCol="0" anchor="ctr">
         <a:spAutoFit/>
       </a:bodyPr>
       <a:lstStyle>
@@ -5292,7 +6461,7 @@
           <a:buFontTx/>
           <a:buNone/>
           <a:tabLst/>
-          <a:defRPr b="0" baseline="0" cap="none" i="0" spc="0" strike="noStrike" sz="1400" u="none" kumimoji="0" normalizeH="0">
+          <a:defRPr kumimoji="0" sz="1400" b="0" i="0" u="none" strike="noStrike" cap="none" spc="0" normalizeH="0" baseline="0">
             <a:ln>
               <a:noFill/>
             </a:ln>
@@ -5322,7 +6491,7 @@
           <a:buFontTx/>
           <a:buNone/>
           <a:tabLst/>
-          <a:defRPr b="0" baseline="0" cap="none" i="0" spc="0" strike="noStrike" sz="1800" u="none" kumimoji="0" normalizeH="0">
+          <a:defRPr kumimoji="0" sz="1800" b="0" i="0" u="none" strike="noStrike" cap="none" spc="0" normalizeH="0" baseline="0">
             <a:ln>
               <a:noFill/>
             </a:ln>
@@ -5348,7 +6517,7 @@
           <a:buFontTx/>
           <a:buNone/>
           <a:tabLst/>
-          <a:defRPr b="0" baseline="0" cap="none" i="0" spc="0" strike="noStrike" sz="1800" u="none" kumimoji="0" normalizeH="0">
+          <a:defRPr kumimoji="0" sz="1800" b="0" i="0" u="none" strike="noStrike" cap="none" spc="0" normalizeH="0" baseline="0">
             <a:ln>
               <a:noFill/>
             </a:ln>
@@ -5374,7 +6543,7 @@
           <a:buFontTx/>
           <a:buNone/>
           <a:tabLst/>
-          <a:defRPr b="0" baseline="0" cap="none" i="0" spc="0" strike="noStrike" sz="1800" u="none" kumimoji="0" normalizeH="0">
+          <a:defRPr kumimoji="0" sz="1800" b="0" i="0" u="none" strike="noStrike" cap="none" spc="0" normalizeH="0" baseline="0">
             <a:ln>
               <a:noFill/>
             </a:ln>
@@ -5400,7 +6569,7 @@
           <a:buFontTx/>
           <a:buNone/>
           <a:tabLst/>
-          <a:defRPr b="0" baseline="0" cap="none" i="0" spc="0" strike="noStrike" sz="1800" u="none" kumimoji="0" normalizeH="0">
+          <a:defRPr kumimoji="0" sz="1800" b="0" i="0" u="none" strike="noStrike" cap="none" spc="0" normalizeH="0" baseline="0">
             <a:ln>
               <a:noFill/>
             </a:ln>
@@ -5426,7 +6595,7 @@
           <a:buFontTx/>
           <a:buNone/>
           <a:tabLst/>
-          <a:defRPr b="0" baseline="0" cap="none" i="0" spc="0" strike="noStrike" sz="1800" u="none" kumimoji="0" normalizeH="0">
+          <a:defRPr kumimoji="0" sz="1800" b="0" i="0" u="none" strike="noStrike" cap="none" spc="0" normalizeH="0" baseline="0">
             <a:ln>
               <a:noFill/>
             </a:ln>
@@ -5452,7 +6621,7 @@
           <a:buFontTx/>
           <a:buNone/>
           <a:tabLst/>
-          <a:defRPr b="0" baseline="0" cap="none" i="0" spc="0" strike="noStrike" sz="1800" u="none" kumimoji="0" normalizeH="0">
+          <a:defRPr kumimoji="0" sz="1800" b="0" i="0" u="none" strike="noStrike" cap="none" spc="0" normalizeH="0" baseline="0">
             <a:ln>
               <a:noFill/>
             </a:ln>
@@ -5478,7 +6647,7 @@
           <a:buFontTx/>
           <a:buNone/>
           <a:tabLst/>
-          <a:defRPr b="0" baseline="0" cap="none" i="0" spc="0" strike="noStrike" sz="1800" u="none" kumimoji="0" normalizeH="0">
+          <a:defRPr kumimoji="0" sz="1800" b="0" i="0" u="none" strike="noStrike" cap="none" spc="0" normalizeH="0" baseline="0">
             <a:ln>
               <a:noFill/>
             </a:ln>
@@ -5504,7 +6673,7 @@
           <a:buFontTx/>
           <a:buNone/>
           <a:tabLst/>
-          <a:defRPr b="0" baseline="0" cap="none" i="0" spc="0" strike="noStrike" sz="1800" u="none" kumimoji="0" normalizeH="0">
+          <a:defRPr kumimoji="0" sz="1800" b="0" i="0" u="none" strike="noStrike" cap="none" spc="0" normalizeH="0" baseline="0">
             <a:ln>
               <a:noFill/>
             </a:ln>
@@ -5530,7 +6699,7 @@
           <a:buFontTx/>
           <a:buNone/>
           <a:tabLst/>
-          <a:defRPr b="0" baseline="0" cap="none" i="0" spc="0" strike="noStrike" sz="1800" u="none" kumimoji="0" normalizeH="0">
+          <a:defRPr kumimoji="0" sz="1800" b="0" i="0" u="none" strike="noStrike" cap="none" spc="0" normalizeH="0" baseline="0">
             <a:ln>
               <a:noFill/>
             </a:ln>
@@ -5543,9 +6712,15 @@
         </a:lvl9pPr>
       </a:lstStyle>
       <a:style>
-        <a:lnRef idx="0"/>
-        <a:fillRef idx="0"/>
-        <a:effectRef idx="0"/>
+        <a:lnRef idx="0">
+          <a:scrgbClr r="0" g="0" b="0"/>
+        </a:lnRef>
+        <a:fillRef idx="0">
+          <a:scrgbClr r="0" g="0" b="0"/>
+        </a:fillRef>
+        <a:effectRef idx="0">
+          <a:scrgbClr r="0" g="0" b="0"/>
+        </a:effectRef>
         <a:fontRef idx="none"/>
       </a:style>
     </a:spDef>
@@ -5560,7 +6735,7 @@
           <a:round/>
         </a:ln>
         <a:effectLst>
-          <a:outerShdw sx="100000" sy="100000" kx="0" ky="0" algn="b" rotWithShape="0" blurRad="38100" dist="20000" dir="5400000">
+          <a:outerShdw blurRad="38100" dist="20000" dir="5400000" rotWithShape="0">
             <a:srgbClr val="000000">
               <a:alpha val="38000"/>
             </a:srgbClr>
@@ -5568,7 +6743,7 @@
         </a:effectLst>
         <a:sp3d/>
       </a:spPr>
-      <a:bodyPr rot="0" spcFirstLastPara="1" vertOverflow="overflow" horzOverflow="overflow" vert="horz" wrap="square" lIns="91439" tIns="45719" rIns="91439" bIns="45719" numCol="1" spcCol="38100" rtlCol="0" anchor="t" upright="0">
+      <a:bodyPr rot="0" spcFirstLastPara="1" vertOverflow="overflow" horzOverflow="overflow" vert="horz" wrap="square" lIns="91439" tIns="45719" rIns="91439" bIns="45719" numCol="1" spcCol="38100" rtlCol="0" anchor="t">
         <a:noAutofit/>
       </a:bodyPr>
       <a:lstStyle>
@@ -5587,7 +6762,7 @@
           <a:buFontTx/>
           <a:buNone/>
           <a:tabLst/>
-          <a:defRPr b="0" baseline="0" cap="none" i="0" spc="0" strike="noStrike" sz="1800" u="none" kumimoji="0" normalizeH="0">
+          <a:defRPr kumimoji="0" sz="1800" b="0" i="0" u="none" strike="noStrike" cap="none" spc="0" normalizeH="0" baseline="0">
             <a:ln>
               <a:noFill/>
             </a:ln>
@@ -5613,7 +6788,7 @@
           <a:buFontTx/>
           <a:buNone/>
           <a:tabLst/>
-          <a:defRPr b="0" baseline="0" cap="none" i="0" spc="0" strike="noStrike" sz="1800" u="none" kumimoji="0" normalizeH="0">
+          <a:defRPr kumimoji="0" sz="1800" b="0" i="0" u="none" strike="noStrike" cap="none" spc="0" normalizeH="0" baseline="0">
             <a:ln>
               <a:noFill/>
             </a:ln>
@@ -5639,7 +6814,7 @@
           <a:buFontTx/>
           <a:buNone/>
           <a:tabLst/>
-          <a:defRPr b="0" baseline="0" cap="none" i="0" spc="0" strike="noStrike" sz="1800" u="none" kumimoji="0" normalizeH="0">
+          <a:defRPr kumimoji="0" sz="1800" b="0" i="0" u="none" strike="noStrike" cap="none" spc="0" normalizeH="0" baseline="0">
             <a:ln>
               <a:noFill/>
             </a:ln>
@@ -5665,7 +6840,7 @@
           <a:buFontTx/>
           <a:buNone/>
           <a:tabLst/>
-          <a:defRPr b="0" baseline="0" cap="none" i="0" spc="0" strike="noStrike" sz="1800" u="none" kumimoji="0" normalizeH="0">
+          <a:defRPr kumimoji="0" sz="1800" b="0" i="0" u="none" strike="noStrike" cap="none" spc="0" normalizeH="0" baseline="0">
             <a:ln>
               <a:noFill/>
             </a:ln>
@@ -5691,7 +6866,7 @@
           <a:buFontTx/>
           <a:buNone/>
           <a:tabLst/>
-          <a:defRPr b="0" baseline="0" cap="none" i="0" spc="0" strike="noStrike" sz="1800" u="none" kumimoji="0" normalizeH="0">
+          <a:defRPr kumimoji="0" sz="1800" b="0" i="0" u="none" strike="noStrike" cap="none" spc="0" normalizeH="0" baseline="0">
             <a:ln>
               <a:noFill/>
             </a:ln>
@@ -5717,7 +6892,7 @@
           <a:buFontTx/>
           <a:buNone/>
           <a:tabLst/>
-          <a:defRPr b="0" baseline="0" cap="none" i="0" spc="0" strike="noStrike" sz="1800" u="none" kumimoji="0" normalizeH="0">
+          <a:defRPr kumimoji="0" sz="1800" b="0" i="0" u="none" strike="noStrike" cap="none" spc="0" normalizeH="0" baseline="0">
             <a:ln>
               <a:noFill/>
             </a:ln>
@@ -5743,7 +6918,7 @@
           <a:buFontTx/>
           <a:buNone/>
           <a:tabLst/>
-          <a:defRPr b="0" baseline="0" cap="none" i="0" spc="0" strike="noStrike" sz="1800" u="none" kumimoji="0" normalizeH="0">
+          <a:defRPr kumimoji="0" sz="1800" b="0" i="0" u="none" strike="noStrike" cap="none" spc="0" normalizeH="0" baseline="0">
             <a:ln>
               <a:noFill/>
             </a:ln>
@@ -5769,7 +6944,7 @@
           <a:buFontTx/>
           <a:buNone/>
           <a:tabLst/>
-          <a:defRPr b="0" baseline="0" cap="none" i="0" spc="0" strike="noStrike" sz="1800" u="none" kumimoji="0" normalizeH="0">
+          <a:defRPr kumimoji="0" sz="1800" b="0" i="0" u="none" strike="noStrike" cap="none" spc="0" normalizeH="0" baseline="0">
             <a:ln>
               <a:noFill/>
             </a:ln>
@@ -5795,7 +6970,7 @@
           <a:buFontTx/>
           <a:buNone/>
           <a:tabLst/>
-          <a:defRPr b="0" baseline="0" cap="none" i="0" spc="0" strike="noStrike" sz="1800" u="none" kumimoji="0" normalizeH="0">
+          <a:defRPr kumimoji="0" sz="1800" b="0" i="0" u="none" strike="noStrike" cap="none" spc="0" normalizeH="0" baseline="0">
             <a:ln>
               <a:noFill/>
             </a:ln>
@@ -5821,7 +6996,7 @@
           <a:buFontTx/>
           <a:buNone/>
           <a:tabLst/>
-          <a:defRPr b="0" baseline="0" cap="none" i="0" spc="0" strike="noStrike" sz="1800" u="none" kumimoji="0" normalizeH="0">
+          <a:defRPr kumimoji="0" sz="1800" b="0" i="0" u="none" strike="noStrike" cap="none" spc="0" normalizeH="0" baseline="0">
             <a:ln>
               <a:noFill/>
             </a:ln>
@@ -5834,9 +7009,15 @@
         </a:lvl9pPr>
       </a:lstStyle>
       <a:style>
-        <a:lnRef idx="0"/>
-        <a:fillRef idx="0"/>
-        <a:effectRef idx="0"/>
+        <a:lnRef idx="0">
+          <a:scrgbClr r="0" g="0" b="0"/>
+        </a:lnRef>
+        <a:fillRef idx="0">
+          <a:scrgbClr r="0" g="0" b="0"/>
+        </a:fillRef>
+        <a:effectRef idx="0">
+          <a:scrgbClr r="0" g="0" b="0"/>
+        </a:effectRef>
         <a:fontRef idx="none"/>
       </a:style>
     </a:lnDef>
@@ -5850,7 +7031,7 @@
         <a:effectLst/>
         <a:sp3d/>
       </a:spPr>
-      <a:bodyPr rot="0" spcFirstLastPara="1" vertOverflow="overflow" horzOverflow="overflow" vert="horz" wrap="square" lIns="45719" tIns="45719" rIns="45719" bIns="45719" numCol="1" spcCol="38100" rtlCol="0" anchor="t" upright="0">
+      <a:bodyPr rot="0" spcFirstLastPara="1" vertOverflow="overflow" horzOverflow="overflow" vert="horz" wrap="square" lIns="45719" tIns="45719" rIns="45719" bIns="45719" numCol="1" spcCol="38100" rtlCol="0" anchor="t">
         <a:spAutoFit/>
       </a:bodyPr>
       <a:lstStyle>
@@ -5869,7 +7050,7 @@
           <a:buFontTx/>
           <a:buNone/>
           <a:tabLst/>
-          <a:defRPr b="0" baseline="0" cap="none" i="0" spc="0" strike="noStrike" sz="1400" u="none" kumimoji="0" normalizeH="0">
+          <a:defRPr kumimoji="0" sz="1400" b="0" i="0" u="none" strike="noStrike" cap="none" spc="0" normalizeH="0" baseline="0">
             <a:ln>
               <a:noFill/>
             </a:ln>
@@ -5899,7 +7080,7 @@
           <a:buFontTx/>
           <a:buNone/>
           <a:tabLst/>
-          <a:defRPr b="0" baseline="0" cap="none" i="0" spc="0" strike="noStrike" sz="1800" u="none" kumimoji="0" normalizeH="0">
+          <a:defRPr kumimoji="0" sz="1800" b="0" i="0" u="none" strike="noStrike" cap="none" spc="0" normalizeH="0" baseline="0">
             <a:ln>
               <a:noFill/>
             </a:ln>
@@ -5925,7 +7106,7 @@
           <a:buFontTx/>
           <a:buNone/>
           <a:tabLst/>
-          <a:defRPr b="0" baseline="0" cap="none" i="0" spc="0" strike="noStrike" sz="1800" u="none" kumimoji="0" normalizeH="0">
+          <a:defRPr kumimoji="0" sz="1800" b="0" i="0" u="none" strike="noStrike" cap="none" spc="0" normalizeH="0" baseline="0">
             <a:ln>
               <a:noFill/>
             </a:ln>
@@ -5951,7 +7132,7 @@
           <a:buFontTx/>
           <a:buNone/>
           <a:tabLst/>
-          <a:defRPr b="0" baseline="0" cap="none" i="0" spc="0" strike="noStrike" sz="1800" u="none" kumimoji="0" normalizeH="0">
+          <a:defRPr kumimoji="0" sz="1800" b="0" i="0" u="none" strike="noStrike" cap="none" spc="0" normalizeH="0" baseline="0">
             <a:ln>
               <a:noFill/>
             </a:ln>
@@ -5977,7 +7158,7 @@
           <a:buFontTx/>
           <a:buNone/>
           <a:tabLst/>
-          <a:defRPr b="0" baseline="0" cap="none" i="0" spc="0" strike="noStrike" sz="1800" u="none" kumimoji="0" normalizeH="0">
+          <a:defRPr kumimoji="0" sz="1800" b="0" i="0" u="none" strike="noStrike" cap="none" spc="0" normalizeH="0" baseline="0">
             <a:ln>
               <a:noFill/>
             </a:ln>
@@ -6003,7 +7184,7 @@
           <a:buFontTx/>
           <a:buNone/>
           <a:tabLst/>
-          <a:defRPr b="0" baseline="0" cap="none" i="0" spc="0" strike="noStrike" sz="1800" u="none" kumimoji="0" normalizeH="0">
+          <a:defRPr kumimoji="0" sz="1800" b="0" i="0" u="none" strike="noStrike" cap="none" spc="0" normalizeH="0" baseline="0">
             <a:ln>
               <a:noFill/>
             </a:ln>
@@ -6029,7 +7210,7 @@
           <a:buFontTx/>
           <a:buNone/>
           <a:tabLst/>
-          <a:defRPr b="0" baseline="0" cap="none" i="0" spc="0" strike="noStrike" sz="1800" u="none" kumimoji="0" normalizeH="0">
+          <a:defRPr kumimoji="0" sz="1800" b="0" i="0" u="none" strike="noStrike" cap="none" spc="0" normalizeH="0" baseline="0">
             <a:ln>
               <a:noFill/>
             </a:ln>
@@ -6055,7 +7236,7 @@
           <a:buFontTx/>
           <a:buNone/>
           <a:tabLst/>
-          <a:defRPr b="0" baseline="0" cap="none" i="0" spc="0" strike="noStrike" sz="1800" u="none" kumimoji="0" normalizeH="0">
+          <a:defRPr kumimoji="0" sz="1800" b="0" i="0" u="none" strike="noStrike" cap="none" spc="0" normalizeH="0" baseline="0">
             <a:ln>
               <a:noFill/>
             </a:ln>
@@ -6081,7 +7262,7 @@
           <a:buFontTx/>
           <a:buNone/>
           <a:tabLst/>
-          <a:defRPr b="0" baseline="0" cap="none" i="0" spc="0" strike="noStrike" sz="1800" u="none" kumimoji="0" normalizeH="0">
+          <a:defRPr kumimoji="0" sz="1800" b="0" i="0" u="none" strike="noStrike" cap="none" spc="0" normalizeH="0" baseline="0">
             <a:ln>
               <a:noFill/>
             </a:ln>
@@ -6107,7 +7288,7 @@
           <a:buFontTx/>
           <a:buNone/>
           <a:tabLst/>
-          <a:defRPr b="0" baseline="0" cap="none" i="0" spc="0" strike="noStrike" sz="1800" u="none" kumimoji="0" normalizeH="0">
+          <a:defRPr kumimoji="0" sz="1800" b="0" i="0" u="none" strike="noStrike" cap="none" spc="0" normalizeH="0" baseline="0">
             <a:ln>
               <a:noFill/>
             </a:ln>
@@ -6120,18 +7301,25 @@
         </a:lvl9pPr>
       </a:lstStyle>
       <a:style>
-        <a:lnRef idx="0"/>
-        <a:fillRef idx="0"/>
-        <a:effectRef idx="0"/>
+        <a:lnRef idx="0">
+          <a:scrgbClr r="0" g="0" b="0"/>
+        </a:lnRef>
+        <a:fillRef idx="0">
+          <a:scrgbClr r="0" g="0" b="0"/>
+        </a:fillRef>
+        <a:effectRef idx="0">
+          <a:scrgbClr r="0" g="0" b="0"/>
+        </a:effectRef>
         <a:fontRef idx="none"/>
       </a:style>
     </a:txDef>
   </a:objectDefaults>
+  <a:extraClrSchemeLst/>
 </a:theme>
 </file>
 
 <file path=ppt/theme/theme2.xml><?xml version="1.0" encoding="utf-8"?>
-<a:theme xmlns:a="http://schemas.openxmlformats.org/drawingml/2006/main" xmlns:r="http://schemas.openxmlformats.org/officeDocument/2006/relationships" name="Paperback">
+<a:theme xmlns:a="http://schemas.openxmlformats.org/drawingml/2006/main" name="Paperback">
   <a:themeElements>
     <a:clrScheme name="Paperback">
       <a:dk1>
@@ -6257,7 +7445,7 @@
       <a:effectStyleLst>
         <a:effectStyle>
           <a:effectLst>
-            <a:outerShdw sx="100000" sy="100000" kx="0" ky="0" algn="b" rotWithShape="0" blurRad="38100" dist="23000" dir="5400000">
+            <a:outerShdw blurRad="38100" dist="23000" dir="5400000" rotWithShape="0">
               <a:srgbClr val="000000">
                 <a:alpha val="35000"/>
               </a:srgbClr>
@@ -6266,7 +7454,7 @@
         </a:effectStyle>
         <a:effectStyle>
           <a:effectLst>
-            <a:outerShdw sx="100000" sy="100000" kx="0" ky="0" algn="b" rotWithShape="0" blurRad="38100" dist="23000" dir="5400000">
+            <a:outerShdw blurRad="38100" dist="23000" dir="5400000" rotWithShape="0">
               <a:srgbClr val="000000">
                 <a:alpha val="35000"/>
               </a:srgbClr>
@@ -6275,7 +7463,7 @@
         </a:effectStyle>
         <a:effectStyle>
           <a:effectLst>
-            <a:outerShdw sx="100000" sy="100000" kx="0" ky="0" algn="b" rotWithShape="0" blurRad="38100" dist="20000" dir="5400000">
+            <a:outerShdw blurRad="38100" dist="20000" dir="5400000" rotWithShape="0">
               <a:srgbClr val="000000">
                 <a:alpha val="38000"/>
               </a:srgbClr>
@@ -6349,7 +7537,7 @@
           <a:round/>
         </a:ln>
         <a:effectLst>
-          <a:outerShdw sx="100000" sy="100000" kx="0" ky="0" algn="b" rotWithShape="0" blurRad="38100" dist="23000" dir="5400000">
+          <a:outerShdw blurRad="38100" dist="23000" dir="5400000" rotWithShape="0">
             <a:srgbClr val="000000">
               <a:alpha val="35000"/>
             </a:srgbClr>
@@ -6357,7 +7545,7 @@
         </a:effectLst>
         <a:sp3d/>
       </a:spPr>
-      <a:bodyPr rot="0" spcFirstLastPara="1" vertOverflow="overflow" horzOverflow="overflow" vert="horz" wrap="square" lIns="45719" tIns="45719" rIns="45719" bIns="45719" numCol="1" spcCol="38100" rtlCol="0" anchor="ctr" upright="0">
+      <a:bodyPr rot="0" spcFirstLastPara="1" vertOverflow="overflow" horzOverflow="overflow" vert="horz" wrap="square" lIns="45719" tIns="45719" rIns="45719" bIns="45719" numCol="1" spcCol="38100" rtlCol="0" anchor="ctr">
         <a:spAutoFit/>
       </a:bodyPr>
       <a:lstStyle>
@@ -6376,7 +7564,7 @@
           <a:buFontTx/>
           <a:buNone/>
           <a:tabLst/>
-          <a:defRPr b="0" baseline="0" cap="none" i="0" spc="0" strike="noStrike" sz="1400" u="none" kumimoji="0" normalizeH="0">
+          <a:defRPr kumimoji="0" sz="1400" b="0" i="0" u="none" strike="noStrike" cap="none" spc="0" normalizeH="0" baseline="0">
             <a:ln>
               <a:noFill/>
             </a:ln>
@@ -6406,7 +7594,7 @@
           <a:buFontTx/>
           <a:buNone/>
           <a:tabLst/>
-          <a:defRPr b="0" baseline="0" cap="none" i="0" spc="0" strike="noStrike" sz="1800" u="none" kumimoji="0" normalizeH="0">
+          <a:defRPr kumimoji="0" sz="1800" b="0" i="0" u="none" strike="noStrike" cap="none" spc="0" normalizeH="0" baseline="0">
             <a:ln>
               <a:noFill/>
             </a:ln>
@@ -6432,7 +7620,7 @@
           <a:buFontTx/>
           <a:buNone/>
           <a:tabLst/>
-          <a:defRPr b="0" baseline="0" cap="none" i="0" spc="0" strike="noStrike" sz="1800" u="none" kumimoji="0" normalizeH="0">
+          <a:defRPr kumimoji="0" sz="1800" b="0" i="0" u="none" strike="noStrike" cap="none" spc="0" normalizeH="0" baseline="0">
             <a:ln>
               <a:noFill/>
             </a:ln>
@@ -6458,7 +7646,7 @@
           <a:buFontTx/>
           <a:buNone/>
           <a:tabLst/>
-          <a:defRPr b="0" baseline="0" cap="none" i="0" spc="0" strike="noStrike" sz="1800" u="none" kumimoji="0" normalizeH="0">
+          <a:defRPr kumimoji="0" sz="1800" b="0" i="0" u="none" strike="noStrike" cap="none" spc="0" normalizeH="0" baseline="0">
             <a:ln>
               <a:noFill/>
             </a:ln>
@@ -6484,7 +7672,7 @@
           <a:buFontTx/>
           <a:buNone/>
           <a:tabLst/>
-          <a:defRPr b="0" baseline="0" cap="none" i="0" spc="0" strike="noStrike" sz="1800" u="none" kumimoji="0" normalizeH="0">
+          <a:defRPr kumimoji="0" sz="1800" b="0" i="0" u="none" strike="noStrike" cap="none" spc="0" normalizeH="0" baseline="0">
             <a:ln>
               <a:noFill/>
             </a:ln>
@@ -6510,7 +7698,7 @@
           <a:buFontTx/>
           <a:buNone/>
           <a:tabLst/>
-          <a:defRPr b="0" baseline="0" cap="none" i="0" spc="0" strike="noStrike" sz="1800" u="none" kumimoji="0" normalizeH="0">
+          <a:defRPr kumimoji="0" sz="1800" b="0" i="0" u="none" strike="noStrike" cap="none" spc="0" normalizeH="0" baseline="0">
             <a:ln>
               <a:noFill/>
             </a:ln>
@@ -6536,7 +7724,7 @@
           <a:buFontTx/>
           <a:buNone/>
           <a:tabLst/>
-          <a:defRPr b="0" baseline="0" cap="none" i="0" spc="0" strike="noStrike" sz="1800" u="none" kumimoji="0" normalizeH="0">
+          <a:defRPr kumimoji="0" sz="1800" b="0" i="0" u="none" strike="noStrike" cap="none" spc="0" normalizeH="0" baseline="0">
             <a:ln>
               <a:noFill/>
             </a:ln>
@@ -6562,7 +7750,7 @@
           <a:buFontTx/>
           <a:buNone/>
           <a:tabLst/>
-          <a:defRPr b="0" baseline="0" cap="none" i="0" spc="0" strike="noStrike" sz="1800" u="none" kumimoji="0" normalizeH="0">
+          <a:defRPr kumimoji="0" sz="1800" b="0" i="0" u="none" strike="noStrike" cap="none" spc="0" normalizeH="0" baseline="0">
             <a:ln>
               <a:noFill/>
             </a:ln>
@@ -6588,7 +7776,7 @@
           <a:buFontTx/>
           <a:buNone/>
           <a:tabLst/>
-          <a:defRPr b="0" baseline="0" cap="none" i="0" spc="0" strike="noStrike" sz="1800" u="none" kumimoji="0" normalizeH="0">
+          <a:defRPr kumimoji="0" sz="1800" b="0" i="0" u="none" strike="noStrike" cap="none" spc="0" normalizeH="0" baseline="0">
             <a:ln>
               <a:noFill/>
             </a:ln>
@@ -6614,7 +7802,7 @@
           <a:buFontTx/>
           <a:buNone/>
           <a:tabLst/>
-          <a:defRPr b="0" baseline="0" cap="none" i="0" spc="0" strike="noStrike" sz="1800" u="none" kumimoji="0" normalizeH="0">
+          <a:defRPr kumimoji="0" sz="1800" b="0" i="0" u="none" strike="noStrike" cap="none" spc="0" normalizeH="0" baseline="0">
             <a:ln>
               <a:noFill/>
             </a:ln>
@@ -6627,9 +7815,15 @@
         </a:lvl9pPr>
       </a:lstStyle>
       <a:style>
-        <a:lnRef idx="0"/>
-        <a:fillRef idx="0"/>
-        <a:effectRef idx="0"/>
+        <a:lnRef idx="0">
+          <a:scrgbClr r="0" g="0" b="0"/>
+        </a:lnRef>
+        <a:fillRef idx="0">
+          <a:scrgbClr r="0" g="0" b="0"/>
+        </a:fillRef>
+        <a:effectRef idx="0">
+          <a:scrgbClr r="0" g="0" b="0"/>
+        </a:effectRef>
         <a:fontRef idx="none"/>
       </a:style>
     </a:spDef>
@@ -6644,7 +7838,7 @@
           <a:round/>
         </a:ln>
         <a:effectLst>
-          <a:outerShdw sx="100000" sy="100000" kx="0" ky="0" algn="b" rotWithShape="0" blurRad="38100" dist="20000" dir="5400000">
+          <a:outerShdw blurRad="38100" dist="20000" dir="5400000" rotWithShape="0">
             <a:srgbClr val="000000">
               <a:alpha val="38000"/>
             </a:srgbClr>
@@ -6652,7 +7846,7 @@
         </a:effectLst>
         <a:sp3d/>
       </a:spPr>
-      <a:bodyPr rot="0" spcFirstLastPara="1" vertOverflow="overflow" horzOverflow="overflow" vert="horz" wrap="square" lIns="91439" tIns="45719" rIns="91439" bIns="45719" numCol="1" spcCol="38100" rtlCol="0" anchor="t" upright="0">
+      <a:bodyPr rot="0" spcFirstLastPara="1" vertOverflow="overflow" horzOverflow="overflow" vert="horz" wrap="square" lIns="91439" tIns="45719" rIns="91439" bIns="45719" numCol="1" spcCol="38100" rtlCol="0" anchor="t">
         <a:noAutofit/>
       </a:bodyPr>
       <a:lstStyle>
@@ -6671,7 +7865,7 @@
           <a:buFontTx/>
           <a:buNone/>
           <a:tabLst/>
-          <a:defRPr b="0" baseline="0" cap="none" i="0" spc="0" strike="noStrike" sz="1800" u="none" kumimoji="0" normalizeH="0">
+          <a:defRPr kumimoji="0" sz="1800" b="0" i="0" u="none" strike="noStrike" cap="none" spc="0" normalizeH="0" baseline="0">
             <a:ln>
               <a:noFill/>
             </a:ln>
@@ -6697,7 +7891,7 @@
           <a:buFontTx/>
           <a:buNone/>
           <a:tabLst/>
-          <a:defRPr b="0" baseline="0" cap="none" i="0" spc="0" strike="noStrike" sz="1800" u="none" kumimoji="0" normalizeH="0">
+          <a:defRPr kumimoji="0" sz="1800" b="0" i="0" u="none" strike="noStrike" cap="none" spc="0" normalizeH="0" baseline="0">
             <a:ln>
               <a:noFill/>
             </a:ln>
@@ -6723,7 +7917,7 @@
           <a:buFontTx/>
           <a:buNone/>
           <a:tabLst/>
-          <a:defRPr b="0" baseline="0" cap="none" i="0" spc="0" strike="noStrike" sz="1800" u="none" kumimoji="0" normalizeH="0">
+          <a:defRPr kumimoji="0" sz="1800" b="0" i="0" u="none" strike="noStrike" cap="none" spc="0" normalizeH="0" baseline="0">
             <a:ln>
               <a:noFill/>
             </a:ln>
@@ -6749,7 +7943,7 @@
           <a:buFontTx/>
           <a:buNone/>
           <a:tabLst/>
-          <a:defRPr b="0" baseline="0" cap="none" i="0" spc="0" strike="noStrike" sz="1800" u="none" kumimoji="0" normalizeH="0">
+          <a:defRPr kumimoji="0" sz="1800" b="0" i="0" u="none" strike="noStrike" cap="none" spc="0" normalizeH="0" baseline="0">
             <a:ln>
               <a:noFill/>
             </a:ln>
@@ -6775,7 +7969,7 @@
           <a:buFontTx/>
           <a:buNone/>
           <a:tabLst/>
-          <a:defRPr b="0" baseline="0" cap="none" i="0" spc="0" strike="noStrike" sz="1800" u="none" kumimoji="0" normalizeH="0">
+          <a:defRPr kumimoji="0" sz="1800" b="0" i="0" u="none" strike="noStrike" cap="none" spc="0" normalizeH="0" baseline="0">
             <a:ln>
               <a:noFill/>
             </a:ln>
@@ -6801,7 +7995,7 @@
           <a:buFontTx/>
           <a:buNone/>
           <a:tabLst/>
-          <a:defRPr b="0" baseline="0" cap="none" i="0" spc="0" strike="noStrike" sz="1800" u="none" kumimoji="0" normalizeH="0">
+          <a:defRPr kumimoji="0" sz="1800" b="0" i="0" u="none" strike="noStrike" cap="none" spc="0" normalizeH="0" baseline="0">
             <a:ln>
               <a:noFill/>
             </a:ln>
@@ -6827,7 +8021,7 @@
           <a:buFontTx/>
           <a:buNone/>
           <a:tabLst/>
-          <a:defRPr b="0" baseline="0" cap="none" i="0" spc="0" strike="noStrike" sz="1800" u="none" kumimoji="0" normalizeH="0">
+          <a:defRPr kumimoji="0" sz="1800" b="0" i="0" u="none" strike="noStrike" cap="none" spc="0" normalizeH="0" baseline="0">
             <a:ln>
               <a:noFill/>
             </a:ln>
@@ -6853,7 +8047,7 @@
           <a:buFontTx/>
           <a:buNone/>
           <a:tabLst/>
-          <a:defRPr b="0" baseline="0" cap="none" i="0" spc="0" strike="noStrike" sz="1800" u="none" kumimoji="0" normalizeH="0">
+          <a:defRPr kumimoji="0" sz="1800" b="0" i="0" u="none" strike="noStrike" cap="none" spc="0" normalizeH="0" baseline="0">
             <a:ln>
               <a:noFill/>
             </a:ln>
@@ -6879,7 +8073,7 @@
           <a:buFontTx/>
           <a:buNone/>
           <a:tabLst/>
-          <a:defRPr b="0" baseline="0" cap="none" i="0" spc="0" strike="noStrike" sz="1800" u="none" kumimoji="0" normalizeH="0">
+          <a:defRPr kumimoji="0" sz="1800" b="0" i="0" u="none" strike="noStrike" cap="none" spc="0" normalizeH="0" baseline="0">
             <a:ln>
               <a:noFill/>
             </a:ln>
@@ -6905,7 +8099,7 @@
           <a:buFontTx/>
           <a:buNone/>
           <a:tabLst/>
-          <a:defRPr b="0" baseline="0" cap="none" i="0" spc="0" strike="noStrike" sz="1800" u="none" kumimoji="0" normalizeH="0">
+          <a:defRPr kumimoji="0" sz="1800" b="0" i="0" u="none" strike="noStrike" cap="none" spc="0" normalizeH="0" baseline="0">
             <a:ln>
               <a:noFill/>
             </a:ln>
@@ -6918,9 +8112,15 @@
         </a:lvl9pPr>
       </a:lstStyle>
       <a:style>
-        <a:lnRef idx="0"/>
-        <a:fillRef idx="0"/>
-        <a:effectRef idx="0"/>
+        <a:lnRef idx="0">
+          <a:scrgbClr r="0" g="0" b="0"/>
+        </a:lnRef>
+        <a:fillRef idx="0">
+          <a:scrgbClr r="0" g="0" b="0"/>
+        </a:fillRef>
+        <a:effectRef idx="0">
+          <a:scrgbClr r="0" g="0" b="0"/>
+        </a:effectRef>
         <a:fontRef idx="none"/>
       </a:style>
     </a:lnDef>
@@ -6934,7 +8134,7 @@
         <a:effectLst/>
         <a:sp3d/>
       </a:spPr>
-      <a:bodyPr rot="0" spcFirstLastPara="1" vertOverflow="overflow" horzOverflow="overflow" vert="horz" wrap="square" lIns="45719" tIns="45719" rIns="45719" bIns="45719" numCol="1" spcCol="38100" rtlCol="0" anchor="t" upright="0">
+      <a:bodyPr rot="0" spcFirstLastPara="1" vertOverflow="overflow" horzOverflow="overflow" vert="horz" wrap="square" lIns="45719" tIns="45719" rIns="45719" bIns="45719" numCol="1" spcCol="38100" rtlCol="0" anchor="t">
         <a:spAutoFit/>
       </a:bodyPr>
       <a:lstStyle>
@@ -6953,7 +8153,7 @@
           <a:buFontTx/>
           <a:buNone/>
           <a:tabLst/>
-          <a:defRPr b="0" baseline="0" cap="none" i="0" spc="0" strike="noStrike" sz="1400" u="none" kumimoji="0" normalizeH="0">
+          <a:defRPr kumimoji="0" sz="1400" b="0" i="0" u="none" strike="noStrike" cap="none" spc="0" normalizeH="0" baseline="0">
             <a:ln>
               <a:noFill/>
             </a:ln>
@@ -6983,7 +8183,7 @@
           <a:buFontTx/>
           <a:buNone/>
           <a:tabLst/>
-          <a:defRPr b="0" baseline="0" cap="none" i="0" spc="0" strike="noStrike" sz="1800" u="none" kumimoji="0" normalizeH="0">
+          <a:defRPr kumimoji="0" sz="1800" b="0" i="0" u="none" strike="noStrike" cap="none" spc="0" normalizeH="0" baseline="0">
             <a:ln>
               <a:noFill/>
             </a:ln>
@@ -7009,7 +8209,7 @@
           <a:buFontTx/>
           <a:buNone/>
           <a:tabLst/>
-          <a:defRPr b="0" baseline="0" cap="none" i="0" spc="0" strike="noStrike" sz="1800" u="none" kumimoji="0" normalizeH="0">
+          <a:defRPr kumimoji="0" sz="1800" b="0" i="0" u="none" strike="noStrike" cap="none" spc="0" normalizeH="0" baseline="0">
             <a:ln>
               <a:noFill/>
             </a:ln>
@@ -7035,7 +8235,7 @@
           <a:buFontTx/>
           <a:buNone/>
           <a:tabLst/>
-          <a:defRPr b="0" baseline="0" cap="none" i="0" spc="0" strike="noStrike" sz="1800" u="none" kumimoji="0" normalizeH="0">
+          <a:defRPr kumimoji="0" sz="1800" b="0" i="0" u="none" strike="noStrike" cap="none" spc="0" normalizeH="0" baseline="0">
             <a:ln>
               <a:noFill/>
             </a:ln>
@@ -7061,7 +8261,7 @@
           <a:buFontTx/>
           <a:buNone/>
           <a:tabLst/>
-          <a:defRPr b="0" baseline="0" cap="none" i="0" spc="0" strike="noStrike" sz="1800" u="none" kumimoji="0" normalizeH="0">
+          <a:defRPr kumimoji="0" sz="1800" b="0" i="0" u="none" strike="noStrike" cap="none" spc="0" normalizeH="0" baseline="0">
             <a:ln>
               <a:noFill/>
             </a:ln>
@@ -7087,7 +8287,7 @@
           <a:buFontTx/>
           <a:buNone/>
           <a:tabLst/>
-          <a:defRPr b="0" baseline="0" cap="none" i="0" spc="0" strike="noStrike" sz="1800" u="none" kumimoji="0" normalizeH="0">
+          <a:defRPr kumimoji="0" sz="1800" b="0" i="0" u="none" strike="noStrike" cap="none" spc="0" normalizeH="0" baseline="0">
             <a:ln>
               <a:noFill/>
             </a:ln>
@@ -7113,7 +8313,7 @@
           <a:buFontTx/>
           <a:buNone/>
           <a:tabLst/>
-          <a:defRPr b="0" baseline="0" cap="none" i="0" spc="0" strike="noStrike" sz="1800" u="none" kumimoji="0" normalizeH="0">
+          <a:defRPr kumimoji="0" sz="1800" b="0" i="0" u="none" strike="noStrike" cap="none" spc="0" normalizeH="0" baseline="0">
             <a:ln>
               <a:noFill/>
             </a:ln>
@@ -7139,7 +8339,7 @@
           <a:buFontTx/>
           <a:buNone/>
           <a:tabLst/>
-          <a:defRPr b="0" baseline="0" cap="none" i="0" spc="0" strike="noStrike" sz="1800" u="none" kumimoji="0" normalizeH="0">
+          <a:defRPr kumimoji="0" sz="1800" b="0" i="0" u="none" strike="noStrike" cap="none" spc="0" normalizeH="0" baseline="0">
             <a:ln>
               <a:noFill/>
             </a:ln>
@@ -7165,7 +8365,7 @@
           <a:buFontTx/>
           <a:buNone/>
           <a:tabLst/>
-          <a:defRPr b="0" baseline="0" cap="none" i="0" spc="0" strike="noStrike" sz="1800" u="none" kumimoji="0" normalizeH="0">
+          <a:defRPr kumimoji="0" sz="1800" b="0" i="0" u="none" strike="noStrike" cap="none" spc="0" normalizeH="0" baseline="0">
             <a:ln>
               <a:noFill/>
             </a:ln>
@@ -7191,7 +8391,7 @@
           <a:buFontTx/>
           <a:buNone/>
           <a:tabLst/>
-          <a:defRPr b="0" baseline="0" cap="none" i="0" spc="0" strike="noStrike" sz="1800" u="none" kumimoji="0" normalizeH="0">
+          <a:defRPr kumimoji="0" sz="1800" b="0" i="0" u="none" strike="noStrike" cap="none" spc="0" normalizeH="0" baseline="0">
             <a:ln>
               <a:noFill/>
             </a:ln>
@@ -7204,12 +8404,19 @@
         </a:lvl9pPr>
       </a:lstStyle>
       <a:style>
-        <a:lnRef idx="0"/>
-        <a:fillRef idx="0"/>
-        <a:effectRef idx="0"/>
+        <a:lnRef idx="0">
+          <a:scrgbClr r="0" g="0" b="0"/>
+        </a:lnRef>
+        <a:fillRef idx="0">
+          <a:scrgbClr r="0" g="0" b="0"/>
+        </a:fillRef>
+        <a:effectRef idx="0">
+          <a:scrgbClr r="0" g="0" b="0"/>
+        </a:effectRef>
         <a:fontRef idx="none"/>
       </a:style>
     </a:txDef>
   </a:objectDefaults>
+  <a:extraClrSchemeLst/>
 </a:theme>
 </file>
--- a/Blendenpik Presentation.pptx
+++ b/Blendenpik Presentation.pptx
@@ -327,6 +327,11 @@
       </a:defRPr>
     </a:lvl9pPr>
   </p:defaultTextStyle>
+  <p:extLst>
+    <p:ext uri="{EFAFB233-063F-42B5-8137-9DF3F51BA10A}">
+      <p15:sldGuideLst xmlns:p15="http://schemas.microsoft.com/office/powerpoint/2012/main"/>
+    </p:ext>
+  </p:extLst>
 </p:presentation>
 </file>
 
@@ -2403,7 +2408,7 @@
           </a:ln>
           <a:extLst>
             <a:ext uri="{C572A759-6A51-4108-AA02-DFA0A04FC94B}">
-              <ma14:wrappingTextBoxFlag xmlns:ma14="http://schemas.microsoft.com/office/mac/drawingml/2011/main" xmlns="" val="1"/>
+              <ma14:wrappingTextBoxFlag xmlns="" xmlns:ma14="http://schemas.microsoft.com/office/mac/drawingml/2011/main" val="1"/>
             </a:ext>
           </a:extLst>
         </p:spPr>
@@ -2442,7 +2447,7 @@
           </a:ln>
           <a:extLst>
             <a:ext uri="{C572A759-6A51-4108-AA02-DFA0A04FC94B}">
-              <ma14:wrappingTextBoxFlag xmlns:ma14="http://schemas.microsoft.com/office/mac/drawingml/2011/main" xmlns="" val="1"/>
+              <ma14:wrappingTextBoxFlag xmlns="" xmlns:ma14="http://schemas.microsoft.com/office/mac/drawingml/2011/main" val="1"/>
             </a:ext>
           </a:extLst>
         </p:spPr>
@@ -3970,25 +3975,53 @@
           <a:p>
             <a:r>
               <a:rPr dirty="0"/>
-              <a:t>WHT is the best in theory, but sometimes fails </a:t>
+              <a:t>WHT is the best in theory, but sometimes </a:t>
+            </a:r>
+            <a:r>
+              <a:rPr lang="en-US" dirty="0" smtClean="0"/>
+              <a:t>                                                    </a:t>
+            </a:r>
+            <a:r>
+              <a:rPr dirty="0" smtClean="0"/>
+              <a:t>fails</a:t>
+            </a:r>
+            <a:r>
+              <a:rPr lang="en-US" dirty="0" smtClean="0"/>
+              <a:t> </a:t>
+            </a:r>
+            <a:r>
+              <a:rPr dirty="0" smtClean="0"/>
+              <a:t>to </a:t>
+            </a:r>
+            <a:r>
+              <a:rPr dirty="0"/>
+              <a:t>mix rows well enough</a:t>
+            </a:r>
+          </a:p>
+          <a:p>
+            <a:r>
+              <a:rPr dirty="0"/>
+              <a:t>DHT and DCT work better in practice </a:t>
+            </a:r>
+            <a:r>
+              <a:rPr dirty="0" smtClean="0"/>
+              <a:t>and</a:t>
             </a:r>
             <a:r>
               <a:rPr lang="en-US" dirty="0"/>
-              <a:t>			                </a:t>
-            </a:r>
-            <a:r>
-              <a:rPr dirty="0"/>
-              <a:t>to mix rows well enough</a:t>
-            </a:r>
-          </a:p>
-          <a:p>
-            <a:r>
-              <a:rPr dirty="0"/>
-              <a:t>DHT and DCT work better in practice and are </a:t>
-            </a:r>
-            <a:r>
-              <a:rPr lang="en-US" dirty="0"/>
-              <a:t>			             </a:t>
+              <a:t> </a:t>
+            </a:r>
+            <a:r>
+              <a:rPr lang="en-US" dirty="0" smtClean="0"/>
+              <a:t>                                                    </a:t>
+            </a:r>
+            <a:r>
+              <a:rPr dirty="0" smtClean="0"/>
+              <a:t>are</a:t>
+            </a:r>
+            <a:r>
+              <a:rPr lang="en-US" dirty="0" smtClean="0"/>
+              <a:t> </a:t>
             </a:r>
             <a:r>
               <a:rPr dirty="0"/>
@@ -4469,13 +4502,28 @@
           <a:lstStyle/>
           <a:p>
             <a:r>
+              <a:rPr dirty="0"/>
               <a:t>Algorithm runs longer on matrices with high coherence compared to matrices with low coherence</a:t>
             </a:r>
           </a:p>
           <a:p>
             <a:r>
-              <a:t>Blendenpik beast LAPACK in both cases</a:t>
-            </a:r>
+              <a:rPr dirty="0" err="1"/>
+              <a:t>Blendenpik</a:t>
+            </a:r>
+            <a:r>
+              <a:rPr dirty="0"/>
+              <a:t> beast LAPACK in both </a:t>
+            </a:r>
+            <a:r>
+              <a:rPr lang="en-US" dirty="0" smtClean="0"/>
+              <a:t>                                                                      </a:t>
+            </a:r>
+            <a:r>
+              <a:rPr dirty="0" smtClean="0"/>
+              <a:t>cases</a:t>
+            </a:r>
+            <a:endParaRPr dirty="0"/>
           </a:p>
         </p:txBody>
       </p:sp>
@@ -5652,8 +5700,8 @@
           </a:p>
         </p:txBody>
       </p:sp>
-      <mc:AlternateContent xmlns:mc="http://schemas.openxmlformats.org/markup-compatibility/2006">
-        <mc:Choice xmlns:a14="http://schemas.microsoft.com/office/drawing/2010/main" Requires="a14">
+      <mc:AlternateContent xmlns:mc="http://schemas.openxmlformats.org/markup-compatibility/2006" xmlns:a14="http://schemas.microsoft.com/office/drawing/2010/main">
+        <mc:Choice Requires="a14">
           <p:sp>
             <p:nvSpPr>
               <p:cNvPr id="3" name="Text Placeholder 2">
@@ -5825,13 +5873,7 @@
                           <a:rPr lang="en-US" b="0" i="1" smtClean="0">
                             <a:latin typeface="Cambria Math" panose="02040503050406030204" pitchFamily="18" charset="0"/>
                           </a:rPr>
-                          <m:t>±</m:t>
-                        </m:r>
-                        <m:r>
-                          <a:rPr lang="en-US" b="0" i="1" smtClean="0">
-                            <a:latin typeface="Cambria Math" panose="02040503050406030204" pitchFamily="18" charset="0"/>
-                          </a:rPr>
-                          <m:t>1</m:t>
+                          <m:t>±1</m:t>
                         </m:r>
                       </m:e>
                     </m:d>
@@ -6161,7 +6203,7 @@
             </p:txBody>
           </p:sp>
         </mc:Choice>
-        <mc:Fallback>
+        <mc:Fallback xmlns="">
           <p:sp>
             <p:nvSpPr>
               <p:cNvPr id="3" name="Text Placeholder 2">
